--- a/Presentations/2024_COPERF_CGE.pptx
+++ b/Presentations/2024_COPERF_CGE.pptx
@@ -7524,7 +7524,7 @@
           <a:effectLst/>
           <a:extLst>
             <a:ext uri="{AF507438-7753-43e0-B8FC-AC1667EBCBE1}">
-              <a14:hiddenEffects xmlns="" xmlns:a14="http://schemas.microsoft.com/office/drawing/2010/main">
+              <a14:hiddenEffects xmlns:a14="http://schemas.microsoft.com/office/drawing/2010/main" xmlns="">
                 <a:effectLst>
                   <a:outerShdw dist="35921" dir="2700000" algn="ctr" rotWithShape="0">
                     <a:schemeClr val="bg2"/>
@@ -19605,7 +19605,7 @@
         <a:effectLst/>
         <a:extLst>
           <a:ext uri="{AF507438-7753-43e0-B8FC-AC1667EBCBE1}">
-            <a14:hiddenEffects xmlns:a14="http://schemas.microsoft.com/office/drawing/2010/main" xmlns="">
+            <a14:hiddenEffects xmlns="" xmlns:a14="http://schemas.microsoft.com/office/drawing/2010/main">
               <a:effectLst>
                 <a:outerShdw dist="35921" dir="2700000" algn="ctr" rotWithShape="0">
                   <a:schemeClr val="bg2"/>
@@ -19679,7 +19679,7 @@
         <a:effectLst/>
         <a:extLst>
           <a:ext uri="{AF507438-7753-43e0-B8FC-AC1667EBCBE1}">
-            <a14:hiddenEffects xmlns:a14="http://schemas.microsoft.com/office/drawing/2010/main" xmlns="">
+            <a14:hiddenEffects xmlns="" xmlns:a14="http://schemas.microsoft.com/office/drawing/2010/main">
               <a:effectLst>
                 <a:outerShdw dist="35921" dir="2700000" algn="ctr" rotWithShape="0">
                   <a:schemeClr val="bg2"/>

--- a/Presentations/2024_COPERF_CGE.pptx
+++ b/Presentations/2024_COPERF_CGE.pptx
@@ -5,10 +5,10 @@
     <p:sldMasterId id="2147483649" r:id="rId1"/>
   </p:sldMasterIdLst>
   <p:notesMasterIdLst>
-    <p:notesMasterId r:id="rId19"/>
+    <p:notesMasterId r:id="rId21"/>
   </p:notesMasterIdLst>
   <p:handoutMasterIdLst>
-    <p:handoutMasterId r:id="rId20"/>
+    <p:handoutMasterId r:id="rId22"/>
   </p:handoutMasterIdLst>
   <p:sldIdLst>
     <p:sldId id="258" r:id="rId2"/>
@@ -24,10 +24,12 @@
     <p:sldId id="288" r:id="rId12"/>
     <p:sldId id="286" r:id="rId13"/>
     <p:sldId id="289" r:id="rId14"/>
-    <p:sldId id="293" r:id="rId15"/>
-    <p:sldId id="290" r:id="rId16"/>
-    <p:sldId id="291" r:id="rId17"/>
-    <p:sldId id="292" r:id="rId18"/>
+    <p:sldId id="294" r:id="rId15"/>
+    <p:sldId id="295" r:id="rId16"/>
+    <p:sldId id="296" r:id="rId17"/>
+    <p:sldId id="291" r:id="rId18"/>
+    <p:sldId id="297" r:id="rId19"/>
+    <p:sldId id="290" r:id="rId20"/>
   </p:sldIdLst>
   <p:sldSz cx="9144000" cy="6858000" type="screen4x3"/>
   <p:notesSz cx="7315200" cy="9601200"/>
@@ -7524,7 +7526,7 @@
           <a:effectLst/>
           <a:extLst>
             <a:ext uri="{AF507438-7753-43e0-B8FC-AC1667EBCBE1}">
-              <a14:hiddenEffects xmlns:a14="http://schemas.microsoft.com/office/drawing/2010/main" xmlns="">
+              <a14:hiddenEffects xmlns="" xmlns:a14="http://schemas.microsoft.com/office/drawing/2010/main">
                 <a:effectLst>
                   <a:outerShdw dist="35921" dir="2700000" algn="ctr" rotWithShape="0">
                     <a:schemeClr val="bg2"/>
@@ -7772,7 +7774,7 @@
                 </a:solidFill>
                 <a:ea typeface="ＭＳ Ｐゴシック" panose="020B0600070205080204" pitchFamily="34" charset="-128"/>
               </a:rPr>
-              <a:t>Cumul de 2020 à 2024</a:t>
+              <a:t>Cumul de 2019 à 2022 / 2020 à 2023</a:t>
             </a:r>
           </a:p>
           <a:p>
@@ -7783,7 +7785,7 @@
                 </a:solidFill>
                 <a:ea typeface="ＭＳ Ｐゴシック" panose="020B0600070205080204" pitchFamily="34" charset="-128"/>
               </a:rPr>
-              <a:t>Lieu des emplois / Sites</a:t>
+              <a:t>Lieu des emplois en France / Sites</a:t>
             </a:r>
           </a:p>
         </p:txBody>
@@ -7956,12 +7958,1188 @@
           </a:p>
         </p:txBody>
       </p:sp>
+      <p:graphicFrame>
+        <p:nvGraphicFramePr>
+          <p:cNvPr id="5" name="Tableau 4">
+            <a:extLst>
+              <a:ext uri="{FF2B5EF4-FFF2-40B4-BE49-F238E27FC236}">
+                <a16:creationId xmlns:a16="http://schemas.microsoft.com/office/drawing/2014/main" id="{67D5A9BE-B287-0AD5-1BCF-FEC21F1E9A75}"/>
+              </a:ext>
+            </a:extLst>
+          </p:cNvPr>
+          <p:cNvGraphicFramePr>
+            <a:graphicFrameLocks noGrp="1"/>
+          </p:cNvGraphicFramePr>
+          <p:nvPr>
+            <p:extLst>
+              <p:ext uri="{D42A27DB-BD31-4B8C-83A1-F6EECF244321}">
+                <p14:modId xmlns:p14="http://schemas.microsoft.com/office/powerpoint/2010/main" val="1718828325"/>
+              </p:ext>
+            </p:extLst>
+          </p:nvPr>
+        </p:nvGraphicFramePr>
+        <p:xfrm>
+          <a:off x="1514475" y="3137216"/>
+          <a:ext cx="6095999" cy="2595880"/>
+        </p:xfrm>
+        <a:graphic>
+          <a:graphicData uri="http://schemas.openxmlformats.org/drawingml/2006/table">
+            <a:tbl>
+              <a:tblPr firstRow="1" bandRow="1">
+                <a:tableStyleId>{21E4AEA4-8DFA-4A89-87EB-49C32662AFE0}</a:tableStyleId>
+              </a:tblPr>
+              <a:tblGrid>
+                <a:gridCol w="870857">
+                  <a:extLst>
+                    <a:ext uri="{9D8B030D-6E8A-4147-A177-3AD203B41FA5}">
+                      <a16:colId xmlns:a16="http://schemas.microsoft.com/office/drawing/2014/main" val="2053038476"/>
+                    </a:ext>
+                  </a:extLst>
+                </a:gridCol>
+                <a:gridCol w="870857">
+                  <a:extLst>
+                    <a:ext uri="{9D8B030D-6E8A-4147-A177-3AD203B41FA5}">
+                      <a16:colId xmlns:a16="http://schemas.microsoft.com/office/drawing/2014/main" val="3832746835"/>
+                    </a:ext>
+                  </a:extLst>
+                </a:gridCol>
+                <a:gridCol w="870857">
+                  <a:extLst>
+                    <a:ext uri="{9D8B030D-6E8A-4147-A177-3AD203B41FA5}">
+                      <a16:colId xmlns:a16="http://schemas.microsoft.com/office/drawing/2014/main" val="4009216877"/>
+                    </a:ext>
+                  </a:extLst>
+                </a:gridCol>
+                <a:gridCol w="870857">
+                  <a:extLst>
+                    <a:ext uri="{9D8B030D-6E8A-4147-A177-3AD203B41FA5}">
+                      <a16:colId xmlns:a16="http://schemas.microsoft.com/office/drawing/2014/main" val="3856658833"/>
+                    </a:ext>
+                  </a:extLst>
+                </a:gridCol>
+                <a:gridCol w="870857">
+                  <a:extLst>
+                    <a:ext uri="{9D8B030D-6E8A-4147-A177-3AD203B41FA5}">
+                      <a16:colId xmlns:a16="http://schemas.microsoft.com/office/drawing/2014/main" val="1457748498"/>
+                    </a:ext>
+                  </a:extLst>
+                </a:gridCol>
+                <a:gridCol w="870857">
+                  <a:extLst>
+                    <a:ext uri="{9D8B030D-6E8A-4147-A177-3AD203B41FA5}">
+                      <a16:colId xmlns:a16="http://schemas.microsoft.com/office/drawing/2014/main" val="3308663209"/>
+                    </a:ext>
+                  </a:extLst>
+                </a:gridCol>
+                <a:gridCol w="870857">
+                  <a:extLst>
+                    <a:ext uri="{9D8B030D-6E8A-4147-A177-3AD203B41FA5}">
+                      <a16:colId xmlns:a16="http://schemas.microsoft.com/office/drawing/2014/main" val="2294340571"/>
+                    </a:ext>
+                  </a:extLst>
+                </a:gridCol>
+              </a:tblGrid>
+              <a:tr h="370840">
+                <a:tc>
+                  <a:txBody>
+                    <a:bodyPr/>
+                    <a:lstStyle/>
+                    <a:p>
+                      <a:pPr algn="ctr"/>
+                      <a:r>
+                        <a:rPr lang="fr-FR" sz="1400" dirty="0"/>
+                        <a:t>Sites</a:t>
+                      </a:r>
+                    </a:p>
+                  </a:txBody>
+                  <a:tcPr/>
+                </a:tc>
+                <a:tc>
+                  <a:txBody>
+                    <a:bodyPr/>
+                    <a:lstStyle/>
+                    <a:p>
+                      <a:pPr algn="ctr"/>
+                      <a:r>
+                        <a:rPr lang="fr-FR" sz="1400" dirty="0"/>
+                        <a:t>IDF</a:t>
+                      </a:r>
+                    </a:p>
+                  </a:txBody>
+                  <a:tcPr/>
+                </a:tc>
+                <a:tc>
+                  <a:txBody>
+                    <a:bodyPr/>
+                    <a:lstStyle/>
+                    <a:p>
+                      <a:pPr algn="ctr"/>
+                      <a:r>
+                        <a:rPr lang="fr-FR" sz="1400" dirty="0" err="1"/>
+                        <a:t>horsIDF</a:t>
+                      </a:r>
+                      <a:endParaRPr lang="fr-FR" sz="1400" dirty="0"/>
+                    </a:p>
+                  </a:txBody>
+                  <a:tcPr/>
+                </a:tc>
+                <a:tc>
+                  <a:txBody>
+                    <a:bodyPr/>
+                    <a:lstStyle/>
+                    <a:p>
+                      <a:pPr algn="ctr"/>
+                      <a:r>
+                        <a:rPr lang="fr-FR" sz="1050" dirty="0"/>
+                        <a:t>Nb Rep</a:t>
+                      </a:r>
+                    </a:p>
+                  </a:txBody>
+                  <a:tcPr/>
+                </a:tc>
+                <a:tc>
+                  <a:txBody>
+                    <a:bodyPr/>
+                    <a:lstStyle/>
+                    <a:p>
+                      <a:pPr algn="ctr"/>
+                      <a:r>
+                        <a:rPr lang="fr-FR" sz="1400" dirty="0"/>
+                        <a:t>IDF</a:t>
+                      </a:r>
+                    </a:p>
+                  </a:txBody>
+                  <a:tcPr/>
+                </a:tc>
+                <a:tc>
+                  <a:txBody>
+                    <a:bodyPr/>
+                    <a:lstStyle/>
+                    <a:p>
+                      <a:pPr algn="ctr"/>
+                      <a:r>
+                        <a:rPr lang="fr-FR" sz="1400" dirty="0" err="1"/>
+                        <a:t>horsIDF</a:t>
+                      </a:r>
+                      <a:endParaRPr lang="fr-FR" sz="1400" dirty="0"/>
+                    </a:p>
+                  </a:txBody>
+                  <a:tcPr/>
+                </a:tc>
+                <a:tc>
+                  <a:txBody>
+                    <a:bodyPr/>
+                    <a:lstStyle/>
+                    <a:p>
+                      <a:pPr algn="ctr"/>
+                      <a:r>
+                        <a:rPr lang="fr-FR" sz="1050" dirty="0"/>
+                        <a:t>Nb Rep</a:t>
+                      </a:r>
+                    </a:p>
+                  </a:txBody>
+                  <a:tcPr/>
+                </a:tc>
+                <a:extLst>
+                  <a:ext uri="{0D108BD9-81ED-4DB2-BD59-A6C34878D82A}">
+                    <a16:rowId xmlns:a16="http://schemas.microsoft.com/office/drawing/2014/main" val="3899797023"/>
+                  </a:ext>
+                </a:extLst>
+              </a:tr>
+              <a:tr h="370840">
+                <a:tc>
+                  <a:txBody>
+                    <a:bodyPr/>
+                    <a:lstStyle/>
+                    <a:p>
+                      <a:pPr algn="ctr"/>
+                      <a:r>
+                        <a:rPr lang="fr-FR" sz="1600" dirty="0"/>
+                        <a:t>CGE</a:t>
+                      </a:r>
+                    </a:p>
+                  </a:txBody>
+                  <a:tcPr/>
+                </a:tc>
+                <a:tc>
+                  <a:txBody>
+                    <a:bodyPr/>
+                    <a:lstStyle/>
+                    <a:p>
+                      <a:pPr algn="ctr" fontAlgn="base"/>
+                      <a:r>
+                        <a:rPr lang="fr-FR" sz="1400" dirty="0">
+                          <a:solidFill>
+                            <a:srgbClr val="3D4449"/>
+                          </a:solidFill>
+                          <a:effectLst/>
+                        </a:rPr>
+                        <a:t>40.4 %</a:t>
+                      </a:r>
+                    </a:p>
+                  </a:txBody>
+                  <a:tcPr anchor="ctr"/>
+                </a:tc>
+                <a:tc>
+                  <a:txBody>
+                    <a:bodyPr/>
+                    <a:lstStyle/>
+                    <a:p>
+                      <a:pPr algn="ctr" fontAlgn="base"/>
+                      <a:r>
+                        <a:rPr lang="fr-FR" sz="1400" dirty="0">
+                          <a:solidFill>
+                            <a:srgbClr val="443597"/>
+                          </a:solidFill>
+                          <a:effectLst/>
+                        </a:rPr>
+                        <a:t>59.6 %</a:t>
+                      </a:r>
+                    </a:p>
+                  </a:txBody>
+                  <a:tcPr anchor="ctr"/>
+                </a:tc>
+                <a:tc>
+                  <a:txBody>
+                    <a:bodyPr/>
+                    <a:lstStyle/>
+                    <a:p>
+                      <a:pPr algn="ctr"/>
+                      <a:endParaRPr lang="fr-FR" sz="1400" dirty="0"/>
+                    </a:p>
+                  </a:txBody>
+                  <a:tcPr/>
+                </a:tc>
+                <a:tc>
+                  <a:txBody>
+                    <a:bodyPr/>
+                    <a:lstStyle/>
+                    <a:p>
+                      <a:pPr algn="ctr" fontAlgn="base"/>
+                      <a:r>
+                        <a:rPr lang="fr-FR" sz="1400" dirty="0">
+                          <a:solidFill>
+                            <a:srgbClr val="3D4449"/>
+                          </a:solidFill>
+                          <a:effectLst/>
+                        </a:rPr>
+                        <a:t>39.7 %</a:t>
+                      </a:r>
+                    </a:p>
+                  </a:txBody>
+                  <a:tcPr anchor="ctr"/>
+                </a:tc>
+                <a:tc>
+                  <a:txBody>
+                    <a:bodyPr/>
+                    <a:lstStyle/>
+                    <a:p>
+                      <a:pPr algn="ctr" fontAlgn="base"/>
+                      <a:r>
+                        <a:rPr lang="fr-FR" sz="1400" dirty="0">
+                          <a:solidFill>
+                            <a:srgbClr val="443597"/>
+                          </a:solidFill>
+                          <a:effectLst/>
+                        </a:rPr>
+                        <a:t>60.3 %</a:t>
+                      </a:r>
+                    </a:p>
+                  </a:txBody>
+                  <a:tcPr anchor="ctr"/>
+                </a:tc>
+                <a:tc>
+                  <a:txBody>
+                    <a:bodyPr/>
+                    <a:lstStyle/>
+                    <a:p>
+                      <a:pPr algn="ctr"/>
+                      <a:endParaRPr lang="fr-FR" sz="1100" dirty="0"/>
+                    </a:p>
+                  </a:txBody>
+                  <a:tcPr/>
+                </a:tc>
+                <a:extLst>
+                  <a:ext uri="{0D108BD9-81ED-4DB2-BD59-A6C34878D82A}">
+                    <a16:rowId xmlns:a16="http://schemas.microsoft.com/office/drawing/2014/main" val="952767304"/>
+                  </a:ext>
+                </a:extLst>
+              </a:tr>
+              <a:tr h="370840">
+                <a:tc>
+                  <a:txBody>
+                    <a:bodyPr/>
+                    <a:lstStyle/>
+                    <a:p>
+                      <a:pPr algn="ctr"/>
+                      <a:r>
+                        <a:rPr lang="fr-FR" b="1" dirty="0" err="1"/>
+                        <a:t>Ens</a:t>
+                      </a:r>
+                      <a:r>
+                        <a:rPr lang="fr-FR" b="1" dirty="0"/>
+                        <a:t>.</a:t>
+                      </a:r>
+                    </a:p>
+                  </a:txBody>
+                  <a:tcPr/>
+                </a:tc>
+                <a:tc>
+                  <a:txBody>
+                    <a:bodyPr/>
+                    <a:lstStyle/>
+                    <a:p>
+                      <a:pPr algn="ctr" fontAlgn="base"/>
+                      <a:r>
+                        <a:rPr lang="fr-FR" b="1" dirty="0">
+                          <a:solidFill>
+                            <a:srgbClr val="3D4449"/>
+                          </a:solidFill>
+                          <a:effectLst/>
+                          <a:latin typeface="inherit"/>
+                        </a:rPr>
+                        <a:t>70.5 %</a:t>
+                      </a:r>
+                      <a:endParaRPr lang="fr-FR" dirty="0">
+                        <a:effectLst/>
+                      </a:endParaRPr>
+                    </a:p>
+                  </a:txBody>
+                  <a:tcPr anchor="ctr"/>
+                </a:tc>
+                <a:tc>
+                  <a:txBody>
+                    <a:bodyPr/>
+                    <a:lstStyle/>
+                    <a:p>
+                      <a:pPr algn="ctr" fontAlgn="base"/>
+                      <a:r>
+                        <a:rPr lang="fr-FR" b="1">
+                          <a:solidFill>
+                            <a:srgbClr val="443597"/>
+                          </a:solidFill>
+                          <a:effectLst/>
+                          <a:latin typeface="inherit"/>
+                        </a:rPr>
+                        <a:t>29.5 %</a:t>
+                      </a:r>
+                      <a:endParaRPr lang="fr-FR">
+                        <a:effectLst/>
+                      </a:endParaRPr>
+                    </a:p>
+                  </a:txBody>
+                  <a:tcPr anchor="ctr"/>
+                </a:tc>
+                <a:tc>
+                  <a:txBody>
+                    <a:bodyPr/>
+                    <a:lstStyle/>
+                    <a:p>
+                      <a:pPr algn="ctr" fontAlgn="base"/>
+                      <a:r>
+                        <a:rPr lang="fr-FR" sz="1200" b="1" dirty="0">
+                          <a:solidFill>
+                            <a:srgbClr val="376E8B"/>
+                          </a:solidFill>
+                          <a:effectLst/>
+                          <a:latin typeface="inherit"/>
+                        </a:rPr>
+                        <a:t>146</a:t>
+                      </a:r>
+                      <a:endParaRPr lang="fr-FR" sz="1200" dirty="0">
+                        <a:effectLst/>
+                      </a:endParaRPr>
+                    </a:p>
+                  </a:txBody>
+                  <a:tcPr anchor="ctr"/>
+                </a:tc>
+                <a:tc>
+                  <a:txBody>
+                    <a:bodyPr/>
+                    <a:lstStyle/>
+                    <a:p>
+                      <a:pPr algn="ctr" fontAlgn="base"/>
+                      <a:r>
+                        <a:rPr lang="fr-FR" b="1" dirty="0">
+                          <a:solidFill>
+                            <a:srgbClr val="3D4449"/>
+                          </a:solidFill>
+                          <a:effectLst/>
+                          <a:latin typeface="inherit"/>
+                        </a:rPr>
+                        <a:t>71.8 %</a:t>
+                      </a:r>
+                      <a:endParaRPr lang="fr-FR" dirty="0">
+                        <a:effectLst/>
+                      </a:endParaRPr>
+                    </a:p>
+                  </a:txBody>
+                  <a:tcPr anchor="ctr"/>
+                </a:tc>
+                <a:tc>
+                  <a:txBody>
+                    <a:bodyPr/>
+                    <a:lstStyle/>
+                    <a:p>
+                      <a:pPr algn="ctr" fontAlgn="base"/>
+                      <a:r>
+                        <a:rPr lang="fr-FR" b="1">
+                          <a:solidFill>
+                            <a:srgbClr val="443597"/>
+                          </a:solidFill>
+                          <a:effectLst/>
+                          <a:latin typeface="inherit"/>
+                        </a:rPr>
+                        <a:t>28.2 %</a:t>
+                      </a:r>
+                      <a:endParaRPr lang="fr-FR">
+                        <a:effectLst/>
+                      </a:endParaRPr>
+                    </a:p>
+                  </a:txBody>
+                  <a:tcPr anchor="ctr"/>
+                </a:tc>
+                <a:tc>
+                  <a:txBody>
+                    <a:bodyPr/>
+                    <a:lstStyle/>
+                    <a:p>
+                      <a:pPr algn="ctr" fontAlgn="base"/>
+                      <a:r>
+                        <a:rPr lang="fr-FR" sz="1200" b="1" dirty="0">
+                          <a:solidFill>
+                            <a:srgbClr val="376E8B"/>
+                          </a:solidFill>
+                          <a:effectLst/>
+                          <a:latin typeface="inherit"/>
+                        </a:rPr>
+                        <a:t>131</a:t>
+                      </a:r>
+                      <a:endParaRPr lang="fr-FR" sz="1200" dirty="0">
+                        <a:effectLst/>
+                      </a:endParaRPr>
+                    </a:p>
+                  </a:txBody>
+                  <a:tcPr anchor="ctr"/>
+                </a:tc>
+                <a:extLst>
+                  <a:ext uri="{0D108BD9-81ED-4DB2-BD59-A6C34878D82A}">
+                    <a16:rowId xmlns:a16="http://schemas.microsoft.com/office/drawing/2014/main" val="809898311"/>
+                  </a:ext>
+                </a:extLst>
+              </a:tr>
+              <a:tr h="370840">
+                <a:tc>
+                  <a:txBody>
+                    <a:bodyPr/>
+                    <a:lstStyle/>
+                    <a:p>
+                      <a:pPr algn="ctr"/>
+                      <a:r>
+                        <a:rPr lang="fr-FR" sz="1600" dirty="0">
+                          <a:solidFill>
+                            <a:schemeClr val="bg1"/>
+                          </a:solidFill>
+                        </a:rPr>
+                        <a:t>Pal.</a:t>
+                      </a:r>
+                    </a:p>
+                  </a:txBody>
+                  <a:tcPr>
+                    <a:solidFill>
+                      <a:schemeClr val="accent6">
+                        <a:lumMod val="40000"/>
+                        <a:lumOff val="60000"/>
+                      </a:schemeClr>
+                    </a:solidFill>
+                  </a:tcPr>
+                </a:tc>
+                <a:tc>
+                  <a:txBody>
+                    <a:bodyPr/>
+                    <a:lstStyle/>
+                    <a:p>
+                      <a:pPr algn="ctr" fontAlgn="base"/>
+                      <a:r>
+                        <a:rPr lang="fr-FR" sz="1400" dirty="0">
+                          <a:solidFill>
+                            <a:schemeClr val="bg1"/>
+                          </a:solidFill>
+                          <a:effectLst/>
+                        </a:rPr>
+                        <a:t>81.3 %</a:t>
+                      </a:r>
+                    </a:p>
+                  </a:txBody>
+                  <a:tcPr anchor="ctr">
+                    <a:solidFill>
+                      <a:schemeClr val="accent6">
+                        <a:lumMod val="40000"/>
+                        <a:lumOff val="60000"/>
+                      </a:schemeClr>
+                    </a:solidFill>
+                  </a:tcPr>
+                </a:tc>
+                <a:tc>
+                  <a:txBody>
+                    <a:bodyPr/>
+                    <a:lstStyle/>
+                    <a:p>
+                      <a:pPr algn="ctr" fontAlgn="base"/>
+                      <a:r>
+                        <a:rPr lang="fr-FR" sz="1400" dirty="0">
+                          <a:solidFill>
+                            <a:schemeClr val="bg1"/>
+                          </a:solidFill>
+                          <a:effectLst/>
+                        </a:rPr>
+                        <a:t>18.7 %</a:t>
+                      </a:r>
+                    </a:p>
+                  </a:txBody>
+                  <a:tcPr anchor="ctr">
+                    <a:solidFill>
+                      <a:schemeClr val="accent6">
+                        <a:lumMod val="40000"/>
+                        <a:lumOff val="60000"/>
+                      </a:schemeClr>
+                    </a:solidFill>
+                  </a:tcPr>
+                </a:tc>
+                <a:tc>
+                  <a:txBody>
+                    <a:bodyPr/>
+                    <a:lstStyle/>
+                    <a:p>
+                      <a:pPr algn="ctr" fontAlgn="base"/>
+                      <a:r>
+                        <a:rPr lang="fr-FR" sz="1100" dirty="0">
+                          <a:solidFill>
+                            <a:schemeClr val="bg1"/>
+                          </a:solidFill>
+                          <a:effectLst/>
+                        </a:rPr>
+                        <a:t>75</a:t>
+                      </a:r>
+                    </a:p>
+                  </a:txBody>
+                  <a:tcPr anchor="ctr">
+                    <a:solidFill>
+                      <a:schemeClr val="accent6">
+                        <a:lumMod val="40000"/>
+                        <a:lumOff val="60000"/>
+                      </a:schemeClr>
+                    </a:solidFill>
+                  </a:tcPr>
+                </a:tc>
+                <a:tc>
+                  <a:txBody>
+                    <a:bodyPr/>
+                    <a:lstStyle/>
+                    <a:p>
+                      <a:pPr algn="ctr" fontAlgn="base"/>
+                      <a:r>
+                        <a:rPr lang="fr-FR" sz="1400" dirty="0">
+                          <a:solidFill>
+                            <a:schemeClr val="bg1"/>
+                          </a:solidFill>
+                          <a:effectLst/>
+                        </a:rPr>
+                        <a:t>77.9 %</a:t>
+                      </a:r>
+                    </a:p>
+                  </a:txBody>
+                  <a:tcPr anchor="ctr">
+                    <a:solidFill>
+                      <a:schemeClr val="accent6">
+                        <a:lumMod val="40000"/>
+                        <a:lumOff val="60000"/>
+                      </a:schemeClr>
+                    </a:solidFill>
+                  </a:tcPr>
+                </a:tc>
+                <a:tc>
+                  <a:txBody>
+                    <a:bodyPr/>
+                    <a:lstStyle/>
+                    <a:p>
+                      <a:pPr algn="ctr" fontAlgn="base"/>
+                      <a:r>
+                        <a:rPr lang="fr-FR" sz="1400" dirty="0">
+                          <a:solidFill>
+                            <a:schemeClr val="bg1"/>
+                          </a:solidFill>
+                          <a:effectLst/>
+                        </a:rPr>
+                        <a:t>22.1 %</a:t>
+                      </a:r>
+                    </a:p>
+                  </a:txBody>
+                  <a:tcPr anchor="ctr">
+                    <a:solidFill>
+                      <a:schemeClr val="accent6">
+                        <a:lumMod val="40000"/>
+                        <a:lumOff val="60000"/>
+                      </a:schemeClr>
+                    </a:solidFill>
+                  </a:tcPr>
+                </a:tc>
+                <a:tc>
+                  <a:txBody>
+                    <a:bodyPr/>
+                    <a:lstStyle/>
+                    <a:p>
+                      <a:pPr algn="ctr" fontAlgn="base"/>
+                      <a:r>
+                        <a:rPr lang="fr-FR" sz="1100" dirty="0">
+                          <a:solidFill>
+                            <a:schemeClr val="bg1"/>
+                          </a:solidFill>
+                          <a:effectLst/>
+                        </a:rPr>
+                        <a:t>77</a:t>
+                      </a:r>
+                    </a:p>
+                  </a:txBody>
+                  <a:tcPr anchor="ctr">
+                    <a:solidFill>
+                      <a:schemeClr val="accent6">
+                        <a:lumMod val="40000"/>
+                        <a:lumOff val="60000"/>
+                      </a:schemeClr>
+                    </a:solidFill>
+                  </a:tcPr>
+                </a:tc>
+                <a:extLst>
+                  <a:ext uri="{0D108BD9-81ED-4DB2-BD59-A6C34878D82A}">
+                    <a16:rowId xmlns:a16="http://schemas.microsoft.com/office/drawing/2014/main" val="2207166277"/>
+                  </a:ext>
+                </a:extLst>
+              </a:tr>
+              <a:tr h="370840">
+                <a:tc>
+                  <a:txBody>
+                    <a:bodyPr/>
+                    <a:lstStyle/>
+                    <a:p>
+                      <a:pPr algn="ctr"/>
+                      <a:r>
+                        <a:rPr lang="fr-FR" sz="1600" dirty="0" err="1">
+                          <a:solidFill>
+                            <a:schemeClr val="bg1"/>
+                          </a:solidFill>
+                        </a:rPr>
+                        <a:t>Bdx</a:t>
+                      </a:r>
+                      <a:endParaRPr lang="fr-FR" sz="1600" dirty="0">
+                        <a:solidFill>
+                          <a:schemeClr val="bg1"/>
+                        </a:solidFill>
+                      </a:endParaRPr>
+                    </a:p>
+                  </a:txBody>
+                  <a:tcPr>
+                    <a:solidFill>
+                      <a:schemeClr val="accent6">
+                        <a:lumMod val="60000"/>
+                        <a:lumOff val="40000"/>
+                      </a:schemeClr>
+                    </a:solidFill>
+                  </a:tcPr>
+                </a:tc>
+                <a:tc>
+                  <a:txBody>
+                    <a:bodyPr/>
+                    <a:lstStyle/>
+                    <a:p>
+                      <a:pPr algn="ctr" fontAlgn="base"/>
+                      <a:r>
+                        <a:rPr lang="fr-FR" sz="1400" dirty="0">
+                          <a:solidFill>
+                            <a:schemeClr val="bg1"/>
+                          </a:solidFill>
+                          <a:effectLst/>
+                        </a:rPr>
+                        <a:t>65.8 %</a:t>
+                      </a:r>
+                    </a:p>
+                  </a:txBody>
+                  <a:tcPr anchor="ctr">
+                    <a:solidFill>
+                      <a:schemeClr val="accent6">
+                        <a:lumMod val="60000"/>
+                        <a:lumOff val="40000"/>
+                      </a:schemeClr>
+                    </a:solidFill>
+                  </a:tcPr>
+                </a:tc>
+                <a:tc>
+                  <a:txBody>
+                    <a:bodyPr/>
+                    <a:lstStyle/>
+                    <a:p>
+                      <a:pPr algn="ctr" fontAlgn="base"/>
+                      <a:r>
+                        <a:rPr lang="fr-FR" sz="1400" dirty="0">
+                          <a:solidFill>
+                            <a:schemeClr val="bg1"/>
+                          </a:solidFill>
+                          <a:effectLst/>
+                        </a:rPr>
+                        <a:t>34.2 %</a:t>
+                      </a:r>
+                    </a:p>
+                  </a:txBody>
+                  <a:tcPr anchor="ctr">
+                    <a:solidFill>
+                      <a:schemeClr val="accent6">
+                        <a:lumMod val="60000"/>
+                        <a:lumOff val="40000"/>
+                      </a:schemeClr>
+                    </a:solidFill>
+                  </a:tcPr>
+                </a:tc>
+                <a:tc>
+                  <a:txBody>
+                    <a:bodyPr/>
+                    <a:lstStyle/>
+                    <a:p>
+                      <a:pPr algn="ctr" fontAlgn="base"/>
+                      <a:r>
+                        <a:rPr lang="fr-FR" sz="1100" dirty="0">
+                          <a:solidFill>
+                            <a:schemeClr val="bg1"/>
+                          </a:solidFill>
+                          <a:effectLst/>
+                        </a:rPr>
+                        <a:t>38</a:t>
+                      </a:r>
+                    </a:p>
+                  </a:txBody>
+                  <a:tcPr anchor="ctr">
+                    <a:solidFill>
+                      <a:schemeClr val="accent6">
+                        <a:lumMod val="60000"/>
+                        <a:lumOff val="40000"/>
+                      </a:schemeClr>
+                    </a:solidFill>
+                  </a:tcPr>
+                </a:tc>
+                <a:tc>
+                  <a:txBody>
+                    <a:bodyPr/>
+                    <a:lstStyle/>
+                    <a:p>
+                      <a:pPr algn="ctr" fontAlgn="base"/>
+                      <a:r>
+                        <a:rPr lang="fr-FR" sz="1400" dirty="0">
+                          <a:solidFill>
+                            <a:schemeClr val="bg1"/>
+                          </a:solidFill>
+                          <a:effectLst/>
+                        </a:rPr>
+                        <a:t>57.1 %</a:t>
+                      </a:r>
+                    </a:p>
+                  </a:txBody>
+                  <a:tcPr anchor="ctr">
+                    <a:solidFill>
+                      <a:schemeClr val="accent6">
+                        <a:lumMod val="60000"/>
+                        <a:lumOff val="40000"/>
+                      </a:schemeClr>
+                    </a:solidFill>
+                  </a:tcPr>
+                </a:tc>
+                <a:tc>
+                  <a:txBody>
+                    <a:bodyPr/>
+                    <a:lstStyle/>
+                    <a:p>
+                      <a:pPr algn="ctr" fontAlgn="base"/>
+                      <a:r>
+                        <a:rPr lang="fr-FR" sz="1400" dirty="0">
+                          <a:solidFill>
+                            <a:schemeClr val="bg1"/>
+                          </a:solidFill>
+                          <a:effectLst/>
+                        </a:rPr>
+                        <a:t>42.9 %</a:t>
+                      </a:r>
+                    </a:p>
+                  </a:txBody>
+                  <a:tcPr anchor="ctr">
+                    <a:solidFill>
+                      <a:schemeClr val="accent6">
+                        <a:lumMod val="60000"/>
+                        <a:lumOff val="40000"/>
+                      </a:schemeClr>
+                    </a:solidFill>
+                  </a:tcPr>
+                </a:tc>
+                <a:tc>
+                  <a:txBody>
+                    <a:bodyPr/>
+                    <a:lstStyle/>
+                    <a:p>
+                      <a:pPr algn="ctr" fontAlgn="base"/>
+                      <a:r>
+                        <a:rPr lang="fr-FR" sz="1100" dirty="0">
+                          <a:solidFill>
+                            <a:schemeClr val="bg1"/>
+                          </a:solidFill>
+                          <a:effectLst/>
+                        </a:rPr>
+                        <a:t>21</a:t>
+                      </a:r>
+                    </a:p>
+                  </a:txBody>
+                  <a:tcPr anchor="ctr">
+                    <a:solidFill>
+                      <a:schemeClr val="accent6">
+                        <a:lumMod val="60000"/>
+                        <a:lumOff val="40000"/>
+                      </a:schemeClr>
+                    </a:solidFill>
+                  </a:tcPr>
+                </a:tc>
+                <a:extLst>
+                  <a:ext uri="{0D108BD9-81ED-4DB2-BD59-A6C34878D82A}">
+                    <a16:rowId xmlns:a16="http://schemas.microsoft.com/office/drawing/2014/main" val="1083475024"/>
+                  </a:ext>
+                </a:extLst>
+              </a:tr>
+              <a:tr h="370840">
+                <a:tc>
+                  <a:txBody>
+                    <a:bodyPr/>
+                    <a:lstStyle/>
+                    <a:p>
+                      <a:pPr algn="ctr"/>
+                      <a:r>
+                        <a:rPr lang="fr-FR" sz="1600" dirty="0" err="1">
+                          <a:solidFill>
+                            <a:schemeClr val="bg1"/>
+                          </a:solidFill>
+                        </a:rPr>
+                        <a:t>StE</a:t>
+                      </a:r>
+                      <a:endParaRPr lang="fr-FR" sz="1600" dirty="0">
+                        <a:solidFill>
+                          <a:schemeClr val="bg1"/>
+                        </a:solidFill>
+                      </a:endParaRPr>
+                    </a:p>
+                  </a:txBody>
+                  <a:tcPr>
+                    <a:solidFill>
+                      <a:schemeClr val="accent6">
+                        <a:lumMod val="75000"/>
+                      </a:schemeClr>
+                    </a:solidFill>
+                  </a:tcPr>
+                </a:tc>
+                <a:tc>
+                  <a:txBody>
+                    <a:bodyPr/>
+                    <a:lstStyle/>
+                    <a:p>
+                      <a:pPr algn="ctr" fontAlgn="base"/>
+                      <a:r>
+                        <a:rPr lang="fr-FR" sz="1400" dirty="0">
+                          <a:solidFill>
+                            <a:schemeClr val="bg1"/>
+                          </a:solidFill>
+                          <a:effectLst/>
+                        </a:rPr>
+                        <a:t>63.2 %</a:t>
+                      </a:r>
+                    </a:p>
+                  </a:txBody>
+                  <a:tcPr anchor="ctr">
+                    <a:solidFill>
+                      <a:schemeClr val="accent6">
+                        <a:lumMod val="75000"/>
+                      </a:schemeClr>
+                    </a:solidFill>
+                  </a:tcPr>
+                </a:tc>
+                <a:tc>
+                  <a:txBody>
+                    <a:bodyPr/>
+                    <a:lstStyle/>
+                    <a:p>
+                      <a:pPr algn="ctr" fontAlgn="base"/>
+                      <a:r>
+                        <a:rPr lang="fr-FR" sz="1400" dirty="0">
+                          <a:solidFill>
+                            <a:schemeClr val="bg1"/>
+                          </a:solidFill>
+                          <a:effectLst/>
+                        </a:rPr>
+                        <a:t>36.8 %</a:t>
+                      </a:r>
+                    </a:p>
+                  </a:txBody>
+                  <a:tcPr anchor="ctr">
+                    <a:solidFill>
+                      <a:schemeClr val="accent6">
+                        <a:lumMod val="75000"/>
+                      </a:schemeClr>
+                    </a:solidFill>
+                  </a:tcPr>
+                </a:tc>
+                <a:tc>
+                  <a:txBody>
+                    <a:bodyPr/>
+                    <a:lstStyle/>
+                    <a:p>
+                      <a:pPr algn="ctr" fontAlgn="base"/>
+                      <a:r>
+                        <a:rPr lang="fr-FR" sz="1100" dirty="0">
+                          <a:solidFill>
+                            <a:schemeClr val="bg1"/>
+                          </a:solidFill>
+                          <a:effectLst/>
+                        </a:rPr>
+                        <a:t>22</a:t>
+                      </a:r>
+                    </a:p>
+                  </a:txBody>
+                  <a:tcPr anchor="ctr">
+                    <a:solidFill>
+                      <a:schemeClr val="accent6">
+                        <a:lumMod val="75000"/>
+                      </a:schemeClr>
+                    </a:solidFill>
+                  </a:tcPr>
+                </a:tc>
+                <a:tc>
+                  <a:txBody>
+                    <a:bodyPr/>
+                    <a:lstStyle/>
+                    <a:p>
+                      <a:pPr algn="ctr" fontAlgn="base"/>
+                      <a:r>
+                        <a:rPr lang="fr-FR" sz="1400" dirty="0">
+                          <a:solidFill>
+                            <a:schemeClr val="bg1"/>
+                          </a:solidFill>
+                          <a:effectLst/>
+                        </a:rPr>
+                        <a:t>58.8 %</a:t>
+                      </a:r>
+                    </a:p>
+                  </a:txBody>
+                  <a:tcPr anchor="ctr">
+                    <a:solidFill>
+                      <a:schemeClr val="accent6">
+                        <a:lumMod val="75000"/>
+                      </a:schemeClr>
+                    </a:solidFill>
+                  </a:tcPr>
+                </a:tc>
+                <a:tc>
+                  <a:txBody>
+                    <a:bodyPr/>
+                    <a:lstStyle/>
+                    <a:p>
+                      <a:pPr algn="ctr" fontAlgn="base"/>
+                      <a:r>
+                        <a:rPr lang="fr-FR" sz="1400" dirty="0">
+                          <a:solidFill>
+                            <a:schemeClr val="bg1"/>
+                          </a:solidFill>
+                          <a:effectLst/>
+                        </a:rPr>
+                        <a:t>41.2 %</a:t>
+                      </a:r>
+                    </a:p>
+                  </a:txBody>
+                  <a:tcPr anchor="ctr">
+                    <a:solidFill>
+                      <a:schemeClr val="accent6">
+                        <a:lumMod val="75000"/>
+                      </a:schemeClr>
+                    </a:solidFill>
+                  </a:tcPr>
+                </a:tc>
+                <a:tc>
+                  <a:txBody>
+                    <a:bodyPr/>
+                    <a:lstStyle/>
+                    <a:p>
+                      <a:pPr algn="ctr" fontAlgn="base"/>
+                      <a:r>
+                        <a:rPr lang="fr-FR" sz="1100" dirty="0">
+                          <a:solidFill>
+                            <a:schemeClr val="bg1"/>
+                          </a:solidFill>
+                          <a:effectLst/>
+                        </a:rPr>
+                        <a:t>17</a:t>
+                      </a:r>
+                    </a:p>
+                  </a:txBody>
+                  <a:tcPr anchor="ctr">
+                    <a:solidFill>
+                      <a:schemeClr val="accent6">
+                        <a:lumMod val="75000"/>
+                      </a:schemeClr>
+                    </a:solidFill>
+                  </a:tcPr>
+                </a:tc>
+                <a:extLst>
+                  <a:ext uri="{0D108BD9-81ED-4DB2-BD59-A6C34878D82A}">
+                    <a16:rowId xmlns:a16="http://schemas.microsoft.com/office/drawing/2014/main" val="1118240960"/>
+                  </a:ext>
+                </a:extLst>
+              </a:tr>
+              <a:tr h="370840">
+                <a:tc>
+                  <a:txBody>
+                    <a:bodyPr/>
+                    <a:lstStyle/>
+                    <a:p>
+                      <a:pPr algn="ctr"/>
+                      <a:r>
+                        <a:rPr lang="fr-FR" sz="1600" dirty="0"/>
+                        <a:t>Ext</a:t>
+                      </a:r>
+                    </a:p>
+                  </a:txBody>
+                  <a:tcPr/>
+                </a:tc>
+                <a:tc>
+                  <a:txBody>
+                    <a:bodyPr/>
+                    <a:lstStyle/>
+                    <a:p>
+                      <a:pPr algn="ctr" fontAlgn="base"/>
+                      <a:r>
+                        <a:rPr lang="fr-FR" sz="1400" dirty="0">
+                          <a:solidFill>
+                            <a:srgbClr val="3D4449"/>
+                          </a:solidFill>
+                          <a:effectLst/>
+                        </a:rPr>
+                        <a:t>70.6 %</a:t>
+                      </a:r>
+                    </a:p>
+                  </a:txBody>
+                  <a:tcPr anchor="ctr"/>
+                </a:tc>
+                <a:tc>
+                  <a:txBody>
+                    <a:bodyPr/>
+                    <a:lstStyle/>
+                    <a:p>
+                      <a:pPr algn="ctr" fontAlgn="base"/>
+                      <a:r>
+                        <a:rPr lang="fr-FR" sz="1400" dirty="0">
+                          <a:solidFill>
+                            <a:srgbClr val="443597"/>
+                          </a:solidFill>
+                          <a:effectLst/>
+                        </a:rPr>
+                        <a:t>29.4 %</a:t>
+                      </a:r>
+                    </a:p>
+                  </a:txBody>
+                  <a:tcPr anchor="ctr"/>
+                </a:tc>
+                <a:tc>
+                  <a:txBody>
+                    <a:bodyPr/>
+                    <a:lstStyle/>
+                    <a:p>
+                      <a:pPr algn="ctr" fontAlgn="base"/>
+                      <a:r>
+                        <a:rPr lang="fr-FR" sz="1100" dirty="0">
+                          <a:solidFill>
+                            <a:srgbClr val="376E8B"/>
+                          </a:solidFill>
+                          <a:effectLst/>
+                        </a:rPr>
+                        <a:t>17</a:t>
+                      </a:r>
+                    </a:p>
+                  </a:txBody>
+                  <a:tcPr anchor="ctr"/>
+                </a:tc>
+                <a:tc>
+                  <a:txBody>
+                    <a:bodyPr/>
+                    <a:lstStyle/>
+                    <a:p>
+                      <a:pPr algn="ctr" fontAlgn="base"/>
+                      <a:r>
+                        <a:rPr lang="fr-FR" sz="1400" dirty="0">
+                          <a:solidFill>
+                            <a:srgbClr val="3D4449"/>
+                          </a:solidFill>
+                          <a:effectLst/>
+                        </a:rPr>
+                        <a:t>78.6 %</a:t>
+                      </a:r>
+                    </a:p>
+                  </a:txBody>
+                  <a:tcPr anchor="ctr"/>
+                </a:tc>
+                <a:tc>
+                  <a:txBody>
+                    <a:bodyPr/>
+                    <a:lstStyle/>
+                    <a:p>
+                      <a:pPr algn="ctr" fontAlgn="base"/>
+                      <a:r>
+                        <a:rPr lang="fr-FR" sz="1400" dirty="0">
+                          <a:solidFill>
+                            <a:srgbClr val="443597"/>
+                          </a:solidFill>
+                          <a:effectLst/>
+                        </a:rPr>
+                        <a:t>21.4 %</a:t>
+                      </a:r>
+                    </a:p>
+                  </a:txBody>
+                  <a:tcPr anchor="ctr"/>
+                </a:tc>
+                <a:tc>
+                  <a:txBody>
+                    <a:bodyPr/>
+                    <a:lstStyle/>
+                    <a:p>
+                      <a:pPr algn="ctr" fontAlgn="base"/>
+                      <a:r>
+                        <a:rPr lang="fr-FR" sz="1100" dirty="0">
+                          <a:solidFill>
+                            <a:srgbClr val="376E8B"/>
+                          </a:solidFill>
+                          <a:effectLst/>
+                        </a:rPr>
+                        <a:t>14</a:t>
+                      </a:r>
+                    </a:p>
+                  </a:txBody>
+                  <a:tcPr anchor="ctr"/>
+                </a:tc>
+                <a:extLst>
+                  <a:ext uri="{0D108BD9-81ED-4DB2-BD59-A6C34878D82A}">
+                    <a16:rowId xmlns:a16="http://schemas.microsoft.com/office/drawing/2014/main" val="1740952244"/>
+                  </a:ext>
+                </a:extLst>
+              </a:tr>
+            </a:tbl>
+          </a:graphicData>
+        </a:graphic>
+      </p:graphicFrame>
       <p:sp>
         <p:nvSpPr>
-          <p:cNvPr id="4" name="ZoneTexte 3">
+          <p:cNvPr id="7" name="ZoneTexte 6">
             <a:extLst>
               <a:ext uri="{FF2B5EF4-FFF2-40B4-BE49-F238E27FC236}">
-                <a16:creationId xmlns:a16="http://schemas.microsoft.com/office/drawing/2014/main" id="{F3E723ED-4E23-F978-EF18-9CFF072AF0CE}"/>
+                <a16:creationId xmlns:a16="http://schemas.microsoft.com/office/drawing/2014/main" id="{6BE8EB4C-9EED-0344-FB71-FC964BFAC7C5}"/>
               </a:ext>
             </a:extLst>
           </p:cNvPr>
@@ -7969,95 +9147,221 @@
           <p:nvPr/>
         </p:nvSpPr>
         <p:spPr>
-          <a:xfrm rot="20218656">
-            <a:off x="5831507" y="1711410"/>
-            <a:ext cx="2184137" cy="461665"/>
+          <a:xfrm>
+            <a:off x="5749638" y="2816126"/>
+            <a:ext cx="1427017" cy="338554"/>
           </a:xfrm>
           <a:prstGeom prst="rect">
             <a:avLst/>
           </a:prstGeom>
-          <a:solidFill>
-            <a:srgbClr val="5B277D"/>
-          </a:solidFill>
+          <a:noFill/>
         </p:spPr>
         <p:txBody>
-          <a:bodyPr wrap="square" rtlCol="0">
+          <a:bodyPr wrap="square">
             <a:spAutoFit/>
           </a:bodyPr>
           <a:lstStyle/>
           <a:p>
-            <a:pPr algn="ctr"/>
             <a:r>
-              <a:rPr lang="fr-FR" sz="2400" b="1" dirty="0">
-                <a:solidFill>
-                  <a:schemeClr val="bg1"/>
-                </a:solidFill>
+              <a:rPr lang="fr-FR" b="1" dirty="0">
+                <a:solidFill>
+                  <a:srgbClr val="3D4449"/>
+                </a:solidFill>
+                <a:effectLst/>
+                <a:latin typeface="inherit"/>
               </a:rPr>
-              <a:t>A MODIFIER</a:t>
+              <a:t>2020 à 2023 </a:t>
             </a:r>
+            <a:endParaRPr lang="fr-FR" dirty="0"/>
           </a:p>
         </p:txBody>
       </p:sp>
-      <p:pic>
-        <p:nvPicPr>
-          <p:cNvPr id="11" name="Image 10">
+      <p:sp>
+        <p:nvSpPr>
+          <p:cNvPr id="8" name="ZoneTexte 7">
             <a:extLst>
               <a:ext uri="{FF2B5EF4-FFF2-40B4-BE49-F238E27FC236}">
-                <a16:creationId xmlns:a16="http://schemas.microsoft.com/office/drawing/2014/main" id="{2F719E1E-5F3C-A47A-68C1-1DD8483CB465}"/>
+                <a16:creationId xmlns:a16="http://schemas.microsoft.com/office/drawing/2014/main" id="{2F218827-BD14-D989-820F-C8E93CE767D2}"/>
               </a:ext>
             </a:extLst>
           </p:cNvPr>
-          <p:cNvPicPr>
-            <a:picLocks noChangeAspect="1"/>
-          </p:cNvPicPr>
+          <p:cNvSpPr txBox="1"/>
           <p:nvPr/>
-        </p:nvPicPr>
-        <p:blipFill>
-          <a:blip r:embed="rId3"/>
-          <a:stretch>
-            <a:fillRect/>
-          </a:stretch>
-        </p:blipFill>
+        </p:nvSpPr>
         <p:spPr>
           <a:xfrm>
-            <a:off x="1277488" y="2499718"/>
-            <a:ext cx="5087060" cy="1695687"/>
+            <a:off x="3144983" y="2819192"/>
+            <a:ext cx="1427017" cy="338554"/>
           </a:xfrm>
           <a:prstGeom prst="rect">
             <a:avLst/>
           </a:prstGeom>
+          <a:noFill/>
         </p:spPr>
-      </p:pic>
-      <p:pic>
-        <p:nvPicPr>
-          <p:cNvPr id="13" name="Image 12">
+        <p:txBody>
+          <a:bodyPr wrap="square">
+            <a:spAutoFit/>
+          </a:bodyPr>
+          <a:lstStyle/>
+          <a:p>
+            <a:r>
+              <a:rPr lang="fr-FR" b="1" dirty="0">
+                <a:solidFill>
+                  <a:srgbClr val="3D4449"/>
+                </a:solidFill>
+                <a:effectLst/>
+                <a:latin typeface="inherit"/>
+              </a:rPr>
+              <a:t>2019 à 2022 </a:t>
+            </a:r>
+            <a:endParaRPr lang="fr-FR" dirty="0"/>
+          </a:p>
+        </p:txBody>
+      </p:sp>
+      <p:cxnSp>
+        <p:nvCxnSpPr>
+          <p:cNvPr id="12" name="Connecteur droit 11">
             <a:extLst>
               <a:ext uri="{FF2B5EF4-FFF2-40B4-BE49-F238E27FC236}">
-                <a16:creationId xmlns:a16="http://schemas.microsoft.com/office/drawing/2014/main" id="{EE03B7E3-9FEF-F49A-5B95-F04ACB1CDF21}"/>
+                <a16:creationId xmlns:a16="http://schemas.microsoft.com/office/drawing/2014/main" id="{B8788C0E-763D-AEA1-A8D6-23C0DA9EFF31}"/>
               </a:ext>
             </a:extLst>
           </p:cNvPr>
-          <p:cNvPicPr>
-            <a:picLocks noChangeAspect="1"/>
-          </p:cNvPicPr>
+          <p:cNvCxnSpPr>
+            <a:cxnSpLocks/>
+          </p:cNvCxnSpPr>
           <p:nvPr/>
-        </p:nvPicPr>
-        <p:blipFill>
-          <a:blip r:embed="rId4"/>
-          <a:stretch>
-            <a:fillRect/>
-          </a:stretch>
-        </p:blipFill>
-        <p:spPr>
+        </p:nvCxnSpPr>
+        <p:spPr bwMode="auto">
           <a:xfrm>
-            <a:off x="1287014" y="4275658"/>
-            <a:ext cx="5077534" cy="1638529"/>
+            <a:off x="4997885" y="2816126"/>
+            <a:ext cx="0" cy="2916970"/>
           </a:xfrm>
-          <a:prstGeom prst="rect">
+          <a:prstGeom prst="line">
             <a:avLst/>
           </a:prstGeom>
+          <a:solidFill>
+            <a:schemeClr val="accent1"/>
+          </a:solidFill>
+          <a:ln w="25400" cap="flat" cmpd="sng" algn="ctr">
+            <a:solidFill>
+              <a:schemeClr val="tx1"/>
+            </a:solidFill>
+            <a:prstDash val="solid"/>
+            <a:round/>
+            <a:headEnd type="none" w="med" len="med"/>
+            <a:tailEnd type="none" w="med" len="med"/>
+          </a:ln>
+          <a:effectLst/>
+          <a:extLst>
+            <a:ext uri="{AF507438-7753-43e0-B8FC-AC1667EBCBE1}">
+              <a14:hiddenEffects xmlns="" xmlns:a14="http://schemas.microsoft.com/office/drawing/2010/main">
+                <a:effectLst>
+                  <a:outerShdw dist="35921" dir="2700000" algn="ctr" rotWithShape="0">
+                    <a:schemeClr val="bg2"/>
+                  </a:outerShdw>
+                </a:effectLst>
+              </a14:hiddenEffects>
+            </a:ext>
+          </a:extLst>
         </p:spPr>
-      </p:pic>
+      </p:cxnSp>
+      <p:cxnSp>
+        <p:nvCxnSpPr>
+          <p:cNvPr id="16" name="Connecteur droit 15">
+            <a:extLst>
+              <a:ext uri="{FF2B5EF4-FFF2-40B4-BE49-F238E27FC236}">
+                <a16:creationId xmlns:a16="http://schemas.microsoft.com/office/drawing/2014/main" id="{50BF25C8-9F92-2C38-850F-D28A23482464}"/>
+              </a:ext>
+            </a:extLst>
+          </p:cNvPr>
+          <p:cNvCxnSpPr>
+            <a:cxnSpLocks/>
+          </p:cNvCxnSpPr>
+          <p:nvPr/>
+        </p:nvCxnSpPr>
+        <p:spPr bwMode="auto">
+          <a:xfrm>
+            <a:off x="2394559" y="2816126"/>
+            <a:ext cx="0" cy="2916970"/>
+          </a:xfrm>
+          <a:prstGeom prst="line">
+            <a:avLst/>
+          </a:prstGeom>
+          <a:solidFill>
+            <a:schemeClr val="accent1"/>
+          </a:solidFill>
+          <a:ln w="25400" cap="flat" cmpd="sng" algn="ctr">
+            <a:solidFill>
+              <a:schemeClr val="tx1"/>
+            </a:solidFill>
+            <a:prstDash val="solid"/>
+            <a:round/>
+            <a:headEnd type="none" w="med" len="med"/>
+            <a:tailEnd type="none" w="med" len="med"/>
+          </a:ln>
+          <a:effectLst/>
+          <a:extLst>
+            <a:ext uri="{AF507438-7753-43e0-B8FC-AC1667EBCBE1}">
+              <a14:hiddenEffects xmlns="" xmlns:a14="http://schemas.microsoft.com/office/drawing/2010/main">
+                <a:effectLst>
+                  <a:outerShdw dist="35921" dir="2700000" algn="ctr" rotWithShape="0">
+                    <a:schemeClr val="bg2"/>
+                  </a:outerShdw>
+                </a:effectLst>
+              </a14:hiddenEffects>
+            </a:ext>
+          </a:extLst>
+        </p:spPr>
+      </p:cxnSp>
+      <p:cxnSp>
+        <p:nvCxnSpPr>
+          <p:cNvPr id="17" name="Connecteur droit 16">
+            <a:extLst>
+              <a:ext uri="{FF2B5EF4-FFF2-40B4-BE49-F238E27FC236}">
+                <a16:creationId xmlns:a16="http://schemas.microsoft.com/office/drawing/2014/main" id="{EDE0DB40-AE6D-F8B1-39ED-23D839CC790B}"/>
+              </a:ext>
+            </a:extLst>
+          </p:cNvPr>
+          <p:cNvCxnSpPr>
+            <a:cxnSpLocks/>
+          </p:cNvCxnSpPr>
+          <p:nvPr/>
+        </p:nvCxnSpPr>
+        <p:spPr bwMode="auto">
+          <a:xfrm>
+            <a:off x="7610474" y="2816126"/>
+            <a:ext cx="0" cy="2916970"/>
+          </a:xfrm>
+          <a:prstGeom prst="line">
+            <a:avLst/>
+          </a:prstGeom>
+          <a:solidFill>
+            <a:schemeClr val="accent1"/>
+          </a:solidFill>
+          <a:ln w="25400" cap="flat" cmpd="sng" algn="ctr">
+            <a:solidFill>
+              <a:schemeClr val="tx1"/>
+            </a:solidFill>
+            <a:prstDash val="solid"/>
+            <a:round/>
+            <a:headEnd type="none" w="med" len="med"/>
+            <a:tailEnd type="none" w="med" len="med"/>
+          </a:ln>
+          <a:effectLst/>
+          <a:extLst>
+            <a:ext uri="{AF507438-7753-43e0-B8FC-AC1667EBCBE1}">
+              <a14:hiddenEffects xmlns="" xmlns:a14="http://schemas.microsoft.com/office/drawing/2010/main">
+                <a:effectLst>
+                  <a:outerShdw dist="35921" dir="2700000" algn="ctr" rotWithShape="0">
+                    <a:schemeClr val="bg2"/>
+                  </a:outerShdw>
+                </a:effectLst>
+              </a14:hiddenEffects>
+            </a:ext>
+          </a:extLst>
+        </p:spPr>
+      </p:cxnSp>
     </p:spTree>
     <p:extLst>
       <p:ext uri="{BB962C8B-B14F-4D97-AF65-F5344CB8AC3E}">
@@ -8152,7 +9456,7 @@
                 </a:solidFill>
                 <a:ea typeface="ＭＳ Ｐゴシック" panose="020B0600070205080204" pitchFamily="34" charset="-128"/>
               </a:rPr>
-              <a:t>Cumul de 2020 à 2024</a:t>
+              <a:t>Cumul de 2019 à 2022 / 2020 à 2023</a:t>
             </a:r>
           </a:p>
           <a:p>
@@ -8163,7 +9467,7 @@
                 </a:solidFill>
                 <a:ea typeface="ＭＳ Ｐゴシック" panose="020B0600070205080204" pitchFamily="34" charset="-128"/>
               </a:rPr>
-              <a:t>Lieu des emplois / Filières</a:t>
+              <a:t>Lieu des emplois / Sites</a:t>
             </a:r>
           </a:p>
         </p:txBody>
@@ -8336,12 +9640,1194 @@
           </a:p>
         </p:txBody>
       </p:sp>
+      <p:graphicFrame>
+        <p:nvGraphicFramePr>
+          <p:cNvPr id="5" name="Tableau 4">
+            <a:extLst>
+              <a:ext uri="{FF2B5EF4-FFF2-40B4-BE49-F238E27FC236}">
+                <a16:creationId xmlns:a16="http://schemas.microsoft.com/office/drawing/2014/main" id="{67D5A9BE-B287-0AD5-1BCF-FEC21F1E9A75}"/>
+              </a:ext>
+            </a:extLst>
+          </p:cNvPr>
+          <p:cNvGraphicFramePr>
+            <a:graphicFrameLocks noGrp="1"/>
+          </p:cNvGraphicFramePr>
+          <p:nvPr>
+            <p:extLst>
+              <p:ext uri="{D42A27DB-BD31-4B8C-83A1-F6EECF244321}">
+                <p14:modId xmlns:p14="http://schemas.microsoft.com/office/powerpoint/2010/main" val="1288548104"/>
+              </p:ext>
+            </p:extLst>
+          </p:nvPr>
+        </p:nvGraphicFramePr>
+        <p:xfrm>
+          <a:off x="1514475" y="3137216"/>
+          <a:ext cx="6095999" cy="2595880"/>
+        </p:xfrm>
+        <a:graphic>
+          <a:graphicData uri="http://schemas.openxmlformats.org/drawingml/2006/table">
+            <a:tbl>
+              <a:tblPr firstRow="1" bandRow="1">
+                <a:tableStyleId>{21E4AEA4-8DFA-4A89-87EB-49C32662AFE0}</a:tableStyleId>
+              </a:tblPr>
+              <a:tblGrid>
+                <a:gridCol w="870857">
+                  <a:extLst>
+                    <a:ext uri="{9D8B030D-6E8A-4147-A177-3AD203B41FA5}">
+                      <a16:colId xmlns:a16="http://schemas.microsoft.com/office/drawing/2014/main" val="2053038476"/>
+                    </a:ext>
+                  </a:extLst>
+                </a:gridCol>
+                <a:gridCol w="870857">
+                  <a:extLst>
+                    <a:ext uri="{9D8B030D-6E8A-4147-A177-3AD203B41FA5}">
+                      <a16:colId xmlns:a16="http://schemas.microsoft.com/office/drawing/2014/main" val="3832746835"/>
+                    </a:ext>
+                  </a:extLst>
+                </a:gridCol>
+                <a:gridCol w="870857">
+                  <a:extLst>
+                    <a:ext uri="{9D8B030D-6E8A-4147-A177-3AD203B41FA5}">
+                      <a16:colId xmlns:a16="http://schemas.microsoft.com/office/drawing/2014/main" val="4009216877"/>
+                    </a:ext>
+                  </a:extLst>
+                </a:gridCol>
+                <a:gridCol w="870857">
+                  <a:extLst>
+                    <a:ext uri="{9D8B030D-6E8A-4147-A177-3AD203B41FA5}">
+                      <a16:colId xmlns:a16="http://schemas.microsoft.com/office/drawing/2014/main" val="3856658833"/>
+                    </a:ext>
+                  </a:extLst>
+                </a:gridCol>
+                <a:gridCol w="870857">
+                  <a:extLst>
+                    <a:ext uri="{9D8B030D-6E8A-4147-A177-3AD203B41FA5}">
+                      <a16:colId xmlns:a16="http://schemas.microsoft.com/office/drawing/2014/main" val="1457748498"/>
+                    </a:ext>
+                  </a:extLst>
+                </a:gridCol>
+                <a:gridCol w="870857">
+                  <a:extLst>
+                    <a:ext uri="{9D8B030D-6E8A-4147-A177-3AD203B41FA5}">
+                      <a16:colId xmlns:a16="http://schemas.microsoft.com/office/drawing/2014/main" val="3308663209"/>
+                    </a:ext>
+                  </a:extLst>
+                </a:gridCol>
+                <a:gridCol w="870857">
+                  <a:extLst>
+                    <a:ext uri="{9D8B030D-6E8A-4147-A177-3AD203B41FA5}">
+                      <a16:colId xmlns:a16="http://schemas.microsoft.com/office/drawing/2014/main" val="2294340571"/>
+                    </a:ext>
+                  </a:extLst>
+                </a:gridCol>
+              </a:tblGrid>
+              <a:tr h="370840">
+                <a:tc>
+                  <a:txBody>
+                    <a:bodyPr/>
+                    <a:lstStyle/>
+                    <a:p>
+                      <a:pPr algn="ctr"/>
+                      <a:r>
+                        <a:rPr lang="fr-FR" sz="1400" dirty="0"/>
+                        <a:t>Sites</a:t>
+                      </a:r>
+                    </a:p>
+                  </a:txBody>
+                  <a:tcPr/>
+                </a:tc>
+                <a:tc>
+                  <a:txBody>
+                    <a:bodyPr/>
+                    <a:lstStyle/>
+                    <a:p>
+                      <a:pPr algn="ctr"/>
+                      <a:r>
+                        <a:rPr lang="fr-FR" sz="1400" dirty="0" err="1"/>
+                        <a:t>Etrang</a:t>
+                      </a:r>
+                      <a:r>
+                        <a:rPr lang="fr-FR" sz="1400" dirty="0"/>
+                        <a:t>.</a:t>
+                      </a:r>
+                    </a:p>
+                  </a:txBody>
+                  <a:tcPr/>
+                </a:tc>
+                <a:tc>
+                  <a:txBody>
+                    <a:bodyPr/>
+                    <a:lstStyle/>
+                    <a:p>
+                      <a:pPr algn="ctr"/>
+                      <a:r>
+                        <a:rPr lang="fr-FR" sz="1400" dirty="0"/>
+                        <a:t>France</a:t>
+                      </a:r>
+                    </a:p>
+                  </a:txBody>
+                  <a:tcPr/>
+                </a:tc>
+                <a:tc>
+                  <a:txBody>
+                    <a:bodyPr/>
+                    <a:lstStyle/>
+                    <a:p>
+                      <a:pPr algn="ctr"/>
+                      <a:r>
+                        <a:rPr lang="fr-FR" sz="1050" dirty="0"/>
+                        <a:t>Nb Rep</a:t>
+                      </a:r>
+                    </a:p>
+                  </a:txBody>
+                  <a:tcPr/>
+                </a:tc>
+                <a:tc>
+                  <a:txBody>
+                    <a:bodyPr/>
+                    <a:lstStyle/>
+                    <a:p>
+                      <a:pPr algn="ctr"/>
+                      <a:r>
+                        <a:rPr lang="fr-FR" sz="1400" dirty="0" err="1"/>
+                        <a:t>Etrang</a:t>
+                      </a:r>
+                      <a:r>
+                        <a:rPr lang="fr-FR" sz="1400" dirty="0"/>
+                        <a:t>.</a:t>
+                      </a:r>
+                    </a:p>
+                  </a:txBody>
+                  <a:tcPr/>
+                </a:tc>
+                <a:tc>
+                  <a:txBody>
+                    <a:bodyPr/>
+                    <a:lstStyle/>
+                    <a:p>
+                      <a:pPr algn="ctr"/>
+                      <a:r>
+                        <a:rPr lang="fr-FR" sz="1400" dirty="0"/>
+                        <a:t>France</a:t>
+                      </a:r>
+                    </a:p>
+                  </a:txBody>
+                  <a:tcPr/>
+                </a:tc>
+                <a:tc>
+                  <a:txBody>
+                    <a:bodyPr/>
+                    <a:lstStyle/>
+                    <a:p>
+                      <a:pPr algn="ctr"/>
+                      <a:r>
+                        <a:rPr lang="fr-FR" sz="1050" dirty="0"/>
+                        <a:t>Nb Rep</a:t>
+                      </a:r>
+                    </a:p>
+                  </a:txBody>
+                  <a:tcPr/>
+                </a:tc>
+                <a:extLst>
+                  <a:ext uri="{0D108BD9-81ED-4DB2-BD59-A6C34878D82A}">
+                    <a16:rowId xmlns:a16="http://schemas.microsoft.com/office/drawing/2014/main" val="3899797023"/>
+                  </a:ext>
+                </a:extLst>
+              </a:tr>
+              <a:tr h="370840">
+                <a:tc>
+                  <a:txBody>
+                    <a:bodyPr/>
+                    <a:lstStyle/>
+                    <a:p>
+                      <a:pPr algn="ctr"/>
+                      <a:r>
+                        <a:rPr lang="fr-FR" sz="1600" dirty="0"/>
+                        <a:t>CGE</a:t>
+                      </a:r>
+                    </a:p>
+                  </a:txBody>
+                  <a:tcPr/>
+                </a:tc>
+                <a:tc>
+                  <a:txBody>
+                    <a:bodyPr/>
+                    <a:lstStyle/>
+                    <a:p>
+                      <a:pPr algn="ctr" fontAlgn="base"/>
+                      <a:r>
+                        <a:rPr lang="fr-FR" sz="1400" dirty="0">
+                          <a:solidFill>
+                            <a:srgbClr val="3D4449"/>
+                          </a:solidFill>
+                          <a:effectLst/>
+                        </a:rPr>
+                        <a:t>9.7 %</a:t>
+                      </a:r>
+                    </a:p>
+                  </a:txBody>
+                  <a:tcPr anchor="ctr"/>
+                </a:tc>
+                <a:tc>
+                  <a:txBody>
+                    <a:bodyPr/>
+                    <a:lstStyle/>
+                    <a:p>
+                      <a:pPr algn="ctr" fontAlgn="base"/>
+                      <a:r>
+                        <a:rPr lang="fr-FR" sz="1400" dirty="0">
+                          <a:solidFill>
+                            <a:srgbClr val="443597"/>
+                          </a:solidFill>
+                          <a:effectLst/>
+                        </a:rPr>
+                        <a:t>90.3 %</a:t>
+                      </a:r>
+                    </a:p>
+                  </a:txBody>
+                  <a:tcPr anchor="ctr"/>
+                </a:tc>
+                <a:tc>
+                  <a:txBody>
+                    <a:bodyPr/>
+                    <a:lstStyle/>
+                    <a:p>
+                      <a:pPr algn="ctr"/>
+                      <a:endParaRPr lang="fr-FR" sz="1400" dirty="0"/>
+                    </a:p>
+                  </a:txBody>
+                  <a:tcPr/>
+                </a:tc>
+                <a:tc>
+                  <a:txBody>
+                    <a:bodyPr/>
+                    <a:lstStyle/>
+                    <a:p>
+                      <a:pPr algn="ctr" fontAlgn="base"/>
+                      <a:r>
+                        <a:rPr lang="fr-FR" sz="1400" dirty="0">
+                          <a:solidFill>
+                            <a:srgbClr val="3D4449"/>
+                          </a:solidFill>
+                          <a:effectLst/>
+                        </a:rPr>
+                        <a:t>9.3 %</a:t>
+                      </a:r>
+                    </a:p>
+                  </a:txBody>
+                  <a:tcPr anchor="ctr"/>
+                </a:tc>
+                <a:tc>
+                  <a:txBody>
+                    <a:bodyPr/>
+                    <a:lstStyle/>
+                    <a:p>
+                      <a:pPr algn="ctr" fontAlgn="base"/>
+                      <a:r>
+                        <a:rPr lang="fr-FR" sz="1400" dirty="0">
+                          <a:solidFill>
+                            <a:srgbClr val="443597"/>
+                          </a:solidFill>
+                          <a:effectLst/>
+                        </a:rPr>
+                        <a:t>90.7 %</a:t>
+                      </a:r>
+                    </a:p>
+                  </a:txBody>
+                  <a:tcPr anchor="ctr"/>
+                </a:tc>
+                <a:tc>
+                  <a:txBody>
+                    <a:bodyPr/>
+                    <a:lstStyle/>
+                    <a:p>
+                      <a:pPr algn="ctr"/>
+                      <a:endParaRPr lang="fr-FR" sz="1100" dirty="0"/>
+                    </a:p>
+                  </a:txBody>
+                  <a:tcPr/>
+                </a:tc>
+                <a:extLst>
+                  <a:ext uri="{0D108BD9-81ED-4DB2-BD59-A6C34878D82A}">
+                    <a16:rowId xmlns:a16="http://schemas.microsoft.com/office/drawing/2014/main" val="952767304"/>
+                  </a:ext>
+                </a:extLst>
+              </a:tr>
+              <a:tr h="370840">
+                <a:tc>
+                  <a:txBody>
+                    <a:bodyPr/>
+                    <a:lstStyle/>
+                    <a:p>
+                      <a:pPr algn="ctr"/>
+                      <a:r>
+                        <a:rPr lang="fr-FR" b="1" dirty="0" err="1"/>
+                        <a:t>Ens</a:t>
+                      </a:r>
+                      <a:r>
+                        <a:rPr lang="fr-FR" b="1" dirty="0"/>
+                        <a:t>.</a:t>
+                      </a:r>
+                    </a:p>
+                  </a:txBody>
+                  <a:tcPr/>
+                </a:tc>
+                <a:tc>
+                  <a:txBody>
+                    <a:bodyPr/>
+                    <a:lstStyle/>
+                    <a:p>
+                      <a:pPr algn="ctr" fontAlgn="base"/>
+                      <a:r>
+                        <a:rPr lang="fr-FR" b="1">
+                          <a:solidFill>
+                            <a:srgbClr val="3D4449"/>
+                          </a:solidFill>
+                          <a:effectLst/>
+                          <a:latin typeface="inherit"/>
+                        </a:rPr>
+                        <a:t>8.2 %</a:t>
+                      </a:r>
+                      <a:endParaRPr lang="fr-FR">
+                        <a:effectLst/>
+                      </a:endParaRPr>
+                    </a:p>
+                  </a:txBody>
+                  <a:tcPr anchor="ctr"/>
+                </a:tc>
+                <a:tc>
+                  <a:txBody>
+                    <a:bodyPr/>
+                    <a:lstStyle/>
+                    <a:p>
+                      <a:pPr algn="ctr" fontAlgn="base"/>
+                      <a:r>
+                        <a:rPr lang="fr-FR" b="1" dirty="0">
+                          <a:solidFill>
+                            <a:srgbClr val="443597"/>
+                          </a:solidFill>
+                          <a:effectLst/>
+                          <a:latin typeface="inherit"/>
+                        </a:rPr>
+                        <a:t>91.8 %</a:t>
+                      </a:r>
+                      <a:endParaRPr lang="fr-FR" dirty="0">
+                        <a:effectLst/>
+                      </a:endParaRPr>
+                    </a:p>
+                  </a:txBody>
+                  <a:tcPr anchor="ctr"/>
+                </a:tc>
+                <a:tc>
+                  <a:txBody>
+                    <a:bodyPr/>
+                    <a:lstStyle/>
+                    <a:p>
+                      <a:pPr algn="ctr" fontAlgn="base"/>
+                      <a:r>
+                        <a:rPr lang="fr-FR" sz="1200" b="1" dirty="0">
+                          <a:solidFill>
+                            <a:srgbClr val="376E8B"/>
+                          </a:solidFill>
+                          <a:effectLst/>
+                          <a:latin typeface="inherit"/>
+                        </a:rPr>
+                        <a:t>159</a:t>
+                      </a:r>
+                      <a:endParaRPr lang="fr-FR" sz="1200" dirty="0">
+                        <a:effectLst/>
+                      </a:endParaRPr>
+                    </a:p>
+                  </a:txBody>
+                  <a:tcPr anchor="ctr"/>
+                </a:tc>
+                <a:tc>
+                  <a:txBody>
+                    <a:bodyPr/>
+                    <a:lstStyle/>
+                    <a:p>
+                      <a:pPr algn="ctr" fontAlgn="base"/>
+                      <a:r>
+                        <a:rPr lang="fr-FR" b="1" dirty="0">
+                          <a:solidFill>
+                            <a:srgbClr val="3D4449"/>
+                          </a:solidFill>
+                          <a:effectLst/>
+                          <a:latin typeface="inherit"/>
+                        </a:rPr>
+                        <a:t>7.1 %</a:t>
+                      </a:r>
+                      <a:endParaRPr lang="fr-FR" dirty="0">
+                        <a:effectLst/>
+                      </a:endParaRPr>
+                    </a:p>
+                  </a:txBody>
+                  <a:tcPr anchor="ctr"/>
+                </a:tc>
+                <a:tc>
+                  <a:txBody>
+                    <a:bodyPr/>
+                    <a:lstStyle/>
+                    <a:p>
+                      <a:pPr algn="ctr" fontAlgn="base"/>
+                      <a:r>
+                        <a:rPr lang="fr-FR" b="1" dirty="0">
+                          <a:solidFill>
+                            <a:srgbClr val="443597"/>
+                          </a:solidFill>
+                          <a:effectLst/>
+                          <a:latin typeface="inherit"/>
+                        </a:rPr>
+                        <a:t>92.9 %</a:t>
+                      </a:r>
+                      <a:endParaRPr lang="fr-FR" dirty="0">
+                        <a:effectLst/>
+                      </a:endParaRPr>
+                    </a:p>
+                  </a:txBody>
+                  <a:tcPr anchor="ctr"/>
+                </a:tc>
+                <a:tc>
+                  <a:txBody>
+                    <a:bodyPr/>
+                    <a:lstStyle/>
+                    <a:p>
+                      <a:pPr algn="ctr" fontAlgn="base"/>
+                      <a:r>
+                        <a:rPr lang="fr-FR" sz="1200" b="1" dirty="0">
+                          <a:solidFill>
+                            <a:srgbClr val="376E8B"/>
+                          </a:solidFill>
+                          <a:effectLst/>
+                          <a:latin typeface="inherit"/>
+                        </a:rPr>
+                        <a:t>141</a:t>
+                      </a:r>
+                      <a:endParaRPr lang="fr-FR" sz="1200" dirty="0">
+                        <a:effectLst/>
+                      </a:endParaRPr>
+                    </a:p>
+                  </a:txBody>
+                  <a:tcPr anchor="ctr"/>
+                </a:tc>
+                <a:extLst>
+                  <a:ext uri="{0D108BD9-81ED-4DB2-BD59-A6C34878D82A}">
+                    <a16:rowId xmlns:a16="http://schemas.microsoft.com/office/drawing/2014/main" val="809898311"/>
+                  </a:ext>
+                </a:extLst>
+              </a:tr>
+              <a:tr h="370840">
+                <a:tc>
+                  <a:txBody>
+                    <a:bodyPr/>
+                    <a:lstStyle/>
+                    <a:p>
+                      <a:pPr algn="ctr"/>
+                      <a:r>
+                        <a:rPr lang="fr-FR" sz="1600" dirty="0">
+                          <a:solidFill>
+                            <a:schemeClr val="bg1"/>
+                          </a:solidFill>
+                        </a:rPr>
+                        <a:t>Pal.</a:t>
+                      </a:r>
+                    </a:p>
+                  </a:txBody>
+                  <a:tcPr>
+                    <a:solidFill>
+                      <a:schemeClr val="accent6">
+                        <a:lumMod val="40000"/>
+                        <a:lumOff val="60000"/>
+                      </a:schemeClr>
+                    </a:solidFill>
+                  </a:tcPr>
+                </a:tc>
+                <a:tc>
+                  <a:txBody>
+                    <a:bodyPr/>
+                    <a:lstStyle/>
+                    <a:p>
+                      <a:pPr algn="ctr" fontAlgn="base"/>
+                      <a:r>
+                        <a:rPr lang="fr-FR" sz="1400" dirty="0">
+                          <a:solidFill>
+                            <a:schemeClr val="bg1"/>
+                          </a:solidFill>
+                          <a:effectLst/>
+                        </a:rPr>
+                        <a:t>7.4 %</a:t>
+                      </a:r>
+                    </a:p>
+                  </a:txBody>
+                  <a:tcPr anchor="ctr">
+                    <a:solidFill>
+                      <a:schemeClr val="accent6">
+                        <a:lumMod val="40000"/>
+                        <a:lumOff val="60000"/>
+                      </a:schemeClr>
+                    </a:solidFill>
+                  </a:tcPr>
+                </a:tc>
+                <a:tc>
+                  <a:txBody>
+                    <a:bodyPr/>
+                    <a:lstStyle/>
+                    <a:p>
+                      <a:pPr algn="ctr" fontAlgn="base"/>
+                      <a:r>
+                        <a:rPr lang="fr-FR" sz="1400">
+                          <a:solidFill>
+                            <a:schemeClr val="bg1"/>
+                          </a:solidFill>
+                          <a:effectLst/>
+                        </a:rPr>
+                        <a:t>92.6 %</a:t>
+                      </a:r>
+                    </a:p>
+                  </a:txBody>
+                  <a:tcPr anchor="ctr">
+                    <a:solidFill>
+                      <a:schemeClr val="accent6">
+                        <a:lumMod val="40000"/>
+                        <a:lumOff val="60000"/>
+                      </a:schemeClr>
+                    </a:solidFill>
+                  </a:tcPr>
+                </a:tc>
+                <a:tc>
+                  <a:txBody>
+                    <a:bodyPr/>
+                    <a:lstStyle/>
+                    <a:p>
+                      <a:pPr algn="ctr" fontAlgn="base"/>
+                      <a:r>
+                        <a:rPr lang="fr-FR" sz="1100" dirty="0">
+                          <a:solidFill>
+                            <a:schemeClr val="bg1"/>
+                          </a:solidFill>
+                          <a:effectLst/>
+                        </a:rPr>
+                        <a:t>81</a:t>
+                      </a:r>
+                    </a:p>
+                  </a:txBody>
+                  <a:tcPr anchor="ctr">
+                    <a:solidFill>
+                      <a:schemeClr val="accent6">
+                        <a:lumMod val="40000"/>
+                        <a:lumOff val="60000"/>
+                      </a:schemeClr>
+                    </a:solidFill>
+                  </a:tcPr>
+                </a:tc>
+                <a:tc>
+                  <a:txBody>
+                    <a:bodyPr/>
+                    <a:lstStyle/>
+                    <a:p>
+                      <a:pPr algn="ctr" fontAlgn="base"/>
+                      <a:r>
+                        <a:rPr lang="fr-FR" sz="1400" dirty="0">
+                          <a:solidFill>
+                            <a:schemeClr val="bg1"/>
+                          </a:solidFill>
+                          <a:effectLst/>
+                        </a:rPr>
+                        <a:t>3.8 %</a:t>
+                      </a:r>
+                    </a:p>
+                  </a:txBody>
+                  <a:tcPr anchor="ctr">
+                    <a:solidFill>
+                      <a:schemeClr val="accent6">
+                        <a:lumMod val="40000"/>
+                        <a:lumOff val="60000"/>
+                      </a:schemeClr>
+                    </a:solidFill>
+                  </a:tcPr>
+                </a:tc>
+                <a:tc>
+                  <a:txBody>
+                    <a:bodyPr/>
+                    <a:lstStyle/>
+                    <a:p>
+                      <a:pPr algn="ctr" fontAlgn="base"/>
+                      <a:r>
+                        <a:rPr lang="fr-FR" sz="1400" dirty="0">
+                          <a:solidFill>
+                            <a:schemeClr val="bg1"/>
+                          </a:solidFill>
+                          <a:effectLst/>
+                        </a:rPr>
+                        <a:t>96.2 %</a:t>
+                      </a:r>
+                    </a:p>
+                  </a:txBody>
+                  <a:tcPr anchor="ctr">
+                    <a:solidFill>
+                      <a:schemeClr val="accent6">
+                        <a:lumMod val="40000"/>
+                        <a:lumOff val="60000"/>
+                      </a:schemeClr>
+                    </a:solidFill>
+                  </a:tcPr>
+                </a:tc>
+                <a:tc>
+                  <a:txBody>
+                    <a:bodyPr/>
+                    <a:lstStyle/>
+                    <a:p>
+                      <a:pPr algn="ctr" fontAlgn="base"/>
+                      <a:r>
+                        <a:rPr lang="fr-FR" sz="1100" dirty="0">
+                          <a:solidFill>
+                            <a:schemeClr val="bg1"/>
+                          </a:solidFill>
+                          <a:effectLst/>
+                        </a:rPr>
+                        <a:t>80</a:t>
+                      </a:r>
+                    </a:p>
+                  </a:txBody>
+                  <a:tcPr anchor="ctr">
+                    <a:solidFill>
+                      <a:schemeClr val="accent6">
+                        <a:lumMod val="40000"/>
+                        <a:lumOff val="60000"/>
+                      </a:schemeClr>
+                    </a:solidFill>
+                  </a:tcPr>
+                </a:tc>
+                <a:extLst>
+                  <a:ext uri="{0D108BD9-81ED-4DB2-BD59-A6C34878D82A}">
+                    <a16:rowId xmlns:a16="http://schemas.microsoft.com/office/drawing/2014/main" val="2207166277"/>
+                  </a:ext>
+                </a:extLst>
+              </a:tr>
+              <a:tr h="370840">
+                <a:tc>
+                  <a:txBody>
+                    <a:bodyPr/>
+                    <a:lstStyle/>
+                    <a:p>
+                      <a:pPr algn="ctr"/>
+                      <a:r>
+                        <a:rPr lang="fr-FR" sz="1600" dirty="0" err="1">
+                          <a:solidFill>
+                            <a:schemeClr val="bg1"/>
+                          </a:solidFill>
+                        </a:rPr>
+                        <a:t>Bdx</a:t>
+                      </a:r>
+                      <a:endParaRPr lang="fr-FR" sz="1600" dirty="0">
+                        <a:solidFill>
+                          <a:schemeClr val="bg1"/>
+                        </a:solidFill>
+                      </a:endParaRPr>
+                    </a:p>
+                  </a:txBody>
+                  <a:tcPr>
+                    <a:solidFill>
+                      <a:schemeClr val="accent6">
+                        <a:lumMod val="60000"/>
+                        <a:lumOff val="40000"/>
+                      </a:schemeClr>
+                    </a:solidFill>
+                  </a:tcPr>
+                </a:tc>
+                <a:tc>
+                  <a:txBody>
+                    <a:bodyPr/>
+                    <a:lstStyle/>
+                    <a:p>
+                      <a:pPr algn="ctr" fontAlgn="base"/>
+                      <a:r>
+                        <a:rPr lang="fr-FR" sz="1400" dirty="0">
+                          <a:solidFill>
+                            <a:schemeClr val="bg1"/>
+                          </a:solidFill>
+                          <a:effectLst/>
+                        </a:rPr>
+                        <a:t>2.9 %</a:t>
+                      </a:r>
+                    </a:p>
+                  </a:txBody>
+                  <a:tcPr anchor="ctr">
+                    <a:solidFill>
+                      <a:schemeClr val="accent6">
+                        <a:lumMod val="60000"/>
+                        <a:lumOff val="40000"/>
+                      </a:schemeClr>
+                    </a:solidFill>
+                  </a:tcPr>
+                </a:tc>
+                <a:tc>
+                  <a:txBody>
+                    <a:bodyPr/>
+                    <a:lstStyle/>
+                    <a:p>
+                      <a:pPr algn="ctr" fontAlgn="base"/>
+                      <a:r>
+                        <a:rPr lang="fr-FR" sz="1400" dirty="0">
+                          <a:solidFill>
+                            <a:schemeClr val="bg1"/>
+                          </a:solidFill>
+                          <a:effectLst/>
+                        </a:rPr>
+                        <a:t>97.1 %</a:t>
+                      </a:r>
+                    </a:p>
+                  </a:txBody>
+                  <a:tcPr anchor="ctr">
+                    <a:solidFill>
+                      <a:schemeClr val="accent6">
+                        <a:lumMod val="60000"/>
+                        <a:lumOff val="40000"/>
+                      </a:schemeClr>
+                    </a:solidFill>
+                  </a:tcPr>
+                </a:tc>
+                <a:tc>
+                  <a:txBody>
+                    <a:bodyPr/>
+                    <a:lstStyle/>
+                    <a:p>
+                      <a:pPr algn="ctr" fontAlgn="base"/>
+                      <a:r>
+                        <a:rPr lang="fr-FR" sz="1100" dirty="0">
+                          <a:solidFill>
+                            <a:schemeClr val="bg1"/>
+                          </a:solidFill>
+                          <a:effectLst/>
+                        </a:rPr>
+                        <a:t>34</a:t>
+                      </a:r>
+                    </a:p>
+                  </a:txBody>
+                  <a:tcPr anchor="ctr">
+                    <a:solidFill>
+                      <a:schemeClr val="accent6">
+                        <a:lumMod val="60000"/>
+                        <a:lumOff val="40000"/>
+                      </a:schemeClr>
+                    </a:solidFill>
+                  </a:tcPr>
+                </a:tc>
+                <a:tc>
+                  <a:txBody>
+                    <a:bodyPr/>
+                    <a:lstStyle/>
+                    <a:p>
+                      <a:pPr algn="ctr" fontAlgn="base"/>
+                      <a:r>
+                        <a:rPr lang="fr-FR" sz="1400" dirty="0">
+                          <a:solidFill>
+                            <a:schemeClr val="bg1"/>
+                          </a:solidFill>
+                          <a:effectLst/>
+                        </a:rPr>
+                        <a:t>8.7 %</a:t>
+                      </a:r>
+                    </a:p>
+                  </a:txBody>
+                  <a:tcPr anchor="ctr">
+                    <a:solidFill>
+                      <a:schemeClr val="accent6">
+                        <a:lumMod val="60000"/>
+                        <a:lumOff val="40000"/>
+                      </a:schemeClr>
+                    </a:solidFill>
+                  </a:tcPr>
+                </a:tc>
+                <a:tc>
+                  <a:txBody>
+                    <a:bodyPr/>
+                    <a:lstStyle/>
+                    <a:p>
+                      <a:pPr algn="ctr" fontAlgn="base"/>
+                      <a:r>
+                        <a:rPr lang="fr-FR" sz="1400" dirty="0">
+                          <a:solidFill>
+                            <a:schemeClr val="bg1"/>
+                          </a:solidFill>
+                          <a:effectLst/>
+                        </a:rPr>
+                        <a:t>91.3 %</a:t>
+                      </a:r>
+                    </a:p>
+                  </a:txBody>
+                  <a:tcPr anchor="ctr">
+                    <a:solidFill>
+                      <a:schemeClr val="accent6">
+                        <a:lumMod val="60000"/>
+                        <a:lumOff val="40000"/>
+                      </a:schemeClr>
+                    </a:solidFill>
+                  </a:tcPr>
+                </a:tc>
+                <a:tc>
+                  <a:txBody>
+                    <a:bodyPr/>
+                    <a:lstStyle/>
+                    <a:p>
+                      <a:pPr algn="ctr" fontAlgn="base"/>
+                      <a:r>
+                        <a:rPr lang="fr-FR" sz="1100" dirty="0">
+                          <a:solidFill>
+                            <a:schemeClr val="bg1"/>
+                          </a:solidFill>
+                          <a:effectLst/>
+                        </a:rPr>
+                        <a:t>23</a:t>
+                      </a:r>
+                    </a:p>
+                  </a:txBody>
+                  <a:tcPr anchor="ctr">
+                    <a:solidFill>
+                      <a:schemeClr val="accent6">
+                        <a:lumMod val="60000"/>
+                        <a:lumOff val="40000"/>
+                      </a:schemeClr>
+                    </a:solidFill>
+                  </a:tcPr>
+                </a:tc>
+                <a:extLst>
+                  <a:ext uri="{0D108BD9-81ED-4DB2-BD59-A6C34878D82A}">
+                    <a16:rowId xmlns:a16="http://schemas.microsoft.com/office/drawing/2014/main" val="1083475024"/>
+                  </a:ext>
+                </a:extLst>
+              </a:tr>
+              <a:tr h="370840">
+                <a:tc>
+                  <a:txBody>
+                    <a:bodyPr/>
+                    <a:lstStyle/>
+                    <a:p>
+                      <a:pPr algn="ctr"/>
+                      <a:r>
+                        <a:rPr lang="fr-FR" sz="1600" dirty="0" err="1">
+                          <a:solidFill>
+                            <a:schemeClr val="bg1"/>
+                          </a:solidFill>
+                        </a:rPr>
+                        <a:t>StE</a:t>
+                      </a:r>
+                      <a:endParaRPr lang="fr-FR" sz="1600" dirty="0">
+                        <a:solidFill>
+                          <a:schemeClr val="bg1"/>
+                        </a:solidFill>
+                      </a:endParaRPr>
+                    </a:p>
+                  </a:txBody>
+                  <a:tcPr>
+                    <a:solidFill>
+                      <a:schemeClr val="accent6">
+                        <a:lumMod val="75000"/>
+                      </a:schemeClr>
+                    </a:solidFill>
+                  </a:tcPr>
+                </a:tc>
+                <a:tc>
+                  <a:txBody>
+                    <a:bodyPr/>
+                    <a:lstStyle/>
+                    <a:p>
+                      <a:pPr algn="ctr" fontAlgn="base"/>
+                      <a:r>
+                        <a:rPr lang="fr-FR" sz="1400">
+                          <a:solidFill>
+                            <a:schemeClr val="bg1"/>
+                          </a:solidFill>
+                          <a:effectLst/>
+                        </a:rPr>
+                        <a:t>13.6 %</a:t>
+                      </a:r>
+                    </a:p>
+                  </a:txBody>
+                  <a:tcPr anchor="ctr">
+                    <a:solidFill>
+                      <a:schemeClr val="accent6">
+                        <a:lumMod val="75000"/>
+                      </a:schemeClr>
+                    </a:solidFill>
+                  </a:tcPr>
+                </a:tc>
+                <a:tc>
+                  <a:txBody>
+                    <a:bodyPr/>
+                    <a:lstStyle/>
+                    <a:p>
+                      <a:pPr algn="ctr" fontAlgn="base"/>
+                      <a:r>
+                        <a:rPr lang="fr-FR" sz="1400" dirty="0">
+                          <a:solidFill>
+                            <a:schemeClr val="bg1"/>
+                          </a:solidFill>
+                          <a:effectLst/>
+                        </a:rPr>
+                        <a:t>86.4 %</a:t>
+                      </a:r>
+                    </a:p>
+                  </a:txBody>
+                  <a:tcPr anchor="ctr">
+                    <a:solidFill>
+                      <a:schemeClr val="accent6">
+                        <a:lumMod val="75000"/>
+                      </a:schemeClr>
+                    </a:solidFill>
+                  </a:tcPr>
+                </a:tc>
+                <a:tc>
+                  <a:txBody>
+                    <a:bodyPr/>
+                    <a:lstStyle/>
+                    <a:p>
+                      <a:pPr algn="ctr" fontAlgn="base"/>
+                      <a:r>
+                        <a:rPr lang="fr-FR" sz="1100" dirty="0">
+                          <a:solidFill>
+                            <a:schemeClr val="bg1"/>
+                          </a:solidFill>
+                          <a:effectLst/>
+                        </a:rPr>
+                        <a:t>22</a:t>
+                      </a:r>
+                    </a:p>
+                  </a:txBody>
+                  <a:tcPr anchor="ctr">
+                    <a:solidFill>
+                      <a:schemeClr val="accent6">
+                        <a:lumMod val="75000"/>
+                      </a:schemeClr>
+                    </a:solidFill>
+                  </a:tcPr>
+                </a:tc>
+                <a:tc>
+                  <a:txBody>
+                    <a:bodyPr/>
+                    <a:lstStyle/>
+                    <a:p>
+                      <a:pPr algn="ctr" fontAlgn="base"/>
+                      <a:r>
+                        <a:rPr lang="fr-FR" sz="1400" dirty="0">
+                          <a:solidFill>
+                            <a:schemeClr val="bg1"/>
+                          </a:solidFill>
+                          <a:effectLst/>
+                        </a:rPr>
+                        <a:t>10.5 %</a:t>
+                      </a:r>
+                    </a:p>
+                  </a:txBody>
+                  <a:tcPr anchor="ctr">
+                    <a:solidFill>
+                      <a:schemeClr val="accent6">
+                        <a:lumMod val="75000"/>
+                      </a:schemeClr>
+                    </a:solidFill>
+                  </a:tcPr>
+                </a:tc>
+                <a:tc>
+                  <a:txBody>
+                    <a:bodyPr/>
+                    <a:lstStyle/>
+                    <a:p>
+                      <a:pPr algn="ctr" fontAlgn="base"/>
+                      <a:r>
+                        <a:rPr lang="fr-FR" sz="1400" dirty="0">
+                          <a:solidFill>
+                            <a:schemeClr val="bg1"/>
+                          </a:solidFill>
+                          <a:effectLst/>
+                        </a:rPr>
+                        <a:t>89.5 %</a:t>
+                      </a:r>
+                    </a:p>
+                  </a:txBody>
+                  <a:tcPr anchor="ctr">
+                    <a:solidFill>
+                      <a:schemeClr val="accent6">
+                        <a:lumMod val="75000"/>
+                      </a:schemeClr>
+                    </a:solidFill>
+                  </a:tcPr>
+                </a:tc>
+                <a:tc>
+                  <a:txBody>
+                    <a:bodyPr/>
+                    <a:lstStyle/>
+                    <a:p>
+                      <a:pPr algn="ctr" fontAlgn="base"/>
+                      <a:r>
+                        <a:rPr lang="fr-FR" sz="1100" dirty="0">
+                          <a:solidFill>
+                            <a:schemeClr val="bg1"/>
+                          </a:solidFill>
+                          <a:effectLst/>
+                        </a:rPr>
+                        <a:t>19</a:t>
+                      </a:r>
+                    </a:p>
+                  </a:txBody>
+                  <a:tcPr anchor="ctr">
+                    <a:solidFill>
+                      <a:schemeClr val="accent6">
+                        <a:lumMod val="75000"/>
+                      </a:schemeClr>
+                    </a:solidFill>
+                  </a:tcPr>
+                </a:tc>
+                <a:extLst>
+                  <a:ext uri="{0D108BD9-81ED-4DB2-BD59-A6C34878D82A}">
+                    <a16:rowId xmlns:a16="http://schemas.microsoft.com/office/drawing/2014/main" val="1118240960"/>
+                  </a:ext>
+                </a:extLst>
+              </a:tr>
+              <a:tr h="370840">
+                <a:tc>
+                  <a:txBody>
+                    <a:bodyPr/>
+                    <a:lstStyle/>
+                    <a:p>
+                      <a:pPr algn="ctr"/>
+                      <a:r>
+                        <a:rPr lang="fr-FR" sz="1600" dirty="0"/>
+                        <a:t>Ext</a:t>
+                      </a:r>
+                    </a:p>
+                  </a:txBody>
+                  <a:tcPr/>
+                </a:tc>
+                <a:tc>
+                  <a:txBody>
+                    <a:bodyPr/>
+                    <a:lstStyle/>
+                    <a:p>
+                      <a:pPr algn="ctr" fontAlgn="base"/>
+                      <a:r>
+                        <a:rPr lang="fr-FR" sz="1400" dirty="0">
+                          <a:solidFill>
+                            <a:srgbClr val="3D4449"/>
+                          </a:solidFill>
+                          <a:effectLst/>
+                        </a:rPr>
+                        <a:t>15.0 %</a:t>
+                      </a:r>
+                    </a:p>
+                  </a:txBody>
+                  <a:tcPr anchor="ctr"/>
+                </a:tc>
+                <a:tc>
+                  <a:txBody>
+                    <a:bodyPr/>
+                    <a:lstStyle/>
+                    <a:p>
+                      <a:pPr algn="ctr" fontAlgn="base"/>
+                      <a:r>
+                        <a:rPr lang="fr-FR" sz="1400" dirty="0">
+                          <a:solidFill>
+                            <a:srgbClr val="443597"/>
+                          </a:solidFill>
+                          <a:effectLst/>
+                        </a:rPr>
+                        <a:t>85.0 %</a:t>
+                      </a:r>
+                    </a:p>
+                  </a:txBody>
+                  <a:tcPr anchor="ctr"/>
+                </a:tc>
+                <a:tc>
+                  <a:txBody>
+                    <a:bodyPr/>
+                    <a:lstStyle/>
+                    <a:p>
+                      <a:pPr algn="ctr" fontAlgn="base"/>
+                      <a:r>
+                        <a:rPr lang="fr-FR" sz="1100" dirty="0">
+                          <a:solidFill>
+                            <a:srgbClr val="376E8B"/>
+                          </a:solidFill>
+                          <a:effectLst/>
+                        </a:rPr>
+                        <a:t>20</a:t>
+                      </a:r>
+                    </a:p>
+                  </a:txBody>
+                  <a:tcPr anchor="ctr"/>
+                </a:tc>
+                <a:tc>
+                  <a:txBody>
+                    <a:bodyPr/>
+                    <a:lstStyle/>
+                    <a:p>
+                      <a:pPr algn="ctr" fontAlgn="base"/>
+                      <a:r>
+                        <a:rPr lang="fr-FR" sz="1400" dirty="0">
+                          <a:solidFill>
+                            <a:srgbClr val="3D4449"/>
+                          </a:solidFill>
+                          <a:effectLst/>
+                        </a:rPr>
+                        <a:t>17.6 %</a:t>
+                      </a:r>
+                    </a:p>
+                  </a:txBody>
+                  <a:tcPr anchor="ctr"/>
+                </a:tc>
+                <a:tc>
+                  <a:txBody>
+                    <a:bodyPr/>
+                    <a:lstStyle/>
+                    <a:p>
+                      <a:pPr algn="ctr" fontAlgn="base"/>
+                      <a:r>
+                        <a:rPr lang="fr-FR" sz="1400" dirty="0">
+                          <a:solidFill>
+                            <a:srgbClr val="443597"/>
+                          </a:solidFill>
+                          <a:effectLst/>
+                        </a:rPr>
+                        <a:t>82.4 %</a:t>
+                      </a:r>
+                    </a:p>
+                  </a:txBody>
+                  <a:tcPr anchor="ctr"/>
+                </a:tc>
+                <a:tc>
+                  <a:txBody>
+                    <a:bodyPr/>
+                    <a:lstStyle/>
+                    <a:p>
+                      <a:pPr algn="ctr" fontAlgn="base"/>
+                      <a:r>
+                        <a:rPr lang="fr-FR" sz="1100" dirty="0">
+                          <a:solidFill>
+                            <a:srgbClr val="376E8B"/>
+                          </a:solidFill>
+                          <a:effectLst/>
+                        </a:rPr>
+                        <a:t>17</a:t>
+                      </a:r>
+                    </a:p>
+                  </a:txBody>
+                  <a:tcPr anchor="ctr"/>
+                </a:tc>
+                <a:extLst>
+                  <a:ext uri="{0D108BD9-81ED-4DB2-BD59-A6C34878D82A}">
+                    <a16:rowId xmlns:a16="http://schemas.microsoft.com/office/drawing/2014/main" val="1740952244"/>
+                  </a:ext>
+                </a:extLst>
+              </a:tr>
+            </a:tbl>
+          </a:graphicData>
+        </a:graphic>
+      </p:graphicFrame>
       <p:sp>
         <p:nvSpPr>
-          <p:cNvPr id="4" name="ZoneTexte 3">
+          <p:cNvPr id="7" name="ZoneTexte 6">
             <a:extLst>
               <a:ext uri="{FF2B5EF4-FFF2-40B4-BE49-F238E27FC236}">
-                <a16:creationId xmlns:a16="http://schemas.microsoft.com/office/drawing/2014/main" id="{F3E723ED-4E23-F978-EF18-9CFF072AF0CE}"/>
+                <a16:creationId xmlns:a16="http://schemas.microsoft.com/office/drawing/2014/main" id="{6BE8EB4C-9EED-0344-FB71-FC964BFAC7C5}"/>
               </a:ext>
             </a:extLst>
           </p:cNvPr>
@@ -8349,99 +10835,225 @@
           <p:nvPr/>
         </p:nvSpPr>
         <p:spPr>
-          <a:xfrm rot="20218656">
-            <a:off x="5831507" y="1711410"/>
-            <a:ext cx="2184137" cy="461665"/>
+          <a:xfrm>
+            <a:off x="5749638" y="2816126"/>
+            <a:ext cx="1427017" cy="338554"/>
           </a:xfrm>
           <a:prstGeom prst="rect">
             <a:avLst/>
           </a:prstGeom>
-          <a:solidFill>
-            <a:srgbClr val="5B277D"/>
-          </a:solidFill>
+          <a:noFill/>
         </p:spPr>
         <p:txBody>
-          <a:bodyPr wrap="square" rtlCol="0">
+          <a:bodyPr wrap="square">
             <a:spAutoFit/>
           </a:bodyPr>
           <a:lstStyle/>
           <a:p>
-            <a:pPr algn="ctr"/>
             <a:r>
-              <a:rPr lang="fr-FR" sz="2400" b="1" dirty="0">
-                <a:solidFill>
-                  <a:schemeClr val="bg1"/>
-                </a:solidFill>
+              <a:rPr lang="fr-FR" b="1" dirty="0">
+                <a:solidFill>
+                  <a:srgbClr val="3D4449"/>
+                </a:solidFill>
+                <a:effectLst/>
+                <a:latin typeface="inherit"/>
               </a:rPr>
-              <a:t>A MODIFIER</a:t>
+              <a:t>2020 à 2023 </a:t>
             </a:r>
+            <a:endParaRPr lang="fr-FR" dirty="0"/>
           </a:p>
         </p:txBody>
       </p:sp>
-      <p:pic>
-        <p:nvPicPr>
-          <p:cNvPr id="12" name="Image 11">
+      <p:sp>
+        <p:nvSpPr>
+          <p:cNvPr id="8" name="ZoneTexte 7">
             <a:extLst>
               <a:ext uri="{FF2B5EF4-FFF2-40B4-BE49-F238E27FC236}">
-                <a16:creationId xmlns:a16="http://schemas.microsoft.com/office/drawing/2014/main" id="{5EC8F09B-A734-AA14-23AE-F28B516C810F}"/>
+                <a16:creationId xmlns:a16="http://schemas.microsoft.com/office/drawing/2014/main" id="{2F218827-BD14-D989-820F-C8E93CE767D2}"/>
               </a:ext>
             </a:extLst>
           </p:cNvPr>
-          <p:cNvPicPr>
-            <a:picLocks noChangeAspect="1"/>
-          </p:cNvPicPr>
+          <p:cNvSpPr txBox="1"/>
           <p:nvPr/>
-        </p:nvPicPr>
-        <p:blipFill>
-          <a:blip r:embed="rId3"/>
-          <a:stretch>
-            <a:fillRect/>
-          </a:stretch>
-        </p:blipFill>
+        </p:nvSpPr>
         <p:spPr>
           <a:xfrm>
-            <a:off x="1377514" y="2581788"/>
-            <a:ext cx="4887007" cy="1486107"/>
+            <a:off x="3144983" y="2819192"/>
+            <a:ext cx="1427017" cy="338554"/>
           </a:xfrm>
           <a:prstGeom prst="rect">
             <a:avLst/>
           </a:prstGeom>
+          <a:noFill/>
         </p:spPr>
-      </p:pic>
-      <p:pic>
-        <p:nvPicPr>
-          <p:cNvPr id="15" name="Image 14">
+        <p:txBody>
+          <a:bodyPr wrap="square">
+            <a:spAutoFit/>
+          </a:bodyPr>
+          <a:lstStyle/>
+          <a:p>
+            <a:r>
+              <a:rPr lang="fr-FR" b="1" dirty="0">
+                <a:solidFill>
+                  <a:srgbClr val="3D4449"/>
+                </a:solidFill>
+                <a:effectLst/>
+                <a:latin typeface="inherit"/>
+              </a:rPr>
+              <a:t>2019 à 2022 </a:t>
+            </a:r>
+            <a:endParaRPr lang="fr-FR" dirty="0"/>
+          </a:p>
+        </p:txBody>
+      </p:sp>
+      <p:cxnSp>
+        <p:nvCxnSpPr>
+          <p:cNvPr id="4" name="Connecteur droit 3">
             <a:extLst>
               <a:ext uri="{FF2B5EF4-FFF2-40B4-BE49-F238E27FC236}">
-                <a16:creationId xmlns:a16="http://schemas.microsoft.com/office/drawing/2014/main" id="{61EF6C73-1078-EC93-6D65-07A15EBD1375}"/>
+                <a16:creationId xmlns:a16="http://schemas.microsoft.com/office/drawing/2014/main" id="{46A9AF30-4985-7D91-5CC9-A0AF905AF948}"/>
               </a:ext>
             </a:extLst>
           </p:cNvPr>
-          <p:cNvPicPr>
-            <a:picLocks noChangeAspect="1"/>
-          </p:cNvPicPr>
+          <p:cNvCxnSpPr>
+            <a:cxnSpLocks/>
+          </p:cNvCxnSpPr>
           <p:nvPr/>
-        </p:nvPicPr>
-        <p:blipFill>
-          <a:blip r:embed="rId4"/>
-          <a:stretch>
-            <a:fillRect/>
-          </a:stretch>
-        </p:blipFill>
-        <p:spPr>
+        </p:nvCxnSpPr>
+        <p:spPr bwMode="auto">
           <a:xfrm>
-            <a:off x="1377514" y="4349298"/>
-            <a:ext cx="4963218" cy="1400370"/>
+            <a:off x="4997885" y="2816126"/>
+            <a:ext cx="0" cy="2916970"/>
           </a:xfrm>
-          <a:prstGeom prst="rect">
+          <a:prstGeom prst="line">
             <a:avLst/>
           </a:prstGeom>
+          <a:solidFill>
+            <a:schemeClr val="accent1"/>
+          </a:solidFill>
+          <a:ln w="25400" cap="flat" cmpd="sng" algn="ctr">
+            <a:solidFill>
+              <a:schemeClr val="tx1"/>
+            </a:solidFill>
+            <a:prstDash val="solid"/>
+            <a:round/>
+            <a:headEnd type="none" w="med" len="med"/>
+            <a:tailEnd type="none" w="med" len="med"/>
+          </a:ln>
+          <a:effectLst/>
+          <a:extLst>
+            <a:ext uri="{AF507438-7753-43e0-B8FC-AC1667EBCBE1}">
+              <a14:hiddenEffects xmlns="" xmlns:a14="http://schemas.microsoft.com/office/drawing/2010/main">
+                <a:effectLst>
+                  <a:outerShdw dist="35921" dir="2700000" algn="ctr" rotWithShape="0">
+                    <a:schemeClr val="bg2"/>
+                  </a:outerShdw>
+                </a:effectLst>
+              </a14:hiddenEffects>
+            </a:ext>
+          </a:extLst>
         </p:spPr>
-      </p:pic>
+      </p:cxnSp>
+      <p:cxnSp>
+        <p:nvCxnSpPr>
+          <p:cNvPr id="6" name="Connecteur droit 5">
+            <a:extLst>
+              <a:ext uri="{FF2B5EF4-FFF2-40B4-BE49-F238E27FC236}">
+                <a16:creationId xmlns:a16="http://schemas.microsoft.com/office/drawing/2014/main" id="{6ABB3F14-C0AF-23BD-13D6-77ADE7A0436C}"/>
+              </a:ext>
+            </a:extLst>
+          </p:cNvPr>
+          <p:cNvCxnSpPr>
+            <a:cxnSpLocks/>
+          </p:cNvCxnSpPr>
+          <p:nvPr/>
+        </p:nvCxnSpPr>
+        <p:spPr bwMode="auto">
+          <a:xfrm>
+            <a:off x="2394559" y="2816126"/>
+            <a:ext cx="0" cy="2916970"/>
+          </a:xfrm>
+          <a:prstGeom prst="line">
+            <a:avLst/>
+          </a:prstGeom>
+          <a:solidFill>
+            <a:schemeClr val="accent1"/>
+          </a:solidFill>
+          <a:ln w="25400" cap="flat" cmpd="sng" algn="ctr">
+            <a:solidFill>
+              <a:schemeClr val="tx1"/>
+            </a:solidFill>
+            <a:prstDash val="solid"/>
+            <a:round/>
+            <a:headEnd type="none" w="med" len="med"/>
+            <a:tailEnd type="none" w="med" len="med"/>
+          </a:ln>
+          <a:effectLst/>
+          <a:extLst>
+            <a:ext uri="{AF507438-7753-43e0-B8FC-AC1667EBCBE1}">
+              <a14:hiddenEffects xmlns="" xmlns:a14="http://schemas.microsoft.com/office/drawing/2010/main">
+                <a:effectLst>
+                  <a:outerShdw dist="35921" dir="2700000" algn="ctr" rotWithShape="0">
+                    <a:schemeClr val="bg2"/>
+                  </a:outerShdw>
+                </a:effectLst>
+              </a14:hiddenEffects>
+            </a:ext>
+          </a:extLst>
+        </p:spPr>
+      </p:cxnSp>
+      <p:cxnSp>
+        <p:nvCxnSpPr>
+          <p:cNvPr id="10" name="Connecteur droit 9">
+            <a:extLst>
+              <a:ext uri="{FF2B5EF4-FFF2-40B4-BE49-F238E27FC236}">
+                <a16:creationId xmlns:a16="http://schemas.microsoft.com/office/drawing/2014/main" id="{FFE9DD70-B863-2E59-BC57-CFDEFEEA5C70}"/>
+              </a:ext>
+            </a:extLst>
+          </p:cNvPr>
+          <p:cNvCxnSpPr>
+            <a:cxnSpLocks/>
+          </p:cNvCxnSpPr>
+          <p:nvPr/>
+        </p:nvCxnSpPr>
+        <p:spPr bwMode="auto">
+          <a:xfrm>
+            <a:off x="7610474" y="2816126"/>
+            <a:ext cx="0" cy="2916970"/>
+          </a:xfrm>
+          <a:prstGeom prst="line">
+            <a:avLst/>
+          </a:prstGeom>
+          <a:solidFill>
+            <a:schemeClr val="accent1"/>
+          </a:solidFill>
+          <a:ln w="25400" cap="flat" cmpd="sng" algn="ctr">
+            <a:solidFill>
+              <a:schemeClr val="tx1"/>
+            </a:solidFill>
+            <a:prstDash val="solid"/>
+            <a:round/>
+            <a:headEnd type="none" w="med" len="med"/>
+            <a:tailEnd type="none" w="med" len="med"/>
+          </a:ln>
+          <a:effectLst/>
+          <a:extLst>
+            <a:ext uri="{AF507438-7753-43e0-B8FC-AC1667EBCBE1}">
+              <a14:hiddenEffects xmlns="" xmlns:a14="http://schemas.microsoft.com/office/drawing/2010/main">
+                <a:effectLst>
+                  <a:outerShdw dist="35921" dir="2700000" algn="ctr" rotWithShape="0">
+                    <a:schemeClr val="bg2"/>
+                  </a:outerShdw>
+                </a:effectLst>
+              </a14:hiddenEffects>
+            </a:ext>
+          </a:extLst>
+        </p:spPr>
+      </p:cxnSp>
     </p:spTree>
     <p:extLst>
       <p:ext uri="{BB962C8B-B14F-4D97-AF65-F5344CB8AC3E}">
-        <p14:creationId xmlns:p14="http://schemas.microsoft.com/office/powerpoint/2010/main" val="3793780329"/>
+        <p14:creationId xmlns:p14="http://schemas.microsoft.com/office/powerpoint/2010/main" val="2687869749"/>
       </p:ext>
     </p:extLst>
   </p:cSld>
@@ -8532,7 +11144,7 @@
                 </a:solidFill>
                 <a:ea typeface="ＭＳ Ｐゴシック" panose="020B0600070205080204" pitchFamily="34" charset="-128"/>
               </a:rPr>
-              <a:t>Cumul de 2020 à 2024</a:t>
+              <a:t>Cumul de 2019 à 2022 / 2020 à 2023</a:t>
             </a:r>
           </a:p>
           <a:p>
@@ -8543,7 +11155,7 @@
                 </a:solidFill>
                 <a:ea typeface="ＭＳ Ｐゴシック" panose="020B0600070205080204" pitchFamily="34" charset="-128"/>
               </a:rPr>
-              <a:t>Accès à l’emploi</a:t>
+              <a:t>Lieu des emplois en France / Filières</a:t>
             </a:r>
           </a:p>
         </p:txBody>
@@ -8716,12 +11328,1170 @@
           </a:p>
         </p:txBody>
       </p:sp>
+      <p:graphicFrame>
+        <p:nvGraphicFramePr>
+          <p:cNvPr id="5" name="Tableau 4">
+            <a:extLst>
+              <a:ext uri="{FF2B5EF4-FFF2-40B4-BE49-F238E27FC236}">
+                <a16:creationId xmlns:a16="http://schemas.microsoft.com/office/drawing/2014/main" id="{67D5A9BE-B287-0AD5-1BCF-FEC21F1E9A75}"/>
+              </a:ext>
+            </a:extLst>
+          </p:cNvPr>
+          <p:cNvGraphicFramePr>
+            <a:graphicFrameLocks noGrp="1"/>
+          </p:cNvGraphicFramePr>
+          <p:nvPr>
+            <p:extLst>
+              <p:ext uri="{D42A27DB-BD31-4B8C-83A1-F6EECF244321}">
+                <p14:modId xmlns:p14="http://schemas.microsoft.com/office/powerpoint/2010/main" val="2656762693"/>
+              </p:ext>
+            </p:extLst>
+          </p:nvPr>
+        </p:nvGraphicFramePr>
+        <p:xfrm>
+          <a:off x="1514475" y="3137216"/>
+          <a:ext cx="6095999" cy="2595880"/>
+        </p:xfrm>
+        <a:graphic>
+          <a:graphicData uri="http://schemas.openxmlformats.org/drawingml/2006/table">
+            <a:tbl>
+              <a:tblPr firstRow="1" bandRow="1">
+                <a:tableStyleId>{21E4AEA4-8DFA-4A89-87EB-49C32662AFE0}</a:tableStyleId>
+              </a:tblPr>
+              <a:tblGrid>
+                <a:gridCol w="870857">
+                  <a:extLst>
+                    <a:ext uri="{9D8B030D-6E8A-4147-A177-3AD203B41FA5}">
+                      <a16:colId xmlns:a16="http://schemas.microsoft.com/office/drawing/2014/main" val="2053038476"/>
+                    </a:ext>
+                  </a:extLst>
+                </a:gridCol>
+                <a:gridCol w="870857">
+                  <a:extLst>
+                    <a:ext uri="{9D8B030D-6E8A-4147-A177-3AD203B41FA5}">
+                      <a16:colId xmlns:a16="http://schemas.microsoft.com/office/drawing/2014/main" val="3832746835"/>
+                    </a:ext>
+                  </a:extLst>
+                </a:gridCol>
+                <a:gridCol w="870857">
+                  <a:extLst>
+                    <a:ext uri="{9D8B030D-6E8A-4147-A177-3AD203B41FA5}">
+                      <a16:colId xmlns:a16="http://schemas.microsoft.com/office/drawing/2014/main" val="4009216877"/>
+                    </a:ext>
+                  </a:extLst>
+                </a:gridCol>
+                <a:gridCol w="870857">
+                  <a:extLst>
+                    <a:ext uri="{9D8B030D-6E8A-4147-A177-3AD203B41FA5}">
+                      <a16:colId xmlns:a16="http://schemas.microsoft.com/office/drawing/2014/main" val="3856658833"/>
+                    </a:ext>
+                  </a:extLst>
+                </a:gridCol>
+                <a:gridCol w="870857">
+                  <a:extLst>
+                    <a:ext uri="{9D8B030D-6E8A-4147-A177-3AD203B41FA5}">
+                      <a16:colId xmlns:a16="http://schemas.microsoft.com/office/drawing/2014/main" val="1457748498"/>
+                    </a:ext>
+                  </a:extLst>
+                </a:gridCol>
+                <a:gridCol w="870857">
+                  <a:extLst>
+                    <a:ext uri="{9D8B030D-6E8A-4147-A177-3AD203B41FA5}">
+                      <a16:colId xmlns:a16="http://schemas.microsoft.com/office/drawing/2014/main" val="3308663209"/>
+                    </a:ext>
+                  </a:extLst>
+                </a:gridCol>
+                <a:gridCol w="870857">
+                  <a:extLst>
+                    <a:ext uri="{9D8B030D-6E8A-4147-A177-3AD203B41FA5}">
+                      <a16:colId xmlns:a16="http://schemas.microsoft.com/office/drawing/2014/main" val="2294340571"/>
+                    </a:ext>
+                  </a:extLst>
+                </a:gridCol>
+              </a:tblGrid>
+              <a:tr h="370840">
+                <a:tc>
+                  <a:txBody>
+                    <a:bodyPr/>
+                    <a:lstStyle/>
+                    <a:p>
+                      <a:pPr algn="ctr"/>
+                      <a:r>
+                        <a:rPr lang="fr-FR" sz="1400" dirty="0"/>
+                        <a:t>Sites</a:t>
+                      </a:r>
+                    </a:p>
+                  </a:txBody>
+                  <a:tcPr/>
+                </a:tc>
+                <a:tc>
+                  <a:txBody>
+                    <a:bodyPr/>
+                    <a:lstStyle/>
+                    <a:p>
+                      <a:pPr algn="ctr"/>
+                      <a:r>
+                        <a:rPr lang="fr-FR" sz="1400" dirty="0"/>
+                        <a:t>IDF</a:t>
+                      </a:r>
+                    </a:p>
+                  </a:txBody>
+                  <a:tcPr/>
+                </a:tc>
+                <a:tc>
+                  <a:txBody>
+                    <a:bodyPr/>
+                    <a:lstStyle/>
+                    <a:p>
+                      <a:pPr algn="ctr"/>
+                      <a:r>
+                        <a:rPr lang="fr-FR" sz="1400" dirty="0" err="1"/>
+                        <a:t>horsIDF</a:t>
+                      </a:r>
+                      <a:endParaRPr lang="fr-FR" sz="1400" dirty="0"/>
+                    </a:p>
+                  </a:txBody>
+                  <a:tcPr/>
+                </a:tc>
+                <a:tc>
+                  <a:txBody>
+                    <a:bodyPr/>
+                    <a:lstStyle/>
+                    <a:p>
+                      <a:pPr algn="ctr"/>
+                      <a:r>
+                        <a:rPr lang="fr-FR" sz="1050" dirty="0"/>
+                        <a:t>Nb Rep</a:t>
+                      </a:r>
+                    </a:p>
+                  </a:txBody>
+                  <a:tcPr/>
+                </a:tc>
+                <a:tc>
+                  <a:txBody>
+                    <a:bodyPr/>
+                    <a:lstStyle/>
+                    <a:p>
+                      <a:pPr algn="ctr"/>
+                      <a:r>
+                        <a:rPr lang="fr-FR" sz="1400" dirty="0"/>
+                        <a:t>IDF</a:t>
+                      </a:r>
+                    </a:p>
+                  </a:txBody>
+                  <a:tcPr/>
+                </a:tc>
+                <a:tc>
+                  <a:txBody>
+                    <a:bodyPr/>
+                    <a:lstStyle/>
+                    <a:p>
+                      <a:pPr algn="ctr"/>
+                      <a:r>
+                        <a:rPr lang="fr-FR" sz="1400" dirty="0" err="1"/>
+                        <a:t>horsIDF</a:t>
+                      </a:r>
+                      <a:endParaRPr lang="fr-FR" sz="1400" dirty="0"/>
+                    </a:p>
+                  </a:txBody>
+                  <a:tcPr/>
+                </a:tc>
+                <a:tc>
+                  <a:txBody>
+                    <a:bodyPr/>
+                    <a:lstStyle/>
+                    <a:p>
+                      <a:pPr algn="ctr"/>
+                      <a:r>
+                        <a:rPr lang="fr-FR" sz="1050" dirty="0"/>
+                        <a:t>Nb Rep</a:t>
+                      </a:r>
+                    </a:p>
+                  </a:txBody>
+                  <a:tcPr/>
+                </a:tc>
+                <a:extLst>
+                  <a:ext uri="{0D108BD9-81ED-4DB2-BD59-A6C34878D82A}">
+                    <a16:rowId xmlns:a16="http://schemas.microsoft.com/office/drawing/2014/main" val="3899797023"/>
+                  </a:ext>
+                </a:extLst>
+              </a:tr>
+              <a:tr h="370840">
+                <a:tc>
+                  <a:txBody>
+                    <a:bodyPr/>
+                    <a:lstStyle/>
+                    <a:p>
+                      <a:pPr algn="ctr"/>
+                      <a:r>
+                        <a:rPr lang="fr-FR" sz="1600" dirty="0"/>
+                        <a:t>CGE</a:t>
+                      </a:r>
+                    </a:p>
+                  </a:txBody>
+                  <a:tcPr/>
+                </a:tc>
+                <a:tc>
+                  <a:txBody>
+                    <a:bodyPr/>
+                    <a:lstStyle/>
+                    <a:p>
+                      <a:pPr algn="ctr" fontAlgn="base"/>
+                      <a:r>
+                        <a:rPr lang="fr-FR" sz="1400" dirty="0">
+                          <a:solidFill>
+                            <a:srgbClr val="3D4449"/>
+                          </a:solidFill>
+                          <a:effectLst/>
+                        </a:rPr>
+                        <a:t>40.4 %</a:t>
+                      </a:r>
+                    </a:p>
+                  </a:txBody>
+                  <a:tcPr anchor="ctr"/>
+                </a:tc>
+                <a:tc>
+                  <a:txBody>
+                    <a:bodyPr/>
+                    <a:lstStyle/>
+                    <a:p>
+                      <a:pPr algn="ctr" fontAlgn="base"/>
+                      <a:r>
+                        <a:rPr lang="fr-FR" sz="1400" dirty="0">
+                          <a:solidFill>
+                            <a:srgbClr val="443597"/>
+                          </a:solidFill>
+                          <a:effectLst/>
+                        </a:rPr>
+                        <a:t>59.6 %</a:t>
+                      </a:r>
+                    </a:p>
+                  </a:txBody>
+                  <a:tcPr anchor="ctr"/>
+                </a:tc>
+                <a:tc>
+                  <a:txBody>
+                    <a:bodyPr/>
+                    <a:lstStyle/>
+                    <a:p>
+                      <a:pPr algn="ctr"/>
+                      <a:endParaRPr lang="fr-FR" sz="1400" dirty="0"/>
+                    </a:p>
+                  </a:txBody>
+                  <a:tcPr/>
+                </a:tc>
+                <a:tc>
+                  <a:txBody>
+                    <a:bodyPr/>
+                    <a:lstStyle/>
+                    <a:p>
+                      <a:pPr algn="ctr" fontAlgn="base"/>
+                      <a:r>
+                        <a:rPr lang="fr-FR" sz="1400" dirty="0">
+                          <a:solidFill>
+                            <a:srgbClr val="3D4449"/>
+                          </a:solidFill>
+                          <a:effectLst/>
+                        </a:rPr>
+                        <a:t>39.7 %</a:t>
+                      </a:r>
+                    </a:p>
+                  </a:txBody>
+                  <a:tcPr anchor="ctr"/>
+                </a:tc>
+                <a:tc>
+                  <a:txBody>
+                    <a:bodyPr/>
+                    <a:lstStyle/>
+                    <a:p>
+                      <a:pPr algn="ctr" fontAlgn="base"/>
+                      <a:r>
+                        <a:rPr lang="fr-FR" sz="1400" dirty="0">
+                          <a:solidFill>
+                            <a:srgbClr val="443597"/>
+                          </a:solidFill>
+                          <a:effectLst/>
+                        </a:rPr>
+                        <a:t>60.3 %</a:t>
+                      </a:r>
+                    </a:p>
+                  </a:txBody>
+                  <a:tcPr anchor="ctr"/>
+                </a:tc>
+                <a:tc>
+                  <a:txBody>
+                    <a:bodyPr/>
+                    <a:lstStyle/>
+                    <a:p>
+                      <a:pPr algn="ctr"/>
+                      <a:endParaRPr lang="fr-FR" sz="1100" dirty="0"/>
+                    </a:p>
+                  </a:txBody>
+                  <a:tcPr/>
+                </a:tc>
+                <a:extLst>
+                  <a:ext uri="{0D108BD9-81ED-4DB2-BD59-A6C34878D82A}">
+                    <a16:rowId xmlns:a16="http://schemas.microsoft.com/office/drawing/2014/main" val="952767304"/>
+                  </a:ext>
+                </a:extLst>
+              </a:tr>
+              <a:tr h="370840">
+                <a:tc>
+                  <a:txBody>
+                    <a:bodyPr/>
+                    <a:lstStyle/>
+                    <a:p>
+                      <a:pPr algn="ctr"/>
+                      <a:r>
+                        <a:rPr lang="fr-FR" b="1" dirty="0" err="1"/>
+                        <a:t>Ens</a:t>
+                      </a:r>
+                      <a:r>
+                        <a:rPr lang="fr-FR" b="1" dirty="0"/>
+                        <a:t>.</a:t>
+                      </a:r>
+                    </a:p>
+                  </a:txBody>
+                  <a:tcPr/>
+                </a:tc>
+                <a:tc>
+                  <a:txBody>
+                    <a:bodyPr/>
+                    <a:lstStyle/>
+                    <a:p>
+                      <a:pPr algn="ctr" fontAlgn="base"/>
+                      <a:r>
+                        <a:rPr lang="fr-FR" b="1" dirty="0">
+                          <a:solidFill>
+                            <a:srgbClr val="3D4449"/>
+                          </a:solidFill>
+                          <a:effectLst/>
+                          <a:latin typeface="inherit"/>
+                        </a:rPr>
+                        <a:t>70.5 %</a:t>
+                      </a:r>
+                      <a:endParaRPr lang="fr-FR" dirty="0">
+                        <a:effectLst/>
+                      </a:endParaRPr>
+                    </a:p>
+                  </a:txBody>
+                  <a:tcPr anchor="ctr"/>
+                </a:tc>
+                <a:tc>
+                  <a:txBody>
+                    <a:bodyPr/>
+                    <a:lstStyle/>
+                    <a:p>
+                      <a:pPr algn="ctr" fontAlgn="base"/>
+                      <a:r>
+                        <a:rPr lang="fr-FR" b="1">
+                          <a:solidFill>
+                            <a:srgbClr val="443597"/>
+                          </a:solidFill>
+                          <a:effectLst/>
+                          <a:latin typeface="inherit"/>
+                        </a:rPr>
+                        <a:t>29.5 %</a:t>
+                      </a:r>
+                      <a:endParaRPr lang="fr-FR">
+                        <a:effectLst/>
+                      </a:endParaRPr>
+                    </a:p>
+                  </a:txBody>
+                  <a:tcPr anchor="ctr"/>
+                </a:tc>
+                <a:tc>
+                  <a:txBody>
+                    <a:bodyPr/>
+                    <a:lstStyle/>
+                    <a:p>
+                      <a:pPr algn="ctr" fontAlgn="base"/>
+                      <a:r>
+                        <a:rPr lang="fr-FR" sz="1200" b="1" dirty="0">
+                          <a:solidFill>
+                            <a:srgbClr val="376E8B"/>
+                          </a:solidFill>
+                          <a:effectLst/>
+                          <a:latin typeface="inherit"/>
+                        </a:rPr>
+                        <a:t>146</a:t>
+                      </a:r>
+                      <a:endParaRPr lang="fr-FR" sz="1200" dirty="0">
+                        <a:effectLst/>
+                      </a:endParaRPr>
+                    </a:p>
+                  </a:txBody>
+                  <a:tcPr anchor="ctr"/>
+                </a:tc>
+                <a:tc>
+                  <a:txBody>
+                    <a:bodyPr/>
+                    <a:lstStyle/>
+                    <a:p>
+                      <a:pPr algn="ctr" fontAlgn="base"/>
+                      <a:r>
+                        <a:rPr lang="fr-FR" b="1" dirty="0">
+                          <a:solidFill>
+                            <a:srgbClr val="3D4449"/>
+                          </a:solidFill>
+                          <a:effectLst/>
+                          <a:latin typeface="inherit"/>
+                        </a:rPr>
+                        <a:t>71.8 %</a:t>
+                      </a:r>
+                      <a:endParaRPr lang="fr-FR" dirty="0">
+                        <a:effectLst/>
+                      </a:endParaRPr>
+                    </a:p>
+                  </a:txBody>
+                  <a:tcPr anchor="ctr"/>
+                </a:tc>
+                <a:tc>
+                  <a:txBody>
+                    <a:bodyPr/>
+                    <a:lstStyle/>
+                    <a:p>
+                      <a:pPr algn="ctr" fontAlgn="base"/>
+                      <a:r>
+                        <a:rPr lang="fr-FR" b="1">
+                          <a:solidFill>
+                            <a:srgbClr val="443597"/>
+                          </a:solidFill>
+                          <a:effectLst/>
+                          <a:latin typeface="inherit"/>
+                        </a:rPr>
+                        <a:t>28.2 %</a:t>
+                      </a:r>
+                      <a:endParaRPr lang="fr-FR">
+                        <a:effectLst/>
+                      </a:endParaRPr>
+                    </a:p>
+                  </a:txBody>
+                  <a:tcPr anchor="ctr"/>
+                </a:tc>
+                <a:tc>
+                  <a:txBody>
+                    <a:bodyPr/>
+                    <a:lstStyle/>
+                    <a:p>
+                      <a:pPr algn="ctr" fontAlgn="base"/>
+                      <a:r>
+                        <a:rPr lang="fr-FR" sz="1200" b="1" dirty="0">
+                          <a:solidFill>
+                            <a:srgbClr val="376E8B"/>
+                          </a:solidFill>
+                          <a:effectLst/>
+                          <a:latin typeface="inherit"/>
+                        </a:rPr>
+                        <a:t>131</a:t>
+                      </a:r>
+                      <a:endParaRPr lang="fr-FR" sz="1200" dirty="0">
+                        <a:effectLst/>
+                      </a:endParaRPr>
+                    </a:p>
+                  </a:txBody>
+                  <a:tcPr anchor="ctr"/>
+                </a:tc>
+                <a:extLst>
+                  <a:ext uri="{0D108BD9-81ED-4DB2-BD59-A6C34878D82A}">
+                    <a16:rowId xmlns:a16="http://schemas.microsoft.com/office/drawing/2014/main" val="809898311"/>
+                  </a:ext>
+                </a:extLst>
+              </a:tr>
+              <a:tr h="370840">
+                <a:tc>
+                  <a:txBody>
+                    <a:bodyPr/>
+                    <a:lstStyle/>
+                    <a:p>
+                      <a:pPr algn="ctr"/>
+                      <a:r>
+                        <a:rPr lang="fr-FR" sz="1600" dirty="0">
+                          <a:solidFill>
+                            <a:schemeClr val="bg1"/>
+                          </a:solidFill>
+                        </a:rPr>
+                        <a:t>FISE</a:t>
+                      </a:r>
+                    </a:p>
+                  </a:txBody>
+                  <a:tcPr>
+                    <a:solidFill>
+                      <a:schemeClr val="accent6">
+                        <a:lumMod val="40000"/>
+                        <a:lumOff val="60000"/>
+                      </a:schemeClr>
+                    </a:solidFill>
+                  </a:tcPr>
+                </a:tc>
+                <a:tc>
+                  <a:txBody>
+                    <a:bodyPr/>
+                    <a:lstStyle/>
+                    <a:p>
+                      <a:pPr algn="ctr" fontAlgn="base"/>
+                      <a:r>
+                        <a:rPr lang="fr-FR" sz="1400" dirty="0">
+                          <a:solidFill>
+                            <a:schemeClr val="bg1"/>
+                          </a:solidFill>
+                          <a:effectLst/>
+                        </a:rPr>
+                        <a:t>77.9 %</a:t>
+                      </a:r>
+                    </a:p>
+                  </a:txBody>
+                  <a:tcPr anchor="ctr">
+                    <a:solidFill>
+                      <a:schemeClr val="accent6">
+                        <a:lumMod val="40000"/>
+                        <a:lumOff val="60000"/>
+                      </a:schemeClr>
+                    </a:solidFill>
+                  </a:tcPr>
+                </a:tc>
+                <a:tc>
+                  <a:txBody>
+                    <a:bodyPr/>
+                    <a:lstStyle/>
+                    <a:p>
+                      <a:pPr algn="ctr" fontAlgn="base"/>
+                      <a:r>
+                        <a:rPr lang="fr-FR" sz="1400" dirty="0">
+                          <a:solidFill>
+                            <a:schemeClr val="bg1"/>
+                          </a:solidFill>
+                          <a:effectLst/>
+                        </a:rPr>
+                        <a:t>22.1 %</a:t>
+                      </a:r>
+                    </a:p>
+                  </a:txBody>
+                  <a:tcPr anchor="ctr">
+                    <a:solidFill>
+                      <a:schemeClr val="accent6">
+                        <a:lumMod val="40000"/>
+                        <a:lumOff val="60000"/>
+                      </a:schemeClr>
+                    </a:solidFill>
+                  </a:tcPr>
+                </a:tc>
+                <a:tc>
+                  <a:txBody>
+                    <a:bodyPr/>
+                    <a:lstStyle/>
+                    <a:p>
+                      <a:pPr algn="ctr" fontAlgn="base"/>
+                      <a:r>
+                        <a:rPr lang="fr-FR" sz="1100" dirty="0">
+                          <a:solidFill>
+                            <a:schemeClr val="bg1"/>
+                          </a:solidFill>
+                          <a:effectLst/>
+                        </a:rPr>
+                        <a:t>77</a:t>
+                      </a:r>
+                    </a:p>
+                  </a:txBody>
+                  <a:tcPr anchor="ctr">
+                    <a:solidFill>
+                      <a:schemeClr val="accent6">
+                        <a:lumMod val="40000"/>
+                        <a:lumOff val="60000"/>
+                      </a:schemeClr>
+                    </a:solidFill>
+                  </a:tcPr>
+                </a:tc>
+                <a:tc>
+                  <a:txBody>
+                    <a:bodyPr/>
+                    <a:lstStyle/>
+                    <a:p>
+                      <a:pPr algn="ctr" fontAlgn="base"/>
+                      <a:r>
+                        <a:rPr lang="fr-FR" sz="1400" dirty="0">
+                          <a:solidFill>
+                            <a:schemeClr val="bg1"/>
+                          </a:solidFill>
+                          <a:effectLst/>
+                        </a:rPr>
+                        <a:t>79.1 %</a:t>
+                      </a:r>
+                    </a:p>
+                  </a:txBody>
+                  <a:tcPr anchor="ctr">
+                    <a:solidFill>
+                      <a:schemeClr val="accent6">
+                        <a:lumMod val="40000"/>
+                        <a:lumOff val="60000"/>
+                      </a:schemeClr>
+                    </a:solidFill>
+                  </a:tcPr>
+                </a:tc>
+                <a:tc>
+                  <a:txBody>
+                    <a:bodyPr/>
+                    <a:lstStyle/>
+                    <a:p>
+                      <a:pPr algn="ctr" fontAlgn="base"/>
+                      <a:r>
+                        <a:rPr lang="fr-FR" sz="1400" dirty="0">
+                          <a:solidFill>
+                            <a:schemeClr val="bg1"/>
+                          </a:solidFill>
+                          <a:effectLst/>
+                        </a:rPr>
+                        <a:t>20.9 %</a:t>
+                      </a:r>
+                    </a:p>
+                  </a:txBody>
+                  <a:tcPr anchor="ctr">
+                    <a:solidFill>
+                      <a:schemeClr val="accent6">
+                        <a:lumMod val="40000"/>
+                        <a:lumOff val="60000"/>
+                      </a:schemeClr>
+                    </a:solidFill>
+                  </a:tcPr>
+                </a:tc>
+                <a:tc>
+                  <a:txBody>
+                    <a:bodyPr/>
+                    <a:lstStyle/>
+                    <a:p>
+                      <a:pPr algn="ctr" fontAlgn="base"/>
+                      <a:r>
+                        <a:rPr lang="fr-FR" sz="1100" dirty="0">
+                          <a:solidFill>
+                            <a:schemeClr val="bg1"/>
+                          </a:solidFill>
+                          <a:effectLst/>
+                        </a:rPr>
+                        <a:t>67</a:t>
+                      </a:r>
+                    </a:p>
+                  </a:txBody>
+                  <a:tcPr anchor="ctr">
+                    <a:solidFill>
+                      <a:schemeClr val="accent6">
+                        <a:lumMod val="40000"/>
+                        <a:lumOff val="60000"/>
+                      </a:schemeClr>
+                    </a:solidFill>
+                  </a:tcPr>
+                </a:tc>
+                <a:extLst>
+                  <a:ext uri="{0D108BD9-81ED-4DB2-BD59-A6C34878D82A}">
+                    <a16:rowId xmlns:a16="http://schemas.microsoft.com/office/drawing/2014/main" val="2207166277"/>
+                  </a:ext>
+                </a:extLst>
+              </a:tr>
+              <a:tr h="370840">
+                <a:tc>
+                  <a:txBody>
+                    <a:bodyPr/>
+                    <a:lstStyle/>
+                    <a:p>
+                      <a:pPr algn="ctr"/>
+                      <a:r>
+                        <a:rPr lang="fr-FR" sz="1600" dirty="0">
+                          <a:solidFill>
+                            <a:schemeClr val="bg1"/>
+                          </a:solidFill>
+                        </a:rPr>
+                        <a:t>FISA</a:t>
+                      </a:r>
+                    </a:p>
+                  </a:txBody>
+                  <a:tcPr>
+                    <a:solidFill>
+                      <a:schemeClr val="accent6">
+                        <a:lumMod val="60000"/>
+                        <a:lumOff val="40000"/>
+                      </a:schemeClr>
+                    </a:solidFill>
+                  </a:tcPr>
+                </a:tc>
+                <a:tc>
+                  <a:txBody>
+                    <a:bodyPr/>
+                    <a:lstStyle/>
+                    <a:p>
+                      <a:pPr algn="ctr" fontAlgn="base"/>
+                      <a:r>
+                        <a:rPr lang="fr-FR" sz="1400" dirty="0">
+                          <a:solidFill>
+                            <a:schemeClr val="bg1"/>
+                          </a:solidFill>
+                          <a:effectLst/>
+                        </a:rPr>
+                        <a:t>51.7 %</a:t>
+                      </a:r>
+                    </a:p>
+                  </a:txBody>
+                  <a:tcPr anchor="ctr">
+                    <a:solidFill>
+                      <a:schemeClr val="accent6">
+                        <a:lumMod val="60000"/>
+                        <a:lumOff val="40000"/>
+                      </a:schemeClr>
+                    </a:solidFill>
+                  </a:tcPr>
+                </a:tc>
+                <a:tc>
+                  <a:txBody>
+                    <a:bodyPr/>
+                    <a:lstStyle/>
+                    <a:p>
+                      <a:pPr algn="ctr" fontAlgn="base"/>
+                      <a:r>
+                        <a:rPr lang="fr-FR" sz="1400" dirty="0">
+                          <a:solidFill>
+                            <a:schemeClr val="bg1"/>
+                          </a:solidFill>
+                          <a:effectLst/>
+                        </a:rPr>
+                        <a:t>48.3 %</a:t>
+                      </a:r>
+                    </a:p>
+                  </a:txBody>
+                  <a:tcPr anchor="ctr">
+                    <a:solidFill>
+                      <a:schemeClr val="accent6">
+                        <a:lumMod val="60000"/>
+                        <a:lumOff val="40000"/>
+                      </a:schemeClr>
+                    </a:solidFill>
+                  </a:tcPr>
+                </a:tc>
+                <a:tc>
+                  <a:txBody>
+                    <a:bodyPr/>
+                    <a:lstStyle/>
+                    <a:p>
+                      <a:pPr algn="ctr" fontAlgn="base"/>
+                      <a:r>
+                        <a:rPr lang="fr-FR" sz="1100" dirty="0">
+                          <a:solidFill>
+                            <a:schemeClr val="bg1"/>
+                          </a:solidFill>
+                          <a:effectLst/>
+                        </a:rPr>
+                        <a:t>29</a:t>
+                      </a:r>
+                    </a:p>
+                  </a:txBody>
+                  <a:tcPr anchor="ctr">
+                    <a:solidFill>
+                      <a:schemeClr val="accent6">
+                        <a:lumMod val="60000"/>
+                        <a:lumOff val="40000"/>
+                      </a:schemeClr>
+                    </a:solidFill>
+                  </a:tcPr>
+                </a:tc>
+                <a:tc>
+                  <a:txBody>
+                    <a:bodyPr/>
+                    <a:lstStyle/>
+                    <a:p>
+                      <a:pPr algn="ctr" fontAlgn="base"/>
+                      <a:r>
+                        <a:rPr lang="fr-FR" sz="1400" dirty="0">
+                          <a:solidFill>
+                            <a:schemeClr val="bg1"/>
+                          </a:solidFill>
+                          <a:effectLst/>
+                        </a:rPr>
+                        <a:t>55.2 %</a:t>
+                      </a:r>
+                    </a:p>
+                  </a:txBody>
+                  <a:tcPr anchor="ctr">
+                    <a:solidFill>
+                      <a:schemeClr val="accent6">
+                        <a:lumMod val="60000"/>
+                        <a:lumOff val="40000"/>
+                      </a:schemeClr>
+                    </a:solidFill>
+                  </a:tcPr>
+                </a:tc>
+                <a:tc>
+                  <a:txBody>
+                    <a:bodyPr/>
+                    <a:lstStyle/>
+                    <a:p>
+                      <a:pPr algn="ctr" fontAlgn="base"/>
+                      <a:r>
+                        <a:rPr lang="fr-FR" sz="1400" dirty="0">
+                          <a:solidFill>
+                            <a:schemeClr val="bg1"/>
+                          </a:solidFill>
+                          <a:effectLst/>
+                        </a:rPr>
+                        <a:t>44.8 %</a:t>
+                      </a:r>
+                    </a:p>
+                  </a:txBody>
+                  <a:tcPr anchor="ctr">
+                    <a:solidFill>
+                      <a:schemeClr val="accent6">
+                        <a:lumMod val="60000"/>
+                        <a:lumOff val="40000"/>
+                      </a:schemeClr>
+                    </a:solidFill>
+                  </a:tcPr>
+                </a:tc>
+                <a:tc>
+                  <a:txBody>
+                    <a:bodyPr/>
+                    <a:lstStyle/>
+                    <a:p>
+                      <a:pPr algn="ctr" fontAlgn="base"/>
+                      <a:r>
+                        <a:rPr lang="fr-FR" sz="1100" dirty="0">
+                          <a:solidFill>
+                            <a:schemeClr val="bg1"/>
+                          </a:solidFill>
+                          <a:effectLst/>
+                        </a:rPr>
+                        <a:t>29</a:t>
+                      </a:r>
+                    </a:p>
+                  </a:txBody>
+                  <a:tcPr anchor="ctr">
+                    <a:solidFill>
+                      <a:schemeClr val="accent6">
+                        <a:lumMod val="60000"/>
+                        <a:lumOff val="40000"/>
+                      </a:schemeClr>
+                    </a:solidFill>
+                  </a:tcPr>
+                </a:tc>
+                <a:extLst>
+                  <a:ext uri="{0D108BD9-81ED-4DB2-BD59-A6C34878D82A}">
+                    <a16:rowId xmlns:a16="http://schemas.microsoft.com/office/drawing/2014/main" val="1083475024"/>
+                  </a:ext>
+                </a:extLst>
+              </a:tr>
+              <a:tr h="370840">
+                <a:tc>
+                  <a:txBody>
+                    <a:bodyPr/>
+                    <a:lstStyle/>
+                    <a:p>
+                      <a:pPr algn="ctr"/>
+                      <a:r>
+                        <a:rPr lang="fr-FR" sz="1600" dirty="0">
+                          <a:solidFill>
+                            <a:schemeClr val="bg1"/>
+                          </a:solidFill>
+                        </a:rPr>
+                        <a:t>Do </a:t>
+                      </a:r>
+                      <a:r>
+                        <a:rPr lang="fr-FR" sz="1600" dirty="0" err="1">
+                          <a:solidFill>
+                            <a:schemeClr val="bg1"/>
+                          </a:solidFill>
+                        </a:rPr>
+                        <a:t>Dip</a:t>
+                      </a:r>
+                      <a:endParaRPr lang="fr-FR" sz="1600" dirty="0">
+                        <a:solidFill>
+                          <a:schemeClr val="bg1"/>
+                        </a:solidFill>
+                      </a:endParaRPr>
+                    </a:p>
+                  </a:txBody>
+                  <a:tcPr>
+                    <a:solidFill>
+                      <a:schemeClr val="accent6">
+                        <a:lumMod val="75000"/>
+                      </a:schemeClr>
+                    </a:solidFill>
+                  </a:tcPr>
+                </a:tc>
+                <a:tc>
+                  <a:txBody>
+                    <a:bodyPr/>
+                    <a:lstStyle/>
+                    <a:p>
+                      <a:pPr algn="ctr" fontAlgn="base"/>
+                      <a:r>
+                        <a:rPr lang="fr-FR" sz="1400" dirty="0">
+                          <a:solidFill>
+                            <a:schemeClr val="bg1"/>
+                          </a:solidFill>
+                          <a:effectLst/>
+                        </a:rPr>
+                        <a:t>84.0 %</a:t>
+                      </a:r>
+                    </a:p>
+                  </a:txBody>
+                  <a:tcPr anchor="ctr">
+                    <a:solidFill>
+                      <a:schemeClr val="accent6">
+                        <a:lumMod val="75000"/>
+                      </a:schemeClr>
+                    </a:solidFill>
+                  </a:tcPr>
+                </a:tc>
+                <a:tc>
+                  <a:txBody>
+                    <a:bodyPr/>
+                    <a:lstStyle/>
+                    <a:p>
+                      <a:pPr algn="ctr" fontAlgn="base"/>
+                      <a:r>
+                        <a:rPr lang="fr-FR" sz="1400" dirty="0">
+                          <a:solidFill>
+                            <a:schemeClr val="bg1"/>
+                          </a:solidFill>
+                          <a:effectLst/>
+                        </a:rPr>
+                        <a:t>16.0 %</a:t>
+                      </a:r>
+                    </a:p>
+                  </a:txBody>
+                  <a:tcPr anchor="ctr">
+                    <a:solidFill>
+                      <a:schemeClr val="accent6">
+                        <a:lumMod val="75000"/>
+                      </a:schemeClr>
+                    </a:solidFill>
+                  </a:tcPr>
+                </a:tc>
+                <a:tc>
+                  <a:txBody>
+                    <a:bodyPr/>
+                    <a:lstStyle/>
+                    <a:p>
+                      <a:pPr algn="ctr" fontAlgn="base"/>
+                      <a:r>
+                        <a:rPr lang="fr-FR" sz="1100" dirty="0">
+                          <a:solidFill>
+                            <a:schemeClr val="bg1"/>
+                          </a:solidFill>
+                          <a:effectLst/>
+                        </a:rPr>
+                        <a:t>25</a:t>
+                      </a:r>
+                    </a:p>
+                  </a:txBody>
+                  <a:tcPr anchor="ctr">
+                    <a:solidFill>
+                      <a:schemeClr val="accent6">
+                        <a:lumMod val="75000"/>
+                      </a:schemeClr>
+                    </a:solidFill>
+                  </a:tcPr>
+                </a:tc>
+                <a:tc>
+                  <a:txBody>
+                    <a:bodyPr/>
+                    <a:lstStyle/>
+                    <a:p>
+                      <a:pPr algn="ctr" fontAlgn="base"/>
+                      <a:r>
+                        <a:rPr lang="fr-FR" sz="1400" dirty="0">
+                          <a:solidFill>
+                            <a:schemeClr val="bg1"/>
+                          </a:solidFill>
+                          <a:effectLst/>
+                        </a:rPr>
+                        <a:t>85.7 %</a:t>
+                      </a:r>
+                    </a:p>
+                  </a:txBody>
+                  <a:tcPr anchor="ctr">
+                    <a:solidFill>
+                      <a:schemeClr val="accent6">
+                        <a:lumMod val="75000"/>
+                      </a:schemeClr>
+                    </a:solidFill>
+                  </a:tcPr>
+                </a:tc>
+                <a:tc>
+                  <a:txBody>
+                    <a:bodyPr/>
+                    <a:lstStyle/>
+                    <a:p>
+                      <a:pPr algn="ctr" fontAlgn="base"/>
+                      <a:r>
+                        <a:rPr lang="fr-FR" sz="1400" dirty="0">
+                          <a:solidFill>
+                            <a:schemeClr val="bg1"/>
+                          </a:solidFill>
+                          <a:effectLst/>
+                        </a:rPr>
+                        <a:t>14.3 %</a:t>
+                      </a:r>
+                    </a:p>
+                  </a:txBody>
+                  <a:tcPr anchor="ctr">
+                    <a:solidFill>
+                      <a:schemeClr val="accent6">
+                        <a:lumMod val="75000"/>
+                      </a:schemeClr>
+                    </a:solidFill>
+                  </a:tcPr>
+                </a:tc>
+                <a:tc>
+                  <a:txBody>
+                    <a:bodyPr/>
+                    <a:lstStyle/>
+                    <a:p>
+                      <a:pPr algn="ctr" fontAlgn="base"/>
+                      <a:r>
+                        <a:rPr lang="fr-FR" sz="1100" dirty="0">
+                          <a:solidFill>
+                            <a:schemeClr val="bg1"/>
+                          </a:solidFill>
+                          <a:effectLst/>
+                        </a:rPr>
+                        <a:t>21</a:t>
+                      </a:r>
+                    </a:p>
+                  </a:txBody>
+                  <a:tcPr anchor="ctr">
+                    <a:solidFill>
+                      <a:schemeClr val="accent6">
+                        <a:lumMod val="75000"/>
+                      </a:schemeClr>
+                    </a:solidFill>
+                  </a:tcPr>
+                </a:tc>
+                <a:extLst>
+                  <a:ext uri="{0D108BD9-81ED-4DB2-BD59-A6C34878D82A}">
+                    <a16:rowId xmlns:a16="http://schemas.microsoft.com/office/drawing/2014/main" val="1118240960"/>
+                  </a:ext>
+                </a:extLst>
+              </a:tr>
+              <a:tr h="370840">
+                <a:tc>
+                  <a:txBody>
+                    <a:bodyPr/>
+                    <a:lstStyle/>
+                    <a:p>
+                      <a:pPr algn="ctr"/>
+                      <a:endParaRPr lang="fr-FR" sz="1600" dirty="0"/>
+                    </a:p>
+                  </a:txBody>
+                  <a:tcPr/>
+                </a:tc>
+                <a:tc>
+                  <a:txBody>
+                    <a:bodyPr/>
+                    <a:lstStyle/>
+                    <a:p>
+                      <a:pPr algn="ctr" fontAlgn="base"/>
+                      <a:endParaRPr lang="fr-FR" sz="1400" dirty="0">
+                        <a:solidFill>
+                          <a:srgbClr val="3D4449"/>
+                        </a:solidFill>
+                        <a:effectLst/>
+                      </a:endParaRPr>
+                    </a:p>
+                  </a:txBody>
+                  <a:tcPr anchor="ctr"/>
+                </a:tc>
+                <a:tc>
+                  <a:txBody>
+                    <a:bodyPr/>
+                    <a:lstStyle/>
+                    <a:p>
+                      <a:pPr algn="ctr" fontAlgn="base"/>
+                      <a:endParaRPr lang="fr-FR" sz="1400" dirty="0">
+                        <a:solidFill>
+                          <a:srgbClr val="443597"/>
+                        </a:solidFill>
+                        <a:effectLst/>
+                      </a:endParaRPr>
+                    </a:p>
+                  </a:txBody>
+                  <a:tcPr anchor="ctr"/>
+                </a:tc>
+                <a:tc>
+                  <a:txBody>
+                    <a:bodyPr/>
+                    <a:lstStyle/>
+                    <a:p>
+                      <a:pPr algn="ctr" fontAlgn="base"/>
+                      <a:endParaRPr lang="fr-FR" sz="1100" dirty="0">
+                        <a:solidFill>
+                          <a:srgbClr val="376E8B"/>
+                        </a:solidFill>
+                        <a:effectLst/>
+                      </a:endParaRPr>
+                    </a:p>
+                  </a:txBody>
+                  <a:tcPr anchor="ctr"/>
+                </a:tc>
+                <a:tc>
+                  <a:txBody>
+                    <a:bodyPr/>
+                    <a:lstStyle/>
+                    <a:p>
+                      <a:pPr algn="ctr" fontAlgn="base"/>
+                      <a:endParaRPr lang="fr-FR" sz="1400" dirty="0">
+                        <a:solidFill>
+                          <a:srgbClr val="3D4449"/>
+                        </a:solidFill>
+                        <a:effectLst/>
+                      </a:endParaRPr>
+                    </a:p>
+                  </a:txBody>
+                  <a:tcPr anchor="ctr"/>
+                </a:tc>
+                <a:tc>
+                  <a:txBody>
+                    <a:bodyPr/>
+                    <a:lstStyle/>
+                    <a:p>
+                      <a:pPr algn="ctr" fontAlgn="base"/>
+                      <a:endParaRPr lang="fr-FR" sz="1400" dirty="0">
+                        <a:solidFill>
+                          <a:srgbClr val="443597"/>
+                        </a:solidFill>
+                        <a:effectLst/>
+                      </a:endParaRPr>
+                    </a:p>
+                  </a:txBody>
+                  <a:tcPr anchor="ctr"/>
+                </a:tc>
+                <a:tc>
+                  <a:txBody>
+                    <a:bodyPr/>
+                    <a:lstStyle/>
+                    <a:p>
+                      <a:pPr algn="ctr" fontAlgn="base"/>
+                      <a:endParaRPr lang="fr-FR" sz="1100" dirty="0">
+                        <a:solidFill>
+                          <a:srgbClr val="376E8B"/>
+                        </a:solidFill>
+                        <a:effectLst/>
+                      </a:endParaRPr>
+                    </a:p>
+                  </a:txBody>
+                  <a:tcPr anchor="ctr"/>
+                </a:tc>
+                <a:extLst>
+                  <a:ext uri="{0D108BD9-81ED-4DB2-BD59-A6C34878D82A}">
+                    <a16:rowId xmlns:a16="http://schemas.microsoft.com/office/drawing/2014/main" val="1740952244"/>
+                  </a:ext>
+                </a:extLst>
+              </a:tr>
+            </a:tbl>
+          </a:graphicData>
+        </a:graphic>
+      </p:graphicFrame>
       <p:sp>
         <p:nvSpPr>
-          <p:cNvPr id="4" name="ZoneTexte 3">
+          <p:cNvPr id="7" name="ZoneTexte 6">
             <a:extLst>
               <a:ext uri="{FF2B5EF4-FFF2-40B4-BE49-F238E27FC236}">
-                <a16:creationId xmlns:a16="http://schemas.microsoft.com/office/drawing/2014/main" id="{250399CC-6EB5-CF04-B8BD-CB9EFD4A444B}"/>
+                <a16:creationId xmlns:a16="http://schemas.microsoft.com/office/drawing/2014/main" id="{6BE8EB4C-9EED-0344-FB71-FC964BFAC7C5}"/>
               </a:ext>
             </a:extLst>
           </p:cNvPr>
@@ -8729,39 +12499,225 @@
           <p:nvPr/>
         </p:nvSpPr>
         <p:spPr>
-          <a:xfrm rot="20218656">
-            <a:off x="6460078" y="4717039"/>
-            <a:ext cx="2184137" cy="461665"/>
+          <a:xfrm>
+            <a:off x="5749638" y="2816126"/>
+            <a:ext cx="1427017" cy="338554"/>
           </a:xfrm>
           <a:prstGeom prst="rect">
             <a:avLst/>
           </a:prstGeom>
-          <a:solidFill>
-            <a:srgbClr val="5B277D"/>
-          </a:solidFill>
+          <a:noFill/>
         </p:spPr>
         <p:txBody>
-          <a:bodyPr wrap="square" rtlCol="0">
+          <a:bodyPr wrap="square">
             <a:spAutoFit/>
           </a:bodyPr>
           <a:lstStyle/>
           <a:p>
-            <a:pPr algn="ctr"/>
             <a:r>
-              <a:rPr lang="fr-FR" sz="2400" b="1" dirty="0">
-                <a:solidFill>
-                  <a:schemeClr val="bg1"/>
-                </a:solidFill>
+              <a:rPr lang="fr-FR" b="1" dirty="0">
+                <a:solidFill>
+                  <a:srgbClr val="3D4449"/>
+                </a:solidFill>
+                <a:effectLst/>
+                <a:latin typeface="inherit"/>
               </a:rPr>
-              <a:t>A MODIFIER</a:t>
+              <a:t>2020 à 2023 </a:t>
             </a:r>
+            <a:endParaRPr lang="fr-FR" dirty="0"/>
           </a:p>
         </p:txBody>
       </p:sp>
+      <p:sp>
+        <p:nvSpPr>
+          <p:cNvPr id="8" name="ZoneTexte 7">
+            <a:extLst>
+              <a:ext uri="{FF2B5EF4-FFF2-40B4-BE49-F238E27FC236}">
+                <a16:creationId xmlns:a16="http://schemas.microsoft.com/office/drawing/2014/main" id="{2F218827-BD14-D989-820F-C8E93CE767D2}"/>
+              </a:ext>
+            </a:extLst>
+          </p:cNvPr>
+          <p:cNvSpPr txBox="1"/>
+          <p:nvPr/>
+        </p:nvSpPr>
+        <p:spPr>
+          <a:xfrm>
+            <a:off x="3144983" y="2819192"/>
+            <a:ext cx="1427017" cy="338554"/>
+          </a:xfrm>
+          <a:prstGeom prst="rect">
+            <a:avLst/>
+          </a:prstGeom>
+          <a:noFill/>
+        </p:spPr>
+        <p:txBody>
+          <a:bodyPr wrap="square">
+            <a:spAutoFit/>
+          </a:bodyPr>
+          <a:lstStyle/>
+          <a:p>
+            <a:r>
+              <a:rPr lang="fr-FR" b="1" dirty="0">
+                <a:solidFill>
+                  <a:srgbClr val="3D4449"/>
+                </a:solidFill>
+                <a:effectLst/>
+                <a:latin typeface="inherit"/>
+              </a:rPr>
+              <a:t>2019 à 2022 </a:t>
+            </a:r>
+            <a:endParaRPr lang="fr-FR" dirty="0"/>
+          </a:p>
+        </p:txBody>
+      </p:sp>
+      <p:cxnSp>
+        <p:nvCxnSpPr>
+          <p:cNvPr id="12" name="Connecteur droit 11">
+            <a:extLst>
+              <a:ext uri="{FF2B5EF4-FFF2-40B4-BE49-F238E27FC236}">
+                <a16:creationId xmlns:a16="http://schemas.microsoft.com/office/drawing/2014/main" id="{B8788C0E-763D-AEA1-A8D6-23C0DA9EFF31}"/>
+              </a:ext>
+            </a:extLst>
+          </p:cNvPr>
+          <p:cNvCxnSpPr>
+            <a:cxnSpLocks/>
+          </p:cNvCxnSpPr>
+          <p:nvPr/>
+        </p:nvCxnSpPr>
+        <p:spPr bwMode="auto">
+          <a:xfrm>
+            <a:off x="4997885" y="2816126"/>
+            <a:ext cx="0" cy="2916970"/>
+          </a:xfrm>
+          <a:prstGeom prst="line">
+            <a:avLst/>
+          </a:prstGeom>
+          <a:solidFill>
+            <a:schemeClr val="accent1"/>
+          </a:solidFill>
+          <a:ln w="25400" cap="flat" cmpd="sng" algn="ctr">
+            <a:solidFill>
+              <a:schemeClr val="tx1"/>
+            </a:solidFill>
+            <a:prstDash val="solid"/>
+            <a:round/>
+            <a:headEnd type="none" w="med" len="med"/>
+            <a:tailEnd type="none" w="med" len="med"/>
+          </a:ln>
+          <a:effectLst/>
+          <a:extLst>
+            <a:ext uri="{AF507438-7753-43e0-B8FC-AC1667EBCBE1}">
+              <a14:hiddenEffects xmlns="" xmlns:a14="http://schemas.microsoft.com/office/drawing/2010/main">
+                <a:effectLst>
+                  <a:outerShdw dist="35921" dir="2700000" algn="ctr" rotWithShape="0">
+                    <a:schemeClr val="bg2"/>
+                  </a:outerShdw>
+                </a:effectLst>
+              </a14:hiddenEffects>
+            </a:ext>
+          </a:extLst>
+        </p:spPr>
+      </p:cxnSp>
+      <p:cxnSp>
+        <p:nvCxnSpPr>
+          <p:cNvPr id="16" name="Connecteur droit 15">
+            <a:extLst>
+              <a:ext uri="{FF2B5EF4-FFF2-40B4-BE49-F238E27FC236}">
+                <a16:creationId xmlns:a16="http://schemas.microsoft.com/office/drawing/2014/main" id="{50BF25C8-9F92-2C38-850F-D28A23482464}"/>
+              </a:ext>
+            </a:extLst>
+          </p:cNvPr>
+          <p:cNvCxnSpPr>
+            <a:cxnSpLocks/>
+          </p:cNvCxnSpPr>
+          <p:nvPr/>
+        </p:nvCxnSpPr>
+        <p:spPr bwMode="auto">
+          <a:xfrm>
+            <a:off x="2394559" y="2816126"/>
+            <a:ext cx="0" cy="2916970"/>
+          </a:xfrm>
+          <a:prstGeom prst="line">
+            <a:avLst/>
+          </a:prstGeom>
+          <a:solidFill>
+            <a:schemeClr val="accent1"/>
+          </a:solidFill>
+          <a:ln w="25400" cap="flat" cmpd="sng" algn="ctr">
+            <a:solidFill>
+              <a:schemeClr val="tx1"/>
+            </a:solidFill>
+            <a:prstDash val="solid"/>
+            <a:round/>
+            <a:headEnd type="none" w="med" len="med"/>
+            <a:tailEnd type="none" w="med" len="med"/>
+          </a:ln>
+          <a:effectLst/>
+          <a:extLst>
+            <a:ext uri="{AF507438-7753-43e0-B8FC-AC1667EBCBE1}">
+              <a14:hiddenEffects xmlns="" xmlns:a14="http://schemas.microsoft.com/office/drawing/2010/main">
+                <a:effectLst>
+                  <a:outerShdw dist="35921" dir="2700000" algn="ctr" rotWithShape="0">
+                    <a:schemeClr val="bg2"/>
+                  </a:outerShdw>
+                </a:effectLst>
+              </a14:hiddenEffects>
+            </a:ext>
+          </a:extLst>
+        </p:spPr>
+      </p:cxnSp>
+      <p:cxnSp>
+        <p:nvCxnSpPr>
+          <p:cNvPr id="17" name="Connecteur droit 16">
+            <a:extLst>
+              <a:ext uri="{FF2B5EF4-FFF2-40B4-BE49-F238E27FC236}">
+                <a16:creationId xmlns:a16="http://schemas.microsoft.com/office/drawing/2014/main" id="{EDE0DB40-AE6D-F8B1-39ED-23D839CC790B}"/>
+              </a:ext>
+            </a:extLst>
+          </p:cNvPr>
+          <p:cNvCxnSpPr>
+            <a:cxnSpLocks/>
+          </p:cNvCxnSpPr>
+          <p:nvPr/>
+        </p:nvCxnSpPr>
+        <p:spPr bwMode="auto">
+          <a:xfrm>
+            <a:off x="7610474" y="2816126"/>
+            <a:ext cx="0" cy="2916970"/>
+          </a:xfrm>
+          <a:prstGeom prst="line">
+            <a:avLst/>
+          </a:prstGeom>
+          <a:solidFill>
+            <a:schemeClr val="accent1"/>
+          </a:solidFill>
+          <a:ln w="25400" cap="flat" cmpd="sng" algn="ctr">
+            <a:solidFill>
+              <a:schemeClr val="tx1"/>
+            </a:solidFill>
+            <a:prstDash val="solid"/>
+            <a:round/>
+            <a:headEnd type="none" w="med" len="med"/>
+            <a:tailEnd type="none" w="med" len="med"/>
+          </a:ln>
+          <a:effectLst/>
+          <a:extLst>
+            <a:ext uri="{AF507438-7753-43e0-B8FC-AC1667EBCBE1}">
+              <a14:hiddenEffects xmlns="" xmlns:a14="http://schemas.microsoft.com/office/drawing/2010/main">
+                <a:effectLst>
+                  <a:outerShdw dist="35921" dir="2700000" algn="ctr" rotWithShape="0">
+                    <a:schemeClr val="bg2"/>
+                  </a:outerShdw>
+                </a:effectLst>
+              </a14:hiddenEffects>
+            </a:ext>
+          </a:extLst>
+        </p:spPr>
+      </p:cxnSp>
     </p:spTree>
     <p:extLst>
       <p:ext uri="{BB962C8B-B14F-4D97-AF65-F5344CB8AC3E}">
-        <p14:creationId xmlns:p14="http://schemas.microsoft.com/office/powerpoint/2010/main" val="3961338103"/>
+        <p14:creationId xmlns:p14="http://schemas.microsoft.com/office/powerpoint/2010/main" val="1645443011"/>
       </p:ext>
     </p:extLst>
   </p:cSld>
@@ -8852,7 +12808,7 @@
                 </a:solidFill>
                 <a:ea typeface="ＭＳ Ｐゴシック" panose="020B0600070205080204" pitchFamily="34" charset="-128"/>
               </a:rPr>
-              <a:t>Cumul de 2020 à 2024</a:t>
+              <a:t>Cumul de 2019 à 2022 / 2020 à 2023</a:t>
             </a:r>
           </a:p>
           <a:p>
@@ -8863,7 +12819,7 @@
                 </a:solidFill>
                 <a:ea typeface="ＭＳ Ｐゴシック" panose="020B0600070205080204" pitchFamily="34" charset="-128"/>
               </a:rPr>
-              <a:t>Salaires moyens</a:t>
+              <a:t>Lieu des emplois en France / Filières</a:t>
             </a:r>
           </a:p>
         </p:txBody>
@@ -9036,12 +12992,1176 @@
           </a:p>
         </p:txBody>
       </p:sp>
+      <p:graphicFrame>
+        <p:nvGraphicFramePr>
+          <p:cNvPr id="5" name="Tableau 4">
+            <a:extLst>
+              <a:ext uri="{FF2B5EF4-FFF2-40B4-BE49-F238E27FC236}">
+                <a16:creationId xmlns:a16="http://schemas.microsoft.com/office/drawing/2014/main" id="{67D5A9BE-B287-0AD5-1BCF-FEC21F1E9A75}"/>
+              </a:ext>
+            </a:extLst>
+          </p:cNvPr>
+          <p:cNvGraphicFramePr>
+            <a:graphicFrameLocks noGrp="1"/>
+          </p:cNvGraphicFramePr>
+          <p:nvPr>
+            <p:extLst>
+              <p:ext uri="{D42A27DB-BD31-4B8C-83A1-F6EECF244321}">
+                <p14:modId xmlns:p14="http://schemas.microsoft.com/office/powerpoint/2010/main" val="3047979958"/>
+              </p:ext>
+            </p:extLst>
+          </p:nvPr>
+        </p:nvGraphicFramePr>
+        <p:xfrm>
+          <a:off x="1514475" y="3137216"/>
+          <a:ext cx="6095999" cy="2595880"/>
+        </p:xfrm>
+        <a:graphic>
+          <a:graphicData uri="http://schemas.openxmlformats.org/drawingml/2006/table">
+            <a:tbl>
+              <a:tblPr firstRow="1" bandRow="1">
+                <a:tableStyleId>{21E4AEA4-8DFA-4A89-87EB-49C32662AFE0}</a:tableStyleId>
+              </a:tblPr>
+              <a:tblGrid>
+                <a:gridCol w="870857">
+                  <a:extLst>
+                    <a:ext uri="{9D8B030D-6E8A-4147-A177-3AD203B41FA5}">
+                      <a16:colId xmlns:a16="http://schemas.microsoft.com/office/drawing/2014/main" val="2053038476"/>
+                    </a:ext>
+                  </a:extLst>
+                </a:gridCol>
+                <a:gridCol w="870857">
+                  <a:extLst>
+                    <a:ext uri="{9D8B030D-6E8A-4147-A177-3AD203B41FA5}">
+                      <a16:colId xmlns:a16="http://schemas.microsoft.com/office/drawing/2014/main" val="3832746835"/>
+                    </a:ext>
+                  </a:extLst>
+                </a:gridCol>
+                <a:gridCol w="870857">
+                  <a:extLst>
+                    <a:ext uri="{9D8B030D-6E8A-4147-A177-3AD203B41FA5}">
+                      <a16:colId xmlns:a16="http://schemas.microsoft.com/office/drawing/2014/main" val="4009216877"/>
+                    </a:ext>
+                  </a:extLst>
+                </a:gridCol>
+                <a:gridCol w="870857">
+                  <a:extLst>
+                    <a:ext uri="{9D8B030D-6E8A-4147-A177-3AD203B41FA5}">
+                      <a16:colId xmlns:a16="http://schemas.microsoft.com/office/drawing/2014/main" val="3856658833"/>
+                    </a:ext>
+                  </a:extLst>
+                </a:gridCol>
+                <a:gridCol w="870857">
+                  <a:extLst>
+                    <a:ext uri="{9D8B030D-6E8A-4147-A177-3AD203B41FA5}">
+                      <a16:colId xmlns:a16="http://schemas.microsoft.com/office/drawing/2014/main" val="1457748498"/>
+                    </a:ext>
+                  </a:extLst>
+                </a:gridCol>
+                <a:gridCol w="870857">
+                  <a:extLst>
+                    <a:ext uri="{9D8B030D-6E8A-4147-A177-3AD203B41FA5}">
+                      <a16:colId xmlns:a16="http://schemas.microsoft.com/office/drawing/2014/main" val="3308663209"/>
+                    </a:ext>
+                  </a:extLst>
+                </a:gridCol>
+                <a:gridCol w="870857">
+                  <a:extLst>
+                    <a:ext uri="{9D8B030D-6E8A-4147-A177-3AD203B41FA5}">
+                      <a16:colId xmlns:a16="http://schemas.microsoft.com/office/drawing/2014/main" val="2294340571"/>
+                    </a:ext>
+                  </a:extLst>
+                </a:gridCol>
+              </a:tblGrid>
+              <a:tr h="370840">
+                <a:tc>
+                  <a:txBody>
+                    <a:bodyPr/>
+                    <a:lstStyle/>
+                    <a:p>
+                      <a:pPr algn="ctr"/>
+                      <a:r>
+                        <a:rPr lang="fr-FR" sz="1400" dirty="0"/>
+                        <a:t>Sites</a:t>
+                      </a:r>
+                    </a:p>
+                  </a:txBody>
+                  <a:tcPr/>
+                </a:tc>
+                <a:tc>
+                  <a:txBody>
+                    <a:bodyPr/>
+                    <a:lstStyle/>
+                    <a:p>
+                      <a:pPr algn="ctr"/>
+                      <a:r>
+                        <a:rPr lang="fr-FR" sz="1400" dirty="0" err="1"/>
+                        <a:t>Etrang</a:t>
+                      </a:r>
+                      <a:r>
+                        <a:rPr lang="fr-FR" sz="1400" dirty="0"/>
+                        <a:t>.</a:t>
+                      </a:r>
+                    </a:p>
+                  </a:txBody>
+                  <a:tcPr/>
+                </a:tc>
+                <a:tc>
+                  <a:txBody>
+                    <a:bodyPr/>
+                    <a:lstStyle/>
+                    <a:p>
+                      <a:pPr algn="ctr"/>
+                      <a:r>
+                        <a:rPr lang="fr-FR" sz="1400" dirty="0"/>
+                        <a:t>France</a:t>
+                      </a:r>
+                    </a:p>
+                  </a:txBody>
+                  <a:tcPr/>
+                </a:tc>
+                <a:tc>
+                  <a:txBody>
+                    <a:bodyPr/>
+                    <a:lstStyle/>
+                    <a:p>
+                      <a:pPr algn="ctr"/>
+                      <a:r>
+                        <a:rPr lang="fr-FR" sz="1050" dirty="0"/>
+                        <a:t>Nb Rep</a:t>
+                      </a:r>
+                    </a:p>
+                  </a:txBody>
+                  <a:tcPr/>
+                </a:tc>
+                <a:tc>
+                  <a:txBody>
+                    <a:bodyPr/>
+                    <a:lstStyle/>
+                    <a:p>
+                      <a:pPr algn="ctr"/>
+                      <a:r>
+                        <a:rPr lang="fr-FR" sz="1400" dirty="0" err="1"/>
+                        <a:t>Etrang</a:t>
+                      </a:r>
+                      <a:r>
+                        <a:rPr lang="fr-FR" sz="1400" dirty="0"/>
+                        <a:t>.</a:t>
+                      </a:r>
+                    </a:p>
+                  </a:txBody>
+                  <a:tcPr/>
+                </a:tc>
+                <a:tc>
+                  <a:txBody>
+                    <a:bodyPr/>
+                    <a:lstStyle/>
+                    <a:p>
+                      <a:pPr algn="ctr"/>
+                      <a:r>
+                        <a:rPr lang="fr-FR" sz="1400" dirty="0"/>
+                        <a:t>France</a:t>
+                      </a:r>
+                    </a:p>
+                  </a:txBody>
+                  <a:tcPr/>
+                </a:tc>
+                <a:tc>
+                  <a:txBody>
+                    <a:bodyPr/>
+                    <a:lstStyle/>
+                    <a:p>
+                      <a:pPr algn="ctr"/>
+                      <a:r>
+                        <a:rPr lang="fr-FR" sz="1050" dirty="0"/>
+                        <a:t>Nb Rep</a:t>
+                      </a:r>
+                    </a:p>
+                  </a:txBody>
+                  <a:tcPr/>
+                </a:tc>
+                <a:extLst>
+                  <a:ext uri="{0D108BD9-81ED-4DB2-BD59-A6C34878D82A}">
+                    <a16:rowId xmlns:a16="http://schemas.microsoft.com/office/drawing/2014/main" val="3899797023"/>
+                  </a:ext>
+                </a:extLst>
+              </a:tr>
+              <a:tr h="370840">
+                <a:tc>
+                  <a:txBody>
+                    <a:bodyPr/>
+                    <a:lstStyle/>
+                    <a:p>
+                      <a:pPr algn="ctr"/>
+                      <a:r>
+                        <a:rPr lang="fr-FR" sz="1600" dirty="0"/>
+                        <a:t>CGE</a:t>
+                      </a:r>
+                    </a:p>
+                  </a:txBody>
+                  <a:tcPr/>
+                </a:tc>
+                <a:tc>
+                  <a:txBody>
+                    <a:bodyPr/>
+                    <a:lstStyle/>
+                    <a:p>
+                      <a:pPr algn="ctr" fontAlgn="base"/>
+                      <a:r>
+                        <a:rPr lang="fr-FR" sz="1400" dirty="0">
+                          <a:solidFill>
+                            <a:srgbClr val="3D4449"/>
+                          </a:solidFill>
+                          <a:effectLst/>
+                        </a:rPr>
+                        <a:t>9.7 %</a:t>
+                      </a:r>
+                    </a:p>
+                  </a:txBody>
+                  <a:tcPr anchor="ctr"/>
+                </a:tc>
+                <a:tc>
+                  <a:txBody>
+                    <a:bodyPr/>
+                    <a:lstStyle/>
+                    <a:p>
+                      <a:pPr algn="ctr" fontAlgn="base"/>
+                      <a:r>
+                        <a:rPr lang="fr-FR" sz="1400" dirty="0">
+                          <a:solidFill>
+                            <a:srgbClr val="443597"/>
+                          </a:solidFill>
+                          <a:effectLst/>
+                        </a:rPr>
+                        <a:t>90.3 %</a:t>
+                      </a:r>
+                    </a:p>
+                  </a:txBody>
+                  <a:tcPr anchor="ctr"/>
+                </a:tc>
+                <a:tc>
+                  <a:txBody>
+                    <a:bodyPr/>
+                    <a:lstStyle/>
+                    <a:p>
+                      <a:pPr algn="ctr"/>
+                      <a:endParaRPr lang="fr-FR" sz="1400" dirty="0"/>
+                    </a:p>
+                  </a:txBody>
+                  <a:tcPr/>
+                </a:tc>
+                <a:tc>
+                  <a:txBody>
+                    <a:bodyPr/>
+                    <a:lstStyle/>
+                    <a:p>
+                      <a:pPr algn="ctr" fontAlgn="base"/>
+                      <a:r>
+                        <a:rPr lang="fr-FR" sz="1400" dirty="0">
+                          <a:solidFill>
+                            <a:srgbClr val="3D4449"/>
+                          </a:solidFill>
+                          <a:effectLst/>
+                        </a:rPr>
+                        <a:t>9.3 %</a:t>
+                      </a:r>
+                    </a:p>
+                  </a:txBody>
+                  <a:tcPr anchor="ctr"/>
+                </a:tc>
+                <a:tc>
+                  <a:txBody>
+                    <a:bodyPr/>
+                    <a:lstStyle/>
+                    <a:p>
+                      <a:pPr algn="ctr" fontAlgn="base"/>
+                      <a:r>
+                        <a:rPr lang="fr-FR" sz="1400" dirty="0">
+                          <a:solidFill>
+                            <a:srgbClr val="443597"/>
+                          </a:solidFill>
+                          <a:effectLst/>
+                        </a:rPr>
+                        <a:t>90.7 %</a:t>
+                      </a:r>
+                    </a:p>
+                  </a:txBody>
+                  <a:tcPr anchor="ctr"/>
+                </a:tc>
+                <a:tc>
+                  <a:txBody>
+                    <a:bodyPr/>
+                    <a:lstStyle/>
+                    <a:p>
+                      <a:pPr algn="ctr"/>
+                      <a:endParaRPr lang="fr-FR" sz="1100" dirty="0"/>
+                    </a:p>
+                  </a:txBody>
+                  <a:tcPr/>
+                </a:tc>
+                <a:extLst>
+                  <a:ext uri="{0D108BD9-81ED-4DB2-BD59-A6C34878D82A}">
+                    <a16:rowId xmlns:a16="http://schemas.microsoft.com/office/drawing/2014/main" val="952767304"/>
+                  </a:ext>
+                </a:extLst>
+              </a:tr>
+              <a:tr h="370840">
+                <a:tc>
+                  <a:txBody>
+                    <a:bodyPr/>
+                    <a:lstStyle/>
+                    <a:p>
+                      <a:pPr algn="ctr"/>
+                      <a:r>
+                        <a:rPr lang="fr-FR" b="1" dirty="0" err="1"/>
+                        <a:t>Ens</a:t>
+                      </a:r>
+                      <a:r>
+                        <a:rPr lang="fr-FR" b="1" dirty="0"/>
+                        <a:t>.</a:t>
+                      </a:r>
+                    </a:p>
+                  </a:txBody>
+                  <a:tcPr/>
+                </a:tc>
+                <a:tc>
+                  <a:txBody>
+                    <a:bodyPr/>
+                    <a:lstStyle/>
+                    <a:p>
+                      <a:pPr algn="ctr" fontAlgn="base"/>
+                      <a:r>
+                        <a:rPr lang="fr-FR" b="1">
+                          <a:solidFill>
+                            <a:srgbClr val="3D4449"/>
+                          </a:solidFill>
+                          <a:effectLst/>
+                          <a:latin typeface="inherit"/>
+                        </a:rPr>
+                        <a:t>8.2 %</a:t>
+                      </a:r>
+                      <a:endParaRPr lang="fr-FR">
+                        <a:effectLst/>
+                      </a:endParaRPr>
+                    </a:p>
+                  </a:txBody>
+                  <a:tcPr anchor="ctr"/>
+                </a:tc>
+                <a:tc>
+                  <a:txBody>
+                    <a:bodyPr/>
+                    <a:lstStyle/>
+                    <a:p>
+                      <a:pPr algn="ctr" fontAlgn="base"/>
+                      <a:r>
+                        <a:rPr lang="fr-FR" b="1" dirty="0">
+                          <a:solidFill>
+                            <a:srgbClr val="443597"/>
+                          </a:solidFill>
+                          <a:effectLst/>
+                          <a:latin typeface="inherit"/>
+                        </a:rPr>
+                        <a:t>91.8 %</a:t>
+                      </a:r>
+                      <a:endParaRPr lang="fr-FR" dirty="0">
+                        <a:effectLst/>
+                      </a:endParaRPr>
+                    </a:p>
+                  </a:txBody>
+                  <a:tcPr anchor="ctr"/>
+                </a:tc>
+                <a:tc>
+                  <a:txBody>
+                    <a:bodyPr/>
+                    <a:lstStyle/>
+                    <a:p>
+                      <a:pPr algn="ctr" fontAlgn="base"/>
+                      <a:r>
+                        <a:rPr lang="fr-FR" sz="1200" b="1" dirty="0">
+                          <a:solidFill>
+                            <a:srgbClr val="376E8B"/>
+                          </a:solidFill>
+                          <a:effectLst/>
+                          <a:latin typeface="inherit"/>
+                        </a:rPr>
+                        <a:t>159</a:t>
+                      </a:r>
+                      <a:endParaRPr lang="fr-FR" sz="1200" dirty="0">
+                        <a:effectLst/>
+                      </a:endParaRPr>
+                    </a:p>
+                  </a:txBody>
+                  <a:tcPr anchor="ctr"/>
+                </a:tc>
+                <a:tc>
+                  <a:txBody>
+                    <a:bodyPr/>
+                    <a:lstStyle/>
+                    <a:p>
+                      <a:pPr algn="ctr" fontAlgn="base"/>
+                      <a:r>
+                        <a:rPr lang="fr-FR" b="1" dirty="0">
+                          <a:solidFill>
+                            <a:srgbClr val="3D4449"/>
+                          </a:solidFill>
+                          <a:effectLst/>
+                          <a:latin typeface="inherit"/>
+                        </a:rPr>
+                        <a:t>7.1 %</a:t>
+                      </a:r>
+                      <a:endParaRPr lang="fr-FR" dirty="0">
+                        <a:effectLst/>
+                      </a:endParaRPr>
+                    </a:p>
+                  </a:txBody>
+                  <a:tcPr anchor="ctr"/>
+                </a:tc>
+                <a:tc>
+                  <a:txBody>
+                    <a:bodyPr/>
+                    <a:lstStyle/>
+                    <a:p>
+                      <a:pPr algn="ctr" fontAlgn="base"/>
+                      <a:r>
+                        <a:rPr lang="fr-FR" b="1" dirty="0">
+                          <a:solidFill>
+                            <a:srgbClr val="443597"/>
+                          </a:solidFill>
+                          <a:effectLst/>
+                          <a:latin typeface="inherit"/>
+                        </a:rPr>
+                        <a:t>92.9 %</a:t>
+                      </a:r>
+                      <a:endParaRPr lang="fr-FR" dirty="0">
+                        <a:effectLst/>
+                      </a:endParaRPr>
+                    </a:p>
+                  </a:txBody>
+                  <a:tcPr anchor="ctr"/>
+                </a:tc>
+                <a:tc>
+                  <a:txBody>
+                    <a:bodyPr/>
+                    <a:lstStyle/>
+                    <a:p>
+                      <a:pPr algn="ctr" fontAlgn="base"/>
+                      <a:r>
+                        <a:rPr lang="fr-FR" sz="1200" b="1" dirty="0">
+                          <a:solidFill>
+                            <a:srgbClr val="376E8B"/>
+                          </a:solidFill>
+                          <a:effectLst/>
+                          <a:latin typeface="inherit"/>
+                        </a:rPr>
+                        <a:t>141</a:t>
+                      </a:r>
+                      <a:endParaRPr lang="fr-FR" sz="1200" dirty="0">
+                        <a:effectLst/>
+                      </a:endParaRPr>
+                    </a:p>
+                  </a:txBody>
+                  <a:tcPr anchor="ctr"/>
+                </a:tc>
+                <a:extLst>
+                  <a:ext uri="{0D108BD9-81ED-4DB2-BD59-A6C34878D82A}">
+                    <a16:rowId xmlns:a16="http://schemas.microsoft.com/office/drawing/2014/main" val="809898311"/>
+                  </a:ext>
+                </a:extLst>
+              </a:tr>
+              <a:tr h="370840">
+                <a:tc>
+                  <a:txBody>
+                    <a:bodyPr/>
+                    <a:lstStyle/>
+                    <a:p>
+                      <a:pPr algn="ctr"/>
+                      <a:r>
+                        <a:rPr lang="fr-FR" sz="1600" dirty="0">
+                          <a:solidFill>
+                            <a:schemeClr val="bg1"/>
+                          </a:solidFill>
+                        </a:rPr>
+                        <a:t>FISE</a:t>
+                      </a:r>
+                    </a:p>
+                  </a:txBody>
+                  <a:tcPr>
+                    <a:solidFill>
+                      <a:schemeClr val="accent6">
+                        <a:lumMod val="40000"/>
+                        <a:lumOff val="60000"/>
+                      </a:schemeClr>
+                    </a:solidFill>
+                  </a:tcPr>
+                </a:tc>
+                <a:tc>
+                  <a:txBody>
+                    <a:bodyPr/>
+                    <a:lstStyle/>
+                    <a:p>
+                      <a:pPr algn="ctr" fontAlgn="base"/>
+                      <a:r>
+                        <a:rPr lang="fr-FR" sz="1400" dirty="0">
+                          <a:solidFill>
+                            <a:schemeClr val="bg1"/>
+                          </a:solidFill>
+                          <a:effectLst/>
+                        </a:rPr>
+                        <a:t>7.2 %</a:t>
+                      </a:r>
+                    </a:p>
+                  </a:txBody>
+                  <a:tcPr anchor="ctr">
+                    <a:solidFill>
+                      <a:schemeClr val="accent6">
+                        <a:lumMod val="40000"/>
+                        <a:lumOff val="60000"/>
+                      </a:schemeClr>
+                    </a:solidFill>
+                  </a:tcPr>
+                </a:tc>
+                <a:tc>
+                  <a:txBody>
+                    <a:bodyPr/>
+                    <a:lstStyle/>
+                    <a:p>
+                      <a:pPr algn="ctr" fontAlgn="base"/>
+                      <a:r>
+                        <a:rPr lang="fr-FR" sz="1400" dirty="0">
+                          <a:solidFill>
+                            <a:schemeClr val="bg1"/>
+                          </a:solidFill>
+                          <a:effectLst/>
+                        </a:rPr>
+                        <a:t>92.8 %</a:t>
+                      </a:r>
+                    </a:p>
+                  </a:txBody>
+                  <a:tcPr anchor="ctr">
+                    <a:solidFill>
+                      <a:schemeClr val="accent6">
+                        <a:lumMod val="40000"/>
+                        <a:lumOff val="60000"/>
+                      </a:schemeClr>
+                    </a:solidFill>
+                  </a:tcPr>
+                </a:tc>
+                <a:tc>
+                  <a:txBody>
+                    <a:bodyPr/>
+                    <a:lstStyle/>
+                    <a:p>
+                      <a:pPr algn="ctr" fontAlgn="base"/>
+                      <a:r>
+                        <a:rPr lang="fr-FR" sz="1100" dirty="0">
+                          <a:solidFill>
+                            <a:schemeClr val="bg1"/>
+                          </a:solidFill>
+                          <a:effectLst/>
+                        </a:rPr>
+                        <a:t>83</a:t>
+                      </a:r>
+                    </a:p>
+                  </a:txBody>
+                  <a:tcPr anchor="ctr">
+                    <a:solidFill>
+                      <a:schemeClr val="accent6">
+                        <a:lumMod val="40000"/>
+                        <a:lumOff val="60000"/>
+                      </a:schemeClr>
+                    </a:solidFill>
+                  </a:tcPr>
+                </a:tc>
+                <a:tc>
+                  <a:txBody>
+                    <a:bodyPr/>
+                    <a:lstStyle/>
+                    <a:p>
+                      <a:pPr algn="ctr" fontAlgn="base"/>
+                      <a:r>
+                        <a:rPr lang="fr-FR" sz="1400" dirty="0">
+                          <a:solidFill>
+                            <a:schemeClr val="bg1"/>
+                          </a:solidFill>
+                          <a:effectLst/>
+                        </a:rPr>
+                        <a:t>5.6 %</a:t>
+                      </a:r>
+                    </a:p>
+                  </a:txBody>
+                  <a:tcPr anchor="ctr">
+                    <a:solidFill>
+                      <a:schemeClr val="accent6">
+                        <a:lumMod val="40000"/>
+                        <a:lumOff val="60000"/>
+                      </a:schemeClr>
+                    </a:solidFill>
+                  </a:tcPr>
+                </a:tc>
+                <a:tc>
+                  <a:txBody>
+                    <a:bodyPr/>
+                    <a:lstStyle/>
+                    <a:p>
+                      <a:pPr algn="ctr" fontAlgn="base"/>
+                      <a:r>
+                        <a:rPr lang="fr-FR" sz="1400" dirty="0">
+                          <a:solidFill>
+                            <a:schemeClr val="bg1"/>
+                          </a:solidFill>
+                          <a:effectLst/>
+                        </a:rPr>
+                        <a:t>94.4 %</a:t>
+                      </a:r>
+                    </a:p>
+                  </a:txBody>
+                  <a:tcPr anchor="ctr">
+                    <a:solidFill>
+                      <a:schemeClr val="accent6">
+                        <a:lumMod val="40000"/>
+                        <a:lumOff val="60000"/>
+                      </a:schemeClr>
+                    </a:solidFill>
+                  </a:tcPr>
+                </a:tc>
+                <a:tc>
+                  <a:txBody>
+                    <a:bodyPr/>
+                    <a:lstStyle/>
+                    <a:p>
+                      <a:pPr algn="ctr" fontAlgn="base"/>
+                      <a:r>
+                        <a:rPr lang="fr-FR" sz="1100" dirty="0">
+                          <a:solidFill>
+                            <a:schemeClr val="bg1"/>
+                          </a:solidFill>
+                          <a:effectLst/>
+                        </a:rPr>
+                        <a:t>71</a:t>
+                      </a:r>
+                    </a:p>
+                  </a:txBody>
+                  <a:tcPr anchor="ctr">
+                    <a:solidFill>
+                      <a:schemeClr val="accent6">
+                        <a:lumMod val="40000"/>
+                        <a:lumOff val="60000"/>
+                      </a:schemeClr>
+                    </a:solidFill>
+                  </a:tcPr>
+                </a:tc>
+                <a:extLst>
+                  <a:ext uri="{0D108BD9-81ED-4DB2-BD59-A6C34878D82A}">
+                    <a16:rowId xmlns:a16="http://schemas.microsoft.com/office/drawing/2014/main" val="2207166277"/>
+                  </a:ext>
+                </a:extLst>
+              </a:tr>
+              <a:tr h="370840">
+                <a:tc>
+                  <a:txBody>
+                    <a:bodyPr/>
+                    <a:lstStyle/>
+                    <a:p>
+                      <a:pPr algn="ctr"/>
+                      <a:r>
+                        <a:rPr lang="fr-FR" sz="1600" dirty="0">
+                          <a:solidFill>
+                            <a:schemeClr val="bg1"/>
+                          </a:solidFill>
+                        </a:rPr>
+                        <a:t>FISA</a:t>
+                      </a:r>
+                    </a:p>
+                  </a:txBody>
+                  <a:tcPr>
+                    <a:solidFill>
+                      <a:schemeClr val="accent6">
+                        <a:lumMod val="60000"/>
+                        <a:lumOff val="40000"/>
+                      </a:schemeClr>
+                    </a:solidFill>
+                  </a:tcPr>
+                </a:tc>
+                <a:tc>
+                  <a:txBody>
+                    <a:bodyPr/>
+                    <a:lstStyle/>
+                    <a:p>
+                      <a:pPr algn="ctr" fontAlgn="base"/>
+                      <a:r>
+                        <a:rPr lang="fr-FR" sz="1400" dirty="0">
+                          <a:solidFill>
+                            <a:schemeClr val="bg1"/>
+                          </a:solidFill>
+                          <a:effectLst/>
+                        </a:rPr>
+                        <a:t>3.3 %</a:t>
+                      </a:r>
+                    </a:p>
+                  </a:txBody>
+                  <a:tcPr anchor="ctr">
+                    <a:solidFill>
+                      <a:schemeClr val="accent6">
+                        <a:lumMod val="60000"/>
+                        <a:lumOff val="40000"/>
+                      </a:schemeClr>
+                    </a:solidFill>
+                  </a:tcPr>
+                </a:tc>
+                <a:tc>
+                  <a:txBody>
+                    <a:bodyPr/>
+                    <a:lstStyle/>
+                    <a:p>
+                      <a:pPr algn="ctr" fontAlgn="base"/>
+                      <a:r>
+                        <a:rPr lang="fr-FR" sz="1400" dirty="0">
+                          <a:solidFill>
+                            <a:schemeClr val="bg1"/>
+                          </a:solidFill>
+                          <a:effectLst/>
+                        </a:rPr>
+                        <a:t>96.7 %</a:t>
+                      </a:r>
+                    </a:p>
+                  </a:txBody>
+                  <a:tcPr anchor="ctr">
+                    <a:solidFill>
+                      <a:schemeClr val="accent6">
+                        <a:lumMod val="60000"/>
+                        <a:lumOff val="40000"/>
+                      </a:schemeClr>
+                    </a:solidFill>
+                  </a:tcPr>
+                </a:tc>
+                <a:tc>
+                  <a:txBody>
+                    <a:bodyPr/>
+                    <a:lstStyle/>
+                    <a:p>
+                      <a:pPr algn="ctr" fontAlgn="base"/>
+                      <a:r>
+                        <a:rPr lang="fr-FR" sz="1100" dirty="0">
+                          <a:solidFill>
+                            <a:schemeClr val="bg1"/>
+                          </a:solidFill>
+                          <a:effectLst/>
+                        </a:rPr>
+                        <a:t>30</a:t>
+                      </a:r>
+                    </a:p>
+                  </a:txBody>
+                  <a:tcPr anchor="ctr">
+                    <a:solidFill>
+                      <a:schemeClr val="accent6">
+                        <a:lumMod val="60000"/>
+                        <a:lumOff val="40000"/>
+                      </a:schemeClr>
+                    </a:solidFill>
+                  </a:tcPr>
+                </a:tc>
+                <a:tc>
+                  <a:txBody>
+                    <a:bodyPr/>
+                    <a:lstStyle/>
+                    <a:p>
+                      <a:pPr algn="ctr" fontAlgn="base"/>
+                      <a:r>
+                        <a:rPr lang="fr-FR" sz="1400" dirty="0">
+                          <a:solidFill>
+                            <a:schemeClr val="bg1"/>
+                          </a:solidFill>
+                          <a:effectLst/>
+                        </a:rPr>
+                        <a:t>57.1 %</a:t>
+                      </a:r>
+                    </a:p>
+                  </a:txBody>
+                  <a:tcPr anchor="ctr">
+                    <a:solidFill>
+                      <a:schemeClr val="accent6">
+                        <a:lumMod val="60000"/>
+                        <a:lumOff val="40000"/>
+                      </a:schemeClr>
+                    </a:solidFill>
+                  </a:tcPr>
+                </a:tc>
+                <a:tc>
+                  <a:txBody>
+                    <a:bodyPr/>
+                    <a:lstStyle/>
+                    <a:p>
+                      <a:pPr algn="ctr" fontAlgn="base"/>
+                      <a:r>
+                        <a:rPr lang="fr-FR" sz="1400" dirty="0">
+                          <a:solidFill>
+                            <a:schemeClr val="bg1"/>
+                          </a:solidFill>
+                          <a:effectLst/>
+                        </a:rPr>
+                        <a:t>100 %</a:t>
+                      </a:r>
+                    </a:p>
+                  </a:txBody>
+                  <a:tcPr anchor="ctr">
+                    <a:solidFill>
+                      <a:schemeClr val="accent6">
+                        <a:lumMod val="60000"/>
+                        <a:lumOff val="40000"/>
+                      </a:schemeClr>
+                    </a:solidFill>
+                  </a:tcPr>
+                </a:tc>
+                <a:tc>
+                  <a:txBody>
+                    <a:bodyPr/>
+                    <a:lstStyle/>
+                    <a:p>
+                      <a:pPr algn="ctr" fontAlgn="base"/>
+                      <a:r>
+                        <a:rPr lang="fr-FR" sz="1100" dirty="0">
+                          <a:solidFill>
+                            <a:schemeClr val="bg1"/>
+                          </a:solidFill>
+                          <a:effectLst/>
+                        </a:rPr>
+                        <a:t>29</a:t>
+                      </a:r>
+                    </a:p>
+                  </a:txBody>
+                  <a:tcPr anchor="ctr">
+                    <a:solidFill>
+                      <a:schemeClr val="accent6">
+                        <a:lumMod val="60000"/>
+                        <a:lumOff val="40000"/>
+                      </a:schemeClr>
+                    </a:solidFill>
+                  </a:tcPr>
+                </a:tc>
+                <a:extLst>
+                  <a:ext uri="{0D108BD9-81ED-4DB2-BD59-A6C34878D82A}">
+                    <a16:rowId xmlns:a16="http://schemas.microsoft.com/office/drawing/2014/main" val="1083475024"/>
+                  </a:ext>
+                </a:extLst>
+              </a:tr>
+              <a:tr h="370840">
+                <a:tc>
+                  <a:txBody>
+                    <a:bodyPr/>
+                    <a:lstStyle/>
+                    <a:p>
+                      <a:pPr algn="ctr"/>
+                      <a:r>
+                        <a:rPr lang="fr-FR" sz="1600" dirty="0">
+                          <a:solidFill>
+                            <a:schemeClr val="bg1"/>
+                          </a:solidFill>
+                        </a:rPr>
+                        <a:t>Do </a:t>
+                      </a:r>
+                      <a:r>
+                        <a:rPr lang="fr-FR" sz="1600" dirty="0" err="1">
+                          <a:solidFill>
+                            <a:schemeClr val="bg1"/>
+                          </a:solidFill>
+                        </a:rPr>
+                        <a:t>Dip</a:t>
+                      </a:r>
+                      <a:endParaRPr lang="fr-FR" sz="1600" dirty="0">
+                        <a:solidFill>
+                          <a:schemeClr val="bg1"/>
+                        </a:solidFill>
+                      </a:endParaRPr>
+                    </a:p>
+                  </a:txBody>
+                  <a:tcPr>
+                    <a:solidFill>
+                      <a:schemeClr val="accent6">
+                        <a:lumMod val="75000"/>
+                      </a:schemeClr>
+                    </a:solidFill>
+                  </a:tcPr>
+                </a:tc>
+                <a:tc>
+                  <a:txBody>
+                    <a:bodyPr/>
+                    <a:lstStyle/>
+                    <a:p>
+                      <a:pPr algn="ctr" fontAlgn="base"/>
+                      <a:r>
+                        <a:rPr lang="fr-FR" sz="1400" dirty="0">
+                          <a:solidFill>
+                            <a:schemeClr val="bg1"/>
+                          </a:solidFill>
+                          <a:effectLst/>
+                        </a:rPr>
+                        <a:t>16.7 %</a:t>
+                      </a:r>
+                    </a:p>
+                  </a:txBody>
+                  <a:tcPr anchor="ctr">
+                    <a:solidFill>
+                      <a:schemeClr val="accent6">
+                        <a:lumMod val="75000"/>
+                      </a:schemeClr>
+                    </a:solidFill>
+                  </a:tcPr>
+                </a:tc>
+                <a:tc>
+                  <a:txBody>
+                    <a:bodyPr/>
+                    <a:lstStyle/>
+                    <a:p>
+                      <a:pPr algn="ctr" fontAlgn="base"/>
+                      <a:r>
+                        <a:rPr lang="fr-FR" sz="1400" dirty="0">
+                          <a:solidFill>
+                            <a:schemeClr val="bg1"/>
+                          </a:solidFill>
+                          <a:effectLst/>
+                        </a:rPr>
+                        <a:t>83.3 %</a:t>
+                      </a:r>
+                    </a:p>
+                  </a:txBody>
+                  <a:tcPr anchor="ctr">
+                    <a:solidFill>
+                      <a:schemeClr val="accent6">
+                        <a:lumMod val="75000"/>
+                      </a:schemeClr>
+                    </a:solidFill>
+                  </a:tcPr>
+                </a:tc>
+                <a:tc>
+                  <a:txBody>
+                    <a:bodyPr/>
+                    <a:lstStyle/>
+                    <a:p>
+                      <a:pPr algn="ctr" fontAlgn="base"/>
+                      <a:r>
+                        <a:rPr lang="fr-FR" sz="1100" dirty="0">
+                          <a:solidFill>
+                            <a:schemeClr val="bg1"/>
+                          </a:solidFill>
+                          <a:effectLst/>
+                        </a:rPr>
+                        <a:t>30</a:t>
+                      </a:r>
+                    </a:p>
+                  </a:txBody>
+                  <a:tcPr anchor="ctr">
+                    <a:solidFill>
+                      <a:schemeClr val="accent6">
+                        <a:lumMod val="75000"/>
+                      </a:schemeClr>
+                    </a:solidFill>
+                  </a:tcPr>
+                </a:tc>
+                <a:tc>
+                  <a:txBody>
+                    <a:bodyPr/>
+                    <a:lstStyle/>
+                    <a:p>
+                      <a:pPr algn="ctr" fontAlgn="base"/>
+                      <a:r>
+                        <a:rPr lang="fr-FR" sz="1400" dirty="0">
+                          <a:solidFill>
+                            <a:schemeClr val="bg1"/>
+                          </a:solidFill>
+                          <a:effectLst/>
+                        </a:rPr>
+                        <a:t>19.2 %</a:t>
+                      </a:r>
+                    </a:p>
+                  </a:txBody>
+                  <a:tcPr anchor="ctr">
+                    <a:solidFill>
+                      <a:schemeClr val="accent6">
+                        <a:lumMod val="75000"/>
+                      </a:schemeClr>
+                    </a:solidFill>
+                  </a:tcPr>
+                </a:tc>
+                <a:tc>
+                  <a:txBody>
+                    <a:bodyPr/>
+                    <a:lstStyle/>
+                    <a:p>
+                      <a:pPr algn="ctr" fontAlgn="base"/>
+                      <a:r>
+                        <a:rPr lang="fr-FR" sz="1400" dirty="0">
+                          <a:solidFill>
+                            <a:schemeClr val="bg1"/>
+                          </a:solidFill>
+                          <a:effectLst/>
+                        </a:rPr>
+                        <a:t>80.8 %</a:t>
+                      </a:r>
+                    </a:p>
+                  </a:txBody>
+                  <a:tcPr anchor="ctr">
+                    <a:solidFill>
+                      <a:schemeClr val="accent6">
+                        <a:lumMod val="75000"/>
+                      </a:schemeClr>
+                    </a:solidFill>
+                  </a:tcPr>
+                </a:tc>
+                <a:tc>
+                  <a:txBody>
+                    <a:bodyPr/>
+                    <a:lstStyle/>
+                    <a:p>
+                      <a:pPr algn="ctr" fontAlgn="base"/>
+                      <a:r>
+                        <a:rPr lang="fr-FR" sz="1100" dirty="0">
+                          <a:solidFill>
+                            <a:schemeClr val="bg1"/>
+                          </a:solidFill>
+                          <a:effectLst/>
+                        </a:rPr>
+                        <a:t>26</a:t>
+                      </a:r>
+                    </a:p>
+                  </a:txBody>
+                  <a:tcPr anchor="ctr">
+                    <a:solidFill>
+                      <a:schemeClr val="accent6">
+                        <a:lumMod val="75000"/>
+                      </a:schemeClr>
+                    </a:solidFill>
+                  </a:tcPr>
+                </a:tc>
+                <a:extLst>
+                  <a:ext uri="{0D108BD9-81ED-4DB2-BD59-A6C34878D82A}">
+                    <a16:rowId xmlns:a16="http://schemas.microsoft.com/office/drawing/2014/main" val="1118240960"/>
+                  </a:ext>
+                </a:extLst>
+              </a:tr>
+              <a:tr h="370840">
+                <a:tc>
+                  <a:txBody>
+                    <a:bodyPr/>
+                    <a:lstStyle/>
+                    <a:p>
+                      <a:pPr algn="ctr"/>
+                      <a:endParaRPr lang="fr-FR" sz="1600" dirty="0"/>
+                    </a:p>
+                  </a:txBody>
+                  <a:tcPr/>
+                </a:tc>
+                <a:tc>
+                  <a:txBody>
+                    <a:bodyPr/>
+                    <a:lstStyle/>
+                    <a:p>
+                      <a:pPr algn="ctr" fontAlgn="base"/>
+                      <a:endParaRPr lang="fr-FR" sz="1400" dirty="0">
+                        <a:solidFill>
+                          <a:srgbClr val="3D4449"/>
+                        </a:solidFill>
+                        <a:effectLst/>
+                      </a:endParaRPr>
+                    </a:p>
+                  </a:txBody>
+                  <a:tcPr anchor="ctr"/>
+                </a:tc>
+                <a:tc>
+                  <a:txBody>
+                    <a:bodyPr/>
+                    <a:lstStyle/>
+                    <a:p>
+                      <a:pPr algn="ctr" fontAlgn="base"/>
+                      <a:endParaRPr lang="fr-FR" sz="1400" dirty="0">
+                        <a:solidFill>
+                          <a:srgbClr val="443597"/>
+                        </a:solidFill>
+                        <a:effectLst/>
+                      </a:endParaRPr>
+                    </a:p>
+                  </a:txBody>
+                  <a:tcPr anchor="ctr"/>
+                </a:tc>
+                <a:tc>
+                  <a:txBody>
+                    <a:bodyPr/>
+                    <a:lstStyle/>
+                    <a:p>
+                      <a:pPr algn="ctr" fontAlgn="base"/>
+                      <a:endParaRPr lang="fr-FR" sz="1100" dirty="0">
+                        <a:solidFill>
+                          <a:srgbClr val="376E8B"/>
+                        </a:solidFill>
+                        <a:effectLst/>
+                      </a:endParaRPr>
+                    </a:p>
+                  </a:txBody>
+                  <a:tcPr anchor="ctr"/>
+                </a:tc>
+                <a:tc>
+                  <a:txBody>
+                    <a:bodyPr/>
+                    <a:lstStyle/>
+                    <a:p>
+                      <a:pPr algn="ctr" fontAlgn="base"/>
+                      <a:endParaRPr lang="fr-FR" sz="1400" dirty="0">
+                        <a:solidFill>
+                          <a:srgbClr val="3D4449"/>
+                        </a:solidFill>
+                        <a:effectLst/>
+                      </a:endParaRPr>
+                    </a:p>
+                  </a:txBody>
+                  <a:tcPr anchor="ctr"/>
+                </a:tc>
+                <a:tc>
+                  <a:txBody>
+                    <a:bodyPr/>
+                    <a:lstStyle/>
+                    <a:p>
+                      <a:pPr algn="ctr" fontAlgn="base"/>
+                      <a:endParaRPr lang="fr-FR" sz="1400" dirty="0">
+                        <a:solidFill>
+                          <a:srgbClr val="443597"/>
+                        </a:solidFill>
+                        <a:effectLst/>
+                      </a:endParaRPr>
+                    </a:p>
+                  </a:txBody>
+                  <a:tcPr anchor="ctr"/>
+                </a:tc>
+                <a:tc>
+                  <a:txBody>
+                    <a:bodyPr/>
+                    <a:lstStyle/>
+                    <a:p>
+                      <a:pPr algn="ctr" fontAlgn="base"/>
+                      <a:endParaRPr lang="fr-FR" sz="1100" dirty="0">
+                        <a:solidFill>
+                          <a:srgbClr val="376E8B"/>
+                        </a:solidFill>
+                        <a:effectLst/>
+                      </a:endParaRPr>
+                    </a:p>
+                  </a:txBody>
+                  <a:tcPr anchor="ctr"/>
+                </a:tc>
+                <a:extLst>
+                  <a:ext uri="{0D108BD9-81ED-4DB2-BD59-A6C34878D82A}">
+                    <a16:rowId xmlns:a16="http://schemas.microsoft.com/office/drawing/2014/main" val="1740952244"/>
+                  </a:ext>
+                </a:extLst>
+              </a:tr>
+            </a:tbl>
+          </a:graphicData>
+        </a:graphic>
+      </p:graphicFrame>
       <p:sp>
         <p:nvSpPr>
-          <p:cNvPr id="4" name="ZoneTexte 3">
+          <p:cNvPr id="7" name="ZoneTexte 6">
             <a:extLst>
               <a:ext uri="{FF2B5EF4-FFF2-40B4-BE49-F238E27FC236}">
-                <a16:creationId xmlns:a16="http://schemas.microsoft.com/office/drawing/2014/main" id="{250399CC-6EB5-CF04-B8BD-CB9EFD4A444B}"/>
+                <a16:creationId xmlns:a16="http://schemas.microsoft.com/office/drawing/2014/main" id="{6BE8EB4C-9EED-0344-FB71-FC964BFAC7C5}"/>
               </a:ext>
             </a:extLst>
           </p:cNvPr>
@@ -9049,39 +14169,225 @@
           <p:nvPr/>
         </p:nvSpPr>
         <p:spPr>
-          <a:xfrm rot="20218656">
-            <a:off x="6460078" y="4717039"/>
-            <a:ext cx="2184137" cy="461665"/>
+          <a:xfrm>
+            <a:off x="5749638" y="2816126"/>
+            <a:ext cx="1427017" cy="338554"/>
           </a:xfrm>
           <a:prstGeom prst="rect">
             <a:avLst/>
           </a:prstGeom>
-          <a:solidFill>
-            <a:srgbClr val="5B277D"/>
-          </a:solidFill>
+          <a:noFill/>
         </p:spPr>
         <p:txBody>
-          <a:bodyPr wrap="square" rtlCol="0">
+          <a:bodyPr wrap="square">
             <a:spAutoFit/>
           </a:bodyPr>
           <a:lstStyle/>
           <a:p>
-            <a:pPr algn="ctr"/>
             <a:r>
-              <a:rPr lang="fr-FR" sz="2400" b="1" dirty="0">
-                <a:solidFill>
-                  <a:schemeClr val="bg1"/>
-                </a:solidFill>
+              <a:rPr lang="fr-FR" b="1" dirty="0">
+                <a:solidFill>
+                  <a:srgbClr val="3D4449"/>
+                </a:solidFill>
+                <a:effectLst/>
+                <a:latin typeface="inherit"/>
               </a:rPr>
-              <a:t>A MODIFIER</a:t>
+              <a:t>2020 à 2023 </a:t>
             </a:r>
+            <a:endParaRPr lang="fr-FR" dirty="0"/>
           </a:p>
         </p:txBody>
       </p:sp>
+      <p:sp>
+        <p:nvSpPr>
+          <p:cNvPr id="8" name="ZoneTexte 7">
+            <a:extLst>
+              <a:ext uri="{FF2B5EF4-FFF2-40B4-BE49-F238E27FC236}">
+                <a16:creationId xmlns:a16="http://schemas.microsoft.com/office/drawing/2014/main" id="{2F218827-BD14-D989-820F-C8E93CE767D2}"/>
+              </a:ext>
+            </a:extLst>
+          </p:cNvPr>
+          <p:cNvSpPr txBox="1"/>
+          <p:nvPr/>
+        </p:nvSpPr>
+        <p:spPr>
+          <a:xfrm>
+            <a:off x="3144983" y="2819192"/>
+            <a:ext cx="1427017" cy="338554"/>
+          </a:xfrm>
+          <a:prstGeom prst="rect">
+            <a:avLst/>
+          </a:prstGeom>
+          <a:noFill/>
+        </p:spPr>
+        <p:txBody>
+          <a:bodyPr wrap="square">
+            <a:spAutoFit/>
+          </a:bodyPr>
+          <a:lstStyle/>
+          <a:p>
+            <a:r>
+              <a:rPr lang="fr-FR" b="1" dirty="0">
+                <a:solidFill>
+                  <a:srgbClr val="3D4449"/>
+                </a:solidFill>
+                <a:effectLst/>
+                <a:latin typeface="inherit"/>
+              </a:rPr>
+              <a:t>2019 à 2022 </a:t>
+            </a:r>
+            <a:endParaRPr lang="fr-FR" dirty="0"/>
+          </a:p>
+        </p:txBody>
+      </p:sp>
+      <p:cxnSp>
+        <p:nvCxnSpPr>
+          <p:cNvPr id="12" name="Connecteur droit 11">
+            <a:extLst>
+              <a:ext uri="{FF2B5EF4-FFF2-40B4-BE49-F238E27FC236}">
+                <a16:creationId xmlns:a16="http://schemas.microsoft.com/office/drawing/2014/main" id="{B8788C0E-763D-AEA1-A8D6-23C0DA9EFF31}"/>
+              </a:ext>
+            </a:extLst>
+          </p:cNvPr>
+          <p:cNvCxnSpPr>
+            <a:cxnSpLocks/>
+          </p:cNvCxnSpPr>
+          <p:nvPr/>
+        </p:nvCxnSpPr>
+        <p:spPr bwMode="auto">
+          <a:xfrm>
+            <a:off x="4997885" y="2816126"/>
+            <a:ext cx="0" cy="2916970"/>
+          </a:xfrm>
+          <a:prstGeom prst="line">
+            <a:avLst/>
+          </a:prstGeom>
+          <a:solidFill>
+            <a:schemeClr val="accent1"/>
+          </a:solidFill>
+          <a:ln w="25400" cap="flat" cmpd="sng" algn="ctr">
+            <a:solidFill>
+              <a:schemeClr val="tx1"/>
+            </a:solidFill>
+            <a:prstDash val="solid"/>
+            <a:round/>
+            <a:headEnd type="none" w="med" len="med"/>
+            <a:tailEnd type="none" w="med" len="med"/>
+          </a:ln>
+          <a:effectLst/>
+          <a:extLst>
+            <a:ext uri="{AF507438-7753-43e0-B8FC-AC1667EBCBE1}">
+              <a14:hiddenEffects xmlns:a14="http://schemas.microsoft.com/office/drawing/2010/main" xmlns="">
+                <a:effectLst>
+                  <a:outerShdw dist="35921" dir="2700000" algn="ctr" rotWithShape="0">
+                    <a:schemeClr val="bg2"/>
+                  </a:outerShdw>
+                </a:effectLst>
+              </a14:hiddenEffects>
+            </a:ext>
+          </a:extLst>
+        </p:spPr>
+      </p:cxnSp>
+      <p:cxnSp>
+        <p:nvCxnSpPr>
+          <p:cNvPr id="16" name="Connecteur droit 15">
+            <a:extLst>
+              <a:ext uri="{FF2B5EF4-FFF2-40B4-BE49-F238E27FC236}">
+                <a16:creationId xmlns:a16="http://schemas.microsoft.com/office/drawing/2014/main" id="{50BF25C8-9F92-2C38-850F-D28A23482464}"/>
+              </a:ext>
+            </a:extLst>
+          </p:cNvPr>
+          <p:cNvCxnSpPr>
+            <a:cxnSpLocks/>
+          </p:cNvCxnSpPr>
+          <p:nvPr/>
+        </p:nvCxnSpPr>
+        <p:spPr bwMode="auto">
+          <a:xfrm>
+            <a:off x="2394559" y="2816126"/>
+            <a:ext cx="0" cy="2916970"/>
+          </a:xfrm>
+          <a:prstGeom prst="line">
+            <a:avLst/>
+          </a:prstGeom>
+          <a:solidFill>
+            <a:schemeClr val="accent1"/>
+          </a:solidFill>
+          <a:ln w="25400" cap="flat" cmpd="sng" algn="ctr">
+            <a:solidFill>
+              <a:schemeClr val="tx1"/>
+            </a:solidFill>
+            <a:prstDash val="solid"/>
+            <a:round/>
+            <a:headEnd type="none" w="med" len="med"/>
+            <a:tailEnd type="none" w="med" len="med"/>
+          </a:ln>
+          <a:effectLst/>
+          <a:extLst>
+            <a:ext uri="{AF507438-7753-43e0-B8FC-AC1667EBCBE1}">
+              <a14:hiddenEffects xmlns:a14="http://schemas.microsoft.com/office/drawing/2010/main" xmlns="">
+                <a:effectLst>
+                  <a:outerShdw dist="35921" dir="2700000" algn="ctr" rotWithShape="0">
+                    <a:schemeClr val="bg2"/>
+                  </a:outerShdw>
+                </a:effectLst>
+              </a14:hiddenEffects>
+            </a:ext>
+          </a:extLst>
+        </p:spPr>
+      </p:cxnSp>
+      <p:cxnSp>
+        <p:nvCxnSpPr>
+          <p:cNvPr id="17" name="Connecteur droit 16">
+            <a:extLst>
+              <a:ext uri="{FF2B5EF4-FFF2-40B4-BE49-F238E27FC236}">
+                <a16:creationId xmlns:a16="http://schemas.microsoft.com/office/drawing/2014/main" id="{EDE0DB40-AE6D-F8B1-39ED-23D839CC790B}"/>
+              </a:ext>
+            </a:extLst>
+          </p:cNvPr>
+          <p:cNvCxnSpPr>
+            <a:cxnSpLocks/>
+          </p:cNvCxnSpPr>
+          <p:nvPr/>
+        </p:nvCxnSpPr>
+        <p:spPr bwMode="auto">
+          <a:xfrm>
+            <a:off x="7610474" y="2816126"/>
+            <a:ext cx="0" cy="2916970"/>
+          </a:xfrm>
+          <a:prstGeom prst="line">
+            <a:avLst/>
+          </a:prstGeom>
+          <a:solidFill>
+            <a:schemeClr val="accent1"/>
+          </a:solidFill>
+          <a:ln w="25400" cap="flat" cmpd="sng" algn="ctr">
+            <a:solidFill>
+              <a:schemeClr val="tx1"/>
+            </a:solidFill>
+            <a:prstDash val="solid"/>
+            <a:round/>
+            <a:headEnd type="none" w="med" len="med"/>
+            <a:tailEnd type="none" w="med" len="med"/>
+          </a:ln>
+          <a:effectLst/>
+          <a:extLst>
+            <a:ext uri="{AF507438-7753-43e0-B8FC-AC1667EBCBE1}">
+              <a14:hiddenEffects xmlns:a14="http://schemas.microsoft.com/office/drawing/2010/main" xmlns="">
+                <a:effectLst>
+                  <a:outerShdw dist="35921" dir="2700000" algn="ctr" rotWithShape="0">
+                    <a:schemeClr val="bg2"/>
+                  </a:outerShdw>
+                </a:effectLst>
+              </a14:hiddenEffects>
+            </a:ext>
+          </a:extLst>
+        </p:spPr>
+      </p:cxnSp>
     </p:spTree>
     <p:extLst>
       <p:ext uri="{BB962C8B-B14F-4D97-AF65-F5344CB8AC3E}">
-        <p14:creationId xmlns:p14="http://schemas.microsoft.com/office/powerpoint/2010/main" val="1382154032"/>
+        <p14:creationId xmlns:p14="http://schemas.microsoft.com/office/powerpoint/2010/main" val="1087322179"/>
       </p:ext>
     </p:extLst>
   </p:cSld>
@@ -9172,7 +14478,7 @@
                 </a:solidFill>
                 <a:ea typeface="ＭＳ Ｐゴシック" panose="020B0600070205080204" pitchFamily="34" charset="-128"/>
               </a:rPr>
-              <a:t>Cumul de 2020 à 2024</a:t>
+              <a:t>Cumul de 2019 à 2022 / 2020 à 2023 </a:t>
             </a:r>
           </a:p>
           <a:p>
@@ -9183,7 +14489,7 @@
                 </a:solidFill>
                 <a:ea typeface="ＭＳ Ｐゴシック" panose="020B0600070205080204" pitchFamily="34" charset="-128"/>
               </a:rPr>
-              <a:t>Thèses</a:t>
+              <a:t>Salaires moyens (hors primes / bruts) en France / Sites</a:t>
             </a:r>
           </a:p>
         </p:txBody>
@@ -9370,6 +14676,3862 @@
         </p:nvSpPr>
         <p:spPr>
           <a:xfrm rot="20218656">
+            <a:off x="5848287" y="5774122"/>
+            <a:ext cx="2184137" cy="461665"/>
+          </a:xfrm>
+          <a:prstGeom prst="rect">
+            <a:avLst/>
+          </a:prstGeom>
+          <a:solidFill>
+            <a:srgbClr val="5B277D"/>
+          </a:solidFill>
+        </p:spPr>
+        <p:txBody>
+          <a:bodyPr wrap="square" rtlCol="0">
+            <a:spAutoFit/>
+          </a:bodyPr>
+          <a:lstStyle/>
+          <a:p>
+            <a:pPr algn="ctr"/>
+            <a:r>
+              <a:rPr lang="fr-FR" sz="2400" b="1" dirty="0">
+                <a:solidFill>
+                  <a:schemeClr val="bg1"/>
+                </a:solidFill>
+              </a:rPr>
+              <a:t>A MODIFIER</a:t>
+            </a:r>
+          </a:p>
+        </p:txBody>
+      </p:sp>
+      <p:graphicFrame>
+        <p:nvGraphicFramePr>
+          <p:cNvPr id="5" name="Tableau 4">
+            <a:extLst>
+              <a:ext uri="{FF2B5EF4-FFF2-40B4-BE49-F238E27FC236}">
+                <a16:creationId xmlns:a16="http://schemas.microsoft.com/office/drawing/2014/main" id="{7EF39735-256B-FECE-10A1-6885D08243D0}"/>
+              </a:ext>
+            </a:extLst>
+          </p:cNvPr>
+          <p:cNvGraphicFramePr>
+            <a:graphicFrameLocks noGrp="1"/>
+          </p:cNvGraphicFramePr>
+          <p:nvPr>
+            <p:extLst>
+              <p:ext uri="{D42A27DB-BD31-4B8C-83A1-F6EECF244321}">
+                <p14:modId xmlns:p14="http://schemas.microsoft.com/office/powerpoint/2010/main" val="728005780"/>
+              </p:ext>
+            </p:extLst>
+          </p:nvPr>
+        </p:nvGraphicFramePr>
+        <p:xfrm>
+          <a:off x="813074" y="3199258"/>
+          <a:ext cx="7667046" cy="2595880"/>
+        </p:xfrm>
+        <a:graphic>
+          <a:graphicData uri="http://schemas.openxmlformats.org/drawingml/2006/table">
+            <a:tbl>
+              <a:tblPr firstRow="1" bandRow="1">
+                <a:tableStyleId>{21E4AEA4-8DFA-4A89-87EB-49C32662AFE0}</a:tableStyleId>
+              </a:tblPr>
+              <a:tblGrid>
+                <a:gridCol w="851894">
+                  <a:extLst>
+                    <a:ext uri="{9D8B030D-6E8A-4147-A177-3AD203B41FA5}">
+                      <a16:colId xmlns:a16="http://schemas.microsoft.com/office/drawing/2014/main" val="2053038476"/>
+                    </a:ext>
+                  </a:extLst>
+                </a:gridCol>
+                <a:gridCol w="851894">
+                  <a:extLst>
+                    <a:ext uri="{9D8B030D-6E8A-4147-A177-3AD203B41FA5}">
+                      <a16:colId xmlns:a16="http://schemas.microsoft.com/office/drawing/2014/main" val="3832746835"/>
+                    </a:ext>
+                  </a:extLst>
+                </a:gridCol>
+                <a:gridCol w="851894">
+                  <a:extLst>
+                    <a:ext uri="{9D8B030D-6E8A-4147-A177-3AD203B41FA5}">
+                      <a16:colId xmlns:a16="http://schemas.microsoft.com/office/drawing/2014/main" val="4009216877"/>
+                    </a:ext>
+                  </a:extLst>
+                </a:gridCol>
+                <a:gridCol w="851894">
+                  <a:extLst>
+                    <a:ext uri="{9D8B030D-6E8A-4147-A177-3AD203B41FA5}">
+                      <a16:colId xmlns:a16="http://schemas.microsoft.com/office/drawing/2014/main" val="3856658833"/>
+                    </a:ext>
+                  </a:extLst>
+                </a:gridCol>
+                <a:gridCol w="851894">
+                  <a:extLst>
+                    <a:ext uri="{9D8B030D-6E8A-4147-A177-3AD203B41FA5}">
+                      <a16:colId xmlns:a16="http://schemas.microsoft.com/office/drawing/2014/main" val="1457748498"/>
+                    </a:ext>
+                  </a:extLst>
+                </a:gridCol>
+                <a:gridCol w="851894">
+                  <a:extLst>
+                    <a:ext uri="{9D8B030D-6E8A-4147-A177-3AD203B41FA5}">
+                      <a16:colId xmlns:a16="http://schemas.microsoft.com/office/drawing/2014/main" val="3308663209"/>
+                    </a:ext>
+                  </a:extLst>
+                </a:gridCol>
+                <a:gridCol w="851894">
+                  <a:extLst>
+                    <a:ext uri="{9D8B030D-6E8A-4147-A177-3AD203B41FA5}">
+                      <a16:colId xmlns:a16="http://schemas.microsoft.com/office/drawing/2014/main" val="2294340571"/>
+                    </a:ext>
+                  </a:extLst>
+                </a:gridCol>
+                <a:gridCol w="851894">
+                  <a:extLst>
+                    <a:ext uri="{9D8B030D-6E8A-4147-A177-3AD203B41FA5}">
+                      <a16:colId xmlns:a16="http://schemas.microsoft.com/office/drawing/2014/main" val="1745590413"/>
+                    </a:ext>
+                  </a:extLst>
+                </a:gridCol>
+                <a:gridCol w="851894">
+                  <a:extLst>
+                    <a:ext uri="{9D8B030D-6E8A-4147-A177-3AD203B41FA5}">
+                      <a16:colId xmlns:a16="http://schemas.microsoft.com/office/drawing/2014/main" val="2755484775"/>
+                    </a:ext>
+                  </a:extLst>
+                </a:gridCol>
+              </a:tblGrid>
+              <a:tr h="370840">
+                <a:tc>
+                  <a:txBody>
+                    <a:bodyPr/>
+                    <a:lstStyle/>
+                    <a:p>
+                      <a:pPr algn="ctr"/>
+                      <a:r>
+                        <a:rPr lang="fr-FR" sz="1400" dirty="0"/>
+                        <a:t>Sites</a:t>
+                      </a:r>
+                    </a:p>
+                  </a:txBody>
+                  <a:tcPr/>
+                </a:tc>
+                <a:tc>
+                  <a:txBody>
+                    <a:bodyPr/>
+                    <a:lstStyle/>
+                    <a:p>
+                      <a:pPr algn="ctr"/>
+                      <a:r>
+                        <a:rPr lang="fr-FR" sz="1400" dirty="0"/>
+                        <a:t>N-1</a:t>
+                      </a:r>
+                    </a:p>
+                  </a:txBody>
+                  <a:tcPr/>
+                </a:tc>
+                <a:tc>
+                  <a:txBody>
+                    <a:bodyPr/>
+                    <a:lstStyle/>
+                    <a:p>
+                      <a:pPr algn="ctr"/>
+                      <a:r>
+                        <a:rPr lang="fr-FR" sz="1400" dirty="0" err="1"/>
+                        <a:t>Ec.Ty</a:t>
+                      </a:r>
+                      <a:r>
+                        <a:rPr lang="fr-FR" sz="1400" dirty="0"/>
+                        <a:t>.</a:t>
+                      </a:r>
+                    </a:p>
+                  </a:txBody>
+                  <a:tcPr/>
+                </a:tc>
+                <a:tc>
+                  <a:txBody>
+                    <a:bodyPr/>
+                    <a:lstStyle/>
+                    <a:p>
+                      <a:pPr algn="ctr"/>
+                      <a:r>
+                        <a:rPr lang="fr-FR" sz="1400" dirty="0"/>
+                        <a:t>N-3</a:t>
+                      </a:r>
+                    </a:p>
+                  </a:txBody>
+                  <a:tcPr/>
+                </a:tc>
+                <a:tc>
+                  <a:txBody>
+                    <a:bodyPr/>
+                    <a:lstStyle/>
+                    <a:p>
+                      <a:pPr algn="ctr"/>
+                      <a:r>
+                        <a:rPr lang="fr-FR" sz="1400" dirty="0" err="1"/>
+                        <a:t>Ec.Ty</a:t>
+                      </a:r>
+                      <a:r>
+                        <a:rPr lang="fr-FR" sz="1400" dirty="0"/>
+                        <a:t>.</a:t>
+                      </a:r>
+                    </a:p>
+                  </a:txBody>
+                  <a:tcPr/>
+                </a:tc>
+                <a:tc>
+                  <a:txBody>
+                    <a:bodyPr/>
+                    <a:lstStyle/>
+                    <a:p>
+                      <a:pPr algn="ctr"/>
+                      <a:r>
+                        <a:rPr lang="fr-FR" sz="1400" dirty="0"/>
+                        <a:t>N-1</a:t>
+                      </a:r>
+                    </a:p>
+                  </a:txBody>
+                  <a:tcPr/>
+                </a:tc>
+                <a:tc>
+                  <a:txBody>
+                    <a:bodyPr/>
+                    <a:lstStyle/>
+                    <a:p>
+                      <a:pPr algn="ctr"/>
+                      <a:r>
+                        <a:rPr lang="fr-FR" sz="1400" dirty="0" err="1"/>
+                        <a:t>Ec.Ty</a:t>
+                      </a:r>
+                      <a:r>
+                        <a:rPr lang="fr-FR" sz="1400" dirty="0"/>
+                        <a:t>.</a:t>
+                      </a:r>
+                    </a:p>
+                  </a:txBody>
+                  <a:tcPr/>
+                </a:tc>
+                <a:tc>
+                  <a:txBody>
+                    <a:bodyPr/>
+                    <a:lstStyle/>
+                    <a:p>
+                      <a:pPr algn="ctr"/>
+                      <a:r>
+                        <a:rPr lang="fr-FR" sz="1400" dirty="0"/>
+                        <a:t>N-3</a:t>
+                      </a:r>
+                    </a:p>
+                  </a:txBody>
+                  <a:tcPr/>
+                </a:tc>
+                <a:tc>
+                  <a:txBody>
+                    <a:bodyPr/>
+                    <a:lstStyle/>
+                    <a:p>
+                      <a:pPr algn="ctr"/>
+                      <a:r>
+                        <a:rPr lang="fr-FR" sz="1400" dirty="0" err="1"/>
+                        <a:t>Ec.Ty</a:t>
+                      </a:r>
+                      <a:r>
+                        <a:rPr lang="fr-FR" sz="1400" dirty="0"/>
+                        <a:t>.</a:t>
+                      </a:r>
+                    </a:p>
+                  </a:txBody>
+                  <a:tcPr/>
+                </a:tc>
+                <a:extLst>
+                  <a:ext uri="{0D108BD9-81ED-4DB2-BD59-A6C34878D82A}">
+                    <a16:rowId xmlns:a16="http://schemas.microsoft.com/office/drawing/2014/main" val="3899797023"/>
+                  </a:ext>
+                </a:extLst>
+              </a:tr>
+              <a:tr h="370840">
+                <a:tc>
+                  <a:txBody>
+                    <a:bodyPr/>
+                    <a:lstStyle/>
+                    <a:p>
+                      <a:pPr algn="ctr"/>
+                      <a:r>
+                        <a:rPr lang="fr-FR" sz="1600" dirty="0"/>
+                        <a:t>CGE</a:t>
+                      </a:r>
+                    </a:p>
+                  </a:txBody>
+                  <a:tcPr/>
+                </a:tc>
+                <a:tc>
+                  <a:txBody>
+                    <a:bodyPr/>
+                    <a:lstStyle/>
+                    <a:p>
+                      <a:pPr algn="ctr" fontAlgn="base"/>
+                      <a:r>
+                        <a:rPr lang="fr-FR" sz="1400" dirty="0">
+                          <a:solidFill>
+                            <a:srgbClr val="3D4449"/>
+                          </a:solidFill>
+                          <a:effectLst/>
+                        </a:rPr>
+                        <a:t>35.243</a:t>
+                      </a:r>
+                    </a:p>
+                  </a:txBody>
+                  <a:tcPr anchor="ctr"/>
+                </a:tc>
+                <a:tc>
+                  <a:txBody>
+                    <a:bodyPr/>
+                    <a:lstStyle/>
+                    <a:p>
+                      <a:pPr algn="ctr" fontAlgn="base"/>
+                      <a:endParaRPr lang="fr-FR" sz="1400" dirty="0">
+                        <a:solidFill>
+                          <a:srgbClr val="443597"/>
+                        </a:solidFill>
+                        <a:effectLst/>
+                      </a:endParaRPr>
+                    </a:p>
+                  </a:txBody>
+                  <a:tcPr anchor="ctr"/>
+                </a:tc>
+                <a:tc>
+                  <a:txBody>
+                    <a:bodyPr/>
+                    <a:lstStyle/>
+                    <a:p>
+                      <a:pPr algn="ctr" fontAlgn="base"/>
+                      <a:r>
+                        <a:rPr lang="fr-FR" sz="1400" dirty="0">
+                          <a:solidFill>
+                            <a:srgbClr val="443597"/>
+                          </a:solidFill>
+                          <a:effectLst/>
+                        </a:rPr>
+                        <a:t>37.570</a:t>
+                      </a:r>
+                    </a:p>
+                  </a:txBody>
+                  <a:tcPr anchor="ctr"/>
+                </a:tc>
+                <a:tc>
+                  <a:txBody>
+                    <a:bodyPr/>
+                    <a:lstStyle/>
+                    <a:p>
+                      <a:pPr algn="ctr" fontAlgn="base"/>
+                      <a:endParaRPr lang="fr-FR" sz="1400" dirty="0">
+                        <a:solidFill>
+                          <a:srgbClr val="443597"/>
+                        </a:solidFill>
+                        <a:effectLst/>
+                      </a:endParaRPr>
+                    </a:p>
+                  </a:txBody>
+                  <a:tcPr anchor="ctr"/>
+                </a:tc>
+                <a:tc>
+                  <a:txBody>
+                    <a:bodyPr/>
+                    <a:lstStyle/>
+                    <a:p>
+                      <a:pPr algn="ctr" fontAlgn="base"/>
+                      <a:r>
+                        <a:rPr lang="fr-FR" sz="1400" dirty="0">
+                          <a:solidFill>
+                            <a:srgbClr val="3D4449"/>
+                          </a:solidFill>
+                          <a:effectLst/>
+                        </a:rPr>
+                        <a:t>35.978</a:t>
+                      </a:r>
+                    </a:p>
+                  </a:txBody>
+                  <a:tcPr anchor="ctr"/>
+                </a:tc>
+                <a:tc>
+                  <a:txBody>
+                    <a:bodyPr/>
+                    <a:lstStyle/>
+                    <a:p>
+                      <a:pPr algn="ctr" fontAlgn="base"/>
+                      <a:endParaRPr lang="fr-FR" sz="1400" dirty="0">
+                        <a:solidFill>
+                          <a:srgbClr val="443597"/>
+                        </a:solidFill>
+                        <a:effectLst/>
+                      </a:endParaRPr>
+                    </a:p>
+                  </a:txBody>
+                  <a:tcPr anchor="ctr"/>
+                </a:tc>
+                <a:tc>
+                  <a:txBody>
+                    <a:bodyPr/>
+                    <a:lstStyle/>
+                    <a:p>
+                      <a:pPr algn="ctr" fontAlgn="base"/>
+                      <a:r>
+                        <a:rPr lang="fr-FR" sz="1400" dirty="0">
+                          <a:solidFill>
+                            <a:srgbClr val="443597"/>
+                          </a:solidFill>
+                          <a:effectLst/>
+                        </a:rPr>
+                        <a:t>38.419</a:t>
+                      </a:r>
+                    </a:p>
+                  </a:txBody>
+                  <a:tcPr anchor="ctr"/>
+                </a:tc>
+                <a:tc>
+                  <a:txBody>
+                    <a:bodyPr/>
+                    <a:lstStyle/>
+                    <a:p>
+                      <a:pPr algn="ctr" fontAlgn="base"/>
+                      <a:endParaRPr lang="fr-FR" sz="1400" dirty="0">
+                        <a:solidFill>
+                          <a:srgbClr val="443597"/>
+                        </a:solidFill>
+                        <a:effectLst/>
+                      </a:endParaRPr>
+                    </a:p>
+                  </a:txBody>
+                  <a:tcPr anchor="ctr"/>
+                </a:tc>
+                <a:extLst>
+                  <a:ext uri="{0D108BD9-81ED-4DB2-BD59-A6C34878D82A}">
+                    <a16:rowId xmlns:a16="http://schemas.microsoft.com/office/drawing/2014/main" val="952767304"/>
+                  </a:ext>
+                </a:extLst>
+              </a:tr>
+              <a:tr h="370840">
+                <a:tc>
+                  <a:txBody>
+                    <a:bodyPr/>
+                    <a:lstStyle/>
+                    <a:p>
+                      <a:pPr algn="ctr"/>
+                      <a:r>
+                        <a:rPr lang="fr-FR" b="1" dirty="0" err="1"/>
+                        <a:t>Ens</a:t>
+                      </a:r>
+                      <a:r>
+                        <a:rPr lang="fr-FR" b="1" dirty="0"/>
+                        <a:t>.</a:t>
+                      </a:r>
+                    </a:p>
+                  </a:txBody>
+                  <a:tcPr/>
+                </a:tc>
+                <a:tc>
+                  <a:txBody>
+                    <a:bodyPr/>
+                    <a:lstStyle/>
+                    <a:p>
+                      <a:pPr algn="ctr" fontAlgn="base"/>
+                      <a:r>
+                        <a:rPr lang="fr-FR" sz="1600" b="1" dirty="0">
+                          <a:effectLst/>
+                        </a:rPr>
+                        <a:t>35.776</a:t>
+                      </a:r>
+                    </a:p>
+                  </a:txBody>
+                  <a:tcPr anchor="ctr"/>
+                </a:tc>
+                <a:tc>
+                  <a:txBody>
+                    <a:bodyPr/>
+                    <a:lstStyle/>
+                    <a:p>
+                      <a:pPr algn="ctr" fontAlgn="base"/>
+                      <a:r>
+                        <a:rPr lang="fr-FR" sz="1200" b="1" dirty="0">
+                          <a:effectLst/>
+                        </a:rPr>
+                        <a:t>5.952</a:t>
+                      </a:r>
+                      <a:endParaRPr lang="fr-FR" sz="1600" b="1" dirty="0">
+                        <a:effectLst/>
+                      </a:endParaRPr>
+                    </a:p>
+                  </a:txBody>
+                  <a:tcPr anchor="ctr"/>
+                </a:tc>
+                <a:tc>
+                  <a:txBody>
+                    <a:bodyPr/>
+                    <a:lstStyle/>
+                    <a:p>
+                      <a:pPr algn="ctr" fontAlgn="base"/>
+                      <a:r>
+                        <a:rPr lang="fr-FR" sz="1600" b="1" dirty="0">
+                          <a:effectLst/>
+                        </a:rPr>
+                        <a:t>40.419</a:t>
+                      </a:r>
+                    </a:p>
+                  </a:txBody>
+                  <a:tcPr anchor="ctr"/>
+                </a:tc>
+                <a:tc>
+                  <a:txBody>
+                    <a:bodyPr/>
+                    <a:lstStyle/>
+                    <a:p>
+                      <a:pPr algn="ctr" fontAlgn="base"/>
+                      <a:r>
+                        <a:rPr lang="fr-FR" sz="1200" b="1" dirty="0">
+                          <a:effectLst/>
+                        </a:rPr>
+                        <a:t>10.035</a:t>
+                      </a:r>
+                      <a:endParaRPr lang="fr-FR" sz="1600" b="1" dirty="0">
+                        <a:effectLst/>
+                      </a:endParaRPr>
+                    </a:p>
+                  </a:txBody>
+                  <a:tcPr anchor="ctr"/>
+                </a:tc>
+                <a:tc>
+                  <a:txBody>
+                    <a:bodyPr/>
+                    <a:lstStyle/>
+                    <a:p>
+                      <a:pPr algn="ctr" fontAlgn="base"/>
+                      <a:r>
+                        <a:rPr lang="fr-FR" sz="1600" b="1" dirty="0">
+                          <a:effectLst/>
+                        </a:rPr>
+                        <a:t>36.739</a:t>
+                      </a:r>
+                    </a:p>
+                  </a:txBody>
+                  <a:tcPr anchor="ctr"/>
+                </a:tc>
+                <a:tc>
+                  <a:txBody>
+                    <a:bodyPr/>
+                    <a:lstStyle/>
+                    <a:p>
+                      <a:pPr algn="ctr" fontAlgn="base"/>
+                      <a:r>
+                        <a:rPr lang="fr-FR" sz="1200" b="1" dirty="0">
+                          <a:effectLst/>
+                        </a:rPr>
+                        <a:t>5.952</a:t>
+                      </a:r>
+                      <a:endParaRPr lang="fr-FR" sz="1600" b="1" dirty="0">
+                        <a:effectLst/>
+                      </a:endParaRPr>
+                    </a:p>
+                  </a:txBody>
+                  <a:tcPr anchor="ctr"/>
+                </a:tc>
+                <a:tc>
+                  <a:txBody>
+                    <a:bodyPr/>
+                    <a:lstStyle/>
+                    <a:p>
+                      <a:pPr algn="ctr" fontAlgn="base"/>
+                      <a:r>
+                        <a:rPr lang="fr-FR" sz="1600" b="1">
+                          <a:effectLst/>
+                        </a:rPr>
+                        <a:t>41.223</a:t>
+                      </a:r>
+                      <a:endParaRPr lang="fr-FR" sz="1600" b="1" dirty="0">
+                        <a:effectLst/>
+                      </a:endParaRPr>
+                    </a:p>
+                  </a:txBody>
+                  <a:tcPr anchor="ctr"/>
+                </a:tc>
+                <a:tc>
+                  <a:txBody>
+                    <a:bodyPr/>
+                    <a:lstStyle/>
+                    <a:p>
+                      <a:pPr algn="ctr" fontAlgn="base"/>
+                      <a:r>
+                        <a:rPr lang="fr-FR" sz="1200" b="1">
+                          <a:effectLst/>
+                        </a:rPr>
+                        <a:t>10.035</a:t>
+                      </a:r>
+                      <a:endParaRPr lang="fr-FR" sz="1600" b="1" dirty="0">
+                        <a:effectLst/>
+                      </a:endParaRPr>
+                    </a:p>
+                  </a:txBody>
+                  <a:tcPr anchor="ctr"/>
+                </a:tc>
+                <a:extLst>
+                  <a:ext uri="{0D108BD9-81ED-4DB2-BD59-A6C34878D82A}">
+                    <a16:rowId xmlns:a16="http://schemas.microsoft.com/office/drawing/2014/main" val="809898311"/>
+                  </a:ext>
+                </a:extLst>
+              </a:tr>
+              <a:tr h="370840">
+                <a:tc>
+                  <a:txBody>
+                    <a:bodyPr/>
+                    <a:lstStyle/>
+                    <a:p>
+                      <a:pPr algn="ctr"/>
+                      <a:r>
+                        <a:rPr lang="fr-FR" sz="1600" dirty="0">
+                          <a:solidFill>
+                            <a:schemeClr val="bg1"/>
+                          </a:solidFill>
+                        </a:rPr>
+                        <a:t>Pal.</a:t>
+                      </a:r>
+                    </a:p>
+                  </a:txBody>
+                  <a:tcPr>
+                    <a:solidFill>
+                      <a:schemeClr val="accent6">
+                        <a:lumMod val="40000"/>
+                        <a:lumOff val="60000"/>
+                      </a:schemeClr>
+                    </a:solidFill>
+                  </a:tcPr>
+                </a:tc>
+                <a:tc>
+                  <a:txBody>
+                    <a:bodyPr/>
+                    <a:lstStyle/>
+                    <a:p>
+                      <a:pPr algn="ctr" fontAlgn="base"/>
+                      <a:r>
+                        <a:rPr lang="fr-FR" sz="1400" dirty="0">
+                          <a:solidFill>
+                            <a:schemeClr val="bg1"/>
+                          </a:solidFill>
+                          <a:effectLst/>
+                        </a:rPr>
+                        <a:t>35.809</a:t>
+                      </a:r>
+                    </a:p>
+                  </a:txBody>
+                  <a:tcPr anchor="ctr">
+                    <a:solidFill>
+                      <a:schemeClr val="accent6">
+                        <a:lumMod val="40000"/>
+                        <a:lumOff val="60000"/>
+                      </a:schemeClr>
+                    </a:solidFill>
+                  </a:tcPr>
+                </a:tc>
+                <a:tc>
+                  <a:txBody>
+                    <a:bodyPr/>
+                    <a:lstStyle/>
+                    <a:p>
+                      <a:pPr algn="ctr" fontAlgn="base"/>
+                      <a:r>
+                        <a:rPr lang="fr-FR" sz="1100" dirty="0">
+                          <a:solidFill>
+                            <a:schemeClr val="bg1"/>
+                          </a:solidFill>
+                          <a:effectLst/>
+                        </a:rPr>
+                        <a:t>5.797</a:t>
+                      </a:r>
+                    </a:p>
+                  </a:txBody>
+                  <a:tcPr anchor="ctr">
+                    <a:solidFill>
+                      <a:schemeClr val="accent6">
+                        <a:lumMod val="40000"/>
+                        <a:lumOff val="60000"/>
+                      </a:schemeClr>
+                    </a:solidFill>
+                  </a:tcPr>
+                </a:tc>
+                <a:tc>
+                  <a:txBody>
+                    <a:bodyPr/>
+                    <a:lstStyle/>
+                    <a:p>
+                      <a:pPr algn="ctr" fontAlgn="base"/>
+                      <a:r>
+                        <a:rPr lang="fr-FR" sz="1400" dirty="0">
+                          <a:solidFill>
+                            <a:schemeClr val="bg1"/>
+                          </a:solidFill>
+                          <a:effectLst/>
+                        </a:rPr>
+                        <a:t>40.461</a:t>
+                      </a:r>
+                    </a:p>
+                  </a:txBody>
+                  <a:tcPr anchor="ctr">
+                    <a:solidFill>
+                      <a:schemeClr val="accent6">
+                        <a:lumMod val="40000"/>
+                        <a:lumOff val="60000"/>
+                      </a:schemeClr>
+                    </a:solidFill>
+                  </a:tcPr>
+                </a:tc>
+                <a:tc>
+                  <a:txBody>
+                    <a:bodyPr/>
+                    <a:lstStyle/>
+                    <a:p>
+                      <a:pPr algn="ctr" fontAlgn="base"/>
+                      <a:r>
+                        <a:rPr lang="fr-FR" sz="1100" dirty="0">
+                          <a:solidFill>
+                            <a:schemeClr val="bg1"/>
+                          </a:solidFill>
+                          <a:effectLst/>
+                        </a:rPr>
+                        <a:t>7.122</a:t>
+                      </a:r>
+                    </a:p>
+                  </a:txBody>
+                  <a:tcPr anchor="ctr">
+                    <a:solidFill>
+                      <a:schemeClr val="accent6">
+                        <a:lumMod val="40000"/>
+                        <a:lumOff val="60000"/>
+                      </a:schemeClr>
+                    </a:solidFill>
+                  </a:tcPr>
+                </a:tc>
+                <a:tc>
+                  <a:txBody>
+                    <a:bodyPr/>
+                    <a:lstStyle/>
+                    <a:p>
+                      <a:pPr algn="ctr" fontAlgn="base"/>
+                      <a:r>
+                        <a:rPr lang="fr-FR" sz="1400" dirty="0">
+                          <a:solidFill>
+                            <a:schemeClr val="bg1"/>
+                          </a:solidFill>
+                          <a:effectLst/>
+                        </a:rPr>
+                        <a:t>36.891</a:t>
+                      </a:r>
+                    </a:p>
+                  </a:txBody>
+                  <a:tcPr anchor="ctr">
+                    <a:solidFill>
+                      <a:schemeClr val="accent6">
+                        <a:lumMod val="40000"/>
+                        <a:lumOff val="60000"/>
+                      </a:schemeClr>
+                    </a:solidFill>
+                  </a:tcPr>
+                </a:tc>
+                <a:tc>
+                  <a:txBody>
+                    <a:bodyPr/>
+                    <a:lstStyle/>
+                    <a:p>
+                      <a:pPr algn="ctr" fontAlgn="base"/>
+                      <a:r>
+                        <a:rPr lang="fr-FR" sz="1100" dirty="0">
+                          <a:solidFill>
+                            <a:schemeClr val="bg1"/>
+                          </a:solidFill>
+                          <a:effectLst/>
+                        </a:rPr>
+                        <a:t>5.609</a:t>
+                      </a:r>
+                    </a:p>
+                  </a:txBody>
+                  <a:tcPr anchor="ctr">
+                    <a:solidFill>
+                      <a:schemeClr val="accent6">
+                        <a:lumMod val="40000"/>
+                        <a:lumOff val="60000"/>
+                      </a:schemeClr>
+                    </a:solidFill>
+                  </a:tcPr>
+                </a:tc>
+                <a:tc>
+                  <a:txBody>
+                    <a:bodyPr/>
+                    <a:lstStyle/>
+                    <a:p>
+                      <a:pPr algn="ctr" fontAlgn="base"/>
+                      <a:r>
+                        <a:rPr lang="fr-FR" sz="1400" dirty="0">
+                          <a:solidFill>
+                            <a:schemeClr val="bg1"/>
+                          </a:solidFill>
+                          <a:effectLst/>
+                        </a:rPr>
+                        <a:t>41.130</a:t>
+                      </a:r>
+                    </a:p>
+                  </a:txBody>
+                  <a:tcPr anchor="ctr">
+                    <a:solidFill>
+                      <a:schemeClr val="accent6">
+                        <a:lumMod val="40000"/>
+                        <a:lumOff val="60000"/>
+                      </a:schemeClr>
+                    </a:solidFill>
+                  </a:tcPr>
+                </a:tc>
+                <a:tc>
+                  <a:txBody>
+                    <a:bodyPr/>
+                    <a:lstStyle/>
+                    <a:p>
+                      <a:pPr algn="ctr" fontAlgn="base"/>
+                      <a:r>
+                        <a:rPr lang="fr-FR" sz="1100" dirty="0">
+                          <a:solidFill>
+                            <a:schemeClr val="bg1"/>
+                          </a:solidFill>
+                          <a:effectLst/>
+                        </a:rPr>
+                        <a:t>7.570</a:t>
+                      </a:r>
+                    </a:p>
+                  </a:txBody>
+                  <a:tcPr anchor="ctr">
+                    <a:solidFill>
+                      <a:schemeClr val="accent6">
+                        <a:lumMod val="40000"/>
+                        <a:lumOff val="60000"/>
+                      </a:schemeClr>
+                    </a:solidFill>
+                  </a:tcPr>
+                </a:tc>
+                <a:extLst>
+                  <a:ext uri="{0D108BD9-81ED-4DB2-BD59-A6C34878D82A}">
+                    <a16:rowId xmlns:a16="http://schemas.microsoft.com/office/drawing/2014/main" val="2207166277"/>
+                  </a:ext>
+                </a:extLst>
+              </a:tr>
+              <a:tr h="370840">
+                <a:tc>
+                  <a:txBody>
+                    <a:bodyPr/>
+                    <a:lstStyle/>
+                    <a:p>
+                      <a:pPr algn="ctr"/>
+                      <a:r>
+                        <a:rPr lang="fr-FR" sz="1600" dirty="0" err="1">
+                          <a:solidFill>
+                            <a:schemeClr val="bg1"/>
+                          </a:solidFill>
+                        </a:rPr>
+                        <a:t>Bdx</a:t>
+                      </a:r>
+                      <a:endParaRPr lang="fr-FR" sz="1600" dirty="0">
+                        <a:solidFill>
+                          <a:schemeClr val="bg1"/>
+                        </a:solidFill>
+                      </a:endParaRPr>
+                    </a:p>
+                  </a:txBody>
+                  <a:tcPr>
+                    <a:solidFill>
+                      <a:schemeClr val="accent6">
+                        <a:lumMod val="60000"/>
+                        <a:lumOff val="40000"/>
+                      </a:schemeClr>
+                    </a:solidFill>
+                  </a:tcPr>
+                </a:tc>
+                <a:tc>
+                  <a:txBody>
+                    <a:bodyPr/>
+                    <a:lstStyle/>
+                    <a:p>
+                      <a:pPr algn="ctr" fontAlgn="base"/>
+                      <a:r>
+                        <a:rPr lang="fr-FR" sz="1400" dirty="0">
+                          <a:solidFill>
+                            <a:schemeClr val="bg1"/>
+                          </a:solidFill>
+                          <a:effectLst/>
+                        </a:rPr>
+                        <a:t>34.700</a:t>
+                      </a:r>
+                    </a:p>
+                  </a:txBody>
+                  <a:tcPr anchor="ctr">
+                    <a:solidFill>
+                      <a:schemeClr val="accent6">
+                        <a:lumMod val="60000"/>
+                        <a:lumOff val="40000"/>
+                      </a:schemeClr>
+                    </a:solidFill>
+                  </a:tcPr>
+                </a:tc>
+                <a:tc>
+                  <a:txBody>
+                    <a:bodyPr/>
+                    <a:lstStyle/>
+                    <a:p>
+                      <a:pPr algn="ctr" fontAlgn="base"/>
+                      <a:r>
+                        <a:rPr lang="fr-FR" sz="1100" dirty="0">
+                          <a:solidFill>
+                            <a:schemeClr val="bg1"/>
+                          </a:solidFill>
+                          <a:effectLst/>
+                        </a:rPr>
+                        <a:t>4.799</a:t>
+                      </a:r>
+                    </a:p>
+                  </a:txBody>
+                  <a:tcPr anchor="ctr">
+                    <a:solidFill>
+                      <a:schemeClr val="accent6">
+                        <a:lumMod val="60000"/>
+                        <a:lumOff val="40000"/>
+                      </a:schemeClr>
+                    </a:solidFill>
+                  </a:tcPr>
+                </a:tc>
+                <a:tc>
+                  <a:txBody>
+                    <a:bodyPr/>
+                    <a:lstStyle/>
+                    <a:p>
+                      <a:pPr algn="ctr" fontAlgn="base"/>
+                      <a:r>
+                        <a:rPr lang="fr-FR" sz="1400" dirty="0">
+                          <a:solidFill>
+                            <a:schemeClr val="bg1"/>
+                          </a:solidFill>
+                          <a:effectLst/>
+                        </a:rPr>
+                        <a:t>37.759</a:t>
+                      </a:r>
+                    </a:p>
+                  </a:txBody>
+                  <a:tcPr anchor="ctr">
+                    <a:solidFill>
+                      <a:schemeClr val="accent6">
+                        <a:lumMod val="60000"/>
+                        <a:lumOff val="40000"/>
+                      </a:schemeClr>
+                    </a:solidFill>
+                  </a:tcPr>
+                </a:tc>
+                <a:tc>
+                  <a:txBody>
+                    <a:bodyPr/>
+                    <a:lstStyle/>
+                    <a:p>
+                      <a:pPr algn="ctr" fontAlgn="base"/>
+                      <a:r>
+                        <a:rPr lang="fr-FR" sz="1100" dirty="0">
+                          <a:solidFill>
+                            <a:schemeClr val="bg1"/>
+                          </a:solidFill>
+                          <a:effectLst/>
+                        </a:rPr>
+                        <a:t>4.772</a:t>
+                      </a:r>
+                    </a:p>
+                  </a:txBody>
+                  <a:tcPr anchor="ctr">
+                    <a:solidFill>
+                      <a:schemeClr val="accent6">
+                        <a:lumMod val="60000"/>
+                        <a:lumOff val="40000"/>
+                      </a:schemeClr>
+                    </a:solidFill>
+                  </a:tcPr>
+                </a:tc>
+                <a:tc>
+                  <a:txBody>
+                    <a:bodyPr/>
+                    <a:lstStyle/>
+                    <a:p>
+                      <a:pPr algn="ctr" fontAlgn="base"/>
+                      <a:r>
+                        <a:rPr lang="fr-FR" sz="1400" dirty="0">
+                          <a:solidFill>
+                            <a:schemeClr val="bg1"/>
+                          </a:solidFill>
+                          <a:effectLst/>
+                        </a:rPr>
+                        <a:t>35.294</a:t>
+                      </a:r>
+                    </a:p>
+                  </a:txBody>
+                  <a:tcPr anchor="ctr">
+                    <a:solidFill>
+                      <a:schemeClr val="accent6">
+                        <a:lumMod val="60000"/>
+                        <a:lumOff val="40000"/>
+                      </a:schemeClr>
+                    </a:solidFill>
+                  </a:tcPr>
+                </a:tc>
+                <a:tc>
+                  <a:txBody>
+                    <a:bodyPr/>
+                    <a:lstStyle/>
+                    <a:p>
+                      <a:pPr algn="ctr" fontAlgn="base"/>
+                      <a:r>
+                        <a:rPr lang="fr-FR" sz="1100" dirty="0">
+                          <a:solidFill>
+                            <a:schemeClr val="bg1"/>
+                          </a:solidFill>
+                          <a:effectLst/>
+                        </a:rPr>
+                        <a:t>5.031</a:t>
+                      </a:r>
+                    </a:p>
+                  </a:txBody>
+                  <a:tcPr anchor="ctr">
+                    <a:solidFill>
+                      <a:schemeClr val="accent6">
+                        <a:lumMod val="60000"/>
+                        <a:lumOff val="40000"/>
+                      </a:schemeClr>
+                    </a:solidFill>
+                  </a:tcPr>
+                </a:tc>
+                <a:tc>
+                  <a:txBody>
+                    <a:bodyPr/>
+                    <a:lstStyle/>
+                    <a:p>
+                      <a:pPr algn="ctr" fontAlgn="base"/>
+                      <a:r>
+                        <a:rPr lang="fr-FR" sz="1400" dirty="0">
+                          <a:solidFill>
+                            <a:schemeClr val="bg1"/>
+                          </a:solidFill>
+                          <a:effectLst/>
+                        </a:rPr>
+                        <a:t>37.632</a:t>
+                      </a:r>
+                    </a:p>
+                  </a:txBody>
+                  <a:tcPr anchor="ctr">
+                    <a:solidFill>
+                      <a:schemeClr val="accent6">
+                        <a:lumMod val="60000"/>
+                        <a:lumOff val="40000"/>
+                      </a:schemeClr>
+                    </a:solidFill>
+                  </a:tcPr>
+                </a:tc>
+                <a:tc>
+                  <a:txBody>
+                    <a:bodyPr/>
+                    <a:lstStyle/>
+                    <a:p>
+                      <a:pPr algn="ctr" fontAlgn="base"/>
+                      <a:r>
+                        <a:rPr lang="fr-FR" sz="1100" dirty="0">
+                          <a:solidFill>
+                            <a:schemeClr val="bg1"/>
+                          </a:solidFill>
+                          <a:effectLst/>
+                        </a:rPr>
+                        <a:t>4.908</a:t>
+                      </a:r>
+                    </a:p>
+                  </a:txBody>
+                  <a:tcPr anchor="ctr">
+                    <a:solidFill>
+                      <a:schemeClr val="accent6">
+                        <a:lumMod val="60000"/>
+                        <a:lumOff val="40000"/>
+                      </a:schemeClr>
+                    </a:solidFill>
+                  </a:tcPr>
+                </a:tc>
+                <a:extLst>
+                  <a:ext uri="{0D108BD9-81ED-4DB2-BD59-A6C34878D82A}">
+                    <a16:rowId xmlns:a16="http://schemas.microsoft.com/office/drawing/2014/main" val="1083475024"/>
+                  </a:ext>
+                </a:extLst>
+              </a:tr>
+              <a:tr h="370840">
+                <a:tc>
+                  <a:txBody>
+                    <a:bodyPr/>
+                    <a:lstStyle/>
+                    <a:p>
+                      <a:pPr algn="ctr"/>
+                      <a:r>
+                        <a:rPr lang="fr-FR" sz="1600" dirty="0" err="1">
+                          <a:solidFill>
+                            <a:schemeClr val="bg1"/>
+                          </a:solidFill>
+                        </a:rPr>
+                        <a:t>StE</a:t>
+                      </a:r>
+                      <a:endParaRPr lang="fr-FR" sz="1600" dirty="0">
+                        <a:solidFill>
+                          <a:schemeClr val="bg1"/>
+                        </a:solidFill>
+                      </a:endParaRPr>
+                    </a:p>
+                  </a:txBody>
+                  <a:tcPr>
+                    <a:solidFill>
+                      <a:schemeClr val="accent6">
+                        <a:lumMod val="75000"/>
+                      </a:schemeClr>
+                    </a:solidFill>
+                  </a:tcPr>
+                </a:tc>
+                <a:tc>
+                  <a:txBody>
+                    <a:bodyPr/>
+                    <a:lstStyle/>
+                    <a:p>
+                      <a:pPr algn="ctr" fontAlgn="base"/>
+                      <a:r>
+                        <a:rPr lang="fr-FR" sz="1400" dirty="0">
+                          <a:solidFill>
+                            <a:schemeClr val="bg1"/>
+                          </a:solidFill>
+                          <a:effectLst/>
+                        </a:rPr>
+                        <a:t>34.589</a:t>
+                      </a:r>
+                    </a:p>
+                  </a:txBody>
+                  <a:tcPr anchor="ctr">
+                    <a:solidFill>
+                      <a:schemeClr val="accent6">
+                        <a:lumMod val="75000"/>
+                      </a:schemeClr>
+                    </a:solidFill>
+                  </a:tcPr>
+                </a:tc>
+                <a:tc>
+                  <a:txBody>
+                    <a:bodyPr/>
+                    <a:lstStyle/>
+                    <a:p>
+                      <a:pPr algn="ctr" fontAlgn="base"/>
+                      <a:r>
+                        <a:rPr lang="fr-FR" sz="1100" dirty="0">
+                          <a:solidFill>
+                            <a:schemeClr val="bg1"/>
+                          </a:solidFill>
+                          <a:effectLst/>
+                        </a:rPr>
+                        <a:t>6.312</a:t>
+                      </a:r>
+                    </a:p>
+                  </a:txBody>
+                  <a:tcPr anchor="ctr">
+                    <a:solidFill>
+                      <a:schemeClr val="accent6">
+                        <a:lumMod val="75000"/>
+                      </a:schemeClr>
+                    </a:solidFill>
+                  </a:tcPr>
+                </a:tc>
+                <a:tc>
+                  <a:txBody>
+                    <a:bodyPr/>
+                    <a:lstStyle/>
+                    <a:p>
+                      <a:pPr algn="ctr" fontAlgn="base"/>
+                      <a:r>
+                        <a:rPr lang="fr-FR" sz="1400" dirty="0">
+                          <a:solidFill>
+                            <a:schemeClr val="bg1"/>
+                          </a:solidFill>
+                          <a:effectLst/>
+                        </a:rPr>
+                        <a:t>43.570</a:t>
+                      </a:r>
+                    </a:p>
+                  </a:txBody>
+                  <a:tcPr anchor="ctr">
+                    <a:solidFill>
+                      <a:schemeClr val="accent6">
+                        <a:lumMod val="75000"/>
+                      </a:schemeClr>
+                    </a:solidFill>
+                  </a:tcPr>
+                </a:tc>
+                <a:tc>
+                  <a:txBody>
+                    <a:bodyPr/>
+                    <a:lstStyle/>
+                    <a:p>
+                      <a:pPr algn="ctr" fontAlgn="base"/>
+                      <a:r>
+                        <a:rPr lang="fr-FR" sz="1100" dirty="0">
+                          <a:solidFill>
+                            <a:schemeClr val="bg1"/>
+                          </a:solidFill>
+                          <a:effectLst/>
+                        </a:rPr>
+                        <a:t>19.851</a:t>
+                      </a:r>
+                    </a:p>
+                  </a:txBody>
+                  <a:tcPr anchor="ctr">
+                    <a:solidFill>
+                      <a:schemeClr val="accent6">
+                        <a:lumMod val="75000"/>
+                      </a:schemeClr>
+                    </a:solidFill>
+                  </a:tcPr>
+                </a:tc>
+                <a:tc>
+                  <a:txBody>
+                    <a:bodyPr/>
+                    <a:lstStyle/>
+                    <a:p>
+                      <a:pPr algn="ctr" fontAlgn="base"/>
+                      <a:r>
+                        <a:rPr lang="fr-FR" sz="1400" dirty="0">
+                          <a:solidFill>
+                            <a:schemeClr val="bg1"/>
+                          </a:solidFill>
+                          <a:effectLst/>
+                        </a:rPr>
+                        <a:t>35.367</a:t>
+                      </a:r>
+                    </a:p>
+                  </a:txBody>
+                  <a:tcPr anchor="ctr">
+                    <a:solidFill>
+                      <a:schemeClr val="accent6">
+                        <a:lumMod val="75000"/>
+                      </a:schemeClr>
+                    </a:solidFill>
+                  </a:tcPr>
+                </a:tc>
+                <a:tc>
+                  <a:txBody>
+                    <a:bodyPr/>
+                    <a:lstStyle/>
+                    <a:p>
+                      <a:pPr algn="ctr" fontAlgn="base"/>
+                      <a:r>
+                        <a:rPr lang="fr-FR" sz="1100" dirty="0">
+                          <a:solidFill>
+                            <a:schemeClr val="bg1"/>
+                          </a:solidFill>
+                          <a:effectLst/>
+                        </a:rPr>
+                        <a:t>7.308</a:t>
+                      </a:r>
+                    </a:p>
+                  </a:txBody>
+                  <a:tcPr anchor="ctr">
+                    <a:solidFill>
+                      <a:schemeClr val="accent6">
+                        <a:lumMod val="75000"/>
+                      </a:schemeClr>
+                    </a:solidFill>
+                  </a:tcPr>
+                </a:tc>
+                <a:tc>
+                  <a:txBody>
+                    <a:bodyPr/>
+                    <a:lstStyle/>
+                    <a:p>
+                      <a:pPr algn="ctr" fontAlgn="base"/>
+                      <a:r>
+                        <a:rPr lang="fr-FR" sz="1400" dirty="0">
+                          <a:solidFill>
+                            <a:schemeClr val="bg1"/>
+                          </a:solidFill>
+                          <a:effectLst/>
+                        </a:rPr>
+                        <a:t>43.468</a:t>
+                      </a:r>
+                    </a:p>
+                  </a:txBody>
+                  <a:tcPr anchor="ctr">
+                    <a:solidFill>
+                      <a:schemeClr val="accent6">
+                        <a:lumMod val="75000"/>
+                      </a:schemeClr>
+                    </a:solidFill>
+                  </a:tcPr>
+                </a:tc>
+                <a:tc>
+                  <a:txBody>
+                    <a:bodyPr/>
+                    <a:lstStyle/>
+                    <a:p>
+                      <a:pPr algn="ctr" fontAlgn="base"/>
+                      <a:r>
+                        <a:rPr lang="fr-FR" sz="1100" dirty="0">
+                          <a:solidFill>
+                            <a:schemeClr val="bg1"/>
+                          </a:solidFill>
+                          <a:effectLst/>
+                        </a:rPr>
+                        <a:t>18.842</a:t>
+                      </a:r>
+                    </a:p>
+                  </a:txBody>
+                  <a:tcPr anchor="ctr">
+                    <a:solidFill>
+                      <a:schemeClr val="accent6">
+                        <a:lumMod val="75000"/>
+                      </a:schemeClr>
+                    </a:solidFill>
+                  </a:tcPr>
+                </a:tc>
+                <a:extLst>
+                  <a:ext uri="{0D108BD9-81ED-4DB2-BD59-A6C34878D82A}">
+                    <a16:rowId xmlns:a16="http://schemas.microsoft.com/office/drawing/2014/main" val="1118240960"/>
+                  </a:ext>
+                </a:extLst>
+              </a:tr>
+              <a:tr h="370840">
+                <a:tc>
+                  <a:txBody>
+                    <a:bodyPr/>
+                    <a:lstStyle/>
+                    <a:p>
+                      <a:pPr algn="ctr"/>
+                      <a:r>
+                        <a:rPr lang="fr-FR" sz="1600" dirty="0"/>
+                        <a:t>Ext</a:t>
+                      </a:r>
+                    </a:p>
+                  </a:txBody>
+                  <a:tcPr/>
+                </a:tc>
+                <a:tc>
+                  <a:txBody>
+                    <a:bodyPr/>
+                    <a:lstStyle/>
+                    <a:p>
+                      <a:pPr algn="ctr" fontAlgn="base"/>
+                      <a:r>
+                        <a:rPr lang="fr-FR" sz="1400" dirty="0">
+                          <a:solidFill>
+                            <a:srgbClr val="3D4449"/>
+                          </a:solidFill>
+                          <a:effectLst/>
+                        </a:rPr>
+                        <a:t>39.260</a:t>
+                      </a:r>
+                    </a:p>
+                  </a:txBody>
+                  <a:tcPr anchor="ctr"/>
+                </a:tc>
+                <a:tc>
+                  <a:txBody>
+                    <a:bodyPr/>
+                    <a:lstStyle/>
+                    <a:p>
+                      <a:pPr algn="ctr" fontAlgn="base"/>
+                      <a:r>
+                        <a:rPr lang="fr-FR" sz="1100" dirty="0">
+                          <a:solidFill>
+                            <a:srgbClr val="443597"/>
+                          </a:solidFill>
+                          <a:effectLst/>
+                        </a:rPr>
+                        <a:t>5.151</a:t>
+                      </a:r>
+                    </a:p>
+                  </a:txBody>
+                  <a:tcPr anchor="ctr"/>
+                </a:tc>
+                <a:tc>
+                  <a:txBody>
+                    <a:bodyPr/>
+                    <a:lstStyle/>
+                    <a:p>
+                      <a:pPr algn="ctr" fontAlgn="base"/>
+                      <a:r>
+                        <a:rPr lang="fr-FR" sz="1400" dirty="0">
+                          <a:solidFill>
+                            <a:srgbClr val="376E8B"/>
+                          </a:solidFill>
+                          <a:effectLst/>
+                        </a:rPr>
+                        <a:t>41.363</a:t>
+                      </a:r>
+                    </a:p>
+                  </a:txBody>
+                  <a:tcPr anchor="ctr"/>
+                </a:tc>
+                <a:tc>
+                  <a:txBody>
+                    <a:bodyPr/>
+                    <a:lstStyle/>
+                    <a:p>
+                      <a:pPr algn="ctr" fontAlgn="base"/>
+                      <a:r>
+                        <a:rPr lang="fr-FR" sz="1100" dirty="0">
+                          <a:solidFill>
+                            <a:srgbClr val="443597"/>
+                          </a:solidFill>
+                          <a:effectLst/>
+                        </a:rPr>
+                        <a:t>8.570</a:t>
+                      </a:r>
+                    </a:p>
+                  </a:txBody>
+                  <a:tcPr anchor="ctr"/>
+                </a:tc>
+                <a:tc>
+                  <a:txBody>
+                    <a:bodyPr/>
+                    <a:lstStyle/>
+                    <a:p>
+                      <a:pPr algn="ctr" fontAlgn="base"/>
+                      <a:r>
+                        <a:rPr lang="fr-FR" sz="1400" dirty="0">
+                          <a:solidFill>
+                            <a:srgbClr val="443597"/>
+                          </a:solidFill>
+                          <a:effectLst/>
+                        </a:rPr>
+                        <a:t>40.244</a:t>
+                      </a:r>
+                    </a:p>
+                  </a:txBody>
+                  <a:tcPr anchor="ctr"/>
+                </a:tc>
+                <a:tc>
+                  <a:txBody>
+                    <a:bodyPr/>
+                    <a:lstStyle/>
+                    <a:p>
+                      <a:pPr algn="ctr" fontAlgn="base"/>
+                      <a:r>
+                        <a:rPr lang="fr-FR" sz="1100" dirty="0">
+                          <a:solidFill>
+                            <a:srgbClr val="376E8B"/>
+                          </a:solidFill>
+                          <a:effectLst/>
+                        </a:rPr>
+                        <a:t>5.234</a:t>
+                      </a:r>
+                    </a:p>
+                  </a:txBody>
+                  <a:tcPr anchor="ctr"/>
+                </a:tc>
+                <a:tc>
+                  <a:txBody>
+                    <a:bodyPr/>
+                    <a:lstStyle/>
+                    <a:p>
+                      <a:pPr algn="ctr" fontAlgn="base"/>
+                      <a:r>
+                        <a:rPr lang="fr-FR" sz="1400" dirty="0">
+                          <a:solidFill>
+                            <a:srgbClr val="376E8B"/>
+                          </a:solidFill>
+                          <a:effectLst/>
+                        </a:rPr>
+                        <a:t>43.466</a:t>
+                      </a:r>
+                    </a:p>
+                  </a:txBody>
+                  <a:tcPr anchor="ctr"/>
+                </a:tc>
+                <a:tc>
+                  <a:txBody>
+                    <a:bodyPr/>
+                    <a:lstStyle/>
+                    <a:p>
+                      <a:pPr algn="ctr" fontAlgn="base"/>
+                      <a:r>
+                        <a:rPr lang="fr-FR" sz="1100" dirty="0">
+                          <a:solidFill>
+                            <a:srgbClr val="376E8B"/>
+                          </a:solidFill>
+                          <a:effectLst/>
+                        </a:rPr>
+                        <a:t>8.519</a:t>
+                      </a:r>
+                    </a:p>
+                  </a:txBody>
+                  <a:tcPr anchor="ctr"/>
+                </a:tc>
+                <a:extLst>
+                  <a:ext uri="{0D108BD9-81ED-4DB2-BD59-A6C34878D82A}">
+                    <a16:rowId xmlns:a16="http://schemas.microsoft.com/office/drawing/2014/main" val="1740952244"/>
+                  </a:ext>
+                </a:extLst>
+              </a:tr>
+            </a:tbl>
+          </a:graphicData>
+        </a:graphic>
+      </p:graphicFrame>
+      <p:sp>
+        <p:nvSpPr>
+          <p:cNvPr id="6" name="ZoneTexte 5">
+            <a:extLst>
+              <a:ext uri="{FF2B5EF4-FFF2-40B4-BE49-F238E27FC236}">
+                <a16:creationId xmlns:a16="http://schemas.microsoft.com/office/drawing/2014/main" id="{0AC61E4F-1680-5021-92E2-E49507832333}"/>
+              </a:ext>
+            </a:extLst>
+          </p:cNvPr>
+          <p:cNvSpPr txBox="1"/>
+          <p:nvPr/>
+        </p:nvSpPr>
+        <p:spPr>
+          <a:xfrm>
+            <a:off x="6488276" y="2922617"/>
+            <a:ext cx="1427017" cy="338554"/>
+          </a:xfrm>
+          <a:prstGeom prst="rect">
+            <a:avLst/>
+          </a:prstGeom>
+          <a:noFill/>
+        </p:spPr>
+        <p:txBody>
+          <a:bodyPr wrap="square">
+            <a:spAutoFit/>
+          </a:bodyPr>
+          <a:lstStyle/>
+          <a:p>
+            <a:r>
+              <a:rPr lang="fr-FR" b="1" dirty="0">
+                <a:solidFill>
+                  <a:srgbClr val="3D4449"/>
+                </a:solidFill>
+                <a:effectLst/>
+                <a:latin typeface="inherit"/>
+              </a:rPr>
+              <a:t>2020 à 2023 </a:t>
+            </a:r>
+            <a:endParaRPr lang="fr-FR" dirty="0"/>
+          </a:p>
+        </p:txBody>
+      </p:sp>
+      <p:sp>
+        <p:nvSpPr>
+          <p:cNvPr id="7" name="ZoneTexte 6">
+            <a:extLst>
+              <a:ext uri="{FF2B5EF4-FFF2-40B4-BE49-F238E27FC236}">
+                <a16:creationId xmlns:a16="http://schemas.microsoft.com/office/drawing/2014/main" id="{B7176433-821C-AB11-974C-E52C8FB197A7}"/>
+              </a:ext>
+            </a:extLst>
+          </p:cNvPr>
+          <p:cNvSpPr txBox="1"/>
+          <p:nvPr/>
+        </p:nvSpPr>
+        <p:spPr>
+          <a:xfrm>
+            <a:off x="2763164" y="2867231"/>
+            <a:ext cx="1427017" cy="338554"/>
+          </a:xfrm>
+          <a:prstGeom prst="rect">
+            <a:avLst/>
+          </a:prstGeom>
+          <a:noFill/>
+        </p:spPr>
+        <p:txBody>
+          <a:bodyPr wrap="square">
+            <a:spAutoFit/>
+          </a:bodyPr>
+          <a:lstStyle/>
+          <a:p>
+            <a:r>
+              <a:rPr lang="fr-FR" b="1" dirty="0">
+                <a:solidFill>
+                  <a:srgbClr val="3D4449"/>
+                </a:solidFill>
+                <a:effectLst/>
+                <a:latin typeface="inherit"/>
+              </a:rPr>
+              <a:t>2019 à 2022 </a:t>
+            </a:r>
+            <a:endParaRPr lang="fr-FR" dirty="0"/>
+          </a:p>
+        </p:txBody>
+      </p:sp>
+      <p:cxnSp>
+        <p:nvCxnSpPr>
+          <p:cNvPr id="10" name="Connecteur droit 9">
+            <a:extLst>
+              <a:ext uri="{FF2B5EF4-FFF2-40B4-BE49-F238E27FC236}">
+                <a16:creationId xmlns:a16="http://schemas.microsoft.com/office/drawing/2014/main" id="{158B0517-BEE1-2CC2-BC95-54D38CC7C1EF}"/>
+              </a:ext>
+            </a:extLst>
+          </p:cNvPr>
+          <p:cNvCxnSpPr>
+            <a:cxnSpLocks/>
+          </p:cNvCxnSpPr>
+          <p:nvPr/>
+        </p:nvCxnSpPr>
+        <p:spPr bwMode="auto">
+          <a:xfrm>
+            <a:off x="1655523" y="2922617"/>
+            <a:ext cx="0" cy="3080801"/>
+          </a:xfrm>
+          <a:prstGeom prst="line">
+            <a:avLst/>
+          </a:prstGeom>
+          <a:solidFill>
+            <a:schemeClr val="accent1"/>
+          </a:solidFill>
+          <a:ln w="25400" cap="flat" cmpd="sng" algn="ctr">
+            <a:solidFill>
+              <a:schemeClr val="tx1"/>
+            </a:solidFill>
+            <a:prstDash val="solid"/>
+            <a:round/>
+            <a:headEnd type="none" w="med" len="med"/>
+            <a:tailEnd type="none" w="med" len="med"/>
+          </a:ln>
+          <a:effectLst/>
+          <a:extLst>
+            <a:ext uri="{AF507438-7753-43e0-B8FC-AC1667EBCBE1}">
+              <a14:hiddenEffects xmlns="" xmlns:a14="http://schemas.microsoft.com/office/drawing/2010/main">
+                <a:effectLst>
+                  <a:outerShdw dist="35921" dir="2700000" algn="ctr" rotWithShape="0">
+                    <a:schemeClr val="bg2"/>
+                  </a:outerShdw>
+                </a:effectLst>
+              </a14:hiddenEffects>
+            </a:ext>
+          </a:extLst>
+        </p:spPr>
+      </p:cxnSp>
+      <p:cxnSp>
+        <p:nvCxnSpPr>
+          <p:cNvPr id="11" name="Connecteur droit 10">
+            <a:extLst>
+              <a:ext uri="{FF2B5EF4-FFF2-40B4-BE49-F238E27FC236}">
+                <a16:creationId xmlns:a16="http://schemas.microsoft.com/office/drawing/2014/main" id="{84FF355D-E1B2-E72B-9809-41CA2FB22316}"/>
+              </a:ext>
+            </a:extLst>
+          </p:cNvPr>
+          <p:cNvCxnSpPr>
+            <a:cxnSpLocks/>
+          </p:cNvCxnSpPr>
+          <p:nvPr/>
+        </p:nvCxnSpPr>
+        <p:spPr bwMode="auto">
+          <a:xfrm>
+            <a:off x="5067690" y="2922617"/>
+            <a:ext cx="0" cy="3080801"/>
+          </a:xfrm>
+          <a:prstGeom prst="line">
+            <a:avLst/>
+          </a:prstGeom>
+          <a:solidFill>
+            <a:schemeClr val="accent1"/>
+          </a:solidFill>
+          <a:ln w="25400" cap="flat" cmpd="sng" algn="ctr">
+            <a:solidFill>
+              <a:schemeClr val="tx1"/>
+            </a:solidFill>
+            <a:prstDash val="solid"/>
+            <a:round/>
+            <a:headEnd type="none" w="med" len="med"/>
+            <a:tailEnd type="none" w="med" len="med"/>
+          </a:ln>
+          <a:effectLst/>
+          <a:extLst>
+            <a:ext uri="{AF507438-7753-43e0-B8FC-AC1667EBCBE1}">
+              <a14:hiddenEffects xmlns="" xmlns:a14="http://schemas.microsoft.com/office/drawing/2010/main">
+                <a:effectLst>
+                  <a:outerShdw dist="35921" dir="2700000" algn="ctr" rotWithShape="0">
+                    <a:schemeClr val="bg2"/>
+                  </a:outerShdw>
+                </a:effectLst>
+              </a14:hiddenEffects>
+            </a:ext>
+          </a:extLst>
+        </p:spPr>
+      </p:cxnSp>
+    </p:spTree>
+    <p:extLst>
+      <p:ext uri="{BB962C8B-B14F-4D97-AF65-F5344CB8AC3E}">
+        <p14:creationId xmlns:p14="http://schemas.microsoft.com/office/powerpoint/2010/main" val="1382154032"/>
+      </p:ext>
+    </p:extLst>
+  </p:cSld>
+  <p:clrMapOvr>
+    <a:masterClrMapping/>
+  </p:clrMapOvr>
+</p:sld>
+</file>
+
+<file path=ppt/slides/slide18.xml><?xml version="1.0" encoding="utf-8"?>
+<p:sld xmlns:a="http://schemas.openxmlformats.org/drawingml/2006/main" xmlns:r="http://schemas.openxmlformats.org/officeDocument/2006/relationships" xmlns:p="http://schemas.openxmlformats.org/presentationml/2006/main">
+  <p:cSld>
+    <p:spTree>
+      <p:nvGrpSpPr>
+        <p:cNvPr id="1" name=""/>
+        <p:cNvGrpSpPr/>
+        <p:nvPr/>
+      </p:nvGrpSpPr>
+      <p:grpSpPr>
+        <a:xfrm>
+          <a:off x="0" y="0"/>
+          <a:ext cx="0" cy="0"/>
+          <a:chOff x="0" y="0"/>
+          <a:chExt cx="0" cy="0"/>
+        </a:xfrm>
+      </p:grpSpPr>
+      <p:sp>
+        <p:nvSpPr>
+          <p:cNvPr id="2" name="Titre 1">
+            <a:extLst>
+              <a:ext uri="{FF2B5EF4-FFF2-40B4-BE49-F238E27FC236}">
+                <a16:creationId xmlns:a16="http://schemas.microsoft.com/office/drawing/2014/main" id="{FAA161D5-927A-49ED-83AF-6D12A66FF712}"/>
+              </a:ext>
+            </a:extLst>
+          </p:cNvPr>
+          <p:cNvSpPr>
+            <a:spLocks noGrp="1"/>
+          </p:cNvSpPr>
+          <p:nvPr>
+            <p:ph type="title"/>
+          </p:nvPr>
+        </p:nvSpPr>
+        <p:spPr/>
+        <p:txBody>
+          <a:bodyPr/>
+          <a:lstStyle/>
+          <a:p>
+            <a:pPr>
+              <a:defRPr/>
+            </a:pPr>
+            <a:r>
+              <a:rPr lang="fr-FR" sz="2800" dirty="0"/>
+              <a:t>Enquête CGE / Cumul</a:t>
+            </a:r>
+          </a:p>
+        </p:txBody>
+      </p:sp>
+      <p:sp>
+        <p:nvSpPr>
+          <p:cNvPr id="6147" name="Espace réservé du contenu 2">
+            <a:extLst>
+              <a:ext uri="{FF2B5EF4-FFF2-40B4-BE49-F238E27FC236}">
+                <a16:creationId xmlns:a16="http://schemas.microsoft.com/office/drawing/2014/main" id="{458254A6-099B-4E75-907C-19CA1B94B253}"/>
+              </a:ext>
+            </a:extLst>
+          </p:cNvPr>
+          <p:cNvSpPr>
+            <a:spLocks noGrp="1" noChangeArrowheads="1"/>
+          </p:cNvSpPr>
+          <p:nvPr>
+            <p:ph idx="1"/>
+          </p:nvPr>
+        </p:nvSpPr>
+        <p:spPr>
+          <a:xfrm>
+            <a:off x="447675" y="1600200"/>
+            <a:ext cx="8229600" cy="1554480"/>
+          </a:xfrm>
+        </p:spPr>
+        <p:txBody>
+          <a:bodyPr/>
+          <a:lstStyle/>
+          <a:p>
+            <a:r>
+              <a:rPr lang="fr-FR" altLang="fr-FR" sz="2000" b="1" dirty="0">
+                <a:solidFill>
+                  <a:srgbClr val="EF553B"/>
+                </a:solidFill>
+                <a:ea typeface="ＭＳ Ｐゴシック" panose="020B0600070205080204" pitchFamily="34" charset="-128"/>
+              </a:rPr>
+              <a:t>Cumul de 2019 à 2022 / 2020 à 2023 </a:t>
+            </a:r>
+          </a:p>
+          <a:p>
+            <a:r>
+              <a:rPr lang="fr-FR" altLang="fr-FR" sz="2000" b="1" dirty="0">
+                <a:solidFill>
+                  <a:srgbClr val="EF553B"/>
+                </a:solidFill>
+                <a:ea typeface="ＭＳ Ｐゴシック" panose="020B0600070205080204" pitchFamily="34" charset="-128"/>
+              </a:rPr>
+              <a:t>Salaires moyens (hors primes / bruts) en France / Filières</a:t>
+            </a:r>
+          </a:p>
+        </p:txBody>
+      </p:sp>
+      <p:pic>
+        <p:nvPicPr>
+          <p:cNvPr id="6148" name="Picture 2" descr="upright=Article à illustrer Organisation">
+            <a:extLst>
+              <a:ext uri="{FF2B5EF4-FFF2-40B4-BE49-F238E27FC236}">
+                <a16:creationId xmlns:a16="http://schemas.microsoft.com/office/drawing/2014/main" id="{105BE698-E40C-4415-A9DF-F8680D1DF607}"/>
+              </a:ext>
+            </a:extLst>
+          </p:cNvPr>
+          <p:cNvPicPr>
+            <a:picLocks noChangeAspect="1" noChangeArrowheads="1"/>
+          </p:cNvPicPr>
+          <p:nvPr/>
+        </p:nvPicPr>
+        <p:blipFill>
+          <a:blip r:embed="rId2">
+            <a:extLst>
+              <a:ext uri="{28A0092B-C50C-407E-A947-70E740481C1C}">
+                <a14:useLocalDpi xmlns:a14="http://schemas.microsoft.com/office/drawing/2010/main" val="0"/>
+              </a:ext>
+            </a:extLst>
+          </a:blip>
+          <a:srcRect/>
+          <a:stretch>
+            <a:fillRect/>
+          </a:stretch>
+        </p:blipFill>
+        <p:spPr bwMode="auto">
+          <a:xfrm>
+            <a:off x="7766050" y="892175"/>
+            <a:ext cx="1157288" cy="384175"/>
+          </a:xfrm>
+          <a:prstGeom prst="rect">
+            <a:avLst/>
+          </a:prstGeom>
+          <a:noFill/>
+          <a:ln>
+            <a:noFill/>
+          </a:ln>
+          <a:extLst>
+            <a:ext uri="{909E8E84-426E-40DD-AFC4-6F175D3DCCD1}">
+              <a14:hiddenFill xmlns:a14="http://schemas.microsoft.com/office/drawing/2010/main">
+                <a:solidFill>
+                  <a:srgbClr val="FFFFFF"/>
+                </a:solidFill>
+              </a14:hiddenFill>
+            </a:ext>
+            <a:ext uri="{91240B29-F687-4F45-9708-019B960494DF}">
+              <a14:hiddenLine xmlns:a14="http://schemas.microsoft.com/office/drawing/2010/main" w="9525">
+                <a:solidFill>
+                  <a:srgbClr val="000000"/>
+                </a:solidFill>
+                <a:miter lim="800000"/>
+                <a:headEnd/>
+                <a:tailEnd/>
+              </a14:hiddenLine>
+            </a:ext>
+          </a:extLst>
+        </p:spPr>
+      </p:pic>
+      <p:sp>
+        <p:nvSpPr>
+          <p:cNvPr id="3" name="ZoneTexte 2">
+            <a:extLst>
+              <a:ext uri="{FF2B5EF4-FFF2-40B4-BE49-F238E27FC236}">
+                <a16:creationId xmlns:a16="http://schemas.microsoft.com/office/drawing/2014/main" id="{76C5E635-ACF0-A360-2BA1-1AD1AB1E7A21}"/>
+              </a:ext>
+            </a:extLst>
+          </p:cNvPr>
+          <p:cNvSpPr txBox="1"/>
+          <p:nvPr/>
+        </p:nvSpPr>
+        <p:spPr>
+          <a:xfrm rot="16200000">
+            <a:off x="-2330100" y="3437334"/>
+            <a:ext cx="4998749" cy="338554"/>
+          </a:xfrm>
+          <a:prstGeom prst="rect">
+            <a:avLst/>
+          </a:prstGeom>
+          <a:solidFill>
+            <a:srgbClr val="EF553B"/>
+          </a:solidFill>
+        </p:spPr>
+        <p:txBody>
+          <a:bodyPr wrap="square" rtlCol="0">
+            <a:spAutoFit/>
+          </a:bodyPr>
+          <a:lstStyle/>
+          <a:p>
+            <a:r>
+              <a:rPr lang="fr-FR" dirty="0">
+                <a:solidFill>
+                  <a:schemeClr val="bg1"/>
+                </a:solidFill>
+              </a:rPr>
+              <a:t>Enquête CGE / Cumul</a:t>
+            </a:r>
+          </a:p>
+        </p:txBody>
+      </p:sp>
+      <p:sp>
+        <p:nvSpPr>
+          <p:cNvPr id="9" name="ZoneTexte 8">
+            <a:extLst>
+              <a:ext uri="{FF2B5EF4-FFF2-40B4-BE49-F238E27FC236}">
+                <a16:creationId xmlns:a16="http://schemas.microsoft.com/office/drawing/2014/main" id="{607FEABF-F1C9-7143-AA31-45A4A932AF8A}"/>
+              </a:ext>
+            </a:extLst>
+          </p:cNvPr>
+          <p:cNvSpPr txBox="1"/>
+          <p:nvPr/>
+        </p:nvSpPr>
+        <p:spPr>
+          <a:xfrm>
+            <a:off x="3821018" y="807154"/>
+            <a:ext cx="3720890" cy="600164"/>
+          </a:xfrm>
+          <a:prstGeom prst="rect">
+            <a:avLst/>
+          </a:prstGeom>
+          <a:noFill/>
+        </p:spPr>
+        <p:txBody>
+          <a:bodyPr wrap="none" rtlCol="0">
+            <a:spAutoFit/>
+          </a:bodyPr>
+          <a:lstStyle/>
+          <a:p>
+            <a:r>
+              <a:rPr lang="fr-FR" sz="1100" b="1" dirty="0">
+                <a:solidFill>
+                  <a:srgbClr val="002060"/>
+                </a:solidFill>
+              </a:rPr>
+              <a:t>Comparaison avec résultats nationaux :</a:t>
+            </a:r>
+          </a:p>
+          <a:p>
+            <a:pPr marL="285750" indent="-285750">
+              <a:buFontTx/>
+              <a:buChar char="-"/>
+            </a:pPr>
+            <a:r>
+              <a:rPr lang="fr-FR" sz="1100" dirty="0">
+                <a:solidFill>
+                  <a:srgbClr val="002060"/>
+                </a:solidFill>
+              </a:rPr>
+              <a:t>hypothèse : nombre quasi constant de répondant.es</a:t>
+            </a:r>
+          </a:p>
+          <a:p>
+            <a:pPr marL="285750" indent="-285750">
+              <a:buFontTx/>
+              <a:buChar char="-"/>
+            </a:pPr>
+            <a:r>
+              <a:rPr lang="fr-FR" sz="1100" i="1" dirty="0">
+                <a:solidFill>
+                  <a:srgbClr val="002060"/>
+                </a:solidFill>
+              </a:rPr>
+              <a:t>Calcul : somme des moyennes / nombre années</a:t>
+            </a:r>
+          </a:p>
+        </p:txBody>
+      </p:sp>
+      <p:sp>
+        <p:nvSpPr>
+          <p:cNvPr id="4" name="ZoneTexte 3">
+            <a:extLst>
+              <a:ext uri="{FF2B5EF4-FFF2-40B4-BE49-F238E27FC236}">
+                <a16:creationId xmlns:a16="http://schemas.microsoft.com/office/drawing/2014/main" id="{250399CC-6EB5-CF04-B8BD-CB9EFD4A444B}"/>
+              </a:ext>
+            </a:extLst>
+          </p:cNvPr>
+          <p:cNvSpPr txBox="1"/>
+          <p:nvPr/>
+        </p:nvSpPr>
+        <p:spPr>
+          <a:xfrm rot="20218656">
+            <a:off x="5848287" y="5774122"/>
+            <a:ext cx="2184137" cy="461665"/>
+          </a:xfrm>
+          <a:prstGeom prst="rect">
+            <a:avLst/>
+          </a:prstGeom>
+          <a:solidFill>
+            <a:srgbClr val="5B277D"/>
+          </a:solidFill>
+        </p:spPr>
+        <p:txBody>
+          <a:bodyPr wrap="square" rtlCol="0">
+            <a:spAutoFit/>
+          </a:bodyPr>
+          <a:lstStyle/>
+          <a:p>
+            <a:pPr algn="ctr"/>
+            <a:r>
+              <a:rPr lang="fr-FR" sz="2400" b="1" dirty="0">
+                <a:solidFill>
+                  <a:schemeClr val="bg1"/>
+                </a:solidFill>
+              </a:rPr>
+              <a:t>A MODIFIER</a:t>
+            </a:r>
+          </a:p>
+        </p:txBody>
+      </p:sp>
+      <p:graphicFrame>
+        <p:nvGraphicFramePr>
+          <p:cNvPr id="5" name="Tableau 4">
+            <a:extLst>
+              <a:ext uri="{FF2B5EF4-FFF2-40B4-BE49-F238E27FC236}">
+                <a16:creationId xmlns:a16="http://schemas.microsoft.com/office/drawing/2014/main" id="{7EF39735-256B-FECE-10A1-6885D08243D0}"/>
+              </a:ext>
+            </a:extLst>
+          </p:cNvPr>
+          <p:cNvGraphicFramePr>
+            <a:graphicFrameLocks noGrp="1"/>
+          </p:cNvGraphicFramePr>
+          <p:nvPr/>
+        </p:nvGraphicFramePr>
+        <p:xfrm>
+          <a:off x="813074" y="3199258"/>
+          <a:ext cx="7667046" cy="2595880"/>
+        </p:xfrm>
+        <a:graphic>
+          <a:graphicData uri="http://schemas.openxmlformats.org/drawingml/2006/table">
+            <a:tbl>
+              <a:tblPr firstRow="1" bandRow="1">
+                <a:tableStyleId>{21E4AEA4-8DFA-4A89-87EB-49C32662AFE0}</a:tableStyleId>
+              </a:tblPr>
+              <a:tblGrid>
+                <a:gridCol w="851894">
+                  <a:extLst>
+                    <a:ext uri="{9D8B030D-6E8A-4147-A177-3AD203B41FA5}">
+                      <a16:colId xmlns:a16="http://schemas.microsoft.com/office/drawing/2014/main" val="2053038476"/>
+                    </a:ext>
+                  </a:extLst>
+                </a:gridCol>
+                <a:gridCol w="851894">
+                  <a:extLst>
+                    <a:ext uri="{9D8B030D-6E8A-4147-A177-3AD203B41FA5}">
+                      <a16:colId xmlns:a16="http://schemas.microsoft.com/office/drawing/2014/main" val="3832746835"/>
+                    </a:ext>
+                  </a:extLst>
+                </a:gridCol>
+                <a:gridCol w="851894">
+                  <a:extLst>
+                    <a:ext uri="{9D8B030D-6E8A-4147-A177-3AD203B41FA5}">
+                      <a16:colId xmlns:a16="http://schemas.microsoft.com/office/drawing/2014/main" val="4009216877"/>
+                    </a:ext>
+                  </a:extLst>
+                </a:gridCol>
+                <a:gridCol w="851894">
+                  <a:extLst>
+                    <a:ext uri="{9D8B030D-6E8A-4147-A177-3AD203B41FA5}">
+                      <a16:colId xmlns:a16="http://schemas.microsoft.com/office/drawing/2014/main" val="3856658833"/>
+                    </a:ext>
+                  </a:extLst>
+                </a:gridCol>
+                <a:gridCol w="851894">
+                  <a:extLst>
+                    <a:ext uri="{9D8B030D-6E8A-4147-A177-3AD203B41FA5}">
+                      <a16:colId xmlns:a16="http://schemas.microsoft.com/office/drawing/2014/main" val="1457748498"/>
+                    </a:ext>
+                  </a:extLst>
+                </a:gridCol>
+                <a:gridCol w="851894">
+                  <a:extLst>
+                    <a:ext uri="{9D8B030D-6E8A-4147-A177-3AD203B41FA5}">
+                      <a16:colId xmlns:a16="http://schemas.microsoft.com/office/drawing/2014/main" val="3308663209"/>
+                    </a:ext>
+                  </a:extLst>
+                </a:gridCol>
+                <a:gridCol w="851894">
+                  <a:extLst>
+                    <a:ext uri="{9D8B030D-6E8A-4147-A177-3AD203B41FA5}">
+                      <a16:colId xmlns:a16="http://schemas.microsoft.com/office/drawing/2014/main" val="2294340571"/>
+                    </a:ext>
+                  </a:extLst>
+                </a:gridCol>
+                <a:gridCol w="851894">
+                  <a:extLst>
+                    <a:ext uri="{9D8B030D-6E8A-4147-A177-3AD203B41FA5}">
+                      <a16:colId xmlns:a16="http://schemas.microsoft.com/office/drawing/2014/main" val="1745590413"/>
+                    </a:ext>
+                  </a:extLst>
+                </a:gridCol>
+                <a:gridCol w="851894">
+                  <a:extLst>
+                    <a:ext uri="{9D8B030D-6E8A-4147-A177-3AD203B41FA5}">
+                      <a16:colId xmlns:a16="http://schemas.microsoft.com/office/drawing/2014/main" val="2755484775"/>
+                    </a:ext>
+                  </a:extLst>
+                </a:gridCol>
+              </a:tblGrid>
+              <a:tr h="370840">
+                <a:tc>
+                  <a:txBody>
+                    <a:bodyPr/>
+                    <a:lstStyle/>
+                    <a:p>
+                      <a:pPr algn="ctr"/>
+                      <a:r>
+                        <a:rPr lang="fr-FR" sz="1400" dirty="0"/>
+                        <a:t>Sites</a:t>
+                      </a:r>
+                    </a:p>
+                  </a:txBody>
+                  <a:tcPr/>
+                </a:tc>
+                <a:tc>
+                  <a:txBody>
+                    <a:bodyPr/>
+                    <a:lstStyle/>
+                    <a:p>
+                      <a:pPr algn="ctr"/>
+                      <a:r>
+                        <a:rPr lang="fr-FR" sz="1400" dirty="0"/>
+                        <a:t>N-1</a:t>
+                      </a:r>
+                    </a:p>
+                  </a:txBody>
+                  <a:tcPr/>
+                </a:tc>
+                <a:tc>
+                  <a:txBody>
+                    <a:bodyPr/>
+                    <a:lstStyle/>
+                    <a:p>
+                      <a:pPr algn="ctr"/>
+                      <a:r>
+                        <a:rPr lang="fr-FR" sz="1400" dirty="0" err="1"/>
+                        <a:t>Ec.Ty</a:t>
+                      </a:r>
+                      <a:r>
+                        <a:rPr lang="fr-FR" sz="1400" dirty="0"/>
+                        <a:t>.</a:t>
+                      </a:r>
+                    </a:p>
+                  </a:txBody>
+                  <a:tcPr/>
+                </a:tc>
+                <a:tc>
+                  <a:txBody>
+                    <a:bodyPr/>
+                    <a:lstStyle/>
+                    <a:p>
+                      <a:pPr algn="ctr"/>
+                      <a:r>
+                        <a:rPr lang="fr-FR" sz="1400" dirty="0"/>
+                        <a:t>N-3</a:t>
+                      </a:r>
+                    </a:p>
+                  </a:txBody>
+                  <a:tcPr/>
+                </a:tc>
+                <a:tc>
+                  <a:txBody>
+                    <a:bodyPr/>
+                    <a:lstStyle/>
+                    <a:p>
+                      <a:pPr algn="ctr"/>
+                      <a:r>
+                        <a:rPr lang="fr-FR" sz="1400" dirty="0" err="1"/>
+                        <a:t>Ec.Ty</a:t>
+                      </a:r>
+                      <a:r>
+                        <a:rPr lang="fr-FR" sz="1400" dirty="0"/>
+                        <a:t>.</a:t>
+                      </a:r>
+                    </a:p>
+                  </a:txBody>
+                  <a:tcPr/>
+                </a:tc>
+                <a:tc>
+                  <a:txBody>
+                    <a:bodyPr/>
+                    <a:lstStyle/>
+                    <a:p>
+                      <a:pPr algn="ctr"/>
+                      <a:endParaRPr lang="fr-FR" sz="1400" dirty="0"/>
+                    </a:p>
+                  </a:txBody>
+                  <a:tcPr/>
+                </a:tc>
+                <a:tc>
+                  <a:txBody>
+                    <a:bodyPr/>
+                    <a:lstStyle/>
+                    <a:p>
+                      <a:pPr algn="ctr"/>
+                      <a:endParaRPr lang="fr-FR" sz="1050" dirty="0"/>
+                    </a:p>
+                  </a:txBody>
+                  <a:tcPr/>
+                </a:tc>
+                <a:tc>
+                  <a:txBody>
+                    <a:bodyPr/>
+                    <a:lstStyle/>
+                    <a:p>
+                      <a:pPr algn="ctr"/>
+                      <a:endParaRPr lang="fr-FR" sz="1050" dirty="0"/>
+                    </a:p>
+                  </a:txBody>
+                  <a:tcPr/>
+                </a:tc>
+                <a:tc>
+                  <a:txBody>
+                    <a:bodyPr/>
+                    <a:lstStyle/>
+                    <a:p>
+                      <a:pPr algn="ctr"/>
+                      <a:endParaRPr lang="fr-FR" sz="1050" dirty="0"/>
+                    </a:p>
+                  </a:txBody>
+                  <a:tcPr/>
+                </a:tc>
+                <a:extLst>
+                  <a:ext uri="{0D108BD9-81ED-4DB2-BD59-A6C34878D82A}">
+                    <a16:rowId xmlns:a16="http://schemas.microsoft.com/office/drawing/2014/main" val="3899797023"/>
+                  </a:ext>
+                </a:extLst>
+              </a:tr>
+              <a:tr h="370840">
+                <a:tc>
+                  <a:txBody>
+                    <a:bodyPr/>
+                    <a:lstStyle/>
+                    <a:p>
+                      <a:pPr algn="ctr"/>
+                      <a:r>
+                        <a:rPr lang="fr-FR" sz="1600" dirty="0"/>
+                        <a:t>CGE</a:t>
+                      </a:r>
+                    </a:p>
+                  </a:txBody>
+                  <a:tcPr/>
+                </a:tc>
+                <a:tc>
+                  <a:txBody>
+                    <a:bodyPr/>
+                    <a:lstStyle/>
+                    <a:p>
+                      <a:pPr algn="ctr" fontAlgn="base"/>
+                      <a:r>
+                        <a:rPr lang="fr-FR" sz="1400" dirty="0">
+                          <a:solidFill>
+                            <a:srgbClr val="3D4449"/>
+                          </a:solidFill>
+                          <a:effectLst/>
+                        </a:rPr>
+                        <a:t>35.978</a:t>
+                      </a:r>
+                    </a:p>
+                  </a:txBody>
+                  <a:tcPr anchor="ctr"/>
+                </a:tc>
+                <a:tc>
+                  <a:txBody>
+                    <a:bodyPr/>
+                    <a:lstStyle/>
+                    <a:p>
+                      <a:pPr algn="ctr" fontAlgn="base"/>
+                      <a:endParaRPr lang="fr-FR" sz="1400" dirty="0">
+                        <a:solidFill>
+                          <a:srgbClr val="443597"/>
+                        </a:solidFill>
+                        <a:effectLst/>
+                      </a:endParaRPr>
+                    </a:p>
+                  </a:txBody>
+                  <a:tcPr anchor="ctr"/>
+                </a:tc>
+                <a:tc>
+                  <a:txBody>
+                    <a:bodyPr/>
+                    <a:lstStyle/>
+                    <a:p>
+                      <a:pPr algn="ctr" fontAlgn="base"/>
+                      <a:r>
+                        <a:rPr lang="fr-FR" sz="1400" dirty="0">
+                          <a:solidFill>
+                            <a:srgbClr val="443597"/>
+                          </a:solidFill>
+                          <a:effectLst/>
+                        </a:rPr>
+                        <a:t>38.419</a:t>
+                      </a:r>
+                    </a:p>
+                  </a:txBody>
+                  <a:tcPr anchor="ctr"/>
+                </a:tc>
+                <a:tc>
+                  <a:txBody>
+                    <a:bodyPr/>
+                    <a:lstStyle/>
+                    <a:p>
+                      <a:pPr algn="ctr" fontAlgn="base"/>
+                      <a:endParaRPr lang="fr-FR" sz="1400" dirty="0">
+                        <a:solidFill>
+                          <a:srgbClr val="443597"/>
+                        </a:solidFill>
+                        <a:effectLst/>
+                      </a:endParaRPr>
+                    </a:p>
+                  </a:txBody>
+                  <a:tcPr anchor="ctr"/>
+                </a:tc>
+                <a:tc>
+                  <a:txBody>
+                    <a:bodyPr/>
+                    <a:lstStyle/>
+                    <a:p>
+                      <a:pPr algn="ctr" fontAlgn="base"/>
+                      <a:r>
+                        <a:rPr lang="fr-FR" sz="1400" dirty="0">
+                          <a:solidFill>
+                            <a:srgbClr val="3D4449"/>
+                          </a:solidFill>
+                          <a:effectLst/>
+                        </a:rPr>
+                        <a:t>35.978</a:t>
+                      </a:r>
+                    </a:p>
+                  </a:txBody>
+                  <a:tcPr anchor="ctr"/>
+                </a:tc>
+                <a:tc>
+                  <a:txBody>
+                    <a:bodyPr/>
+                    <a:lstStyle/>
+                    <a:p>
+                      <a:pPr algn="ctr" fontAlgn="base"/>
+                      <a:endParaRPr lang="fr-FR" sz="1400" dirty="0">
+                        <a:solidFill>
+                          <a:srgbClr val="443597"/>
+                        </a:solidFill>
+                        <a:effectLst/>
+                      </a:endParaRPr>
+                    </a:p>
+                  </a:txBody>
+                  <a:tcPr anchor="ctr"/>
+                </a:tc>
+                <a:tc>
+                  <a:txBody>
+                    <a:bodyPr/>
+                    <a:lstStyle/>
+                    <a:p>
+                      <a:pPr algn="ctr" fontAlgn="base"/>
+                      <a:r>
+                        <a:rPr lang="fr-FR" sz="1400" dirty="0">
+                          <a:solidFill>
+                            <a:srgbClr val="443597"/>
+                          </a:solidFill>
+                          <a:effectLst/>
+                        </a:rPr>
+                        <a:t>38.419</a:t>
+                      </a:r>
+                    </a:p>
+                  </a:txBody>
+                  <a:tcPr anchor="ctr"/>
+                </a:tc>
+                <a:tc>
+                  <a:txBody>
+                    <a:bodyPr/>
+                    <a:lstStyle/>
+                    <a:p>
+                      <a:pPr algn="ctr" fontAlgn="base"/>
+                      <a:endParaRPr lang="fr-FR" sz="1400" dirty="0">
+                        <a:solidFill>
+                          <a:srgbClr val="443597"/>
+                        </a:solidFill>
+                        <a:effectLst/>
+                      </a:endParaRPr>
+                    </a:p>
+                  </a:txBody>
+                  <a:tcPr anchor="ctr"/>
+                </a:tc>
+                <a:extLst>
+                  <a:ext uri="{0D108BD9-81ED-4DB2-BD59-A6C34878D82A}">
+                    <a16:rowId xmlns:a16="http://schemas.microsoft.com/office/drawing/2014/main" val="952767304"/>
+                  </a:ext>
+                </a:extLst>
+              </a:tr>
+              <a:tr h="370840">
+                <a:tc>
+                  <a:txBody>
+                    <a:bodyPr/>
+                    <a:lstStyle/>
+                    <a:p>
+                      <a:pPr algn="ctr"/>
+                      <a:r>
+                        <a:rPr lang="fr-FR" b="1" dirty="0" err="1"/>
+                        <a:t>Ens</a:t>
+                      </a:r>
+                      <a:r>
+                        <a:rPr lang="fr-FR" b="1" dirty="0"/>
+                        <a:t>.</a:t>
+                      </a:r>
+                    </a:p>
+                  </a:txBody>
+                  <a:tcPr/>
+                </a:tc>
+                <a:tc>
+                  <a:txBody>
+                    <a:bodyPr/>
+                    <a:lstStyle/>
+                    <a:p>
+                      <a:pPr algn="ctr" fontAlgn="base"/>
+                      <a:r>
+                        <a:rPr lang="fr-FR" sz="1600" b="1" dirty="0">
+                          <a:effectLst/>
+                        </a:rPr>
+                        <a:t>36.739</a:t>
+                      </a:r>
+                    </a:p>
+                  </a:txBody>
+                  <a:tcPr anchor="ctr"/>
+                </a:tc>
+                <a:tc>
+                  <a:txBody>
+                    <a:bodyPr/>
+                    <a:lstStyle/>
+                    <a:p>
+                      <a:pPr algn="ctr" fontAlgn="base"/>
+                      <a:r>
+                        <a:rPr lang="fr-FR" sz="1200" b="1" dirty="0">
+                          <a:effectLst/>
+                        </a:rPr>
+                        <a:t>5.952</a:t>
+                      </a:r>
+                      <a:endParaRPr lang="fr-FR" sz="1600" b="1" dirty="0">
+                        <a:effectLst/>
+                      </a:endParaRPr>
+                    </a:p>
+                  </a:txBody>
+                  <a:tcPr anchor="ctr"/>
+                </a:tc>
+                <a:tc>
+                  <a:txBody>
+                    <a:bodyPr/>
+                    <a:lstStyle/>
+                    <a:p>
+                      <a:pPr algn="ctr" fontAlgn="base"/>
+                      <a:r>
+                        <a:rPr lang="fr-FR" sz="1600" b="1" dirty="0">
+                          <a:effectLst/>
+                        </a:rPr>
+                        <a:t>41.223</a:t>
+                      </a:r>
+                    </a:p>
+                  </a:txBody>
+                  <a:tcPr anchor="ctr"/>
+                </a:tc>
+                <a:tc>
+                  <a:txBody>
+                    <a:bodyPr/>
+                    <a:lstStyle/>
+                    <a:p>
+                      <a:pPr algn="ctr" fontAlgn="base"/>
+                      <a:r>
+                        <a:rPr lang="fr-FR" sz="1200" b="1" dirty="0">
+                          <a:effectLst/>
+                        </a:rPr>
+                        <a:t>10.035</a:t>
+                      </a:r>
+                      <a:endParaRPr lang="fr-FR" sz="1600" b="1" dirty="0">
+                        <a:effectLst/>
+                      </a:endParaRPr>
+                    </a:p>
+                  </a:txBody>
+                  <a:tcPr anchor="ctr"/>
+                </a:tc>
+                <a:tc>
+                  <a:txBody>
+                    <a:bodyPr/>
+                    <a:lstStyle/>
+                    <a:p>
+                      <a:pPr algn="ctr" fontAlgn="base"/>
+                      <a:r>
+                        <a:rPr lang="fr-FR" sz="1600" b="1" dirty="0">
+                          <a:effectLst/>
+                        </a:rPr>
+                        <a:t>36.739</a:t>
+                      </a:r>
+                    </a:p>
+                  </a:txBody>
+                  <a:tcPr anchor="ctr"/>
+                </a:tc>
+                <a:tc>
+                  <a:txBody>
+                    <a:bodyPr/>
+                    <a:lstStyle/>
+                    <a:p>
+                      <a:pPr algn="ctr" fontAlgn="base"/>
+                      <a:r>
+                        <a:rPr lang="fr-FR" sz="1200" b="1" dirty="0">
+                          <a:effectLst/>
+                        </a:rPr>
+                        <a:t>5.952</a:t>
+                      </a:r>
+                      <a:endParaRPr lang="fr-FR" sz="1600" b="1" dirty="0">
+                        <a:effectLst/>
+                      </a:endParaRPr>
+                    </a:p>
+                  </a:txBody>
+                  <a:tcPr anchor="ctr"/>
+                </a:tc>
+                <a:tc>
+                  <a:txBody>
+                    <a:bodyPr/>
+                    <a:lstStyle/>
+                    <a:p>
+                      <a:pPr algn="ctr" fontAlgn="base"/>
+                      <a:r>
+                        <a:rPr lang="fr-FR" sz="1600" b="1">
+                          <a:effectLst/>
+                        </a:rPr>
+                        <a:t>41.223</a:t>
+                      </a:r>
+                      <a:endParaRPr lang="fr-FR" sz="1600" b="1" dirty="0">
+                        <a:effectLst/>
+                      </a:endParaRPr>
+                    </a:p>
+                  </a:txBody>
+                  <a:tcPr anchor="ctr"/>
+                </a:tc>
+                <a:tc>
+                  <a:txBody>
+                    <a:bodyPr/>
+                    <a:lstStyle/>
+                    <a:p>
+                      <a:pPr algn="ctr" fontAlgn="base"/>
+                      <a:r>
+                        <a:rPr lang="fr-FR" sz="1200" b="1">
+                          <a:effectLst/>
+                        </a:rPr>
+                        <a:t>10.035</a:t>
+                      </a:r>
+                      <a:endParaRPr lang="fr-FR" sz="1600" b="1" dirty="0">
+                        <a:effectLst/>
+                      </a:endParaRPr>
+                    </a:p>
+                  </a:txBody>
+                  <a:tcPr anchor="ctr"/>
+                </a:tc>
+                <a:extLst>
+                  <a:ext uri="{0D108BD9-81ED-4DB2-BD59-A6C34878D82A}">
+                    <a16:rowId xmlns:a16="http://schemas.microsoft.com/office/drawing/2014/main" val="809898311"/>
+                  </a:ext>
+                </a:extLst>
+              </a:tr>
+              <a:tr h="370840">
+                <a:tc>
+                  <a:txBody>
+                    <a:bodyPr/>
+                    <a:lstStyle/>
+                    <a:p>
+                      <a:pPr algn="ctr"/>
+                      <a:r>
+                        <a:rPr lang="fr-FR" sz="1600" dirty="0">
+                          <a:solidFill>
+                            <a:schemeClr val="bg1"/>
+                          </a:solidFill>
+                        </a:rPr>
+                        <a:t>FISE</a:t>
+                      </a:r>
+                    </a:p>
+                  </a:txBody>
+                  <a:tcPr>
+                    <a:solidFill>
+                      <a:schemeClr val="accent6">
+                        <a:lumMod val="40000"/>
+                        <a:lumOff val="60000"/>
+                      </a:schemeClr>
+                    </a:solidFill>
+                  </a:tcPr>
+                </a:tc>
+                <a:tc>
+                  <a:txBody>
+                    <a:bodyPr/>
+                    <a:lstStyle/>
+                    <a:p>
+                      <a:pPr algn="ctr" fontAlgn="base"/>
+                      <a:r>
+                        <a:rPr lang="fr-FR" sz="1400" dirty="0">
+                          <a:solidFill>
+                            <a:schemeClr val="bg1"/>
+                          </a:solidFill>
+                          <a:effectLst/>
+                        </a:rPr>
+                        <a:t>36.038</a:t>
+                      </a:r>
+                    </a:p>
+                  </a:txBody>
+                  <a:tcPr anchor="ctr">
+                    <a:solidFill>
+                      <a:schemeClr val="accent6">
+                        <a:lumMod val="40000"/>
+                        <a:lumOff val="60000"/>
+                      </a:schemeClr>
+                    </a:solidFill>
+                  </a:tcPr>
+                </a:tc>
+                <a:tc>
+                  <a:txBody>
+                    <a:bodyPr/>
+                    <a:lstStyle/>
+                    <a:p>
+                      <a:pPr algn="ctr" fontAlgn="base"/>
+                      <a:r>
+                        <a:rPr lang="fr-FR" sz="1100" dirty="0">
+                          <a:solidFill>
+                            <a:schemeClr val="bg1"/>
+                          </a:solidFill>
+                          <a:effectLst/>
+                        </a:rPr>
+                        <a:t>5.777</a:t>
+                      </a:r>
+                    </a:p>
+                  </a:txBody>
+                  <a:tcPr anchor="ctr">
+                    <a:solidFill>
+                      <a:schemeClr val="accent6">
+                        <a:lumMod val="40000"/>
+                        <a:lumOff val="60000"/>
+                      </a:schemeClr>
+                    </a:solidFill>
+                  </a:tcPr>
+                </a:tc>
+                <a:tc>
+                  <a:txBody>
+                    <a:bodyPr/>
+                    <a:lstStyle/>
+                    <a:p>
+                      <a:pPr algn="ctr" fontAlgn="base"/>
+                      <a:endParaRPr lang="fr-FR" sz="1400" dirty="0">
+                        <a:solidFill>
+                          <a:schemeClr val="bg1"/>
+                        </a:solidFill>
+                        <a:effectLst/>
+                      </a:endParaRPr>
+                    </a:p>
+                  </a:txBody>
+                  <a:tcPr anchor="ctr">
+                    <a:solidFill>
+                      <a:schemeClr val="accent6">
+                        <a:lumMod val="40000"/>
+                        <a:lumOff val="60000"/>
+                      </a:schemeClr>
+                    </a:solidFill>
+                  </a:tcPr>
+                </a:tc>
+                <a:tc>
+                  <a:txBody>
+                    <a:bodyPr/>
+                    <a:lstStyle/>
+                    <a:p>
+                      <a:pPr algn="ctr" fontAlgn="base"/>
+                      <a:endParaRPr lang="fr-FR" sz="1400" dirty="0">
+                        <a:solidFill>
+                          <a:schemeClr val="bg1"/>
+                        </a:solidFill>
+                        <a:effectLst/>
+                      </a:endParaRPr>
+                    </a:p>
+                  </a:txBody>
+                  <a:tcPr anchor="ctr">
+                    <a:solidFill>
+                      <a:schemeClr val="accent6">
+                        <a:lumMod val="40000"/>
+                        <a:lumOff val="60000"/>
+                      </a:schemeClr>
+                    </a:solidFill>
+                  </a:tcPr>
+                </a:tc>
+                <a:tc>
+                  <a:txBody>
+                    <a:bodyPr/>
+                    <a:lstStyle/>
+                    <a:p>
+                      <a:pPr algn="ctr" fontAlgn="base"/>
+                      <a:r>
+                        <a:rPr lang="fr-FR" sz="1400" dirty="0">
+                          <a:solidFill>
+                            <a:schemeClr val="bg1"/>
+                          </a:solidFill>
+                          <a:effectLst/>
+                        </a:rPr>
+                        <a:t>36.734</a:t>
+                      </a:r>
+                    </a:p>
+                  </a:txBody>
+                  <a:tcPr anchor="ctr">
+                    <a:solidFill>
+                      <a:schemeClr val="accent6">
+                        <a:lumMod val="40000"/>
+                        <a:lumOff val="60000"/>
+                      </a:schemeClr>
+                    </a:solidFill>
+                  </a:tcPr>
+                </a:tc>
+                <a:tc>
+                  <a:txBody>
+                    <a:bodyPr/>
+                    <a:lstStyle/>
+                    <a:p>
+                      <a:pPr algn="ctr" fontAlgn="base"/>
+                      <a:r>
+                        <a:rPr lang="fr-FR" sz="1100" dirty="0">
+                          <a:solidFill>
+                            <a:schemeClr val="bg1"/>
+                          </a:solidFill>
+                          <a:effectLst/>
+                        </a:rPr>
+                        <a:t>5.182</a:t>
+                      </a:r>
+                    </a:p>
+                  </a:txBody>
+                  <a:tcPr anchor="ctr">
+                    <a:solidFill>
+                      <a:schemeClr val="accent6">
+                        <a:lumMod val="40000"/>
+                        <a:lumOff val="60000"/>
+                      </a:schemeClr>
+                    </a:solidFill>
+                  </a:tcPr>
+                </a:tc>
+                <a:tc>
+                  <a:txBody>
+                    <a:bodyPr/>
+                    <a:lstStyle/>
+                    <a:p>
+                      <a:pPr algn="ctr" fontAlgn="base"/>
+                      <a:endParaRPr lang="fr-FR" sz="1400" dirty="0">
+                        <a:solidFill>
+                          <a:schemeClr val="bg1"/>
+                        </a:solidFill>
+                        <a:effectLst/>
+                      </a:endParaRPr>
+                    </a:p>
+                  </a:txBody>
+                  <a:tcPr anchor="ctr">
+                    <a:solidFill>
+                      <a:schemeClr val="accent6">
+                        <a:lumMod val="40000"/>
+                        <a:lumOff val="60000"/>
+                      </a:schemeClr>
+                    </a:solidFill>
+                  </a:tcPr>
+                </a:tc>
+                <a:tc>
+                  <a:txBody>
+                    <a:bodyPr/>
+                    <a:lstStyle/>
+                    <a:p>
+                      <a:pPr algn="ctr" fontAlgn="base"/>
+                      <a:endParaRPr lang="fr-FR" sz="1100" dirty="0">
+                        <a:solidFill>
+                          <a:schemeClr val="bg1"/>
+                        </a:solidFill>
+                        <a:effectLst/>
+                      </a:endParaRPr>
+                    </a:p>
+                  </a:txBody>
+                  <a:tcPr anchor="ctr">
+                    <a:solidFill>
+                      <a:schemeClr val="accent6">
+                        <a:lumMod val="40000"/>
+                        <a:lumOff val="60000"/>
+                      </a:schemeClr>
+                    </a:solidFill>
+                  </a:tcPr>
+                </a:tc>
+                <a:extLst>
+                  <a:ext uri="{0D108BD9-81ED-4DB2-BD59-A6C34878D82A}">
+                    <a16:rowId xmlns:a16="http://schemas.microsoft.com/office/drawing/2014/main" val="2207166277"/>
+                  </a:ext>
+                </a:extLst>
+              </a:tr>
+              <a:tr h="370840">
+                <a:tc>
+                  <a:txBody>
+                    <a:bodyPr/>
+                    <a:lstStyle/>
+                    <a:p>
+                      <a:pPr algn="ctr"/>
+                      <a:r>
+                        <a:rPr lang="fr-FR" sz="1600" dirty="0">
+                          <a:solidFill>
+                            <a:schemeClr val="bg1"/>
+                          </a:solidFill>
+                        </a:rPr>
+                        <a:t>FISA</a:t>
+                      </a:r>
+                    </a:p>
+                  </a:txBody>
+                  <a:tcPr>
+                    <a:solidFill>
+                      <a:schemeClr val="accent6">
+                        <a:lumMod val="60000"/>
+                        <a:lumOff val="40000"/>
+                      </a:schemeClr>
+                    </a:solidFill>
+                  </a:tcPr>
+                </a:tc>
+                <a:tc>
+                  <a:txBody>
+                    <a:bodyPr/>
+                    <a:lstStyle/>
+                    <a:p>
+                      <a:pPr algn="ctr" fontAlgn="base"/>
+                      <a:r>
+                        <a:rPr lang="fr-FR" sz="1400" dirty="0">
+                          <a:solidFill>
+                            <a:schemeClr val="bg1"/>
+                          </a:solidFill>
+                          <a:effectLst/>
+                        </a:rPr>
+                        <a:t>35.434</a:t>
+                      </a:r>
+                    </a:p>
+                  </a:txBody>
+                  <a:tcPr anchor="ctr">
+                    <a:solidFill>
+                      <a:schemeClr val="accent6">
+                        <a:lumMod val="60000"/>
+                        <a:lumOff val="40000"/>
+                      </a:schemeClr>
+                    </a:solidFill>
+                  </a:tcPr>
+                </a:tc>
+                <a:tc>
+                  <a:txBody>
+                    <a:bodyPr/>
+                    <a:lstStyle/>
+                    <a:p>
+                      <a:pPr algn="ctr" fontAlgn="base"/>
+                      <a:r>
+                        <a:rPr lang="fr-FR" sz="1100" dirty="0">
+                          <a:solidFill>
+                            <a:schemeClr val="bg1"/>
+                          </a:solidFill>
+                          <a:effectLst/>
+                        </a:rPr>
+                        <a:t>6.910</a:t>
+                      </a:r>
+                    </a:p>
+                  </a:txBody>
+                  <a:tcPr anchor="ctr">
+                    <a:solidFill>
+                      <a:schemeClr val="accent6">
+                        <a:lumMod val="60000"/>
+                        <a:lumOff val="40000"/>
+                      </a:schemeClr>
+                    </a:solidFill>
+                  </a:tcPr>
+                </a:tc>
+                <a:tc>
+                  <a:txBody>
+                    <a:bodyPr/>
+                    <a:lstStyle/>
+                    <a:p>
+                      <a:pPr algn="ctr" fontAlgn="base"/>
+                      <a:endParaRPr lang="fr-FR" sz="1400" dirty="0">
+                        <a:solidFill>
+                          <a:schemeClr val="bg1"/>
+                        </a:solidFill>
+                        <a:effectLst/>
+                      </a:endParaRPr>
+                    </a:p>
+                  </a:txBody>
+                  <a:tcPr anchor="ctr">
+                    <a:solidFill>
+                      <a:schemeClr val="accent6">
+                        <a:lumMod val="60000"/>
+                        <a:lumOff val="40000"/>
+                      </a:schemeClr>
+                    </a:solidFill>
+                  </a:tcPr>
+                </a:tc>
+                <a:tc>
+                  <a:txBody>
+                    <a:bodyPr/>
+                    <a:lstStyle/>
+                    <a:p>
+                      <a:pPr algn="ctr" fontAlgn="base"/>
+                      <a:endParaRPr lang="fr-FR" sz="1400" dirty="0">
+                        <a:solidFill>
+                          <a:schemeClr val="bg1"/>
+                        </a:solidFill>
+                        <a:effectLst/>
+                      </a:endParaRPr>
+                    </a:p>
+                  </a:txBody>
+                  <a:tcPr anchor="ctr">
+                    <a:solidFill>
+                      <a:schemeClr val="accent6">
+                        <a:lumMod val="60000"/>
+                        <a:lumOff val="40000"/>
+                      </a:schemeClr>
+                    </a:solidFill>
+                  </a:tcPr>
+                </a:tc>
+                <a:tc>
+                  <a:txBody>
+                    <a:bodyPr/>
+                    <a:lstStyle/>
+                    <a:p>
+                      <a:pPr algn="ctr" fontAlgn="base"/>
+                      <a:r>
+                        <a:rPr lang="fr-FR" sz="1400" dirty="0">
+                          <a:solidFill>
+                            <a:schemeClr val="bg1"/>
+                          </a:solidFill>
+                          <a:effectLst/>
+                        </a:rPr>
+                        <a:t>37.070</a:t>
+                      </a:r>
+                    </a:p>
+                  </a:txBody>
+                  <a:tcPr anchor="ctr">
+                    <a:solidFill>
+                      <a:schemeClr val="accent6">
+                        <a:lumMod val="60000"/>
+                        <a:lumOff val="40000"/>
+                      </a:schemeClr>
+                    </a:solidFill>
+                  </a:tcPr>
+                </a:tc>
+                <a:tc>
+                  <a:txBody>
+                    <a:bodyPr/>
+                    <a:lstStyle/>
+                    <a:p>
+                      <a:pPr algn="ctr" fontAlgn="base"/>
+                      <a:r>
+                        <a:rPr lang="fr-FR" sz="1100" dirty="0">
+                          <a:solidFill>
+                            <a:schemeClr val="bg1"/>
+                          </a:solidFill>
+                          <a:effectLst/>
+                        </a:rPr>
+                        <a:t>6.267</a:t>
+                      </a:r>
+                    </a:p>
+                  </a:txBody>
+                  <a:tcPr anchor="ctr">
+                    <a:solidFill>
+                      <a:schemeClr val="accent6">
+                        <a:lumMod val="60000"/>
+                        <a:lumOff val="40000"/>
+                      </a:schemeClr>
+                    </a:solidFill>
+                  </a:tcPr>
+                </a:tc>
+                <a:tc>
+                  <a:txBody>
+                    <a:bodyPr/>
+                    <a:lstStyle/>
+                    <a:p>
+                      <a:pPr algn="ctr" fontAlgn="base"/>
+                      <a:endParaRPr lang="fr-FR" sz="1400" dirty="0">
+                        <a:solidFill>
+                          <a:schemeClr val="bg1"/>
+                        </a:solidFill>
+                        <a:effectLst/>
+                      </a:endParaRPr>
+                    </a:p>
+                  </a:txBody>
+                  <a:tcPr anchor="ctr">
+                    <a:solidFill>
+                      <a:schemeClr val="accent6">
+                        <a:lumMod val="60000"/>
+                        <a:lumOff val="40000"/>
+                      </a:schemeClr>
+                    </a:solidFill>
+                  </a:tcPr>
+                </a:tc>
+                <a:tc>
+                  <a:txBody>
+                    <a:bodyPr/>
+                    <a:lstStyle/>
+                    <a:p>
+                      <a:pPr algn="ctr" fontAlgn="base"/>
+                      <a:endParaRPr lang="fr-FR" sz="1100" dirty="0">
+                        <a:solidFill>
+                          <a:schemeClr val="bg1"/>
+                        </a:solidFill>
+                        <a:effectLst/>
+                      </a:endParaRPr>
+                    </a:p>
+                  </a:txBody>
+                  <a:tcPr anchor="ctr">
+                    <a:solidFill>
+                      <a:schemeClr val="accent6">
+                        <a:lumMod val="60000"/>
+                        <a:lumOff val="40000"/>
+                      </a:schemeClr>
+                    </a:solidFill>
+                  </a:tcPr>
+                </a:tc>
+                <a:extLst>
+                  <a:ext uri="{0D108BD9-81ED-4DB2-BD59-A6C34878D82A}">
+                    <a16:rowId xmlns:a16="http://schemas.microsoft.com/office/drawing/2014/main" val="1083475024"/>
+                  </a:ext>
+                </a:extLst>
+              </a:tr>
+              <a:tr h="370840">
+                <a:tc>
+                  <a:txBody>
+                    <a:bodyPr/>
+                    <a:lstStyle/>
+                    <a:p>
+                      <a:pPr algn="ctr"/>
+                      <a:r>
+                        <a:rPr lang="fr-FR" sz="1400" dirty="0">
+                          <a:solidFill>
+                            <a:schemeClr val="bg1"/>
+                          </a:solidFill>
+                        </a:rPr>
+                        <a:t>Do </a:t>
+                      </a:r>
+                      <a:r>
+                        <a:rPr lang="fr-FR" sz="1400" dirty="0" err="1">
+                          <a:solidFill>
+                            <a:schemeClr val="bg1"/>
+                          </a:solidFill>
+                        </a:rPr>
+                        <a:t>Dip</a:t>
+                      </a:r>
+                      <a:endParaRPr lang="fr-FR" sz="1400" dirty="0">
+                        <a:solidFill>
+                          <a:schemeClr val="bg1"/>
+                        </a:solidFill>
+                      </a:endParaRPr>
+                    </a:p>
+                  </a:txBody>
+                  <a:tcPr>
+                    <a:solidFill>
+                      <a:schemeClr val="accent6">
+                        <a:lumMod val="75000"/>
+                      </a:schemeClr>
+                    </a:solidFill>
+                  </a:tcPr>
+                </a:tc>
+                <a:tc>
+                  <a:txBody>
+                    <a:bodyPr/>
+                    <a:lstStyle/>
+                    <a:p>
+                      <a:pPr algn="ctr" fontAlgn="base"/>
+                      <a:r>
+                        <a:rPr lang="fr-FR" sz="1400" dirty="0">
+                          <a:solidFill>
+                            <a:schemeClr val="bg1"/>
+                          </a:solidFill>
+                          <a:effectLst/>
+                        </a:rPr>
+                        <a:t>35.351</a:t>
+                      </a:r>
+                    </a:p>
+                  </a:txBody>
+                  <a:tcPr anchor="ctr">
+                    <a:solidFill>
+                      <a:schemeClr val="accent6">
+                        <a:lumMod val="75000"/>
+                      </a:schemeClr>
+                    </a:solidFill>
+                  </a:tcPr>
+                </a:tc>
+                <a:tc>
+                  <a:txBody>
+                    <a:bodyPr/>
+                    <a:lstStyle/>
+                    <a:p>
+                      <a:pPr algn="ctr" fontAlgn="base"/>
+                      <a:r>
+                        <a:rPr lang="fr-FR" sz="1100" dirty="0">
+                          <a:solidFill>
+                            <a:schemeClr val="bg1"/>
+                          </a:solidFill>
+                          <a:effectLst/>
+                        </a:rPr>
+                        <a:t>6.881</a:t>
+                      </a:r>
+                    </a:p>
+                  </a:txBody>
+                  <a:tcPr anchor="ctr">
+                    <a:solidFill>
+                      <a:schemeClr val="accent6">
+                        <a:lumMod val="75000"/>
+                      </a:schemeClr>
+                    </a:solidFill>
+                  </a:tcPr>
+                </a:tc>
+                <a:tc>
+                  <a:txBody>
+                    <a:bodyPr/>
+                    <a:lstStyle/>
+                    <a:p>
+                      <a:pPr algn="ctr" fontAlgn="base"/>
+                      <a:endParaRPr lang="fr-FR" sz="1400" dirty="0">
+                        <a:solidFill>
+                          <a:schemeClr val="bg1"/>
+                        </a:solidFill>
+                        <a:effectLst/>
+                      </a:endParaRPr>
+                    </a:p>
+                  </a:txBody>
+                  <a:tcPr anchor="ctr">
+                    <a:solidFill>
+                      <a:schemeClr val="accent6">
+                        <a:lumMod val="75000"/>
+                      </a:schemeClr>
+                    </a:solidFill>
+                  </a:tcPr>
+                </a:tc>
+                <a:tc>
+                  <a:txBody>
+                    <a:bodyPr/>
+                    <a:lstStyle/>
+                    <a:p>
+                      <a:pPr algn="ctr" fontAlgn="base"/>
+                      <a:endParaRPr lang="fr-FR" sz="1400" dirty="0">
+                        <a:solidFill>
+                          <a:schemeClr val="bg1"/>
+                        </a:solidFill>
+                        <a:effectLst/>
+                      </a:endParaRPr>
+                    </a:p>
+                  </a:txBody>
+                  <a:tcPr anchor="ctr">
+                    <a:solidFill>
+                      <a:schemeClr val="accent6">
+                        <a:lumMod val="75000"/>
+                      </a:schemeClr>
+                    </a:solidFill>
+                  </a:tcPr>
+                </a:tc>
+                <a:tc>
+                  <a:txBody>
+                    <a:bodyPr/>
+                    <a:lstStyle/>
+                    <a:p>
+                      <a:pPr algn="ctr" fontAlgn="base"/>
+                      <a:r>
+                        <a:rPr lang="fr-FR" sz="1400" dirty="0">
+                          <a:solidFill>
+                            <a:schemeClr val="bg1"/>
+                          </a:solidFill>
+                          <a:effectLst/>
+                        </a:rPr>
+                        <a:t>36.316</a:t>
+                      </a:r>
+                    </a:p>
+                  </a:txBody>
+                  <a:tcPr anchor="ctr">
+                    <a:solidFill>
+                      <a:schemeClr val="accent6">
+                        <a:lumMod val="75000"/>
+                      </a:schemeClr>
+                    </a:solidFill>
+                  </a:tcPr>
+                </a:tc>
+                <a:tc>
+                  <a:txBody>
+                    <a:bodyPr/>
+                    <a:lstStyle/>
+                    <a:p>
+                      <a:pPr algn="ctr" fontAlgn="base"/>
+                      <a:r>
+                        <a:rPr lang="fr-FR" sz="1100" dirty="0">
+                          <a:solidFill>
+                            <a:schemeClr val="bg1"/>
+                          </a:solidFill>
+                          <a:effectLst/>
+                        </a:rPr>
+                        <a:t>7.355</a:t>
+                      </a:r>
+                    </a:p>
+                  </a:txBody>
+                  <a:tcPr anchor="ctr">
+                    <a:solidFill>
+                      <a:schemeClr val="accent6">
+                        <a:lumMod val="75000"/>
+                      </a:schemeClr>
+                    </a:solidFill>
+                  </a:tcPr>
+                </a:tc>
+                <a:tc>
+                  <a:txBody>
+                    <a:bodyPr/>
+                    <a:lstStyle/>
+                    <a:p>
+                      <a:pPr algn="ctr" fontAlgn="base"/>
+                      <a:endParaRPr lang="fr-FR" sz="1400" dirty="0">
+                        <a:solidFill>
+                          <a:schemeClr val="bg1"/>
+                        </a:solidFill>
+                        <a:effectLst/>
+                      </a:endParaRPr>
+                    </a:p>
+                  </a:txBody>
+                  <a:tcPr anchor="ctr">
+                    <a:solidFill>
+                      <a:schemeClr val="accent6">
+                        <a:lumMod val="75000"/>
+                      </a:schemeClr>
+                    </a:solidFill>
+                  </a:tcPr>
+                </a:tc>
+                <a:tc>
+                  <a:txBody>
+                    <a:bodyPr/>
+                    <a:lstStyle/>
+                    <a:p>
+                      <a:pPr algn="ctr" fontAlgn="base"/>
+                      <a:endParaRPr lang="fr-FR" sz="1100" dirty="0">
+                        <a:solidFill>
+                          <a:schemeClr val="bg1"/>
+                        </a:solidFill>
+                        <a:effectLst/>
+                      </a:endParaRPr>
+                    </a:p>
+                  </a:txBody>
+                  <a:tcPr anchor="ctr">
+                    <a:solidFill>
+                      <a:schemeClr val="accent6">
+                        <a:lumMod val="75000"/>
+                      </a:schemeClr>
+                    </a:solidFill>
+                  </a:tcPr>
+                </a:tc>
+                <a:extLst>
+                  <a:ext uri="{0D108BD9-81ED-4DB2-BD59-A6C34878D82A}">
+                    <a16:rowId xmlns:a16="http://schemas.microsoft.com/office/drawing/2014/main" val="1118240960"/>
+                  </a:ext>
+                </a:extLst>
+              </a:tr>
+              <a:tr h="370840">
+                <a:tc>
+                  <a:txBody>
+                    <a:bodyPr/>
+                    <a:lstStyle/>
+                    <a:p>
+                      <a:pPr algn="ctr"/>
+                      <a:endParaRPr lang="fr-FR" sz="1600" dirty="0"/>
+                    </a:p>
+                  </a:txBody>
+                  <a:tcPr/>
+                </a:tc>
+                <a:tc>
+                  <a:txBody>
+                    <a:bodyPr/>
+                    <a:lstStyle/>
+                    <a:p>
+                      <a:pPr algn="ctr" fontAlgn="base"/>
+                      <a:endParaRPr lang="fr-FR" sz="1400" dirty="0">
+                        <a:solidFill>
+                          <a:srgbClr val="3D4449"/>
+                        </a:solidFill>
+                        <a:effectLst/>
+                      </a:endParaRPr>
+                    </a:p>
+                  </a:txBody>
+                  <a:tcPr anchor="ctr"/>
+                </a:tc>
+                <a:tc>
+                  <a:txBody>
+                    <a:bodyPr/>
+                    <a:lstStyle/>
+                    <a:p>
+                      <a:pPr algn="ctr" fontAlgn="base"/>
+                      <a:endParaRPr lang="fr-FR" sz="1400" dirty="0">
+                        <a:solidFill>
+                          <a:srgbClr val="443597"/>
+                        </a:solidFill>
+                        <a:effectLst/>
+                      </a:endParaRPr>
+                    </a:p>
+                  </a:txBody>
+                  <a:tcPr anchor="ctr"/>
+                </a:tc>
+                <a:tc>
+                  <a:txBody>
+                    <a:bodyPr/>
+                    <a:lstStyle/>
+                    <a:p>
+                      <a:pPr algn="ctr" fontAlgn="base"/>
+                      <a:endParaRPr lang="fr-FR" sz="1100" dirty="0">
+                        <a:solidFill>
+                          <a:srgbClr val="376E8B"/>
+                        </a:solidFill>
+                        <a:effectLst/>
+                      </a:endParaRPr>
+                    </a:p>
+                  </a:txBody>
+                  <a:tcPr anchor="ctr"/>
+                </a:tc>
+                <a:tc>
+                  <a:txBody>
+                    <a:bodyPr/>
+                    <a:lstStyle/>
+                    <a:p>
+                      <a:pPr algn="ctr" fontAlgn="base"/>
+                      <a:endParaRPr lang="fr-FR" sz="1400" dirty="0">
+                        <a:solidFill>
+                          <a:srgbClr val="443597"/>
+                        </a:solidFill>
+                        <a:effectLst/>
+                      </a:endParaRPr>
+                    </a:p>
+                  </a:txBody>
+                  <a:tcPr anchor="ctr"/>
+                </a:tc>
+                <a:tc>
+                  <a:txBody>
+                    <a:bodyPr/>
+                    <a:lstStyle/>
+                    <a:p>
+                      <a:pPr algn="ctr" fontAlgn="base"/>
+                      <a:endParaRPr lang="fr-FR" sz="1400" dirty="0">
+                        <a:solidFill>
+                          <a:srgbClr val="443597"/>
+                        </a:solidFill>
+                        <a:effectLst/>
+                      </a:endParaRPr>
+                    </a:p>
+                  </a:txBody>
+                  <a:tcPr anchor="ctr"/>
+                </a:tc>
+                <a:tc>
+                  <a:txBody>
+                    <a:bodyPr/>
+                    <a:lstStyle/>
+                    <a:p>
+                      <a:pPr algn="ctr" fontAlgn="base"/>
+                      <a:endParaRPr lang="fr-FR" sz="1100" dirty="0">
+                        <a:solidFill>
+                          <a:srgbClr val="376E8B"/>
+                        </a:solidFill>
+                        <a:effectLst/>
+                      </a:endParaRPr>
+                    </a:p>
+                  </a:txBody>
+                  <a:tcPr anchor="ctr"/>
+                </a:tc>
+                <a:tc>
+                  <a:txBody>
+                    <a:bodyPr/>
+                    <a:lstStyle/>
+                    <a:p>
+                      <a:pPr algn="ctr" fontAlgn="base"/>
+                      <a:endParaRPr lang="fr-FR" sz="1100" dirty="0">
+                        <a:solidFill>
+                          <a:srgbClr val="376E8B"/>
+                        </a:solidFill>
+                        <a:effectLst/>
+                      </a:endParaRPr>
+                    </a:p>
+                  </a:txBody>
+                  <a:tcPr anchor="ctr"/>
+                </a:tc>
+                <a:tc>
+                  <a:txBody>
+                    <a:bodyPr/>
+                    <a:lstStyle/>
+                    <a:p>
+                      <a:pPr algn="ctr" fontAlgn="base"/>
+                      <a:endParaRPr lang="fr-FR" sz="1100" dirty="0">
+                        <a:solidFill>
+                          <a:srgbClr val="376E8B"/>
+                        </a:solidFill>
+                        <a:effectLst/>
+                      </a:endParaRPr>
+                    </a:p>
+                  </a:txBody>
+                  <a:tcPr anchor="ctr"/>
+                </a:tc>
+                <a:extLst>
+                  <a:ext uri="{0D108BD9-81ED-4DB2-BD59-A6C34878D82A}">
+                    <a16:rowId xmlns:a16="http://schemas.microsoft.com/office/drawing/2014/main" val="1740952244"/>
+                  </a:ext>
+                </a:extLst>
+              </a:tr>
+            </a:tbl>
+          </a:graphicData>
+        </a:graphic>
+      </p:graphicFrame>
+      <p:sp>
+        <p:nvSpPr>
+          <p:cNvPr id="6" name="ZoneTexte 5">
+            <a:extLst>
+              <a:ext uri="{FF2B5EF4-FFF2-40B4-BE49-F238E27FC236}">
+                <a16:creationId xmlns:a16="http://schemas.microsoft.com/office/drawing/2014/main" id="{0AC61E4F-1680-5021-92E2-E49507832333}"/>
+              </a:ext>
+            </a:extLst>
+          </p:cNvPr>
+          <p:cNvSpPr txBox="1"/>
+          <p:nvPr/>
+        </p:nvSpPr>
+        <p:spPr>
+          <a:xfrm>
+            <a:off x="6488276" y="2922617"/>
+            <a:ext cx="1427017" cy="338554"/>
+          </a:xfrm>
+          <a:prstGeom prst="rect">
+            <a:avLst/>
+          </a:prstGeom>
+          <a:noFill/>
+        </p:spPr>
+        <p:txBody>
+          <a:bodyPr wrap="square">
+            <a:spAutoFit/>
+          </a:bodyPr>
+          <a:lstStyle/>
+          <a:p>
+            <a:r>
+              <a:rPr lang="fr-FR" b="1" dirty="0">
+                <a:solidFill>
+                  <a:srgbClr val="3D4449"/>
+                </a:solidFill>
+                <a:effectLst/>
+                <a:latin typeface="inherit"/>
+              </a:rPr>
+              <a:t>2020 à 2023 </a:t>
+            </a:r>
+            <a:endParaRPr lang="fr-FR" dirty="0"/>
+          </a:p>
+        </p:txBody>
+      </p:sp>
+      <p:sp>
+        <p:nvSpPr>
+          <p:cNvPr id="7" name="ZoneTexte 6">
+            <a:extLst>
+              <a:ext uri="{FF2B5EF4-FFF2-40B4-BE49-F238E27FC236}">
+                <a16:creationId xmlns:a16="http://schemas.microsoft.com/office/drawing/2014/main" id="{B7176433-821C-AB11-974C-E52C8FB197A7}"/>
+              </a:ext>
+            </a:extLst>
+          </p:cNvPr>
+          <p:cNvSpPr txBox="1"/>
+          <p:nvPr/>
+        </p:nvSpPr>
+        <p:spPr>
+          <a:xfrm>
+            <a:off x="2763164" y="2867231"/>
+            <a:ext cx="1427017" cy="338554"/>
+          </a:xfrm>
+          <a:prstGeom prst="rect">
+            <a:avLst/>
+          </a:prstGeom>
+          <a:noFill/>
+        </p:spPr>
+        <p:txBody>
+          <a:bodyPr wrap="square">
+            <a:spAutoFit/>
+          </a:bodyPr>
+          <a:lstStyle/>
+          <a:p>
+            <a:r>
+              <a:rPr lang="fr-FR" b="1" dirty="0">
+                <a:solidFill>
+                  <a:srgbClr val="3D4449"/>
+                </a:solidFill>
+                <a:effectLst/>
+                <a:latin typeface="inherit"/>
+              </a:rPr>
+              <a:t>2019 à 2022 </a:t>
+            </a:r>
+            <a:endParaRPr lang="fr-FR" dirty="0"/>
+          </a:p>
+        </p:txBody>
+      </p:sp>
+      <p:cxnSp>
+        <p:nvCxnSpPr>
+          <p:cNvPr id="10" name="Connecteur droit 9">
+            <a:extLst>
+              <a:ext uri="{FF2B5EF4-FFF2-40B4-BE49-F238E27FC236}">
+                <a16:creationId xmlns:a16="http://schemas.microsoft.com/office/drawing/2014/main" id="{158B0517-BEE1-2CC2-BC95-54D38CC7C1EF}"/>
+              </a:ext>
+            </a:extLst>
+          </p:cNvPr>
+          <p:cNvCxnSpPr>
+            <a:cxnSpLocks/>
+          </p:cNvCxnSpPr>
+          <p:nvPr/>
+        </p:nvCxnSpPr>
+        <p:spPr bwMode="auto">
+          <a:xfrm>
+            <a:off x="1655523" y="2922617"/>
+            <a:ext cx="0" cy="3080801"/>
+          </a:xfrm>
+          <a:prstGeom prst="line">
+            <a:avLst/>
+          </a:prstGeom>
+          <a:solidFill>
+            <a:schemeClr val="accent1"/>
+          </a:solidFill>
+          <a:ln w="25400" cap="flat" cmpd="sng" algn="ctr">
+            <a:solidFill>
+              <a:schemeClr val="tx1"/>
+            </a:solidFill>
+            <a:prstDash val="solid"/>
+            <a:round/>
+            <a:headEnd type="none" w="med" len="med"/>
+            <a:tailEnd type="none" w="med" len="med"/>
+          </a:ln>
+          <a:effectLst/>
+          <a:extLst>
+            <a:ext uri="{AF507438-7753-43e0-B8FC-AC1667EBCBE1}">
+              <a14:hiddenEffects xmlns:a14="http://schemas.microsoft.com/office/drawing/2010/main" xmlns="">
+                <a:effectLst>
+                  <a:outerShdw dist="35921" dir="2700000" algn="ctr" rotWithShape="0">
+                    <a:schemeClr val="bg2"/>
+                  </a:outerShdw>
+                </a:effectLst>
+              </a14:hiddenEffects>
+            </a:ext>
+          </a:extLst>
+        </p:spPr>
+      </p:cxnSp>
+      <p:cxnSp>
+        <p:nvCxnSpPr>
+          <p:cNvPr id="11" name="Connecteur droit 10">
+            <a:extLst>
+              <a:ext uri="{FF2B5EF4-FFF2-40B4-BE49-F238E27FC236}">
+                <a16:creationId xmlns:a16="http://schemas.microsoft.com/office/drawing/2014/main" id="{84FF355D-E1B2-E72B-9809-41CA2FB22316}"/>
+              </a:ext>
+            </a:extLst>
+          </p:cNvPr>
+          <p:cNvCxnSpPr>
+            <a:cxnSpLocks/>
+          </p:cNvCxnSpPr>
+          <p:nvPr/>
+        </p:nvCxnSpPr>
+        <p:spPr bwMode="auto">
+          <a:xfrm>
+            <a:off x="5067690" y="2922617"/>
+            <a:ext cx="0" cy="3080801"/>
+          </a:xfrm>
+          <a:prstGeom prst="line">
+            <a:avLst/>
+          </a:prstGeom>
+          <a:solidFill>
+            <a:schemeClr val="accent1"/>
+          </a:solidFill>
+          <a:ln w="25400" cap="flat" cmpd="sng" algn="ctr">
+            <a:solidFill>
+              <a:schemeClr val="tx1"/>
+            </a:solidFill>
+            <a:prstDash val="solid"/>
+            <a:round/>
+            <a:headEnd type="none" w="med" len="med"/>
+            <a:tailEnd type="none" w="med" len="med"/>
+          </a:ln>
+          <a:effectLst/>
+          <a:extLst>
+            <a:ext uri="{AF507438-7753-43e0-B8FC-AC1667EBCBE1}">
+              <a14:hiddenEffects xmlns:a14="http://schemas.microsoft.com/office/drawing/2010/main" xmlns="">
+                <a:effectLst>
+                  <a:outerShdw dist="35921" dir="2700000" algn="ctr" rotWithShape="0">
+                    <a:schemeClr val="bg2"/>
+                  </a:outerShdw>
+                </a:effectLst>
+              </a14:hiddenEffects>
+            </a:ext>
+          </a:extLst>
+        </p:spPr>
+      </p:cxnSp>
+    </p:spTree>
+    <p:extLst>
+      <p:ext uri="{BB962C8B-B14F-4D97-AF65-F5344CB8AC3E}">
+        <p14:creationId xmlns:p14="http://schemas.microsoft.com/office/powerpoint/2010/main" val="2475446470"/>
+      </p:ext>
+    </p:extLst>
+  </p:cSld>
+  <p:clrMapOvr>
+    <a:masterClrMapping/>
+  </p:clrMapOvr>
+</p:sld>
+</file>
+
+<file path=ppt/slides/slide19.xml><?xml version="1.0" encoding="utf-8"?>
+<p:sld xmlns:a="http://schemas.openxmlformats.org/drawingml/2006/main" xmlns:r="http://schemas.openxmlformats.org/officeDocument/2006/relationships" xmlns:p="http://schemas.openxmlformats.org/presentationml/2006/main">
+  <p:cSld>
+    <p:spTree>
+      <p:nvGrpSpPr>
+        <p:cNvPr id="1" name=""/>
+        <p:cNvGrpSpPr/>
+        <p:nvPr/>
+      </p:nvGrpSpPr>
+      <p:grpSpPr>
+        <a:xfrm>
+          <a:off x="0" y="0"/>
+          <a:ext cx="0" cy="0"/>
+          <a:chOff x="0" y="0"/>
+          <a:chExt cx="0" cy="0"/>
+        </a:xfrm>
+      </p:grpSpPr>
+      <p:sp>
+        <p:nvSpPr>
+          <p:cNvPr id="2" name="Titre 1">
+            <a:extLst>
+              <a:ext uri="{FF2B5EF4-FFF2-40B4-BE49-F238E27FC236}">
+                <a16:creationId xmlns:a16="http://schemas.microsoft.com/office/drawing/2014/main" id="{FAA161D5-927A-49ED-83AF-6D12A66FF712}"/>
+              </a:ext>
+            </a:extLst>
+          </p:cNvPr>
+          <p:cNvSpPr>
+            <a:spLocks noGrp="1"/>
+          </p:cNvSpPr>
+          <p:nvPr>
+            <p:ph type="title"/>
+          </p:nvPr>
+        </p:nvSpPr>
+        <p:spPr/>
+        <p:txBody>
+          <a:bodyPr/>
+          <a:lstStyle/>
+          <a:p>
+            <a:pPr>
+              <a:defRPr/>
+            </a:pPr>
+            <a:r>
+              <a:rPr lang="fr-FR" sz="2800" dirty="0"/>
+              <a:t>Enquête CGE / Cumul</a:t>
+            </a:r>
+          </a:p>
+        </p:txBody>
+      </p:sp>
+      <p:sp>
+        <p:nvSpPr>
+          <p:cNvPr id="6147" name="Espace réservé du contenu 2">
+            <a:extLst>
+              <a:ext uri="{FF2B5EF4-FFF2-40B4-BE49-F238E27FC236}">
+                <a16:creationId xmlns:a16="http://schemas.microsoft.com/office/drawing/2014/main" id="{458254A6-099B-4E75-907C-19CA1B94B253}"/>
+              </a:ext>
+            </a:extLst>
+          </p:cNvPr>
+          <p:cNvSpPr>
+            <a:spLocks noGrp="1" noChangeArrowheads="1"/>
+          </p:cNvSpPr>
+          <p:nvPr>
+            <p:ph idx="1"/>
+          </p:nvPr>
+        </p:nvSpPr>
+        <p:spPr>
+          <a:xfrm>
+            <a:off x="447675" y="1600200"/>
+            <a:ext cx="8229600" cy="1554480"/>
+          </a:xfrm>
+        </p:spPr>
+        <p:txBody>
+          <a:bodyPr/>
+          <a:lstStyle/>
+          <a:p>
+            <a:r>
+              <a:rPr lang="fr-FR" altLang="fr-FR" sz="2000" b="1" dirty="0">
+                <a:solidFill>
+                  <a:srgbClr val="EF553B"/>
+                </a:solidFill>
+                <a:ea typeface="ＭＳ Ｐゴシック" panose="020B0600070205080204" pitchFamily="34" charset="-128"/>
+              </a:rPr>
+              <a:t>Cumul de 2020 à 2024</a:t>
+            </a:r>
+          </a:p>
+          <a:p>
+            <a:r>
+              <a:rPr lang="fr-FR" altLang="fr-FR" sz="2000" b="1" dirty="0">
+                <a:solidFill>
+                  <a:srgbClr val="EF553B"/>
+                </a:solidFill>
+                <a:ea typeface="ＭＳ Ｐゴシック" panose="020B0600070205080204" pitchFamily="34" charset="-128"/>
+              </a:rPr>
+              <a:t>Taux de réponse</a:t>
+            </a:r>
+          </a:p>
+        </p:txBody>
+      </p:sp>
+      <p:pic>
+        <p:nvPicPr>
+          <p:cNvPr id="6148" name="Picture 2" descr="upright=Article à illustrer Organisation">
+            <a:extLst>
+              <a:ext uri="{FF2B5EF4-FFF2-40B4-BE49-F238E27FC236}">
+                <a16:creationId xmlns:a16="http://schemas.microsoft.com/office/drawing/2014/main" id="{105BE698-E40C-4415-A9DF-F8680D1DF607}"/>
+              </a:ext>
+            </a:extLst>
+          </p:cNvPr>
+          <p:cNvPicPr>
+            <a:picLocks noChangeAspect="1" noChangeArrowheads="1"/>
+          </p:cNvPicPr>
+          <p:nvPr/>
+        </p:nvPicPr>
+        <p:blipFill>
+          <a:blip r:embed="rId2">
+            <a:extLst>
+              <a:ext uri="{28A0092B-C50C-407E-A947-70E740481C1C}">
+                <a14:useLocalDpi xmlns:a14="http://schemas.microsoft.com/office/drawing/2010/main" val="0"/>
+              </a:ext>
+            </a:extLst>
+          </a:blip>
+          <a:srcRect/>
+          <a:stretch>
+            <a:fillRect/>
+          </a:stretch>
+        </p:blipFill>
+        <p:spPr bwMode="auto">
+          <a:xfrm>
+            <a:off x="7766050" y="892175"/>
+            <a:ext cx="1157288" cy="384175"/>
+          </a:xfrm>
+          <a:prstGeom prst="rect">
+            <a:avLst/>
+          </a:prstGeom>
+          <a:noFill/>
+          <a:ln>
+            <a:noFill/>
+          </a:ln>
+          <a:extLst>
+            <a:ext uri="{909E8E84-426E-40DD-AFC4-6F175D3DCCD1}">
+              <a14:hiddenFill xmlns:a14="http://schemas.microsoft.com/office/drawing/2010/main">
+                <a:solidFill>
+                  <a:srgbClr val="FFFFFF"/>
+                </a:solidFill>
+              </a14:hiddenFill>
+            </a:ext>
+            <a:ext uri="{91240B29-F687-4F45-9708-019B960494DF}">
+              <a14:hiddenLine xmlns:a14="http://schemas.microsoft.com/office/drawing/2010/main" w="9525">
+                <a:solidFill>
+                  <a:srgbClr val="000000"/>
+                </a:solidFill>
+                <a:miter lim="800000"/>
+                <a:headEnd/>
+                <a:tailEnd/>
+              </a14:hiddenLine>
+            </a:ext>
+          </a:extLst>
+        </p:spPr>
+      </p:pic>
+      <p:sp>
+        <p:nvSpPr>
+          <p:cNvPr id="3" name="ZoneTexte 2">
+            <a:extLst>
+              <a:ext uri="{FF2B5EF4-FFF2-40B4-BE49-F238E27FC236}">
+                <a16:creationId xmlns:a16="http://schemas.microsoft.com/office/drawing/2014/main" id="{76C5E635-ACF0-A360-2BA1-1AD1AB1E7A21}"/>
+              </a:ext>
+            </a:extLst>
+          </p:cNvPr>
+          <p:cNvSpPr txBox="1"/>
+          <p:nvPr/>
+        </p:nvSpPr>
+        <p:spPr>
+          <a:xfrm rot="16200000">
+            <a:off x="-2330100" y="3437334"/>
+            <a:ext cx="4998749" cy="338554"/>
+          </a:xfrm>
+          <a:prstGeom prst="rect">
+            <a:avLst/>
+          </a:prstGeom>
+          <a:solidFill>
+            <a:srgbClr val="EF553B"/>
+          </a:solidFill>
+        </p:spPr>
+        <p:txBody>
+          <a:bodyPr wrap="square" rtlCol="0">
+            <a:spAutoFit/>
+          </a:bodyPr>
+          <a:lstStyle/>
+          <a:p>
+            <a:r>
+              <a:rPr lang="fr-FR" dirty="0">
+                <a:solidFill>
+                  <a:schemeClr val="bg1"/>
+                </a:solidFill>
+              </a:rPr>
+              <a:t>Enquête CGE / Cumul</a:t>
+            </a:r>
+          </a:p>
+        </p:txBody>
+      </p:sp>
+      <p:sp>
+        <p:nvSpPr>
+          <p:cNvPr id="9" name="ZoneTexte 8">
+            <a:extLst>
+              <a:ext uri="{FF2B5EF4-FFF2-40B4-BE49-F238E27FC236}">
+                <a16:creationId xmlns:a16="http://schemas.microsoft.com/office/drawing/2014/main" id="{607FEABF-F1C9-7143-AA31-45A4A932AF8A}"/>
+              </a:ext>
+            </a:extLst>
+          </p:cNvPr>
+          <p:cNvSpPr txBox="1"/>
+          <p:nvPr/>
+        </p:nvSpPr>
+        <p:spPr>
+          <a:xfrm>
+            <a:off x="3821018" y="807154"/>
+            <a:ext cx="3720890" cy="600164"/>
+          </a:xfrm>
+          <a:prstGeom prst="rect">
+            <a:avLst/>
+          </a:prstGeom>
+          <a:noFill/>
+        </p:spPr>
+        <p:txBody>
+          <a:bodyPr wrap="none" rtlCol="0">
+            <a:spAutoFit/>
+          </a:bodyPr>
+          <a:lstStyle/>
+          <a:p>
+            <a:r>
+              <a:rPr lang="fr-FR" sz="1100" b="1" dirty="0">
+                <a:solidFill>
+                  <a:srgbClr val="002060"/>
+                </a:solidFill>
+              </a:rPr>
+              <a:t>Comparaison avec résultats nationaux :</a:t>
+            </a:r>
+          </a:p>
+          <a:p>
+            <a:pPr marL="285750" indent="-285750">
+              <a:buFontTx/>
+              <a:buChar char="-"/>
+            </a:pPr>
+            <a:r>
+              <a:rPr lang="fr-FR" sz="1100" dirty="0">
+                <a:solidFill>
+                  <a:srgbClr val="002060"/>
+                </a:solidFill>
+              </a:rPr>
+              <a:t>hypothèse : nombre quasi constant de répondant.es</a:t>
+            </a:r>
+          </a:p>
+          <a:p>
+            <a:pPr marL="285750" indent="-285750">
+              <a:buFontTx/>
+              <a:buChar char="-"/>
+            </a:pPr>
+            <a:r>
+              <a:rPr lang="fr-FR" sz="1100" i="1" dirty="0">
+                <a:solidFill>
+                  <a:srgbClr val="002060"/>
+                </a:solidFill>
+              </a:rPr>
+              <a:t>Calcul : somme des moyennes / nombre années</a:t>
+            </a:r>
+          </a:p>
+        </p:txBody>
+      </p:sp>
+      <p:sp>
+        <p:nvSpPr>
+          <p:cNvPr id="4" name="ZoneTexte 3">
+            <a:extLst>
+              <a:ext uri="{FF2B5EF4-FFF2-40B4-BE49-F238E27FC236}">
+                <a16:creationId xmlns:a16="http://schemas.microsoft.com/office/drawing/2014/main" id="{250399CC-6EB5-CF04-B8BD-CB9EFD4A444B}"/>
+              </a:ext>
+            </a:extLst>
+          </p:cNvPr>
+          <p:cNvSpPr txBox="1"/>
+          <p:nvPr/>
+        </p:nvSpPr>
+        <p:spPr>
+          <a:xfrm rot="20218656">
             <a:off x="6460078" y="4717039"/>
             <a:ext cx="2184137" cy="461665"/>
           </a:xfrm>
@@ -9401,7 +18563,7 @@
     </p:spTree>
     <p:extLst>
       <p:ext uri="{BB962C8B-B14F-4D97-AF65-F5344CB8AC3E}">
-        <p14:creationId xmlns:p14="http://schemas.microsoft.com/office/powerpoint/2010/main" val="375981454"/>
+        <p14:creationId xmlns:p14="http://schemas.microsoft.com/office/powerpoint/2010/main" val="3961338103"/>
       </p:ext>
     </p:extLst>
   </p:cSld>
@@ -19605,7 +28767,7 @@
         <a:effectLst/>
         <a:extLst>
           <a:ext uri="{AF507438-7753-43e0-B8FC-AC1667EBCBE1}">
-            <a14:hiddenEffects xmlns="" xmlns:a14="http://schemas.microsoft.com/office/drawing/2010/main">
+            <a14:hiddenEffects xmlns:a14="http://schemas.microsoft.com/office/drawing/2010/main" xmlns="">
               <a:effectLst>
                 <a:outerShdw dist="35921" dir="2700000" algn="ctr" rotWithShape="0">
                   <a:schemeClr val="bg2"/>
@@ -19679,7 +28841,7 @@
         <a:effectLst/>
         <a:extLst>
           <a:ext uri="{AF507438-7753-43e0-B8FC-AC1667EBCBE1}">
-            <a14:hiddenEffects xmlns="" xmlns:a14="http://schemas.microsoft.com/office/drawing/2010/main">
+            <a14:hiddenEffects xmlns:a14="http://schemas.microsoft.com/office/drawing/2010/main" xmlns="">
               <a:effectLst>
                 <a:outerShdw dist="35921" dir="2700000" algn="ctr" rotWithShape="0">
                   <a:schemeClr val="bg2"/>

--- a/Presentations/2024_COPERF_CGE.pptx
+++ b/Presentations/2024_COPERF_CGE.pptx
@@ -5,10 +5,10 @@
     <p:sldMasterId id="2147483649" r:id="rId1"/>
   </p:sldMasterIdLst>
   <p:notesMasterIdLst>
-    <p:notesMasterId r:id="rId25"/>
+    <p:notesMasterId r:id="rId23"/>
   </p:notesMasterIdLst>
   <p:handoutMasterIdLst>
-    <p:handoutMasterId r:id="rId26"/>
+    <p:handoutMasterId r:id="rId24"/>
   </p:handoutMasterIdLst>
   <p:sldIdLst>
     <p:sldId id="258" r:id="rId2"/>
@@ -21,19 +21,17 @@
     <p:sldId id="265" r:id="rId9"/>
     <p:sldId id="283" r:id="rId10"/>
     <p:sldId id="264" r:id="rId11"/>
-    <p:sldId id="288" r:id="rId12"/>
-    <p:sldId id="286" r:id="rId13"/>
-    <p:sldId id="289" r:id="rId14"/>
-    <p:sldId id="294" r:id="rId15"/>
-    <p:sldId id="295" r:id="rId16"/>
-    <p:sldId id="296" r:id="rId17"/>
-    <p:sldId id="291" r:id="rId18"/>
-    <p:sldId id="297" r:id="rId19"/>
-    <p:sldId id="290" r:id="rId20"/>
-    <p:sldId id="299" r:id="rId21"/>
-    <p:sldId id="298" r:id="rId22"/>
-    <p:sldId id="301" r:id="rId23"/>
-    <p:sldId id="300" r:id="rId24"/>
+    <p:sldId id="302" r:id="rId12"/>
+    <p:sldId id="303" r:id="rId13"/>
+    <p:sldId id="286" r:id="rId14"/>
+    <p:sldId id="304" r:id="rId15"/>
+    <p:sldId id="305" r:id="rId16"/>
+    <p:sldId id="289" r:id="rId17"/>
+    <p:sldId id="294" r:id="rId18"/>
+    <p:sldId id="295" r:id="rId19"/>
+    <p:sldId id="296" r:id="rId20"/>
+    <p:sldId id="291" r:id="rId21"/>
+    <p:sldId id="297" r:id="rId22"/>
   </p:sldIdLst>
   <p:sldSz cx="9144000" cy="6858000" type="screen4x3"/>
   <p:notesSz cx="7315200" cy="9601200"/>
@@ -1309,7 +1307,277 @@
     </p:spTree>
     <p:extLst>
       <p:ext uri="{BB962C8B-B14F-4D97-AF65-F5344CB8AC3E}">
-        <p14:creationId xmlns:p14="http://schemas.microsoft.com/office/powerpoint/2010/main" val="1110199357"/>
+        <p14:creationId xmlns:p14="http://schemas.microsoft.com/office/powerpoint/2010/main" val="808137203"/>
+      </p:ext>
+    </p:extLst>
+  </p:cSld>
+  <p:clrMapOvr>
+    <a:masterClrMapping/>
+  </p:clrMapOvr>
+</p:notes>
+</file>
+
+<file path=ppt/notesSlides/notesSlide5.xml><?xml version="1.0" encoding="utf-8"?>
+<p:notes xmlns:a="http://schemas.openxmlformats.org/drawingml/2006/main" xmlns:r="http://schemas.openxmlformats.org/officeDocument/2006/relationships" xmlns:p="http://schemas.openxmlformats.org/presentationml/2006/main">
+  <p:cSld>
+    <p:spTree>
+      <p:nvGrpSpPr>
+        <p:cNvPr id="1" name=""/>
+        <p:cNvGrpSpPr/>
+        <p:nvPr/>
+      </p:nvGrpSpPr>
+      <p:grpSpPr>
+        <a:xfrm>
+          <a:off x="0" y="0"/>
+          <a:ext cx="0" cy="0"/>
+          <a:chOff x="0" y="0"/>
+          <a:chExt cx="0" cy="0"/>
+        </a:xfrm>
+      </p:grpSpPr>
+      <p:sp>
+        <p:nvSpPr>
+          <p:cNvPr id="2" name="Espace réservé de l'image des diapositives 1"/>
+          <p:cNvSpPr>
+            <a:spLocks noGrp="1" noRot="1" noChangeAspect="1"/>
+          </p:cNvSpPr>
+          <p:nvPr>
+            <p:ph type="sldImg"/>
+          </p:nvPr>
+        </p:nvSpPr>
+        <p:spPr/>
+      </p:sp>
+      <p:sp>
+        <p:nvSpPr>
+          <p:cNvPr id="3" name="Espace réservé des notes 2"/>
+          <p:cNvSpPr>
+            <a:spLocks noGrp="1"/>
+          </p:cNvSpPr>
+          <p:nvPr>
+            <p:ph type="body" idx="1"/>
+          </p:nvPr>
+        </p:nvSpPr>
+        <p:spPr/>
+        <p:txBody>
+          <a:bodyPr/>
+          <a:lstStyle/>
+          <a:p>
+            <a:endParaRPr lang="fr-FR" dirty="0"/>
+          </a:p>
+        </p:txBody>
+      </p:sp>
+      <p:sp>
+        <p:nvSpPr>
+          <p:cNvPr id="4" name="Espace réservé du numéro de diapositive 3"/>
+          <p:cNvSpPr>
+            <a:spLocks noGrp="1"/>
+          </p:cNvSpPr>
+          <p:nvPr>
+            <p:ph type="sldNum" sz="quarter" idx="5"/>
+          </p:nvPr>
+        </p:nvSpPr>
+        <p:spPr/>
+        <p:txBody>
+          <a:bodyPr/>
+          <a:lstStyle/>
+          <a:p>
+            <a:pPr>
+              <a:defRPr/>
+            </a:pPr>
+            <a:fld id="{DF0A0EB6-F843-4E12-9C94-C8B9BC04D69A}" type="slidenum">
+              <a:rPr lang="fr-FR" altLang="fr-FR" smtClean="0"/>
+              <a:pPr>
+                <a:defRPr/>
+              </a:pPr>
+              <a:t>12</a:t>
+            </a:fld>
+            <a:endParaRPr lang="fr-FR" altLang="fr-FR"/>
+          </a:p>
+        </p:txBody>
+      </p:sp>
+    </p:spTree>
+    <p:extLst>
+      <p:ext uri="{BB962C8B-B14F-4D97-AF65-F5344CB8AC3E}">
+        <p14:creationId xmlns:p14="http://schemas.microsoft.com/office/powerpoint/2010/main" val="2191430694"/>
+      </p:ext>
+    </p:extLst>
+  </p:cSld>
+  <p:clrMapOvr>
+    <a:masterClrMapping/>
+  </p:clrMapOvr>
+</p:notes>
+</file>
+
+<file path=ppt/notesSlides/notesSlide6.xml><?xml version="1.0" encoding="utf-8"?>
+<p:notes xmlns:a="http://schemas.openxmlformats.org/drawingml/2006/main" xmlns:r="http://schemas.openxmlformats.org/officeDocument/2006/relationships" xmlns:p="http://schemas.openxmlformats.org/presentationml/2006/main">
+  <p:cSld>
+    <p:spTree>
+      <p:nvGrpSpPr>
+        <p:cNvPr id="1" name=""/>
+        <p:cNvGrpSpPr/>
+        <p:nvPr/>
+      </p:nvGrpSpPr>
+      <p:grpSpPr>
+        <a:xfrm>
+          <a:off x="0" y="0"/>
+          <a:ext cx="0" cy="0"/>
+          <a:chOff x="0" y="0"/>
+          <a:chExt cx="0" cy="0"/>
+        </a:xfrm>
+      </p:grpSpPr>
+      <p:sp>
+        <p:nvSpPr>
+          <p:cNvPr id="2" name="Espace réservé de l'image des diapositives 1"/>
+          <p:cNvSpPr>
+            <a:spLocks noGrp="1" noRot="1" noChangeAspect="1"/>
+          </p:cNvSpPr>
+          <p:nvPr>
+            <p:ph type="sldImg"/>
+          </p:nvPr>
+        </p:nvSpPr>
+        <p:spPr/>
+      </p:sp>
+      <p:sp>
+        <p:nvSpPr>
+          <p:cNvPr id="3" name="Espace réservé des notes 2"/>
+          <p:cNvSpPr>
+            <a:spLocks noGrp="1"/>
+          </p:cNvSpPr>
+          <p:nvPr>
+            <p:ph type="body" idx="1"/>
+          </p:nvPr>
+        </p:nvSpPr>
+        <p:spPr/>
+        <p:txBody>
+          <a:bodyPr/>
+          <a:lstStyle/>
+          <a:p>
+            <a:endParaRPr lang="fr-FR" dirty="0"/>
+          </a:p>
+        </p:txBody>
+      </p:sp>
+      <p:sp>
+        <p:nvSpPr>
+          <p:cNvPr id="4" name="Espace réservé du numéro de diapositive 3"/>
+          <p:cNvSpPr>
+            <a:spLocks noGrp="1"/>
+          </p:cNvSpPr>
+          <p:nvPr>
+            <p:ph type="sldNum" sz="quarter" idx="5"/>
+          </p:nvPr>
+        </p:nvSpPr>
+        <p:spPr/>
+        <p:txBody>
+          <a:bodyPr/>
+          <a:lstStyle/>
+          <a:p>
+            <a:pPr>
+              <a:defRPr/>
+            </a:pPr>
+            <a:fld id="{DF0A0EB6-F843-4E12-9C94-C8B9BC04D69A}" type="slidenum">
+              <a:rPr lang="fr-FR" altLang="fr-FR" smtClean="0"/>
+              <a:pPr>
+                <a:defRPr/>
+              </a:pPr>
+              <a:t>14</a:t>
+            </a:fld>
+            <a:endParaRPr lang="fr-FR" altLang="fr-FR"/>
+          </a:p>
+        </p:txBody>
+      </p:sp>
+    </p:spTree>
+    <p:extLst>
+      <p:ext uri="{BB962C8B-B14F-4D97-AF65-F5344CB8AC3E}">
+        <p14:creationId xmlns:p14="http://schemas.microsoft.com/office/powerpoint/2010/main" val="1182666887"/>
+      </p:ext>
+    </p:extLst>
+  </p:cSld>
+  <p:clrMapOvr>
+    <a:masterClrMapping/>
+  </p:clrMapOvr>
+</p:notes>
+</file>
+
+<file path=ppt/notesSlides/notesSlide7.xml><?xml version="1.0" encoding="utf-8"?>
+<p:notes xmlns:a="http://schemas.openxmlformats.org/drawingml/2006/main" xmlns:r="http://schemas.openxmlformats.org/officeDocument/2006/relationships" xmlns:p="http://schemas.openxmlformats.org/presentationml/2006/main">
+  <p:cSld>
+    <p:spTree>
+      <p:nvGrpSpPr>
+        <p:cNvPr id="1" name=""/>
+        <p:cNvGrpSpPr/>
+        <p:nvPr/>
+      </p:nvGrpSpPr>
+      <p:grpSpPr>
+        <a:xfrm>
+          <a:off x="0" y="0"/>
+          <a:ext cx="0" cy="0"/>
+          <a:chOff x="0" y="0"/>
+          <a:chExt cx="0" cy="0"/>
+        </a:xfrm>
+      </p:grpSpPr>
+      <p:sp>
+        <p:nvSpPr>
+          <p:cNvPr id="2" name="Espace réservé de l'image des diapositives 1"/>
+          <p:cNvSpPr>
+            <a:spLocks noGrp="1" noRot="1" noChangeAspect="1"/>
+          </p:cNvSpPr>
+          <p:nvPr>
+            <p:ph type="sldImg"/>
+          </p:nvPr>
+        </p:nvSpPr>
+        <p:spPr/>
+      </p:sp>
+      <p:sp>
+        <p:nvSpPr>
+          <p:cNvPr id="3" name="Espace réservé des notes 2"/>
+          <p:cNvSpPr>
+            <a:spLocks noGrp="1"/>
+          </p:cNvSpPr>
+          <p:nvPr>
+            <p:ph type="body" idx="1"/>
+          </p:nvPr>
+        </p:nvSpPr>
+        <p:spPr/>
+        <p:txBody>
+          <a:bodyPr/>
+          <a:lstStyle/>
+          <a:p>
+            <a:endParaRPr lang="fr-FR" dirty="0"/>
+          </a:p>
+        </p:txBody>
+      </p:sp>
+      <p:sp>
+        <p:nvSpPr>
+          <p:cNvPr id="4" name="Espace réservé du numéro de diapositive 3"/>
+          <p:cNvSpPr>
+            <a:spLocks noGrp="1"/>
+          </p:cNvSpPr>
+          <p:nvPr>
+            <p:ph type="sldNum" sz="quarter" idx="5"/>
+          </p:nvPr>
+        </p:nvSpPr>
+        <p:spPr/>
+        <p:txBody>
+          <a:bodyPr/>
+          <a:lstStyle/>
+          <a:p>
+            <a:pPr>
+              <a:defRPr/>
+            </a:pPr>
+            <a:fld id="{DF0A0EB6-F843-4E12-9C94-C8B9BC04D69A}" type="slidenum">
+              <a:rPr lang="fr-FR" altLang="fr-FR" smtClean="0"/>
+              <a:pPr>
+                <a:defRPr/>
+              </a:pPr>
+              <a:t>15</a:t>
+            </a:fld>
+            <a:endParaRPr lang="fr-FR" altLang="fr-FR"/>
+          </a:p>
+        </p:txBody>
+      </p:sp>
+    </p:spTree>
+    <p:extLst>
+      <p:ext uri="{BB962C8B-B14F-4D97-AF65-F5344CB8AC3E}">
+        <p14:creationId xmlns:p14="http://schemas.microsoft.com/office/powerpoint/2010/main" val="3643121953"/>
       </p:ext>
     </p:extLst>
   </p:cSld>
@@ -6191,7 +6459,7 @@
                     <a:p>
                       <a:pPr algn="ctr"/>
                       <a:r>
-                        <a:rPr lang="fr-FR" dirty="0">
+                        <a:rPr lang="fr-FR" sz="1600" dirty="0">
                           <a:solidFill>
                             <a:schemeClr val="tx1">
                               <a:lumMod val="65000"/>
@@ -6223,7 +6491,7 @@
                             <a:srgbClr val="0A3250"/>
                           </a:solidFill>
                         </a:rPr>
-                        <a:t>00,0 %</a:t>
+                        <a:t>69,2 %</a:t>
                       </a:r>
                     </a:p>
                   </a:txBody>
@@ -6311,7 +6579,7 @@
                     <a:p>
                       <a:pPr algn="ctr"/>
                       <a:r>
-                        <a:rPr lang="fr-FR" dirty="0">
+                        <a:rPr lang="fr-FR" sz="1600" dirty="0">
                           <a:solidFill>
                             <a:schemeClr val="tx1">
                               <a:lumMod val="65000"/>
@@ -6344,7 +6612,7 @@
                             <a:srgbClr val="0A3250"/>
                           </a:solidFill>
                         </a:rPr>
-                        <a:t>00,0 %</a:t>
+                        <a:t>89,6 %</a:t>
                       </a:r>
                     </a:p>
                   </a:txBody>
@@ -6437,7 +6705,7 @@
                     <a:lstStyle/>
                     <a:p>
                       <a:pPr algn="ctr"/>
-                      <a:endParaRPr lang="fr-FR" sz="1400" dirty="0">
+                      <a:endParaRPr lang="fr-FR" sz="1200" dirty="0">
                         <a:solidFill>
                           <a:schemeClr val="tx1">
                             <a:lumMod val="65000"/>
@@ -6534,7 +6802,7 @@
                     <a:p>
                       <a:pPr algn="ctr"/>
                       <a:r>
-                        <a:rPr lang="fr-FR" dirty="0">
+                        <a:rPr lang="fr-FR" sz="1600" dirty="0">
                           <a:solidFill>
                             <a:schemeClr val="tx1">
                               <a:lumMod val="65000"/>
@@ -6566,7 +6834,7 @@
                             <a:srgbClr val="0A3250"/>
                           </a:solidFill>
                         </a:rPr>
-                        <a:t>00 000 €</a:t>
+                        <a:t>38 520 €</a:t>
                       </a:r>
                     </a:p>
                   </a:txBody>
@@ -6635,7 +6903,7 @@
                     <a:p>
                       <a:pPr algn="ctr"/>
                       <a:r>
-                        <a:rPr lang="fr-FR" sz="1400" b="1" dirty="0">
+                        <a:rPr lang="fr-FR" sz="1200" b="1" dirty="0">
                           <a:solidFill>
                             <a:schemeClr val="tx1">
                               <a:lumMod val="65000"/>
@@ -6667,7 +6935,7 @@
                             <a:srgbClr val="0A3250"/>
                           </a:solidFill>
                         </a:rPr>
-                        <a:t>00 000 €</a:t>
+                        <a:t>37 256 €</a:t>
                       </a:r>
                     </a:p>
                   </a:txBody>
@@ -6736,7 +7004,7 @@
                     <a:p>
                       <a:pPr algn="ctr"/>
                       <a:r>
-                        <a:rPr lang="fr-FR" sz="1400" dirty="0">
+                        <a:rPr lang="fr-FR" sz="1200" dirty="0">
                           <a:solidFill>
                             <a:schemeClr val="tx1">
                               <a:lumMod val="65000"/>
@@ -6768,7 +7036,7 @@
                             <a:srgbClr val="0A3250"/>
                           </a:solidFill>
                         </a:rPr>
-                        <a:t>00 000 €</a:t>
+                        <a:t>39 117 €</a:t>
                       </a:r>
                     </a:p>
                   </a:txBody>
@@ -6870,7 +7138,7 @@
                     <a:p>
                       <a:pPr algn="ctr"/>
                       <a:r>
-                        <a:rPr lang="fr-FR" sz="1600" b="1" dirty="0">
+                        <a:rPr lang="fr-FR" sz="1400" b="1" dirty="0">
                           <a:solidFill>
                             <a:schemeClr val="tx1">
                               <a:lumMod val="65000"/>
@@ -6881,14 +7149,14 @@
                         <a:t>85,7 %</a:t>
                       </a:r>
                       <a:br>
-                        <a:rPr lang="fr-FR" sz="1600" b="1" dirty="0">
+                        <a:rPr lang="fr-FR" sz="1400" b="1" dirty="0">
                           <a:solidFill>
                             <a:schemeClr val="tx1"/>
                           </a:solidFill>
                         </a:rPr>
                       </a:br>
                       <a:r>
-                        <a:rPr lang="fr-FR" sz="1200" b="1" dirty="0">
+                        <a:rPr lang="fr-FR" sz="1100" b="1" dirty="0">
                           <a:solidFill>
                             <a:srgbClr val="595959"/>
                           </a:solidFill>
@@ -6918,7 +7186,7 @@
                             <a:srgbClr val="0A3250"/>
                           </a:solidFill>
                         </a:rPr>
-                        <a:t>00,0 %</a:t>
+                        <a:t>86,6 %</a:t>
                       </a:r>
                     </a:p>
                   </a:txBody>
@@ -6993,7 +7261,7 @@
                     <a:p>
                       <a:pPr algn="ctr"/>
                       <a:r>
-                        <a:rPr lang="fr-FR" sz="1600" b="1" dirty="0">
+                        <a:rPr lang="fr-FR" sz="1400" b="1" dirty="0">
                           <a:solidFill>
                             <a:schemeClr val="tx1">
                               <a:lumMod val="65000"/>
@@ -7025,7 +7293,7 @@
                             <a:srgbClr val="0A3250"/>
                           </a:solidFill>
                         </a:rPr>
-                        <a:t>0,0 %</a:t>
+                        <a:t>9,0 %</a:t>
                       </a:r>
                     </a:p>
                   </a:txBody>
@@ -7092,7 +7360,7 @@
                     <a:p>
                       <a:pPr algn="ctr"/>
                       <a:r>
-                        <a:rPr lang="fr-FR" sz="1600" dirty="0">
+                        <a:rPr lang="fr-FR" sz="1400" dirty="0">
                           <a:solidFill>
                             <a:schemeClr val="tx1">
                               <a:lumMod val="65000"/>
@@ -7125,7 +7393,7 @@
                             <a:srgbClr val="0A3250"/>
                           </a:solidFill>
                         </a:rPr>
-                        <a:t>00,0 %</a:t>
+                        <a:t>91,5 %</a:t>
                       </a:r>
                     </a:p>
                   </a:txBody>
@@ -7231,52 +7499,10 @@
           </a:p>
         </p:txBody>
       </p:sp>
-      <p:sp>
-        <p:nvSpPr>
-          <p:cNvPr id="4" name="ZoneTexte 3">
-            <a:extLst>
-              <a:ext uri="{FF2B5EF4-FFF2-40B4-BE49-F238E27FC236}">
-                <a16:creationId xmlns:a16="http://schemas.microsoft.com/office/drawing/2014/main" id="{6110E931-7E98-336E-27D5-5EDE74BE816E}"/>
-              </a:ext>
-            </a:extLst>
-          </p:cNvPr>
-          <p:cNvSpPr txBox="1"/>
-          <p:nvPr/>
-        </p:nvSpPr>
-        <p:spPr>
-          <a:xfrm rot="20218656">
-            <a:off x="5679789" y="602758"/>
-            <a:ext cx="2184137" cy="461665"/>
-          </a:xfrm>
-          <a:prstGeom prst="rect">
-            <a:avLst/>
-          </a:prstGeom>
-          <a:solidFill>
-            <a:srgbClr val="5B277D"/>
-          </a:solidFill>
-        </p:spPr>
-        <p:txBody>
-          <a:bodyPr wrap="square" rtlCol="0">
-            <a:spAutoFit/>
-          </a:bodyPr>
-          <a:lstStyle/>
-          <a:p>
-            <a:pPr algn="ctr"/>
-            <a:r>
-              <a:rPr lang="fr-FR" sz="2400" b="1" dirty="0">
-                <a:solidFill>
-                  <a:schemeClr val="bg1"/>
-                </a:solidFill>
-              </a:rPr>
-              <a:t>A MODIFIER</a:t>
-            </a:r>
-          </a:p>
-        </p:txBody>
-      </p:sp>
     </p:spTree>
     <p:extLst>
       <p:ext uri="{BB962C8B-B14F-4D97-AF65-F5344CB8AC3E}">
-        <p14:creationId xmlns:p14="http://schemas.microsoft.com/office/powerpoint/2010/main" val="2405667589"/>
+        <p14:creationId xmlns:p14="http://schemas.microsoft.com/office/powerpoint/2010/main" val="2459829273"/>
       </p:ext>
     </p:extLst>
   </p:cSld>
@@ -7287,6 +7513,244 @@
 </file>
 
 <file path=ppt/slides/slide12.xml><?xml version="1.0" encoding="utf-8"?>
+<p:sld xmlns:a="http://schemas.openxmlformats.org/drawingml/2006/main" xmlns:r="http://schemas.openxmlformats.org/officeDocument/2006/relationships" xmlns:p="http://schemas.openxmlformats.org/presentationml/2006/main">
+  <p:cSld>
+    <p:spTree>
+      <p:nvGrpSpPr>
+        <p:cNvPr id="1" name=""/>
+        <p:cNvGrpSpPr/>
+        <p:nvPr/>
+      </p:nvGrpSpPr>
+      <p:grpSpPr>
+        <a:xfrm>
+          <a:off x="0" y="0"/>
+          <a:ext cx="0" cy="0"/>
+          <a:chOff x="0" y="0"/>
+          <a:chExt cx="0" cy="0"/>
+        </a:xfrm>
+      </p:grpSpPr>
+      <p:sp>
+        <p:nvSpPr>
+          <p:cNvPr id="2" name="Titre 1">
+            <a:extLst>
+              <a:ext uri="{FF2B5EF4-FFF2-40B4-BE49-F238E27FC236}">
+                <a16:creationId xmlns:a16="http://schemas.microsoft.com/office/drawing/2014/main" id="{FAA161D5-927A-49ED-83AF-6D12A66FF712}"/>
+              </a:ext>
+            </a:extLst>
+          </p:cNvPr>
+          <p:cNvSpPr>
+            <a:spLocks noGrp="1"/>
+          </p:cNvSpPr>
+          <p:nvPr>
+            <p:ph type="title"/>
+          </p:nvPr>
+        </p:nvSpPr>
+        <p:spPr/>
+        <p:txBody>
+          <a:bodyPr/>
+          <a:lstStyle/>
+          <a:p>
+            <a:pPr>
+              <a:defRPr/>
+            </a:pPr>
+            <a:r>
+              <a:rPr lang="fr-FR" sz="2800" dirty="0"/>
+              <a:t>Enquête CGE / Résumé</a:t>
+            </a:r>
+          </a:p>
+        </p:txBody>
+      </p:sp>
+      <p:sp>
+        <p:nvSpPr>
+          <p:cNvPr id="6147" name="Espace réservé du contenu 2">
+            <a:extLst>
+              <a:ext uri="{FF2B5EF4-FFF2-40B4-BE49-F238E27FC236}">
+                <a16:creationId xmlns:a16="http://schemas.microsoft.com/office/drawing/2014/main" id="{458254A6-099B-4E75-907C-19CA1B94B253}"/>
+              </a:ext>
+            </a:extLst>
+          </p:cNvPr>
+          <p:cNvSpPr>
+            <a:spLocks noGrp="1" noChangeArrowheads="1"/>
+          </p:cNvSpPr>
+          <p:nvPr>
+            <p:ph idx="1"/>
+          </p:nvPr>
+        </p:nvSpPr>
+        <p:spPr>
+          <a:xfrm>
+            <a:off x="447675" y="1600200"/>
+            <a:ext cx="8229600" cy="430779"/>
+          </a:xfrm>
+        </p:spPr>
+        <p:txBody>
+          <a:bodyPr/>
+          <a:lstStyle/>
+          <a:p>
+            <a:r>
+              <a:rPr lang="fr-FR" altLang="fr-FR" sz="2000" b="1" dirty="0">
+                <a:solidFill>
+                  <a:srgbClr val="FF960A"/>
+                </a:solidFill>
+                <a:ea typeface="ＭＳ Ｐゴシック" panose="020B0600070205080204" pitchFamily="34" charset="-128"/>
+              </a:rPr>
+              <a:t>Evolution des salaires moyens</a:t>
+            </a:r>
+          </a:p>
+        </p:txBody>
+      </p:sp>
+      <p:pic>
+        <p:nvPicPr>
+          <p:cNvPr id="6148" name="Picture 2" descr="upright=Article à illustrer Organisation">
+            <a:extLst>
+              <a:ext uri="{FF2B5EF4-FFF2-40B4-BE49-F238E27FC236}">
+                <a16:creationId xmlns:a16="http://schemas.microsoft.com/office/drawing/2014/main" id="{105BE698-E40C-4415-A9DF-F8680D1DF607}"/>
+              </a:ext>
+            </a:extLst>
+          </p:cNvPr>
+          <p:cNvPicPr>
+            <a:picLocks noChangeAspect="1" noChangeArrowheads="1"/>
+          </p:cNvPicPr>
+          <p:nvPr/>
+        </p:nvPicPr>
+        <p:blipFill>
+          <a:blip r:embed="rId3">
+            <a:extLst>
+              <a:ext uri="{28A0092B-C50C-407E-A947-70E740481C1C}">
+                <a14:useLocalDpi xmlns:a14="http://schemas.microsoft.com/office/drawing/2010/main" val="0"/>
+              </a:ext>
+            </a:extLst>
+          </a:blip>
+          <a:srcRect/>
+          <a:stretch>
+            <a:fillRect/>
+          </a:stretch>
+        </p:blipFill>
+        <p:spPr bwMode="auto">
+          <a:xfrm>
+            <a:off x="7766050" y="892175"/>
+            <a:ext cx="1157288" cy="384175"/>
+          </a:xfrm>
+          <a:prstGeom prst="rect">
+            <a:avLst/>
+          </a:prstGeom>
+          <a:noFill/>
+          <a:ln>
+            <a:noFill/>
+          </a:ln>
+          <a:extLst>
+            <a:ext uri="{909E8E84-426E-40DD-AFC4-6F175D3DCCD1}">
+              <a14:hiddenFill xmlns:a14="http://schemas.microsoft.com/office/drawing/2010/main">
+                <a:solidFill>
+                  <a:srgbClr val="FFFFFF"/>
+                </a:solidFill>
+              </a14:hiddenFill>
+            </a:ext>
+            <a:ext uri="{91240B29-F687-4F45-9708-019B960494DF}">
+              <a14:hiddenLine xmlns:a14="http://schemas.microsoft.com/office/drawing/2010/main" w="9525">
+                <a:solidFill>
+                  <a:srgbClr val="000000"/>
+                </a:solidFill>
+                <a:miter lim="800000"/>
+                <a:headEnd/>
+                <a:tailEnd/>
+              </a14:hiddenLine>
+            </a:ext>
+          </a:extLst>
+        </p:spPr>
+      </p:pic>
+      <p:sp>
+        <p:nvSpPr>
+          <p:cNvPr id="3" name="ZoneTexte 2">
+            <a:extLst>
+              <a:ext uri="{FF2B5EF4-FFF2-40B4-BE49-F238E27FC236}">
+                <a16:creationId xmlns:a16="http://schemas.microsoft.com/office/drawing/2014/main" id="{76C5E635-ACF0-A360-2BA1-1AD1AB1E7A21}"/>
+              </a:ext>
+            </a:extLst>
+          </p:cNvPr>
+          <p:cNvSpPr txBox="1"/>
+          <p:nvPr/>
+        </p:nvSpPr>
+        <p:spPr>
+          <a:xfrm rot="16200000">
+            <a:off x="-2330100" y="3437334"/>
+            <a:ext cx="4998749" cy="338554"/>
+          </a:xfrm>
+          <a:prstGeom prst="rect">
+            <a:avLst/>
+          </a:prstGeom>
+          <a:solidFill>
+            <a:schemeClr val="bg1">
+              <a:lumMod val="50000"/>
+            </a:schemeClr>
+          </a:solidFill>
+        </p:spPr>
+        <p:txBody>
+          <a:bodyPr wrap="square" rtlCol="0">
+            <a:spAutoFit/>
+          </a:bodyPr>
+          <a:lstStyle/>
+          <a:p>
+            <a:r>
+              <a:rPr lang="fr-FR" dirty="0">
+                <a:solidFill>
+                  <a:schemeClr val="bg1"/>
+                </a:solidFill>
+              </a:rPr>
+              <a:t>Enquête CGE / Version 2024</a:t>
+            </a:r>
+          </a:p>
+        </p:txBody>
+      </p:sp>
+      <p:pic>
+        <p:nvPicPr>
+          <p:cNvPr id="7" name="Image 6" descr="Une image contenant texte, capture d’écran, ligne, Tracé&#10;&#10;Description générée automatiquement">
+            <a:extLst>
+              <a:ext uri="{FF2B5EF4-FFF2-40B4-BE49-F238E27FC236}">
+                <a16:creationId xmlns:a16="http://schemas.microsoft.com/office/drawing/2014/main" id="{E7B162D8-D942-BB07-130A-D82E7545B047}"/>
+              </a:ext>
+            </a:extLst>
+          </p:cNvPr>
+          <p:cNvPicPr>
+            <a:picLocks noChangeAspect="1"/>
+          </p:cNvPicPr>
+          <p:nvPr/>
+        </p:nvPicPr>
+        <p:blipFill>
+          <a:blip r:embed="rId4">
+            <a:extLst>
+              <a:ext uri="{28A0092B-C50C-407E-A947-70E740481C1C}">
+                <a14:useLocalDpi xmlns:a14="http://schemas.microsoft.com/office/drawing/2010/main" val="0"/>
+              </a:ext>
+            </a:extLst>
+          </a:blip>
+          <a:stretch>
+            <a:fillRect/>
+          </a:stretch>
+        </p:blipFill>
+        <p:spPr>
+          <a:xfrm>
+            <a:off x="763917" y="2203601"/>
+            <a:ext cx="4642755" cy="2789023"/>
+          </a:xfrm>
+          <a:prstGeom prst="rect">
+            <a:avLst/>
+          </a:prstGeom>
+        </p:spPr>
+      </p:pic>
+    </p:spTree>
+    <p:extLst>
+      <p:ext uri="{BB962C8B-B14F-4D97-AF65-F5344CB8AC3E}">
+        <p14:creationId xmlns:p14="http://schemas.microsoft.com/office/powerpoint/2010/main" val="2850074256"/>
+      </p:ext>
+    </p:extLst>
+  </p:cSld>
+  <p:clrMapOvr>
+    <a:masterClrMapping/>
+  </p:clrMapOvr>
+</p:sld>
+</file>
+
+<file path=ppt/slides/slide13.xml><?xml version="1.0" encoding="utf-8"?>
 <p:sld xmlns:a="http://schemas.openxmlformats.org/drawingml/2006/main" xmlns:r="http://schemas.openxmlformats.org/officeDocument/2006/relationships" xmlns:p="http://schemas.openxmlformats.org/presentationml/2006/main">
   <p:cSld>
     <p:spTree>
@@ -7697,7 +8161,541 @@
 </p:sld>
 </file>
 
-<file path=ppt/slides/slide13.xml><?xml version="1.0" encoding="utf-8"?>
+<file path=ppt/slides/slide14.xml><?xml version="1.0" encoding="utf-8"?>
+<p:sld xmlns:a="http://schemas.openxmlformats.org/drawingml/2006/main" xmlns:r="http://schemas.openxmlformats.org/officeDocument/2006/relationships" xmlns:p="http://schemas.openxmlformats.org/presentationml/2006/main">
+  <p:cSld>
+    <p:spTree>
+      <p:nvGrpSpPr>
+        <p:cNvPr id="1" name=""/>
+        <p:cNvGrpSpPr/>
+        <p:nvPr/>
+      </p:nvGrpSpPr>
+      <p:grpSpPr>
+        <a:xfrm>
+          <a:off x="0" y="0"/>
+          <a:ext cx="0" cy="0"/>
+          <a:chOff x="0" y="0"/>
+          <a:chExt cx="0" cy="0"/>
+        </a:xfrm>
+      </p:grpSpPr>
+      <p:pic>
+        <p:nvPicPr>
+          <p:cNvPr id="5" name="Image 4" descr="Une image contenant texte, capture d’écran, ligne, Tracé&#10;&#10;Description générée automatiquement">
+            <a:extLst>
+              <a:ext uri="{FF2B5EF4-FFF2-40B4-BE49-F238E27FC236}">
+                <a16:creationId xmlns:a16="http://schemas.microsoft.com/office/drawing/2014/main" id="{A2D67180-2DE7-AADE-062A-FFFA42925DDA}"/>
+              </a:ext>
+            </a:extLst>
+          </p:cNvPr>
+          <p:cNvPicPr>
+            <a:picLocks noChangeAspect="1"/>
+          </p:cNvPicPr>
+          <p:nvPr/>
+        </p:nvPicPr>
+        <p:blipFill>
+          <a:blip r:embed="rId3">
+            <a:extLst>
+              <a:ext uri="{28A0092B-C50C-407E-A947-70E740481C1C}">
+                <a14:useLocalDpi xmlns:a14="http://schemas.microsoft.com/office/drawing/2010/main" val="0"/>
+              </a:ext>
+            </a:extLst>
+          </a:blip>
+          <a:stretch>
+            <a:fillRect/>
+          </a:stretch>
+        </p:blipFill>
+        <p:spPr>
+          <a:xfrm>
+            <a:off x="763917" y="2203601"/>
+            <a:ext cx="4577586" cy="2751539"/>
+          </a:xfrm>
+          <a:prstGeom prst="rect">
+            <a:avLst/>
+          </a:prstGeom>
+        </p:spPr>
+      </p:pic>
+      <p:sp>
+        <p:nvSpPr>
+          <p:cNvPr id="2" name="Titre 1">
+            <a:extLst>
+              <a:ext uri="{FF2B5EF4-FFF2-40B4-BE49-F238E27FC236}">
+                <a16:creationId xmlns:a16="http://schemas.microsoft.com/office/drawing/2014/main" id="{FAA161D5-927A-49ED-83AF-6D12A66FF712}"/>
+              </a:ext>
+            </a:extLst>
+          </p:cNvPr>
+          <p:cNvSpPr>
+            <a:spLocks noGrp="1"/>
+          </p:cNvSpPr>
+          <p:nvPr>
+            <p:ph type="title"/>
+          </p:nvPr>
+        </p:nvSpPr>
+        <p:spPr/>
+        <p:txBody>
+          <a:bodyPr/>
+          <a:lstStyle/>
+          <a:p>
+            <a:pPr>
+              <a:defRPr/>
+            </a:pPr>
+            <a:r>
+              <a:rPr lang="fr-FR" sz="2800" dirty="0"/>
+              <a:t>Enquête CGE / Résumé</a:t>
+            </a:r>
+          </a:p>
+        </p:txBody>
+      </p:sp>
+      <p:sp>
+        <p:nvSpPr>
+          <p:cNvPr id="6147" name="Espace réservé du contenu 2">
+            <a:extLst>
+              <a:ext uri="{FF2B5EF4-FFF2-40B4-BE49-F238E27FC236}">
+                <a16:creationId xmlns:a16="http://schemas.microsoft.com/office/drawing/2014/main" id="{458254A6-099B-4E75-907C-19CA1B94B253}"/>
+              </a:ext>
+            </a:extLst>
+          </p:cNvPr>
+          <p:cNvSpPr>
+            <a:spLocks noGrp="1" noChangeArrowheads="1"/>
+          </p:cNvSpPr>
+          <p:nvPr>
+            <p:ph idx="1"/>
+          </p:nvPr>
+        </p:nvSpPr>
+        <p:spPr>
+          <a:xfrm>
+            <a:off x="447675" y="1600200"/>
+            <a:ext cx="8229600" cy="430779"/>
+          </a:xfrm>
+        </p:spPr>
+        <p:txBody>
+          <a:bodyPr/>
+          <a:lstStyle/>
+          <a:p>
+            <a:r>
+              <a:rPr lang="fr-FR" altLang="fr-FR" sz="2000" b="1" dirty="0">
+                <a:solidFill>
+                  <a:srgbClr val="FF960A"/>
+                </a:solidFill>
+                <a:ea typeface="ＭＳ Ｐゴシック" panose="020B0600070205080204" pitchFamily="34" charset="-128"/>
+              </a:rPr>
+              <a:t>Evolution des salaires moyens / Cumul</a:t>
+            </a:r>
+          </a:p>
+          <a:p>
+            <a:pPr marL="0" indent="0">
+              <a:buNone/>
+            </a:pPr>
+            <a:endParaRPr lang="fr-FR" altLang="fr-FR" sz="2000" b="1" dirty="0">
+              <a:solidFill>
+                <a:srgbClr val="FF960A"/>
+              </a:solidFill>
+              <a:ea typeface="ＭＳ Ｐゴシック" panose="020B0600070205080204" pitchFamily="34" charset="-128"/>
+            </a:endParaRPr>
+          </a:p>
+        </p:txBody>
+      </p:sp>
+      <p:pic>
+        <p:nvPicPr>
+          <p:cNvPr id="6148" name="Picture 2" descr="upright=Article à illustrer Organisation">
+            <a:extLst>
+              <a:ext uri="{FF2B5EF4-FFF2-40B4-BE49-F238E27FC236}">
+                <a16:creationId xmlns:a16="http://schemas.microsoft.com/office/drawing/2014/main" id="{105BE698-E40C-4415-A9DF-F8680D1DF607}"/>
+              </a:ext>
+            </a:extLst>
+          </p:cNvPr>
+          <p:cNvPicPr>
+            <a:picLocks noChangeAspect="1" noChangeArrowheads="1"/>
+          </p:cNvPicPr>
+          <p:nvPr/>
+        </p:nvPicPr>
+        <p:blipFill>
+          <a:blip r:embed="rId4">
+            <a:extLst>
+              <a:ext uri="{28A0092B-C50C-407E-A947-70E740481C1C}">
+                <a14:useLocalDpi xmlns:a14="http://schemas.microsoft.com/office/drawing/2010/main" val="0"/>
+              </a:ext>
+            </a:extLst>
+          </a:blip>
+          <a:srcRect/>
+          <a:stretch>
+            <a:fillRect/>
+          </a:stretch>
+        </p:blipFill>
+        <p:spPr bwMode="auto">
+          <a:xfrm>
+            <a:off x="7766050" y="892175"/>
+            <a:ext cx="1157288" cy="384175"/>
+          </a:xfrm>
+          <a:prstGeom prst="rect">
+            <a:avLst/>
+          </a:prstGeom>
+          <a:noFill/>
+          <a:ln>
+            <a:noFill/>
+          </a:ln>
+          <a:extLst>
+            <a:ext uri="{909E8E84-426E-40DD-AFC4-6F175D3DCCD1}">
+              <a14:hiddenFill xmlns:a14="http://schemas.microsoft.com/office/drawing/2010/main">
+                <a:solidFill>
+                  <a:srgbClr val="FFFFFF"/>
+                </a:solidFill>
+              </a14:hiddenFill>
+            </a:ext>
+            <a:ext uri="{91240B29-F687-4F45-9708-019B960494DF}">
+              <a14:hiddenLine xmlns:a14="http://schemas.microsoft.com/office/drawing/2010/main" w="9525">
+                <a:solidFill>
+                  <a:srgbClr val="000000"/>
+                </a:solidFill>
+                <a:miter lim="800000"/>
+                <a:headEnd/>
+                <a:tailEnd/>
+              </a14:hiddenLine>
+            </a:ext>
+          </a:extLst>
+        </p:spPr>
+      </p:pic>
+      <p:sp>
+        <p:nvSpPr>
+          <p:cNvPr id="3" name="ZoneTexte 2">
+            <a:extLst>
+              <a:ext uri="{FF2B5EF4-FFF2-40B4-BE49-F238E27FC236}">
+                <a16:creationId xmlns:a16="http://schemas.microsoft.com/office/drawing/2014/main" id="{76C5E635-ACF0-A360-2BA1-1AD1AB1E7A21}"/>
+              </a:ext>
+            </a:extLst>
+          </p:cNvPr>
+          <p:cNvSpPr txBox="1"/>
+          <p:nvPr/>
+        </p:nvSpPr>
+        <p:spPr>
+          <a:xfrm rot="16200000">
+            <a:off x="-2330100" y="3437334"/>
+            <a:ext cx="4998749" cy="338554"/>
+          </a:xfrm>
+          <a:prstGeom prst="rect">
+            <a:avLst/>
+          </a:prstGeom>
+          <a:solidFill>
+            <a:schemeClr val="bg1">
+              <a:lumMod val="50000"/>
+            </a:schemeClr>
+          </a:solidFill>
+        </p:spPr>
+        <p:txBody>
+          <a:bodyPr wrap="square" rtlCol="0">
+            <a:spAutoFit/>
+          </a:bodyPr>
+          <a:lstStyle/>
+          <a:p>
+            <a:r>
+              <a:rPr lang="fr-FR" dirty="0">
+                <a:solidFill>
+                  <a:schemeClr val="bg1"/>
+                </a:solidFill>
+              </a:rPr>
+              <a:t>Enquête CGE / Version 2024</a:t>
+            </a:r>
+          </a:p>
+        </p:txBody>
+      </p:sp>
+      <p:pic>
+        <p:nvPicPr>
+          <p:cNvPr id="7" name="Image 6" descr="Une image contenant texte, capture d’écran, ligne, Tracé&#10;&#10;Description générée automatiquement">
+            <a:extLst>
+              <a:ext uri="{FF2B5EF4-FFF2-40B4-BE49-F238E27FC236}">
+                <a16:creationId xmlns:a16="http://schemas.microsoft.com/office/drawing/2014/main" id="{E7B162D8-D942-BB07-130A-D82E7545B047}"/>
+              </a:ext>
+            </a:extLst>
+          </p:cNvPr>
+          <p:cNvPicPr>
+            <a:picLocks noChangeAspect="1"/>
+          </p:cNvPicPr>
+          <p:nvPr/>
+        </p:nvPicPr>
+        <p:blipFill>
+          <a:blip r:embed="rId5">
+            <a:extLst>
+              <a:ext uri="{28A0092B-C50C-407E-A947-70E740481C1C}">
+                <a14:useLocalDpi xmlns:a14="http://schemas.microsoft.com/office/drawing/2010/main" val="0"/>
+              </a:ext>
+            </a:extLst>
+          </a:blip>
+          <a:stretch>
+            <a:fillRect/>
+          </a:stretch>
+        </p:blipFill>
+        <p:spPr>
+          <a:xfrm>
+            <a:off x="6116965" y="1638231"/>
+            <a:ext cx="2806373" cy="1685861"/>
+          </a:xfrm>
+          <a:prstGeom prst="rect">
+            <a:avLst/>
+          </a:prstGeom>
+        </p:spPr>
+      </p:pic>
+    </p:spTree>
+    <p:extLst>
+      <p:ext uri="{BB962C8B-B14F-4D97-AF65-F5344CB8AC3E}">
+        <p14:creationId xmlns:p14="http://schemas.microsoft.com/office/powerpoint/2010/main" val="620683601"/>
+      </p:ext>
+    </p:extLst>
+  </p:cSld>
+  <p:clrMapOvr>
+    <a:masterClrMapping/>
+  </p:clrMapOvr>
+</p:sld>
+</file>
+
+<file path=ppt/slides/slide15.xml><?xml version="1.0" encoding="utf-8"?>
+<p:sld xmlns:a="http://schemas.openxmlformats.org/drawingml/2006/main" xmlns:r="http://schemas.openxmlformats.org/officeDocument/2006/relationships" xmlns:p="http://schemas.openxmlformats.org/presentationml/2006/main">
+  <p:cSld>
+    <p:spTree>
+      <p:nvGrpSpPr>
+        <p:cNvPr id="1" name=""/>
+        <p:cNvGrpSpPr/>
+        <p:nvPr/>
+      </p:nvGrpSpPr>
+      <p:grpSpPr>
+        <a:xfrm>
+          <a:off x="0" y="0"/>
+          <a:ext cx="0" cy="0"/>
+          <a:chOff x="0" y="0"/>
+          <a:chExt cx="0" cy="0"/>
+        </a:xfrm>
+      </p:grpSpPr>
+      <p:sp>
+        <p:nvSpPr>
+          <p:cNvPr id="2" name="Titre 1">
+            <a:extLst>
+              <a:ext uri="{FF2B5EF4-FFF2-40B4-BE49-F238E27FC236}">
+                <a16:creationId xmlns:a16="http://schemas.microsoft.com/office/drawing/2014/main" id="{FAA161D5-927A-49ED-83AF-6D12A66FF712}"/>
+              </a:ext>
+            </a:extLst>
+          </p:cNvPr>
+          <p:cNvSpPr>
+            <a:spLocks noGrp="1"/>
+          </p:cNvSpPr>
+          <p:nvPr>
+            <p:ph type="title"/>
+          </p:nvPr>
+        </p:nvSpPr>
+        <p:spPr/>
+        <p:txBody>
+          <a:bodyPr/>
+          <a:lstStyle/>
+          <a:p>
+            <a:pPr>
+              <a:defRPr/>
+            </a:pPr>
+            <a:r>
+              <a:rPr lang="fr-FR" sz="2800" dirty="0"/>
+              <a:t>Enquête CGE / Résumé</a:t>
+            </a:r>
+          </a:p>
+        </p:txBody>
+      </p:sp>
+      <p:sp>
+        <p:nvSpPr>
+          <p:cNvPr id="6147" name="Espace réservé du contenu 2">
+            <a:extLst>
+              <a:ext uri="{FF2B5EF4-FFF2-40B4-BE49-F238E27FC236}">
+                <a16:creationId xmlns:a16="http://schemas.microsoft.com/office/drawing/2014/main" id="{458254A6-099B-4E75-907C-19CA1B94B253}"/>
+              </a:ext>
+            </a:extLst>
+          </p:cNvPr>
+          <p:cNvSpPr>
+            <a:spLocks noGrp="1" noChangeArrowheads="1"/>
+          </p:cNvSpPr>
+          <p:nvPr>
+            <p:ph idx="1"/>
+          </p:nvPr>
+        </p:nvSpPr>
+        <p:spPr>
+          <a:xfrm>
+            <a:off x="447675" y="1600200"/>
+            <a:ext cx="8229600" cy="430779"/>
+          </a:xfrm>
+        </p:spPr>
+        <p:txBody>
+          <a:bodyPr/>
+          <a:lstStyle/>
+          <a:p>
+            <a:r>
+              <a:rPr lang="fr-FR" altLang="fr-FR" sz="2000" b="1" dirty="0">
+                <a:solidFill>
+                  <a:srgbClr val="FF960A"/>
+                </a:solidFill>
+                <a:ea typeface="ＭＳ Ｐゴシック" panose="020B0600070205080204" pitchFamily="34" charset="-128"/>
+              </a:rPr>
+              <a:t>Evolution des salaires moyens / Cumul + Filières</a:t>
+            </a:r>
+          </a:p>
+          <a:p>
+            <a:pPr marL="0" indent="0">
+              <a:buNone/>
+            </a:pPr>
+            <a:endParaRPr lang="fr-FR" altLang="fr-FR" sz="2000" b="1" dirty="0">
+              <a:solidFill>
+                <a:srgbClr val="FF960A"/>
+              </a:solidFill>
+              <a:ea typeface="ＭＳ Ｐゴシック" panose="020B0600070205080204" pitchFamily="34" charset="-128"/>
+            </a:endParaRPr>
+          </a:p>
+        </p:txBody>
+      </p:sp>
+      <p:pic>
+        <p:nvPicPr>
+          <p:cNvPr id="6148" name="Picture 2" descr="upright=Article à illustrer Organisation">
+            <a:extLst>
+              <a:ext uri="{FF2B5EF4-FFF2-40B4-BE49-F238E27FC236}">
+                <a16:creationId xmlns:a16="http://schemas.microsoft.com/office/drawing/2014/main" id="{105BE698-E40C-4415-A9DF-F8680D1DF607}"/>
+              </a:ext>
+            </a:extLst>
+          </p:cNvPr>
+          <p:cNvPicPr>
+            <a:picLocks noChangeAspect="1" noChangeArrowheads="1"/>
+          </p:cNvPicPr>
+          <p:nvPr/>
+        </p:nvPicPr>
+        <p:blipFill>
+          <a:blip r:embed="rId3">
+            <a:extLst>
+              <a:ext uri="{28A0092B-C50C-407E-A947-70E740481C1C}">
+                <a14:useLocalDpi xmlns:a14="http://schemas.microsoft.com/office/drawing/2010/main" val="0"/>
+              </a:ext>
+            </a:extLst>
+          </a:blip>
+          <a:srcRect/>
+          <a:stretch>
+            <a:fillRect/>
+          </a:stretch>
+        </p:blipFill>
+        <p:spPr bwMode="auto">
+          <a:xfrm>
+            <a:off x="7766050" y="892175"/>
+            <a:ext cx="1157288" cy="384175"/>
+          </a:xfrm>
+          <a:prstGeom prst="rect">
+            <a:avLst/>
+          </a:prstGeom>
+          <a:noFill/>
+          <a:ln>
+            <a:noFill/>
+          </a:ln>
+          <a:extLst>
+            <a:ext uri="{909E8E84-426E-40DD-AFC4-6F175D3DCCD1}">
+              <a14:hiddenFill xmlns:a14="http://schemas.microsoft.com/office/drawing/2010/main">
+                <a:solidFill>
+                  <a:srgbClr val="FFFFFF"/>
+                </a:solidFill>
+              </a14:hiddenFill>
+            </a:ext>
+            <a:ext uri="{91240B29-F687-4F45-9708-019B960494DF}">
+              <a14:hiddenLine xmlns:a14="http://schemas.microsoft.com/office/drawing/2010/main" w="9525">
+                <a:solidFill>
+                  <a:srgbClr val="000000"/>
+                </a:solidFill>
+                <a:miter lim="800000"/>
+                <a:headEnd/>
+                <a:tailEnd/>
+              </a14:hiddenLine>
+            </a:ext>
+          </a:extLst>
+        </p:spPr>
+      </p:pic>
+      <p:sp>
+        <p:nvSpPr>
+          <p:cNvPr id="3" name="ZoneTexte 2">
+            <a:extLst>
+              <a:ext uri="{FF2B5EF4-FFF2-40B4-BE49-F238E27FC236}">
+                <a16:creationId xmlns:a16="http://schemas.microsoft.com/office/drawing/2014/main" id="{76C5E635-ACF0-A360-2BA1-1AD1AB1E7A21}"/>
+              </a:ext>
+            </a:extLst>
+          </p:cNvPr>
+          <p:cNvSpPr txBox="1"/>
+          <p:nvPr/>
+        </p:nvSpPr>
+        <p:spPr>
+          <a:xfrm rot="16200000">
+            <a:off x="-2330100" y="3437334"/>
+            <a:ext cx="4998749" cy="338554"/>
+          </a:xfrm>
+          <a:prstGeom prst="rect">
+            <a:avLst/>
+          </a:prstGeom>
+          <a:solidFill>
+            <a:schemeClr val="bg1">
+              <a:lumMod val="50000"/>
+            </a:schemeClr>
+          </a:solidFill>
+        </p:spPr>
+        <p:txBody>
+          <a:bodyPr wrap="square" rtlCol="0">
+            <a:spAutoFit/>
+          </a:bodyPr>
+          <a:lstStyle/>
+          <a:p>
+            <a:r>
+              <a:rPr lang="fr-FR" dirty="0">
+                <a:solidFill>
+                  <a:schemeClr val="bg1"/>
+                </a:solidFill>
+              </a:rPr>
+              <a:t>Enquête CGE / Version 2024</a:t>
+            </a:r>
+          </a:p>
+        </p:txBody>
+      </p:sp>
+      <p:pic>
+        <p:nvPicPr>
+          <p:cNvPr id="6" name="Image 5" descr="Une image contenant capture d’écran, texte, ligne, Tracé&#10;&#10;Description générée automatiquement">
+            <a:extLst>
+              <a:ext uri="{FF2B5EF4-FFF2-40B4-BE49-F238E27FC236}">
+                <a16:creationId xmlns:a16="http://schemas.microsoft.com/office/drawing/2014/main" id="{AB3CDC63-D0AA-0D7D-518A-429007A16A0A}"/>
+              </a:ext>
+            </a:extLst>
+          </p:cNvPr>
+          <p:cNvPicPr>
+            <a:picLocks noChangeAspect="1"/>
+          </p:cNvPicPr>
+          <p:nvPr/>
+        </p:nvPicPr>
+        <p:blipFill>
+          <a:blip r:embed="rId4">
+            <a:extLst>
+              <a:ext uri="{28A0092B-C50C-407E-A947-70E740481C1C}">
+                <a14:useLocalDpi xmlns:a14="http://schemas.microsoft.com/office/drawing/2010/main" val="0"/>
+              </a:ext>
+            </a:extLst>
+          </a:blip>
+          <a:stretch>
+            <a:fillRect/>
+          </a:stretch>
+        </p:blipFill>
+        <p:spPr>
+          <a:xfrm>
+            <a:off x="1277641" y="2223003"/>
+            <a:ext cx="5162254" cy="3297414"/>
+          </a:xfrm>
+          <a:prstGeom prst="rect">
+            <a:avLst/>
+          </a:prstGeom>
+        </p:spPr>
+      </p:pic>
+    </p:spTree>
+    <p:extLst>
+      <p:ext uri="{BB962C8B-B14F-4D97-AF65-F5344CB8AC3E}">
+        <p14:creationId xmlns:p14="http://schemas.microsoft.com/office/powerpoint/2010/main" val="1444844019"/>
+      </p:ext>
+    </p:extLst>
+  </p:cSld>
+  <p:clrMapOvr>
+    <a:masterClrMapping/>
+  </p:clrMapOvr>
+</p:sld>
+</file>
+
+<file path=ppt/slides/slide16.xml><?xml version="1.0" encoding="utf-8"?>
 <p:sld xmlns:a="http://schemas.openxmlformats.org/drawingml/2006/main" xmlns:r="http://schemas.openxmlformats.org/officeDocument/2006/relationships" xmlns:p="http://schemas.openxmlformats.org/presentationml/2006/main">
   <p:cSld>
     <p:spTree>
@@ -9379,7 +10377,7 @@
 </p:sld>
 </file>
 
-<file path=ppt/slides/slide14.xml><?xml version="1.0" encoding="utf-8"?>
+<file path=ppt/slides/slide17.xml><?xml version="1.0" encoding="utf-8"?>
 <p:sld xmlns:a="http://schemas.openxmlformats.org/drawingml/2006/main" xmlns:r="http://schemas.openxmlformats.org/officeDocument/2006/relationships" xmlns:p="http://schemas.openxmlformats.org/presentationml/2006/main">
   <p:cSld>
     <p:spTree>
@@ -11067,7 +12065,7 @@
 </p:sld>
 </file>
 
-<file path=ppt/slides/slide15.xml><?xml version="1.0" encoding="utf-8"?>
+<file path=ppt/slides/slide18.xml><?xml version="1.0" encoding="utf-8"?>
 <p:sld xmlns:a="http://schemas.openxmlformats.org/drawingml/2006/main" xmlns:r="http://schemas.openxmlformats.org/officeDocument/2006/relationships" xmlns:p="http://schemas.openxmlformats.org/presentationml/2006/main">
   <p:cSld>
     <p:spTree>
@@ -12731,7 +13729,7 @@
 </p:sld>
 </file>
 
-<file path=ppt/slides/slide16.xml><?xml version="1.0" encoding="utf-8"?>
+<file path=ppt/slides/slide19.xml><?xml version="1.0" encoding="utf-8"?>
 <p:sld xmlns:a="http://schemas.openxmlformats.org/drawingml/2006/main" xmlns:r="http://schemas.openxmlformats.org/officeDocument/2006/relationships" xmlns:p="http://schemas.openxmlformats.org/presentationml/2006/main">
   <p:cSld>
     <p:spTree>
@@ -14401,7 +15399,761 @@
 </p:sld>
 </file>
 
-<file path=ppt/slides/slide17.xml><?xml version="1.0" encoding="utf-8"?>
+<file path=ppt/slides/slide2.xml><?xml version="1.0" encoding="utf-8"?>
+<p:sld xmlns:a="http://schemas.openxmlformats.org/drawingml/2006/main" xmlns:r="http://schemas.openxmlformats.org/officeDocument/2006/relationships" xmlns:p="http://schemas.openxmlformats.org/presentationml/2006/main">
+  <p:cSld>
+    <p:spTree>
+      <p:nvGrpSpPr>
+        <p:cNvPr id="1" name=""/>
+        <p:cNvGrpSpPr/>
+        <p:nvPr/>
+      </p:nvGrpSpPr>
+      <p:grpSpPr>
+        <a:xfrm>
+          <a:off x="0" y="0"/>
+          <a:ext cx="0" cy="0"/>
+          <a:chOff x="0" y="0"/>
+          <a:chExt cx="0" cy="0"/>
+        </a:xfrm>
+      </p:grpSpPr>
+      <p:sp>
+        <p:nvSpPr>
+          <p:cNvPr id="2" name="Titre 1">
+            <a:extLst>
+              <a:ext uri="{FF2B5EF4-FFF2-40B4-BE49-F238E27FC236}">
+                <a16:creationId xmlns:a16="http://schemas.microsoft.com/office/drawing/2014/main" id="{FAA161D5-927A-49ED-83AF-6D12A66FF712}"/>
+              </a:ext>
+            </a:extLst>
+          </p:cNvPr>
+          <p:cNvSpPr>
+            <a:spLocks noGrp="1"/>
+          </p:cNvSpPr>
+          <p:nvPr>
+            <p:ph type="title"/>
+          </p:nvPr>
+        </p:nvSpPr>
+        <p:spPr/>
+        <p:txBody>
+          <a:bodyPr/>
+          <a:lstStyle/>
+          <a:p>
+            <a:pPr>
+              <a:defRPr/>
+            </a:pPr>
+            <a:r>
+              <a:rPr lang="fr-FR" sz="2800" dirty="0"/>
+              <a:t>Enquête CGE / C’est quoi donc ?</a:t>
+            </a:r>
+          </a:p>
+        </p:txBody>
+      </p:sp>
+      <p:sp>
+        <p:nvSpPr>
+          <p:cNvPr id="6147" name="Espace réservé du contenu 2">
+            <a:extLst>
+              <a:ext uri="{FF2B5EF4-FFF2-40B4-BE49-F238E27FC236}">
+                <a16:creationId xmlns:a16="http://schemas.microsoft.com/office/drawing/2014/main" id="{458254A6-099B-4E75-907C-19CA1B94B253}"/>
+              </a:ext>
+            </a:extLst>
+          </p:cNvPr>
+          <p:cNvSpPr>
+            <a:spLocks noGrp="1" noChangeArrowheads="1"/>
+          </p:cNvSpPr>
+          <p:nvPr>
+            <p:ph idx="1"/>
+          </p:nvPr>
+        </p:nvSpPr>
+        <p:spPr>
+          <a:xfrm>
+            <a:off x="447675" y="1600200"/>
+            <a:ext cx="8229600" cy="430779"/>
+          </a:xfrm>
+        </p:spPr>
+        <p:txBody>
+          <a:bodyPr/>
+          <a:lstStyle/>
+          <a:p>
+            <a:r>
+              <a:rPr lang="fr-FR" altLang="fr-FR" sz="2000" b="1" dirty="0">
+                <a:solidFill>
+                  <a:srgbClr val="FF960A"/>
+                </a:solidFill>
+                <a:ea typeface="ＭＳ Ｐゴシック" panose="020B0600070205080204" pitchFamily="34" charset="-128"/>
+              </a:rPr>
+              <a:t>Objectif</a:t>
+            </a:r>
+          </a:p>
+        </p:txBody>
+      </p:sp>
+      <p:pic>
+        <p:nvPicPr>
+          <p:cNvPr id="6148" name="Picture 2" descr="upright=Article à illustrer Organisation">
+            <a:extLst>
+              <a:ext uri="{FF2B5EF4-FFF2-40B4-BE49-F238E27FC236}">
+                <a16:creationId xmlns:a16="http://schemas.microsoft.com/office/drawing/2014/main" id="{105BE698-E40C-4415-A9DF-F8680D1DF607}"/>
+              </a:ext>
+            </a:extLst>
+          </p:cNvPr>
+          <p:cNvPicPr>
+            <a:picLocks noChangeAspect="1" noChangeArrowheads="1"/>
+          </p:cNvPicPr>
+          <p:nvPr/>
+        </p:nvPicPr>
+        <p:blipFill>
+          <a:blip r:embed="rId2">
+            <a:extLst>
+              <a:ext uri="{28A0092B-C50C-407E-A947-70E740481C1C}">
+                <a14:useLocalDpi xmlns:a14="http://schemas.microsoft.com/office/drawing/2010/main" val="0"/>
+              </a:ext>
+            </a:extLst>
+          </a:blip>
+          <a:srcRect/>
+          <a:stretch>
+            <a:fillRect/>
+          </a:stretch>
+        </p:blipFill>
+        <p:spPr bwMode="auto">
+          <a:xfrm>
+            <a:off x="7766050" y="892175"/>
+            <a:ext cx="1157288" cy="384175"/>
+          </a:xfrm>
+          <a:prstGeom prst="rect">
+            <a:avLst/>
+          </a:prstGeom>
+          <a:noFill/>
+          <a:ln>
+            <a:noFill/>
+          </a:ln>
+          <a:extLst>
+            <a:ext uri="{909E8E84-426E-40DD-AFC4-6F175D3DCCD1}">
+              <a14:hiddenFill xmlns:a14="http://schemas.microsoft.com/office/drawing/2010/main">
+                <a:solidFill>
+                  <a:srgbClr val="FFFFFF"/>
+                </a:solidFill>
+              </a14:hiddenFill>
+            </a:ext>
+            <a:ext uri="{91240B29-F687-4F45-9708-019B960494DF}">
+              <a14:hiddenLine xmlns:a14="http://schemas.microsoft.com/office/drawing/2010/main" w="9525">
+                <a:solidFill>
+                  <a:srgbClr val="000000"/>
+                </a:solidFill>
+                <a:miter lim="800000"/>
+                <a:headEnd/>
+                <a:tailEnd/>
+              </a14:hiddenLine>
+            </a:ext>
+          </a:extLst>
+        </p:spPr>
+      </p:pic>
+      <p:sp>
+        <p:nvSpPr>
+          <p:cNvPr id="3" name="Rectangle 2">
+            <a:extLst>
+              <a:ext uri="{FF2B5EF4-FFF2-40B4-BE49-F238E27FC236}">
+                <a16:creationId xmlns:a16="http://schemas.microsoft.com/office/drawing/2014/main" id="{8825F985-355D-46E4-B1CF-9A26690CF926}"/>
+              </a:ext>
+            </a:extLst>
+          </p:cNvPr>
+          <p:cNvSpPr/>
+          <p:nvPr/>
+        </p:nvSpPr>
+        <p:spPr>
+          <a:xfrm>
+            <a:off x="574372" y="2017341"/>
+            <a:ext cx="7986066" cy="584775"/>
+          </a:xfrm>
+          <a:prstGeom prst="rect">
+            <a:avLst/>
+          </a:prstGeom>
+        </p:spPr>
+        <p:txBody>
+          <a:bodyPr wrap="square">
+            <a:spAutoFit/>
+          </a:bodyPr>
+          <a:lstStyle/>
+          <a:p>
+            <a:r>
+              <a:rPr lang="fr-FR" dirty="0">
+                <a:solidFill>
+                  <a:srgbClr val="333333"/>
+                </a:solidFill>
+                <a:latin typeface="Calibri" panose="020F0502020204030204" pitchFamily="34" charset="0"/>
+              </a:rPr>
+              <a:t>Enquêtes s’intéressant à la </a:t>
+            </a:r>
+            <a:r>
+              <a:rPr lang="fr-FR" b="1" dirty="0">
+                <a:solidFill>
+                  <a:srgbClr val="333333"/>
+                </a:solidFill>
+                <a:latin typeface="Calibri" panose="020F0502020204030204" pitchFamily="34" charset="0"/>
+              </a:rPr>
+              <a:t>valorisation sur le marché du travail</a:t>
+            </a:r>
+            <a:r>
+              <a:rPr lang="fr-FR" dirty="0">
+                <a:solidFill>
+                  <a:srgbClr val="333333"/>
+                </a:solidFill>
+                <a:latin typeface="Calibri" panose="020F0502020204030204" pitchFamily="34" charset="0"/>
+              </a:rPr>
+              <a:t> des formations dispensées dans les Grandes Écoles françaises au travers de l’</a:t>
+            </a:r>
+            <a:r>
+              <a:rPr lang="fr-FR" b="1" dirty="0">
+                <a:solidFill>
+                  <a:srgbClr val="333333"/>
+                </a:solidFill>
+                <a:latin typeface="Calibri" panose="020F0502020204030204" pitchFamily="34" charset="0"/>
+              </a:rPr>
+              <a:t>insertion des diplômé.es</a:t>
+            </a:r>
+            <a:endParaRPr lang="fr-FR" dirty="0">
+              <a:solidFill>
+                <a:srgbClr val="333333"/>
+              </a:solidFill>
+              <a:latin typeface="Lucida Sans" panose="020B0602030504020204" pitchFamily="34" charset="0"/>
+            </a:endParaRPr>
+          </a:p>
+        </p:txBody>
+      </p:sp>
+      <p:sp>
+        <p:nvSpPr>
+          <p:cNvPr id="4" name="Rectangle 3">
+            <a:extLst>
+              <a:ext uri="{FF2B5EF4-FFF2-40B4-BE49-F238E27FC236}">
+                <a16:creationId xmlns:a16="http://schemas.microsoft.com/office/drawing/2014/main" id="{698AC0B1-5D01-4A7E-9126-56E9414F5169}"/>
+              </a:ext>
+            </a:extLst>
+          </p:cNvPr>
+          <p:cNvSpPr/>
+          <p:nvPr/>
+        </p:nvSpPr>
+        <p:spPr>
+          <a:xfrm>
+            <a:off x="574372" y="3279093"/>
+            <a:ext cx="7627658" cy="2308324"/>
+          </a:xfrm>
+          <a:prstGeom prst="rect">
+            <a:avLst/>
+          </a:prstGeom>
+        </p:spPr>
+        <p:txBody>
+          <a:bodyPr wrap="square">
+            <a:spAutoFit/>
+          </a:bodyPr>
+          <a:lstStyle/>
+          <a:p>
+            <a:r>
+              <a:rPr lang="fr-FR" dirty="0">
+                <a:solidFill>
+                  <a:srgbClr val="333333"/>
+                </a:solidFill>
+                <a:latin typeface="Calibri" panose="020F0502020204030204" pitchFamily="34" charset="0"/>
+              </a:rPr>
+              <a:t>Réalisée au 1</a:t>
+            </a:r>
+            <a:r>
+              <a:rPr lang="fr-FR" baseline="30000" dirty="0">
+                <a:solidFill>
+                  <a:srgbClr val="333333"/>
+                </a:solidFill>
+                <a:latin typeface="Calibri" panose="020F0502020204030204" pitchFamily="34" charset="0"/>
+              </a:rPr>
+              <a:t>er </a:t>
+            </a:r>
+            <a:r>
+              <a:rPr lang="fr-FR" dirty="0">
+                <a:solidFill>
+                  <a:srgbClr val="333333"/>
+                </a:solidFill>
+                <a:latin typeface="Calibri" panose="020F0502020204030204" pitchFamily="34" charset="0"/>
+              </a:rPr>
+              <a:t>semestre 2022 par </a:t>
+            </a:r>
+            <a:r>
+              <a:rPr lang="fr-FR" b="1" dirty="0">
+                <a:solidFill>
+                  <a:srgbClr val="333333"/>
+                </a:solidFill>
+                <a:latin typeface="Calibri" panose="020F0502020204030204" pitchFamily="34" charset="0"/>
+              </a:rPr>
+              <a:t>199 Grandes Ecoles</a:t>
+            </a:r>
+            <a:r>
+              <a:rPr lang="fr-FR" dirty="0">
+                <a:solidFill>
+                  <a:srgbClr val="333333"/>
+                </a:solidFill>
+                <a:latin typeface="Calibri" panose="020F0502020204030204" pitchFamily="34" charset="0"/>
+              </a:rPr>
+              <a:t> membres de la CGE</a:t>
+            </a:r>
+          </a:p>
+          <a:p>
+            <a:r>
+              <a:rPr lang="fr-FR" dirty="0">
+                <a:solidFill>
+                  <a:srgbClr val="333333"/>
+                </a:solidFill>
+                <a:latin typeface="Calibri" panose="020F0502020204030204" pitchFamily="34" charset="0"/>
+              </a:rPr>
+              <a:t>					(dont </a:t>
+            </a:r>
+            <a:r>
+              <a:rPr lang="fr-FR" b="1" dirty="0">
+                <a:solidFill>
+                  <a:srgbClr val="333333"/>
+                </a:solidFill>
+                <a:latin typeface="Calibri" panose="020F0502020204030204" pitchFamily="34" charset="0"/>
+              </a:rPr>
+              <a:t>139</a:t>
+            </a:r>
+            <a:r>
+              <a:rPr lang="fr-FR" dirty="0">
+                <a:solidFill>
+                  <a:srgbClr val="333333"/>
+                </a:solidFill>
+                <a:latin typeface="Calibri" panose="020F0502020204030204" pitchFamily="34" charset="0"/>
+              </a:rPr>
+              <a:t> écoles d’ingénieurs)</a:t>
+            </a:r>
+            <a:endParaRPr lang="fr-FR" dirty="0">
+              <a:solidFill>
+                <a:srgbClr val="333333"/>
+              </a:solidFill>
+              <a:latin typeface="Lucida Sans" panose="020B0602030504020204" pitchFamily="34" charset="0"/>
+            </a:endParaRPr>
+          </a:p>
+          <a:p>
+            <a:r>
+              <a:rPr lang="fr-FR" dirty="0">
+                <a:solidFill>
+                  <a:srgbClr val="333333"/>
+                </a:solidFill>
+                <a:latin typeface="Lucida Sans" panose="020B0602030504020204" pitchFamily="34" charset="0"/>
+              </a:rPr>
+              <a:t>	</a:t>
+            </a:r>
+            <a:r>
+              <a:rPr lang="fr-FR" i="1" dirty="0">
+                <a:solidFill>
+                  <a:srgbClr val="333333"/>
+                </a:solidFill>
+                <a:latin typeface="Calibri" panose="020F0502020204030204" pitchFamily="34" charset="0"/>
+              </a:rPr>
+              <a:t>IOGS – entre le 1er</a:t>
+            </a:r>
+            <a:r>
+              <a:rPr lang="fr-FR" dirty="0">
+                <a:solidFill>
+                  <a:srgbClr val="333333"/>
+                </a:solidFill>
+                <a:latin typeface="Calibri" panose="020F0502020204030204" pitchFamily="34" charset="0"/>
+              </a:rPr>
+              <a:t> janvier 2024 et le 2 avril 2024</a:t>
+            </a:r>
+          </a:p>
+          <a:p>
+            <a:r>
+              <a:rPr lang="fr-FR" dirty="0">
+                <a:solidFill>
+                  <a:srgbClr val="333333"/>
+                </a:solidFill>
+                <a:latin typeface="Calibri" panose="020F0502020204030204" pitchFamily="34" charset="0"/>
+              </a:rPr>
+              <a:t>Résultats publiés en juin 2024 par la CGE / 32</a:t>
+            </a:r>
+            <a:r>
+              <a:rPr lang="fr-FR" baseline="30000" dirty="0">
+                <a:solidFill>
+                  <a:srgbClr val="333333"/>
+                </a:solidFill>
+                <a:latin typeface="Calibri" panose="020F0502020204030204" pitchFamily="34" charset="0"/>
+              </a:rPr>
+              <a:t>e</a:t>
+            </a:r>
+            <a:r>
+              <a:rPr lang="fr-FR" dirty="0">
+                <a:solidFill>
+                  <a:srgbClr val="333333"/>
+                </a:solidFill>
+                <a:latin typeface="Calibri" panose="020F0502020204030204" pitchFamily="34" charset="0"/>
+              </a:rPr>
+              <a:t> édition</a:t>
+            </a:r>
+            <a:endParaRPr lang="fr-FR" dirty="0">
+              <a:solidFill>
+                <a:srgbClr val="333333"/>
+              </a:solidFill>
+              <a:latin typeface="Lucida Sans" panose="020B0602030504020204" pitchFamily="34" charset="0"/>
+            </a:endParaRPr>
+          </a:p>
+          <a:p>
+            <a:endParaRPr lang="fr-FR" dirty="0">
+              <a:solidFill>
+                <a:srgbClr val="333333"/>
+              </a:solidFill>
+              <a:latin typeface="Lucida Sans" panose="020B0602030504020204" pitchFamily="34" charset="0"/>
+            </a:endParaRPr>
+          </a:p>
+          <a:p>
+            <a:r>
+              <a:rPr lang="fr-FR" dirty="0">
+                <a:solidFill>
+                  <a:srgbClr val="333333"/>
+                </a:solidFill>
+                <a:latin typeface="Calibri" panose="020F0502020204030204" pitchFamily="34" charset="0"/>
+              </a:rPr>
+              <a:t>Ensemble d’outils d’enquête sécurisés (</a:t>
+            </a:r>
+            <a:r>
+              <a:rPr lang="fr-FR" i="1" dirty="0" err="1">
+                <a:solidFill>
+                  <a:srgbClr val="333333"/>
+                </a:solidFill>
+                <a:latin typeface="Calibri" panose="020F0502020204030204" pitchFamily="34" charset="0"/>
+              </a:rPr>
+              <a:t>SphinxOnline</a:t>
+            </a:r>
+            <a:r>
+              <a:rPr lang="fr-FR" dirty="0">
+                <a:solidFill>
+                  <a:srgbClr val="333333"/>
+                </a:solidFill>
+                <a:latin typeface="Calibri" panose="020F0502020204030204" pitchFamily="34" charset="0"/>
+              </a:rPr>
+              <a:t>) fourni par la CGE</a:t>
+            </a:r>
+            <a:endParaRPr lang="fr-FR" dirty="0">
+              <a:solidFill>
+                <a:srgbClr val="333333"/>
+              </a:solidFill>
+              <a:latin typeface="Lucida Sans" panose="020B0602030504020204" pitchFamily="34" charset="0"/>
+            </a:endParaRPr>
+          </a:p>
+          <a:p>
+            <a:r>
+              <a:rPr lang="fr-FR" dirty="0">
+                <a:solidFill>
+                  <a:srgbClr val="333333"/>
+                </a:solidFill>
+                <a:latin typeface="Calibri" panose="020F0502020204030204" pitchFamily="34" charset="0"/>
+              </a:rPr>
+              <a:t>Formulaire paramétré spécifiquement pour chaque école</a:t>
+            </a:r>
+            <a:endParaRPr lang="fr-FR" dirty="0">
+              <a:solidFill>
+                <a:srgbClr val="333333"/>
+              </a:solidFill>
+              <a:latin typeface="Lucida Sans" panose="020B0602030504020204" pitchFamily="34" charset="0"/>
+            </a:endParaRPr>
+          </a:p>
+          <a:p>
+            <a:endParaRPr lang="fr-FR" dirty="0">
+              <a:solidFill>
+                <a:srgbClr val="333333"/>
+              </a:solidFill>
+              <a:latin typeface="Lucida Sans" panose="020B0602030504020204" pitchFamily="34" charset="0"/>
+            </a:endParaRPr>
+          </a:p>
+          <a:p>
+            <a:r>
+              <a:rPr lang="fr-FR" dirty="0">
+                <a:solidFill>
+                  <a:srgbClr val="333333"/>
+                </a:solidFill>
+                <a:latin typeface="Calibri" panose="020F0502020204030204" pitchFamily="34" charset="0"/>
+              </a:rPr>
+              <a:t>Sondage sur les </a:t>
+            </a:r>
+            <a:r>
+              <a:rPr lang="fr-FR" b="1" dirty="0">
+                <a:solidFill>
+                  <a:srgbClr val="333333"/>
+                </a:solidFill>
+                <a:latin typeface="Calibri" panose="020F0502020204030204" pitchFamily="34" charset="0"/>
+              </a:rPr>
+              <a:t>5 dernières promotions </a:t>
+            </a:r>
+            <a:r>
+              <a:rPr lang="fr-FR" dirty="0">
+                <a:solidFill>
+                  <a:srgbClr val="333333"/>
+                </a:solidFill>
+                <a:latin typeface="Calibri" panose="020F0502020204030204" pitchFamily="34" charset="0"/>
+              </a:rPr>
+              <a:t>(2019 à 2023)</a:t>
+            </a:r>
+            <a:endParaRPr lang="fr-FR" dirty="0">
+              <a:solidFill>
+                <a:srgbClr val="333333"/>
+              </a:solidFill>
+              <a:latin typeface="Lucida Sans" panose="020B0602030504020204" pitchFamily="34" charset="0"/>
+            </a:endParaRPr>
+          </a:p>
+        </p:txBody>
+      </p:sp>
+      <p:sp>
+        <p:nvSpPr>
+          <p:cNvPr id="7" name="Espace réservé du contenu 2">
+            <a:extLst>
+              <a:ext uri="{FF2B5EF4-FFF2-40B4-BE49-F238E27FC236}">
+                <a16:creationId xmlns:a16="http://schemas.microsoft.com/office/drawing/2014/main" id="{A921BAEC-F7D4-49D4-BE1F-00F1433E7016}"/>
+              </a:ext>
+            </a:extLst>
+          </p:cNvPr>
+          <p:cNvSpPr txBox="1">
+            <a:spLocks noChangeArrowheads="1"/>
+          </p:cNvSpPr>
+          <p:nvPr/>
+        </p:nvSpPr>
+        <p:spPr bwMode="auto">
+          <a:xfrm>
+            <a:off x="453035" y="2841615"/>
+            <a:ext cx="8229600" cy="430779"/>
+          </a:xfrm>
+          <a:prstGeom prst="rect">
+            <a:avLst/>
+          </a:prstGeom>
+          <a:noFill/>
+          <a:ln>
+            <a:noFill/>
+          </a:ln>
+          <a:extLst>
+            <a:ext uri="{909E8E84-426E-40DD-AFC4-6F175D3DCCD1}">
+              <a14:hiddenFill xmlns:a14="http://schemas.microsoft.com/office/drawing/2010/main">
+                <a:solidFill>
+                  <a:srgbClr val="FFFFFF"/>
+                </a:solidFill>
+              </a14:hiddenFill>
+            </a:ext>
+            <a:ext uri="{91240B29-F687-4F45-9708-019B960494DF}">
+              <a14:hiddenLine xmlns:a14="http://schemas.microsoft.com/office/drawing/2010/main" w="9525">
+                <a:solidFill>
+                  <a:srgbClr val="000000"/>
+                </a:solidFill>
+                <a:miter lim="800000"/>
+                <a:headEnd/>
+                <a:tailEnd/>
+              </a14:hiddenLine>
+            </a:ext>
+          </a:extLst>
+        </p:spPr>
+        <p:txBody>
+          <a:bodyPr vert="horz" wrap="square" lIns="91440" tIns="45720" rIns="91440" bIns="45720" numCol="1" anchor="t" anchorCtr="0" compatLnSpc="1">
+            <a:prstTxWarp prst="textNoShape">
+              <a:avLst/>
+            </a:prstTxWarp>
+          </a:bodyPr>
+          <a:lstStyle>
+            <a:lvl1pPr marL="342900" indent="-342900" algn="l" rtl="0" eaLnBrk="0" fontAlgn="base" hangingPunct="0">
+              <a:spcBef>
+                <a:spcPct val="20000"/>
+              </a:spcBef>
+              <a:spcAft>
+                <a:spcPct val="0"/>
+              </a:spcAft>
+              <a:buChar char="•"/>
+              <a:defRPr sz="3200">
+                <a:solidFill>
+                  <a:srgbClr val="0A3250"/>
+                </a:solidFill>
+                <a:latin typeface="+mn-lt"/>
+                <a:ea typeface="ＭＳ Ｐゴシック" charset="0"/>
+                <a:cs typeface="ＭＳ Ｐゴシック" charset="0"/>
+              </a:defRPr>
+            </a:lvl1pPr>
+            <a:lvl2pPr marL="742950" indent="-285750" algn="l" rtl="0" eaLnBrk="0" fontAlgn="base" hangingPunct="0">
+              <a:spcBef>
+                <a:spcPct val="20000"/>
+              </a:spcBef>
+              <a:spcAft>
+                <a:spcPct val="0"/>
+              </a:spcAft>
+              <a:buChar char="–"/>
+              <a:defRPr sz="2800">
+                <a:solidFill>
+                  <a:srgbClr val="0A3250"/>
+                </a:solidFill>
+                <a:latin typeface="+mn-lt"/>
+                <a:ea typeface="ＭＳ Ｐゴシック" charset="0"/>
+              </a:defRPr>
+            </a:lvl2pPr>
+            <a:lvl3pPr marL="1143000" indent="-228600" algn="l" rtl="0" eaLnBrk="0" fontAlgn="base" hangingPunct="0">
+              <a:spcBef>
+                <a:spcPct val="20000"/>
+              </a:spcBef>
+              <a:spcAft>
+                <a:spcPct val="0"/>
+              </a:spcAft>
+              <a:buChar char="•"/>
+              <a:defRPr sz="2400">
+                <a:solidFill>
+                  <a:srgbClr val="0A3250"/>
+                </a:solidFill>
+                <a:latin typeface="+mn-lt"/>
+                <a:ea typeface="ＭＳ Ｐゴシック" charset="0"/>
+              </a:defRPr>
+            </a:lvl3pPr>
+            <a:lvl4pPr marL="1600200" indent="-228600" algn="l" rtl="0" eaLnBrk="0" fontAlgn="base" hangingPunct="0">
+              <a:spcBef>
+                <a:spcPct val="20000"/>
+              </a:spcBef>
+              <a:spcAft>
+                <a:spcPct val="0"/>
+              </a:spcAft>
+              <a:buChar char="–"/>
+              <a:defRPr sz="2000">
+                <a:solidFill>
+                  <a:srgbClr val="0A3250"/>
+                </a:solidFill>
+                <a:latin typeface="+mn-lt"/>
+                <a:ea typeface="ＭＳ Ｐゴシック" charset="0"/>
+              </a:defRPr>
+            </a:lvl4pPr>
+            <a:lvl5pPr marL="2057400" indent="-228600" algn="l" rtl="0" eaLnBrk="0" fontAlgn="base" hangingPunct="0">
+              <a:spcBef>
+                <a:spcPct val="20000"/>
+              </a:spcBef>
+              <a:spcAft>
+                <a:spcPct val="0"/>
+              </a:spcAft>
+              <a:buChar char="»"/>
+              <a:defRPr sz="2000">
+                <a:solidFill>
+                  <a:srgbClr val="0A3250"/>
+                </a:solidFill>
+                <a:latin typeface="+mn-lt"/>
+                <a:ea typeface="ＭＳ Ｐゴシック" charset="0"/>
+              </a:defRPr>
+            </a:lvl5pPr>
+            <a:lvl6pPr marL="2514600" indent="-228600" algn="l" rtl="0" fontAlgn="base">
+              <a:spcBef>
+                <a:spcPct val="20000"/>
+              </a:spcBef>
+              <a:spcAft>
+                <a:spcPct val="0"/>
+              </a:spcAft>
+              <a:buChar char="»"/>
+              <a:defRPr sz="2000">
+                <a:solidFill>
+                  <a:srgbClr val="0A3250"/>
+                </a:solidFill>
+                <a:latin typeface="+mn-lt"/>
+              </a:defRPr>
+            </a:lvl6pPr>
+            <a:lvl7pPr marL="2971800" indent="-228600" algn="l" rtl="0" fontAlgn="base">
+              <a:spcBef>
+                <a:spcPct val="20000"/>
+              </a:spcBef>
+              <a:spcAft>
+                <a:spcPct val="0"/>
+              </a:spcAft>
+              <a:buChar char="»"/>
+              <a:defRPr sz="2000">
+                <a:solidFill>
+                  <a:srgbClr val="0A3250"/>
+                </a:solidFill>
+                <a:latin typeface="+mn-lt"/>
+              </a:defRPr>
+            </a:lvl7pPr>
+            <a:lvl8pPr marL="3429000" indent="-228600" algn="l" rtl="0" fontAlgn="base">
+              <a:spcBef>
+                <a:spcPct val="20000"/>
+              </a:spcBef>
+              <a:spcAft>
+                <a:spcPct val="0"/>
+              </a:spcAft>
+              <a:buChar char="»"/>
+              <a:defRPr sz="2000">
+                <a:solidFill>
+                  <a:srgbClr val="0A3250"/>
+                </a:solidFill>
+                <a:latin typeface="+mn-lt"/>
+              </a:defRPr>
+            </a:lvl8pPr>
+            <a:lvl9pPr marL="3886200" indent="-228600" algn="l" rtl="0" fontAlgn="base">
+              <a:spcBef>
+                <a:spcPct val="20000"/>
+              </a:spcBef>
+              <a:spcAft>
+                <a:spcPct val="0"/>
+              </a:spcAft>
+              <a:buChar char="»"/>
+              <a:defRPr sz="2000">
+                <a:solidFill>
+                  <a:srgbClr val="0A3250"/>
+                </a:solidFill>
+                <a:latin typeface="+mn-lt"/>
+              </a:defRPr>
+            </a:lvl9pPr>
+          </a:lstStyle>
+          <a:p>
+            <a:r>
+              <a:rPr lang="fr-FR" altLang="fr-FR" sz="2000" b="1" kern="0" dirty="0">
+                <a:solidFill>
+                  <a:srgbClr val="FF960A"/>
+                </a:solidFill>
+                <a:ea typeface="ＭＳ Ｐゴシック" panose="020B0600070205080204" pitchFamily="34" charset="-128"/>
+              </a:rPr>
+              <a:t>Enquête CGE / version 2024</a:t>
+            </a:r>
+          </a:p>
+        </p:txBody>
+      </p:sp>
+      <p:sp>
+        <p:nvSpPr>
+          <p:cNvPr id="8" name="ZoneTexte 7">
+            <a:extLst>
+              <a:ext uri="{FF2B5EF4-FFF2-40B4-BE49-F238E27FC236}">
+                <a16:creationId xmlns:a16="http://schemas.microsoft.com/office/drawing/2014/main" id="{6BAF07F5-6F93-4A2B-A040-85F75ADE8EDD}"/>
+              </a:ext>
+            </a:extLst>
+          </p:cNvPr>
+          <p:cNvSpPr txBox="1"/>
+          <p:nvPr/>
+        </p:nvSpPr>
+        <p:spPr>
+          <a:xfrm rot="16200000">
+            <a:off x="-2330100" y="3437334"/>
+            <a:ext cx="4998749" cy="338554"/>
+          </a:xfrm>
+          <a:prstGeom prst="rect">
+            <a:avLst/>
+          </a:prstGeom>
+          <a:solidFill>
+            <a:schemeClr val="bg1">
+              <a:lumMod val="50000"/>
+            </a:schemeClr>
+          </a:solidFill>
+        </p:spPr>
+        <p:txBody>
+          <a:bodyPr wrap="square" rtlCol="0">
+            <a:spAutoFit/>
+          </a:bodyPr>
+          <a:lstStyle/>
+          <a:p>
+            <a:r>
+              <a:rPr lang="fr-FR" dirty="0">
+                <a:solidFill>
+                  <a:schemeClr val="bg1"/>
+                </a:solidFill>
+              </a:rPr>
+              <a:t>Enquête CGE / Version 2024</a:t>
+            </a:r>
+          </a:p>
+        </p:txBody>
+      </p:sp>
+    </p:spTree>
+  </p:cSld>
+  <p:clrMapOvr>
+    <a:masterClrMapping/>
+  </p:clrMapOvr>
+</p:sld>
+</file>
+
+<file path=ppt/slides/slide20.xml><?xml version="1.0" encoding="utf-8"?>
 <p:sld xmlns:a="http://schemas.openxmlformats.org/drawingml/2006/main" xmlns:r="http://schemas.openxmlformats.org/officeDocument/2006/relationships" xmlns:p="http://schemas.openxmlformats.org/presentationml/2006/main">
   <p:cSld>
     <p:spTree>
@@ -16372,7 +18124,7 @@
 </p:sld>
 </file>
 
-<file path=ppt/slides/slide18.xml><?xml version="1.0" encoding="utf-8"?>
+<file path=ppt/slides/slide21.xml><?xml version="1.0" encoding="utf-8"?>
 <p:sld xmlns:a="http://schemas.openxmlformats.org/drawingml/2006/main" xmlns:r="http://schemas.openxmlformats.org/officeDocument/2006/relationships" xmlns:p="http://schemas.openxmlformats.org/presentationml/2006/main">
   <p:cSld>
     <p:spTree>
@@ -18257,2552 +20009,6 @@
 </p:sld>
 </file>
 
-<file path=ppt/slides/slide19.xml><?xml version="1.0" encoding="utf-8"?>
-<p:sld xmlns:a="http://schemas.openxmlformats.org/drawingml/2006/main" xmlns:r="http://schemas.openxmlformats.org/officeDocument/2006/relationships" xmlns:p="http://schemas.openxmlformats.org/presentationml/2006/main">
-  <p:cSld>
-    <p:spTree>
-      <p:nvGrpSpPr>
-        <p:cNvPr id="1" name=""/>
-        <p:cNvGrpSpPr/>
-        <p:nvPr/>
-      </p:nvGrpSpPr>
-      <p:grpSpPr>
-        <a:xfrm>
-          <a:off x="0" y="0"/>
-          <a:ext cx="0" cy="0"/>
-          <a:chOff x="0" y="0"/>
-          <a:chExt cx="0" cy="0"/>
-        </a:xfrm>
-      </p:grpSpPr>
-      <p:pic>
-        <p:nvPicPr>
-          <p:cNvPr id="6" name="Image 5">
-            <a:extLst>
-              <a:ext uri="{FF2B5EF4-FFF2-40B4-BE49-F238E27FC236}">
-                <a16:creationId xmlns:a16="http://schemas.microsoft.com/office/drawing/2014/main" id="{3A62B026-0CCE-B944-7AF8-22127A71481E}"/>
-              </a:ext>
-            </a:extLst>
-          </p:cNvPr>
-          <p:cNvPicPr>
-            <a:picLocks noChangeAspect="1"/>
-          </p:cNvPicPr>
-          <p:nvPr/>
-        </p:nvPicPr>
-        <p:blipFill>
-          <a:blip r:embed="rId2"/>
-          <a:stretch>
-            <a:fillRect/>
-          </a:stretch>
-        </p:blipFill>
-        <p:spPr>
-          <a:xfrm>
-            <a:off x="6030693" y="1826292"/>
-            <a:ext cx="3022430" cy="4078543"/>
-          </a:xfrm>
-          <a:prstGeom prst="rect">
-            <a:avLst/>
-          </a:prstGeom>
-        </p:spPr>
-      </p:pic>
-      <p:sp>
-        <p:nvSpPr>
-          <p:cNvPr id="2" name="Titre 1">
-            <a:extLst>
-              <a:ext uri="{FF2B5EF4-FFF2-40B4-BE49-F238E27FC236}">
-                <a16:creationId xmlns:a16="http://schemas.microsoft.com/office/drawing/2014/main" id="{FAA161D5-927A-49ED-83AF-6D12A66FF712}"/>
-              </a:ext>
-            </a:extLst>
-          </p:cNvPr>
-          <p:cNvSpPr>
-            <a:spLocks noGrp="1"/>
-          </p:cNvSpPr>
-          <p:nvPr>
-            <p:ph type="title"/>
-          </p:nvPr>
-        </p:nvSpPr>
-        <p:spPr/>
-        <p:txBody>
-          <a:bodyPr/>
-          <a:lstStyle/>
-          <a:p>
-            <a:pPr>
-              <a:defRPr/>
-            </a:pPr>
-            <a:r>
-              <a:rPr lang="fr-FR" sz="2800" dirty="0"/>
-              <a:t>Enquête CGE / Cumul</a:t>
-            </a:r>
-          </a:p>
-        </p:txBody>
-      </p:sp>
-      <p:sp>
-        <p:nvSpPr>
-          <p:cNvPr id="6147" name="Espace réservé du contenu 2">
-            <a:extLst>
-              <a:ext uri="{FF2B5EF4-FFF2-40B4-BE49-F238E27FC236}">
-                <a16:creationId xmlns:a16="http://schemas.microsoft.com/office/drawing/2014/main" id="{458254A6-099B-4E75-907C-19CA1B94B253}"/>
-              </a:ext>
-            </a:extLst>
-          </p:cNvPr>
-          <p:cNvSpPr>
-            <a:spLocks noGrp="1" noChangeArrowheads="1"/>
-          </p:cNvSpPr>
-          <p:nvPr>
-            <p:ph idx="1"/>
-          </p:nvPr>
-        </p:nvSpPr>
-        <p:spPr>
-          <a:xfrm>
-            <a:off x="447675" y="1600200"/>
-            <a:ext cx="8229600" cy="1554480"/>
-          </a:xfrm>
-        </p:spPr>
-        <p:txBody>
-          <a:bodyPr/>
-          <a:lstStyle/>
-          <a:p>
-            <a:r>
-              <a:rPr lang="fr-FR" altLang="fr-FR" sz="2000" b="1" dirty="0">
-                <a:solidFill>
-                  <a:srgbClr val="EF553B"/>
-                </a:solidFill>
-                <a:ea typeface="ＭＳ Ｐゴシック" panose="020B0600070205080204" pitchFamily="34" charset="-128"/>
-              </a:rPr>
-              <a:t>Cumul de 2020 à 2024</a:t>
-            </a:r>
-          </a:p>
-          <a:p>
-            <a:r>
-              <a:rPr lang="fr-FR" altLang="fr-FR" sz="2000" b="1" dirty="0">
-                <a:solidFill>
-                  <a:srgbClr val="EF553B"/>
-                </a:solidFill>
-                <a:ea typeface="ＭＳ Ｐゴシック" panose="020B0600070205080204" pitchFamily="34" charset="-128"/>
-              </a:rPr>
-              <a:t>Taux de réponse</a:t>
-            </a:r>
-          </a:p>
-        </p:txBody>
-      </p:sp>
-      <p:pic>
-        <p:nvPicPr>
-          <p:cNvPr id="6148" name="Picture 2" descr="upright=Article à illustrer Organisation">
-            <a:extLst>
-              <a:ext uri="{FF2B5EF4-FFF2-40B4-BE49-F238E27FC236}">
-                <a16:creationId xmlns:a16="http://schemas.microsoft.com/office/drawing/2014/main" id="{105BE698-E40C-4415-A9DF-F8680D1DF607}"/>
-              </a:ext>
-            </a:extLst>
-          </p:cNvPr>
-          <p:cNvPicPr>
-            <a:picLocks noChangeAspect="1" noChangeArrowheads="1"/>
-          </p:cNvPicPr>
-          <p:nvPr/>
-        </p:nvPicPr>
-        <p:blipFill>
-          <a:blip r:embed="rId3">
-            <a:extLst>
-              <a:ext uri="{28A0092B-C50C-407E-A947-70E740481C1C}">
-                <a14:useLocalDpi xmlns:a14="http://schemas.microsoft.com/office/drawing/2010/main" val="0"/>
-              </a:ext>
-            </a:extLst>
-          </a:blip>
-          <a:srcRect/>
-          <a:stretch>
-            <a:fillRect/>
-          </a:stretch>
-        </p:blipFill>
-        <p:spPr bwMode="auto">
-          <a:xfrm>
-            <a:off x="7766050" y="892175"/>
-            <a:ext cx="1157288" cy="384175"/>
-          </a:xfrm>
-          <a:prstGeom prst="rect">
-            <a:avLst/>
-          </a:prstGeom>
-          <a:noFill/>
-          <a:ln>
-            <a:noFill/>
-          </a:ln>
-          <a:extLst>
-            <a:ext uri="{909E8E84-426E-40DD-AFC4-6F175D3DCCD1}">
-              <a14:hiddenFill xmlns:a14="http://schemas.microsoft.com/office/drawing/2010/main">
-                <a:solidFill>
-                  <a:srgbClr val="FFFFFF"/>
-                </a:solidFill>
-              </a14:hiddenFill>
-            </a:ext>
-            <a:ext uri="{91240B29-F687-4F45-9708-019B960494DF}">
-              <a14:hiddenLine xmlns:a14="http://schemas.microsoft.com/office/drawing/2010/main" w="9525">
-                <a:solidFill>
-                  <a:srgbClr val="000000"/>
-                </a:solidFill>
-                <a:miter lim="800000"/>
-                <a:headEnd/>
-                <a:tailEnd/>
-              </a14:hiddenLine>
-            </a:ext>
-          </a:extLst>
-        </p:spPr>
-      </p:pic>
-      <p:sp>
-        <p:nvSpPr>
-          <p:cNvPr id="3" name="ZoneTexte 2">
-            <a:extLst>
-              <a:ext uri="{FF2B5EF4-FFF2-40B4-BE49-F238E27FC236}">
-                <a16:creationId xmlns:a16="http://schemas.microsoft.com/office/drawing/2014/main" id="{76C5E635-ACF0-A360-2BA1-1AD1AB1E7A21}"/>
-              </a:ext>
-            </a:extLst>
-          </p:cNvPr>
-          <p:cNvSpPr txBox="1"/>
-          <p:nvPr/>
-        </p:nvSpPr>
-        <p:spPr>
-          <a:xfrm rot="16200000">
-            <a:off x="-2330100" y="3437334"/>
-            <a:ext cx="4998749" cy="338554"/>
-          </a:xfrm>
-          <a:prstGeom prst="rect">
-            <a:avLst/>
-          </a:prstGeom>
-          <a:solidFill>
-            <a:srgbClr val="EF553B"/>
-          </a:solidFill>
-        </p:spPr>
-        <p:txBody>
-          <a:bodyPr wrap="square" rtlCol="0">
-            <a:spAutoFit/>
-          </a:bodyPr>
-          <a:lstStyle/>
-          <a:p>
-            <a:r>
-              <a:rPr lang="fr-FR" dirty="0">
-                <a:solidFill>
-                  <a:schemeClr val="bg1"/>
-                </a:solidFill>
-              </a:rPr>
-              <a:t>Enquête CGE / Cumul</a:t>
-            </a:r>
-          </a:p>
-        </p:txBody>
-      </p:sp>
-      <p:sp>
-        <p:nvSpPr>
-          <p:cNvPr id="9" name="ZoneTexte 8">
-            <a:extLst>
-              <a:ext uri="{FF2B5EF4-FFF2-40B4-BE49-F238E27FC236}">
-                <a16:creationId xmlns:a16="http://schemas.microsoft.com/office/drawing/2014/main" id="{607FEABF-F1C9-7143-AA31-45A4A932AF8A}"/>
-              </a:ext>
-            </a:extLst>
-          </p:cNvPr>
-          <p:cNvSpPr txBox="1"/>
-          <p:nvPr/>
-        </p:nvSpPr>
-        <p:spPr>
-          <a:xfrm>
-            <a:off x="3821018" y="807154"/>
-            <a:ext cx="3720890" cy="600164"/>
-          </a:xfrm>
-          <a:prstGeom prst="rect">
-            <a:avLst/>
-          </a:prstGeom>
-          <a:noFill/>
-        </p:spPr>
-        <p:txBody>
-          <a:bodyPr wrap="none" rtlCol="0">
-            <a:spAutoFit/>
-          </a:bodyPr>
-          <a:lstStyle/>
-          <a:p>
-            <a:r>
-              <a:rPr lang="fr-FR" sz="1100" b="1" dirty="0">
-                <a:solidFill>
-                  <a:srgbClr val="002060"/>
-                </a:solidFill>
-              </a:rPr>
-              <a:t>Comparaison avec résultats nationaux :</a:t>
-            </a:r>
-          </a:p>
-          <a:p>
-            <a:pPr marL="285750" indent="-285750">
-              <a:buFontTx/>
-              <a:buChar char="-"/>
-            </a:pPr>
-            <a:r>
-              <a:rPr lang="fr-FR" sz="1100" dirty="0">
-                <a:solidFill>
-                  <a:srgbClr val="002060"/>
-                </a:solidFill>
-              </a:rPr>
-              <a:t>hypothèse : nombre quasi constant de répondant.es</a:t>
-            </a:r>
-          </a:p>
-          <a:p>
-            <a:pPr marL="285750" indent="-285750">
-              <a:buFontTx/>
-              <a:buChar char="-"/>
-            </a:pPr>
-            <a:r>
-              <a:rPr lang="fr-FR" sz="1100" i="1" dirty="0">
-                <a:solidFill>
-                  <a:srgbClr val="002060"/>
-                </a:solidFill>
-              </a:rPr>
-              <a:t>Calcul : somme des moyennes / nombre années</a:t>
-            </a:r>
-          </a:p>
-        </p:txBody>
-      </p:sp>
-      <p:sp>
-        <p:nvSpPr>
-          <p:cNvPr id="4" name="ZoneTexte 3">
-            <a:extLst>
-              <a:ext uri="{FF2B5EF4-FFF2-40B4-BE49-F238E27FC236}">
-                <a16:creationId xmlns:a16="http://schemas.microsoft.com/office/drawing/2014/main" id="{250399CC-6EB5-CF04-B8BD-CB9EFD4A444B}"/>
-              </a:ext>
-            </a:extLst>
-          </p:cNvPr>
-          <p:cNvSpPr txBox="1"/>
-          <p:nvPr/>
-        </p:nvSpPr>
-        <p:spPr>
-          <a:xfrm rot="20218656">
-            <a:off x="2728949" y="4274277"/>
-            <a:ext cx="2184137" cy="461665"/>
-          </a:xfrm>
-          <a:prstGeom prst="rect">
-            <a:avLst/>
-          </a:prstGeom>
-          <a:solidFill>
-            <a:srgbClr val="5B277D"/>
-          </a:solidFill>
-        </p:spPr>
-        <p:txBody>
-          <a:bodyPr wrap="square" rtlCol="0">
-            <a:spAutoFit/>
-          </a:bodyPr>
-          <a:lstStyle/>
-          <a:p>
-            <a:pPr algn="ctr"/>
-            <a:r>
-              <a:rPr lang="fr-FR" sz="2400" b="1" dirty="0">
-                <a:solidFill>
-                  <a:schemeClr val="bg1"/>
-                </a:solidFill>
-              </a:rPr>
-              <a:t>A MODIFIER</a:t>
-            </a:r>
-          </a:p>
-        </p:txBody>
-      </p:sp>
-    </p:spTree>
-    <p:extLst>
-      <p:ext uri="{BB962C8B-B14F-4D97-AF65-F5344CB8AC3E}">
-        <p14:creationId xmlns:p14="http://schemas.microsoft.com/office/powerpoint/2010/main" val="3961338103"/>
-      </p:ext>
-    </p:extLst>
-  </p:cSld>
-  <p:clrMapOvr>
-    <a:masterClrMapping/>
-  </p:clrMapOvr>
-</p:sld>
-</file>
-
-<file path=ppt/slides/slide2.xml><?xml version="1.0" encoding="utf-8"?>
-<p:sld xmlns:a="http://schemas.openxmlformats.org/drawingml/2006/main" xmlns:r="http://schemas.openxmlformats.org/officeDocument/2006/relationships" xmlns:p="http://schemas.openxmlformats.org/presentationml/2006/main">
-  <p:cSld>
-    <p:spTree>
-      <p:nvGrpSpPr>
-        <p:cNvPr id="1" name=""/>
-        <p:cNvGrpSpPr/>
-        <p:nvPr/>
-      </p:nvGrpSpPr>
-      <p:grpSpPr>
-        <a:xfrm>
-          <a:off x="0" y="0"/>
-          <a:ext cx="0" cy="0"/>
-          <a:chOff x="0" y="0"/>
-          <a:chExt cx="0" cy="0"/>
-        </a:xfrm>
-      </p:grpSpPr>
-      <p:sp>
-        <p:nvSpPr>
-          <p:cNvPr id="2" name="Titre 1">
-            <a:extLst>
-              <a:ext uri="{FF2B5EF4-FFF2-40B4-BE49-F238E27FC236}">
-                <a16:creationId xmlns:a16="http://schemas.microsoft.com/office/drawing/2014/main" id="{FAA161D5-927A-49ED-83AF-6D12A66FF712}"/>
-              </a:ext>
-            </a:extLst>
-          </p:cNvPr>
-          <p:cNvSpPr>
-            <a:spLocks noGrp="1"/>
-          </p:cNvSpPr>
-          <p:nvPr>
-            <p:ph type="title"/>
-          </p:nvPr>
-        </p:nvSpPr>
-        <p:spPr/>
-        <p:txBody>
-          <a:bodyPr/>
-          <a:lstStyle/>
-          <a:p>
-            <a:pPr>
-              <a:defRPr/>
-            </a:pPr>
-            <a:r>
-              <a:rPr lang="fr-FR" sz="2800" dirty="0"/>
-              <a:t>Enquête CGE / C’est quoi donc ?</a:t>
-            </a:r>
-          </a:p>
-        </p:txBody>
-      </p:sp>
-      <p:sp>
-        <p:nvSpPr>
-          <p:cNvPr id="6147" name="Espace réservé du contenu 2">
-            <a:extLst>
-              <a:ext uri="{FF2B5EF4-FFF2-40B4-BE49-F238E27FC236}">
-                <a16:creationId xmlns:a16="http://schemas.microsoft.com/office/drawing/2014/main" id="{458254A6-099B-4E75-907C-19CA1B94B253}"/>
-              </a:ext>
-            </a:extLst>
-          </p:cNvPr>
-          <p:cNvSpPr>
-            <a:spLocks noGrp="1" noChangeArrowheads="1"/>
-          </p:cNvSpPr>
-          <p:nvPr>
-            <p:ph idx="1"/>
-          </p:nvPr>
-        </p:nvSpPr>
-        <p:spPr>
-          <a:xfrm>
-            <a:off x="447675" y="1600200"/>
-            <a:ext cx="8229600" cy="430779"/>
-          </a:xfrm>
-        </p:spPr>
-        <p:txBody>
-          <a:bodyPr/>
-          <a:lstStyle/>
-          <a:p>
-            <a:r>
-              <a:rPr lang="fr-FR" altLang="fr-FR" sz="2000" b="1" dirty="0">
-                <a:solidFill>
-                  <a:srgbClr val="FF960A"/>
-                </a:solidFill>
-                <a:ea typeface="ＭＳ Ｐゴシック" panose="020B0600070205080204" pitchFamily="34" charset="-128"/>
-              </a:rPr>
-              <a:t>Objectif</a:t>
-            </a:r>
-          </a:p>
-        </p:txBody>
-      </p:sp>
-      <p:pic>
-        <p:nvPicPr>
-          <p:cNvPr id="6148" name="Picture 2" descr="upright=Article à illustrer Organisation">
-            <a:extLst>
-              <a:ext uri="{FF2B5EF4-FFF2-40B4-BE49-F238E27FC236}">
-                <a16:creationId xmlns:a16="http://schemas.microsoft.com/office/drawing/2014/main" id="{105BE698-E40C-4415-A9DF-F8680D1DF607}"/>
-              </a:ext>
-            </a:extLst>
-          </p:cNvPr>
-          <p:cNvPicPr>
-            <a:picLocks noChangeAspect="1" noChangeArrowheads="1"/>
-          </p:cNvPicPr>
-          <p:nvPr/>
-        </p:nvPicPr>
-        <p:blipFill>
-          <a:blip r:embed="rId2">
-            <a:extLst>
-              <a:ext uri="{28A0092B-C50C-407E-A947-70E740481C1C}">
-                <a14:useLocalDpi xmlns:a14="http://schemas.microsoft.com/office/drawing/2010/main" val="0"/>
-              </a:ext>
-            </a:extLst>
-          </a:blip>
-          <a:srcRect/>
-          <a:stretch>
-            <a:fillRect/>
-          </a:stretch>
-        </p:blipFill>
-        <p:spPr bwMode="auto">
-          <a:xfrm>
-            <a:off x="7766050" y="892175"/>
-            <a:ext cx="1157288" cy="384175"/>
-          </a:xfrm>
-          <a:prstGeom prst="rect">
-            <a:avLst/>
-          </a:prstGeom>
-          <a:noFill/>
-          <a:ln>
-            <a:noFill/>
-          </a:ln>
-          <a:extLst>
-            <a:ext uri="{909E8E84-426E-40DD-AFC4-6F175D3DCCD1}">
-              <a14:hiddenFill xmlns:a14="http://schemas.microsoft.com/office/drawing/2010/main">
-                <a:solidFill>
-                  <a:srgbClr val="FFFFFF"/>
-                </a:solidFill>
-              </a14:hiddenFill>
-            </a:ext>
-            <a:ext uri="{91240B29-F687-4F45-9708-019B960494DF}">
-              <a14:hiddenLine xmlns:a14="http://schemas.microsoft.com/office/drawing/2010/main" w="9525">
-                <a:solidFill>
-                  <a:srgbClr val="000000"/>
-                </a:solidFill>
-                <a:miter lim="800000"/>
-                <a:headEnd/>
-                <a:tailEnd/>
-              </a14:hiddenLine>
-            </a:ext>
-          </a:extLst>
-        </p:spPr>
-      </p:pic>
-      <p:sp>
-        <p:nvSpPr>
-          <p:cNvPr id="3" name="Rectangle 2">
-            <a:extLst>
-              <a:ext uri="{FF2B5EF4-FFF2-40B4-BE49-F238E27FC236}">
-                <a16:creationId xmlns:a16="http://schemas.microsoft.com/office/drawing/2014/main" id="{8825F985-355D-46E4-B1CF-9A26690CF926}"/>
-              </a:ext>
-            </a:extLst>
-          </p:cNvPr>
-          <p:cNvSpPr/>
-          <p:nvPr/>
-        </p:nvSpPr>
-        <p:spPr>
-          <a:xfrm>
-            <a:off x="574372" y="2017341"/>
-            <a:ext cx="7986066" cy="584775"/>
-          </a:xfrm>
-          <a:prstGeom prst="rect">
-            <a:avLst/>
-          </a:prstGeom>
-        </p:spPr>
-        <p:txBody>
-          <a:bodyPr wrap="square">
-            <a:spAutoFit/>
-          </a:bodyPr>
-          <a:lstStyle/>
-          <a:p>
-            <a:r>
-              <a:rPr lang="fr-FR" dirty="0">
-                <a:solidFill>
-                  <a:srgbClr val="333333"/>
-                </a:solidFill>
-                <a:latin typeface="Calibri" panose="020F0502020204030204" pitchFamily="34" charset="0"/>
-              </a:rPr>
-              <a:t>Enquêtes s’intéressant à la </a:t>
-            </a:r>
-            <a:r>
-              <a:rPr lang="fr-FR" b="1" dirty="0">
-                <a:solidFill>
-                  <a:srgbClr val="333333"/>
-                </a:solidFill>
-                <a:latin typeface="Calibri" panose="020F0502020204030204" pitchFamily="34" charset="0"/>
-              </a:rPr>
-              <a:t>valorisation sur le marché du travail</a:t>
-            </a:r>
-            <a:r>
-              <a:rPr lang="fr-FR" dirty="0">
-                <a:solidFill>
-                  <a:srgbClr val="333333"/>
-                </a:solidFill>
-                <a:latin typeface="Calibri" panose="020F0502020204030204" pitchFamily="34" charset="0"/>
-              </a:rPr>
-              <a:t> des formations dispensées dans les Grandes Écoles françaises au travers de l’</a:t>
-            </a:r>
-            <a:r>
-              <a:rPr lang="fr-FR" b="1" dirty="0">
-                <a:solidFill>
-                  <a:srgbClr val="333333"/>
-                </a:solidFill>
-                <a:latin typeface="Calibri" panose="020F0502020204030204" pitchFamily="34" charset="0"/>
-              </a:rPr>
-              <a:t>insertion des diplômé.es</a:t>
-            </a:r>
-            <a:endParaRPr lang="fr-FR" dirty="0">
-              <a:solidFill>
-                <a:srgbClr val="333333"/>
-              </a:solidFill>
-              <a:latin typeface="Lucida Sans" panose="020B0602030504020204" pitchFamily="34" charset="0"/>
-            </a:endParaRPr>
-          </a:p>
-        </p:txBody>
-      </p:sp>
-      <p:sp>
-        <p:nvSpPr>
-          <p:cNvPr id="4" name="Rectangle 3">
-            <a:extLst>
-              <a:ext uri="{FF2B5EF4-FFF2-40B4-BE49-F238E27FC236}">
-                <a16:creationId xmlns:a16="http://schemas.microsoft.com/office/drawing/2014/main" id="{698AC0B1-5D01-4A7E-9126-56E9414F5169}"/>
-              </a:ext>
-            </a:extLst>
-          </p:cNvPr>
-          <p:cNvSpPr/>
-          <p:nvPr/>
-        </p:nvSpPr>
-        <p:spPr>
-          <a:xfrm>
-            <a:off x="574372" y="3279093"/>
-            <a:ext cx="7627658" cy="2308324"/>
-          </a:xfrm>
-          <a:prstGeom prst="rect">
-            <a:avLst/>
-          </a:prstGeom>
-        </p:spPr>
-        <p:txBody>
-          <a:bodyPr wrap="square">
-            <a:spAutoFit/>
-          </a:bodyPr>
-          <a:lstStyle/>
-          <a:p>
-            <a:r>
-              <a:rPr lang="fr-FR" dirty="0">
-                <a:solidFill>
-                  <a:srgbClr val="333333"/>
-                </a:solidFill>
-                <a:latin typeface="Calibri" panose="020F0502020204030204" pitchFamily="34" charset="0"/>
-              </a:rPr>
-              <a:t>Réalisée au 1</a:t>
-            </a:r>
-            <a:r>
-              <a:rPr lang="fr-FR" baseline="30000" dirty="0">
-                <a:solidFill>
-                  <a:srgbClr val="333333"/>
-                </a:solidFill>
-                <a:latin typeface="Calibri" panose="020F0502020204030204" pitchFamily="34" charset="0"/>
-              </a:rPr>
-              <a:t>er </a:t>
-            </a:r>
-            <a:r>
-              <a:rPr lang="fr-FR" dirty="0">
-                <a:solidFill>
-                  <a:srgbClr val="333333"/>
-                </a:solidFill>
-                <a:latin typeface="Calibri" panose="020F0502020204030204" pitchFamily="34" charset="0"/>
-              </a:rPr>
-              <a:t>semestre 2022 par </a:t>
-            </a:r>
-            <a:r>
-              <a:rPr lang="fr-FR" b="1" dirty="0">
-                <a:solidFill>
-                  <a:srgbClr val="333333"/>
-                </a:solidFill>
-                <a:latin typeface="Calibri" panose="020F0502020204030204" pitchFamily="34" charset="0"/>
-              </a:rPr>
-              <a:t>194 Grandes Ecoles</a:t>
-            </a:r>
-            <a:r>
-              <a:rPr lang="fr-FR" dirty="0">
-                <a:solidFill>
-                  <a:srgbClr val="333333"/>
-                </a:solidFill>
-                <a:latin typeface="Calibri" panose="020F0502020204030204" pitchFamily="34" charset="0"/>
-              </a:rPr>
-              <a:t> membres de la CGE</a:t>
-            </a:r>
-          </a:p>
-          <a:p>
-            <a:r>
-              <a:rPr lang="fr-FR" dirty="0">
-                <a:solidFill>
-                  <a:srgbClr val="333333"/>
-                </a:solidFill>
-                <a:latin typeface="Calibri" panose="020F0502020204030204" pitchFamily="34" charset="0"/>
-              </a:rPr>
-              <a:t>					(dont </a:t>
-            </a:r>
-            <a:r>
-              <a:rPr lang="fr-FR" b="1" dirty="0">
-                <a:solidFill>
-                  <a:srgbClr val="333333"/>
-                </a:solidFill>
-                <a:latin typeface="Calibri" panose="020F0502020204030204" pitchFamily="34" charset="0"/>
-              </a:rPr>
-              <a:t>138</a:t>
-            </a:r>
-            <a:r>
-              <a:rPr lang="fr-FR" dirty="0">
-                <a:solidFill>
-                  <a:srgbClr val="333333"/>
-                </a:solidFill>
-                <a:latin typeface="Calibri" panose="020F0502020204030204" pitchFamily="34" charset="0"/>
-              </a:rPr>
-              <a:t> écoles d’ingénieurs)</a:t>
-            </a:r>
-            <a:endParaRPr lang="fr-FR" dirty="0">
-              <a:solidFill>
-                <a:srgbClr val="333333"/>
-              </a:solidFill>
-              <a:latin typeface="Lucida Sans" panose="020B0602030504020204" pitchFamily="34" charset="0"/>
-            </a:endParaRPr>
-          </a:p>
-          <a:p>
-            <a:r>
-              <a:rPr lang="fr-FR" dirty="0">
-                <a:solidFill>
-                  <a:srgbClr val="333333"/>
-                </a:solidFill>
-                <a:latin typeface="Lucida Sans" panose="020B0602030504020204" pitchFamily="34" charset="0"/>
-              </a:rPr>
-              <a:t>	</a:t>
-            </a:r>
-            <a:r>
-              <a:rPr lang="fr-FR" i="1" dirty="0">
-                <a:solidFill>
-                  <a:srgbClr val="333333"/>
-                </a:solidFill>
-                <a:latin typeface="Calibri" panose="020F0502020204030204" pitchFamily="34" charset="0"/>
-              </a:rPr>
-              <a:t>IOGS – entre le 1er</a:t>
-            </a:r>
-            <a:r>
-              <a:rPr lang="fr-FR" dirty="0">
-                <a:solidFill>
-                  <a:srgbClr val="333333"/>
-                </a:solidFill>
-                <a:latin typeface="Calibri" panose="020F0502020204030204" pitchFamily="34" charset="0"/>
-              </a:rPr>
-              <a:t> janvier 2024 et le 2 avril 2024</a:t>
-            </a:r>
-          </a:p>
-          <a:p>
-            <a:r>
-              <a:rPr lang="fr-FR" dirty="0">
-                <a:solidFill>
-                  <a:srgbClr val="333333"/>
-                </a:solidFill>
-                <a:latin typeface="Calibri" panose="020F0502020204030204" pitchFamily="34" charset="0"/>
-              </a:rPr>
-              <a:t>Résultats publiés en juin 2024 par la CGE / 32</a:t>
-            </a:r>
-            <a:r>
-              <a:rPr lang="fr-FR" baseline="30000" dirty="0">
-                <a:solidFill>
-                  <a:srgbClr val="333333"/>
-                </a:solidFill>
-                <a:latin typeface="Calibri" panose="020F0502020204030204" pitchFamily="34" charset="0"/>
-              </a:rPr>
-              <a:t>e</a:t>
-            </a:r>
-            <a:r>
-              <a:rPr lang="fr-FR" dirty="0">
-                <a:solidFill>
-                  <a:srgbClr val="333333"/>
-                </a:solidFill>
-                <a:latin typeface="Calibri" panose="020F0502020204030204" pitchFamily="34" charset="0"/>
-              </a:rPr>
-              <a:t> édition</a:t>
-            </a:r>
-            <a:endParaRPr lang="fr-FR" dirty="0">
-              <a:solidFill>
-                <a:srgbClr val="333333"/>
-              </a:solidFill>
-              <a:latin typeface="Lucida Sans" panose="020B0602030504020204" pitchFamily="34" charset="0"/>
-            </a:endParaRPr>
-          </a:p>
-          <a:p>
-            <a:endParaRPr lang="fr-FR" dirty="0">
-              <a:solidFill>
-                <a:srgbClr val="333333"/>
-              </a:solidFill>
-              <a:latin typeface="Lucida Sans" panose="020B0602030504020204" pitchFamily="34" charset="0"/>
-            </a:endParaRPr>
-          </a:p>
-          <a:p>
-            <a:r>
-              <a:rPr lang="fr-FR" dirty="0">
-                <a:solidFill>
-                  <a:srgbClr val="333333"/>
-                </a:solidFill>
-                <a:latin typeface="Calibri" panose="020F0502020204030204" pitchFamily="34" charset="0"/>
-              </a:rPr>
-              <a:t>Ensemble d’outils d’enquête sécurisés (</a:t>
-            </a:r>
-            <a:r>
-              <a:rPr lang="fr-FR" i="1" dirty="0" err="1">
-                <a:solidFill>
-                  <a:srgbClr val="333333"/>
-                </a:solidFill>
-                <a:latin typeface="Calibri" panose="020F0502020204030204" pitchFamily="34" charset="0"/>
-              </a:rPr>
-              <a:t>SphinxOnline</a:t>
-            </a:r>
-            <a:r>
-              <a:rPr lang="fr-FR" dirty="0">
-                <a:solidFill>
-                  <a:srgbClr val="333333"/>
-                </a:solidFill>
-                <a:latin typeface="Calibri" panose="020F0502020204030204" pitchFamily="34" charset="0"/>
-              </a:rPr>
-              <a:t>) fourni par la CGE</a:t>
-            </a:r>
-            <a:endParaRPr lang="fr-FR" dirty="0">
-              <a:solidFill>
-                <a:srgbClr val="333333"/>
-              </a:solidFill>
-              <a:latin typeface="Lucida Sans" panose="020B0602030504020204" pitchFamily="34" charset="0"/>
-            </a:endParaRPr>
-          </a:p>
-          <a:p>
-            <a:r>
-              <a:rPr lang="fr-FR" dirty="0">
-                <a:solidFill>
-                  <a:srgbClr val="333333"/>
-                </a:solidFill>
-                <a:latin typeface="Calibri" panose="020F0502020204030204" pitchFamily="34" charset="0"/>
-              </a:rPr>
-              <a:t>Formulaire paramétré spécifiquement pour chaque école</a:t>
-            </a:r>
-            <a:endParaRPr lang="fr-FR" dirty="0">
-              <a:solidFill>
-                <a:srgbClr val="333333"/>
-              </a:solidFill>
-              <a:latin typeface="Lucida Sans" panose="020B0602030504020204" pitchFamily="34" charset="0"/>
-            </a:endParaRPr>
-          </a:p>
-          <a:p>
-            <a:endParaRPr lang="fr-FR" dirty="0">
-              <a:solidFill>
-                <a:srgbClr val="333333"/>
-              </a:solidFill>
-              <a:latin typeface="Lucida Sans" panose="020B0602030504020204" pitchFamily="34" charset="0"/>
-            </a:endParaRPr>
-          </a:p>
-          <a:p>
-            <a:r>
-              <a:rPr lang="fr-FR" dirty="0">
-                <a:solidFill>
-                  <a:srgbClr val="333333"/>
-                </a:solidFill>
-                <a:latin typeface="Calibri" panose="020F0502020204030204" pitchFamily="34" charset="0"/>
-              </a:rPr>
-              <a:t>Sondage sur les </a:t>
-            </a:r>
-            <a:r>
-              <a:rPr lang="fr-FR" b="1" dirty="0">
-                <a:solidFill>
-                  <a:srgbClr val="333333"/>
-                </a:solidFill>
-                <a:latin typeface="Calibri" panose="020F0502020204030204" pitchFamily="34" charset="0"/>
-              </a:rPr>
-              <a:t>5 dernières promotions </a:t>
-            </a:r>
-            <a:r>
-              <a:rPr lang="fr-FR" dirty="0">
-                <a:solidFill>
-                  <a:srgbClr val="333333"/>
-                </a:solidFill>
-                <a:latin typeface="Calibri" panose="020F0502020204030204" pitchFamily="34" charset="0"/>
-              </a:rPr>
-              <a:t>(2019 à 2023)</a:t>
-            </a:r>
-            <a:endParaRPr lang="fr-FR" dirty="0">
-              <a:solidFill>
-                <a:srgbClr val="333333"/>
-              </a:solidFill>
-              <a:latin typeface="Lucida Sans" panose="020B0602030504020204" pitchFamily="34" charset="0"/>
-            </a:endParaRPr>
-          </a:p>
-        </p:txBody>
-      </p:sp>
-      <p:sp>
-        <p:nvSpPr>
-          <p:cNvPr id="7" name="Espace réservé du contenu 2">
-            <a:extLst>
-              <a:ext uri="{FF2B5EF4-FFF2-40B4-BE49-F238E27FC236}">
-                <a16:creationId xmlns:a16="http://schemas.microsoft.com/office/drawing/2014/main" id="{A921BAEC-F7D4-49D4-BE1F-00F1433E7016}"/>
-              </a:ext>
-            </a:extLst>
-          </p:cNvPr>
-          <p:cNvSpPr txBox="1">
-            <a:spLocks noChangeArrowheads="1"/>
-          </p:cNvSpPr>
-          <p:nvPr/>
-        </p:nvSpPr>
-        <p:spPr bwMode="auto">
-          <a:xfrm>
-            <a:off x="453035" y="2841615"/>
-            <a:ext cx="8229600" cy="430779"/>
-          </a:xfrm>
-          <a:prstGeom prst="rect">
-            <a:avLst/>
-          </a:prstGeom>
-          <a:noFill/>
-          <a:ln>
-            <a:noFill/>
-          </a:ln>
-          <a:extLst>
-            <a:ext uri="{909E8E84-426E-40DD-AFC4-6F175D3DCCD1}">
-              <a14:hiddenFill xmlns:a14="http://schemas.microsoft.com/office/drawing/2010/main">
-                <a:solidFill>
-                  <a:srgbClr val="FFFFFF"/>
-                </a:solidFill>
-              </a14:hiddenFill>
-            </a:ext>
-            <a:ext uri="{91240B29-F687-4F45-9708-019B960494DF}">
-              <a14:hiddenLine xmlns:a14="http://schemas.microsoft.com/office/drawing/2010/main" w="9525">
-                <a:solidFill>
-                  <a:srgbClr val="000000"/>
-                </a:solidFill>
-                <a:miter lim="800000"/>
-                <a:headEnd/>
-                <a:tailEnd/>
-              </a14:hiddenLine>
-            </a:ext>
-          </a:extLst>
-        </p:spPr>
-        <p:txBody>
-          <a:bodyPr vert="horz" wrap="square" lIns="91440" tIns="45720" rIns="91440" bIns="45720" numCol="1" anchor="t" anchorCtr="0" compatLnSpc="1">
-            <a:prstTxWarp prst="textNoShape">
-              <a:avLst/>
-            </a:prstTxWarp>
-          </a:bodyPr>
-          <a:lstStyle>
-            <a:lvl1pPr marL="342900" indent="-342900" algn="l" rtl="0" eaLnBrk="0" fontAlgn="base" hangingPunct="0">
-              <a:spcBef>
-                <a:spcPct val="20000"/>
-              </a:spcBef>
-              <a:spcAft>
-                <a:spcPct val="0"/>
-              </a:spcAft>
-              <a:buChar char="•"/>
-              <a:defRPr sz="3200">
-                <a:solidFill>
-                  <a:srgbClr val="0A3250"/>
-                </a:solidFill>
-                <a:latin typeface="+mn-lt"/>
-                <a:ea typeface="ＭＳ Ｐゴシック" charset="0"/>
-                <a:cs typeface="ＭＳ Ｐゴシック" charset="0"/>
-              </a:defRPr>
-            </a:lvl1pPr>
-            <a:lvl2pPr marL="742950" indent="-285750" algn="l" rtl="0" eaLnBrk="0" fontAlgn="base" hangingPunct="0">
-              <a:spcBef>
-                <a:spcPct val="20000"/>
-              </a:spcBef>
-              <a:spcAft>
-                <a:spcPct val="0"/>
-              </a:spcAft>
-              <a:buChar char="–"/>
-              <a:defRPr sz="2800">
-                <a:solidFill>
-                  <a:srgbClr val="0A3250"/>
-                </a:solidFill>
-                <a:latin typeface="+mn-lt"/>
-                <a:ea typeface="ＭＳ Ｐゴシック" charset="0"/>
-              </a:defRPr>
-            </a:lvl2pPr>
-            <a:lvl3pPr marL="1143000" indent="-228600" algn="l" rtl="0" eaLnBrk="0" fontAlgn="base" hangingPunct="0">
-              <a:spcBef>
-                <a:spcPct val="20000"/>
-              </a:spcBef>
-              <a:spcAft>
-                <a:spcPct val="0"/>
-              </a:spcAft>
-              <a:buChar char="•"/>
-              <a:defRPr sz="2400">
-                <a:solidFill>
-                  <a:srgbClr val="0A3250"/>
-                </a:solidFill>
-                <a:latin typeface="+mn-lt"/>
-                <a:ea typeface="ＭＳ Ｐゴシック" charset="0"/>
-              </a:defRPr>
-            </a:lvl3pPr>
-            <a:lvl4pPr marL="1600200" indent="-228600" algn="l" rtl="0" eaLnBrk="0" fontAlgn="base" hangingPunct="0">
-              <a:spcBef>
-                <a:spcPct val="20000"/>
-              </a:spcBef>
-              <a:spcAft>
-                <a:spcPct val="0"/>
-              </a:spcAft>
-              <a:buChar char="–"/>
-              <a:defRPr sz="2000">
-                <a:solidFill>
-                  <a:srgbClr val="0A3250"/>
-                </a:solidFill>
-                <a:latin typeface="+mn-lt"/>
-                <a:ea typeface="ＭＳ Ｐゴシック" charset="0"/>
-              </a:defRPr>
-            </a:lvl4pPr>
-            <a:lvl5pPr marL="2057400" indent="-228600" algn="l" rtl="0" eaLnBrk="0" fontAlgn="base" hangingPunct="0">
-              <a:spcBef>
-                <a:spcPct val="20000"/>
-              </a:spcBef>
-              <a:spcAft>
-                <a:spcPct val="0"/>
-              </a:spcAft>
-              <a:buChar char="»"/>
-              <a:defRPr sz="2000">
-                <a:solidFill>
-                  <a:srgbClr val="0A3250"/>
-                </a:solidFill>
-                <a:latin typeface="+mn-lt"/>
-                <a:ea typeface="ＭＳ Ｐゴシック" charset="0"/>
-              </a:defRPr>
-            </a:lvl5pPr>
-            <a:lvl6pPr marL="2514600" indent="-228600" algn="l" rtl="0" fontAlgn="base">
-              <a:spcBef>
-                <a:spcPct val="20000"/>
-              </a:spcBef>
-              <a:spcAft>
-                <a:spcPct val="0"/>
-              </a:spcAft>
-              <a:buChar char="»"/>
-              <a:defRPr sz="2000">
-                <a:solidFill>
-                  <a:srgbClr val="0A3250"/>
-                </a:solidFill>
-                <a:latin typeface="+mn-lt"/>
-              </a:defRPr>
-            </a:lvl6pPr>
-            <a:lvl7pPr marL="2971800" indent="-228600" algn="l" rtl="0" fontAlgn="base">
-              <a:spcBef>
-                <a:spcPct val="20000"/>
-              </a:spcBef>
-              <a:spcAft>
-                <a:spcPct val="0"/>
-              </a:spcAft>
-              <a:buChar char="»"/>
-              <a:defRPr sz="2000">
-                <a:solidFill>
-                  <a:srgbClr val="0A3250"/>
-                </a:solidFill>
-                <a:latin typeface="+mn-lt"/>
-              </a:defRPr>
-            </a:lvl7pPr>
-            <a:lvl8pPr marL="3429000" indent="-228600" algn="l" rtl="0" fontAlgn="base">
-              <a:spcBef>
-                <a:spcPct val="20000"/>
-              </a:spcBef>
-              <a:spcAft>
-                <a:spcPct val="0"/>
-              </a:spcAft>
-              <a:buChar char="»"/>
-              <a:defRPr sz="2000">
-                <a:solidFill>
-                  <a:srgbClr val="0A3250"/>
-                </a:solidFill>
-                <a:latin typeface="+mn-lt"/>
-              </a:defRPr>
-            </a:lvl8pPr>
-            <a:lvl9pPr marL="3886200" indent="-228600" algn="l" rtl="0" fontAlgn="base">
-              <a:spcBef>
-                <a:spcPct val="20000"/>
-              </a:spcBef>
-              <a:spcAft>
-                <a:spcPct val="0"/>
-              </a:spcAft>
-              <a:buChar char="»"/>
-              <a:defRPr sz="2000">
-                <a:solidFill>
-                  <a:srgbClr val="0A3250"/>
-                </a:solidFill>
-                <a:latin typeface="+mn-lt"/>
-              </a:defRPr>
-            </a:lvl9pPr>
-          </a:lstStyle>
-          <a:p>
-            <a:r>
-              <a:rPr lang="fr-FR" altLang="fr-FR" sz="2000" b="1" kern="0" dirty="0">
-                <a:solidFill>
-                  <a:srgbClr val="FF960A"/>
-                </a:solidFill>
-                <a:ea typeface="ＭＳ Ｐゴシック" panose="020B0600070205080204" pitchFamily="34" charset="-128"/>
-              </a:rPr>
-              <a:t>Enquête CGE / version 2024</a:t>
-            </a:r>
-          </a:p>
-        </p:txBody>
-      </p:sp>
-      <p:sp>
-        <p:nvSpPr>
-          <p:cNvPr id="8" name="ZoneTexte 7">
-            <a:extLst>
-              <a:ext uri="{FF2B5EF4-FFF2-40B4-BE49-F238E27FC236}">
-                <a16:creationId xmlns:a16="http://schemas.microsoft.com/office/drawing/2014/main" id="{6BAF07F5-6F93-4A2B-A040-85F75ADE8EDD}"/>
-              </a:ext>
-            </a:extLst>
-          </p:cNvPr>
-          <p:cNvSpPr txBox="1"/>
-          <p:nvPr/>
-        </p:nvSpPr>
-        <p:spPr>
-          <a:xfrm rot="16200000">
-            <a:off x="-2330100" y="3437334"/>
-            <a:ext cx="4998749" cy="338554"/>
-          </a:xfrm>
-          <a:prstGeom prst="rect">
-            <a:avLst/>
-          </a:prstGeom>
-          <a:solidFill>
-            <a:schemeClr val="bg1">
-              <a:lumMod val="50000"/>
-            </a:schemeClr>
-          </a:solidFill>
-        </p:spPr>
-        <p:txBody>
-          <a:bodyPr wrap="square" rtlCol="0">
-            <a:spAutoFit/>
-          </a:bodyPr>
-          <a:lstStyle/>
-          <a:p>
-            <a:r>
-              <a:rPr lang="fr-FR" dirty="0">
-                <a:solidFill>
-                  <a:schemeClr val="bg1"/>
-                </a:solidFill>
-              </a:rPr>
-              <a:t>Enquête CGE / Version 2024</a:t>
-            </a:r>
-          </a:p>
-        </p:txBody>
-      </p:sp>
-      <p:sp>
-        <p:nvSpPr>
-          <p:cNvPr id="5" name="ZoneTexte 4">
-            <a:extLst>
-              <a:ext uri="{FF2B5EF4-FFF2-40B4-BE49-F238E27FC236}">
-                <a16:creationId xmlns:a16="http://schemas.microsoft.com/office/drawing/2014/main" id="{A14330D1-74E3-BFD8-5B88-7523F17D88DC}"/>
-              </a:ext>
-            </a:extLst>
-          </p:cNvPr>
-          <p:cNvSpPr txBox="1"/>
-          <p:nvPr/>
-        </p:nvSpPr>
-        <p:spPr>
-          <a:xfrm rot="20218656">
-            <a:off x="6460078" y="4717039"/>
-            <a:ext cx="2184137" cy="461665"/>
-          </a:xfrm>
-          <a:prstGeom prst="rect">
-            <a:avLst/>
-          </a:prstGeom>
-          <a:solidFill>
-            <a:srgbClr val="5B277D"/>
-          </a:solidFill>
-        </p:spPr>
-        <p:txBody>
-          <a:bodyPr wrap="square" rtlCol="0">
-            <a:spAutoFit/>
-          </a:bodyPr>
-          <a:lstStyle/>
-          <a:p>
-            <a:pPr algn="ctr"/>
-            <a:r>
-              <a:rPr lang="fr-FR" sz="2400" b="1" dirty="0">
-                <a:solidFill>
-                  <a:schemeClr val="bg1"/>
-                </a:solidFill>
-              </a:rPr>
-              <a:t>A MODIFIER</a:t>
-            </a:r>
-          </a:p>
-        </p:txBody>
-      </p:sp>
-    </p:spTree>
-  </p:cSld>
-  <p:clrMapOvr>
-    <a:masterClrMapping/>
-  </p:clrMapOvr>
-</p:sld>
-</file>
-
-<file path=ppt/slides/slide20.xml><?xml version="1.0" encoding="utf-8"?>
-<p:sld xmlns:a="http://schemas.openxmlformats.org/drawingml/2006/main" xmlns:r="http://schemas.openxmlformats.org/officeDocument/2006/relationships" xmlns:p="http://schemas.openxmlformats.org/presentationml/2006/main">
-  <p:cSld>
-    <p:spTree>
-      <p:nvGrpSpPr>
-        <p:cNvPr id="1" name=""/>
-        <p:cNvGrpSpPr/>
-        <p:nvPr/>
-      </p:nvGrpSpPr>
-      <p:grpSpPr>
-        <a:xfrm>
-          <a:off x="0" y="0"/>
-          <a:ext cx="0" cy="0"/>
-          <a:chOff x="0" y="0"/>
-          <a:chExt cx="0" cy="0"/>
-        </a:xfrm>
-      </p:grpSpPr>
-      <p:pic>
-        <p:nvPicPr>
-          <p:cNvPr id="7" name="Image 6">
-            <a:extLst>
-              <a:ext uri="{FF2B5EF4-FFF2-40B4-BE49-F238E27FC236}">
-                <a16:creationId xmlns:a16="http://schemas.microsoft.com/office/drawing/2014/main" id="{FC27DF18-22E8-4A54-6EA0-E59E3B5C5682}"/>
-              </a:ext>
-            </a:extLst>
-          </p:cNvPr>
-          <p:cNvPicPr>
-            <a:picLocks noChangeAspect="1"/>
-          </p:cNvPicPr>
-          <p:nvPr/>
-        </p:nvPicPr>
-        <p:blipFill>
-          <a:blip r:embed="rId2"/>
-          <a:stretch>
-            <a:fillRect/>
-          </a:stretch>
-        </p:blipFill>
-        <p:spPr>
-          <a:xfrm>
-            <a:off x="2518721" y="1981413"/>
-            <a:ext cx="6325483" cy="3982006"/>
-          </a:xfrm>
-          <a:prstGeom prst="rect">
-            <a:avLst/>
-          </a:prstGeom>
-        </p:spPr>
-      </p:pic>
-      <p:sp>
-        <p:nvSpPr>
-          <p:cNvPr id="2" name="Titre 1">
-            <a:extLst>
-              <a:ext uri="{FF2B5EF4-FFF2-40B4-BE49-F238E27FC236}">
-                <a16:creationId xmlns:a16="http://schemas.microsoft.com/office/drawing/2014/main" id="{FAA161D5-927A-49ED-83AF-6D12A66FF712}"/>
-              </a:ext>
-            </a:extLst>
-          </p:cNvPr>
-          <p:cNvSpPr>
-            <a:spLocks noGrp="1"/>
-          </p:cNvSpPr>
-          <p:nvPr>
-            <p:ph type="title"/>
-          </p:nvPr>
-        </p:nvSpPr>
-        <p:spPr/>
-        <p:txBody>
-          <a:bodyPr/>
-          <a:lstStyle/>
-          <a:p>
-            <a:pPr>
-              <a:defRPr/>
-            </a:pPr>
-            <a:r>
-              <a:rPr lang="fr-FR" sz="2800" dirty="0"/>
-              <a:t>Enquête CGE / Cumul</a:t>
-            </a:r>
-          </a:p>
-        </p:txBody>
-      </p:sp>
-      <p:sp>
-        <p:nvSpPr>
-          <p:cNvPr id="6147" name="Espace réservé du contenu 2">
-            <a:extLst>
-              <a:ext uri="{FF2B5EF4-FFF2-40B4-BE49-F238E27FC236}">
-                <a16:creationId xmlns:a16="http://schemas.microsoft.com/office/drawing/2014/main" id="{458254A6-099B-4E75-907C-19CA1B94B253}"/>
-              </a:ext>
-            </a:extLst>
-          </p:cNvPr>
-          <p:cNvSpPr>
-            <a:spLocks noGrp="1" noChangeArrowheads="1"/>
-          </p:cNvSpPr>
-          <p:nvPr>
-            <p:ph idx="1"/>
-          </p:nvPr>
-        </p:nvSpPr>
-        <p:spPr>
-          <a:xfrm>
-            <a:off x="447675" y="1600200"/>
-            <a:ext cx="8229600" cy="1554480"/>
-          </a:xfrm>
-        </p:spPr>
-        <p:txBody>
-          <a:bodyPr/>
-          <a:lstStyle/>
-          <a:p>
-            <a:r>
-              <a:rPr lang="fr-FR" altLang="fr-FR" sz="2000" b="1" dirty="0">
-                <a:solidFill>
-                  <a:srgbClr val="EF553B"/>
-                </a:solidFill>
-                <a:ea typeface="ＭＳ Ｐゴシック" panose="020B0600070205080204" pitchFamily="34" charset="-128"/>
-              </a:rPr>
-              <a:t>Cumul de 2020 à 2024</a:t>
-            </a:r>
-          </a:p>
-          <a:p>
-            <a:r>
-              <a:rPr lang="fr-FR" altLang="fr-FR" sz="2000" b="1" dirty="0">
-                <a:solidFill>
-                  <a:srgbClr val="EF553B"/>
-                </a:solidFill>
-                <a:ea typeface="ＭＳ Ｐゴシック" panose="020B0600070205080204" pitchFamily="34" charset="-128"/>
-              </a:rPr>
-              <a:t>Taux de réponse</a:t>
-            </a:r>
-          </a:p>
-        </p:txBody>
-      </p:sp>
-      <p:pic>
-        <p:nvPicPr>
-          <p:cNvPr id="6148" name="Picture 2" descr="upright=Article à illustrer Organisation">
-            <a:extLst>
-              <a:ext uri="{FF2B5EF4-FFF2-40B4-BE49-F238E27FC236}">
-                <a16:creationId xmlns:a16="http://schemas.microsoft.com/office/drawing/2014/main" id="{105BE698-E40C-4415-A9DF-F8680D1DF607}"/>
-              </a:ext>
-            </a:extLst>
-          </p:cNvPr>
-          <p:cNvPicPr>
-            <a:picLocks noChangeAspect="1" noChangeArrowheads="1"/>
-          </p:cNvPicPr>
-          <p:nvPr/>
-        </p:nvPicPr>
-        <p:blipFill>
-          <a:blip r:embed="rId3">
-            <a:extLst>
-              <a:ext uri="{28A0092B-C50C-407E-A947-70E740481C1C}">
-                <a14:useLocalDpi xmlns:a14="http://schemas.microsoft.com/office/drawing/2010/main" val="0"/>
-              </a:ext>
-            </a:extLst>
-          </a:blip>
-          <a:srcRect/>
-          <a:stretch>
-            <a:fillRect/>
-          </a:stretch>
-        </p:blipFill>
-        <p:spPr bwMode="auto">
-          <a:xfrm>
-            <a:off x="7766050" y="892175"/>
-            <a:ext cx="1157288" cy="384175"/>
-          </a:xfrm>
-          <a:prstGeom prst="rect">
-            <a:avLst/>
-          </a:prstGeom>
-          <a:noFill/>
-          <a:ln>
-            <a:noFill/>
-          </a:ln>
-          <a:extLst>
-            <a:ext uri="{909E8E84-426E-40DD-AFC4-6F175D3DCCD1}">
-              <a14:hiddenFill xmlns:a14="http://schemas.microsoft.com/office/drawing/2010/main">
-                <a:solidFill>
-                  <a:srgbClr val="FFFFFF"/>
-                </a:solidFill>
-              </a14:hiddenFill>
-            </a:ext>
-            <a:ext uri="{91240B29-F687-4F45-9708-019B960494DF}">
-              <a14:hiddenLine xmlns:a14="http://schemas.microsoft.com/office/drawing/2010/main" w="9525">
-                <a:solidFill>
-                  <a:srgbClr val="000000"/>
-                </a:solidFill>
-                <a:miter lim="800000"/>
-                <a:headEnd/>
-                <a:tailEnd/>
-              </a14:hiddenLine>
-            </a:ext>
-          </a:extLst>
-        </p:spPr>
-      </p:pic>
-      <p:sp>
-        <p:nvSpPr>
-          <p:cNvPr id="3" name="ZoneTexte 2">
-            <a:extLst>
-              <a:ext uri="{FF2B5EF4-FFF2-40B4-BE49-F238E27FC236}">
-                <a16:creationId xmlns:a16="http://schemas.microsoft.com/office/drawing/2014/main" id="{76C5E635-ACF0-A360-2BA1-1AD1AB1E7A21}"/>
-              </a:ext>
-            </a:extLst>
-          </p:cNvPr>
-          <p:cNvSpPr txBox="1"/>
-          <p:nvPr/>
-        </p:nvSpPr>
-        <p:spPr>
-          <a:xfrm rot="16200000">
-            <a:off x="-2330100" y="3437334"/>
-            <a:ext cx="4998749" cy="338554"/>
-          </a:xfrm>
-          <a:prstGeom prst="rect">
-            <a:avLst/>
-          </a:prstGeom>
-          <a:solidFill>
-            <a:srgbClr val="EF553B"/>
-          </a:solidFill>
-        </p:spPr>
-        <p:txBody>
-          <a:bodyPr wrap="square" rtlCol="0">
-            <a:spAutoFit/>
-          </a:bodyPr>
-          <a:lstStyle/>
-          <a:p>
-            <a:r>
-              <a:rPr lang="fr-FR" dirty="0">
-                <a:solidFill>
-                  <a:schemeClr val="bg1"/>
-                </a:solidFill>
-              </a:rPr>
-              <a:t>Enquête CGE / Cumul</a:t>
-            </a:r>
-          </a:p>
-        </p:txBody>
-      </p:sp>
-      <p:sp>
-        <p:nvSpPr>
-          <p:cNvPr id="9" name="ZoneTexte 8">
-            <a:extLst>
-              <a:ext uri="{FF2B5EF4-FFF2-40B4-BE49-F238E27FC236}">
-                <a16:creationId xmlns:a16="http://schemas.microsoft.com/office/drawing/2014/main" id="{607FEABF-F1C9-7143-AA31-45A4A932AF8A}"/>
-              </a:ext>
-            </a:extLst>
-          </p:cNvPr>
-          <p:cNvSpPr txBox="1"/>
-          <p:nvPr/>
-        </p:nvSpPr>
-        <p:spPr>
-          <a:xfrm>
-            <a:off x="3821018" y="807154"/>
-            <a:ext cx="3720890" cy="600164"/>
-          </a:xfrm>
-          <a:prstGeom prst="rect">
-            <a:avLst/>
-          </a:prstGeom>
-          <a:noFill/>
-        </p:spPr>
-        <p:txBody>
-          <a:bodyPr wrap="none" rtlCol="0">
-            <a:spAutoFit/>
-          </a:bodyPr>
-          <a:lstStyle/>
-          <a:p>
-            <a:r>
-              <a:rPr lang="fr-FR" sz="1100" b="1" dirty="0">
-                <a:solidFill>
-                  <a:srgbClr val="002060"/>
-                </a:solidFill>
-              </a:rPr>
-              <a:t>Comparaison avec résultats nationaux :</a:t>
-            </a:r>
-          </a:p>
-          <a:p>
-            <a:pPr marL="285750" indent="-285750">
-              <a:buFontTx/>
-              <a:buChar char="-"/>
-            </a:pPr>
-            <a:r>
-              <a:rPr lang="fr-FR" sz="1100" dirty="0">
-                <a:solidFill>
-                  <a:srgbClr val="002060"/>
-                </a:solidFill>
-              </a:rPr>
-              <a:t>hypothèse : nombre quasi constant de répondant.es</a:t>
-            </a:r>
-          </a:p>
-          <a:p>
-            <a:pPr marL="285750" indent="-285750">
-              <a:buFontTx/>
-              <a:buChar char="-"/>
-            </a:pPr>
-            <a:r>
-              <a:rPr lang="fr-FR" sz="1100" i="1" dirty="0">
-                <a:solidFill>
-                  <a:srgbClr val="002060"/>
-                </a:solidFill>
-              </a:rPr>
-              <a:t>Calcul : somme des moyennes / nombre années</a:t>
-            </a:r>
-          </a:p>
-        </p:txBody>
-      </p:sp>
-      <p:sp>
-        <p:nvSpPr>
-          <p:cNvPr id="4" name="ZoneTexte 3">
-            <a:extLst>
-              <a:ext uri="{FF2B5EF4-FFF2-40B4-BE49-F238E27FC236}">
-                <a16:creationId xmlns:a16="http://schemas.microsoft.com/office/drawing/2014/main" id="{250399CC-6EB5-CF04-B8BD-CB9EFD4A444B}"/>
-              </a:ext>
-            </a:extLst>
-          </p:cNvPr>
-          <p:cNvSpPr txBox="1"/>
-          <p:nvPr/>
-        </p:nvSpPr>
-        <p:spPr>
-          <a:xfrm rot="20218656">
-            <a:off x="760544" y="4092265"/>
-            <a:ext cx="2184137" cy="461665"/>
-          </a:xfrm>
-          <a:prstGeom prst="rect">
-            <a:avLst/>
-          </a:prstGeom>
-          <a:solidFill>
-            <a:srgbClr val="5B277D"/>
-          </a:solidFill>
-        </p:spPr>
-        <p:txBody>
-          <a:bodyPr wrap="square" rtlCol="0">
-            <a:spAutoFit/>
-          </a:bodyPr>
-          <a:lstStyle/>
-          <a:p>
-            <a:pPr algn="ctr"/>
-            <a:r>
-              <a:rPr lang="fr-FR" sz="2400" b="1" dirty="0">
-                <a:solidFill>
-                  <a:schemeClr val="bg1"/>
-                </a:solidFill>
-              </a:rPr>
-              <a:t>A MODIFIER</a:t>
-            </a:r>
-          </a:p>
-        </p:txBody>
-      </p:sp>
-    </p:spTree>
-    <p:extLst>
-      <p:ext uri="{BB962C8B-B14F-4D97-AF65-F5344CB8AC3E}">
-        <p14:creationId xmlns:p14="http://schemas.microsoft.com/office/powerpoint/2010/main" val="1487086604"/>
-      </p:ext>
-    </p:extLst>
-  </p:cSld>
-  <p:clrMapOvr>
-    <a:masterClrMapping/>
-  </p:clrMapOvr>
-</p:sld>
-</file>
-
-<file path=ppt/slides/slide21.xml><?xml version="1.0" encoding="utf-8"?>
-<p:sld xmlns:a="http://schemas.openxmlformats.org/drawingml/2006/main" xmlns:r="http://schemas.openxmlformats.org/officeDocument/2006/relationships" xmlns:p="http://schemas.openxmlformats.org/presentationml/2006/main">
-  <p:cSld>
-    <p:spTree>
-      <p:nvGrpSpPr>
-        <p:cNvPr id="1" name=""/>
-        <p:cNvGrpSpPr/>
-        <p:nvPr/>
-      </p:nvGrpSpPr>
-      <p:grpSpPr>
-        <a:xfrm>
-          <a:off x="0" y="0"/>
-          <a:ext cx="0" cy="0"/>
-          <a:chOff x="0" y="0"/>
-          <a:chExt cx="0" cy="0"/>
-        </a:xfrm>
-      </p:grpSpPr>
-      <p:pic>
-        <p:nvPicPr>
-          <p:cNvPr id="12" name="Image 11">
-            <a:extLst>
-              <a:ext uri="{FF2B5EF4-FFF2-40B4-BE49-F238E27FC236}">
-                <a16:creationId xmlns:a16="http://schemas.microsoft.com/office/drawing/2014/main" id="{91949FAA-4CC8-2CED-960B-3C204C9217B8}"/>
-              </a:ext>
-            </a:extLst>
-          </p:cNvPr>
-          <p:cNvPicPr>
-            <a:picLocks noChangeAspect="1"/>
-          </p:cNvPicPr>
-          <p:nvPr/>
-        </p:nvPicPr>
-        <p:blipFill>
-          <a:blip r:embed="rId2"/>
-          <a:stretch>
-            <a:fillRect/>
-          </a:stretch>
-        </p:blipFill>
-        <p:spPr>
-          <a:xfrm>
-            <a:off x="2482375" y="2108247"/>
-            <a:ext cx="6601746" cy="3867690"/>
-          </a:xfrm>
-          <a:prstGeom prst="rect">
-            <a:avLst/>
-          </a:prstGeom>
-        </p:spPr>
-      </p:pic>
-      <p:sp>
-        <p:nvSpPr>
-          <p:cNvPr id="2" name="Titre 1">
-            <a:extLst>
-              <a:ext uri="{FF2B5EF4-FFF2-40B4-BE49-F238E27FC236}">
-                <a16:creationId xmlns:a16="http://schemas.microsoft.com/office/drawing/2014/main" id="{FAA161D5-927A-49ED-83AF-6D12A66FF712}"/>
-              </a:ext>
-            </a:extLst>
-          </p:cNvPr>
-          <p:cNvSpPr>
-            <a:spLocks noGrp="1"/>
-          </p:cNvSpPr>
-          <p:nvPr>
-            <p:ph type="title"/>
-          </p:nvPr>
-        </p:nvSpPr>
-        <p:spPr/>
-        <p:txBody>
-          <a:bodyPr/>
-          <a:lstStyle/>
-          <a:p>
-            <a:pPr>
-              <a:defRPr/>
-            </a:pPr>
-            <a:r>
-              <a:rPr lang="fr-FR" sz="2800" dirty="0"/>
-              <a:t>Enquête CGE / Cumul</a:t>
-            </a:r>
-          </a:p>
-        </p:txBody>
-      </p:sp>
-      <p:sp>
-        <p:nvSpPr>
-          <p:cNvPr id="6147" name="Espace réservé du contenu 2">
-            <a:extLst>
-              <a:ext uri="{FF2B5EF4-FFF2-40B4-BE49-F238E27FC236}">
-                <a16:creationId xmlns:a16="http://schemas.microsoft.com/office/drawing/2014/main" id="{458254A6-099B-4E75-907C-19CA1B94B253}"/>
-              </a:ext>
-            </a:extLst>
-          </p:cNvPr>
-          <p:cNvSpPr>
-            <a:spLocks noGrp="1" noChangeArrowheads="1"/>
-          </p:cNvSpPr>
-          <p:nvPr>
-            <p:ph idx="1"/>
-          </p:nvPr>
-        </p:nvSpPr>
-        <p:spPr>
-          <a:xfrm>
-            <a:off x="447675" y="1600200"/>
-            <a:ext cx="8229600" cy="1554480"/>
-          </a:xfrm>
-        </p:spPr>
-        <p:txBody>
-          <a:bodyPr/>
-          <a:lstStyle/>
-          <a:p>
-            <a:r>
-              <a:rPr lang="fr-FR" altLang="fr-FR" sz="2000" b="1" dirty="0">
-                <a:solidFill>
-                  <a:srgbClr val="EF553B"/>
-                </a:solidFill>
-                <a:ea typeface="ＭＳ Ｐゴシック" panose="020B0600070205080204" pitchFamily="34" charset="-128"/>
-              </a:rPr>
-              <a:t>Cumul de 2020 à 2024</a:t>
-            </a:r>
-          </a:p>
-          <a:p>
-            <a:r>
-              <a:rPr lang="fr-FR" altLang="fr-FR" sz="2000" b="1" dirty="0">
-                <a:solidFill>
-                  <a:srgbClr val="EF553B"/>
-                </a:solidFill>
-                <a:ea typeface="ＭＳ Ｐゴシック" panose="020B0600070205080204" pitchFamily="34" charset="-128"/>
-              </a:rPr>
-              <a:t>Taux de réponse</a:t>
-            </a:r>
-          </a:p>
-        </p:txBody>
-      </p:sp>
-      <p:pic>
-        <p:nvPicPr>
-          <p:cNvPr id="6148" name="Picture 2" descr="upright=Article à illustrer Organisation">
-            <a:extLst>
-              <a:ext uri="{FF2B5EF4-FFF2-40B4-BE49-F238E27FC236}">
-                <a16:creationId xmlns:a16="http://schemas.microsoft.com/office/drawing/2014/main" id="{105BE698-E40C-4415-A9DF-F8680D1DF607}"/>
-              </a:ext>
-            </a:extLst>
-          </p:cNvPr>
-          <p:cNvPicPr>
-            <a:picLocks noChangeAspect="1" noChangeArrowheads="1"/>
-          </p:cNvPicPr>
-          <p:nvPr/>
-        </p:nvPicPr>
-        <p:blipFill>
-          <a:blip r:embed="rId3">
-            <a:extLst>
-              <a:ext uri="{28A0092B-C50C-407E-A947-70E740481C1C}">
-                <a14:useLocalDpi xmlns:a14="http://schemas.microsoft.com/office/drawing/2010/main" val="0"/>
-              </a:ext>
-            </a:extLst>
-          </a:blip>
-          <a:srcRect/>
-          <a:stretch>
-            <a:fillRect/>
-          </a:stretch>
-        </p:blipFill>
-        <p:spPr bwMode="auto">
-          <a:xfrm>
-            <a:off x="7766050" y="892175"/>
-            <a:ext cx="1157288" cy="384175"/>
-          </a:xfrm>
-          <a:prstGeom prst="rect">
-            <a:avLst/>
-          </a:prstGeom>
-          <a:noFill/>
-          <a:ln>
-            <a:noFill/>
-          </a:ln>
-          <a:extLst>
-            <a:ext uri="{909E8E84-426E-40DD-AFC4-6F175D3DCCD1}">
-              <a14:hiddenFill xmlns:a14="http://schemas.microsoft.com/office/drawing/2010/main">
-                <a:solidFill>
-                  <a:srgbClr val="FFFFFF"/>
-                </a:solidFill>
-              </a14:hiddenFill>
-            </a:ext>
-            <a:ext uri="{91240B29-F687-4F45-9708-019B960494DF}">
-              <a14:hiddenLine xmlns:a14="http://schemas.microsoft.com/office/drawing/2010/main" w="9525">
-                <a:solidFill>
-                  <a:srgbClr val="000000"/>
-                </a:solidFill>
-                <a:miter lim="800000"/>
-                <a:headEnd/>
-                <a:tailEnd/>
-              </a14:hiddenLine>
-            </a:ext>
-          </a:extLst>
-        </p:spPr>
-      </p:pic>
-      <p:sp>
-        <p:nvSpPr>
-          <p:cNvPr id="3" name="ZoneTexte 2">
-            <a:extLst>
-              <a:ext uri="{FF2B5EF4-FFF2-40B4-BE49-F238E27FC236}">
-                <a16:creationId xmlns:a16="http://schemas.microsoft.com/office/drawing/2014/main" id="{76C5E635-ACF0-A360-2BA1-1AD1AB1E7A21}"/>
-              </a:ext>
-            </a:extLst>
-          </p:cNvPr>
-          <p:cNvSpPr txBox="1"/>
-          <p:nvPr/>
-        </p:nvSpPr>
-        <p:spPr>
-          <a:xfrm rot="16200000">
-            <a:off x="-2330100" y="3437334"/>
-            <a:ext cx="4998749" cy="338554"/>
-          </a:xfrm>
-          <a:prstGeom prst="rect">
-            <a:avLst/>
-          </a:prstGeom>
-          <a:solidFill>
-            <a:srgbClr val="EF553B"/>
-          </a:solidFill>
-        </p:spPr>
-        <p:txBody>
-          <a:bodyPr wrap="square" rtlCol="0">
-            <a:spAutoFit/>
-          </a:bodyPr>
-          <a:lstStyle/>
-          <a:p>
-            <a:r>
-              <a:rPr lang="fr-FR" dirty="0">
-                <a:solidFill>
-                  <a:schemeClr val="bg1"/>
-                </a:solidFill>
-              </a:rPr>
-              <a:t>Enquête CGE / Cumul</a:t>
-            </a:r>
-          </a:p>
-        </p:txBody>
-      </p:sp>
-      <p:sp>
-        <p:nvSpPr>
-          <p:cNvPr id="9" name="ZoneTexte 8">
-            <a:extLst>
-              <a:ext uri="{FF2B5EF4-FFF2-40B4-BE49-F238E27FC236}">
-                <a16:creationId xmlns:a16="http://schemas.microsoft.com/office/drawing/2014/main" id="{607FEABF-F1C9-7143-AA31-45A4A932AF8A}"/>
-              </a:ext>
-            </a:extLst>
-          </p:cNvPr>
-          <p:cNvSpPr txBox="1"/>
-          <p:nvPr/>
-        </p:nvSpPr>
-        <p:spPr>
-          <a:xfrm>
-            <a:off x="3821018" y="807154"/>
-            <a:ext cx="3720890" cy="600164"/>
-          </a:xfrm>
-          <a:prstGeom prst="rect">
-            <a:avLst/>
-          </a:prstGeom>
-          <a:noFill/>
-        </p:spPr>
-        <p:txBody>
-          <a:bodyPr wrap="none" rtlCol="0">
-            <a:spAutoFit/>
-          </a:bodyPr>
-          <a:lstStyle/>
-          <a:p>
-            <a:r>
-              <a:rPr lang="fr-FR" sz="1100" b="1" dirty="0">
-                <a:solidFill>
-                  <a:srgbClr val="002060"/>
-                </a:solidFill>
-              </a:rPr>
-              <a:t>Comparaison avec résultats nationaux :</a:t>
-            </a:r>
-          </a:p>
-          <a:p>
-            <a:pPr marL="285750" indent="-285750">
-              <a:buFontTx/>
-              <a:buChar char="-"/>
-            </a:pPr>
-            <a:r>
-              <a:rPr lang="fr-FR" sz="1100" dirty="0">
-                <a:solidFill>
-                  <a:srgbClr val="002060"/>
-                </a:solidFill>
-              </a:rPr>
-              <a:t>hypothèse : nombre quasi constant de répondant.es</a:t>
-            </a:r>
-          </a:p>
-          <a:p>
-            <a:pPr marL="285750" indent="-285750">
-              <a:buFontTx/>
-              <a:buChar char="-"/>
-            </a:pPr>
-            <a:r>
-              <a:rPr lang="fr-FR" sz="1100" i="1" dirty="0">
-                <a:solidFill>
-                  <a:srgbClr val="002060"/>
-                </a:solidFill>
-              </a:rPr>
-              <a:t>Calcul : somme des moyennes / nombre années</a:t>
-            </a:r>
-          </a:p>
-        </p:txBody>
-      </p:sp>
-      <p:sp>
-        <p:nvSpPr>
-          <p:cNvPr id="4" name="ZoneTexte 3">
-            <a:extLst>
-              <a:ext uri="{FF2B5EF4-FFF2-40B4-BE49-F238E27FC236}">
-                <a16:creationId xmlns:a16="http://schemas.microsoft.com/office/drawing/2014/main" id="{250399CC-6EB5-CF04-B8BD-CB9EFD4A444B}"/>
-              </a:ext>
-            </a:extLst>
-          </p:cNvPr>
-          <p:cNvSpPr txBox="1"/>
-          <p:nvPr/>
-        </p:nvSpPr>
-        <p:spPr>
-          <a:xfrm rot="20218656">
-            <a:off x="2728949" y="4274277"/>
-            <a:ext cx="2184137" cy="461665"/>
-          </a:xfrm>
-          <a:prstGeom prst="rect">
-            <a:avLst/>
-          </a:prstGeom>
-          <a:solidFill>
-            <a:srgbClr val="5B277D"/>
-          </a:solidFill>
-        </p:spPr>
-        <p:txBody>
-          <a:bodyPr wrap="square" rtlCol="0">
-            <a:spAutoFit/>
-          </a:bodyPr>
-          <a:lstStyle/>
-          <a:p>
-            <a:pPr algn="ctr"/>
-            <a:r>
-              <a:rPr lang="fr-FR" sz="2400" b="1" dirty="0">
-                <a:solidFill>
-                  <a:schemeClr val="bg1"/>
-                </a:solidFill>
-              </a:rPr>
-              <a:t>A MODIFIER</a:t>
-            </a:r>
-          </a:p>
-        </p:txBody>
-      </p:sp>
-    </p:spTree>
-    <p:extLst>
-      <p:ext uri="{BB962C8B-B14F-4D97-AF65-F5344CB8AC3E}">
-        <p14:creationId xmlns:p14="http://schemas.microsoft.com/office/powerpoint/2010/main" val="2220314930"/>
-      </p:ext>
-    </p:extLst>
-  </p:cSld>
-  <p:clrMapOvr>
-    <a:masterClrMapping/>
-  </p:clrMapOvr>
-</p:sld>
-</file>
-
-<file path=ppt/slides/slide22.xml><?xml version="1.0" encoding="utf-8"?>
-<p:sld xmlns:a="http://schemas.openxmlformats.org/drawingml/2006/main" xmlns:r="http://schemas.openxmlformats.org/officeDocument/2006/relationships" xmlns:p="http://schemas.openxmlformats.org/presentationml/2006/main">
-  <p:cSld>
-    <p:spTree>
-      <p:nvGrpSpPr>
-        <p:cNvPr id="1" name=""/>
-        <p:cNvGrpSpPr/>
-        <p:nvPr/>
-      </p:nvGrpSpPr>
-      <p:grpSpPr>
-        <a:xfrm>
-          <a:off x="0" y="0"/>
-          <a:ext cx="0" cy="0"/>
-          <a:chOff x="0" y="0"/>
-          <a:chExt cx="0" cy="0"/>
-        </a:xfrm>
-      </p:grpSpPr>
-      <p:pic>
-        <p:nvPicPr>
-          <p:cNvPr id="10" name="Image 9">
-            <a:extLst>
-              <a:ext uri="{FF2B5EF4-FFF2-40B4-BE49-F238E27FC236}">
-                <a16:creationId xmlns:a16="http://schemas.microsoft.com/office/drawing/2014/main" id="{8B35E428-A4DD-E694-9A5D-3F1D6A3A3B24}"/>
-              </a:ext>
-            </a:extLst>
-          </p:cNvPr>
-          <p:cNvPicPr>
-            <a:picLocks noChangeAspect="1"/>
-          </p:cNvPicPr>
-          <p:nvPr/>
-        </p:nvPicPr>
-        <p:blipFill>
-          <a:blip r:embed="rId2"/>
-          <a:stretch>
-            <a:fillRect/>
-          </a:stretch>
-        </p:blipFill>
-        <p:spPr>
-          <a:xfrm>
-            <a:off x="3257565" y="2632195"/>
-            <a:ext cx="5182323" cy="2819794"/>
-          </a:xfrm>
-          <a:prstGeom prst="rect">
-            <a:avLst/>
-          </a:prstGeom>
-        </p:spPr>
-      </p:pic>
-      <p:sp>
-        <p:nvSpPr>
-          <p:cNvPr id="2" name="Titre 1">
-            <a:extLst>
-              <a:ext uri="{FF2B5EF4-FFF2-40B4-BE49-F238E27FC236}">
-                <a16:creationId xmlns:a16="http://schemas.microsoft.com/office/drawing/2014/main" id="{FAA161D5-927A-49ED-83AF-6D12A66FF712}"/>
-              </a:ext>
-            </a:extLst>
-          </p:cNvPr>
-          <p:cNvSpPr>
-            <a:spLocks noGrp="1"/>
-          </p:cNvSpPr>
-          <p:nvPr>
-            <p:ph type="title"/>
-          </p:nvPr>
-        </p:nvSpPr>
-        <p:spPr/>
-        <p:txBody>
-          <a:bodyPr/>
-          <a:lstStyle/>
-          <a:p>
-            <a:pPr>
-              <a:defRPr/>
-            </a:pPr>
-            <a:r>
-              <a:rPr lang="fr-FR" sz="2800" dirty="0"/>
-              <a:t>Enquête CGE / Cumul</a:t>
-            </a:r>
-          </a:p>
-        </p:txBody>
-      </p:sp>
-      <p:sp>
-        <p:nvSpPr>
-          <p:cNvPr id="6147" name="Espace réservé du contenu 2">
-            <a:extLst>
-              <a:ext uri="{FF2B5EF4-FFF2-40B4-BE49-F238E27FC236}">
-                <a16:creationId xmlns:a16="http://schemas.microsoft.com/office/drawing/2014/main" id="{458254A6-099B-4E75-907C-19CA1B94B253}"/>
-              </a:ext>
-            </a:extLst>
-          </p:cNvPr>
-          <p:cNvSpPr>
-            <a:spLocks noGrp="1" noChangeArrowheads="1"/>
-          </p:cNvSpPr>
-          <p:nvPr>
-            <p:ph idx="1"/>
-          </p:nvPr>
-        </p:nvSpPr>
-        <p:spPr>
-          <a:xfrm>
-            <a:off x="447675" y="1600200"/>
-            <a:ext cx="8229600" cy="1554480"/>
-          </a:xfrm>
-        </p:spPr>
-        <p:txBody>
-          <a:bodyPr/>
-          <a:lstStyle/>
-          <a:p>
-            <a:r>
-              <a:rPr lang="fr-FR" altLang="fr-FR" sz="2000" b="1" dirty="0">
-                <a:solidFill>
-                  <a:srgbClr val="EF553B"/>
-                </a:solidFill>
-                <a:ea typeface="ＭＳ Ｐゴシック" panose="020B0600070205080204" pitchFamily="34" charset="-128"/>
-              </a:rPr>
-              <a:t>Cumul de 2020 à 2024</a:t>
-            </a:r>
-          </a:p>
-          <a:p>
-            <a:r>
-              <a:rPr lang="fr-FR" altLang="fr-FR" sz="2000" b="1" dirty="0">
-                <a:solidFill>
-                  <a:srgbClr val="EF553B"/>
-                </a:solidFill>
-                <a:ea typeface="ＭＳ Ｐゴシック" panose="020B0600070205080204" pitchFamily="34" charset="-128"/>
-              </a:rPr>
-              <a:t>Taux de réponse</a:t>
-            </a:r>
-          </a:p>
-        </p:txBody>
-      </p:sp>
-      <p:pic>
-        <p:nvPicPr>
-          <p:cNvPr id="6148" name="Picture 2" descr="upright=Article à illustrer Organisation">
-            <a:extLst>
-              <a:ext uri="{FF2B5EF4-FFF2-40B4-BE49-F238E27FC236}">
-                <a16:creationId xmlns:a16="http://schemas.microsoft.com/office/drawing/2014/main" id="{105BE698-E40C-4415-A9DF-F8680D1DF607}"/>
-              </a:ext>
-            </a:extLst>
-          </p:cNvPr>
-          <p:cNvPicPr>
-            <a:picLocks noChangeAspect="1" noChangeArrowheads="1"/>
-          </p:cNvPicPr>
-          <p:nvPr/>
-        </p:nvPicPr>
-        <p:blipFill>
-          <a:blip r:embed="rId3">
-            <a:extLst>
-              <a:ext uri="{28A0092B-C50C-407E-A947-70E740481C1C}">
-                <a14:useLocalDpi xmlns:a14="http://schemas.microsoft.com/office/drawing/2010/main" val="0"/>
-              </a:ext>
-            </a:extLst>
-          </a:blip>
-          <a:srcRect/>
-          <a:stretch>
-            <a:fillRect/>
-          </a:stretch>
-        </p:blipFill>
-        <p:spPr bwMode="auto">
-          <a:xfrm>
-            <a:off x="7766050" y="892175"/>
-            <a:ext cx="1157288" cy="384175"/>
-          </a:xfrm>
-          <a:prstGeom prst="rect">
-            <a:avLst/>
-          </a:prstGeom>
-          <a:noFill/>
-          <a:ln>
-            <a:noFill/>
-          </a:ln>
-          <a:extLst>
-            <a:ext uri="{909E8E84-426E-40DD-AFC4-6F175D3DCCD1}">
-              <a14:hiddenFill xmlns:a14="http://schemas.microsoft.com/office/drawing/2010/main">
-                <a:solidFill>
-                  <a:srgbClr val="FFFFFF"/>
-                </a:solidFill>
-              </a14:hiddenFill>
-            </a:ext>
-            <a:ext uri="{91240B29-F687-4F45-9708-019B960494DF}">
-              <a14:hiddenLine xmlns:a14="http://schemas.microsoft.com/office/drawing/2010/main" w="9525">
-                <a:solidFill>
-                  <a:srgbClr val="000000"/>
-                </a:solidFill>
-                <a:miter lim="800000"/>
-                <a:headEnd/>
-                <a:tailEnd/>
-              </a14:hiddenLine>
-            </a:ext>
-          </a:extLst>
-        </p:spPr>
-      </p:pic>
-      <p:sp>
-        <p:nvSpPr>
-          <p:cNvPr id="3" name="ZoneTexte 2">
-            <a:extLst>
-              <a:ext uri="{FF2B5EF4-FFF2-40B4-BE49-F238E27FC236}">
-                <a16:creationId xmlns:a16="http://schemas.microsoft.com/office/drawing/2014/main" id="{76C5E635-ACF0-A360-2BA1-1AD1AB1E7A21}"/>
-              </a:ext>
-            </a:extLst>
-          </p:cNvPr>
-          <p:cNvSpPr txBox="1"/>
-          <p:nvPr/>
-        </p:nvSpPr>
-        <p:spPr>
-          <a:xfrm rot="16200000">
-            <a:off x="-2330100" y="3437334"/>
-            <a:ext cx="4998749" cy="338554"/>
-          </a:xfrm>
-          <a:prstGeom prst="rect">
-            <a:avLst/>
-          </a:prstGeom>
-          <a:solidFill>
-            <a:srgbClr val="EF553B"/>
-          </a:solidFill>
-        </p:spPr>
-        <p:txBody>
-          <a:bodyPr wrap="square" rtlCol="0">
-            <a:spAutoFit/>
-          </a:bodyPr>
-          <a:lstStyle/>
-          <a:p>
-            <a:r>
-              <a:rPr lang="fr-FR" dirty="0">
-                <a:solidFill>
-                  <a:schemeClr val="bg1"/>
-                </a:solidFill>
-              </a:rPr>
-              <a:t>Enquête CGE / Cumul</a:t>
-            </a:r>
-          </a:p>
-        </p:txBody>
-      </p:sp>
-      <p:sp>
-        <p:nvSpPr>
-          <p:cNvPr id="9" name="ZoneTexte 8">
-            <a:extLst>
-              <a:ext uri="{FF2B5EF4-FFF2-40B4-BE49-F238E27FC236}">
-                <a16:creationId xmlns:a16="http://schemas.microsoft.com/office/drawing/2014/main" id="{607FEABF-F1C9-7143-AA31-45A4A932AF8A}"/>
-              </a:ext>
-            </a:extLst>
-          </p:cNvPr>
-          <p:cNvSpPr txBox="1"/>
-          <p:nvPr/>
-        </p:nvSpPr>
-        <p:spPr>
-          <a:xfrm>
-            <a:off x="3821018" y="807154"/>
-            <a:ext cx="3720890" cy="600164"/>
-          </a:xfrm>
-          <a:prstGeom prst="rect">
-            <a:avLst/>
-          </a:prstGeom>
-          <a:noFill/>
-        </p:spPr>
-        <p:txBody>
-          <a:bodyPr wrap="none" rtlCol="0">
-            <a:spAutoFit/>
-          </a:bodyPr>
-          <a:lstStyle/>
-          <a:p>
-            <a:r>
-              <a:rPr lang="fr-FR" sz="1100" b="1" dirty="0">
-                <a:solidFill>
-                  <a:srgbClr val="002060"/>
-                </a:solidFill>
-              </a:rPr>
-              <a:t>Comparaison avec résultats nationaux :</a:t>
-            </a:r>
-          </a:p>
-          <a:p>
-            <a:pPr marL="285750" indent="-285750">
-              <a:buFontTx/>
-              <a:buChar char="-"/>
-            </a:pPr>
-            <a:r>
-              <a:rPr lang="fr-FR" sz="1100" dirty="0">
-                <a:solidFill>
-                  <a:srgbClr val="002060"/>
-                </a:solidFill>
-              </a:rPr>
-              <a:t>hypothèse : nombre quasi constant de répondant.es</a:t>
-            </a:r>
-          </a:p>
-          <a:p>
-            <a:pPr marL="285750" indent="-285750">
-              <a:buFontTx/>
-              <a:buChar char="-"/>
-            </a:pPr>
-            <a:r>
-              <a:rPr lang="fr-FR" sz="1100" i="1" dirty="0">
-                <a:solidFill>
-                  <a:srgbClr val="002060"/>
-                </a:solidFill>
-              </a:rPr>
-              <a:t>Calcul : somme des moyennes / nombre années</a:t>
-            </a:r>
-          </a:p>
-        </p:txBody>
-      </p:sp>
-      <p:sp>
-        <p:nvSpPr>
-          <p:cNvPr id="4" name="ZoneTexte 3">
-            <a:extLst>
-              <a:ext uri="{FF2B5EF4-FFF2-40B4-BE49-F238E27FC236}">
-                <a16:creationId xmlns:a16="http://schemas.microsoft.com/office/drawing/2014/main" id="{250399CC-6EB5-CF04-B8BD-CB9EFD4A444B}"/>
-              </a:ext>
-            </a:extLst>
-          </p:cNvPr>
-          <p:cNvSpPr txBox="1"/>
-          <p:nvPr/>
-        </p:nvSpPr>
-        <p:spPr>
-          <a:xfrm rot="20218656">
-            <a:off x="2728949" y="4274277"/>
-            <a:ext cx="2184137" cy="461665"/>
-          </a:xfrm>
-          <a:prstGeom prst="rect">
-            <a:avLst/>
-          </a:prstGeom>
-          <a:solidFill>
-            <a:srgbClr val="5B277D"/>
-          </a:solidFill>
-        </p:spPr>
-        <p:txBody>
-          <a:bodyPr wrap="square" rtlCol="0">
-            <a:spAutoFit/>
-          </a:bodyPr>
-          <a:lstStyle/>
-          <a:p>
-            <a:pPr algn="ctr"/>
-            <a:r>
-              <a:rPr lang="fr-FR" sz="2400" b="1" dirty="0">
-                <a:solidFill>
-                  <a:schemeClr val="bg1"/>
-                </a:solidFill>
-              </a:rPr>
-              <a:t>A MODIFIER</a:t>
-            </a:r>
-          </a:p>
-        </p:txBody>
-      </p:sp>
-    </p:spTree>
-    <p:extLst>
-      <p:ext uri="{BB962C8B-B14F-4D97-AF65-F5344CB8AC3E}">
-        <p14:creationId xmlns:p14="http://schemas.microsoft.com/office/powerpoint/2010/main" val="3263273757"/>
-      </p:ext>
-    </p:extLst>
-  </p:cSld>
-  <p:clrMapOvr>
-    <a:masterClrMapping/>
-  </p:clrMapOvr>
-</p:sld>
-</file>
-
-<file path=ppt/slides/slide23.xml><?xml version="1.0" encoding="utf-8"?>
-<p:sld xmlns:a="http://schemas.openxmlformats.org/drawingml/2006/main" xmlns:r="http://schemas.openxmlformats.org/officeDocument/2006/relationships" xmlns:p="http://schemas.openxmlformats.org/presentationml/2006/main">
-  <p:cSld>
-    <p:spTree>
-      <p:nvGrpSpPr>
-        <p:cNvPr id="1" name=""/>
-        <p:cNvGrpSpPr/>
-        <p:nvPr/>
-      </p:nvGrpSpPr>
-      <p:grpSpPr>
-        <a:xfrm>
-          <a:off x="0" y="0"/>
-          <a:ext cx="0" cy="0"/>
-          <a:chOff x="0" y="0"/>
-          <a:chExt cx="0" cy="0"/>
-        </a:xfrm>
-      </p:grpSpPr>
-      <p:pic>
-        <p:nvPicPr>
-          <p:cNvPr id="6" name="Image 5">
-            <a:extLst>
-              <a:ext uri="{FF2B5EF4-FFF2-40B4-BE49-F238E27FC236}">
-                <a16:creationId xmlns:a16="http://schemas.microsoft.com/office/drawing/2014/main" id="{3A62B026-0CCE-B944-7AF8-22127A71481E}"/>
-              </a:ext>
-            </a:extLst>
-          </p:cNvPr>
-          <p:cNvPicPr>
-            <a:picLocks noChangeAspect="1"/>
-          </p:cNvPicPr>
-          <p:nvPr/>
-        </p:nvPicPr>
-        <p:blipFill>
-          <a:blip r:embed="rId2"/>
-          <a:stretch>
-            <a:fillRect/>
-          </a:stretch>
-        </p:blipFill>
-        <p:spPr>
-          <a:xfrm>
-            <a:off x="6030693" y="1826292"/>
-            <a:ext cx="3022430" cy="4078543"/>
-          </a:xfrm>
-          <a:prstGeom prst="rect">
-            <a:avLst/>
-          </a:prstGeom>
-        </p:spPr>
-      </p:pic>
-      <p:sp>
-        <p:nvSpPr>
-          <p:cNvPr id="2" name="Titre 1">
-            <a:extLst>
-              <a:ext uri="{FF2B5EF4-FFF2-40B4-BE49-F238E27FC236}">
-                <a16:creationId xmlns:a16="http://schemas.microsoft.com/office/drawing/2014/main" id="{FAA161D5-927A-49ED-83AF-6D12A66FF712}"/>
-              </a:ext>
-            </a:extLst>
-          </p:cNvPr>
-          <p:cNvSpPr>
-            <a:spLocks noGrp="1"/>
-          </p:cNvSpPr>
-          <p:nvPr>
-            <p:ph type="title"/>
-          </p:nvPr>
-        </p:nvSpPr>
-        <p:spPr/>
-        <p:txBody>
-          <a:bodyPr/>
-          <a:lstStyle/>
-          <a:p>
-            <a:pPr>
-              <a:defRPr/>
-            </a:pPr>
-            <a:r>
-              <a:rPr lang="fr-FR" sz="2800" dirty="0"/>
-              <a:t>Enquête CGE / Cumul</a:t>
-            </a:r>
-          </a:p>
-        </p:txBody>
-      </p:sp>
-      <p:sp>
-        <p:nvSpPr>
-          <p:cNvPr id="6147" name="Espace réservé du contenu 2">
-            <a:extLst>
-              <a:ext uri="{FF2B5EF4-FFF2-40B4-BE49-F238E27FC236}">
-                <a16:creationId xmlns:a16="http://schemas.microsoft.com/office/drawing/2014/main" id="{458254A6-099B-4E75-907C-19CA1B94B253}"/>
-              </a:ext>
-            </a:extLst>
-          </p:cNvPr>
-          <p:cNvSpPr>
-            <a:spLocks noGrp="1" noChangeArrowheads="1"/>
-          </p:cNvSpPr>
-          <p:nvPr>
-            <p:ph idx="1"/>
-          </p:nvPr>
-        </p:nvSpPr>
-        <p:spPr>
-          <a:xfrm>
-            <a:off x="447675" y="1600200"/>
-            <a:ext cx="8229600" cy="1554480"/>
-          </a:xfrm>
-        </p:spPr>
-        <p:txBody>
-          <a:bodyPr/>
-          <a:lstStyle/>
-          <a:p>
-            <a:r>
-              <a:rPr lang="fr-FR" altLang="fr-FR" sz="2000" b="1" dirty="0">
-                <a:solidFill>
-                  <a:srgbClr val="EF553B"/>
-                </a:solidFill>
-                <a:ea typeface="ＭＳ Ｐゴシック" panose="020B0600070205080204" pitchFamily="34" charset="-128"/>
-              </a:rPr>
-              <a:t>Cumul de 2020 à 2024</a:t>
-            </a:r>
-          </a:p>
-          <a:p>
-            <a:r>
-              <a:rPr lang="fr-FR" altLang="fr-FR" sz="2000" b="1" dirty="0">
-                <a:solidFill>
-                  <a:srgbClr val="EF553B"/>
-                </a:solidFill>
-                <a:ea typeface="ＭＳ Ｐゴシック" panose="020B0600070205080204" pitchFamily="34" charset="-128"/>
-              </a:rPr>
-              <a:t>Taux de réponse</a:t>
-            </a:r>
-          </a:p>
-        </p:txBody>
-      </p:sp>
-      <p:pic>
-        <p:nvPicPr>
-          <p:cNvPr id="6148" name="Picture 2" descr="upright=Article à illustrer Organisation">
-            <a:extLst>
-              <a:ext uri="{FF2B5EF4-FFF2-40B4-BE49-F238E27FC236}">
-                <a16:creationId xmlns:a16="http://schemas.microsoft.com/office/drawing/2014/main" id="{105BE698-E40C-4415-A9DF-F8680D1DF607}"/>
-              </a:ext>
-            </a:extLst>
-          </p:cNvPr>
-          <p:cNvPicPr>
-            <a:picLocks noChangeAspect="1" noChangeArrowheads="1"/>
-          </p:cNvPicPr>
-          <p:nvPr/>
-        </p:nvPicPr>
-        <p:blipFill>
-          <a:blip r:embed="rId3">
-            <a:extLst>
-              <a:ext uri="{28A0092B-C50C-407E-A947-70E740481C1C}">
-                <a14:useLocalDpi xmlns:a14="http://schemas.microsoft.com/office/drawing/2010/main" val="0"/>
-              </a:ext>
-            </a:extLst>
-          </a:blip>
-          <a:srcRect/>
-          <a:stretch>
-            <a:fillRect/>
-          </a:stretch>
-        </p:blipFill>
-        <p:spPr bwMode="auto">
-          <a:xfrm>
-            <a:off x="7766050" y="892175"/>
-            <a:ext cx="1157288" cy="384175"/>
-          </a:xfrm>
-          <a:prstGeom prst="rect">
-            <a:avLst/>
-          </a:prstGeom>
-          <a:noFill/>
-          <a:ln>
-            <a:noFill/>
-          </a:ln>
-          <a:extLst>
-            <a:ext uri="{909E8E84-426E-40DD-AFC4-6F175D3DCCD1}">
-              <a14:hiddenFill xmlns:a14="http://schemas.microsoft.com/office/drawing/2010/main">
-                <a:solidFill>
-                  <a:srgbClr val="FFFFFF"/>
-                </a:solidFill>
-              </a14:hiddenFill>
-            </a:ext>
-            <a:ext uri="{91240B29-F687-4F45-9708-019B960494DF}">
-              <a14:hiddenLine xmlns:a14="http://schemas.microsoft.com/office/drawing/2010/main" w="9525">
-                <a:solidFill>
-                  <a:srgbClr val="000000"/>
-                </a:solidFill>
-                <a:miter lim="800000"/>
-                <a:headEnd/>
-                <a:tailEnd/>
-              </a14:hiddenLine>
-            </a:ext>
-          </a:extLst>
-        </p:spPr>
-      </p:pic>
-      <p:sp>
-        <p:nvSpPr>
-          <p:cNvPr id="3" name="ZoneTexte 2">
-            <a:extLst>
-              <a:ext uri="{FF2B5EF4-FFF2-40B4-BE49-F238E27FC236}">
-                <a16:creationId xmlns:a16="http://schemas.microsoft.com/office/drawing/2014/main" id="{76C5E635-ACF0-A360-2BA1-1AD1AB1E7A21}"/>
-              </a:ext>
-            </a:extLst>
-          </p:cNvPr>
-          <p:cNvSpPr txBox="1"/>
-          <p:nvPr/>
-        </p:nvSpPr>
-        <p:spPr>
-          <a:xfrm rot="16200000">
-            <a:off x="-2330100" y="3437334"/>
-            <a:ext cx="4998749" cy="338554"/>
-          </a:xfrm>
-          <a:prstGeom prst="rect">
-            <a:avLst/>
-          </a:prstGeom>
-          <a:solidFill>
-            <a:srgbClr val="EF553B"/>
-          </a:solidFill>
-        </p:spPr>
-        <p:txBody>
-          <a:bodyPr wrap="square" rtlCol="0">
-            <a:spAutoFit/>
-          </a:bodyPr>
-          <a:lstStyle/>
-          <a:p>
-            <a:r>
-              <a:rPr lang="fr-FR" dirty="0">
-                <a:solidFill>
-                  <a:schemeClr val="bg1"/>
-                </a:solidFill>
-              </a:rPr>
-              <a:t>Enquête CGE / Cumul</a:t>
-            </a:r>
-          </a:p>
-        </p:txBody>
-      </p:sp>
-      <p:sp>
-        <p:nvSpPr>
-          <p:cNvPr id="9" name="ZoneTexte 8">
-            <a:extLst>
-              <a:ext uri="{FF2B5EF4-FFF2-40B4-BE49-F238E27FC236}">
-                <a16:creationId xmlns:a16="http://schemas.microsoft.com/office/drawing/2014/main" id="{607FEABF-F1C9-7143-AA31-45A4A932AF8A}"/>
-              </a:ext>
-            </a:extLst>
-          </p:cNvPr>
-          <p:cNvSpPr txBox="1"/>
-          <p:nvPr/>
-        </p:nvSpPr>
-        <p:spPr>
-          <a:xfrm>
-            <a:off x="3821018" y="807154"/>
-            <a:ext cx="3720890" cy="600164"/>
-          </a:xfrm>
-          <a:prstGeom prst="rect">
-            <a:avLst/>
-          </a:prstGeom>
-          <a:noFill/>
-        </p:spPr>
-        <p:txBody>
-          <a:bodyPr wrap="none" rtlCol="0">
-            <a:spAutoFit/>
-          </a:bodyPr>
-          <a:lstStyle/>
-          <a:p>
-            <a:r>
-              <a:rPr lang="fr-FR" sz="1100" b="1" dirty="0">
-                <a:solidFill>
-                  <a:srgbClr val="002060"/>
-                </a:solidFill>
-              </a:rPr>
-              <a:t>Comparaison avec résultats nationaux :</a:t>
-            </a:r>
-          </a:p>
-          <a:p>
-            <a:pPr marL="285750" indent="-285750">
-              <a:buFontTx/>
-              <a:buChar char="-"/>
-            </a:pPr>
-            <a:r>
-              <a:rPr lang="fr-FR" sz="1100" dirty="0">
-                <a:solidFill>
-                  <a:srgbClr val="002060"/>
-                </a:solidFill>
-              </a:rPr>
-              <a:t>hypothèse : nombre quasi constant de répondant.es</a:t>
-            </a:r>
-          </a:p>
-          <a:p>
-            <a:pPr marL="285750" indent="-285750">
-              <a:buFontTx/>
-              <a:buChar char="-"/>
-            </a:pPr>
-            <a:r>
-              <a:rPr lang="fr-FR" sz="1100" i="1" dirty="0">
-                <a:solidFill>
-                  <a:srgbClr val="002060"/>
-                </a:solidFill>
-              </a:rPr>
-              <a:t>Calcul : somme des moyennes / nombre années</a:t>
-            </a:r>
-          </a:p>
-        </p:txBody>
-      </p:sp>
-      <p:sp>
-        <p:nvSpPr>
-          <p:cNvPr id="4" name="ZoneTexte 3">
-            <a:extLst>
-              <a:ext uri="{FF2B5EF4-FFF2-40B4-BE49-F238E27FC236}">
-                <a16:creationId xmlns:a16="http://schemas.microsoft.com/office/drawing/2014/main" id="{250399CC-6EB5-CF04-B8BD-CB9EFD4A444B}"/>
-              </a:ext>
-            </a:extLst>
-          </p:cNvPr>
-          <p:cNvSpPr txBox="1"/>
-          <p:nvPr/>
-        </p:nvSpPr>
-        <p:spPr>
-          <a:xfrm rot="20218656">
-            <a:off x="2728949" y="4274277"/>
-            <a:ext cx="2184137" cy="461665"/>
-          </a:xfrm>
-          <a:prstGeom prst="rect">
-            <a:avLst/>
-          </a:prstGeom>
-          <a:solidFill>
-            <a:srgbClr val="5B277D"/>
-          </a:solidFill>
-        </p:spPr>
-        <p:txBody>
-          <a:bodyPr wrap="square" rtlCol="0">
-            <a:spAutoFit/>
-          </a:bodyPr>
-          <a:lstStyle/>
-          <a:p>
-            <a:pPr algn="ctr"/>
-            <a:r>
-              <a:rPr lang="fr-FR" sz="2400" b="1" dirty="0">
-                <a:solidFill>
-                  <a:schemeClr val="bg1"/>
-                </a:solidFill>
-              </a:rPr>
-              <a:t>A MODIFIER</a:t>
-            </a:r>
-          </a:p>
-        </p:txBody>
-      </p:sp>
-    </p:spTree>
-    <p:extLst>
-      <p:ext uri="{BB962C8B-B14F-4D97-AF65-F5344CB8AC3E}">
-        <p14:creationId xmlns:p14="http://schemas.microsoft.com/office/powerpoint/2010/main" val="1460721920"/>
-      </p:ext>
-    </p:extLst>
-  </p:cSld>
-  <p:clrMapOvr>
-    <a:masterClrMapping/>
-  </p:clrMapOvr>
-</p:sld>
-</file>
-
 <file path=ppt/slides/slide3.xml><?xml version="1.0" encoding="utf-8"?>
 <p:sld xmlns:a="http://schemas.openxmlformats.org/drawingml/2006/main" xmlns:r="http://schemas.openxmlformats.org/officeDocument/2006/relationships" xmlns:p="http://schemas.openxmlformats.org/presentationml/2006/main">
   <p:cSld>
@@ -21338,7 +20544,7 @@
           <p:nvPr>
             <p:extLst>
               <p:ext uri="{D42A27DB-BD31-4B8C-83A1-F6EECF244321}">
-                <p14:modId xmlns:p14="http://schemas.microsoft.com/office/powerpoint/2010/main" val="3561845672"/>
+                <p14:modId xmlns:p14="http://schemas.microsoft.com/office/powerpoint/2010/main" val="2040270773"/>
               </p:ext>
             </p:extLst>
           </p:nvPr>
@@ -21515,7 +20721,7 @@
                     <a:p>
                       <a:pPr algn="ctr"/>
                       <a:r>
-                        <a:rPr lang="fr-FR" dirty="0">
+                        <a:rPr lang="fr-FR" sz="1600" dirty="0">
                           <a:solidFill>
                             <a:schemeClr val="tx1">
                               <a:lumMod val="65000"/>
@@ -21547,7 +20753,7 @@
                             <a:srgbClr val="0A3250"/>
                           </a:solidFill>
                         </a:rPr>
-                        <a:t>00,0 %</a:t>
+                        <a:t>69,2 %</a:t>
                       </a:r>
                     </a:p>
                   </a:txBody>
@@ -21635,7 +20841,7 @@
                     <a:p>
                       <a:pPr algn="ctr"/>
                       <a:r>
-                        <a:rPr lang="fr-FR" dirty="0">
+                        <a:rPr lang="fr-FR" sz="1600" dirty="0">
                           <a:solidFill>
                             <a:schemeClr val="tx1">
                               <a:lumMod val="65000"/>
@@ -21668,7 +20874,7 @@
                             <a:srgbClr val="0A3250"/>
                           </a:solidFill>
                         </a:rPr>
-                        <a:t>00,0 %</a:t>
+                        <a:t>89,6 %</a:t>
                       </a:r>
                     </a:p>
                   </a:txBody>
@@ -21761,7 +20967,7 @@
                     <a:lstStyle/>
                     <a:p>
                       <a:pPr algn="ctr"/>
-                      <a:endParaRPr lang="fr-FR" sz="1400" dirty="0">
+                      <a:endParaRPr lang="fr-FR" sz="1200" dirty="0">
                         <a:solidFill>
                           <a:schemeClr val="tx1">
                             <a:lumMod val="65000"/>
@@ -21858,7 +21064,7 @@
                     <a:p>
                       <a:pPr algn="ctr"/>
                       <a:r>
-                        <a:rPr lang="fr-FR" dirty="0">
+                        <a:rPr lang="fr-FR" sz="1600" dirty="0">
                           <a:solidFill>
                             <a:schemeClr val="tx1">
                               <a:lumMod val="65000"/>
@@ -21890,7 +21096,7 @@
                             <a:srgbClr val="0A3250"/>
                           </a:solidFill>
                         </a:rPr>
-                        <a:t>00 000 €</a:t>
+                        <a:t>38 520 €</a:t>
                       </a:r>
                     </a:p>
                   </a:txBody>
@@ -21959,7 +21165,7 @@
                     <a:p>
                       <a:pPr algn="ctr"/>
                       <a:r>
-                        <a:rPr lang="fr-FR" sz="1400" b="1" dirty="0">
+                        <a:rPr lang="fr-FR" sz="1200" b="1" dirty="0">
                           <a:solidFill>
                             <a:schemeClr val="tx1">
                               <a:lumMod val="65000"/>
@@ -21991,7 +21197,7 @@
                             <a:srgbClr val="0A3250"/>
                           </a:solidFill>
                         </a:rPr>
-                        <a:t>00 000 €</a:t>
+                        <a:t>37 256 €</a:t>
                       </a:r>
                     </a:p>
                   </a:txBody>
@@ -22060,7 +21266,7 @@
                     <a:p>
                       <a:pPr algn="ctr"/>
                       <a:r>
-                        <a:rPr lang="fr-FR" sz="1400" dirty="0">
+                        <a:rPr lang="fr-FR" sz="1200" dirty="0">
                           <a:solidFill>
                             <a:schemeClr val="tx1">
                               <a:lumMod val="65000"/>
@@ -22092,7 +21298,7 @@
                             <a:srgbClr val="0A3250"/>
                           </a:solidFill>
                         </a:rPr>
-                        <a:t>00 000 €</a:t>
+                        <a:t>39 117 €</a:t>
                       </a:r>
                     </a:p>
                   </a:txBody>
@@ -22194,7 +21400,7 @@
                     <a:p>
                       <a:pPr algn="ctr"/>
                       <a:r>
-                        <a:rPr lang="fr-FR" sz="1600" b="1" dirty="0">
+                        <a:rPr lang="fr-FR" sz="1400" b="1" dirty="0">
                           <a:solidFill>
                             <a:schemeClr val="tx1">
                               <a:lumMod val="65000"/>
@@ -22205,14 +21411,14 @@
                         <a:t>85,7 %</a:t>
                       </a:r>
                       <a:br>
-                        <a:rPr lang="fr-FR" sz="1600" b="1" dirty="0">
+                        <a:rPr lang="fr-FR" sz="1400" b="1" dirty="0">
                           <a:solidFill>
                             <a:schemeClr val="tx1"/>
                           </a:solidFill>
                         </a:rPr>
                       </a:br>
                       <a:r>
-                        <a:rPr lang="fr-FR" sz="1200" b="1" dirty="0">
+                        <a:rPr lang="fr-FR" sz="1100" b="1" dirty="0">
                           <a:solidFill>
                             <a:srgbClr val="595959"/>
                           </a:solidFill>
@@ -22242,7 +21448,7 @@
                             <a:srgbClr val="0A3250"/>
                           </a:solidFill>
                         </a:rPr>
-                        <a:t>00,0 %</a:t>
+                        <a:t>86,6 %</a:t>
                       </a:r>
                     </a:p>
                   </a:txBody>
@@ -22317,7 +21523,7 @@
                     <a:p>
                       <a:pPr algn="ctr"/>
                       <a:r>
-                        <a:rPr lang="fr-FR" sz="1600" b="1" dirty="0">
+                        <a:rPr lang="fr-FR" sz="1400" b="1" dirty="0">
                           <a:solidFill>
                             <a:schemeClr val="tx1">
                               <a:lumMod val="65000"/>
@@ -22349,7 +21555,7 @@
                             <a:srgbClr val="0A3250"/>
                           </a:solidFill>
                         </a:rPr>
-                        <a:t>0,0 %</a:t>
+                        <a:t>9,0 %</a:t>
                       </a:r>
                     </a:p>
                   </a:txBody>
@@ -22416,7 +21622,7 @@
                     <a:p>
                       <a:pPr algn="ctr"/>
                       <a:r>
-                        <a:rPr lang="fr-FR" sz="1600" dirty="0">
+                        <a:rPr lang="fr-FR" sz="1400" dirty="0">
                           <a:solidFill>
                             <a:schemeClr val="tx1">
                               <a:lumMod val="65000"/>
@@ -22449,7 +21655,7 @@
                             <a:srgbClr val="0A3250"/>
                           </a:solidFill>
                         </a:rPr>
-                        <a:t>00,0 %</a:t>
+                        <a:t>91,5 %</a:t>
                       </a:r>
                     </a:p>
                   </a:txBody>
@@ -22551,48 +21757,6 @@
                 </a:solidFill>
               </a:rPr>
               <a:t>Enquête CGE / Version 2024</a:t>
-            </a:r>
-          </a:p>
-        </p:txBody>
-      </p:sp>
-      <p:sp>
-        <p:nvSpPr>
-          <p:cNvPr id="4" name="ZoneTexte 3">
-            <a:extLst>
-              <a:ext uri="{FF2B5EF4-FFF2-40B4-BE49-F238E27FC236}">
-                <a16:creationId xmlns:a16="http://schemas.microsoft.com/office/drawing/2014/main" id="{6110E931-7E98-336E-27D5-5EDE74BE816E}"/>
-              </a:ext>
-            </a:extLst>
-          </p:cNvPr>
-          <p:cNvSpPr txBox="1"/>
-          <p:nvPr/>
-        </p:nvSpPr>
-        <p:spPr>
-          <a:xfrm rot="20218656">
-            <a:off x="5679789" y="602758"/>
-            <a:ext cx="2184137" cy="461665"/>
-          </a:xfrm>
-          <a:prstGeom prst="rect">
-            <a:avLst/>
-          </a:prstGeom>
-          <a:solidFill>
-            <a:srgbClr val="5B277D"/>
-          </a:solidFill>
-        </p:spPr>
-        <p:txBody>
-          <a:bodyPr wrap="square" rtlCol="0">
-            <a:spAutoFit/>
-          </a:bodyPr>
-          <a:lstStyle/>
-          <a:p>
-            <a:pPr algn="ctr"/>
-            <a:r>
-              <a:rPr lang="fr-FR" sz="2400" b="1" dirty="0">
-                <a:solidFill>
-                  <a:schemeClr val="bg1"/>
-                </a:solidFill>
-              </a:rPr>
-              <a:t>A MODIFIER</a:t>
             </a:r>
           </a:p>
         </p:txBody>
@@ -23816,7 +22980,7 @@
           <p:nvPr>
             <p:extLst>
               <p:ext uri="{D42A27DB-BD31-4B8C-83A1-F6EECF244321}">
-                <p14:modId xmlns:p14="http://schemas.microsoft.com/office/powerpoint/2010/main" val="4225308161"/>
+                <p14:modId xmlns:p14="http://schemas.microsoft.com/office/powerpoint/2010/main" val="899082003"/>
               </p:ext>
             </p:extLst>
           </p:nvPr>
@@ -24093,7 +23257,7 @@
                             <a:srgbClr val="5B277D"/>
                           </a:solidFill>
                         </a:rPr>
-                        <a:t>00,0%</a:t>
+                        <a:t>69,2%</a:t>
                       </a:r>
                     </a:p>
                   </a:txBody>
@@ -24261,7 +23425,7 @@
                             <a:srgbClr val="5B277D"/>
                           </a:solidFill>
                         </a:rPr>
-                        <a:t>00,0%</a:t>
+                        <a:t>52,7%</a:t>
                       </a:r>
                     </a:p>
                   </a:txBody>
@@ -24509,48 +23673,6 @@
                 </a:solidFill>
               </a:rPr>
               <a:t>Enquête 2023</a:t>
-            </a:r>
-          </a:p>
-        </p:txBody>
-      </p:sp>
-      <p:sp>
-        <p:nvSpPr>
-          <p:cNvPr id="3" name="ZoneTexte 2">
-            <a:extLst>
-              <a:ext uri="{FF2B5EF4-FFF2-40B4-BE49-F238E27FC236}">
-                <a16:creationId xmlns:a16="http://schemas.microsoft.com/office/drawing/2014/main" id="{C4BF33EC-9F26-099B-9FE7-AAA259D1F04E}"/>
-              </a:ext>
-            </a:extLst>
-          </p:cNvPr>
-          <p:cNvSpPr txBox="1"/>
-          <p:nvPr/>
-        </p:nvSpPr>
-        <p:spPr>
-          <a:xfrm rot="20218656">
-            <a:off x="5718572" y="4576570"/>
-            <a:ext cx="2184137" cy="461665"/>
-          </a:xfrm>
-          <a:prstGeom prst="rect">
-            <a:avLst/>
-          </a:prstGeom>
-          <a:solidFill>
-            <a:srgbClr val="5B277D"/>
-          </a:solidFill>
-        </p:spPr>
-        <p:txBody>
-          <a:bodyPr wrap="square" rtlCol="0">
-            <a:spAutoFit/>
-          </a:bodyPr>
-          <a:lstStyle/>
-          <a:p>
-            <a:pPr algn="ctr"/>
-            <a:r>
-              <a:rPr lang="fr-FR" sz="2400" b="1" dirty="0">
-                <a:solidFill>
-                  <a:schemeClr val="bg1"/>
-                </a:solidFill>
-              </a:rPr>
-              <a:t>A MODIFIER</a:t>
             </a:r>
           </a:p>
         </p:txBody>
@@ -24988,7 +24110,7 @@
           <p:nvPr>
             <p:extLst>
               <p:ext uri="{D42A27DB-BD31-4B8C-83A1-F6EECF244321}">
-                <p14:modId xmlns:p14="http://schemas.microsoft.com/office/powerpoint/2010/main" val="1008138996"/>
+                <p14:modId xmlns:p14="http://schemas.microsoft.com/office/powerpoint/2010/main" val="2259362559"/>
               </p:ext>
             </p:extLst>
           </p:nvPr>
@@ -25451,7 +24573,7 @@
                             <a:srgbClr val="5B277D"/>
                           </a:solidFill>
                         </a:rPr>
-                        <a:t>00,0 %</a:t>
+                        <a:t>72,7 %</a:t>
                       </a:r>
                     </a:p>
                   </a:txBody>
@@ -25674,7 +24796,7 @@
                             <a:srgbClr val="5B277D"/>
                           </a:solidFill>
                         </a:rPr>
-                        <a:t>0,0 %</a:t>
+                        <a:t>6,3 %</a:t>
                       </a:r>
                     </a:p>
                   </a:txBody>
@@ -25897,7 +25019,7 @@
                             <a:srgbClr val="5B277D"/>
                           </a:solidFill>
                         </a:rPr>
-                        <a:t>7,4 %</a:t>
+                        <a:t>8,8 %</a:t>
                       </a:r>
                     </a:p>
                   </a:txBody>
@@ -26120,7 +25242,7 @@
                             <a:srgbClr val="5B277D"/>
                           </a:solidFill>
                         </a:rPr>
-                        <a:t>8,9 %</a:t>
+                        <a:t>6,9 %</a:t>
                       </a:r>
                     </a:p>
                   </a:txBody>
@@ -26343,7 +25465,7 @@
                             <a:srgbClr val="5B277D"/>
                           </a:solidFill>
                         </a:rPr>
-                        <a:t>2,3 %</a:t>
+                        <a:t>2,9 %</a:t>
                       </a:r>
                     </a:p>
                   </a:txBody>
@@ -26566,7 +25688,7 @@
                             <a:srgbClr val="5B277D"/>
                           </a:solidFill>
                         </a:rPr>
-                        <a:t>1,9 %</a:t>
+                        <a:t>2,4 %</a:t>
                       </a:r>
                     </a:p>
                   </a:txBody>
@@ -26619,48 +25741,6 @@
           </a:graphicData>
         </a:graphic>
       </p:graphicFrame>
-      <p:sp>
-        <p:nvSpPr>
-          <p:cNvPr id="4" name="ZoneTexte 3">
-            <a:extLst>
-              <a:ext uri="{FF2B5EF4-FFF2-40B4-BE49-F238E27FC236}">
-                <a16:creationId xmlns:a16="http://schemas.microsoft.com/office/drawing/2014/main" id="{5F975F36-222D-5844-AF0B-CD28A0BA50A2}"/>
-              </a:ext>
-            </a:extLst>
-          </p:cNvPr>
-          <p:cNvSpPr txBox="1"/>
-          <p:nvPr/>
-        </p:nvSpPr>
-        <p:spPr>
-          <a:xfrm rot="20218656">
-            <a:off x="5374990" y="1405249"/>
-            <a:ext cx="2184137" cy="461665"/>
-          </a:xfrm>
-          <a:prstGeom prst="rect">
-            <a:avLst/>
-          </a:prstGeom>
-          <a:solidFill>
-            <a:srgbClr val="5B277D"/>
-          </a:solidFill>
-        </p:spPr>
-        <p:txBody>
-          <a:bodyPr wrap="square" rtlCol="0">
-            <a:spAutoFit/>
-          </a:bodyPr>
-          <a:lstStyle/>
-          <a:p>
-            <a:pPr algn="ctr"/>
-            <a:r>
-              <a:rPr lang="fr-FR" sz="2400" b="1" dirty="0">
-                <a:solidFill>
-                  <a:schemeClr val="bg1"/>
-                </a:solidFill>
-              </a:rPr>
-              <a:t>A MODIFIER</a:t>
-            </a:r>
-          </a:p>
-        </p:txBody>
-      </p:sp>
     </p:spTree>
     <p:extLst>
       <p:ext uri="{BB962C8B-B14F-4D97-AF65-F5344CB8AC3E}">
@@ -27000,7 +26080,7 @@
           <p:nvPr>
             <p:extLst>
               <p:ext uri="{D42A27DB-BD31-4B8C-83A1-F6EECF244321}">
-                <p14:modId xmlns:p14="http://schemas.microsoft.com/office/powerpoint/2010/main" val="795611529"/>
+                <p14:modId xmlns:p14="http://schemas.microsoft.com/office/powerpoint/2010/main" val="770911063"/>
               </p:ext>
             </p:extLst>
           </p:nvPr>
@@ -27458,7 +26538,7 @@
                             <a:srgbClr val="5B277D"/>
                           </a:solidFill>
                         </a:rPr>
-                        <a:t>0,0 %</a:t>
+                        <a:t>9,0 %</a:t>
                       </a:r>
                     </a:p>
                   </a:txBody>
@@ -27681,7 +26761,7 @@
                             <a:srgbClr val="5B277D"/>
                           </a:solidFill>
                         </a:rPr>
-                        <a:t>00,0 %</a:t>
+                        <a:t>91,0 %</a:t>
                       </a:r>
                     </a:p>
                   </a:txBody>
@@ -27749,7 +26829,7 @@
           <p:nvPr>
             <p:extLst>
               <p:ext uri="{D42A27DB-BD31-4B8C-83A1-F6EECF244321}">
-                <p14:modId xmlns:p14="http://schemas.microsoft.com/office/powerpoint/2010/main" val="2657581213"/>
+                <p14:modId xmlns:p14="http://schemas.microsoft.com/office/powerpoint/2010/main" val="3838553820"/>
               </p:ext>
             </p:extLst>
           </p:nvPr>
@@ -28207,7 +27287,7 @@
                             <a:srgbClr val="5B277D"/>
                           </a:solidFill>
                         </a:rPr>
-                        <a:t>00,0 %</a:t>
+                        <a:t>38,7 %</a:t>
                       </a:r>
                     </a:p>
                   </a:txBody>
@@ -28430,7 +27510,7 @@
                             <a:srgbClr val="5B277D"/>
                           </a:solidFill>
                         </a:rPr>
-                        <a:t>00,0 %</a:t>
+                        <a:t>61,3 %</a:t>
                       </a:r>
                     </a:p>
                   </a:txBody>
@@ -28483,48 +27563,6 @@
           </a:graphicData>
         </a:graphic>
       </p:graphicFrame>
-      <p:sp>
-        <p:nvSpPr>
-          <p:cNvPr id="6" name="ZoneTexte 5">
-            <a:extLst>
-              <a:ext uri="{FF2B5EF4-FFF2-40B4-BE49-F238E27FC236}">
-                <a16:creationId xmlns:a16="http://schemas.microsoft.com/office/drawing/2014/main" id="{08FC5AA8-5381-3250-48FD-70B4814ACE4D}"/>
-              </a:ext>
-            </a:extLst>
-          </p:cNvPr>
-          <p:cNvSpPr txBox="1"/>
-          <p:nvPr/>
-        </p:nvSpPr>
-        <p:spPr>
-          <a:xfrm rot="20218656">
-            <a:off x="6006521" y="2475289"/>
-            <a:ext cx="2184137" cy="461665"/>
-          </a:xfrm>
-          <a:prstGeom prst="rect">
-            <a:avLst/>
-          </a:prstGeom>
-          <a:solidFill>
-            <a:srgbClr val="5B277D"/>
-          </a:solidFill>
-        </p:spPr>
-        <p:txBody>
-          <a:bodyPr wrap="square" rtlCol="0">
-            <a:spAutoFit/>
-          </a:bodyPr>
-          <a:lstStyle/>
-          <a:p>
-            <a:pPr algn="ctr"/>
-            <a:r>
-              <a:rPr lang="fr-FR" sz="2400" b="1" dirty="0">
-                <a:solidFill>
-                  <a:schemeClr val="bg1"/>
-                </a:solidFill>
-              </a:rPr>
-              <a:t>A MODIFIER</a:t>
-            </a:r>
-          </a:p>
-        </p:txBody>
-      </p:sp>
       <p:pic>
         <p:nvPicPr>
           <p:cNvPr id="8" name="Image 7">
@@ -29332,53 +28370,87 @@
           <a:chExt cx="0" cy="0"/>
         </a:xfrm>
       </p:grpSpPr>
-      <p:pic>
-        <p:nvPicPr>
-          <p:cNvPr id="5122" name="Picture 2" descr="Secteurs d'activités de la dernière promotion">
+      <p:sp>
+        <p:nvSpPr>
+          <p:cNvPr id="8" name="Rectangle 7">
             <a:extLst>
               <a:ext uri="{FF2B5EF4-FFF2-40B4-BE49-F238E27FC236}">
-                <a16:creationId xmlns:a16="http://schemas.microsoft.com/office/drawing/2014/main" id="{17EAD6F5-241E-7CFA-9832-14B19D8163C1}"/>
+                <a16:creationId xmlns:a16="http://schemas.microsoft.com/office/drawing/2014/main" id="{08F14A72-9B4B-DD2F-6F6A-6EE123CE810A}"/>
               </a:ext>
             </a:extLst>
           </p:cNvPr>
-          <p:cNvPicPr>
-            <a:picLocks noChangeAspect="1" noChangeArrowheads="1"/>
-          </p:cNvPicPr>
+          <p:cNvSpPr/>
           <p:nvPr/>
-        </p:nvPicPr>
-        <p:blipFill>
-          <a:blip r:embed="rId3">
-            <a:extLst>
-              <a:ext uri="{28A0092B-C50C-407E-A947-70E740481C1C}">
-                <a14:useLocalDpi xmlns:a14="http://schemas.microsoft.com/office/drawing/2010/main" val="0"/>
-              </a:ext>
-            </a:extLst>
-          </a:blip>
-          <a:srcRect/>
-          <a:stretch>
-            <a:fillRect/>
-          </a:stretch>
-        </p:blipFill>
+        </p:nvSpPr>
         <p:spPr bwMode="auto">
           <a:xfrm>
-            <a:off x="1024127" y="1747432"/>
-            <a:ext cx="7672199" cy="5114799"/>
+            <a:off x="447675" y="2259579"/>
+            <a:ext cx="8247740" cy="4590732"/>
           </a:xfrm>
           <a:prstGeom prst="rect">
             <a:avLst/>
           </a:prstGeom>
-          <a:noFill/>
+          <a:solidFill>
+            <a:schemeClr val="bg1"/>
+          </a:solidFill>
+          <a:ln w="9525" cap="flat" cmpd="sng" algn="ctr">
+            <a:noFill/>
+            <a:prstDash val="solid"/>
+            <a:round/>
+            <a:headEnd type="none" w="med" len="med"/>
+            <a:tailEnd type="none" w="med" len="med"/>
+          </a:ln>
+          <a:effectLst/>
           <a:extLst>
-            <a:ext uri="{909E8E84-426E-40DD-AFC4-6F175D3DCCD1}">
-              <a14:hiddenFill xmlns:a14="http://schemas.microsoft.com/office/drawing/2010/main">
-                <a:solidFill>
-                  <a:srgbClr val="FFFFFF"/>
-                </a:solidFill>
-              </a14:hiddenFill>
+            <a:ext uri="{AF507438-7753-43e0-B8FC-AC1667EBCBE1}">
+              <a14:hiddenEffects xmlns:a14="http://schemas.microsoft.com/office/drawing/2010/main" xmlns="">
+                <a:effectLst>
+                  <a:outerShdw dist="35921" dir="2700000" algn="ctr" rotWithShape="0">
+                    <a:schemeClr val="bg2"/>
+                  </a:outerShdw>
+                </a:effectLst>
+              </a14:hiddenEffects>
             </a:ext>
           </a:extLst>
         </p:spPr>
-      </p:pic>
+        <p:txBody>
+          <a:bodyPr vert="horz" wrap="square" lIns="91440" tIns="45720" rIns="91440" bIns="45720" numCol="1" rtlCol="0" anchor="t" anchorCtr="0" compatLnSpc="1">
+            <a:prstTxWarp prst="textNoShape">
+              <a:avLst/>
+            </a:prstTxWarp>
+          </a:bodyPr>
+          <a:lstStyle/>
+          <a:p>
+            <a:pPr marL="0" marR="0" indent="0" algn="l" defTabSz="914400" rtl="0" eaLnBrk="0" fontAlgn="base" latinLnBrk="0" hangingPunct="0">
+              <a:lnSpc>
+                <a:spcPct val="100000"/>
+              </a:lnSpc>
+              <a:spcBef>
+                <a:spcPct val="0"/>
+              </a:spcBef>
+              <a:spcAft>
+                <a:spcPct val="0"/>
+              </a:spcAft>
+              <a:buClrTx/>
+              <a:buSzTx/>
+              <a:buFontTx/>
+              <a:buNone/>
+              <a:tabLst/>
+            </a:pPr>
+            <a:endParaRPr kumimoji="0" lang="fr-FR" sz="1600" b="0" i="0" u="none" strike="noStrike" cap="none" normalizeH="0" baseline="0">
+              <a:ln>
+                <a:noFill/>
+              </a:ln>
+              <a:solidFill>
+                <a:schemeClr val="tx1"/>
+              </a:solidFill>
+              <a:effectLst/>
+              <a:latin typeface="Arial" charset="0"/>
+              <a:ea typeface="ＭＳ Ｐゴシック" pitchFamily="1" charset="-128"/>
+            </a:endParaRPr>
+          </a:p>
+        </p:txBody>
+      </p:sp>
       <p:sp>
         <p:nvSpPr>
           <p:cNvPr id="2" name="Titre 1">
@@ -29463,7 +28535,7 @@
           <p:nvPr/>
         </p:nvPicPr>
         <p:blipFill>
-          <a:blip r:embed="rId4">
+          <a:blip r:embed="rId3">
             <a:extLst>
               <a:ext uri="{28A0092B-C50C-407E-A947-70E740481C1C}">
                 <a14:useLocalDpi xmlns:a14="http://schemas.microsoft.com/office/drawing/2010/main" val="0"/>
@@ -29606,7 +28678,7 @@
         </p:nvSpPr>
         <p:spPr>
           <a:xfrm>
-            <a:off x="758952" y="2478224"/>
+            <a:off x="1289608" y="2137993"/>
             <a:ext cx="2935223" cy="338554"/>
           </a:xfrm>
           <a:prstGeom prst="rect">
@@ -29644,7 +28716,7 @@
         </p:nvSpPr>
         <p:spPr>
           <a:xfrm>
-            <a:off x="758952" y="2959137"/>
+            <a:off x="3693691" y="7346076"/>
             <a:ext cx="2935223" cy="338554"/>
           </a:xfrm>
           <a:prstGeom prst="rect">
@@ -29682,7 +28754,7 @@
         </p:nvSpPr>
         <p:spPr>
           <a:xfrm>
-            <a:off x="758952" y="3461632"/>
+            <a:off x="583211" y="7435396"/>
             <a:ext cx="2935223" cy="338554"/>
           </a:xfrm>
           <a:prstGeom prst="rect">
@@ -29720,7 +28792,7 @@
         </p:nvSpPr>
         <p:spPr>
           <a:xfrm>
-            <a:off x="758952" y="3964127"/>
+            <a:off x="1260169" y="3013941"/>
             <a:ext cx="2935223" cy="338554"/>
           </a:xfrm>
           <a:prstGeom prst="rect">
@@ -29746,10 +28818,10 @@
       </p:sp>
       <p:sp>
         <p:nvSpPr>
-          <p:cNvPr id="15" name="ZoneTexte 14">
+          <p:cNvPr id="16" name="ZoneTexte 15">
             <a:extLst>
               <a:ext uri="{FF2B5EF4-FFF2-40B4-BE49-F238E27FC236}">
-                <a16:creationId xmlns:a16="http://schemas.microsoft.com/office/drawing/2014/main" id="{AEDAA456-B966-571D-92AD-420C4215F36C}"/>
+                <a16:creationId xmlns:a16="http://schemas.microsoft.com/office/drawing/2014/main" id="{67AC5469-8020-0C26-D628-7CAAD14AE53E}"/>
               </a:ext>
             </a:extLst>
           </p:cNvPr>
@@ -29758,7 +28830,75 @@
         </p:nvSpPr>
         <p:spPr>
           <a:xfrm>
-            <a:off x="758468" y="4466622"/>
+            <a:off x="908482" y="4870446"/>
+            <a:ext cx="3246017" cy="307777"/>
+          </a:xfrm>
+          <a:prstGeom prst="rect">
+            <a:avLst/>
+          </a:prstGeom>
+          <a:solidFill>
+            <a:schemeClr val="bg1"/>
+          </a:solidFill>
+        </p:spPr>
+        <p:txBody>
+          <a:bodyPr wrap="square" rtlCol="0">
+            <a:spAutoFit/>
+          </a:bodyPr>
+          <a:lstStyle/>
+          <a:p>
+            <a:pPr algn="r"/>
+            <a:r>
+              <a:rPr lang="fr-FR" sz="1400" dirty="0"/>
+              <a:t>Informatique / Services</a:t>
+            </a:r>
+          </a:p>
+        </p:txBody>
+      </p:sp>
+      <p:pic>
+        <p:nvPicPr>
+          <p:cNvPr id="7" name="Image 6">
+            <a:extLst>
+              <a:ext uri="{FF2B5EF4-FFF2-40B4-BE49-F238E27FC236}">
+                <a16:creationId xmlns:a16="http://schemas.microsoft.com/office/drawing/2014/main" id="{48E55B0F-9CD1-091B-3738-605E068B9E41}"/>
+              </a:ext>
+            </a:extLst>
+          </p:cNvPr>
+          <p:cNvPicPr>
+            <a:picLocks noChangeAspect="1"/>
+          </p:cNvPicPr>
+          <p:nvPr/>
+        </p:nvPicPr>
+        <p:blipFill>
+          <a:blip r:embed="rId4"/>
+          <a:stretch>
+            <a:fillRect/>
+          </a:stretch>
+        </p:blipFill>
+        <p:spPr>
+          <a:xfrm>
+            <a:off x="4333954" y="1999222"/>
+            <a:ext cx="4361461" cy="4851089"/>
+          </a:xfrm>
+          <a:prstGeom prst="rect">
+            <a:avLst/>
+          </a:prstGeom>
+        </p:spPr>
+      </p:pic>
+      <p:sp>
+        <p:nvSpPr>
+          <p:cNvPr id="9" name="ZoneTexte 8">
+            <a:extLst>
+              <a:ext uri="{FF2B5EF4-FFF2-40B4-BE49-F238E27FC236}">
+                <a16:creationId xmlns:a16="http://schemas.microsoft.com/office/drawing/2014/main" id="{8F719F37-707C-734D-8D96-631B791E61BD}"/>
+              </a:ext>
+            </a:extLst>
+          </p:cNvPr>
+          <p:cNvSpPr txBox="1"/>
+          <p:nvPr/>
+        </p:nvSpPr>
+        <p:spPr>
+          <a:xfrm>
+            <a:off x="1260170" y="2583561"/>
             <a:ext cx="2935223" cy="338554"/>
           </a:xfrm>
           <a:prstGeom prst="rect">
@@ -29777,17 +28917,17 @@
             <a:pPr algn="r"/>
             <a:r>
               <a:rPr lang="fr-FR" dirty="0"/>
-              <a:t>Autres secteurs</a:t>
+              <a:t>Enseignement / Recherche</a:t>
             </a:r>
           </a:p>
         </p:txBody>
       </p:sp>
       <p:sp>
         <p:nvSpPr>
-          <p:cNvPr id="16" name="ZoneTexte 15">
+          <p:cNvPr id="10" name="ZoneTexte 9">
             <a:extLst>
               <a:ext uri="{FF2B5EF4-FFF2-40B4-BE49-F238E27FC236}">
-                <a16:creationId xmlns:a16="http://schemas.microsoft.com/office/drawing/2014/main" id="{67AC5469-8020-0C26-D628-7CAAD14AE53E}"/>
+                <a16:creationId xmlns:a16="http://schemas.microsoft.com/office/drawing/2014/main" id="{831090A3-0755-200D-7456-7046BEB653B2}"/>
               </a:ext>
             </a:extLst>
           </p:cNvPr>
@@ -29796,8 +28936,8 @@
         </p:nvSpPr>
         <p:spPr>
           <a:xfrm>
-            <a:off x="447674" y="4929307"/>
-            <a:ext cx="3246017" cy="338554"/>
+            <a:off x="1105428" y="3523632"/>
+            <a:ext cx="3089964" cy="307777"/>
           </a:xfrm>
           <a:prstGeom prst="rect">
             <a:avLst/>
@@ -29814,18 +28954,18 @@
           <a:p>
             <a:pPr algn="r"/>
             <a:r>
-              <a:rPr lang="fr-FR" dirty="0"/>
-              <a:t>Tech. Information Communication</a:t>
+              <a:rPr lang="fr-FR" sz="1400" dirty="0"/>
+              <a:t>Autres industries</a:t>
             </a:r>
           </a:p>
         </p:txBody>
       </p:sp>
       <p:sp>
         <p:nvSpPr>
-          <p:cNvPr id="17" name="ZoneTexte 16">
+          <p:cNvPr id="13" name="ZoneTexte 12">
             <a:extLst>
               <a:ext uri="{FF2B5EF4-FFF2-40B4-BE49-F238E27FC236}">
-                <a16:creationId xmlns:a16="http://schemas.microsoft.com/office/drawing/2014/main" id="{CFD78BB6-5445-BE05-0059-03AAB15CEF89}"/>
+                <a16:creationId xmlns:a16="http://schemas.microsoft.com/office/drawing/2014/main" id="{645F15A5-D4D5-0F52-E1DE-0B3B1B5CCE0D}"/>
               </a:ext>
             </a:extLst>
           </p:cNvPr>
@@ -29834,8 +28974,8 @@
         </p:nvSpPr>
         <p:spPr>
           <a:xfrm>
-            <a:off x="758468" y="5450030"/>
-            <a:ext cx="2935223" cy="338554"/>
+            <a:off x="1105428" y="3955676"/>
+            <a:ext cx="3089964" cy="307777"/>
           </a:xfrm>
           <a:prstGeom prst="rect">
             <a:avLst/>
@@ -29852,18 +28992,18 @@
           <a:p>
             <a:pPr algn="r"/>
             <a:r>
-              <a:rPr lang="fr-FR" dirty="0"/>
-              <a:t>Finances / Assurances</a:t>
+              <a:rPr lang="fr-FR" sz="1400" dirty="0"/>
+              <a:t>Fabrication produits métalliques</a:t>
             </a:r>
           </a:p>
         </p:txBody>
       </p:sp>
       <p:sp>
         <p:nvSpPr>
-          <p:cNvPr id="18" name="ZoneTexte 17">
+          <p:cNvPr id="19" name="ZoneTexte 18">
             <a:extLst>
               <a:ext uri="{FF2B5EF4-FFF2-40B4-BE49-F238E27FC236}">
-                <a16:creationId xmlns:a16="http://schemas.microsoft.com/office/drawing/2014/main" id="{5EFB0782-7A36-C694-45DE-8D19A1ADCBAB}"/>
+                <a16:creationId xmlns:a16="http://schemas.microsoft.com/office/drawing/2014/main" id="{A52BF82D-9A2E-F693-47DC-3439D5AB1201}"/>
               </a:ext>
             </a:extLst>
           </p:cNvPr>
@@ -29872,8 +29012,8 @@
         </p:nvSpPr>
         <p:spPr>
           <a:xfrm>
-            <a:off x="603728" y="5932091"/>
-            <a:ext cx="3089964" cy="338554"/>
+            <a:off x="719327" y="4414786"/>
+            <a:ext cx="3435171" cy="307777"/>
           </a:xfrm>
           <a:prstGeom prst="rect">
             <a:avLst/>
@@ -29890,18 +29030,26 @@
           <a:p>
             <a:pPr algn="r"/>
             <a:r>
-              <a:rPr lang="fr-FR" dirty="0"/>
-              <a:t>Edition / Audiovisuel / Diffusion</a:t>
+              <a:rPr lang="fr-FR" sz="1400" dirty="0"/>
+              <a:t>Recherche et </a:t>
+            </a:r>
+            <a:r>
+              <a:rPr lang="fr-FR" sz="1400" dirty="0" err="1"/>
+              <a:t>dév</a:t>
+            </a:r>
+            <a:r>
+              <a:rPr lang="fr-FR" sz="1400" dirty="0"/>
+              <a:t>. scientifique</a:t>
             </a:r>
           </a:p>
         </p:txBody>
       </p:sp>
       <p:sp>
         <p:nvSpPr>
-          <p:cNvPr id="4" name="ZoneTexte 3">
+          <p:cNvPr id="20" name="ZoneTexte 19">
             <a:extLst>
               <a:ext uri="{FF2B5EF4-FFF2-40B4-BE49-F238E27FC236}">
-                <a16:creationId xmlns:a16="http://schemas.microsoft.com/office/drawing/2014/main" id="{CF3FF4CA-407D-E271-75A4-284F0253A8D2}"/>
+                <a16:creationId xmlns:a16="http://schemas.microsoft.com/office/drawing/2014/main" id="{C562B91A-C278-D262-12BD-DC761594835D}"/>
               </a:ext>
             </a:extLst>
           </p:cNvPr>
@@ -29909,15 +29057,15 @@
           <p:nvPr/>
         </p:nvSpPr>
         <p:spPr>
-          <a:xfrm rot="20218656">
-            <a:off x="6460078" y="4717039"/>
-            <a:ext cx="2184137" cy="461665"/>
+          <a:xfrm>
+            <a:off x="908481" y="5338425"/>
+            <a:ext cx="3246017" cy="307777"/>
           </a:xfrm>
           <a:prstGeom prst="rect">
             <a:avLst/>
           </a:prstGeom>
           <a:solidFill>
-            <a:srgbClr val="5B277D"/>
+            <a:schemeClr val="bg1"/>
           </a:solidFill>
         </p:spPr>
         <p:txBody>
@@ -29926,18 +29074,522 @@
           </a:bodyPr>
           <a:lstStyle/>
           <a:p>
-            <a:pPr algn="ctr"/>
+            <a:pPr algn="r"/>
             <a:r>
-              <a:rPr lang="fr-FR" sz="2400" b="1" dirty="0">
-                <a:solidFill>
-                  <a:schemeClr val="bg1"/>
-                </a:solidFill>
-              </a:rPr>
-              <a:t>A MODIFIER</a:t>
+              <a:rPr lang="fr-FR" sz="1400" dirty="0"/>
+              <a:t>Energie</a:t>
             </a:r>
           </a:p>
         </p:txBody>
       </p:sp>
+      <p:sp>
+        <p:nvSpPr>
+          <p:cNvPr id="21" name="ZoneTexte 20">
+            <a:extLst>
+              <a:ext uri="{FF2B5EF4-FFF2-40B4-BE49-F238E27FC236}">
+                <a16:creationId xmlns:a16="http://schemas.microsoft.com/office/drawing/2014/main" id="{0D62D4CE-916A-B4F9-6D3C-E39AE62EBF8F}"/>
+              </a:ext>
+            </a:extLst>
+          </p:cNvPr>
+          <p:cNvSpPr txBox="1"/>
+          <p:nvPr/>
+        </p:nvSpPr>
+        <p:spPr>
+          <a:xfrm>
+            <a:off x="908481" y="5834190"/>
+            <a:ext cx="3246017" cy="307777"/>
+          </a:xfrm>
+          <a:prstGeom prst="rect">
+            <a:avLst/>
+          </a:prstGeom>
+          <a:solidFill>
+            <a:schemeClr val="bg1"/>
+          </a:solidFill>
+        </p:spPr>
+        <p:txBody>
+          <a:bodyPr wrap="square" rtlCol="0">
+            <a:spAutoFit/>
+          </a:bodyPr>
+          <a:lstStyle/>
+          <a:p>
+            <a:pPr algn="r"/>
+            <a:r>
+              <a:rPr lang="fr-FR" sz="1400" dirty="0"/>
+              <a:t>Tech. Information Communication</a:t>
+            </a:r>
+          </a:p>
+        </p:txBody>
+      </p:sp>
+      <p:sp>
+        <p:nvSpPr>
+          <p:cNvPr id="22" name="ZoneTexte 21">
+            <a:extLst>
+              <a:ext uri="{FF2B5EF4-FFF2-40B4-BE49-F238E27FC236}">
+                <a16:creationId xmlns:a16="http://schemas.microsoft.com/office/drawing/2014/main" id="{003F2770-5A5D-9ADE-D7F3-715A4EDCBC4E}"/>
+              </a:ext>
+            </a:extLst>
+          </p:cNvPr>
+          <p:cNvSpPr txBox="1"/>
+          <p:nvPr/>
+        </p:nvSpPr>
+        <p:spPr>
+          <a:xfrm>
+            <a:off x="908481" y="6321491"/>
+            <a:ext cx="3246017" cy="307777"/>
+          </a:xfrm>
+          <a:prstGeom prst="rect">
+            <a:avLst/>
+          </a:prstGeom>
+          <a:solidFill>
+            <a:schemeClr val="bg1"/>
+          </a:solidFill>
+        </p:spPr>
+        <p:txBody>
+          <a:bodyPr wrap="square" rtlCol="0">
+            <a:spAutoFit/>
+          </a:bodyPr>
+          <a:lstStyle/>
+          <a:p>
+            <a:pPr algn="r"/>
+            <a:r>
+              <a:rPr lang="fr-FR" sz="1400" dirty="0"/>
+              <a:t>Industrie pharmaceutique</a:t>
+            </a:r>
+          </a:p>
+        </p:txBody>
+      </p:sp>
+      <p:cxnSp>
+        <p:nvCxnSpPr>
+          <p:cNvPr id="23" name="Connecteur droit 22">
+            <a:extLst>
+              <a:ext uri="{FF2B5EF4-FFF2-40B4-BE49-F238E27FC236}">
+                <a16:creationId xmlns:a16="http://schemas.microsoft.com/office/drawing/2014/main" id="{6A99CB18-B8B2-9E6A-C731-5C26C28F1752}"/>
+              </a:ext>
+            </a:extLst>
+          </p:cNvPr>
+          <p:cNvCxnSpPr>
+            <a:cxnSpLocks/>
+          </p:cNvCxnSpPr>
+          <p:nvPr/>
+        </p:nvCxnSpPr>
+        <p:spPr bwMode="auto">
+          <a:xfrm>
+            <a:off x="1247977" y="2510409"/>
+            <a:ext cx="6505881" cy="0"/>
+          </a:xfrm>
+          <a:prstGeom prst="line">
+            <a:avLst/>
+          </a:prstGeom>
+          <a:solidFill>
+            <a:schemeClr val="accent1"/>
+          </a:solidFill>
+          <a:ln w="25400" cap="flat" cmpd="sng" algn="ctr">
+            <a:solidFill>
+              <a:schemeClr val="tx1"/>
+            </a:solidFill>
+            <a:prstDash val="solid"/>
+            <a:round/>
+            <a:headEnd type="none" w="med" len="med"/>
+            <a:tailEnd type="none" w="med" len="med"/>
+          </a:ln>
+          <a:effectLst/>
+          <a:extLst>
+            <a:ext uri="{AF507438-7753-43e0-B8FC-AC1667EBCBE1}">
+              <a14:hiddenEffects xmlns:a14="http://schemas.microsoft.com/office/drawing/2010/main" xmlns="">
+                <a:effectLst>
+                  <a:outerShdw dist="35921" dir="2700000" algn="ctr" rotWithShape="0">
+                    <a:schemeClr val="bg2"/>
+                  </a:outerShdw>
+                </a:effectLst>
+              </a14:hiddenEffects>
+            </a:ext>
+          </a:extLst>
+        </p:spPr>
+      </p:cxnSp>
+      <p:cxnSp>
+        <p:nvCxnSpPr>
+          <p:cNvPr id="27" name="Connecteur droit 26">
+            <a:extLst>
+              <a:ext uri="{FF2B5EF4-FFF2-40B4-BE49-F238E27FC236}">
+                <a16:creationId xmlns:a16="http://schemas.microsoft.com/office/drawing/2014/main" id="{648DD427-56E2-B124-758B-6FB37208DC29}"/>
+              </a:ext>
+            </a:extLst>
+          </p:cNvPr>
+          <p:cNvCxnSpPr>
+            <a:cxnSpLocks/>
+          </p:cNvCxnSpPr>
+          <p:nvPr/>
+        </p:nvCxnSpPr>
+        <p:spPr bwMode="auto">
+          <a:xfrm>
+            <a:off x="1241881" y="2967609"/>
+            <a:ext cx="6505881" cy="0"/>
+          </a:xfrm>
+          <a:prstGeom prst="line">
+            <a:avLst/>
+          </a:prstGeom>
+          <a:solidFill>
+            <a:schemeClr val="accent1"/>
+          </a:solidFill>
+          <a:ln w="25400" cap="flat" cmpd="sng" algn="ctr">
+            <a:solidFill>
+              <a:schemeClr val="tx1"/>
+            </a:solidFill>
+            <a:prstDash val="solid"/>
+            <a:round/>
+            <a:headEnd type="none" w="med" len="med"/>
+            <a:tailEnd type="none" w="med" len="med"/>
+          </a:ln>
+          <a:effectLst/>
+          <a:extLst>
+            <a:ext uri="{AF507438-7753-43e0-B8FC-AC1667EBCBE1}">
+              <a14:hiddenEffects xmlns:a14="http://schemas.microsoft.com/office/drawing/2010/main" xmlns="">
+                <a:effectLst>
+                  <a:outerShdw dist="35921" dir="2700000" algn="ctr" rotWithShape="0">
+                    <a:schemeClr val="bg2"/>
+                  </a:outerShdw>
+                </a:effectLst>
+              </a14:hiddenEffects>
+            </a:ext>
+          </a:extLst>
+        </p:spPr>
+      </p:cxnSp>
+      <p:cxnSp>
+        <p:nvCxnSpPr>
+          <p:cNvPr id="28" name="Connecteur droit 27">
+            <a:extLst>
+              <a:ext uri="{FF2B5EF4-FFF2-40B4-BE49-F238E27FC236}">
+                <a16:creationId xmlns:a16="http://schemas.microsoft.com/office/drawing/2014/main" id="{9580588A-D2F8-2B0B-3BD3-D3F902C5F2EE}"/>
+              </a:ext>
+            </a:extLst>
+          </p:cNvPr>
+          <p:cNvCxnSpPr>
+            <a:cxnSpLocks/>
+          </p:cNvCxnSpPr>
+          <p:nvPr/>
+        </p:nvCxnSpPr>
+        <p:spPr bwMode="auto">
+          <a:xfrm>
+            <a:off x="1247977" y="3440419"/>
+            <a:ext cx="6505881" cy="0"/>
+          </a:xfrm>
+          <a:prstGeom prst="line">
+            <a:avLst/>
+          </a:prstGeom>
+          <a:solidFill>
+            <a:schemeClr val="accent1"/>
+          </a:solidFill>
+          <a:ln w="25400" cap="flat" cmpd="sng" algn="ctr">
+            <a:solidFill>
+              <a:schemeClr val="tx1"/>
+            </a:solidFill>
+            <a:prstDash val="solid"/>
+            <a:round/>
+            <a:headEnd type="none" w="med" len="med"/>
+            <a:tailEnd type="none" w="med" len="med"/>
+          </a:ln>
+          <a:effectLst/>
+          <a:extLst>
+            <a:ext uri="{AF507438-7753-43e0-B8FC-AC1667EBCBE1}">
+              <a14:hiddenEffects xmlns:a14="http://schemas.microsoft.com/office/drawing/2010/main" xmlns="">
+                <a:effectLst>
+                  <a:outerShdw dist="35921" dir="2700000" algn="ctr" rotWithShape="0">
+                    <a:schemeClr val="bg2"/>
+                  </a:outerShdw>
+                </a:effectLst>
+              </a14:hiddenEffects>
+            </a:ext>
+          </a:extLst>
+        </p:spPr>
+      </p:cxnSp>
+      <p:cxnSp>
+        <p:nvCxnSpPr>
+          <p:cNvPr id="29" name="Connecteur droit 28">
+            <a:extLst>
+              <a:ext uri="{FF2B5EF4-FFF2-40B4-BE49-F238E27FC236}">
+                <a16:creationId xmlns:a16="http://schemas.microsoft.com/office/drawing/2014/main" id="{0D296CA2-3CE3-D471-463C-7CEAE18A6B74}"/>
+              </a:ext>
+            </a:extLst>
+          </p:cNvPr>
+          <p:cNvCxnSpPr>
+            <a:cxnSpLocks/>
+          </p:cNvCxnSpPr>
+          <p:nvPr/>
+        </p:nvCxnSpPr>
+        <p:spPr bwMode="auto">
+          <a:xfrm>
+            <a:off x="1241881" y="3897619"/>
+            <a:ext cx="6505881" cy="0"/>
+          </a:xfrm>
+          <a:prstGeom prst="line">
+            <a:avLst/>
+          </a:prstGeom>
+          <a:solidFill>
+            <a:schemeClr val="accent1"/>
+          </a:solidFill>
+          <a:ln w="25400" cap="flat" cmpd="sng" algn="ctr">
+            <a:solidFill>
+              <a:schemeClr val="tx1"/>
+            </a:solidFill>
+            <a:prstDash val="solid"/>
+            <a:round/>
+            <a:headEnd type="none" w="med" len="med"/>
+            <a:tailEnd type="none" w="med" len="med"/>
+          </a:ln>
+          <a:effectLst/>
+          <a:extLst>
+            <a:ext uri="{AF507438-7753-43e0-B8FC-AC1667EBCBE1}">
+              <a14:hiddenEffects xmlns:a14="http://schemas.microsoft.com/office/drawing/2010/main" xmlns="">
+                <a:effectLst>
+                  <a:outerShdw dist="35921" dir="2700000" algn="ctr" rotWithShape="0">
+                    <a:schemeClr val="bg2"/>
+                  </a:outerShdw>
+                </a:effectLst>
+              </a14:hiddenEffects>
+            </a:ext>
+          </a:extLst>
+        </p:spPr>
+      </p:cxnSp>
+      <p:cxnSp>
+        <p:nvCxnSpPr>
+          <p:cNvPr id="30" name="Connecteur droit 29">
+            <a:extLst>
+              <a:ext uri="{FF2B5EF4-FFF2-40B4-BE49-F238E27FC236}">
+                <a16:creationId xmlns:a16="http://schemas.microsoft.com/office/drawing/2014/main" id="{DF8E5C62-ED49-C893-D9EB-9AA60975D3B5}"/>
+              </a:ext>
+            </a:extLst>
+          </p:cNvPr>
+          <p:cNvCxnSpPr>
+            <a:cxnSpLocks/>
+          </p:cNvCxnSpPr>
+          <p:nvPr/>
+        </p:nvCxnSpPr>
+        <p:spPr bwMode="auto">
+          <a:xfrm>
+            <a:off x="1241881" y="4373107"/>
+            <a:ext cx="6505881" cy="0"/>
+          </a:xfrm>
+          <a:prstGeom prst="line">
+            <a:avLst/>
+          </a:prstGeom>
+          <a:solidFill>
+            <a:schemeClr val="accent1"/>
+          </a:solidFill>
+          <a:ln w="25400" cap="flat" cmpd="sng" algn="ctr">
+            <a:solidFill>
+              <a:schemeClr val="tx1"/>
+            </a:solidFill>
+            <a:prstDash val="solid"/>
+            <a:round/>
+            <a:headEnd type="none" w="med" len="med"/>
+            <a:tailEnd type="none" w="med" len="med"/>
+          </a:ln>
+          <a:effectLst/>
+          <a:extLst>
+            <a:ext uri="{AF507438-7753-43e0-B8FC-AC1667EBCBE1}">
+              <a14:hiddenEffects xmlns:a14="http://schemas.microsoft.com/office/drawing/2010/main" xmlns="">
+                <a:effectLst>
+                  <a:outerShdw dist="35921" dir="2700000" algn="ctr" rotWithShape="0">
+                    <a:schemeClr val="bg2"/>
+                  </a:outerShdw>
+                </a:effectLst>
+              </a14:hiddenEffects>
+            </a:ext>
+          </a:extLst>
+        </p:spPr>
+      </p:cxnSp>
+      <p:cxnSp>
+        <p:nvCxnSpPr>
+          <p:cNvPr id="31" name="Connecteur droit 30">
+            <a:extLst>
+              <a:ext uri="{FF2B5EF4-FFF2-40B4-BE49-F238E27FC236}">
+                <a16:creationId xmlns:a16="http://schemas.microsoft.com/office/drawing/2014/main" id="{66F7A3A3-DC84-0CDC-47AD-4EE88073FFE6}"/>
+              </a:ext>
+            </a:extLst>
+          </p:cNvPr>
+          <p:cNvCxnSpPr>
+            <a:cxnSpLocks/>
+          </p:cNvCxnSpPr>
+          <p:nvPr/>
+        </p:nvCxnSpPr>
+        <p:spPr bwMode="auto">
+          <a:xfrm>
+            <a:off x="1247977" y="4830307"/>
+            <a:ext cx="6505881" cy="0"/>
+          </a:xfrm>
+          <a:prstGeom prst="line">
+            <a:avLst/>
+          </a:prstGeom>
+          <a:solidFill>
+            <a:schemeClr val="accent1"/>
+          </a:solidFill>
+          <a:ln w="25400" cap="flat" cmpd="sng" algn="ctr">
+            <a:solidFill>
+              <a:schemeClr val="tx1"/>
+            </a:solidFill>
+            <a:prstDash val="solid"/>
+            <a:round/>
+            <a:headEnd type="none" w="med" len="med"/>
+            <a:tailEnd type="none" w="med" len="med"/>
+          </a:ln>
+          <a:effectLst/>
+          <a:extLst>
+            <a:ext uri="{AF507438-7753-43e0-B8FC-AC1667EBCBE1}">
+              <a14:hiddenEffects xmlns:a14="http://schemas.microsoft.com/office/drawing/2010/main" xmlns="">
+                <a:effectLst>
+                  <a:outerShdw dist="35921" dir="2700000" algn="ctr" rotWithShape="0">
+                    <a:schemeClr val="bg2"/>
+                  </a:outerShdw>
+                </a:effectLst>
+              </a14:hiddenEffects>
+            </a:ext>
+          </a:extLst>
+        </p:spPr>
+      </p:cxnSp>
+      <p:cxnSp>
+        <p:nvCxnSpPr>
+          <p:cNvPr id="32" name="Connecteur droit 31">
+            <a:extLst>
+              <a:ext uri="{FF2B5EF4-FFF2-40B4-BE49-F238E27FC236}">
+                <a16:creationId xmlns:a16="http://schemas.microsoft.com/office/drawing/2014/main" id="{2A83320A-EC02-CE1A-F8E7-9C759336D8CB}"/>
+              </a:ext>
+            </a:extLst>
+          </p:cNvPr>
+          <p:cNvCxnSpPr>
+            <a:cxnSpLocks/>
+          </p:cNvCxnSpPr>
+          <p:nvPr/>
+        </p:nvCxnSpPr>
+        <p:spPr bwMode="auto">
+          <a:xfrm>
+            <a:off x="1247977" y="5317987"/>
+            <a:ext cx="6505881" cy="0"/>
+          </a:xfrm>
+          <a:prstGeom prst="line">
+            <a:avLst/>
+          </a:prstGeom>
+          <a:solidFill>
+            <a:schemeClr val="accent1"/>
+          </a:solidFill>
+          <a:ln w="25400" cap="flat" cmpd="sng" algn="ctr">
+            <a:solidFill>
+              <a:schemeClr val="tx1"/>
+            </a:solidFill>
+            <a:prstDash val="solid"/>
+            <a:round/>
+            <a:headEnd type="none" w="med" len="med"/>
+            <a:tailEnd type="none" w="med" len="med"/>
+          </a:ln>
+          <a:effectLst/>
+          <a:extLst>
+            <a:ext uri="{AF507438-7753-43e0-B8FC-AC1667EBCBE1}">
+              <a14:hiddenEffects xmlns:a14="http://schemas.microsoft.com/office/drawing/2010/main" xmlns="">
+                <a:effectLst>
+                  <a:outerShdw dist="35921" dir="2700000" algn="ctr" rotWithShape="0">
+                    <a:schemeClr val="bg2"/>
+                  </a:outerShdw>
+                </a:effectLst>
+              </a14:hiddenEffects>
+            </a:ext>
+          </a:extLst>
+        </p:spPr>
+      </p:cxnSp>
+      <p:cxnSp>
+        <p:nvCxnSpPr>
+          <p:cNvPr id="33" name="Connecteur droit 32">
+            <a:extLst>
+              <a:ext uri="{FF2B5EF4-FFF2-40B4-BE49-F238E27FC236}">
+                <a16:creationId xmlns:a16="http://schemas.microsoft.com/office/drawing/2014/main" id="{3A9C5B45-3C13-27B7-2C07-A1EE7077FC0D}"/>
+              </a:ext>
+            </a:extLst>
+          </p:cNvPr>
+          <p:cNvCxnSpPr>
+            <a:cxnSpLocks/>
+          </p:cNvCxnSpPr>
+          <p:nvPr/>
+        </p:nvCxnSpPr>
+        <p:spPr bwMode="auto">
+          <a:xfrm>
+            <a:off x="1241881" y="5775187"/>
+            <a:ext cx="6505881" cy="0"/>
+          </a:xfrm>
+          <a:prstGeom prst="line">
+            <a:avLst/>
+          </a:prstGeom>
+          <a:solidFill>
+            <a:schemeClr val="accent1"/>
+          </a:solidFill>
+          <a:ln w="25400" cap="flat" cmpd="sng" algn="ctr">
+            <a:solidFill>
+              <a:schemeClr val="tx1"/>
+            </a:solidFill>
+            <a:prstDash val="solid"/>
+            <a:round/>
+            <a:headEnd type="none" w="med" len="med"/>
+            <a:tailEnd type="none" w="med" len="med"/>
+          </a:ln>
+          <a:effectLst/>
+          <a:extLst>
+            <a:ext uri="{AF507438-7753-43e0-B8FC-AC1667EBCBE1}">
+              <a14:hiddenEffects xmlns:a14="http://schemas.microsoft.com/office/drawing/2010/main" xmlns="">
+                <a:effectLst>
+                  <a:outerShdw dist="35921" dir="2700000" algn="ctr" rotWithShape="0">
+                    <a:schemeClr val="bg2"/>
+                  </a:outerShdw>
+                </a:effectLst>
+              </a14:hiddenEffects>
+            </a:ext>
+          </a:extLst>
+        </p:spPr>
+      </p:cxnSp>
+      <p:cxnSp>
+        <p:nvCxnSpPr>
+          <p:cNvPr id="34" name="Connecteur droit 33">
+            <a:extLst>
+              <a:ext uri="{FF2B5EF4-FFF2-40B4-BE49-F238E27FC236}">
+                <a16:creationId xmlns:a16="http://schemas.microsoft.com/office/drawing/2014/main" id="{18112ED6-AD31-AD96-A6A0-B70AD4D5864B}"/>
+              </a:ext>
+            </a:extLst>
+          </p:cNvPr>
+          <p:cNvCxnSpPr>
+            <a:cxnSpLocks/>
+          </p:cNvCxnSpPr>
+          <p:nvPr/>
+        </p:nvCxnSpPr>
+        <p:spPr bwMode="auto">
+          <a:xfrm>
+            <a:off x="1254073" y="6236147"/>
+            <a:ext cx="6505881" cy="0"/>
+          </a:xfrm>
+          <a:prstGeom prst="line">
+            <a:avLst/>
+          </a:prstGeom>
+          <a:solidFill>
+            <a:schemeClr val="accent1"/>
+          </a:solidFill>
+          <a:ln w="25400" cap="flat" cmpd="sng" algn="ctr">
+            <a:solidFill>
+              <a:schemeClr val="tx1"/>
+            </a:solidFill>
+            <a:prstDash val="solid"/>
+            <a:round/>
+            <a:headEnd type="none" w="med" len="med"/>
+            <a:tailEnd type="none" w="med" len="med"/>
+          </a:ln>
+          <a:effectLst/>
+          <a:extLst>
+            <a:ext uri="{AF507438-7753-43e0-B8FC-AC1667EBCBE1}">
+              <a14:hiddenEffects xmlns:a14="http://schemas.microsoft.com/office/drawing/2010/main" xmlns="">
+                <a:effectLst>
+                  <a:outerShdw dist="35921" dir="2700000" algn="ctr" rotWithShape="0">
+                    <a:schemeClr val="bg2"/>
+                  </a:outerShdw>
+                </a:effectLst>
+              </a14:hiddenEffects>
+            </a:ext>
+          </a:extLst>
+        </p:spPr>
+      </p:cxnSp>
     </p:spTree>
     <p:extLst>
       <p:ext uri="{BB962C8B-B14F-4D97-AF65-F5344CB8AC3E}">

--- a/Presentations/2024_COPERF_CGE.pptx
+++ b/Presentations/2024_COPERF_CGE.pptx
@@ -5,10 +5,10 @@
     <p:sldMasterId id="2147483649" r:id="rId1"/>
   </p:sldMasterIdLst>
   <p:notesMasterIdLst>
-    <p:notesMasterId r:id="rId23"/>
+    <p:notesMasterId r:id="rId27"/>
   </p:notesMasterIdLst>
   <p:handoutMasterIdLst>
-    <p:handoutMasterId r:id="rId24"/>
+    <p:handoutMasterId r:id="rId28"/>
   </p:handoutMasterIdLst>
   <p:sldIdLst>
     <p:sldId id="258" r:id="rId2"/>
@@ -26,12 +26,16 @@
     <p:sldId id="286" r:id="rId14"/>
     <p:sldId id="304" r:id="rId15"/>
     <p:sldId id="305" r:id="rId16"/>
-    <p:sldId id="289" r:id="rId17"/>
-    <p:sldId id="294" r:id="rId18"/>
-    <p:sldId id="295" r:id="rId19"/>
-    <p:sldId id="296" r:id="rId20"/>
-    <p:sldId id="291" r:id="rId21"/>
-    <p:sldId id="297" r:id="rId22"/>
+    <p:sldId id="307" r:id="rId17"/>
+    <p:sldId id="308" r:id="rId18"/>
+    <p:sldId id="306" r:id="rId19"/>
+    <p:sldId id="309" r:id="rId20"/>
+    <p:sldId id="294" r:id="rId21"/>
+    <p:sldId id="289" r:id="rId22"/>
+    <p:sldId id="296" r:id="rId23"/>
+    <p:sldId id="295" r:id="rId24"/>
+    <p:sldId id="291" r:id="rId25"/>
+    <p:sldId id="297" r:id="rId26"/>
   </p:sldIdLst>
   <p:sldSz cx="9144000" cy="6858000" type="screen4x3"/>
   <p:notesSz cx="7315200" cy="9601200"/>
@@ -1047,6 +1051,186 @@
 </p:notes>
 </file>
 
+<file path=ppt/notesSlides/notesSlide10.xml><?xml version="1.0" encoding="utf-8"?>
+<p:notes xmlns:a="http://schemas.openxmlformats.org/drawingml/2006/main" xmlns:r="http://schemas.openxmlformats.org/officeDocument/2006/relationships" xmlns:p="http://schemas.openxmlformats.org/presentationml/2006/main">
+  <p:cSld>
+    <p:spTree>
+      <p:nvGrpSpPr>
+        <p:cNvPr id="1" name=""/>
+        <p:cNvGrpSpPr/>
+        <p:nvPr/>
+      </p:nvGrpSpPr>
+      <p:grpSpPr>
+        <a:xfrm>
+          <a:off x="0" y="0"/>
+          <a:ext cx="0" cy="0"/>
+          <a:chOff x="0" y="0"/>
+          <a:chExt cx="0" cy="0"/>
+        </a:xfrm>
+      </p:grpSpPr>
+      <p:sp>
+        <p:nvSpPr>
+          <p:cNvPr id="2" name="Espace réservé de l'image des diapositives 1"/>
+          <p:cNvSpPr>
+            <a:spLocks noGrp="1" noRot="1" noChangeAspect="1"/>
+          </p:cNvSpPr>
+          <p:nvPr>
+            <p:ph type="sldImg"/>
+          </p:nvPr>
+        </p:nvSpPr>
+        <p:spPr/>
+      </p:sp>
+      <p:sp>
+        <p:nvSpPr>
+          <p:cNvPr id="3" name="Espace réservé des notes 2"/>
+          <p:cNvSpPr>
+            <a:spLocks noGrp="1"/>
+          </p:cNvSpPr>
+          <p:nvPr>
+            <p:ph type="body" idx="1"/>
+          </p:nvPr>
+        </p:nvSpPr>
+        <p:spPr/>
+        <p:txBody>
+          <a:bodyPr/>
+          <a:lstStyle/>
+          <a:p>
+            <a:endParaRPr lang="fr-FR" dirty="0"/>
+          </a:p>
+        </p:txBody>
+      </p:sp>
+      <p:sp>
+        <p:nvSpPr>
+          <p:cNvPr id="4" name="Espace réservé du numéro de diapositive 3"/>
+          <p:cNvSpPr>
+            <a:spLocks noGrp="1"/>
+          </p:cNvSpPr>
+          <p:nvPr>
+            <p:ph type="sldNum" sz="quarter" idx="5"/>
+          </p:nvPr>
+        </p:nvSpPr>
+        <p:spPr/>
+        <p:txBody>
+          <a:bodyPr/>
+          <a:lstStyle/>
+          <a:p>
+            <a:pPr>
+              <a:defRPr/>
+            </a:pPr>
+            <a:fld id="{DF0A0EB6-F843-4E12-9C94-C8B9BC04D69A}" type="slidenum">
+              <a:rPr lang="fr-FR" altLang="fr-FR" smtClean="0"/>
+              <a:pPr>
+                <a:defRPr/>
+              </a:pPr>
+              <a:t>18</a:t>
+            </a:fld>
+            <a:endParaRPr lang="fr-FR" altLang="fr-FR"/>
+          </a:p>
+        </p:txBody>
+      </p:sp>
+    </p:spTree>
+    <p:extLst>
+      <p:ext uri="{BB962C8B-B14F-4D97-AF65-F5344CB8AC3E}">
+        <p14:creationId xmlns:p14="http://schemas.microsoft.com/office/powerpoint/2010/main" val="1153413006"/>
+      </p:ext>
+    </p:extLst>
+  </p:cSld>
+  <p:clrMapOvr>
+    <a:masterClrMapping/>
+  </p:clrMapOvr>
+</p:notes>
+</file>
+
+<file path=ppt/notesSlides/notesSlide11.xml><?xml version="1.0" encoding="utf-8"?>
+<p:notes xmlns:a="http://schemas.openxmlformats.org/drawingml/2006/main" xmlns:r="http://schemas.openxmlformats.org/officeDocument/2006/relationships" xmlns:p="http://schemas.openxmlformats.org/presentationml/2006/main">
+  <p:cSld>
+    <p:spTree>
+      <p:nvGrpSpPr>
+        <p:cNvPr id="1" name=""/>
+        <p:cNvGrpSpPr/>
+        <p:nvPr/>
+      </p:nvGrpSpPr>
+      <p:grpSpPr>
+        <a:xfrm>
+          <a:off x="0" y="0"/>
+          <a:ext cx="0" cy="0"/>
+          <a:chOff x="0" y="0"/>
+          <a:chExt cx="0" cy="0"/>
+        </a:xfrm>
+      </p:grpSpPr>
+      <p:sp>
+        <p:nvSpPr>
+          <p:cNvPr id="2" name="Espace réservé de l'image des diapositives 1"/>
+          <p:cNvSpPr>
+            <a:spLocks noGrp="1" noRot="1" noChangeAspect="1"/>
+          </p:cNvSpPr>
+          <p:nvPr>
+            <p:ph type="sldImg"/>
+          </p:nvPr>
+        </p:nvSpPr>
+        <p:spPr/>
+      </p:sp>
+      <p:sp>
+        <p:nvSpPr>
+          <p:cNvPr id="3" name="Espace réservé des notes 2"/>
+          <p:cNvSpPr>
+            <a:spLocks noGrp="1"/>
+          </p:cNvSpPr>
+          <p:nvPr>
+            <p:ph type="body" idx="1"/>
+          </p:nvPr>
+        </p:nvSpPr>
+        <p:spPr/>
+        <p:txBody>
+          <a:bodyPr/>
+          <a:lstStyle/>
+          <a:p>
+            <a:endParaRPr lang="fr-FR" dirty="0"/>
+          </a:p>
+        </p:txBody>
+      </p:sp>
+      <p:sp>
+        <p:nvSpPr>
+          <p:cNvPr id="4" name="Espace réservé du numéro de diapositive 3"/>
+          <p:cNvSpPr>
+            <a:spLocks noGrp="1"/>
+          </p:cNvSpPr>
+          <p:nvPr>
+            <p:ph type="sldNum" sz="quarter" idx="5"/>
+          </p:nvPr>
+        </p:nvSpPr>
+        <p:spPr/>
+        <p:txBody>
+          <a:bodyPr/>
+          <a:lstStyle/>
+          <a:p>
+            <a:pPr>
+              <a:defRPr/>
+            </a:pPr>
+            <a:fld id="{DF0A0EB6-F843-4E12-9C94-C8B9BC04D69A}" type="slidenum">
+              <a:rPr lang="fr-FR" altLang="fr-FR" smtClean="0"/>
+              <a:pPr>
+                <a:defRPr/>
+              </a:pPr>
+              <a:t>19</a:t>
+            </a:fld>
+            <a:endParaRPr lang="fr-FR" altLang="fr-FR"/>
+          </a:p>
+        </p:txBody>
+      </p:sp>
+    </p:spTree>
+    <p:extLst>
+      <p:ext uri="{BB962C8B-B14F-4D97-AF65-F5344CB8AC3E}">
+        <p14:creationId xmlns:p14="http://schemas.microsoft.com/office/powerpoint/2010/main" val="653005794"/>
+      </p:ext>
+    </p:extLst>
+  </p:cSld>
+  <p:clrMapOvr>
+    <a:masterClrMapping/>
+  </p:clrMapOvr>
+</p:notes>
+</file>
+
 <file path=ppt/notesSlides/notesSlide2.xml><?xml version="1.0" encoding="utf-8"?>
 <p:notes xmlns:a="http://schemas.openxmlformats.org/drawingml/2006/main" xmlns:r="http://schemas.openxmlformats.org/officeDocument/2006/relationships" xmlns:p="http://schemas.openxmlformats.org/presentationml/2006/main">
   <p:cSld>
@@ -1578,6 +1762,186 @@
     <p:extLst>
       <p:ext uri="{BB962C8B-B14F-4D97-AF65-F5344CB8AC3E}">
         <p14:creationId xmlns:p14="http://schemas.microsoft.com/office/powerpoint/2010/main" val="3643121953"/>
+      </p:ext>
+    </p:extLst>
+  </p:cSld>
+  <p:clrMapOvr>
+    <a:masterClrMapping/>
+  </p:clrMapOvr>
+</p:notes>
+</file>
+
+<file path=ppt/notesSlides/notesSlide8.xml><?xml version="1.0" encoding="utf-8"?>
+<p:notes xmlns:a="http://schemas.openxmlformats.org/drawingml/2006/main" xmlns:r="http://schemas.openxmlformats.org/officeDocument/2006/relationships" xmlns:p="http://schemas.openxmlformats.org/presentationml/2006/main">
+  <p:cSld>
+    <p:spTree>
+      <p:nvGrpSpPr>
+        <p:cNvPr id="1" name=""/>
+        <p:cNvGrpSpPr/>
+        <p:nvPr/>
+      </p:nvGrpSpPr>
+      <p:grpSpPr>
+        <a:xfrm>
+          <a:off x="0" y="0"/>
+          <a:ext cx="0" cy="0"/>
+          <a:chOff x="0" y="0"/>
+          <a:chExt cx="0" cy="0"/>
+        </a:xfrm>
+      </p:grpSpPr>
+      <p:sp>
+        <p:nvSpPr>
+          <p:cNvPr id="2" name="Espace réservé de l'image des diapositives 1"/>
+          <p:cNvSpPr>
+            <a:spLocks noGrp="1" noRot="1" noChangeAspect="1"/>
+          </p:cNvSpPr>
+          <p:nvPr>
+            <p:ph type="sldImg"/>
+          </p:nvPr>
+        </p:nvSpPr>
+        <p:spPr/>
+      </p:sp>
+      <p:sp>
+        <p:nvSpPr>
+          <p:cNvPr id="3" name="Espace réservé des notes 2"/>
+          <p:cNvSpPr>
+            <a:spLocks noGrp="1"/>
+          </p:cNvSpPr>
+          <p:nvPr>
+            <p:ph type="body" idx="1"/>
+          </p:nvPr>
+        </p:nvSpPr>
+        <p:spPr/>
+        <p:txBody>
+          <a:bodyPr/>
+          <a:lstStyle/>
+          <a:p>
+            <a:endParaRPr lang="fr-FR" dirty="0"/>
+          </a:p>
+        </p:txBody>
+      </p:sp>
+      <p:sp>
+        <p:nvSpPr>
+          <p:cNvPr id="4" name="Espace réservé du numéro de diapositive 3"/>
+          <p:cNvSpPr>
+            <a:spLocks noGrp="1"/>
+          </p:cNvSpPr>
+          <p:nvPr>
+            <p:ph type="sldNum" sz="quarter" idx="5"/>
+          </p:nvPr>
+        </p:nvSpPr>
+        <p:spPr/>
+        <p:txBody>
+          <a:bodyPr/>
+          <a:lstStyle/>
+          <a:p>
+            <a:pPr>
+              <a:defRPr/>
+            </a:pPr>
+            <a:fld id="{DF0A0EB6-F843-4E12-9C94-C8B9BC04D69A}" type="slidenum">
+              <a:rPr lang="fr-FR" altLang="fr-FR" smtClean="0"/>
+              <a:pPr>
+                <a:defRPr/>
+              </a:pPr>
+              <a:t>16</a:t>
+            </a:fld>
+            <a:endParaRPr lang="fr-FR" altLang="fr-FR"/>
+          </a:p>
+        </p:txBody>
+      </p:sp>
+    </p:spTree>
+    <p:extLst>
+      <p:ext uri="{BB962C8B-B14F-4D97-AF65-F5344CB8AC3E}">
+        <p14:creationId xmlns:p14="http://schemas.microsoft.com/office/powerpoint/2010/main" val="735080394"/>
+      </p:ext>
+    </p:extLst>
+  </p:cSld>
+  <p:clrMapOvr>
+    <a:masterClrMapping/>
+  </p:clrMapOvr>
+</p:notes>
+</file>
+
+<file path=ppt/notesSlides/notesSlide9.xml><?xml version="1.0" encoding="utf-8"?>
+<p:notes xmlns:a="http://schemas.openxmlformats.org/drawingml/2006/main" xmlns:r="http://schemas.openxmlformats.org/officeDocument/2006/relationships" xmlns:p="http://schemas.openxmlformats.org/presentationml/2006/main">
+  <p:cSld>
+    <p:spTree>
+      <p:nvGrpSpPr>
+        <p:cNvPr id="1" name=""/>
+        <p:cNvGrpSpPr/>
+        <p:nvPr/>
+      </p:nvGrpSpPr>
+      <p:grpSpPr>
+        <a:xfrm>
+          <a:off x="0" y="0"/>
+          <a:ext cx="0" cy="0"/>
+          <a:chOff x="0" y="0"/>
+          <a:chExt cx="0" cy="0"/>
+        </a:xfrm>
+      </p:grpSpPr>
+      <p:sp>
+        <p:nvSpPr>
+          <p:cNvPr id="2" name="Espace réservé de l'image des diapositives 1"/>
+          <p:cNvSpPr>
+            <a:spLocks noGrp="1" noRot="1" noChangeAspect="1"/>
+          </p:cNvSpPr>
+          <p:nvPr>
+            <p:ph type="sldImg"/>
+          </p:nvPr>
+        </p:nvSpPr>
+        <p:spPr/>
+      </p:sp>
+      <p:sp>
+        <p:nvSpPr>
+          <p:cNvPr id="3" name="Espace réservé des notes 2"/>
+          <p:cNvSpPr>
+            <a:spLocks noGrp="1"/>
+          </p:cNvSpPr>
+          <p:nvPr>
+            <p:ph type="body" idx="1"/>
+          </p:nvPr>
+        </p:nvSpPr>
+        <p:spPr/>
+        <p:txBody>
+          <a:bodyPr/>
+          <a:lstStyle/>
+          <a:p>
+            <a:endParaRPr lang="fr-FR" dirty="0"/>
+          </a:p>
+        </p:txBody>
+      </p:sp>
+      <p:sp>
+        <p:nvSpPr>
+          <p:cNvPr id="4" name="Espace réservé du numéro de diapositive 3"/>
+          <p:cNvSpPr>
+            <a:spLocks noGrp="1"/>
+          </p:cNvSpPr>
+          <p:nvPr>
+            <p:ph type="sldNum" sz="quarter" idx="5"/>
+          </p:nvPr>
+        </p:nvSpPr>
+        <p:spPr/>
+        <p:txBody>
+          <a:bodyPr/>
+          <a:lstStyle/>
+          <a:p>
+            <a:pPr>
+              <a:defRPr/>
+            </a:pPr>
+            <a:fld id="{DF0A0EB6-F843-4E12-9C94-C8B9BC04D69A}" type="slidenum">
+              <a:rPr lang="fr-FR" altLang="fr-FR" smtClean="0"/>
+              <a:pPr>
+                <a:defRPr/>
+              </a:pPr>
+              <a:t>17</a:t>
+            </a:fld>
+            <a:endParaRPr lang="fr-FR" altLang="fr-FR"/>
+          </a:p>
+        </p:txBody>
+      </p:sp>
+    </p:spTree>
+    <p:extLst>
+      <p:ext uri="{BB962C8B-B14F-4D97-AF65-F5344CB8AC3E}">
+        <p14:creationId xmlns:p14="http://schemas.microsoft.com/office/powerpoint/2010/main" val="1283002785"/>
       </p:ext>
     </p:extLst>
   </p:cSld>
@@ -8354,49 +8718,6 @@
           </a:extLst>
         </p:spPr>
       </p:pic>
-      <p:sp>
-        <p:nvSpPr>
-          <p:cNvPr id="3" name="ZoneTexte 2">
-            <a:extLst>
-              <a:ext uri="{FF2B5EF4-FFF2-40B4-BE49-F238E27FC236}">
-                <a16:creationId xmlns:a16="http://schemas.microsoft.com/office/drawing/2014/main" id="{76C5E635-ACF0-A360-2BA1-1AD1AB1E7A21}"/>
-              </a:ext>
-            </a:extLst>
-          </p:cNvPr>
-          <p:cNvSpPr txBox="1"/>
-          <p:nvPr/>
-        </p:nvSpPr>
-        <p:spPr>
-          <a:xfrm rot="16200000">
-            <a:off x="-2330100" y="3437334"/>
-            <a:ext cx="4998749" cy="338554"/>
-          </a:xfrm>
-          <a:prstGeom prst="rect">
-            <a:avLst/>
-          </a:prstGeom>
-          <a:solidFill>
-            <a:schemeClr val="bg1">
-              <a:lumMod val="50000"/>
-            </a:schemeClr>
-          </a:solidFill>
-        </p:spPr>
-        <p:txBody>
-          <a:bodyPr wrap="square" rtlCol="0">
-            <a:spAutoFit/>
-          </a:bodyPr>
-          <a:lstStyle/>
-          <a:p>
-            <a:r>
-              <a:rPr lang="fr-FR" dirty="0">
-                <a:solidFill>
-                  <a:schemeClr val="bg1"/>
-                </a:solidFill>
-              </a:rPr>
-              <a:t>Enquête CGE / Version 2024</a:t>
-            </a:r>
-          </a:p>
-        </p:txBody>
-      </p:sp>
       <p:pic>
         <p:nvPicPr>
           <p:cNvPr id="7" name="Image 6" descr="Une image contenant texte, capture d’écran, ligne, Tracé&#10;&#10;Description générée automatiquement">
@@ -8433,6 +8754,47 @@
           </a:prstGeom>
         </p:spPr>
       </p:pic>
+      <p:sp>
+        <p:nvSpPr>
+          <p:cNvPr id="4" name="ZoneTexte 3">
+            <a:extLst>
+              <a:ext uri="{FF2B5EF4-FFF2-40B4-BE49-F238E27FC236}">
+                <a16:creationId xmlns:a16="http://schemas.microsoft.com/office/drawing/2014/main" id="{FA9ADC33-0686-EE8A-75B9-97A20528F11D}"/>
+              </a:ext>
+            </a:extLst>
+          </p:cNvPr>
+          <p:cNvSpPr txBox="1"/>
+          <p:nvPr/>
+        </p:nvSpPr>
+        <p:spPr>
+          <a:xfrm rot="16200000">
+            <a:off x="-2330100" y="3437334"/>
+            <a:ext cx="4998749" cy="338554"/>
+          </a:xfrm>
+          <a:prstGeom prst="rect">
+            <a:avLst/>
+          </a:prstGeom>
+          <a:solidFill>
+            <a:srgbClr val="EF553B"/>
+          </a:solidFill>
+        </p:spPr>
+        <p:txBody>
+          <a:bodyPr wrap="square" rtlCol="0">
+            <a:spAutoFit/>
+          </a:bodyPr>
+          <a:lstStyle/>
+          <a:p>
+            <a:r>
+              <a:rPr lang="fr-FR" dirty="0">
+                <a:solidFill>
+                  <a:schemeClr val="bg1"/>
+                </a:solidFill>
+              </a:rPr>
+              <a:t>Enquête CGE / Cumul</a:t>
+            </a:r>
+          </a:p>
+        </p:txBody>
+      </p:sp>
     </p:spTree>
     <p:extLst>
       <p:ext uri="{BB962C8B-B14F-4D97-AF65-F5344CB8AC3E}">
@@ -8605,6 +8967,500 @@
       </p:pic>
       <p:sp>
         <p:nvSpPr>
+          <p:cNvPr id="4" name="ZoneTexte 3">
+            <a:extLst>
+              <a:ext uri="{FF2B5EF4-FFF2-40B4-BE49-F238E27FC236}">
+                <a16:creationId xmlns:a16="http://schemas.microsoft.com/office/drawing/2014/main" id="{70C115E2-0EF3-EAB5-6D5D-EE56221B0DB6}"/>
+              </a:ext>
+            </a:extLst>
+          </p:cNvPr>
+          <p:cNvSpPr txBox="1"/>
+          <p:nvPr/>
+        </p:nvSpPr>
+        <p:spPr>
+          <a:xfrm rot="16200000">
+            <a:off x="-2330100" y="3437334"/>
+            <a:ext cx="4998749" cy="338554"/>
+          </a:xfrm>
+          <a:prstGeom prst="rect">
+            <a:avLst/>
+          </a:prstGeom>
+          <a:solidFill>
+            <a:srgbClr val="EF553B"/>
+          </a:solidFill>
+        </p:spPr>
+        <p:txBody>
+          <a:bodyPr wrap="square" rtlCol="0">
+            <a:spAutoFit/>
+          </a:bodyPr>
+          <a:lstStyle/>
+          <a:p>
+            <a:r>
+              <a:rPr lang="fr-FR" dirty="0">
+                <a:solidFill>
+                  <a:schemeClr val="bg1"/>
+                </a:solidFill>
+              </a:rPr>
+              <a:t>Enquête CGE / Cumul</a:t>
+            </a:r>
+          </a:p>
+        </p:txBody>
+      </p:sp>
+      <p:pic>
+        <p:nvPicPr>
+          <p:cNvPr id="8" name="Image 7" descr="Une image contenant texte, capture d’écran, ligne, Tracé&#10;&#10;Description générée automatiquement">
+            <a:extLst>
+              <a:ext uri="{FF2B5EF4-FFF2-40B4-BE49-F238E27FC236}">
+                <a16:creationId xmlns:a16="http://schemas.microsoft.com/office/drawing/2014/main" id="{8748E737-0A35-1C9A-AC30-091E88FF6623}"/>
+              </a:ext>
+            </a:extLst>
+          </p:cNvPr>
+          <p:cNvPicPr>
+            <a:picLocks noChangeAspect="1"/>
+          </p:cNvPicPr>
+          <p:nvPr/>
+        </p:nvPicPr>
+        <p:blipFill>
+          <a:blip r:embed="rId4">
+            <a:extLst>
+              <a:ext uri="{28A0092B-C50C-407E-A947-70E740481C1C}">
+                <a14:useLocalDpi xmlns:a14="http://schemas.microsoft.com/office/drawing/2010/main" val="0"/>
+              </a:ext>
+            </a:extLst>
+          </a:blip>
+          <a:stretch>
+            <a:fillRect/>
+          </a:stretch>
+        </p:blipFill>
+        <p:spPr>
+          <a:xfrm>
+            <a:off x="1629118" y="2158995"/>
+            <a:ext cx="5292890" cy="3670478"/>
+          </a:xfrm>
+          <a:prstGeom prst="rect">
+            <a:avLst/>
+          </a:prstGeom>
+        </p:spPr>
+      </p:pic>
+    </p:spTree>
+    <p:extLst>
+      <p:ext uri="{BB962C8B-B14F-4D97-AF65-F5344CB8AC3E}">
+        <p14:creationId xmlns:p14="http://schemas.microsoft.com/office/powerpoint/2010/main" val="1444844019"/>
+      </p:ext>
+    </p:extLst>
+  </p:cSld>
+  <p:clrMapOvr>
+    <a:masterClrMapping/>
+  </p:clrMapOvr>
+</p:sld>
+</file>
+
+<file path=ppt/slides/slide16.xml><?xml version="1.0" encoding="utf-8"?>
+<p:sld xmlns:a="http://schemas.openxmlformats.org/drawingml/2006/main" xmlns:r="http://schemas.openxmlformats.org/officeDocument/2006/relationships" xmlns:p="http://schemas.openxmlformats.org/presentationml/2006/main">
+  <p:cSld>
+    <p:spTree>
+      <p:nvGrpSpPr>
+        <p:cNvPr id="1" name=""/>
+        <p:cNvGrpSpPr/>
+        <p:nvPr/>
+      </p:nvGrpSpPr>
+      <p:grpSpPr>
+        <a:xfrm>
+          <a:off x="0" y="0"/>
+          <a:ext cx="0" cy="0"/>
+          <a:chOff x="0" y="0"/>
+          <a:chExt cx="0" cy="0"/>
+        </a:xfrm>
+      </p:grpSpPr>
+      <p:sp>
+        <p:nvSpPr>
+          <p:cNvPr id="2" name="Titre 1">
+            <a:extLst>
+              <a:ext uri="{FF2B5EF4-FFF2-40B4-BE49-F238E27FC236}">
+                <a16:creationId xmlns:a16="http://schemas.microsoft.com/office/drawing/2014/main" id="{FAA161D5-927A-49ED-83AF-6D12A66FF712}"/>
+              </a:ext>
+            </a:extLst>
+          </p:cNvPr>
+          <p:cNvSpPr>
+            <a:spLocks noGrp="1"/>
+          </p:cNvSpPr>
+          <p:nvPr>
+            <p:ph type="title"/>
+          </p:nvPr>
+        </p:nvSpPr>
+        <p:spPr/>
+        <p:txBody>
+          <a:bodyPr/>
+          <a:lstStyle/>
+          <a:p>
+            <a:pPr>
+              <a:defRPr/>
+            </a:pPr>
+            <a:r>
+              <a:rPr lang="fr-FR" sz="2800" dirty="0"/>
+              <a:t>Enquête CGE / Résumé</a:t>
+            </a:r>
+          </a:p>
+        </p:txBody>
+      </p:sp>
+      <p:sp>
+        <p:nvSpPr>
+          <p:cNvPr id="6147" name="Espace réservé du contenu 2">
+            <a:extLst>
+              <a:ext uri="{FF2B5EF4-FFF2-40B4-BE49-F238E27FC236}">
+                <a16:creationId xmlns:a16="http://schemas.microsoft.com/office/drawing/2014/main" id="{458254A6-099B-4E75-907C-19CA1B94B253}"/>
+              </a:ext>
+            </a:extLst>
+          </p:cNvPr>
+          <p:cNvSpPr>
+            <a:spLocks noGrp="1" noChangeArrowheads="1"/>
+          </p:cNvSpPr>
+          <p:nvPr>
+            <p:ph idx="1"/>
+          </p:nvPr>
+        </p:nvSpPr>
+        <p:spPr>
+          <a:xfrm>
+            <a:off x="447675" y="1600200"/>
+            <a:ext cx="8229600" cy="430779"/>
+          </a:xfrm>
+        </p:spPr>
+        <p:txBody>
+          <a:bodyPr/>
+          <a:lstStyle/>
+          <a:p>
+            <a:r>
+              <a:rPr lang="fr-FR" altLang="fr-FR" sz="2000" b="1" dirty="0">
+                <a:solidFill>
+                  <a:srgbClr val="FF960A"/>
+                </a:solidFill>
+                <a:ea typeface="ＭＳ Ｐゴシック" panose="020B0600070205080204" pitchFamily="34" charset="-128"/>
+              </a:rPr>
+              <a:t>Evolution des salaires moyens / Cumul + Sites</a:t>
+            </a:r>
+          </a:p>
+          <a:p>
+            <a:pPr marL="0" indent="0">
+              <a:buNone/>
+            </a:pPr>
+            <a:endParaRPr lang="fr-FR" altLang="fr-FR" sz="2000" b="1" dirty="0">
+              <a:solidFill>
+                <a:srgbClr val="FF960A"/>
+              </a:solidFill>
+              <a:ea typeface="ＭＳ Ｐゴシック" panose="020B0600070205080204" pitchFamily="34" charset="-128"/>
+            </a:endParaRPr>
+          </a:p>
+          <a:p>
+            <a:pPr marL="0" indent="0">
+              <a:buNone/>
+            </a:pPr>
+            <a:endParaRPr lang="fr-FR" altLang="fr-FR" sz="2000" b="1" dirty="0">
+              <a:solidFill>
+                <a:srgbClr val="FF960A"/>
+              </a:solidFill>
+              <a:ea typeface="ＭＳ Ｐゴシック" panose="020B0600070205080204" pitchFamily="34" charset="-128"/>
+            </a:endParaRPr>
+          </a:p>
+        </p:txBody>
+      </p:sp>
+      <p:pic>
+        <p:nvPicPr>
+          <p:cNvPr id="6148" name="Picture 2" descr="upright=Article à illustrer Organisation">
+            <a:extLst>
+              <a:ext uri="{FF2B5EF4-FFF2-40B4-BE49-F238E27FC236}">
+                <a16:creationId xmlns:a16="http://schemas.microsoft.com/office/drawing/2014/main" id="{105BE698-E40C-4415-A9DF-F8680D1DF607}"/>
+              </a:ext>
+            </a:extLst>
+          </p:cNvPr>
+          <p:cNvPicPr>
+            <a:picLocks noChangeAspect="1" noChangeArrowheads="1"/>
+          </p:cNvPicPr>
+          <p:nvPr/>
+        </p:nvPicPr>
+        <p:blipFill>
+          <a:blip r:embed="rId3">
+            <a:extLst>
+              <a:ext uri="{28A0092B-C50C-407E-A947-70E740481C1C}">
+                <a14:useLocalDpi xmlns:a14="http://schemas.microsoft.com/office/drawing/2010/main" val="0"/>
+              </a:ext>
+            </a:extLst>
+          </a:blip>
+          <a:srcRect/>
+          <a:stretch>
+            <a:fillRect/>
+          </a:stretch>
+        </p:blipFill>
+        <p:spPr bwMode="auto">
+          <a:xfrm>
+            <a:off x="7766050" y="892175"/>
+            <a:ext cx="1157288" cy="384175"/>
+          </a:xfrm>
+          <a:prstGeom prst="rect">
+            <a:avLst/>
+          </a:prstGeom>
+          <a:noFill/>
+          <a:ln>
+            <a:noFill/>
+          </a:ln>
+          <a:extLst>
+            <a:ext uri="{909E8E84-426E-40DD-AFC4-6F175D3DCCD1}">
+              <a14:hiddenFill xmlns:a14="http://schemas.microsoft.com/office/drawing/2010/main">
+                <a:solidFill>
+                  <a:srgbClr val="FFFFFF"/>
+                </a:solidFill>
+              </a14:hiddenFill>
+            </a:ext>
+            <a:ext uri="{91240B29-F687-4F45-9708-019B960494DF}">
+              <a14:hiddenLine xmlns:a14="http://schemas.microsoft.com/office/drawing/2010/main" w="9525">
+                <a:solidFill>
+                  <a:srgbClr val="000000"/>
+                </a:solidFill>
+                <a:miter lim="800000"/>
+                <a:headEnd/>
+                <a:tailEnd/>
+              </a14:hiddenLine>
+            </a:ext>
+          </a:extLst>
+        </p:spPr>
+      </p:pic>
+      <p:sp>
+        <p:nvSpPr>
+          <p:cNvPr id="4" name="ZoneTexte 3">
+            <a:extLst>
+              <a:ext uri="{FF2B5EF4-FFF2-40B4-BE49-F238E27FC236}">
+                <a16:creationId xmlns:a16="http://schemas.microsoft.com/office/drawing/2014/main" id="{70C115E2-0EF3-EAB5-6D5D-EE56221B0DB6}"/>
+              </a:ext>
+            </a:extLst>
+          </p:cNvPr>
+          <p:cNvSpPr txBox="1"/>
+          <p:nvPr/>
+        </p:nvSpPr>
+        <p:spPr>
+          <a:xfrm rot="16200000">
+            <a:off x="-2330100" y="3437334"/>
+            <a:ext cx="4998749" cy="338554"/>
+          </a:xfrm>
+          <a:prstGeom prst="rect">
+            <a:avLst/>
+          </a:prstGeom>
+          <a:solidFill>
+            <a:srgbClr val="EF553B"/>
+          </a:solidFill>
+        </p:spPr>
+        <p:txBody>
+          <a:bodyPr wrap="square" rtlCol="0">
+            <a:spAutoFit/>
+          </a:bodyPr>
+          <a:lstStyle/>
+          <a:p>
+            <a:r>
+              <a:rPr lang="fr-FR" dirty="0">
+                <a:solidFill>
+                  <a:schemeClr val="bg1"/>
+                </a:solidFill>
+              </a:rPr>
+              <a:t>Enquête CGE / Cumul</a:t>
+            </a:r>
+          </a:p>
+        </p:txBody>
+      </p:sp>
+      <p:pic>
+        <p:nvPicPr>
+          <p:cNvPr id="10" name="Image 9" descr="Une image contenant texte, capture d’écran, Tracé, ligne&#10;&#10;Description générée automatiquement">
+            <a:extLst>
+              <a:ext uri="{FF2B5EF4-FFF2-40B4-BE49-F238E27FC236}">
+                <a16:creationId xmlns:a16="http://schemas.microsoft.com/office/drawing/2014/main" id="{1036B3DB-A283-FD5D-ACC1-64B77CD38684}"/>
+              </a:ext>
+            </a:extLst>
+          </p:cNvPr>
+          <p:cNvPicPr>
+            <a:picLocks noChangeAspect="1"/>
+          </p:cNvPicPr>
+          <p:nvPr/>
+        </p:nvPicPr>
+        <p:blipFill>
+          <a:blip r:embed="rId4">
+            <a:extLst>
+              <a:ext uri="{28A0092B-C50C-407E-A947-70E740481C1C}">
+                <a14:useLocalDpi xmlns:a14="http://schemas.microsoft.com/office/drawing/2010/main" val="0"/>
+              </a:ext>
+            </a:extLst>
+          </a:blip>
+          <a:stretch>
+            <a:fillRect/>
+          </a:stretch>
+        </p:blipFill>
+        <p:spPr>
+          <a:xfrm>
+            <a:off x="1526255" y="2354829"/>
+            <a:ext cx="5608740" cy="3369315"/>
+          </a:xfrm>
+          <a:prstGeom prst="rect">
+            <a:avLst/>
+          </a:prstGeom>
+        </p:spPr>
+      </p:pic>
+    </p:spTree>
+    <p:extLst>
+      <p:ext uri="{BB962C8B-B14F-4D97-AF65-F5344CB8AC3E}">
+        <p14:creationId xmlns:p14="http://schemas.microsoft.com/office/powerpoint/2010/main" val="3054062822"/>
+      </p:ext>
+    </p:extLst>
+  </p:cSld>
+  <p:clrMapOvr>
+    <a:masterClrMapping/>
+  </p:clrMapOvr>
+</p:sld>
+</file>
+
+<file path=ppt/slides/slide17.xml><?xml version="1.0" encoding="utf-8"?>
+<p:sld xmlns:a="http://schemas.openxmlformats.org/drawingml/2006/main" xmlns:r="http://schemas.openxmlformats.org/officeDocument/2006/relationships" xmlns:p="http://schemas.openxmlformats.org/presentationml/2006/main">
+  <p:cSld>
+    <p:spTree>
+      <p:nvGrpSpPr>
+        <p:cNvPr id="1" name=""/>
+        <p:cNvGrpSpPr/>
+        <p:nvPr/>
+      </p:nvGrpSpPr>
+      <p:grpSpPr>
+        <a:xfrm>
+          <a:off x="0" y="0"/>
+          <a:ext cx="0" cy="0"/>
+          <a:chOff x="0" y="0"/>
+          <a:chExt cx="0" cy="0"/>
+        </a:xfrm>
+      </p:grpSpPr>
+      <p:sp>
+        <p:nvSpPr>
+          <p:cNvPr id="2" name="Titre 1">
+            <a:extLst>
+              <a:ext uri="{FF2B5EF4-FFF2-40B4-BE49-F238E27FC236}">
+                <a16:creationId xmlns:a16="http://schemas.microsoft.com/office/drawing/2014/main" id="{FAA161D5-927A-49ED-83AF-6D12A66FF712}"/>
+              </a:ext>
+            </a:extLst>
+          </p:cNvPr>
+          <p:cNvSpPr>
+            <a:spLocks noGrp="1"/>
+          </p:cNvSpPr>
+          <p:nvPr>
+            <p:ph type="title"/>
+          </p:nvPr>
+        </p:nvSpPr>
+        <p:spPr/>
+        <p:txBody>
+          <a:bodyPr/>
+          <a:lstStyle/>
+          <a:p>
+            <a:pPr>
+              <a:defRPr/>
+            </a:pPr>
+            <a:r>
+              <a:rPr lang="fr-FR" sz="2800" dirty="0"/>
+              <a:t>Enquête CGE / Résumé</a:t>
+            </a:r>
+          </a:p>
+        </p:txBody>
+      </p:sp>
+      <p:sp>
+        <p:nvSpPr>
+          <p:cNvPr id="6147" name="Espace réservé du contenu 2">
+            <a:extLst>
+              <a:ext uri="{FF2B5EF4-FFF2-40B4-BE49-F238E27FC236}">
+                <a16:creationId xmlns:a16="http://schemas.microsoft.com/office/drawing/2014/main" id="{458254A6-099B-4E75-907C-19CA1B94B253}"/>
+              </a:ext>
+            </a:extLst>
+          </p:cNvPr>
+          <p:cNvSpPr>
+            <a:spLocks noGrp="1" noChangeArrowheads="1"/>
+          </p:cNvSpPr>
+          <p:nvPr>
+            <p:ph idx="1"/>
+          </p:nvPr>
+        </p:nvSpPr>
+        <p:spPr>
+          <a:xfrm>
+            <a:off x="447675" y="1600200"/>
+            <a:ext cx="8229600" cy="430779"/>
+          </a:xfrm>
+        </p:spPr>
+        <p:txBody>
+          <a:bodyPr/>
+          <a:lstStyle/>
+          <a:p>
+            <a:r>
+              <a:rPr lang="fr-FR" altLang="fr-FR" sz="2000" b="1" dirty="0">
+                <a:solidFill>
+                  <a:srgbClr val="FF960A"/>
+                </a:solidFill>
+                <a:ea typeface="ＭＳ Ｐゴシック" panose="020B0600070205080204" pitchFamily="34" charset="-128"/>
+              </a:rPr>
+              <a:t>Evolution du taux net d’emploi</a:t>
+            </a:r>
+          </a:p>
+        </p:txBody>
+      </p:sp>
+      <p:pic>
+        <p:nvPicPr>
+          <p:cNvPr id="6148" name="Picture 2" descr="upright=Article à illustrer Organisation">
+            <a:extLst>
+              <a:ext uri="{FF2B5EF4-FFF2-40B4-BE49-F238E27FC236}">
+                <a16:creationId xmlns:a16="http://schemas.microsoft.com/office/drawing/2014/main" id="{105BE698-E40C-4415-A9DF-F8680D1DF607}"/>
+              </a:ext>
+            </a:extLst>
+          </p:cNvPr>
+          <p:cNvPicPr>
+            <a:picLocks noChangeAspect="1" noChangeArrowheads="1"/>
+          </p:cNvPicPr>
+          <p:nvPr/>
+        </p:nvPicPr>
+        <p:blipFill>
+          <a:blip r:embed="rId3">
+            <a:extLst>
+              <a:ext uri="{28A0092B-C50C-407E-A947-70E740481C1C}">
+                <a14:useLocalDpi xmlns:a14="http://schemas.microsoft.com/office/drawing/2010/main" val="0"/>
+              </a:ext>
+            </a:extLst>
+          </a:blip>
+          <a:srcRect/>
+          <a:stretch>
+            <a:fillRect/>
+          </a:stretch>
+        </p:blipFill>
+        <p:spPr bwMode="auto">
+          <a:xfrm>
+            <a:off x="7766050" y="892175"/>
+            <a:ext cx="1157288" cy="384175"/>
+          </a:xfrm>
+          <a:prstGeom prst="rect">
+            <a:avLst/>
+          </a:prstGeom>
+          <a:noFill/>
+          <a:ln>
+            <a:noFill/>
+          </a:ln>
+          <a:extLst>
+            <a:ext uri="{909E8E84-426E-40DD-AFC4-6F175D3DCCD1}">
+              <a14:hiddenFill xmlns:a14="http://schemas.microsoft.com/office/drawing/2010/main">
+                <a:solidFill>
+                  <a:srgbClr val="FFFFFF"/>
+                </a:solidFill>
+              </a14:hiddenFill>
+            </a:ext>
+            <a:ext uri="{91240B29-F687-4F45-9708-019B960494DF}">
+              <a14:hiddenLine xmlns:a14="http://schemas.microsoft.com/office/drawing/2010/main" w="9525">
+                <a:solidFill>
+                  <a:srgbClr val="000000"/>
+                </a:solidFill>
+                <a:miter lim="800000"/>
+                <a:headEnd/>
+                <a:tailEnd/>
+              </a14:hiddenLine>
+            </a:ext>
+          </a:extLst>
+        </p:spPr>
+      </p:pic>
+      <p:sp>
+        <p:nvSpPr>
           <p:cNvPr id="3" name="ZoneTexte 2">
             <a:extLst>
               <a:ext uri="{FF2B5EF4-FFF2-40B4-BE49-F238E27FC236}">
@@ -8648,10 +9504,10 @@
       </p:sp>
       <p:pic>
         <p:nvPicPr>
-          <p:cNvPr id="6" name="Image 5" descr="Une image contenant capture d’écran, texte, ligne, Tracé&#10;&#10;Description générée automatiquement">
+          <p:cNvPr id="8" name="Image 7" descr="Une image contenant texte, capture d’écran, Tracé, ligne&#10;&#10;Description générée automatiquement">
             <a:extLst>
               <a:ext uri="{FF2B5EF4-FFF2-40B4-BE49-F238E27FC236}">
-                <a16:creationId xmlns:a16="http://schemas.microsoft.com/office/drawing/2014/main" id="{AB3CDC63-D0AA-0D7D-518A-429007A16A0A}"/>
+                <a16:creationId xmlns:a16="http://schemas.microsoft.com/office/drawing/2014/main" id="{BBF2A194-145A-23D0-3C60-F195FD3B39C0}"/>
               </a:ext>
             </a:extLst>
           </p:cNvPr>
@@ -8674,8 +9530,44 @@
         </p:blipFill>
         <p:spPr>
           <a:xfrm>
-            <a:off x="1277641" y="2223003"/>
-            <a:ext cx="5162254" cy="3297414"/>
+            <a:off x="791349" y="2230841"/>
+            <a:ext cx="4580357" cy="2751539"/>
+          </a:xfrm>
+          <a:prstGeom prst="rect">
+            <a:avLst/>
+          </a:prstGeom>
+        </p:spPr>
+      </p:pic>
+      <p:pic>
+        <p:nvPicPr>
+          <p:cNvPr id="10" name="Image 9" descr="Une image contenant texte, capture d’écran, ligne, Tracé&#10;&#10;Description générée automatiquement">
+            <a:extLst>
+              <a:ext uri="{FF2B5EF4-FFF2-40B4-BE49-F238E27FC236}">
+                <a16:creationId xmlns:a16="http://schemas.microsoft.com/office/drawing/2014/main" id="{57177ACF-6D78-5A7E-E13C-3CAC05FD7AE2}"/>
+              </a:ext>
+            </a:extLst>
+          </p:cNvPr>
+          <p:cNvPicPr>
+            <a:picLocks noChangeAspect="1"/>
+          </p:cNvPicPr>
+          <p:nvPr/>
+        </p:nvPicPr>
+        <p:blipFill>
+          <a:blip r:embed="rId5">
+            <a:extLst>
+              <a:ext uri="{28A0092B-C50C-407E-A947-70E740481C1C}">
+                <a14:useLocalDpi xmlns:a14="http://schemas.microsoft.com/office/drawing/2010/main" val="0"/>
+              </a:ext>
+            </a:extLst>
+          </a:blip>
+          <a:stretch>
+            <a:fillRect/>
+          </a:stretch>
+        </p:blipFill>
+        <p:spPr>
+          <a:xfrm>
+            <a:off x="5166135" y="3624444"/>
+            <a:ext cx="3547491" cy="2131070"/>
           </a:xfrm>
           <a:prstGeom prst="rect">
             <a:avLst/>
@@ -8685,7 +9577,7 @@
     </p:spTree>
     <p:extLst>
       <p:ext uri="{BB962C8B-B14F-4D97-AF65-F5344CB8AC3E}">
-        <p14:creationId xmlns:p14="http://schemas.microsoft.com/office/powerpoint/2010/main" val="1444844019"/>
+        <p14:creationId xmlns:p14="http://schemas.microsoft.com/office/powerpoint/2010/main" val="3256007495"/>
       </p:ext>
     </p:extLst>
   </p:cSld>
@@ -8695,7 +9587,1233 @@
 </p:sld>
 </file>
 
-<file path=ppt/slides/slide16.xml><?xml version="1.0" encoding="utf-8"?>
+<file path=ppt/slides/slide18.xml><?xml version="1.0" encoding="utf-8"?>
+<p:sld xmlns:a="http://schemas.openxmlformats.org/drawingml/2006/main" xmlns:r="http://schemas.openxmlformats.org/officeDocument/2006/relationships" xmlns:p="http://schemas.openxmlformats.org/presentationml/2006/main">
+  <p:cSld>
+    <p:spTree>
+      <p:nvGrpSpPr>
+        <p:cNvPr id="1" name=""/>
+        <p:cNvGrpSpPr/>
+        <p:nvPr/>
+      </p:nvGrpSpPr>
+      <p:grpSpPr>
+        <a:xfrm>
+          <a:off x="0" y="0"/>
+          <a:ext cx="0" cy="0"/>
+          <a:chOff x="0" y="0"/>
+          <a:chExt cx="0" cy="0"/>
+        </a:xfrm>
+      </p:grpSpPr>
+      <p:sp>
+        <p:nvSpPr>
+          <p:cNvPr id="2" name="Titre 1">
+            <a:extLst>
+              <a:ext uri="{FF2B5EF4-FFF2-40B4-BE49-F238E27FC236}">
+                <a16:creationId xmlns:a16="http://schemas.microsoft.com/office/drawing/2014/main" id="{FAA161D5-927A-49ED-83AF-6D12A66FF712}"/>
+              </a:ext>
+            </a:extLst>
+          </p:cNvPr>
+          <p:cNvSpPr>
+            <a:spLocks noGrp="1"/>
+          </p:cNvSpPr>
+          <p:nvPr>
+            <p:ph type="title"/>
+          </p:nvPr>
+        </p:nvSpPr>
+        <p:spPr/>
+        <p:txBody>
+          <a:bodyPr/>
+          <a:lstStyle/>
+          <a:p>
+            <a:pPr>
+              <a:defRPr/>
+            </a:pPr>
+            <a:r>
+              <a:rPr lang="fr-FR" sz="2800" dirty="0"/>
+              <a:t>Enquête CGE / Résumé</a:t>
+            </a:r>
+          </a:p>
+        </p:txBody>
+      </p:sp>
+      <p:sp>
+        <p:nvSpPr>
+          <p:cNvPr id="6147" name="Espace réservé du contenu 2">
+            <a:extLst>
+              <a:ext uri="{FF2B5EF4-FFF2-40B4-BE49-F238E27FC236}">
+                <a16:creationId xmlns:a16="http://schemas.microsoft.com/office/drawing/2014/main" id="{458254A6-099B-4E75-907C-19CA1B94B253}"/>
+              </a:ext>
+            </a:extLst>
+          </p:cNvPr>
+          <p:cNvSpPr>
+            <a:spLocks noGrp="1" noChangeArrowheads="1"/>
+          </p:cNvSpPr>
+          <p:nvPr>
+            <p:ph idx="1"/>
+          </p:nvPr>
+        </p:nvSpPr>
+        <p:spPr>
+          <a:xfrm>
+            <a:off x="447675" y="1600200"/>
+            <a:ext cx="8229600" cy="430779"/>
+          </a:xfrm>
+        </p:spPr>
+        <p:txBody>
+          <a:bodyPr/>
+          <a:lstStyle/>
+          <a:p>
+            <a:r>
+              <a:rPr lang="fr-FR" altLang="fr-FR" sz="2000" b="1" dirty="0">
+                <a:solidFill>
+                  <a:srgbClr val="FF960A"/>
+                </a:solidFill>
+                <a:ea typeface="ＭＳ Ｐゴシック" panose="020B0600070205080204" pitchFamily="34" charset="-128"/>
+              </a:rPr>
+              <a:t>Evolution du taux net d’emploi / Cumul + Filières</a:t>
+            </a:r>
+          </a:p>
+        </p:txBody>
+      </p:sp>
+      <p:pic>
+        <p:nvPicPr>
+          <p:cNvPr id="6148" name="Picture 2" descr="upright=Article à illustrer Organisation">
+            <a:extLst>
+              <a:ext uri="{FF2B5EF4-FFF2-40B4-BE49-F238E27FC236}">
+                <a16:creationId xmlns:a16="http://schemas.microsoft.com/office/drawing/2014/main" id="{105BE698-E40C-4415-A9DF-F8680D1DF607}"/>
+              </a:ext>
+            </a:extLst>
+          </p:cNvPr>
+          <p:cNvPicPr>
+            <a:picLocks noChangeAspect="1" noChangeArrowheads="1"/>
+          </p:cNvPicPr>
+          <p:nvPr/>
+        </p:nvPicPr>
+        <p:blipFill>
+          <a:blip r:embed="rId3">
+            <a:extLst>
+              <a:ext uri="{28A0092B-C50C-407E-A947-70E740481C1C}">
+                <a14:useLocalDpi xmlns:a14="http://schemas.microsoft.com/office/drawing/2010/main" val="0"/>
+              </a:ext>
+            </a:extLst>
+          </a:blip>
+          <a:srcRect/>
+          <a:stretch>
+            <a:fillRect/>
+          </a:stretch>
+        </p:blipFill>
+        <p:spPr bwMode="auto">
+          <a:xfrm>
+            <a:off x="7766050" y="892175"/>
+            <a:ext cx="1157288" cy="384175"/>
+          </a:xfrm>
+          <a:prstGeom prst="rect">
+            <a:avLst/>
+          </a:prstGeom>
+          <a:noFill/>
+          <a:ln>
+            <a:noFill/>
+          </a:ln>
+          <a:extLst>
+            <a:ext uri="{909E8E84-426E-40DD-AFC4-6F175D3DCCD1}">
+              <a14:hiddenFill xmlns:a14="http://schemas.microsoft.com/office/drawing/2010/main">
+                <a:solidFill>
+                  <a:srgbClr val="FFFFFF"/>
+                </a:solidFill>
+              </a14:hiddenFill>
+            </a:ext>
+            <a:ext uri="{91240B29-F687-4F45-9708-019B960494DF}">
+              <a14:hiddenLine xmlns:a14="http://schemas.microsoft.com/office/drawing/2010/main" w="9525">
+                <a:solidFill>
+                  <a:srgbClr val="000000"/>
+                </a:solidFill>
+                <a:miter lim="800000"/>
+                <a:headEnd/>
+                <a:tailEnd/>
+              </a14:hiddenLine>
+            </a:ext>
+          </a:extLst>
+        </p:spPr>
+      </p:pic>
+      <p:sp>
+        <p:nvSpPr>
+          <p:cNvPr id="11" name="ZoneTexte 10">
+            <a:extLst>
+              <a:ext uri="{FF2B5EF4-FFF2-40B4-BE49-F238E27FC236}">
+                <a16:creationId xmlns:a16="http://schemas.microsoft.com/office/drawing/2014/main" id="{D86F9AF5-EA8F-CAD4-2FBE-51F87D18B116}"/>
+              </a:ext>
+            </a:extLst>
+          </p:cNvPr>
+          <p:cNvSpPr txBox="1"/>
+          <p:nvPr/>
+        </p:nvSpPr>
+        <p:spPr>
+          <a:xfrm rot="16200000">
+            <a:off x="-2330100" y="3437334"/>
+            <a:ext cx="4998749" cy="338554"/>
+          </a:xfrm>
+          <a:prstGeom prst="rect">
+            <a:avLst/>
+          </a:prstGeom>
+          <a:solidFill>
+            <a:srgbClr val="EF553B"/>
+          </a:solidFill>
+        </p:spPr>
+        <p:txBody>
+          <a:bodyPr wrap="square" rtlCol="0">
+            <a:spAutoFit/>
+          </a:bodyPr>
+          <a:lstStyle/>
+          <a:p>
+            <a:r>
+              <a:rPr lang="fr-FR" dirty="0">
+                <a:solidFill>
+                  <a:schemeClr val="bg1"/>
+                </a:solidFill>
+              </a:rPr>
+              <a:t>Enquête CGE / Cumul</a:t>
+            </a:r>
+          </a:p>
+        </p:txBody>
+      </p:sp>
+      <p:pic>
+        <p:nvPicPr>
+          <p:cNvPr id="13" name="Image 12" descr="Une image contenant texte, capture d’écran, Tracé, ligne&#10;&#10;Description générée automatiquement">
+            <a:extLst>
+              <a:ext uri="{FF2B5EF4-FFF2-40B4-BE49-F238E27FC236}">
+                <a16:creationId xmlns:a16="http://schemas.microsoft.com/office/drawing/2014/main" id="{A313F1A0-E6AE-EFDE-BA7C-D56AF1D23A8E}"/>
+              </a:ext>
+            </a:extLst>
+          </p:cNvPr>
+          <p:cNvPicPr>
+            <a:picLocks noChangeAspect="1"/>
+          </p:cNvPicPr>
+          <p:nvPr/>
+        </p:nvPicPr>
+        <p:blipFill>
+          <a:blip r:embed="rId4">
+            <a:extLst>
+              <a:ext uri="{28A0092B-C50C-407E-A947-70E740481C1C}">
+                <a14:useLocalDpi xmlns:a14="http://schemas.microsoft.com/office/drawing/2010/main" val="0"/>
+              </a:ext>
+            </a:extLst>
+          </a:blip>
+          <a:stretch>
+            <a:fillRect/>
+          </a:stretch>
+        </p:blipFill>
+        <p:spPr>
+          <a:xfrm>
+            <a:off x="1582076" y="2030979"/>
+            <a:ext cx="5198276" cy="3951355"/>
+          </a:xfrm>
+          <a:prstGeom prst="rect">
+            <a:avLst/>
+          </a:prstGeom>
+        </p:spPr>
+      </p:pic>
+    </p:spTree>
+    <p:extLst>
+      <p:ext uri="{BB962C8B-B14F-4D97-AF65-F5344CB8AC3E}">
+        <p14:creationId xmlns:p14="http://schemas.microsoft.com/office/powerpoint/2010/main" val="3322866965"/>
+      </p:ext>
+    </p:extLst>
+  </p:cSld>
+  <p:clrMapOvr>
+    <a:masterClrMapping/>
+  </p:clrMapOvr>
+</p:sld>
+</file>
+
+<file path=ppt/slides/slide19.xml><?xml version="1.0" encoding="utf-8"?>
+<p:sld xmlns:a="http://schemas.openxmlformats.org/drawingml/2006/main" xmlns:r="http://schemas.openxmlformats.org/officeDocument/2006/relationships" xmlns:p="http://schemas.openxmlformats.org/presentationml/2006/main">
+  <p:cSld>
+    <p:spTree>
+      <p:nvGrpSpPr>
+        <p:cNvPr id="1" name=""/>
+        <p:cNvGrpSpPr/>
+        <p:nvPr/>
+      </p:nvGrpSpPr>
+      <p:grpSpPr>
+        <a:xfrm>
+          <a:off x="0" y="0"/>
+          <a:ext cx="0" cy="0"/>
+          <a:chOff x="0" y="0"/>
+          <a:chExt cx="0" cy="0"/>
+        </a:xfrm>
+      </p:grpSpPr>
+      <p:sp>
+        <p:nvSpPr>
+          <p:cNvPr id="2" name="Titre 1">
+            <a:extLst>
+              <a:ext uri="{FF2B5EF4-FFF2-40B4-BE49-F238E27FC236}">
+                <a16:creationId xmlns:a16="http://schemas.microsoft.com/office/drawing/2014/main" id="{FAA161D5-927A-49ED-83AF-6D12A66FF712}"/>
+              </a:ext>
+            </a:extLst>
+          </p:cNvPr>
+          <p:cNvSpPr>
+            <a:spLocks noGrp="1"/>
+          </p:cNvSpPr>
+          <p:nvPr>
+            <p:ph type="title"/>
+          </p:nvPr>
+        </p:nvSpPr>
+        <p:spPr/>
+        <p:txBody>
+          <a:bodyPr/>
+          <a:lstStyle/>
+          <a:p>
+            <a:pPr>
+              <a:defRPr/>
+            </a:pPr>
+            <a:r>
+              <a:rPr lang="fr-FR" sz="2800" dirty="0"/>
+              <a:t>Enquête CGE / Résumé</a:t>
+            </a:r>
+          </a:p>
+        </p:txBody>
+      </p:sp>
+      <p:sp>
+        <p:nvSpPr>
+          <p:cNvPr id="6147" name="Espace réservé du contenu 2">
+            <a:extLst>
+              <a:ext uri="{FF2B5EF4-FFF2-40B4-BE49-F238E27FC236}">
+                <a16:creationId xmlns:a16="http://schemas.microsoft.com/office/drawing/2014/main" id="{458254A6-099B-4E75-907C-19CA1B94B253}"/>
+              </a:ext>
+            </a:extLst>
+          </p:cNvPr>
+          <p:cNvSpPr>
+            <a:spLocks noGrp="1" noChangeArrowheads="1"/>
+          </p:cNvSpPr>
+          <p:nvPr>
+            <p:ph idx="1"/>
+          </p:nvPr>
+        </p:nvSpPr>
+        <p:spPr>
+          <a:xfrm>
+            <a:off x="447675" y="1600200"/>
+            <a:ext cx="8229600" cy="430779"/>
+          </a:xfrm>
+        </p:spPr>
+        <p:txBody>
+          <a:bodyPr/>
+          <a:lstStyle/>
+          <a:p>
+            <a:r>
+              <a:rPr lang="fr-FR" altLang="fr-FR" sz="2000" b="1" dirty="0">
+                <a:solidFill>
+                  <a:srgbClr val="FF960A"/>
+                </a:solidFill>
+                <a:ea typeface="ＭＳ Ｐゴシック" panose="020B0600070205080204" pitchFamily="34" charset="-128"/>
+              </a:rPr>
+              <a:t>Evolution du taux net d’emploi / Cumul + Sites</a:t>
+            </a:r>
+          </a:p>
+        </p:txBody>
+      </p:sp>
+      <p:pic>
+        <p:nvPicPr>
+          <p:cNvPr id="6148" name="Picture 2" descr="upright=Article à illustrer Organisation">
+            <a:extLst>
+              <a:ext uri="{FF2B5EF4-FFF2-40B4-BE49-F238E27FC236}">
+                <a16:creationId xmlns:a16="http://schemas.microsoft.com/office/drawing/2014/main" id="{105BE698-E40C-4415-A9DF-F8680D1DF607}"/>
+              </a:ext>
+            </a:extLst>
+          </p:cNvPr>
+          <p:cNvPicPr>
+            <a:picLocks noChangeAspect="1" noChangeArrowheads="1"/>
+          </p:cNvPicPr>
+          <p:nvPr/>
+        </p:nvPicPr>
+        <p:blipFill>
+          <a:blip r:embed="rId3">
+            <a:extLst>
+              <a:ext uri="{28A0092B-C50C-407E-A947-70E740481C1C}">
+                <a14:useLocalDpi xmlns:a14="http://schemas.microsoft.com/office/drawing/2010/main" val="0"/>
+              </a:ext>
+            </a:extLst>
+          </a:blip>
+          <a:srcRect/>
+          <a:stretch>
+            <a:fillRect/>
+          </a:stretch>
+        </p:blipFill>
+        <p:spPr bwMode="auto">
+          <a:xfrm>
+            <a:off x="7766050" y="892175"/>
+            <a:ext cx="1157288" cy="384175"/>
+          </a:xfrm>
+          <a:prstGeom prst="rect">
+            <a:avLst/>
+          </a:prstGeom>
+          <a:noFill/>
+          <a:ln>
+            <a:noFill/>
+          </a:ln>
+          <a:extLst>
+            <a:ext uri="{909E8E84-426E-40DD-AFC4-6F175D3DCCD1}">
+              <a14:hiddenFill xmlns:a14="http://schemas.microsoft.com/office/drawing/2010/main">
+                <a:solidFill>
+                  <a:srgbClr val="FFFFFF"/>
+                </a:solidFill>
+              </a14:hiddenFill>
+            </a:ext>
+            <a:ext uri="{91240B29-F687-4F45-9708-019B960494DF}">
+              <a14:hiddenLine xmlns:a14="http://schemas.microsoft.com/office/drawing/2010/main" w="9525">
+                <a:solidFill>
+                  <a:srgbClr val="000000"/>
+                </a:solidFill>
+                <a:miter lim="800000"/>
+                <a:headEnd/>
+                <a:tailEnd/>
+              </a14:hiddenLine>
+            </a:ext>
+          </a:extLst>
+        </p:spPr>
+      </p:pic>
+      <p:sp>
+        <p:nvSpPr>
+          <p:cNvPr id="11" name="ZoneTexte 10">
+            <a:extLst>
+              <a:ext uri="{FF2B5EF4-FFF2-40B4-BE49-F238E27FC236}">
+                <a16:creationId xmlns:a16="http://schemas.microsoft.com/office/drawing/2014/main" id="{D86F9AF5-EA8F-CAD4-2FBE-51F87D18B116}"/>
+              </a:ext>
+            </a:extLst>
+          </p:cNvPr>
+          <p:cNvSpPr txBox="1"/>
+          <p:nvPr/>
+        </p:nvSpPr>
+        <p:spPr>
+          <a:xfrm rot="16200000">
+            <a:off x="-2330100" y="3437334"/>
+            <a:ext cx="4998749" cy="338554"/>
+          </a:xfrm>
+          <a:prstGeom prst="rect">
+            <a:avLst/>
+          </a:prstGeom>
+          <a:solidFill>
+            <a:srgbClr val="EF553B"/>
+          </a:solidFill>
+        </p:spPr>
+        <p:txBody>
+          <a:bodyPr wrap="square" rtlCol="0">
+            <a:spAutoFit/>
+          </a:bodyPr>
+          <a:lstStyle/>
+          <a:p>
+            <a:r>
+              <a:rPr lang="fr-FR" dirty="0">
+                <a:solidFill>
+                  <a:schemeClr val="bg1"/>
+                </a:solidFill>
+              </a:rPr>
+              <a:t>Enquête CGE / Cumul</a:t>
+            </a:r>
+          </a:p>
+        </p:txBody>
+      </p:sp>
+      <p:pic>
+        <p:nvPicPr>
+          <p:cNvPr id="4" name="Image 3" descr="Une image contenant texte, capture d’écran, Tracé, ligne&#10;&#10;Description générée automatiquement">
+            <a:extLst>
+              <a:ext uri="{FF2B5EF4-FFF2-40B4-BE49-F238E27FC236}">
+                <a16:creationId xmlns:a16="http://schemas.microsoft.com/office/drawing/2014/main" id="{6C433406-E59A-DA4E-8E4D-837EC2A5D579}"/>
+              </a:ext>
+            </a:extLst>
+          </p:cNvPr>
+          <p:cNvPicPr>
+            <a:picLocks noChangeAspect="1"/>
+          </p:cNvPicPr>
+          <p:nvPr/>
+        </p:nvPicPr>
+        <p:blipFill>
+          <a:blip r:embed="rId4">
+            <a:extLst>
+              <a:ext uri="{28A0092B-C50C-407E-A947-70E740481C1C}">
+                <a14:useLocalDpi xmlns:a14="http://schemas.microsoft.com/office/drawing/2010/main" val="0"/>
+              </a:ext>
+            </a:extLst>
+          </a:blip>
+          <a:stretch>
+            <a:fillRect/>
+          </a:stretch>
+        </p:blipFill>
+        <p:spPr>
+          <a:xfrm>
+            <a:off x="1582309" y="2030979"/>
+            <a:ext cx="5209360" cy="3948584"/>
+          </a:xfrm>
+          <a:prstGeom prst="rect">
+            <a:avLst/>
+          </a:prstGeom>
+        </p:spPr>
+      </p:pic>
+    </p:spTree>
+    <p:extLst>
+      <p:ext uri="{BB962C8B-B14F-4D97-AF65-F5344CB8AC3E}">
+        <p14:creationId xmlns:p14="http://schemas.microsoft.com/office/powerpoint/2010/main" val="1807710970"/>
+      </p:ext>
+    </p:extLst>
+  </p:cSld>
+  <p:clrMapOvr>
+    <a:masterClrMapping/>
+  </p:clrMapOvr>
+</p:sld>
+</file>
+
+<file path=ppt/slides/slide2.xml><?xml version="1.0" encoding="utf-8"?>
+<p:sld xmlns:a="http://schemas.openxmlformats.org/drawingml/2006/main" xmlns:r="http://schemas.openxmlformats.org/officeDocument/2006/relationships" xmlns:p="http://schemas.openxmlformats.org/presentationml/2006/main">
+  <p:cSld>
+    <p:spTree>
+      <p:nvGrpSpPr>
+        <p:cNvPr id="1" name=""/>
+        <p:cNvGrpSpPr/>
+        <p:nvPr/>
+      </p:nvGrpSpPr>
+      <p:grpSpPr>
+        <a:xfrm>
+          <a:off x="0" y="0"/>
+          <a:ext cx="0" cy="0"/>
+          <a:chOff x="0" y="0"/>
+          <a:chExt cx="0" cy="0"/>
+        </a:xfrm>
+      </p:grpSpPr>
+      <p:sp>
+        <p:nvSpPr>
+          <p:cNvPr id="2" name="Titre 1">
+            <a:extLst>
+              <a:ext uri="{FF2B5EF4-FFF2-40B4-BE49-F238E27FC236}">
+                <a16:creationId xmlns:a16="http://schemas.microsoft.com/office/drawing/2014/main" id="{FAA161D5-927A-49ED-83AF-6D12A66FF712}"/>
+              </a:ext>
+            </a:extLst>
+          </p:cNvPr>
+          <p:cNvSpPr>
+            <a:spLocks noGrp="1"/>
+          </p:cNvSpPr>
+          <p:nvPr>
+            <p:ph type="title"/>
+          </p:nvPr>
+        </p:nvSpPr>
+        <p:spPr/>
+        <p:txBody>
+          <a:bodyPr/>
+          <a:lstStyle/>
+          <a:p>
+            <a:pPr>
+              <a:defRPr/>
+            </a:pPr>
+            <a:r>
+              <a:rPr lang="fr-FR" sz="2800" dirty="0"/>
+              <a:t>Enquête CGE / C’est quoi donc ?</a:t>
+            </a:r>
+          </a:p>
+        </p:txBody>
+      </p:sp>
+      <p:sp>
+        <p:nvSpPr>
+          <p:cNvPr id="6147" name="Espace réservé du contenu 2">
+            <a:extLst>
+              <a:ext uri="{FF2B5EF4-FFF2-40B4-BE49-F238E27FC236}">
+                <a16:creationId xmlns:a16="http://schemas.microsoft.com/office/drawing/2014/main" id="{458254A6-099B-4E75-907C-19CA1B94B253}"/>
+              </a:ext>
+            </a:extLst>
+          </p:cNvPr>
+          <p:cNvSpPr>
+            <a:spLocks noGrp="1" noChangeArrowheads="1"/>
+          </p:cNvSpPr>
+          <p:nvPr>
+            <p:ph idx="1"/>
+          </p:nvPr>
+        </p:nvSpPr>
+        <p:spPr>
+          <a:xfrm>
+            <a:off x="447675" y="1600200"/>
+            <a:ext cx="8229600" cy="430779"/>
+          </a:xfrm>
+        </p:spPr>
+        <p:txBody>
+          <a:bodyPr/>
+          <a:lstStyle/>
+          <a:p>
+            <a:r>
+              <a:rPr lang="fr-FR" altLang="fr-FR" sz="2000" b="1" dirty="0">
+                <a:solidFill>
+                  <a:srgbClr val="FF960A"/>
+                </a:solidFill>
+                <a:ea typeface="ＭＳ Ｐゴシック" panose="020B0600070205080204" pitchFamily="34" charset="-128"/>
+              </a:rPr>
+              <a:t>Objectif</a:t>
+            </a:r>
+          </a:p>
+        </p:txBody>
+      </p:sp>
+      <p:pic>
+        <p:nvPicPr>
+          <p:cNvPr id="6148" name="Picture 2" descr="upright=Article à illustrer Organisation">
+            <a:extLst>
+              <a:ext uri="{FF2B5EF4-FFF2-40B4-BE49-F238E27FC236}">
+                <a16:creationId xmlns:a16="http://schemas.microsoft.com/office/drawing/2014/main" id="{105BE698-E40C-4415-A9DF-F8680D1DF607}"/>
+              </a:ext>
+            </a:extLst>
+          </p:cNvPr>
+          <p:cNvPicPr>
+            <a:picLocks noChangeAspect="1" noChangeArrowheads="1"/>
+          </p:cNvPicPr>
+          <p:nvPr/>
+        </p:nvPicPr>
+        <p:blipFill>
+          <a:blip r:embed="rId2">
+            <a:extLst>
+              <a:ext uri="{28A0092B-C50C-407E-A947-70E740481C1C}">
+                <a14:useLocalDpi xmlns:a14="http://schemas.microsoft.com/office/drawing/2010/main" val="0"/>
+              </a:ext>
+            </a:extLst>
+          </a:blip>
+          <a:srcRect/>
+          <a:stretch>
+            <a:fillRect/>
+          </a:stretch>
+        </p:blipFill>
+        <p:spPr bwMode="auto">
+          <a:xfrm>
+            <a:off x="7766050" y="892175"/>
+            <a:ext cx="1157288" cy="384175"/>
+          </a:xfrm>
+          <a:prstGeom prst="rect">
+            <a:avLst/>
+          </a:prstGeom>
+          <a:noFill/>
+          <a:ln>
+            <a:noFill/>
+          </a:ln>
+          <a:extLst>
+            <a:ext uri="{909E8E84-426E-40DD-AFC4-6F175D3DCCD1}">
+              <a14:hiddenFill xmlns:a14="http://schemas.microsoft.com/office/drawing/2010/main">
+                <a:solidFill>
+                  <a:srgbClr val="FFFFFF"/>
+                </a:solidFill>
+              </a14:hiddenFill>
+            </a:ext>
+            <a:ext uri="{91240B29-F687-4F45-9708-019B960494DF}">
+              <a14:hiddenLine xmlns:a14="http://schemas.microsoft.com/office/drawing/2010/main" w="9525">
+                <a:solidFill>
+                  <a:srgbClr val="000000"/>
+                </a:solidFill>
+                <a:miter lim="800000"/>
+                <a:headEnd/>
+                <a:tailEnd/>
+              </a14:hiddenLine>
+            </a:ext>
+          </a:extLst>
+        </p:spPr>
+      </p:pic>
+      <p:sp>
+        <p:nvSpPr>
+          <p:cNvPr id="3" name="Rectangle 2">
+            <a:extLst>
+              <a:ext uri="{FF2B5EF4-FFF2-40B4-BE49-F238E27FC236}">
+                <a16:creationId xmlns:a16="http://schemas.microsoft.com/office/drawing/2014/main" id="{8825F985-355D-46E4-B1CF-9A26690CF926}"/>
+              </a:ext>
+            </a:extLst>
+          </p:cNvPr>
+          <p:cNvSpPr/>
+          <p:nvPr/>
+        </p:nvSpPr>
+        <p:spPr>
+          <a:xfrm>
+            <a:off x="574372" y="2017341"/>
+            <a:ext cx="7986066" cy="584775"/>
+          </a:xfrm>
+          <a:prstGeom prst="rect">
+            <a:avLst/>
+          </a:prstGeom>
+        </p:spPr>
+        <p:txBody>
+          <a:bodyPr wrap="square">
+            <a:spAutoFit/>
+          </a:bodyPr>
+          <a:lstStyle/>
+          <a:p>
+            <a:r>
+              <a:rPr lang="fr-FR" dirty="0">
+                <a:solidFill>
+                  <a:srgbClr val="333333"/>
+                </a:solidFill>
+                <a:latin typeface="Calibri" panose="020F0502020204030204" pitchFamily="34" charset="0"/>
+              </a:rPr>
+              <a:t>Enquêtes s’intéressant à la </a:t>
+            </a:r>
+            <a:r>
+              <a:rPr lang="fr-FR" b="1" dirty="0">
+                <a:solidFill>
+                  <a:srgbClr val="333333"/>
+                </a:solidFill>
+                <a:latin typeface="Calibri" panose="020F0502020204030204" pitchFamily="34" charset="0"/>
+              </a:rPr>
+              <a:t>valorisation sur le marché du travail</a:t>
+            </a:r>
+            <a:r>
+              <a:rPr lang="fr-FR" dirty="0">
+                <a:solidFill>
+                  <a:srgbClr val="333333"/>
+                </a:solidFill>
+                <a:latin typeface="Calibri" panose="020F0502020204030204" pitchFamily="34" charset="0"/>
+              </a:rPr>
+              <a:t> des formations dispensées dans les Grandes Écoles françaises au travers de l’</a:t>
+            </a:r>
+            <a:r>
+              <a:rPr lang="fr-FR" b="1" dirty="0">
+                <a:solidFill>
+                  <a:srgbClr val="333333"/>
+                </a:solidFill>
+                <a:latin typeface="Calibri" panose="020F0502020204030204" pitchFamily="34" charset="0"/>
+              </a:rPr>
+              <a:t>insertion des diplômé.es</a:t>
+            </a:r>
+            <a:endParaRPr lang="fr-FR" dirty="0">
+              <a:solidFill>
+                <a:srgbClr val="333333"/>
+              </a:solidFill>
+              <a:latin typeface="Lucida Sans" panose="020B0602030504020204" pitchFamily="34" charset="0"/>
+            </a:endParaRPr>
+          </a:p>
+        </p:txBody>
+      </p:sp>
+      <p:sp>
+        <p:nvSpPr>
+          <p:cNvPr id="4" name="Rectangle 3">
+            <a:extLst>
+              <a:ext uri="{FF2B5EF4-FFF2-40B4-BE49-F238E27FC236}">
+                <a16:creationId xmlns:a16="http://schemas.microsoft.com/office/drawing/2014/main" id="{698AC0B1-5D01-4A7E-9126-56E9414F5169}"/>
+              </a:ext>
+            </a:extLst>
+          </p:cNvPr>
+          <p:cNvSpPr/>
+          <p:nvPr/>
+        </p:nvSpPr>
+        <p:spPr>
+          <a:xfrm>
+            <a:off x="574372" y="3279093"/>
+            <a:ext cx="7627658" cy="2308324"/>
+          </a:xfrm>
+          <a:prstGeom prst="rect">
+            <a:avLst/>
+          </a:prstGeom>
+        </p:spPr>
+        <p:txBody>
+          <a:bodyPr wrap="square">
+            <a:spAutoFit/>
+          </a:bodyPr>
+          <a:lstStyle/>
+          <a:p>
+            <a:r>
+              <a:rPr lang="fr-FR" dirty="0">
+                <a:solidFill>
+                  <a:srgbClr val="333333"/>
+                </a:solidFill>
+                <a:latin typeface="Calibri" panose="020F0502020204030204" pitchFamily="34" charset="0"/>
+              </a:rPr>
+              <a:t>Réalisée au 1</a:t>
+            </a:r>
+            <a:r>
+              <a:rPr lang="fr-FR" baseline="30000" dirty="0">
+                <a:solidFill>
+                  <a:srgbClr val="333333"/>
+                </a:solidFill>
+                <a:latin typeface="Calibri" panose="020F0502020204030204" pitchFamily="34" charset="0"/>
+              </a:rPr>
+              <a:t>er </a:t>
+            </a:r>
+            <a:r>
+              <a:rPr lang="fr-FR" dirty="0">
+                <a:solidFill>
+                  <a:srgbClr val="333333"/>
+                </a:solidFill>
+                <a:latin typeface="Calibri" panose="020F0502020204030204" pitchFamily="34" charset="0"/>
+              </a:rPr>
+              <a:t>semestre 2022 par </a:t>
+            </a:r>
+            <a:r>
+              <a:rPr lang="fr-FR" b="1" dirty="0">
+                <a:solidFill>
+                  <a:srgbClr val="333333"/>
+                </a:solidFill>
+                <a:latin typeface="Calibri" panose="020F0502020204030204" pitchFamily="34" charset="0"/>
+              </a:rPr>
+              <a:t>199 Grandes Ecoles</a:t>
+            </a:r>
+            <a:r>
+              <a:rPr lang="fr-FR" dirty="0">
+                <a:solidFill>
+                  <a:srgbClr val="333333"/>
+                </a:solidFill>
+                <a:latin typeface="Calibri" panose="020F0502020204030204" pitchFamily="34" charset="0"/>
+              </a:rPr>
+              <a:t> membres de la CGE</a:t>
+            </a:r>
+          </a:p>
+          <a:p>
+            <a:r>
+              <a:rPr lang="fr-FR" dirty="0">
+                <a:solidFill>
+                  <a:srgbClr val="333333"/>
+                </a:solidFill>
+                <a:latin typeface="Calibri" panose="020F0502020204030204" pitchFamily="34" charset="0"/>
+              </a:rPr>
+              <a:t>					(dont </a:t>
+            </a:r>
+            <a:r>
+              <a:rPr lang="fr-FR" b="1" dirty="0">
+                <a:solidFill>
+                  <a:srgbClr val="333333"/>
+                </a:solidFill>
+                <a:latin typeface="Calibri" panose="020F0502020204030204" pitchFamily="34" charset="0"/>
+              </a:rPr>
+              <a:t>139</a:t>
+            </a:r>
+            <a:r>
+              <a:rPr lang="fr-FR" dirty="0">
+                <a:solidFill>
+                  <a:srgbClr val="333333"/>
+                </a:solidFill>
+                <a:latin typeface="Calibri" panose="020F0502020204030204" pitchFamily="34" charset="0"/>
+              </a:rPr>
+              <a:t> écoles d’ingénieurs)</a:t>
+            </a:r>
+            <a:endParaRPr lang="fr-FR" dirty="0">
+              <a:solidFill>
+                <a:srgbClr val="333333"/>
+              </a:solidFill>
+              <a:latin typeface="Lucida Sans" panose="020B0602030504020204" pitchFamily="34" charset="0"/>
+            </a:endParaRPr>
+          </a:p>
+          <a:p>
+            <a:r>
+              <a:rPr lang="fr-FR" dirty="0">
+                <a:solidFill>
+                  <a:srgbClr val="333333"/>
+                </a:solidFill>
+                <a:latin typeface="Lucida Sans" panose="020B0602030504020204" pitchFamily="34" charset="0"/>
+              </a:rPr>
+              <a:t>	</a:t>
+            </a:r>
+            <a:r>
+              <a:rPr lang="fr-FR" i="1" dirty="0">
+                <a:solidFill>
+                  <a:srgbClr val="333333"/>
+                </a:solidFill>
+                <a:latin typeface="Calibri" panose="020F0502020204030204" pitchFamily="34" charset="0"/>
+              </a:rPr>
+              <a:t>IOGS – entre le 1er</a:t>
+            </a:r>
+            <a:r>
+              <a:rPr lang="fr-FR" dirty="0">
+                <a:solidFill>
+                  <a:srgbClr val="333333"/>
+                </a:solidFill>
+                <a:latin typeface="Calibri" panose="020F0502020204030204" pitchFamily="34" charset="0"/>
+              </a:rPr>
+              <a:t> janvier 2024 et le 2 avril 2024</a:t>
+            </a:r>
+          </a:p>
+          <a:p>
+            <a:r>
+              <a:rPr lang="fr-FR" dirty="0">
+                <a:solidFill>
+                  <a:srgbClr val="333333"/>
+                </a:solidFill>
+                <a:latin typeface="Calibri" panose="020F0502020204030204" pitchFamily="34" charset="0"/>
+              </a:rPr>
+              <a:t>Résultats publiés en juin 2024 par la CGE / 32</a:t>
+            </a:r>
+            <a:r>
+              <a:rPr lang="fr-FR" baseline="30000" dirty="0">
+                <a:solidFill>
+                  <a:srgbClr val="333333"/>
+                </a:solidFill>
+                <a:latin typeface="Calibri" panose="020F0502020204030204" pitchFamily="34" charset="0"/>
+              </a:rPr>
+              <a:t>e</a:t>
+            </a:r>
+            <a:r>
+              <a:rPr lang="fr-FR" dirty="0">
+                <a:solidFill>
+                  <a:srgbClr val="333333"/>
+                </a:solidFill>
+                <a:latin typeface="Calibri" panose="020F0502020204030204" pitchFamily="34" charset="0"/>
+              </a:rPr>
+              <a:t> édition</a:t>
+            </a:r>
+            <a:endParaRPr lang="fr-FR" dirty="0">
+              <a:solidFill>
+                <a:srgbClr val="333333"/>
+              </a:solidFill>
+              <a:latin typeface="Lucida Sans" panose="020B0602030504020204" pitchFamily="34" charset="0"/>
+            </a:endParaRPr>
+          </a:p>
+          <a:p>
+            <a:endParaRPr lang="fr-FR" dirty="0">
+              <a:solidFill>
+                <a:srgbClr val="333333"/>
+              </a:solidFill>
+              <a:latin typeface="Lucida Sans" panose="020B0602030504020204" pitchFamily="34" charset="0"/>
+            </a:endParaRPr>
+          </a:p>
+          <a:p>
+            <a:r>
+              <a:rPr lang="fr-FR" dirty="0">
+                <a:solidFill>
+                  <a:srgbClr val="333333"/>
+                </a:solidFill>
+                <a:latin typeface="Calibri" panose="020F0502020204030204" pitchFamily="34" charset="0"/>
+              </a:rPr>
+              <a:t>Ensemble d’outils d’enquête sécurisés (</a:t>
+            </a:r>
+            <a:r>
+              <a:rPr lang="fr-FR" i="1" dirty="0" err="1">
+                <a:solidFill>
+                  <a:srgbClr val="333333"/>
+                </a:solidFill>
+                <a:latin typeface="Calibri" panose="020F0502020204030204" pitchFamily="34" charset="0"/>
+              </a:rPr>
+              <a:t>SphinxOnline</a:t>
+            </a:r>
+            <a:r>
+              <a:rPr lang="fr-FR" dirty="0">
+                <a:solidFill>
+                  <a:srgbClr val="333333"/>
+                </a:solidFill>
+                <a:latin typeface="Calibri" panose="020F0502020204030204" pitchFamily="34" charset="0"/>
+              </a:rPr>
+              <a:t>) fourni par la CGE</a:t>
+            </a:r>
+            <a:endParaRPr lang="fr-FR" dirty="0">
+              <a:solidFill>
+                <a:srgbClr val="333333"/>
+              </a:solidFill>
+              <a:latin typeface="Lucida Sans" panose="020B0602030504020204" pitchFamily="34" charset="0"/>
+            </a:endParaRPr>
+          </a:p>
+          <a:p>
+            <a:r>
+              <a:rPr lang="fr-FR" dirty="0">
+                <a:solidFill>
+                  <a:srgbClr val="333333"/>
+                </a:solidFill>
+                <a:latin typeface="Calibri" panose="020F0502020204030204" pitchFamily="34" charset="0"/>
+              </a:rPr>
+              <a:t>Formulaire paramétré spécifiquement pour chaque école</a:t>
+            </a:r>
+            <a:endParaRPr lang="fr-FR" dirty="0">
+              <a:solidFill>
+                <a:srgbClr val="333333"/>
+              </a:solidFill>
+              <a:latin typeface="Lucida Sans" panose="020B0602030504020204" pitchFamily="34" charset="0"/>
+            </a:endParaRPr>
+          </a:p>
+          <a:p>
+            <a:endParaRPr lang="fr-FR" dirty="0">
+              <a:solidFill>
+                <a:srgbClr val="333333"/>
+              </a:solidFill>
+              <a:latin typeface="Lucida Sans" panose="020B0602030504020204" pitchFamily="34" charset="0"/>
+            </a:endParaRPr>
+          </a:p>
+          <a:p>
+            <a:r>
+              <a:rPr lang="fr-FR" dirty="0">
+                <a:solidFill>
+                  <a:srgbClr val="333333"/>
+                </a:solidFill>
+                <a:latin typeface="Calibri" panose="020F0502020204030204" pitchFamily="34" charset="0"/>
+              </a:rPr>
+              <a:t>Sondage sur les </a:t>
+            </a:r>
+            <a:r>
+              <a:rPr lang="fr-FR" b="1" dirty="0">
+                <a:solidFill>
+                  <a:srgbClr val="333333"/>
+                </a:solidFill>
+                <a:latin typeface="Calibri" panose="020F0502020204030204" pitchFamily="34" charset="0"/>
+              </a:rPr>
+              <a:t>5 dernières promotions </a:t>
+            </a:r>
+            <a:r>
+              <a:rPr lang="fr-FR" dirty="0">
+                <a:solidFill>
+                  <a:srgbClr val="333333"/>
+                </a:solidFill>
+                <a:latin typeface="Calibri" panose="020F0502020204030204" pitchFamily="34" charset="0"/>
+              </a:rPr>
+              <a:t>(2019 à 2023)</a:t>
+            </a:r>
+            <a:endParaRPr lang="fr-FR" dirty="0">
+              <a:solidFill>
+                <a:srgbClr val="333333"/>
+              </a:solidFill>
+              <a:latin typeface="Lucida Sans" panose="020B0602030504020204" pitchFamily="34" charset="0"/>
+            </a:endParaRPr>
+          </a:p>
+        </p:txBody>
+      </p:sp>
+      <p:sp>
+        <p:nvSpPr>
+          <p:cNvPr id="7" name="Espace réservé du contenu 2">
+            <a:extLst>
+              <a:ext uri="{FF2B5EF4-FFF2-40B4-BE49-F238E27FC236}">
+                <a16:creationId xmlns:a16="http://schemas.microsoft.com/office/drawing/2014/main" id="{A921BAEC-F7D4-49D4-BE1F-00F1433E7016}"/>
+              </a:ext>
+            </a:extLst>
+          </p:cNvPr>
+          <p:cNvSpPr txBox="1">
+            <a:spLocks noChangeArrowheads="1"/>
+          </p:cNvSpPr>
+          <p:nvPr/>
+        </p:nvSpPr>
+        <p:spPr bwMode="auto">
+          <a:xfrm>
+            <a:off x="453035" y="2841615"/>
+            <a:ext cx="8229600" cy="430779"/>
+          </a:xfrm>
+          <a:prstGeom prst="rect">
+            <a:avLst/>
+          </a:prstGeom>
+          <a:noFill/>
+          <a:ln>
+            <a:noFill/>
+          </a:ln>
+          <a:extLst>
+            <a:ext uri="{909E8E84-426E-40DD-AFC4-6F175D3DCCD1}">
+              <a14:hiddenFill xmlns:a14="http://schemas.microsoft.com/office/drawing/2010/main">
+                <a:solidFill>
+                  <a:srgbClr val="FFFFFF"/>
+                </a:solidFill>
+              </a14:hiddenFill>
+            </a:ext>
+            <a:ext uri="{91240B29-F687-4F45-9708-019B960494DF}">
+              <a14:hiddenLine xmlns:a14="http://schemas.microsoft.com/office/drawing/2010/main" w="9525">
+                <a:solidFill>
+                  <a:srgbClr val="000000"/>
+                </a:solidFill>
+                <a:miter lim="800000"/>
+                <a:headEnd/>
+                <a:tailEnd/>
+              </a14:hiddenLine>
+            </a:ext>
+          </a:extLst>
+        </p:spPr>
+        <p:txBody>
+          <a:bodyPr vert="horz" wrap="square" lIns="91440" tIns="45720" rIns="91440" bIns="45720" numCol="1" anchor="t" anchorCtr="0" compatLnSpc="1">
+            <a:prstTxWarp prst="textNoShape">
+              <a:avLst/>
+            </a:prstTxWarp>
+          </a:bodyPr>
+          <a:lstStyle>
+            <a:lvl1pPr marL="342900" indent="-342900" algn="l" rtl="0" eaLnBrk="0" fontAlgn="base" hangingPunct="0">
+              <a:spcBef>
+                <a:spcPct val="20000"/>
+              </a:spcBef>
+              <a:spcAft>
+                <a:spcPct val="0"/>
+              </a:spcAft>
+              <a:buChar char="•"/>
+              <a:defRPr sz="3200">
+                <a:solidFill>
+                  <a:srgbClr val="0A3250"/>
+                </a:solidFill>
+                <a:latin typeface="+mn-lt"/>
+                <a:ea typeface="ＭＳ Ｐゴシック" charset="0"/>
+                <a:cs typeface="ＭＳ Ｐゴシック" charset="0"/>
+              </a:defRPr>
+            </a:lvl1pPr>
+            <a:lvl2pPr marL="742950" indent="-285750" algn="l" rtl="0" eaLnBrk="0" fontAlgn="base" hangingPunct="0">
+              <a:spcBef>
+                <a:spcPct val="20000"/>
+              </a:spcBef>
+              <a:spcAft>
+                <a:spcPct val="0"/>
+              </a:spcAft>
+              <a:buChar char="–"/>
+              <a:defRPr sz="2800">
+                <a:solidFill>
+                  <a:srgbClr val="0A3250"/>
+                </a:solidFill>
+                <a:latin typeface="+mn-lt"/>
+                <a:ea typeface="ＭＳ Ｐゴシック" charset="0"/>
+              </a:defRPr>
+            </a:lvl2pPr>
+            <a:lvl3pPr marL="1143000" indent="-228600" algn="l" rtl="0" eaLnBrk="0" fontAlgn="base" hangingPunct="0">
+              <a:spcBef>
+                <a:spcPct val="20000"/>
+              </a:spcBef>
+              <a:spcAft>
+                <a:spcPct val="0"/>
+              </a:spcAft>
+              <a:buChar char="•"/>
+              <a:defRPr sz="2400">
+                <a:solidFill>
+                  <a:srgbClr val="0A3250"/>
+                </a:solidFill>
+                <a:latin typeface="+mn-lt"/>
+                <a:ea typeface="ＭＳ Ｐゴシック" charset="0"/>
+              </a:defRPr>
+            </a:lvl3pPr>
+            <a:lvl4pPr marL="1600200" indent="-228600" algn="l" rtl="0" eaLnBrk="0" fontAlgn="base" hangingPunct="0">
+              <a:spcBef>
+                <a:spcPct val="20000"/>
+              </a:spcBef>
+              <a:spcAft>
+                <a:spcPct val="0"/>
+              </a:spcAft>
+              <a:buChar char="–"/>
+              <a:defRPr sz="2000">
+                <a:solidFill>
+                  <a:srgbClr val="0A3250"/>
+                </a:solidFill>
+                <a:latin typeface="+mn-lt"/>
+                <a:ea typeface="ＭＳ Ｐゴシック" charset="0"/>
+              </a:defRPr>
+            </a:lvl4pPr>
+            <a:lvl5pPr marL="2057400" indent="-228600" algn="l" rtl="0" eaLnBrk="0" fontAlgn="base" hangingPunct="0">
+              <a:spcBef>
+                <a:spcPct val="20000"/>
+              </a:spcBef>
+              <a:spcAft>
+                <a:spcPct val="0"/>
+              </a:spcAft>
+              <a:buChar char="»"/>
+              <a:defRPr sz="2000">
+                <a:solidFill>
+                  <a:srgbClr val="0A3250"/>
+                </a:solidFill>
+                <a:latin typeface="+mn-lt"/>
+                <a:ea typeface="ＭＳ Ｐゴシック" charset="0"/>
+              </a:defRPr>
+            </a:lvl5pPr>
+            <a:lvl6pPr marL="2514600" indent="-228600" algn="l" rtl="0" fontAlgn="base">
+              <a:spcBef>
+                <a:spcPct val="20000"/>
+              </a:spcBef>
+              <a:spcAft>
+                <a:spcPct val="0"/>
+              </a:spcAft>
+              <a:buChar char="»"/>
+              <a:defRPr sz="2000">
+                <a:solidFill>
+                  <a:srgbClr val="0A3250"/>
+                </a:solidFill>
+                <a:latin typeface="+mn-lt"/>
+              </a:defRPr>
+            </a:lvl6pPr>
+            <a:lvl7pPr marL="2971800" indent="-228600" algn="l" rtl="0" fontAlgn="base">
+              <a:spcBef>
+                <a:spcPct val="20000"/>
+              </a:spcBef>
+              <a:spcAft>
+                <a:spcPct val="0"/>
+              </a:spcAft>
+              <a:buChar char="»"/>
+              <a:defRPr sz="2000">
+                <a:solidFill>
+                  <a:srgbClr val="0A3250"/>
+                </a:solidFill>
+                <a:latin typeface="+mn-lt"/>
+              </a:defRPr>
+            </a:lvl7pPr>
+            <a:lvl8pPr marL="3429000" indent="-228600" algn="l" rtl="0" fontAlgn="base">
+              <a:spcBef>
+                <a:spcPct val="20000"/>
+              </a:spcBef>
+              <a:spcAft>
+                <a:spcPct val="0"/>
+              </a:spcAft>
+              <a:buChar char="»"/>
+              <a:defRPr sz="2000">
+                <a:solidFill>
+                  <a:srgbClr val="0A3250"/>
+                </a:solidFill>
+                <a:latin typeface="+mn-lt"/>
+              </a:defRPr>
+            </a:lvl8pPr>
+            <a:lvl9pPr marL="3886200" indent="-228600" algn="l" rtl="0" fontAlgn="base">
+              <a:spcBef>
+                <a:spcPct val="20000"/>
+              </a:spcBef>
+              <a:spcAft>
+                <a:spcPct val="0"/>
+              </a:spcAft>
+              <a:buChar char="»"/>
+              <a:defRPr sz="2000">
+                <a:solidFill>
+                  <a:srgbClr val="0A3250"/>
+                </a:solidFill>
+                <a:latin typeface="+mn-lt"/>
+              </a:defRPr>
+            </a:lvl9pPr>
+          </a:lstStyle>
+          <a:p>
+            <a:r>
+              <a:rPr lang="fr-FR" altLang="fr-FR" sz="2000" b="1" kern="0" dirty="0">
+                <a:solidFill>
+                  <a:srgbClr val="FF960A"/>
+                </a:solidFill>
+                <a:ea typeface="ＭＳ Ｐゴシック" panose="020B0600070205080204" pitchFamily="34" charset="-128"/>
+              </a:rPr>
+              <a:t>Enquête CGE / version 2024</a:t>
+            </a:r>
+          </a:p>
+        </p:txBody>
+      </p:sp>
+      <p:sp>
+        <p:nvSpPr>
+          <p:cNvPr id="8" name="ZoneTexte 7">
+            <a:extLst>
+              <a:ext uri="{FF2B5EF4-FFF2-40B4-BE49-F238E27FC236}">
+                <a16:creationId xmlns:a16="http://schemas.microsoft.com/office/drawing/2014/main" id="{6BAF07F5-6F93-4A2B-A040-85F75ADE8EDD}"/>
+              </a:ext>
+            </a:extLst>
+          </p:cNvPr>
+          <p:cNvSpPr txBox="1"/>
+          <p:nvPr/>
+        </p:nvSpPr>
+        <p:spPr>
+          <a:xfrm rot="16200000">
+            <a:off x="-2330100" y="3437334"/>
+            <a:ext cx="4998749" cy="338554"/>
+          </a:xfrm>
+          <a:prstGeom prst="rect">
+            <a:avLst/>
+          </a:prstGeom>
+          <a:solidFill>
+            <a:schemeClr val="bg1">
+              <a:lumMod val="50000"/>
+            </a:schemeClr>
+          </a:solidFill>
+        </p:spPr>
+        <p:txBody>
+          <a:bodyPr wrap="square" rtlCol="0">
+            <a:spAutoFit/>
+          </a:bodyPr>
+          <a:lstStyle/>
+          <a:p>
+            <a:r>
+              <a:rPr lang="fr-FR" dirty="0">
+                <a:solidFill>
+                  <a:schemeClr val="bg1"/>
+                </a:solidFill>
+              </a:rPr>
+              <a:t>Enquête CGE / Version 2024</a:t>
+            </a:r>
+          </a:p>
+        </p:txBody>
+      </p:sp>
+    </p:spTree>
+  </p:cSld>
+  <p:clrMapOvr>
+    <a:masterClrMapping/>
+  </p:clrMapOvr>
+</p:sld>
+</file>
+
+<file path=ppt/slides/slide20.xml><?xml version="1.0" encoding="utf-8"?>
 <p:sld xmlns:a="http://schemas.openxmlformats.org/drawingml/2006/main" xmlns:r="http://schemas.openxmlformats.org/officeDocument/2006/relationships" xmlns:p="http://schemas.openxmlformats.org/presentationml/2006/main">
   <p:cSld>
     <p:spTree>
@@ -8787,7 +10905,7 @@
                 </a:solidFill>
                 <a:ea typeface="ＭＳ Ｐゴシック" panose="020B0600070205080204" pitchFamily="34" charset="-128"/>
               </a:rPr>
-              <a:t>Lieu des emplois en France / Sites</a:t>
+              <a:t>Lieu des emplois / Sites</a:t>
             </a:r>
           </a:p>
         </p:txBody>
@@ -8975,7 +11093,7 @@
           <p:nvPr>
             <p:extLst>
               <p:ext uri="{D42A27DB-BD31-4B8C-83A1-F6EECF244321}">
-                <p14:modId xmlns:p14="http://schemas.microsoft.com/office/powerpoint/2010/main" val="1718828325"/>
+                <p14:modId xmlns:p14="http://schemas.microsoft.com/office/powerpoint/2010/main" val="2008740577"/>
               </p:ext>
             </p:extLst>
           </p:nvPr>
@@ -9063,8 +11181,12 @@
                     <a:p>
                       <a:pPr algn="ctr"/>
                       <a:r>
+                        <a:rPr lang="fr-FR" sz="1400" dirty="0" err="1"/>
+                        <a:t>Etrang</a:t>
+                      </a:r>
+                      <a:r>
                         <a:rPr lang="fr-FR" sz="1400" dirty="0"/>
-                        <a:t>IDF</a:t>
+                        <a:t>.</a:t>
                       </a:r>
                     </a:p>
                   </a:txBody>
@@ -9077,10 +11199,9 @@
                     <a:p>
                       <a:pPr algn="ctr"/>
                       <a:r>
-                        <a:rPr lang="fr-FR" sz="1400" dirty="0" err="1"/>
-                        <a:t>horsIDF</a:t>
-                      </a:r>
-                      <a:endParaRPr lang="fr-FR" sz="1400" dirty="0"/>
+                        <a:rPr lang="fr-FR" sz="1400" dirty="0"/>
+                        <a:t>France</a:t>
+                      </a:r>
                     </a:p>
                   </a:txBody>
                   <a:tcPr/>
@@ -9106,8 +11227,12 @@
                     <a:p>
                       <a:pPr algn="ctr"/>
                       <a:r>
+                        <a:rPr lang="fr-FR" sz="1400" dirty="0" err="1"/>
+                        <a:t>Etrang</a:t>
+                      </a:r>
+                      <a:r>
                         <a:rPr lang="fr-FR" sz="1400" dirty="0"/>
-                        <a:t>IDF</a:t>
+                        <a:t>.</a:t>
                       </a:r>
                     </a:p>
                   </a:txBody>
@@ -9120,10 +11245,9 @@
                     <a:p>
                       <a:pPr algn="ctr"/>
                       <a:r>
-                        <a:rPr lang="fr-FR" sz="1400" dirty="0" err="1"/>
-                        <a:t>horsIDF</a:t>
-                      </a:r>
-                      <a:endParaRPr lang="fr-FR" sz="1400" dirty="0"/>
+                        <a:rPr lang="fr-FR" sz="1400" dirty="0"/>
+                        <a:t>France</a:t>
+                      </a:r>
                     </a:p>
                   </a:txBody>
                   <a:tcPr/>
@@ -9176,7 +11300,7 @@
                           </a:solidFill>
                           <a:effectLst/>
                         </a:rPr>
-                        <a:t>40.4 %</a:t>
+                        <a:t>9.3 %</a:t>
                       </a:r>
                     </a:p>
                   </a:txBody>
@@ -9195,7 +11319,7 @@
                           </a:solidFill>
                           <a:effectLst/>
                         </a:rPr>
-                        <a:t>59.6 %</a:t>
+                        <a:t>90.7 %</a:t>
                       </a:r>
                     </a:p>
                   </a:txBody>
@@ -9225,7 +11349,7 @@
                           </a:solidFill>
                           <a:effectLst/>
                         </a:rPr>
-                        <a:t>39.7 %</a:t>
+                        <a:t>8.9 %</a:t>
                       </a:r>
                     </a:p>
                   </a:txBody>
@@ -9244,7 +11368,7 @@
                           </a:solidFill>
                           <a:effectLst/>
                         </a:rPr>
-                        <a:t>60.3 %</a:t>
+                        <a:t>91.1 %</a:t>
                       </a:r>
                     </a:p>
                   </a:txBody>
@@ -9300,7 +11424,7 @@
                           <a:effectLst/>
                           <a:latin typeface="inherit"/>
                         </a:rPr>
-                        <a:t>70.5 %</a:t>
+                        <a:t>7.1 %</a:t>
                       </a:r>
                       <a:endParaRPr lang="fr-FR" dirty="0">
                         <a:effectLst/>
@@ -9316,16 +11440,16 @@
                     <a:p>
                       <a:pPr algn="ctr" fontAlgn="base"/>
                       <a:r>
-                        <a:rPr lang="fr-FR" b="1">
+                        <a:rPr lang="fr-FR" b="1" dirty="0">
                           <a:solidFill>
                             <a:srgbClr val="443597"/>
                           </a:solidFill>
                           <a:effectLst/>
                           <a:latin typeface="inherit"/>
                         </a:rPr>
-                        <a:t>29.5 %</a:t>
-                      </a:r>
-                      <a:endParaRPr lang="fr-FR">
+                        <a:t>92.9 %</a:t>
+                      </a:r>
+                      <a:endParaRPr lang="fr-FR" dirty="0">
                         <a:effectLst/>
                       </a:endParaRPr>
                     </a:p>
@@ -9346,7 +11470,7 @@
                           <a:effectLst/>
                           <a:latin typeface="inherit"/>
                         </a:rPr>
-                        <a:t>146</a:t>
+                        <a:t>159</a:t>
                       </a:r>
                       <a:endParaRPr lang="fr-FR" sz="1200" dirty="0">
                         <a:effectLst/>
@@ -9369,7 +11493,7 @@
                           <a:effectLst/>
                           <a:latin typeface="inherit"/>
                         </a:rPr>
-                        <a:t>71.8 %</a:t>
+                        <a:t>7.1 %</a:t>
                       </a:r>
                       <a:endParaRPr lang="fr-FR" dirty="0">
                         <a:effectLst/>
@@ -9385,16 +11509,16 @@
                     <a:p>
                       <a:pPr algn="ctr" fontAlgn="base"/>
                       <a:r>
-                        <a:rPr lang="fr-FR" b="1">
+                        <a:rPr lang="fr-FR" b="1" dirty="0">
                           <a:solidFill>
                             <a:srgbClr val="443597"/>
                           </a:solidFill>
                           <a:effectLst/>
                           <a:latin typeface="inherit"/>
                         </a:rPr>
-                        <a:t>28.2 %</a:t>
-                      </a:r>
-                      <a:endParaRPr lang="fr-FR">
+                        <a:t>92.9 %</a:t>
+                      </a:r>
+                      <a:endParaRPr lang="fr-FR" dirty="0">
                         <a:effectLst/>
                       </a:endParaRPr>
                     </a:p>
@@ -9415,7 +11539,7 @@
                           <a:effectLst/>
                           <a:latin typeface="inherit"/>
                         </a:rPr>
-                        <a:t>131</a:t>
+                        <a:t>113</a:t>
                       </a:r>
                       <a:endParaRPr lang="fr-FR" sz="1200" dirty="0">
                         <a:effectLst/>
@@ -9469,7 +11593,7 @@
                           </a:solidFill>
                           <a:effectLst/>
                         </a:rPr>
-                        <a:t>81.3 %</a:t>
+                        <a:t>2.8 %</a:t>
                       </a:r>
                     </a:p>
                   </a:txBody>
@@ -9495,7 +11619,7 @@
                           </a:solidFill>
                           <a:effectLst/>
                         </a:rPr>
-                        <a:t>18.7 %</a:t>
+                        <a:t>97.2 %</a:t>
                       </a:r>
                     </a:p>
                   </a:txBody>
@@ -9521,7 +11645,7 @@
                           </a:solidFill>
                           <a:effectLst/>
                         </a:rPr>
-                        <a:t>75</a:t>
+                        <a:t>71</a:t>
                       </a:r>
                     </a:p>
                   </a:txBody>
@@ -9547,7 +11671,7 @@
                           </a:solidFill>
                           <a:effectLst/>
                         </a:rPr>
-                        <a:t>77.9 %</a:t>
+                        <a:t>4.3 %</a:t>
                       </a:r>
                     </a:p>
                   </a:txBody>
@@ -9573,7 +11697,7 @@
                           </a:solidFill>
                           <a:effectLst/>
                         </a:rPr>
-                        <a:t>22.1 %</a:t>
+                        <a:t>95.7 %</a:t>
                       </a:r>
                     </a:p>
                   </a:txBody>
@@ -9599,7 +11723,7 @@
                           </a:solidFill>
                           <a:effectLst/>
                         </a:rPr>
-                        <a:t>77</a:t>
+                        <a:t>70</a:t>
                       </a:r>
                     </a:p>
                   </a:txBody>
@@ -9662,7 +11786,7 @@
                           </a:solidFill>
                           <a:effectLst/>
                         </a:rPr>
-                        <a:t>65.8 %</a:t>
+                        <a:t>9.1 %</a:t>
                       </a:r>
                     </a:p>
                   </a:txBody>
@@ -9688,7 +11812,7 @@
                           </a:solidFill>
                           <a:effectLst/>
                         </a:rPr>
-                        <a:t>34.2 %</a:t>
+                        <a:t>90.9 %</a:t>
                       </a:r>
                     </a:p>
                   </a:txBody>
@@ -9714,7 +11838,7 @@
                           </a:solidFill>
                           <a:effectLst/>
                         </a:rPr>
-                        <a:t>38</a:t>
+                        <a:t>22</a:t>
                       </a:r>
                     </a:p>
                   </a:txBody>
@@ -9740,7 +11864,7 @@
                           </a:solidFill>
                           <a:effectLst/>
                         </a:rPr>
-                        <a:t>57.1 %</a:t>
+                        <a:t>13.3 %</a:t>
                       </a:r>
                     </a:p>
                   </a:txBody>
@@ -9766,7 +11890,7 @@
                           </a:solidFill>
                           <a:effectLst/>
                         </a:rPr>
-                        <a:t>42.9 %</a:t>
+                        <a:t>86.7 %</a:t>
                       </a:r>
                     </a:p>
                   </a:txBody>
@@ -9792,7 +11916,7 @@
                           </a:solidFill>
                           <a:effectLst/>
                         </a:rPr>
-                        <a:t>21</a:t>
+                        <a:t>15</a:t>
                       </a:r>
                     </a:p>
                   </a:txBody>
@@ -9854,7 +11978,7 @@
                           </a:solidFill>
                           <a:effectLst/>
                         </a:rPr>
-                        <a:t>63.2 %</a:t>
+                        <a:t>11.8 %</a:t>
                       </a:r>
                     </a:p>
                   </a:txBody>
@@ -9879,7 +12003,7 @@
                           </a:solidFill>
                           <a:effectLst/>
                         </a:rPr>
-                        <a:t>36.8 %</a:t>
+                        <a:t>88.2 %</a:t>
                       </a:r>
                     </a:p>
                   </a:txBody>
@@ -9904,7 +12028,7 @@
                           </a:solidFill>
                           <a:effectLst/>
                         </a:rPr>
-                        <a:t>22</a:t>
+                        <a:t>17</a:t>
                       </a:r>
                     </a:p>
                   </a:txBody>
@@ -9929,7 +12053,7 @@
                           </a:solidFill>
                           <a:effectLst/>
                         </a:rPr>
-                        <a:t>58.8 %</a:t>
+                        <a:t>7.7 %</a:t>
                       </a:r>
                     </a:p>
                   </a:txBody>
@@ -9954,7 +12078,7 @@
                           </a:solidFill>
                           <a:effectLst/>
                         </a:rPr>
-                        <a:t>41.2 %</a:t>
+                        <a:t>92.3 %</a:t>
                       </a:r>
                     </a:p>
                   </a:txBody>
@@ -9979,7 +12103,7 @@
                           </a:solidFill>
                           <a:effectLst/>
                         </a:rPr>
-                        <a:t>17</a:t>
+                        <a:t>13</a:t>
                       </a:r>
                     </a:p>
                   </a:txBody>
@@ -10025,7 +12149,7 @@
                           </a:solidFill>
                           <a:effectLst/>
                         </a:rPr>
-                        <a:t>70.6 %</a:t>
+                        <a:t>21.4 %</a:t>
                       </a:r>
                     </a:p>
                   </a:txBody>
@@ -10044,7 +12168,7 @@
                           </a:solidFill>
                           <a:effectLst/>
                         </a:rPr>
-                        <a:t>29.4 %</a:t>
+                        <a:t>78.6 %</a:t>
                       </a:r>
                     </a:p>
                   </a:txBody>
@@ -10063,7 +12187,7 @@
                           </a:solidFill>
                           <a:effectLst/>
                         </a:rPr>
-                        <a:t>17</a:t>
+                        <a:t>14</a:t>
                       </a:r>
                     </a:p>
                   </a:txBody>
@@ -10082,7 +12206,7 @@
                           </a:solidFill>
                           <a:effectLst/>
                         </a:rPr>
-                        <a:t>78.6 %</a:t>
+                        <a:t>15.4 %</a:t>
                       </a:r>
                     </a:p>
                   </a:txBody>
@@ -10101,7 +12225,7 @@
                           </a:solidFill>
                           <a:effectLst/>
                         </a:rPr>
-                        <a:t>21.4 %</a:t>
+                        <a:t>84.6 %</a:t>
                       </a:r>
                     </a:p>
                   </a:txBody>
@@ -10120,7 +12244,1689 @@
                           </a:solidFill>
                           <a:effectLst/>
                         </a:rPr>
-                        <a:t>14</a:t>
+                        <a:t>13</a:t>
+                      </a:r>
+                    </a:p>
+                  </a:txBody>
+                  <a:tcPr anchor="ctr"/>
+                </a:tc>
+                <a:extLst>
+                  <a:ext uri="{0D108BD9-81ED-4DB2-BD59-A6C34878D82A}">
+                    <a16:rowId xmlns:a16="http://schemas.microsoft.com/office/drawing/2014/main" val="1740952244"/>
+                  </a:ext>
+                </a:extLst>
+              </a:tr>
+            </a:tbl>
+          </a:graphicData>
+        </a:graphic>
+      </p:graphicFrame>
+      <p:sp>
+        <p:nvSpPr>
+          <p:cNvPr id="7" name="ZoneTexte 6">
+            <a:extLst>
+              <a:ext uri="{FF2B5EF4-FFF2-40B4-BE49-F238E27FC236}">
+                <a16:creationId xmlns:a16="http://schemas.microsoft.com/office/drawing/2014/main" id="{6BE8EB4C-9EED-0344-FB71-FC964BFAC7C5}"/>
+              </a:ext>
+            </a:extLst>
+          </p:cNvPr>
+          <p:cNvSpPr txBox="1"/>
+          <p:nvPr/>
+        </p:nvSpPr>
+        <p:spPr>
+          <a:xfrm>
+            <a:off x="5749638" y="2816126"/>
+            <a:ext cx="1427017" cy="338554"/>
+          </a:xfrm>
+          <a:prstGeom prst="rect">
+            <a:avLst/>
+          </a:prstGeom>
+          <a:noFill/>
+        </p:spPr>
+        <p:txBody>
+          <a:bodyPr wrap="square">
+            <a:spAutoFit/>
+          </a:bodyPr>
+          <a:lstStyle/>
+          <a:p>
+            <a:r>
+              <a:rPr lang="fr-FR" b="1" dirty="0">
+                <a:solidFill>
+                  <a:srgbClr val="3D4449"/>
+                </a:solidFill>
+                <a:effectLst/>
+                <a:latin typeface="inherit"/>
+              </a:rPr>
+              <a:t>2020 à 2023 </a:t>
+            </a:r>
+            <a:endParaRPr lang="fr-FR" dirty="0"/>
+          </a:p>
+        </p:txBody>
+      </p:sp>
+      <p:sp>
+        <p:nvSpPr>
+          <p:cNvPr id="8" name="ZoneTexte 7">
+            <a:extLst>
+              <a:ext uri="{FF2B5EF4-FFF2-40B4-BE49-F238E27FC236}">
+                <a16:creationId xmlns:a16="http://schemas.microsoft.com/office/drawing/2014/main" id="{2F218827-BD14-D989-820F-C8E93CE767D2}"/>
+              </a:ext>
+            </a:extLst>
+          </p:cNvPr>
+          <p:cNvSpPr txBox="1"/>
+          <p:nvPr/>
+        </p:nvSpPr>
+        <p:spPr>
+          <a:xfrm>
+            <a:off x="3144983" y="2819192"/>
+            <a:ext cx="1427017" cy="338554"/>
+          </a:xfrm>
+          <a:prstGeom prst="rect">
+            <a:avLst/>
+          </a:prstGeom>
+          <a:noFill/>
+        </p:spPr>
+        <p:txBody>
+          <a:bodyPr wrap="square">
+            <a:spAutoFit/>
+          </a:bodyPr>
+          <a:lstStyle/>
+          <a:p>
+            <a:r>
+              <a:rPr lang="fr-FR" b="1" dirty="0">
+                <a:solidFill>
+                  <a:srgbClr val="3D4449"/>
+                </a:solidFill>
+                <a:effectLst/>
+                <a:latin typeface="inherit"/>
+              </a:rPr>
+              <a:t>2019 à 2022 </a:t>
+            </a:r>
+            <a:endParaRPr lang="fr-FR" dirty="0"/>
+          </a:p>
+        </p:txBody>
+      </p:sp>
+      <p:cxnSp>
+        <p:nvCxnSpPr>
+          <p:cNvPr id="4" name="Connecteur droit 3">
+            <a:extLst>
+              <a:ext uri="{FF2B5EF4-FFF2-40B4-BE49-F238E27FC236}">
+                <a16:creationId xmlns:a16="http://schemas.microsoft.com/office/drawing/2014/main" id="{46A9AF30-4985-7D91-5CC9-A0AF905AF948}"/>
+              </a:ext>
+            </a:extLst>
+          </p:cNvPr>
+          <p:cNvCxnSpPr>
+            <a:cxnSpLocks/>
+          </p:cNvCxnSpPr>
+          <p:nvPr/>
+        </p:nvCxnSpPr>
+        <p:spPr bwMode="auto">
+          <a:xfrm>
+            <a:off x="4997885" y="2816126"/>
+            <a:ext cx="0" cy="2916970"/>
+          </a:xfrm>
+          <a:prstGeom prst="line">
+            <a:avLst/>
+          </a:prstGeom>
+          <a:solidFill>
+            <a:schemeClr val="accent1"/>
+          </a:solidFill>
+          <a:ln w="25400" cap="flat" cmpd="sng" algn="ctr">
+            <a:solidFill>
+              <a:schemeClr val="tx1"/>
+            </a:solidFill>
+            <a:prstDash val="solid"/>
+            <a:round/>
+            <a:headEnd type="none" w="med" len="med"/>
+            <a:tailEnd type="none" w="med" len="med"/>
+          </a:ln>
+          <a:effectLst/>
+          <a:extLst>
+            <a:ext uri="{AF507438-7753-43e0-B8FC-AC1667EBCBE1}">
+              <a14:hiddenEffects xmlns:a14="http://schemas.microsoft.com/office/drawing/2010/main" xmlns="">
+                <a:effectLst>
+                  <a:outerShdw dist="35921" dir="2700000" algn="ctr" rotWithShape="0">
+                    <a:schemeClr val="bg2"/>
+                  </a:outerShdw>
+                </a:effectLst>
+              </a14:hiddenEffects>
+            </a:ext>
+          </a:extLst>
+        </p:spPr>
+      </p:cxnSp>
+      <p:cxnSp>
+        <p:nvCxnSpPr>
+          <p:cNvPr id="6" name="Connecteur droit 5">
+            <a:extLst>
+              <a:ext uri="{FF2B5EF4-FFF2-40B4-BE49-F238E27FC236}">
+                <a16:creationId xmlns:a16="http://schemas.microsoft.com/office/drawing/2014/main" id="{6ABB3F14-C0AF-23BD-13D6-77ADE7A0436C}"/>
+              </a:ext>
+            </a:extLst>
+          </p:cNvPr>
+          <p:cNvCxnSpPr>
+            <a:cxnSpLocks/>
+          </p:cNvCxnSpPr>
+          <p:nvPr/>
+        </p:nvCxnSpPr>
+        <p:spPr bwMode="auto">
+          <a:xfrm>
+            <a:off x="2394559" y="2816126"/>
+            <a:ext cx="0" cy="2916970"/>
+          </a:xfrm>
+          <a:prstGeom prst="line">
+            <a:avLst/>
+          </a:prstGeom>
+          <a:solidFill>
+            <a:schemeClr val="accent1"/>
+          </a:solidFill>
+          <a:ln w="25400" cap="flat" cmpd="sng" algn="ctr">
+            <a:solidFill>
+              <a:schemeClr val="tx1"/>
+            </a:solidFill>
+            <a:prstDash val="solid"/>
+            <a:round/>
+            <a:headEnd type="none" w="med" len="med"/>
+            <a:tailEnd type="none" w="med" len="med"/>
+          </a:ln>
+          <a:effectLst/>
+          <a:extLst>
+            <a:ext uri="{AF507438-7753-43e0-B8FC-AC1667EBCBE1}">
+              <a14:hiddenEffects xmlns:a14="http://schemas.microsoft.com/office/drawing/2010/main" xmlns="">
+                <a:effectLst>
+                  <a:outerShdw dist="35921" dir="2700000" algn="ctr" rotWithShape="0">
+                    <a:schemeClr val="bg2"/>
+                  </a:outerShdw>
+                </a:effectLst>
+              </a14:hiddenEffects>
+            </a:ext>
+          </a:extLst>
+        </p:spPr>
+      </p:cxnSp>
+      <p:cxnSp>
+        <p:nvCxnSpPr>
+          <p:cNvPr id="10" name="Connecteur droit 9">
+            <a:extLst>
+              <a:ext uri="{FF2B5EF4-FFF2-40B4-BE49-F238E27FC236}">
+                <a16:creationId xmlns:a16="http://schemas.microsoft.com/office/drawing/2014/main" id="{FFE9DD70-B863-2E59-BC57-CFDEFEEA5C70}"/>
+              </a:ext>
+            </a:extLst>
+          </p:cNvPr>
+          <p:cNvCxnSpPr>
+            <a:cxnSpLocks/>
+          </p:cNvCxnSpPr>
+          <p:nvPr/>
+        </p:nvCxnSpPr>
+        <p:spPr bwMode="auto">
+          <a:xfrm>
+            <a:off x="7610474" y="2816126"/>
+            <a:ext cx="0" cy="2916970"/>
+          </a:xfrm>
+          <a:prstGeom prst="line">
+            <a:avLst/>
+          </a:prstGeom>
+          <a:solidFill>
+            <a:schemeClr val="accent1"/>
+          </a:solidFill>
+          <a:ln w="25400" cap="flat" cmpd="sng" algn="ctr">
+            <a:solidFill>
+              <a:schemeClr val="tx1"/>
+            </a:solidFill>
+            <a:prstDash val="solid"/>
+            <a:round/>
+            <a:headEnd type="none" w="med" len="med"/>
+            <a:tailEnd type="none" w="med" len="med"/>
+          </a:ln>
+          <a:effectLst/>
+          <a:extLst>
+            <a:ext uri="{AF507438-7753-43e0-B8FC-AC1667EBCBE1}">
+              <a14:hiddenEffects xmlns:a14="http://schemas.microsoft.com/office/drawing/2010/main" xmlns="">
+                <a:effectLst>
+                  <a:outerShdw dist="35921" dir="2700000" algn="ctr" rotWithShape="0">
+                    <a:schemeClr val="bg2"/>
+                  </a:outerShdw>
+                </a:effectLst>
+              </a14:hiddenEffects>
+            </a:ext>
+          </a:extLst>
+        </p:spPr>
+      </p:cxnSp>
+    </p:spTree>
+    <p:extLst>
+      <p:ext uri="{BB962C8B-B14F-4D97-AF65-F5344CB8AC3E}">
+        <p14:creationId xmlns:p14="http://schemas.microsoft.com/office/powerpoint/2010/main" val="2687869749"/>
+      </p:ext>
+    </p:extLst>
+  </p:cSld>
+  <p:clrMapOvr>
+    <a:masterClrMapping/>
+  </p:clrMapOvr>
+</p:sld>
+</file>
+
+<file path=ppt/slides/slide21.xml><?xml version="1.0" encoding="utf-8"?>
+<p:sld xmlns:a="http://schemas.openxmlformats.org/drawingml/2006/main" xmlns:r="http://schemas.openxmlformats.org/officeDocument/2006/relationships" xmlns:p="http://schemas.openxmlformats.org/presentationml/2006/main">
+  <p:cSld>
+    <p:spTree>
+      <p:nvGrpSpPr>
+        <p:cNvPr id="1" name=""/>
+        <p:cNvGrpSpPr/>
+        <p:nvPr/>
+      </p:nvGrpSpPr>
+      <p:grpSpPr>
+        <a:xfrm>
+          <a:off x="0" y="0"/>
+          <a:ext cx="0" cy="0"/>
+          <a:chOff x="0" y="0"/>
+          <a:chExt cx="0" cy="0"/>
+        </a:xfrm>
+      </p:grpSpPr>
+      <p:sp>
+        <p:nvSpPr>
+          <p:cNvPr id="2" name="Titre 1">
+            <a:extLst>
+              <a:ext uri="{FF2B5EF4-FFF2-40B4-BE49-F238E27FC236}">
+                <a16:creationId xmlns:a16="http://schemas.microsoft.com/office/drawing/2014/main" id="{FAA161D5-927A-49ED-83AF-6D12A66FF712}"/>
+              </a:ext>
+            </a:extLst>
+          </p:cNvPr>
+          <p:cNvSpPr>
+            <a:spLocks noGrp="1"/>
+          </p:cNvSpPr>
+          <p:nvPr>
+            <p:ph type="title"/>
+          </p:nvPr>
+        </p:nvSpPr>
+        <p:spPr/>
+        <p:txBody>
+          <a:bodyPr/>
+          <a:lstStyle/>
+          <a:p>
+            <a:pPr>
+              <a:defRPr/>
+            </a:pPr>
+            <a:r>
+              <a:rPr lang="fr-FR" sz="2800" dirty="0"/>
+              <a:t>Enquête CGE / Cumul</a:t>
+            </a:r>
+          </a:p>
+        </p:txBody>
+      </p:sp>
+      <p:sp>
+        <p:nvSpPr>
+          <p:cNvPr id="6147" name="Espace réservé du contenu 2">
+            <a:extLst>
+              <a:ext uri="{FF2B5EF4-FFF2-40B4-BE49-F238E27FC236}">
+                <a16:creationId xmlns:a16="http://schemas.microsoft.com/office/drawing/2014/main" id="{458254A6-099B-4E75-907C-19CA1B94B253}"/>
+              </a:ext>
+            </a:extLst>
+          </p:cNvPr>
+          <p:cNvSpPr>
+            <a:spLocks noGrp="1" noChangeArrowheads="1"/>
+          </p:cNvSpPr>
+          <p:nvPr>
+            <p:ph idx="1"/>
+          </p:nvPr>
+        </p:nvSpPr>
+        <p:spPr>
+          <a:xfrm>
+            <a:off x="447675" y="1600200"/>
+            <a:ext cx="8229600" cy="1554480"/>
+          </a:xfrm>
+        </p:spPr>
+        <p:txBody>
+          <a:bodyPr/>
+          <a:lstStyle/>
+          <a:p>
+            <a:r>
+              <a:rPr lang="fr-FR" altLang="fr-FR" sz="2000" b="1" dirty="0">
+                <a:solidFill>
+                  <a:srgbClr val="EF553B"/>
+                </a:solidFill>
+                <a:ea typeface="ＭＳ Ｐゴシック" panose="020B0600070205080204" pitchFamily="34" charset="-128"/>
+              </a:rPr>
+              <a:t>Cumul de 2019 à 2022 / 2020 à 2023</a:t>
+            </a:r>
+          </a:p>
+          <a:p>
+            <a:r>
+              <a:rPr lang="fr-FR" altLang="fr-FR" sz="2000" b="1" dirty="0">
+                <a:solidFill>
+                  <a:srgbClr val="EF553B"/>
+                </a:solidFill>
+                <a:ea typeface="ＭＳ Ｐゴシック" panose="020B0600070205080204" pitchFamily="34" charset="-128"/>
+              </a:rPr>
+              <a:t>Lieu des emplois en France / Sites</a:t>
+            </a:r>
+          </a:p>
+        </p:txBody>
+      </p:sp>
+      <p:pic>
+        <p:nvPicPr>
+          <p:cNvPr id="6148" name="Picture 2" descr="upright=Article à illustrer Organisation">
+            <a:extLst>
+              <a:ext uri="{FF2B5EF4-FFF2-40B4-BE49-F238E27FC236}">
+                <a16:creationId xmlns:a16="http://schemas.microsoft.com/office/drawing/2014/main" id="{105BE698-E40C-4415-A9DF-F8680D1DF607}"/>
+              </a:ext>
+            </a:extLst>
+          </p:cNvPr>
+          <p:cNvPicPr>
+            <a:picLocks noChangeAspect="1" noChangeArrowheads="1"/>
+          </p:cNvPicPr>
+          <p:nvPr/>
+        </p:nvPicPr>
+        <p:blipFill>
+          <a:blip r:embed="rId2">
+            <a:extLst>
+              <a:ext uri="{28A0092B-C50C-407E-A947-70E740481C1C}">
+                <a14:useLocalDpi xmlns:a14="http://schemas.microsoft.com/office/drawing/2010/main" val="0"/>
+              </a:ext>
+            </a:extLst>
+          </a:blip>
+          <a:srcRect/>
+          <a:stretch>
+            <a:fillRect/>
+          </a:stretch>
+        </p:blipFill>
+        <p:spPr bwMode="auto">
+          <a:xfrm>
+            <a:off x="7766050" y="892175"/>
+            <a:ext cx="1157288" cy="384175"/>
+          </a:xfrm>
+          <a:prstGeom prst="rect">
+            <a:avLst/>
+          </a:prstGeom>
+          <a:noFill/>
+          <a:ln>
+            <a:noFill/>
+          </a:ln>
+          <a:extLst>
+            <a:ext uri="{909E8E84-426E-40DD-AFC4-6F175D3DCCD1}">
+              <a14:hiddenFill xmlns:a14="http://schemas.microsoft.com/office/drawing/2010/main">
+                <a:solidFill>
+                  <a:srgbClr val="FFFFFF"/>
+                </a:solidFill>
+              </a14:hiddenFill>
+            </a:ext>
+            <a:ext uri="{91240B29-F687-4F45-9708-019B960494DF}">
+              <a14:hiddenLine xmlns:a14="http://schemas.microsoft.com/office/drawing/2010/main" w="9525">
+                <a:solidFill>
+                  <a:srgbClr val="000000"/>
+                </a:solidFill>
+                <a:miter lim="800000"/>
+                <a:headEnd/>
+                <a:tailEnd/>
+              </a14:hiddenLine>
+            </a:ext>
+          </a:extLst>
+        </p:spPr>
+      </p:pic>
+      <p:sp>
+        <p:nvSpPr>
+          <p:cNvPr id="3" name="ZoneTexte 2">
+            <a:extLst>
+              <a:ext uri="{FF2B5EF4-FFF2-40B4-BE49-F238E27FC236}">
+                <a16:creationId xmlns:a16="http://schemas.microsoft.com/office/drawing/2014/main" id="{76C5E635-ACF0-A360-2BA1-1AD1AB1E7A21}"/>
+              </a:ext>
+            </a:extLst>
+          </p:cNvPr>
+          <p:cNvSpPr txBox="1"/>
+          <p:nvPr/>
+        </p:nvSpPr>
+        <p:spPr>
+          <a:xfrm rot="16200000">
+            <a:off x="-2330100" y="3437334"/>
+            <a:ext cx="4998749" cy="338554"/>
+          </a:xfrm>
+          <a:prstGeom prst="rect">
+            <a:avLst/>
+          </a:prstGeom>
+          <a:solidFill>
+            <a:srgbClr val="EF553B"/>
+          </a:solidFill>
+        </p:spPr>
+        <p:txBody>
+          <a:bodyPr wrap="square" rtlCol="0">
+            <a:spAutoFit/>
+          </a:bodyPr>
+          <a:lstStyle/>
+          <a:p>
+            <a:r>
+              <a:rPr lang="fr-FR" dirty="0">
+                <a:solidFill>
+                  <a:schemeClr val="bg1"/>
+                </a:solidFill>
+              </a:rPr>
+              <a:t>Enquête CGE / Cumul</a:t>
+            </a:r>
+          </a:p>
+        </p:txBody>
+      </p:sp>
+      <p:sp>
+        <p:nvSpPr>
+          <p:cNvPr id="9" name="ZoneTexte 8">
+            <a:extLst>
+              <a:ext uri="{FF2B5EF4-FFF2-40B4-BE49-F238E27FC236}">
+                <a16:creationId xmlns:a16="http://schemas.microsoft.com/office/drawing/2014/main" id="{607FEABF-F1C9-7143-AA31-45A4A932AF8A}"/>
+              </a:ext>
+            </a:extLst>
+          </p:cNvPr>
+          <p:cNvSpPr txBox="1"/>
+          <p:nvPr/>
+        </p:nvSpPr>
+        <p:spPr>
+          <a:xfrm>
+            <a:off x="3821018" y="807154"/>
+            <a:ext cx="3720890" cy="600164"/>
+          </a:xfrm>
+          <a:prstGeom prst="rect">
+            <a:avLst/>
+          </a:prstGeom>
+          <a:noFill/>
+        </p:spPr>
+        <p:txBody>
+          <a:bodyPr wrap="none" rtlCol="0">
+            <a:spAutoFit/>
+          </a:bodyPr>
+          <a:lstStyle/>
+          <a:p>
+            <a:r>
+              <a:rPr lang="fr-FR" sz="1100" b="1" dirty="0">
+                <a:solidFill>
+                  <a:srgbClr val="002060"/>
+                </a:solidFill>
+              </a:rPr>
+              <a:t>Comparaison avec résultats nationaux :</a:t>
+            </a:r>
+          </a:p>
+          <a:p>
+            <a:pPr marL="285750" indent="-285750">
+              <a:buFontTx/>
+              <a:buChar char="-"/>
+            </a:pPr>
+            <a:r>
+              <a:rPr lang="fr-FR" sz="1100" dirty="0">
+                <a:solidFill>
+                  <a:srgbClr val="002060"/>
+                </a:solidFill>
+              </a:rPr>
+              <a:t>hypothèse : nombre quasi constant de répondant.es</a:t>
+            </a:r>
+          </a:p>
+          <a:p>
+            <a:pPr marL="285750" indent="-285750">
+              <a:buFontTx/>
+              <a:buChar char="-"/>
+            </a:pPr>
+            <a:r>
+              <a:rPr lang="fr-FR" sz="1100" i="1" dirty="0">
+                <a:solidFill>
+                  <a:srgbClr val="002060"/>
+                </a:solidFill>
+              </a:rPr>
+              <a:t>Calcul : somme des moyennes / nombre années</a:t>
+            </a:r>
+          </a:p>
+        </p:txBody>
+      </p:sp>
+      <p:graphicFrame>
+        <p:nvGraphicFramePr>
+          <p:cNvPr id="5" name="Tableau 4">
+            <a:extLst>
+              <a:ext uri="{FF2B5EF4-FFF2-40B4-BE49-F238E27FC236}">
+                <a16:creationId xmlns:a16="http://schemas.microsoft.com/office/drawing/2014/main" id="{67D5A9BE-B287-0AD5-1BCF-FEC21F1E9A75}"/>
+              </a:ext>
+            </a:extLst>
+          </p:cNvPr>
+          <p:cNvGraphicFramePr>
+            <a:graphicFrameLocks noGrp="1"/>
+          </p:cNvGraphicFramePr>
+          <p:nvPr>
+            <p:extLst>
+              <p:ext uri="{D42A27DB-BD31-4B8C-83A1-F6EECF244321}">
+                <p14:modId xmlns:p14="http://schemas.microsoft.com/office/powerpoint/2010/main" val="2261695672"/>
+              </p:ext>
+            </p:extLst>
+          </p:nvPr>
+        </p:nvGraphicFramePr>
+        <p:xfrm>
+          <a:off x="1514475" y="3137216"/>
+          <a:ext cx="6095999" cy="2595880"/>
+        </p:xfrm>
+        <a:graphic>
+          <a:graphicData uri="http://schemas.openxmlformats.org/drawingml/2006/table">
+            <a:tbl>
+              <a:tblPr firstRow="1" bandRow="1">
+                <a:tableStyleId>{21E4AEA4-8DFA-4A89-87EB-49C32662AFE0}</a:tableStyleId>
+              </a:tblPr>
+              <a:tblGrid>
+                <a:gridCol w="870857">
+                  <a:extLst>
+                    <a:ext uri="{9D8B030D-6E8A-4147-A177-3AD203B41FA5}">
+                      <a16:colId xmlns:a16="http://schemas.microsoft.com/office/drawing/2014/main" val="2053038476"/>
+                    </a:ext>
+                  </a:extLst>
+                </a:gridCol>
+                <a:gridCol w="870857">
+                  <a:extLst>
+                    <a:ext uri="{9D8B030D-6E8A-4147-A177-3AD203B41FA5}">
+                      <a16:colId xmlns:a16="http://schemas.microsoft.com/office/drawing/2014/main" val="3832746835"/>
+                    </a:ext>
+                  </a:extLst>
+                </a:gridCol>
+                <a:gridCol w="870857">
+                  <a:extLst>
+                    <a:ext uri="{9D8B030D-6E8A-4147-A177-3AD203B41FA5}">
+                      <a16:colId xmlns:a16="http://schemas.microsoft.com/office/drawing/2014/main" val="4009216877"/>
+                    </a:ext>
+                  </a:extLst>
+                </a:gridCol>
+                <a:gridCol w="870857">
+                  <a:extLst>
+                    <a:ext uri="{9D8B030D-6E8A-4147-A177-3AD203B41FA5}">
+                      <a16:colId xmlns:a16="http://schemas.microsoft.com/office/drawing/2014/main" val="3856658833"/>
+                    </a:ext>
+                  </a:extLst>
+                </a:gridCol>
+                <a:gridCol w="870857">
+                  <a:extLst>
+                    <a:ext uri="{9D8B030D-6E8A-4147-A177-3AD203B41FA5}">
+                      <a16:colId xmlns:a16="http://schemas.microsoft.com/office/drawing/2014/main" val="1457748498"/>
+                    </a:ext>
+                  </a:extLst>
+                </a:gridCol>
+                <a:gridCol w="870857">
+                  <a:extLst>
+                    <a:ext uri="{9D8B030D-6E8A-4147-A177-3AD203B41FA5}">
+                      <a16:colId xmlns:a16="http://schemas.microsoft.com/office/drawing/2014/main" val="3308663209"/>
+                    </a:ext>
+                  </a:extLst>
+                </a:gridCol>
+                <a:gridCol w="870857">
+                  <a:extLst>
+                    <a:ext uri="{9D8B030D-6E8A-4147-A177-3AD203B41FA5}">
+                      <a16:colId xmlns:a16="http://schemas.microsoft.com/office/drawing/2014/main" val="2294340571"/>
+                    </a:ext>
+                  </a:extLst>
+                </a:gridCol>
+              </a:tblGrid>
+              <a:tr h="370840">
+                <a:tc>
+                  <a:txBody>
+                    <a:bodyPr/>
+                    <a:lstStyle/>
+                    <a:p>
+                      <a:pPr algn="ctr"/>
+                      <a:r>
+                        <a:rPr lang="fr-FR" sz="1400" dirty="0"/>
+                        <a:t>Sites</a:t>
+                      </a:r>
+                    </a:p>
+                  </a:txBody>
+                  <a:tcPr/>
+                </a:tc>
+                <a:tc>
+                  <a:txBody>
+                    <a:bodyPr/>
+                    <a:lstStyle/>
+                    <a:p>
+                      <a:pPr algn="ctr"/>
+                      <a:r>
+                        <a:rPr lang="fr-FR" sz="1400" dirty="0"/>
+                        <a:t>IDF</a:t>
+                      </a:r>
+                    </a:p>
+                  </a:txBody>
+                  <a:tcPr/>
+                </a:tc>
+                <a:tc>
+                  <a:txBody>
+                    <a:bodyPr/>
+                    <a:lstStyle/>
+                    <a:p>
+                      <a:pPr algn="ctr"/>
+                      <a:r>
+                        <a:rPr lang="fr-FR" sz="1400" dirty="0" err="1"/>
+                        <a:t>horsIDF</a:t>
+                      </a:r>
+                      <a:endParaRPr lang="fr-FR" sz="1400" dirty="0"/>
+                    </a:p>
+                  </a:txBody>
+                  <a:tcPr/>
+                </a:tc>
+                <a:tc>
+                  <a:txBody>
+                    <a:bodyPr/>
+                    <a:lstStyle/>
+                    <a:p>
+                      <a:pPr algn="ctr"/>
+                      <a:r>
+                        <a:rPr lang="fr-FR" sz="1050" dirty="0"/>
+                        <a:t>Nb Rep</a:t>
+                      </a:r>
+                    </a:p>
+                  </a:txBody>
+                  <a:tcPr/>
+                </a:tc>
+                <a:tc>
+                  <a:txBody>
+                    <a:bodyPr/>
+                    <a:lstStyle/>
+                    <a:p>
+                      <a:pPr algn="ctr"/>
+                      <a:r>
+                        <a:rPr lang="fr-FR" sz="1400" dirty="0"/>
+                        <a:t>IDF</a:t>
+                      </a:r>
+                    </a:p>
+                  </a:txBody>
+                  <a:tcPr/>
+                </a:tc>
+                <a:tc>
+                  <a:txBody>
+                    <a:bodyPr/>
+                    <a:lstStyle/>
+                    <a:p>
+                      <a:pPr algn="ctr"/>
+                      <a:r>
+                        <a:rPr lang="fr-FR" sz="1400" dirty="0" err="1"/>
+                        <a:t>horsIDF</a:t>
+                      </a:r>
+                      <a:endParaRPr lang="fr-FR" sz="1400" dirty="0"/>
+                    </a:p>
+                  </a:txBody>
+                  <a:tcPr/>
+                </a:tc>
+                <a:tc>
+                  <a:txBody>
+                    <a:bodyPr/>
+                    <a:lstStyle/>
+                    <a:p>
+                      <a:pPr algn="ctr"/>
+                      <a:r>
+                        <a:rPr lang="fr-FR" sz="1050" dirty="0"/>
+                        <a:t>Nb Rep</a:t>
+                      </a:r>
+                    </a:p>
+                  </a:txBody>
+                  <a:tcPr/>
+                </a:tc>
+                <a:extLst>
+                  <a:ext uri="{0D108BD9-81ED-4DB2-BD59-A6C34878D82A}">
+                    <a16:rowId xmlns:a16="http://schemas.microsoft.com/office/drawing/2014/main" val="3899797023"/>
+                  </a:ext>
+                </a:extLst>
+              </a:tr>
+              <a:tr h="370840">
+                <a:tc>
+                  <a:txBody>
+                    <a:bodyPr/>
+                    <a:lstStyle/>
+                    <a:p>
+                      <a:pPr algn="ctr"/>
+                      <a:r>
+                        <a:rPr lang="fr-FR" sz="1600" dirty="0"/>
+                        <a:t>CGE</a:t>
+                      </a:r>
+                    </a:p>
+                  </a:txBody>
+                  <a:tcPr/>
+                </a:tc>
+                <a:tc>
+                  <a:txBody>
+                    <a:bodyPr/>
+                    <a:lstStyle/>
+                    <a:p>
+                      <a:pPr algn="ctr" fontAlgn="base"/>
+                      <a:r>
+                        <a:rPr lang="fr-FR" sz="1400" dirty="0">
+                          <a:solidFill>
+                            <a:srgbClr val="3D4449"/>
+                          </a:solidFill>
+                          <a:effectLst/>
+                        </a:rPr>
+                        <a:t>39.7 %</a:t>
+                      </a:r>
+                    </a:p>
+                  </a:txBody>
+                  <a:tcPr anchor="ctr"/>
+                </a:tc>
+                <a:tc>
+                  <a:txBody>
+                    <a:bodyPr/>
+                    <a:lstStyle/>
+                    <a:p>
+                      <a:pPr algn="ctr" fontAlgn="base"/>
+                      <a:r>
+                        <a:rPr lang="fr-FR" sz="1400" dirty="0">
+                          <a:solidFill>
+                            <a:srgbClr val="443597"/>
+                          </a:solidFill>
+                          <a:effectLst/>
+                        </a:rPr>
+                        <a:t>60.3 %</a:t>
+                      </a:r>
+                    </a:p>
+                  </a:txBody>
+                  <a:tcPr anchor="ctr"/>
+                </a:tc>
+                <a:tc>
+                  <a:txBody>
+                    <a:bodyPr/>
+                    <a:lstStyle/>
+                    <a:p>
+                      <a:pPr algn="ctr"/>
+                      <a:endParaRPr lang="fr-FR" sz="1400" dirty="0"/>
+                    </a:p>
+                  </a:txBody>
+                  <a:tcPr/>
+                </a:tc>
+                <a:tc>
+                  <a:txBody>
+                    <a:bodyPr/>
+                    <a:lstStyle/>
+                    <a:p>
+                      <a:pPr algn="ctr" fontAlgn="base"/>
+                      <a:r>
+                        <a:rPr lang="fr-FR" sz="1400" dirty="0">
+                          <a:solidFill>
+                            <a:srgbClr val="3D4449"/>
+                          </a:solidFill>
+                          <a:effectLst/>
+                        </a:rPr>
+                        <a:t>39.0 %</a:t>
+                      </a:r>
+                    </a:p>
+                  </a:txBody>
+                  <a:tcPr anchor="ctr"/>
+                </a:tc>
+                <a:tc>
+                  <a:txBody>
+                    <a:bodyPr/>
+                    <a:lstStyle/>
+                    <a:p>
+                      <a:pPr algn="ctr" fontAlgn="base"/>
+                      <a:r>
+                        <a:rPr lang="fr-FR" sz="1400" dirty="0">
+                          <a:solidFill>
+                            <a:srgbClr val="443597"/>
+                          </a:solidFill>
+                          <a:effectLst/>
+                        </a:rPr>
+                        <a:t>61.0 %</a:t>
+                      </a:r>
+                    </a:p>
+                  </a:txBody>
+                  <a:tcPr anchor="ctr"/>
+                </a:tc>
+                <a:tc>
+                  <a:txBody>
+                    <a:bodyPr/>
+                    <a:lstStyle/>
+                    <a:p>
+                      <a:pPr algn="ctr"/>
+                      <a:endParaRPr lang="fr-FR" sz="1100" dirty="0"/>
+                    </a:p>
+                  </a:txBody>
+                  <a:tcPr/>
+                </a:tc>
+                <a:extLst>
+                  <a:ext uri="{0D108BD9-81ED-4DB2-BD59-A6C34878D82A}">
+                    <a16:rowId xmlns:a16="http://schemas.microsoft.com/office/drawing/2014/main" val="952767304"/>
+                  </a:ext>
+                </a:extLst>
+              </a:tr>
+              <a:tr h="370840">
+                <a:tc>
+                  <a:txBody>
+                    <a:bodyPr/>
+                    <a:lstStyle/>
+                    <a:p>
+                      <a:pPr algn="ctr"/>
+                      <a:r>
+                        <a:rPr lang="fr-FR" b="1" dirty="0" err="1"/>
+                        <a:t>Ens</a:t>
+                      </a:r>
+                      <a:r>
+                        <a:rPr lang="fr-FR" b="1" dirty="0"/>
+                        <a:t>.</a:t>
+                      </a:r>
+                    </a:p>
+                  </a:txBody>
+                  <a:tcPr/>
+                </a:tc>
+                <a:tc>
+                  <a:txBody>
+                    <a:bodyPr/>
+                    <a:lstStyle/>
+                    <a:p>
+                      <a:pPr algn="ctr" fontAlgn="base"/>
+                      <a:r>
+                        <a:rPr lang="fr-FR" b="1" dirty="0">
+                          <a:solidFill>
+                            <a:srgbClr val="3D4449"/>
+                          </a:solidFill>
+                          <a:effectLst/>
+                          <a:latin typeface="inherit"/>
+                        </a:rPr>
+                        <a:t>74.4 %</a:t>
+                      </a:r>
+                      <a:endParaRPr lang="fr-FR" dirty="0">
+                        <a:effectLst/>
+                      </a:endParaRPr>
+                    </a:p>
+                  </a:txBody>
+                  <a:tcPr anchor="ctr"/>
+                </a:tc>
+                <a:tc>
+                  <a:txBody>
+                    <a:bodyPr/>
+                    <a:lstStyle/>
+                    <a:p>
+                      <a:pPr algn="ctr" fontAlgn="base"/>
+                      <a:r>
+                        <a:rPr lang="fr-FR" b="1" dirty="0">
+                          <a:solidFill>
+                            <a:srgbClr val="443597"/>
+                          </a:solidFill>
+                          <a:effectLst/>
+                          <a:latin typeface="inherit"/>
+                        </a:rPr>
+                        <a:t>25.6 %</a:t>
+                      </a:r>
+                      <a:endParaRPr lang="fr-FR" dirty="0">
+                        <a:effectLst/>
+                      </a:endParaRPr>
+                    </a:p>
+                  </a:txBody>
+                  <a:tcPr anchor="ctr"/>
+                </a:tc>
+                <a:tc>
+                  <a:txBody>
+                    <a:bodyPr/>
+                    <a:lstStyle/>
+                    <a:p>
+                      <a:pPr algn="ctr" fontAlgn="base"/>
+                      <a:r>
+                        <a:rPr lang="fr-FR" sz="1200" b="1" dirty="0">
+                          <a:solidFill>
+                            <a:srgbClr val="376E8B"/>
+                          </a:solidFill>
+                          <a:effectLst/>
+                          <a:latin typeface="inherit"/>
+                        </a:rPr>
+                        <a:t>117</a:t>
+                      </a:r>
+                      <a:endParaRPr lang="fr-FR" sz="1200" dirty="0">
+                        <a:effectLst/>
+                      </a:endParaRPr>
+                    </a:p>
+                  </a:txBody>
+                  <a:tcPr anchor="ctr"/>
+                </a:tc>
+                <a:tc>
+                  <a:txBody>
+                    <a:bodyPr/>
+                    <a:lstStyle/>
+                    <a:p>
+                      <a:pPr algn="ctr" fontAlgn="base"/>
+                      <a:r>
+                        <a:rPr lang="fr-FR" b="1" dirty="0">
+                          <a:solidFill>
+                            <a:srgbClr val="3D4449"/>
+                          </a:solidFill>
+                          <a:effectLst/>
+                          <a:latin typeface="inherit"/>
+                        </a:rPr>
+                        <a:t>69.5 %</a:t>
+                      </a:r>
+                      <a:endParaRPr lang="fr-FR" dirty="0">
+                        <a:effectLst/>
+                      </a:endParaRPr>
+                    </a:p>
+                  </a:txBody>
+                  <a:tcPr anchor="ctr"/>
+                </a:tc>
+                <a:tc>
+                  <a:txBody>
+                    <a:bodyPr/>
+                    <a:lstStyle/>
+                    <a:p>
+                      <a:pPr algn="ctr" fontAlgn="base"/>
+                      <a:r>
+                        <a:rPr lang="fr-FR" b="1" dirty="0">
+                          <a:solidFill>
+                            <a:srgbClr val="443597"/>
+                          </a:solidFill>
+                          <a:effectLst/>
+                          <a:latin typeface="inherit"/>
+                        </a:rPr>
+                        <a:t>30.5 %</a:t>
+                      </a:r>
+                      <a:endParaRPr lang="fr-FR" dirty="0">
+                        <a:effectLst/>
+                      </a:endParaRPr>
+                    </a:p>
+                  </a:txBody>
+                  <a:tcPr anchor="ctr"/>
+                </a:tc>
+                <a:tc>
+                  <a:txBody>
+                    <a:bodyPr/>
+                    <a:lstStyle/>
+                    <a:p>
+                      <a:pPr algn="ctr" fontAlgn="base"/>
+                      <a:r>
+                        <a:rPr lang="fr-FR" sz="1200" b="1" dirty="0">
+                          <a:solidFill>
+                            <a:srgbClr val="376E8B"/>
+                          </a:solidFill>
+                          <a:effectLst/>
+                          <a:latin typeface="inherit"/>
+                        </a:rPr>
+                        <a:t>105</a:t>
+                      </a:r>
+                      <a:endParaRPr lang="fr-FR" sz="1200" dirty="0">
+                        <a:effectLst/>
+                      </a:endParaRPr>
+                    </a:p>
+                  </a:txBody>
+                  <a:tcPr anchor="ctr"/>
+                </a:tc>
+                <a:extLst>
+                  <a:ext uri="{0D108BD9-81ED-4DB2-BD59-A6C34878D82A}">
+                    <a16:rowId xmlns:a16="http://schemas.microsoft.com/office/drawing/2014/main" val="809898311"/>
+                  </a:ext>
+                </a:extLst>
+              </a:tr>
+              <a:tr h="370840">
+                <a:tc>
+                  <a:txBody>
+                    <a:bodyPr/>
+                    <a:lstStyle/>
+                    <a:p>
+                      <a:pPr algn="ctr"/>
+                      <a:r>
+                        <a:rPr lang="fr-FR" sz="1600" dirty="0">
+                          <a:solidFill>
+                            <a:schemeClr val="bg1"/>
+                          </a:solidFill>
+                        </a:rPr>
+                        <a:t>Pal.</a:t>
+                      </a:r>
+                    </a:p>
+                  </a:txBody>
+                  <a:tcPr>
+                    <a:solidFill>
+                      <a:schemeClr val="accent6">
+                        <a:lumMod val="40000"/>
+                        <a:lumOff val="60000"/>
+                      </a:schemeClr>
+                    </a:solidFill>
+                  </a:tcPr>
+                </a:tc>
+                <a:tc>
+                  <a:txBody>
+                    <a:bodyPr/>
+                    <a:lstStyle/>
+                    <a:p>
+                      <a:pPr algn="ctr" fontAlgn="base"/>
+                      <a:r>
+                        <a:rPr lang="fr-FR" sz="1400" dirty="0">
+                          <a:solidFill>
+                            <a:schemeClr val="bg1"/>
+                          </a:solidFill>
+                          <a:effectLst/>
+                        </a:rPr>
+                        <a:t>81.2 %</a:t>
+                      </a:r>
+                    </a:p>
+                  </a:txBody>
+                  <a:tcPr anchor="ctr">
+                    <a:solidFill>
+                      <a:schemeClr val="accent6">
+                        <a:lumMod val="40000"/>
+                        <a:lumOff val="60000"/>
+                      </a:schemeClr>
+                    </a:solidFill>
+                  </a:tcPr>
+                </a:tc>
+                <a:tc>
+                  <a:txBody>
+                    <a:bodyPr/>
+                    <a:lstStyle/>
+                    <a:p>
+                      <a:pPr algn="ctr" fontAlgn="base"/>
+                      <a:r>
+                        <a:rPr lang="fr-FR" sz="1400" dirty="0">
+                          <a:solidFill>
+                            <a:schemeClr val="bg1"/>
+                          </a:solidFill>
+                          <a:effectLst/>
+                        </a:rPr>
+                        <a:t>18.8 %</a:t>
+                      </a:r>
+                    </a:p>
+                  </a:txBody>
+                  <a:tcPr anchor="ctr">
+                    <a:solidFill>
+                      <a:schemeClr val="accent6">
+                        <a:lumMod val="40000"/>
+                        <a:lumOff val="60000"/>
+                      </a:schemeClr>
+                    </a:solidFill>
+                  </a:tcPr>
+                </a:tc>
+                <a:tc>
+                  <a:txBody>
+                    <a:bodyPr/>
+                    <a:lstStyle/>
+                    <a:p>
+                      <a:pPr algn="ctr" fontAlgn="base"/>
+                      <a:r>
+                        <a:rPr lang="fr-FR" sz="1100" dirty="0">
+                          <a:solidFill>
+                            <a:schemeClr val="bg1"/>
+                          </a:solidFill>
+                          <a:effectLst/>
+                        </a:rPr>
+                        <a:t>69</a:t>
+                      </a:r>
+                    </a:p>
+                  </a:txBody>
+                  <a:tcPr anchor="ctr">
+                    <a:solidFill>
+                      <a:schemeClr val="accent6">
+                        <a:lumMod val="40000"/>
+                        <a:lumOff val="60000"/>
+                      </a:schemeClr>
+                    </a:solidFill>
+                  </a:tcPr>
+                </a:tc>
+                <a:tc>
+                  <a:txBody>
+                    <a:bodyPr/>
+                    <a:lstStyle/>
+                    <a:p>
+                      <a:pPr algn="ctr" fontAlgn="base"/>
+                      <a:r>
+                        <a:rPr lang="fr-FR" sz="1400" dirty="0">
+                          <a:solidFill>
+                            <a:schemeClr val="bg1"/>
+                          </a:solidFill>
+                          <a:effectLst/>
+                        </a:rPr>
+                        <a:t>74.6 %</a:t>
+                      </a:r>
+                    </a:p>
+                  </a:txBody>
+                  <a:tcPr anchor="ctr">
+                    <a:solidFill>
+                      <a:schemeClr val="accent6">
+                        <a:lumMod val="40000"/>
+                        <a:lumOff val="60000"/>
+                      </a:schemeClr>
+                    </a:solidFill>
+                  </a:tcPr>
+                </a:tc>
+                <a:tc>
+                  <a:txBody>
+                    <a:bodyPr/>
+                    <a:lstStyle/>
+                    <a:p>
+                      <a:pPr algn="ctr" fontAlgn="base"/>
+                      <a:r>
+                        <a:rPr lang="fr-FR" sz="1400" dirty="0">
+                          <a:solidFill>
+                            <a:schemeClr val="bg1"/>
+                          </a:solidFill>
+                          <a:effectLst/>
+                        </a:rPr>
+                        <a:t>25.4 %</a:t>
+                      </a:r>
+                    </a:p>
+                  </a:txBody>
+                  <a:tcPr anchor="ctr">
+                    <a:solidFill>
+                      <a:schemeClr val="accent6">
+                        <a:lumMod val="40000"/>
+                        <a:lumOff val="60000"/>
+                      </a:schemeClr>
+                    </a:solidFill>
+                  </a:tcPr>
+                </a:tc>
+                <a:tc>
+                  <a:txBody>
+                    <a:bodyPr/>
+                    <a:lstStyle/>
+                    <a:p>
+                      <a:pPr algn="ctr" fontAlgn="base"/>
+                      <a:r>
+                        <a:rPr lang="fr-FR" sz="1100" dirty="0">
+                          <a:solidFill>
+                            <a:schemeClr val="bg1"/>
+                          </a:solidFill>
+                          <a:effectLst/>
+                        </a:rPr>
+                        <a:t>67</a:t>
+                      </a:r>
+                    </a:p>
+                  </a:txBody>
+                  <a:tcPr anchor="ctr">
+                    <a:solidFill>
+                      <a:schemeClr val="accent6">
+                        <a:lumMod val="40000"/>
+                        <a:lumOff val="60000"/>
+                      </a:schemeClr>
+                    </a:solidFill>
+                  </a:tcPr>
+                </a:tc>
+                <a:extLst>
+                  <a:ext uri="{0D108BD9-81ED-4DB2-BD59-A6C34878D82A}">
+                    <a16:rowId xmlns:a16="http://schemas.microsoft.com/office/drawing/2014/main" val="2207166277"/>
+                  </a:ext>
+                </a:extLst>
+              </a:tr>
+              <a:tr h="370840">
+                <a:tc>
+                  <a:txBody>
+                    <a:bodyPr/>
+                    <a:lstStyle/>
+                    <a:p>
+                      <a:pPr algn="ctr"/>
+                      <a:r>
+                        <a:rPr lang="fr-FR" sz="1600" dirty="0" err="1">
+                          <a:solidFill>
+                            <a:schemeClr val="bg1"/>
+                          </a:solidFill>
+                        </a:rPr>
+                        <a:t>Bdx</a:t>
+                      </a:r>
+                      <a:endParaRPr lang="fr-FR" sz="1600" dirty="0">
+                        <a:solidFill>
+                          <a:schemeClr val="bg1"/>
+                        </a:solidFill>
+                      </a:endParaRPr>
+                    </a:p>
+                  </a:txBody>
+                  <a:tcPr>
+                    <a:solidFill>
+                      <a:schemeClr val="accent6">
+                        <a:lumMod val="60000"/>
+                        <a:lumOff val="40000"/>
+                      </a:schemeClr>
+                    </a:solidFill>
+                  </a:tcPr>
+                </a:tc>
+                <a:tc>
+                  <a:txBody>
+                    <a:bodyPr/>
+                    <a:lstStyle/>
+                    <a:p>
+                      <a:pPr algn="ctr" fontAlgn="base"/>
+                      <a:r>
+                        <a:rPr lang="fr-FR" sz="1400" dirty="0">
+                          <a:solidFill>
+                            <a:schemeClr val="bg1"/>
+                          </a:solidFill>
+                          <a:effectLst/>
+                        </a:rPr>
+                        <a:t>60.0 %</a:t>
+                      </a:r>
+                    </a:p>
+                  </a:txBody>
+                  <a:tcPr anchor="ctr">
+                    <a:solidFill>
+                      <a:schemeClr val="accent6">
+                        <a:lumMod val="60000"/>
+                        <a:lumOff val="40000"/>
+                      </a:schemeClr>
+                    </a:solidFill>
+                  </a:tcPr>
+                </a:tc>
+                <a:tc>
+                  <a:txBody>
+                    <a:bodyPr/>
+                    <a:lstStyle/>
+                    <a:p>
+                      <a:pPr algn="ctr" fontAlgn="base"/>
+                      <a:r>
+                        <a:rPr lang="fr-FR" sz="1400" dirty="0">
+                          <a:solidFill>
+                            <a:schemeClr val="bg1"/>
+                          </a:solidFill>
+                          <a:effectLst/>
+                        </a:rPr>
+                        <a:t>40.0 %</a:t>
+                      </a:r>
+                    </a:p>
+                  </a:txBody>
+                  <a:tcPr anchor="ctr">
+                    <a:solidFill>
+                      <a:schemeClr val="accent6">
+                        <a:lumMod val="60000"/>
+                        <a:lumOff val="40000"/>
+                      </a:schemeClr>
+                    </a:solidFill>
+                  </a:tcPr>
+                </a:tc>
+                <a:tc>
+                  <a:txBody>
+                    <a:bodyPr/>
+                    <a:lstStyle/>
+                    <a:p>
+                      <a:pPr algn="ctr" fontAlgn="base"/>
+                      <a:r>
+                        <a:rPr lang="fr-FR" sz="1100" dirty="0">
+                          <a:solidFill>
+                            <a:schemeClr val="bg1"/>
+                          </a:solidFill>
+                          <a:effectLst/>
+                        </a:rPr>
+                        <a:t>20</a:t>
+                      </a:r>
+                    </a:p>
+                  </a:txBody>
+                  <a:tcPr anchor="ctr">
+                    <a:solidFill>
+                      <a:schemeClr val="accent6">
+                        <a:lumMod val="60000"/>
+                        <a:lumOff val="40000"/>
+                      </a:schemeClr>
+                    </a:solidFill>
+                  </a:tcPr>
+                </a:tc>
+                <a:tc>
+                  <a:txBody>
+                    <a:bodyPr/>
+                    <a:lstStyle/>
+                    <a:p>
+                      <a:pPr algn="ctr" fontAlgn="base"/>
+                      <a:r>
+                        <a:rPr lang="fr-FR" sz="1400" dirty="0">
+                          <a:solidFill>
+                            <a:schemeClr val="bg1"/>
+                          </a:solidFill>
+                          <a:effectLst/>
+                        </a:rPr>
+                        <a:t>61.5 %</a:t>
+                      </a:r>
+                    </a:p>
+                  </a:txBody>
+                  <a:tcPr anchor="ctr">
+                    <a:solidFill>
+                      <a:schemeClr val="accent6">
+                        <a:lumMod val="60000"/>
+                        <a:lumOff val="40000"/>
+                      </a:schemeClr>
+                    </a:solidFill>
+                  </a:tcPr>
+                </a:tc>
+                <a:tc>
+                  <a:txBody>
+                    <a:bodyPr/>
+                    <a:lstStyle/>
+                    <a:p>
+                      <a:pPr algn="ctr" fontAlgn="base"/>
+                      <a:r>
+                        <a:rPr lang="fr-FR" sz="1400" dirty="0">
+                          <a:solidFill>
+                            <a:schemeClr val="bg1"/>
+                          </a:solidFill>
+                          <a:effectLst/>
+                        </a:rPr>
+                        <a:t>38.5 %</a:t>
+                      </a:r>
+                    </a:p>
+                  </a:txBody>
+                  <a:tcPr anchor="ctr">
+                    <a:solidFill>
+                      <a:schemeClr val="accent6">
+                        <a:lumMod val="60000"/>
+                        <a:lumOff val="40000"/>
+                      </a:schemeClr>
+                    </a:solidFill>
+                  </a:tcPr>
+                </a:tc>
+                <a:tc>
+                  <a:txBody>
+                    <a:bodyPr/>
+                    <a:lstStyle/>
+                    <a:p>
+                      <a:pPr algn="ctr" fontAlgn="base"/>
+                      <a:r>
+                        <a:rPr lang="fr-FR" sz="1100" dirty="0">
+                          <a:solidFill>
+                            <a:schemeClr val="bg1"/>
+                          </a:solidFill>
+                          <a:effectLst/>
+                        </a:rPr>
+                        <a:t>13</a:t>
+                      </a:r>
+                    </a:p>
+                  </a:txBody>
+                  <a:tcPr anchor="ctr">
+                    <a:solidFill>
+                      <a:schemeClr val="accent6">
+                        <a:lumMod val="60000"/>
+                        <a:lumOff val="40000"/>
+                      </a:schemeClr>
+                    </a:solidFill>
+                  </a:tcPr>
+                </a:tc>
+                <a:extLst>
+                  <a:ext uri="{0D108BD9-81ED-4DB2-BD59-A6C34878D82A}">
+                    <a16:rowId xmlns:a16="http://schemas.microsoft.com/office/drawing/2014/main" val="1083475024"/>
+                  </a:ext>
+                </a:extLst>
+              </a:tr>
+              <a:tr h="370840">
+                <a:tc>
+                  <a:txBody>
+                    <a:bodyPr/>
+                    <a:lstStyle/>
+                    <a:p>
+                      <a:pPr algn="ctr"/>
+                      <a:r>
+                        <a:rPr lang="fr-FR" sz="1600" dirty="0" err="1">
+                          <a:solidFill>
+                            <a:schemeClr val="bg1"/>
+                          </a:solidFill>
+                        </a:rPr>
+                        <a:t>StE</a:t>
+                      </a:r>
+                      <a:endParaRPr lang="fr-FR" sz="1600" dirty="0">
+                        <a:solidFill>
+                          <a:schemeClr val="bg1"/>
+                        </a:solidFill>
+                      </a:endParaRPr>
+                    </a:p>
+                  </a:txBody>
+                  <a:tcPr>
+                    <a:solidFill>
+                      <a:schemeClr val="accent6">
+                        <a:lumMod val="75000"/>
+                      </a:schemeClr>
+                    </a:solidFill>
+                  </a:tcPr>
+                </a:tc>
+                <a:tc>
+                  <a:txBody>
+                    <a:bodyPr/>
+                    <a:lstStyle/>
+                    <a:p>
+                      <a:pPr algn="ctr" fontAlgn="base"/>
+                      <a:r>
+                        <a:rPr lang="fr-FR" sz="1400" dirty="0">
+                          <a:solidFill>
+                            <a:schemeClr val="bg1"/>
+                          </a:solidFill>
+                          <a:effectLst/>
+                        </a:rPr>
+                        <a:t>60.0 %</a:t>
+                      </a:r>
+                    </a:p>
+                  </a:txBody>
+                  <a:tcPr anchor="ctr">
+                    <a:solidFill>
+                      <a:schemeClr val="accent6">
+                        <a:lumMod val="75000"/>
+                      </a:schemeClr>
+                    </a:solidFill>
+                  </a:tcPr>
+                </a:tc>
+                <a:tc>
+                  <a:txBody>
+                    <a:bodyPr/>
+                    <a:lstStyle/>
+                    <a:p>
+                      <a:pPr algn="ctr" fontAlgn="base"/>
+                      <a:r>
+                        <a:rPr lang="fr-FR" sz="1400" dirty="0">
+                          <a:solidFill>
+                            <a:schemeClr val="bg1"/>
+                          </a:solidFill>
+                          <a:effectLst/>
+                        </a:rPr>
+                        <a:t>40.0 %</a:t>
+                      </a:r>
+                    </a:p>
+                  </a:txBody>
+                  <a:tcPr anchor="ctr">
+                    <a:solidFill>
+                      <a:schemeClr val="accent6">
+                        <a:lumMod val="75000"/>
+                      </a:schemeClr>
+                    </a:solidFill>
+                  </a:tcPr>
+                </a:tc>
+                <a:tc>
+                  <a:txBody>
+                    <a:bodyPr/>
+                    <a:lstStyle/>
+                    <a:p>
+                      <a:pPr algn="ctr" fontAlgn="base"/>
+                      <a:r>
+                        <a:rPr lang="fr-FR" sz="1100" dirty="0">
+                          <a:solidFill>
+                            <a:schemeClr val="bg1"/>
+                          </a:solidFill>
+                          <a:effectLst/>
+                        </a:rPr>
+                        <a:t>15</a:t>
+                      </a:r>
+                    </a:p>
+                  </a:txBody>
+                  <a:tcPr anchor="ctr">
+                    <a:solidFill>
+                      <a:schemeClr val="accent6">
+                        <a:lumMod val="75000"/>
+                      </a:schemeClr>
+                    </a:solidFill>
+                  </a:tcPr>
+                </a:tc>
+                <a:tc>
+                  <a:txBody>
+                    <a:bodyPr/>
+                    <a:lstStyle/>
+                    <a:p>
+                      <a:pPr algn="ctr" fontAlgn="base"/>
+                      <a:r>
+                        <a:rPr lang="fr-FR" sz="1400" dirty="0">
+                          <a:solidFill>
+                            <a:schemeClr val="bg1"/>
+                          </a:solidFill>
+                          <a:effectLst/>
+                        </a:rPr>
+                        <a:t>41.7 %</a:t>
+                      </a:r>
+                    </a:p>
+                  </a:txBody>
+                  <a:tcPr anchor="ctr">
+                    <a:solidFill>
+                      <a:schemeClr val="accent6">
+                        <a:lumMod val="75000"/>
+                      </a:schemeClr>
+                    </a:solidFill>
+                  </a:tcPr>
+                </a:tc>
+                <a:tc>
+                  <a:txBody>
+                    <a:bodyPr/>
+                    <a:lstStyle/>
+                    <a:p>
+                      <a:pPr algn="ctr" fontAlgn="base"/>
+                      <a:r>
+                        <a:rPr lang="fr-FR" sz="1400" dirty="0">
+                          <a:solidFill>
+                            <a:schemeClr val="bg1"/>
+                          </a:solidFill>
+                          <a:effectLst/>
+                        </a:rPr>
+                        <a:t>58.3 %</a:t>
+                      </a:r>
+                    </a:p>
+                  </a:txBody>
+                  <a:tcPr anchor="ctr">
+                    <a:solidFill>
+                      <a:schemeClr val="accent6">
+                        <a:lumMod val="75000"/>
+                      </a:schemeClr>
+                    </a:solidFill>
+                  </a:tcPr>
+                </a:tc>
+                <a:tc>
+                  <a:txBody>
+                    <a:bodyPr/>
+                    <a:lstStyle/>
+                    <a:p>
+                      <a:pPr algn="ctr" fontAlgn="base"/>
+                      <a:r>
+                        <a:rPr lang="fr-FR" sz="1100" dirty="0">
+                          <a:solidFill>
+                            <a:schemeClr val="bg1"/>
+                          </a:solidFill>
+                          <a:effectLst/>
+                        </a:rPr>
+                        <a:t>12</a:t>
+                      </a:r>
+                    </a:p>
+                  </a:txBody>
+                  <a:tcPr anchor="ctr">
+                    <a:solidFill>
+                      <a:schemeClr val="accent6">
+                        <a:lumMod val="75000"/>
+                      </a:schemeClr>
+                    </a:solidFill>
+                  </a:tcPr>
+                </a:tc>
+                <a:extLst>
+                  <a:ext uri="{0D108BD9-81ED-4DB2-BD59-A6C34878D82A}">
+                    <a16:rowId xmlns:a16="http://schemas.microsoft.com/office/drawing/2014/main" val="1118240960"/>
+                  </a:ext>
+                </a:extLst>
+              </a:tr>
+              <a:tr h="370840">
+                <a:tc>
+                  <a:txBody>
+                    <a:bodyPr/>
+                    <a:lstStyle/>
+                    <a:p>
+                      <a:pPr algn="ctr"/>
+                      <a:r>
+                        <a:rPr lang="fr-FR" sz="1600" dirty="0"/>
+                        <a:t>Ext</a:t>
+                      </a:r>
+                    </a:p>
+                  </a:txBody>
+                  <a:tcPr/>
+                </a:tc>
+                <a:tc>
+                  <a:txBody>
+                    <a:bodyPr/>
+                    <a:lstStyle/>
+                    <a:p>
+                      <a:pPr algn="ctr" fontAlgn="base"/>
+                      <a:r>
+                        <a:rPr lang="fr-FR" sz="1400" dirty="0">
+                          <a:solidFill>
+                            <a:srgbClr val="3D4449"/>
+                          </a:solidFill>
+                          <a:effectLst/>
+                        </a:rPr>
+                        <a:t>81.8 %</a:t>
+                      </a:r>
+                    </a:p>
+                  </a:txBody>
+                  <a:tcPr anchor="ctr"/>
+                </a:tc>
+                <a:tc>
+                  <a:txBody>
+                    <a:bodyPr/>
+                    <a:lstStyle/>
+                    <a:p>
+                      <a:pPr algn="ctr" fontAlgn="base"/>
+                      <a:r>
+                        <a:rPr lang="fr-FR" sz="1400" dirty="0">
+                          <a:solidFill>
+                            <a:srgbClr val="443597"/>
+                          </a:solidFill>
+                          <a:effectLst/>
+                        </a:rPr>
+                        <a:t>18.2 %</a:t>
+                      </a:r>
+                    </a:p>
+                  </a:txBody>
+                  <a:tcPr anchor="ctr"/>
+                </a:tc>
+                <a:tc>
+                  <a:txBody>
+                    <a:bodyPr/>
+                    <a:lstStyle/>
+                    <a:p>
+                      <a:pPr algn="ctr" fontAlgn="base"/>
+                      <a:r>
+                        <a:rPr lang="fr-FR" sz="1100" dirty="0">
+                          <a:solidFill>
+                            <a:srgbClr val="376E8B"/>
+                          </a:solidFill>
+                          <a:effectLst/>
+                        </a:rPr>
+                        <a:t>11</a:t>
+                      </a:r>
+                    </a:p>
+                  </a:txBody>
+                  <a:tcPr anchor="ctr"/>
+                </a:tc>
+                <a:tc>
+                  <a:txBody>
+                    <a:bodyPr/>
+                    <a:lstStyle/>
+                    <a:p>
+                      <a:pPr algn="ctr" fontAlgn="base"/>
+                      <a:r>
+                        <a:rPr lang="fr-FR" sz="1400" dirty="0">
+                          <a:solidFill>
+                            <a:srgbClr val="3D4449"/>
+                          </a:solidFill>
+                          <a:effectLst/>
+                        </a:rPr>
+                        <a:t>81.8 %</a:t>
+                      </a:r>
+                    </a:p>
+                  </a:txBody>
+                  <a:tcPr anchor="ctr"/>
+                </a:tc>
+                <a:tc>
+                  <a:txBody>
+                    <a:bodyPr/>
+                    <a:lstStyle/>
+                    <a:p>
+                      <a:pPr algn="ctr" fontAlgn="base"/>
+                      <a:r>
+                        <a:rPr lang="fr-FR" sz="1400" dirty="0">
+                          <a:solidFill>
+                            <a:srgbClr val="443597"/>
+                          </a:solidFill>
+                          <a:effectLst/>
+                        </a:rPr>
+                        <a:t>18.2 %</a:t>
+                      </a:r>
+                    </a:p>
+                  </a:txBody>
+                  <a:tcPr anchor="ctr"/>
+                </a:tc>
+                <a:tc>
+                  <a:txBody>
+                    <a:bodyPr/>
+                    <a:lstStyle/>
+                    <a:p>
+                      <a:pPr algn="ctr" fontAlgn="base"/>
+                      <a:r>
+                        <a:rPr lang="fr-FR" sz="1100" dirty="0">
+                          <a:solidFill>
+                            <a:srgbClr val="376E8B"/>
+                          </a:solidFill>
+                          <a:effectLst/>
+                        </a:rPr>
+                        <a:t>11</a:t>
                       </a:r>
                     </a:p>
                   </a:txBody>
@@ -10377,7 +14183,7 @@
 </p:sld>
 </file>
 
-<file path=ppt/slides/slide17.xml><?xml version="1.0" encoding="utf-8"?>
+<file path=ppt/slides/slide22.xml><?xml version="1.0" encoding="utf-8"?>
 <p:sld xmlns:a="http://schemas.openxmlformats.org/drawingml/2006/main" xmlns:r="http://schemas.openxmlformats.org/officeDocument/2006/relationships" xmlns:p="http://schemas.openxmlformats.org/presentationml/2006/main">
   <p:cSld>
     <p:spTree>
@@ -10469,7 +14275,7 @@
                 </a:solidFill>
                 <a:ea typeface="ＭＳ Ｐゴシック" panose="020B0600070205080204" pitchFamily="34" charset="-128"/>
               </a:rPr>
-              <a:t>Lieu des emplois / Sites</a:t>
+              <a:t>Lieu des emplois en France / Filières</a:t>
             </a:r>
           </a:p>
         </p:txBody>
@@ -10657,7 +14463,7 @@
           <p:nvPr>
             <p:extLst>
               <p:ext uri="{D42A27DB-BD31-4B8C-83A1-F6EECF244321}">
-                <p14:modId xmlns:p14="http://schemas.microsoft.com/office/powerpoint/2010/main" val="1288548104"/>
+                <p14:modId xmlns:p14="http://schemas.microsoft.com/office/powerpoint/2010/main" val="1373514323"/>
               </p:ext>
             </p:extLst>
           </p:nvPr>
@@ -10864,7 +14670,7 @@
                           </a:solidFill>
                           <a:effectLst/>
                         </a:rPr>
-                        <a:t>9.7 %</a:t>
+                        <a:t>9.3 %</a:t>
                       </a:r>
                     </a:p>
                   </a:txBody>
@@ -10883,7 +14689,7 @@
                           </a:solidFill>
                           <a:effectLst/>
                         </a:rPr>
-                        <a:t>90.3 %</a:t>
+                        <a:t>90.7 %</a:t>
                       </a:r>
                     </a:p>
                   </a:txBody>
@@ -10913,7 +14719,7 @@
                           </a:solidFill>
                           <a:effectLst/>
                         </a:rPr>
-                        <a:t>9.3 %</a:t>
+                        <a:t>8.9 %</a:t>
                       </a:r>
                     </a:p>
                   </a:txBody>
@@ -10932,7 +14738,7 @@
                           </a:solidFill>
                           <a:effectLst/>
                         </a:rPr>
-                        <a:t>90.7 %</a:t>
+                        <a:t>91.1 %</a:t>
                       </a:r>
                     </a:p>
                   </a:txBody>
@@ -10981,37 +14787,14 @@
                     <a:p>
                       <a:pPr algn="ctr" fontAlgn="base"/>
                       <a:r>
-                        <a:rPr lang="fr-FR" b="1">
+                        <a:rPr lang="fr-FR" b="1" dirty="0">
                           <a:solidFill>
                             <a:srgbClr val="3D4449"/>
                           </a:solidFill>
                           <a:effectLst/>
                           <a:latin typeface="inherit"/>
                         </a:rPr>
-                        <a:t>8.2 %</a:t>
-                      </a:r>
-                      <a:endParaRPr lang="fr-FR">
-                        <a:effectLst/>
-                      </a:endParaRPr>
-                    </a:p>
-                  </a:txBody>
-                  <a:tcPr anchor="ctr"/>
-                </a:tc>
-                <a:tc>
-                  <a:txBody>
-                    <a:bodyPr/>
-                    <a:lstStyle/>
-                    <a:p>
-                      <a:pPr algn="ctr" fontAlgn="base"/>
-                      <a:r>
-                        <a:rPr lang="fr-FR" b="1" dirty="0">
-                          <a:solidFill>
-                            <a:srgbClr val="443597"/>
-                          </a:solidFill>
-                          <a:effectLst/>
-                          <a:latin typeface="inherit"/>
-                        </a:rPr>
-                        <a:t>91.8 %</a:t>
+                        <a:t>7.1 %</a:t>
                       </a:r>
                       <a:endParaRPr lang="fr-FR" dirty="0">
                         <a:effectLst/>
@@ -11027,14 +14810,37 @@
                     <a:p>
                       <a:pPr algn="ctr" fontAlgn="base"/>
                       <a:r>
-                        <a:rPr lang="fr-FR" sz="1200" b="1" dirty="0">
-                          <a:solidFill>
-                            <a:srgbClr val="376E8B"/>
+                        <a:rPr lang="fr-FR" b="1" dirty="0">
+                          <a:solidFill>
+                            <a:srgbClr val="443597"/>
                           </a:solidFill>
                           <a:effectLst/>
                           <a:latin typeface="inherit"/>
                         </a:rPr>
-                        <a:t>159</a:t>
+                        <a:t>92.9 %</a:t>
+                      </a:r>
+                      <a:endParaRPr lang="fr-FR" dirty="0">
+                        <a:effectLst/>
+                      </a:endParaRPr>
+                    </a:p>
+                  </a:txBody>
+                  <a:tcPr anchor="ctr"/>
+                </a:tc>
+                <a:tc>
+                  <a:txBody>
+                    <a:bodyPr/>
+                    <a:lstStyle/>
+                    <a:p>
+                      <a:pPr algn="ctr" fontAlgn="base"/>
+                      <a:r>
+                        <a:rPr lang="fr-FR" sz="1200" b="1" dirty="0">
+                          <a:solidFill>
+                            <a:srgbClr val="376E8B"/>
+                          </a:solidFill>
+                          <a:effectLst/>
+                          <a:latin typeface="inherit"/>
+                        </a:rPr>
+                        <a:t>126</a:t>
                       </a:r>
                       <a:endParaRPr lang="fr-FR" sz="1200" dirty="0">
                         <a:effectLst/>
@@ -11103,7 +14909,7 @@
                           <a:effectLst/>
                           <a:latin typeface="inherit"/>
                         </a:rPr>
-                        <a:t>141</a:t>
+                        <a:t>113</a:t>
                       </a:r>
                       <a:endParaRPr lang="fr-FR" sz="1200" dirty="0">
                         <a:effectLst/>
@@ -11131,7 +14937,7 @@
                             <a:schemeClr val="bg1"/>
                           </a:solidFill>
                         </a:rPr>
-                        <a:t>Pal.</a:t>
+                        <a:t>FISE</a:t>
                       </a:r>
                     </a:p>
                   </a:txBody>
@@ -11157,7 +14963,7 @@
                           </a:solidFill>
                           <a:effectLst/>
                         </a:rPr>
-                        <a:t>7.4 %</a:t>
+                        <a:t>5.6 %</a:t>
                       </a:r>
                     </a:p>
                   </a:txBody>
@@ -11177,13 +14983,13 @@
                     <a:p>
                       <a:pPr algn="ctr" fontAlgn="base"/>
                       <a:r>
-                        <a:rPr lang="fr-FR" sz="1400">
+                        <a:rPr lang="fr-FR" sz="1400" dirty="0">
                           <a:solidFill>
                             <a:schemeClr val="bg1"/>
                           </a:solidFill>
                           <a:effectLst/>
                         </a:rPr>
-                        <a:t>92.6 %</a:t>
+                        <a:t>94.4 %</a:t>
                       </a:r>
                     </a:p>
                   </a:txBody>
@@ -11209,7 +15015,7 @@
                           </a:solidFill>
                           <a:effectLst/>
                         </a:rPr>
-                        <a:t>81</a:t>
+                        <a:t>71</a:t>
                       </a:r>
                     </a:p>
                   </a:txBody>
@@ -11235,7 +15041,7 @@
                           </a:solidFill>
                           <a:effectLst/>
                         </a:rPr>
-                        <a:t>3.8 %</a:t>
+                        <a:t>9.1 %</a:t>
                       </a:r>
                     </a:p>
                   </a:txBody>
@@ -11261,7 +15067,7 @@
                           </a:solidFill>
                           <a:effectLst/>
                         </a:rPr>
-                        <a:t>96.2 %</a:t>
+                        <a:t>90.9 %</a:t>
                       </a:r>
                     </a:p>
                   </a:txBody>
@@ -11287,7 +15093,7 @@
                           </a:solidFill>
                           <a:effectLst/>
                         </a:rPr>
-                        <a:t>80</a:t>
+                        <a:t>66</a:t>
                       </a:r>
                     </a:p>
                   </a:txBody>
@@ -11314,18 +15120,13 @@
                     <a:p>
                       <a:pPr algn="ctr"/>
                       <a:r>
-                        <a:rPr lang="fr-FR" sz="1600" dirty="0" err="1">
+                        <a:rPr lang="fr-FR" sz="1600" dirty="0">
                           <a:solidFill>
                             <a:schemeClr val="bg1"/>
                           </a:solidFill>
                         </a:rPr>
-                        <a:t>Bdx</a:t>
-                      </a:r>
-                      <a:endParaRPr lang="fr-FR" sz="1600" dirty="0">
-                        <a:solidFill>
-                          <a:schemeClr val="bg1"/>
-                        </a:solidFill>
-                      </a:endParaRPr>
+                        <a:t>FISA</a:t>
+                      </a:r>
                     </a:p>
                   </a:txBody>
                   <a:tcPr>
@@ -11350,7 +15151,7 @@
                           </a:solidFill>
                           <a:effectLst/>
                         </a:rPr>
-                        <a:t>2.9 %</a:t>
+                        <a:t>0.0 %</a:t>
                       </a:r>
                     </a:p>
                   </a:txBody>
@@ -11376,7 +15177,7 @@
                           </a:solidFill>
                           <a:effectLst/>
                         </a:rPr>
-                        <a:t>97.1 %</a:t>
+                        <a:t>100.0 %</a:t>
                       </a:r>
                     </a:p>
                   </a:txBody>
@@ -11402,7 +15203,7 @@
                           </a:solidFill>
                           <a:effectLst/>
                         </a:rPr>
-                        <a:t>34</a:t>
+                        <a:t>29</a:t>
                       </a:r>
                     </a:p>
                   </a:txBody>
@@ -11428,7 +15229,7 @@
                           </a:solidFill>
                           <a:effectLst/>
                         </a:rPr>
-                        <a:t>8.7 %</a:t>
+                        <a:t>0.0 %</a:t>
                       </a:r>
                     </a:p>
                   </a:txBody>
@@ -11454,7 +15255,7 @@
                           </a:solidFill>
                           <a:effectLst/>
                         </a:rPr>
-                        <a:t>91.3 %</a:t>
+                        <a:t>100 %</a:t>
                       </a:r>
                     </a:p>
                   </a:txBody>
@@ -11480,7 +15281,7 @@
                           </a:solidFill>
                           <a:effectLst/>
                         </a:rPr>
-                        <a:t>23</a:t>
+                        <a:t>28</a:t>
                       </a:r>
                     </a:p>
                   </a:txBody>
@@ -11507,12 +15308,20 @@
                     <a:p>
                       <a:pPr algn="ctr"/>
                       <a:r>
+                        <a:rPr lang="fr-FR" sz="1600" dirty="0">
+                          <a:solidFill>
+                            <a:schemeClr val="bg1"/>
+                          </a:solidFill>
+                        </a:rPr>
+                        <a:t>Do </a:t>
+                      </a:r>
+                      <a:r>
                         <a:rPr lang="fr-FR" sz="1600" dirty="0" err="1">
                           <a:solidFill>
                             <a:schemeClr val="bg1"/>
                           </a:solidFill>
                         </a:rPr>
-                        <a:t>StE</a:t>
+                        <a:t>Dip</a:t>
                       </a:r>
                       <a:endParaRPr lang="fr-FR" sz="1600" dirty="0">
                         <a:solidFill>
@@ -11536,13 +15345,13 @@
                     <a:p>
                       <a:pPr algn="ctr" fontAlgn="base"/>
                       <a:r>
-                        <a:rPr lang="fr-FR" sz="1400">
+                        <a:rPr lang="fr-FR" sz="1400" dirty="0">
                           <a:solidFill>
                             <a:schemeClr val="bg1"/>
                           </a:solidFill>
                           <a:effectLst/>
                         </a:rPr>
-                        <a:t>13.6 %</a:t>
+                        <a:t>19.2 %</a:t>
                       </a:r>
                     </a:p>
                   </a:txBody>
@@ -11567,7 +15376,7 @@
                           </a:solidFill>
                           <a:effectLst/>
                         </a:rPr>
-                        <a:t>86.4 %</a:t>
+                        <a:t>80.8 %</a:t>
                       </a:r>
                     </a:p>
                   </a:txBody>
@@ -11592,7 +15401,7 @@
                           </a:solidFill>
                           <a:effectLst/>
                         </a:rPr>
-                        <a:t>22</a:t>
+                        <a:t>26</a:t>
                       </a:r>
                     </a:p>
                   </a:txBody>
@@ -11692,10 +15501,7 @@
                     <a:lstStyle/>
                     <a:p>
                       <a:pPr algn="ctr"/>
-                      <a:r>
-                        <a:rPr lang="fr-FR" sz="1600" dirty="0"/>
-                        <a:t>Ext</a:t>
-                      </a:r>
+                      <a:endParaRPr lang="fr-FR" sz="1600" dirty="0"/>
                     </a:p>
                   </a:txBody>
                   <a:tcPr/>
@@ -11706,15 +15512,12 @@
                     <a:lstStyle/>
                     <a:p>
                       <a:pPr algn="ctr" fontAlgn="base"/>
-                      <a:r>
-                        <a:rPr lang="fr-FR" sz="1400" dirty="0">
-                          <a:solidFill>
-                            <a:srgbClr val="3D4449"/>
-                          </a:solidFill>
-                          <a:effectLst/>
-                        </a:rPr>
-                        <a:t>15.0 %</a:t>
-                      </a:r>
+                      <a:endParaRPr lang="fr-FR" sz="1400" dirty="0">
+                        <a:solidFill>
+                          <a:srgbClr val="3D4449"/>
+                        </a:solidFill>
+                        <a:effectLst/>
+                      </a:endParaRPr>
                     </a:p>
                   </a:txBody>
                   <a:tcPr anchor="ctr"/>
@@ -11725,15 +15528,12 @@
                     <a:lstStyle/>
                     <a:p>
                       <a:pPr algn="ctr" fontAlgn="base"/>
-                      <a:r>
-                        <a:rPr lang="fr-FR" sz="1400" dirty="0">
-                          <a:solidFill>
-                            <a:srgbClr val="443597"/>
-                          </a:solidFill>
-                          <a:effectLst/>
-                        </a:rPr>
-                        <a:t>85.0 %</a:t>
-                      </a:r>
+                      <a:endParaRPr lang="fr-FR" sz="1400" dirty="0">
+                        <a:solidFill>
+                          <a:srgbClr val="443597"/>
+                        </a:solidFill>
+                        <a:effectLst/>
+                      </a:endParaRPr>
                     </a:p>
                   </a:txBody>
                   <a:tcPr anchor="ctr"/>
@@ -11744,15 +15544,12 @@
                     <a:lstStyle/>
                     <a:p>
                       <a:pPr algn="ctr" fontAlgn="base"/>
-                      <a:r>
-                        <a:rPr lang="fr-FR" sz="1100" dirty="0">
-                          <a:solidFill>
-                            <a:srgbClr val="376E8B"/>
-                          </a:solidFill>
-                          <a:effectLst/>
-                        </a:rPr>
-                        <a:t>20</a:t>
-                      </a:r>
+                      <a:endParaRPr lang="fr-FR" sz="1100" dirty="0">
+                        <a:solidFill>
+                          <a:srgbClr val="376E8B"/>
+                        </a:solidFill>
+                        <a:effectLst/>
+                      </a:endParaRPr>
                     </a:p>
                   </a:txBody>
                   <a:tcPr anchor="ctr"/>
@@ -11763,15 +15560,12 @@
                     <a:lstStyle/>
                     <a:p>
                       <a:pPr algn="ctr" fontAlgn="base"/>
-                      <a:r>
-                        <a:rPr lang="fr-FR" sz="1400" dirty="0">
-                          <a:solidFill>
-                            <a:srgbClr val="3D4449"/>
-                          </a:solidFill>
-                          <a:effectLst/>
-                        </a:rPr>
-                        <a:t>17.6 %</a:t>
-                      </a:r>
+                      <a:endParaRPr lang="fr-FR" sz="1400" dirty="0">
+                        <a:solidFill>
+                          <a:srgbClr val="3D4449"/>
+                        </a:solidFill>
+                        <a:effectLst/>
+                      </a:endParaRPr>
                     </a:p>
                   </a:txBody>
                   <a:tcPr anchor="ctr"/>
@@ -11782,15 +15576,12 @@
                     <a:lstStyle/>
                     <a:p>
                       <a:pPr algn="ctr" fontAlgn="base"/>
-                      <a:r>
-                        <a:rPr lang="fr-FR" sz="1400" dirty="0">
-                          <a:solidFill>
-                            <a:srgbClr val="443597"/>
-                          </a:solidFill>
-                          <a:effectLst/>
-                        </a:rPr>
-                        <a:t>82.4 %</a:t>
-                      </a:r>
+                      <a:endParaRPr lang="fr-FR" sz="1400" dirty="0">
+                        <a:solidFill>
+                          <a:srgbClr val="443597"/>
+                        </a:solidFill>
+                        <a:effectLst/>
+                      </a:endParaRPr>
                     </a:p>
                   </a:txBody>
                   <a:tcPr anchor="ctr"/>
@@ -11801,15 +15592,12 @@
                     <a:lstStyle/>
                     <a:p>
                       <a:pPr algn="ctr" fontAlgn="base"/>
-                      <a:r>
-                        <a:rPr lang="fr-FR" sz="1100" dirty="0">
-                          <a:solidFill>
-                            <a:srgbClr val="376E8B"/>
-                          </a:solidFill>
-                          <a:effectLst/>
-                        </a:rPr>
-                        <a:t>17</a:t>
-                      </a:r>
+                      <a:endParaRPr lang="fr-FR" sz="1100" dirty="0">
+                        <a:solidFill>
+                          <a:srgbClr val="376E8B"/>
+                        </a:solidFill>
+                        <a:effectLst/>
+                      </a:endParaRPr>
                     </a:p>
                   </a:txBody>
                   <a:tcPr anchor="ctr"/>
@@ -11910,10 +15698,10 @@
       </p:sp>
       <p:cxnSp>
         <p:nvCxnSpPr>
-          <p:cNvPr id="4" name="Connecteur droit 3">
+          <p:cNvPr id="12" name="Connecteur droit 11">
             <a:extLst>
               <a:ext uri="{FF2B5EF4-FFF2-40B4-BE49-F238E27FC236}">
-                <a16:creationId xmlns:a16="http://schemas.microsoft.com/office/drawing/2014/main" id="{46A9AF30-4985-7D91-5CC9-A0AF905AF948}"/>
+                <a16:creationId xmlns:a16="http://schemas.microsoft.com/office/drawing/2014/main" id="{B8788C0E-763D-AEA1-A8D6-23C0DA9EFF31}"/>
               </a:ext>
             </a:extLst>
           </p:cNvPr>
@@ -11945,7 +15733,7 @@
           <a:effectLst/>
           <a:extLst>
             <a:ext uri="{AF507438-7753-43e0-B8FC-AC1667EBCBE1}">
-              <a14:hiddenEffects xmlns:a14="http://schemas.microsoft.com/office/drawing/2010/main" xmlns="">
+              <a14:hiddenEffects xmlns="" xmlns:a14="http://schemas.microsoft.com/office/drawing/2010/main">
                 <a:effectLst>
                   <a:outerShdw dist="35921" dir="2700000" algn="ctr" rotWithShape="0">
                     <a:schemeClr val="bg2"/>
@@ -11958,10 +15746,10 @@
       </p:cxnSp>
       <p:cxnSp>
         <p:nvCxnSpPr>
-          <p:cNvPr id="6" name="Connecteur droit 5">
+          <p:cNvPr id="16" name="Connecteur droit 15">
             <a:extLst>
               <a:ext uri="{FF2B5EF4-FFF2-40B4-BE49-F238E27FC236}">
-                <a16:creationId xmlns:a16="http://schemas.microsoft.com/office/drawing/2014/main" id="{6ABB3F14-C0AF-23BD-13D6-77ADE7A0436C}"/>
+                <a16:creationId xmlns:a16="http://schemas.microsoft.com/office/drawing/2014/main" id="{50BF25C8-9F92-2C38-850F-D28A23482464}"/>
               </a:ext>
             </a:extLst>
           </p:cNvPr>
@@ -11993,7 +15781,7 @@
           <a:effectLst/>
           <a:extLst>
             <a:ext uri="{AF507438-7753-43e0-B8FC-AC1667EBCBE1}">
-              <a14:hiddenEffects xmlns:a14="http://schemas.microsoft.com/office/drawing/2010/main" xmlns="">
+              <a14:hiddenEffects xmlns="" xmlns:a14="http://schemas.microsoft.com/office/drawing/2010/main">
                 <a:effectLst>
                   <a:outerShdw dist="35921" dir="2700000" algn="ctr" rotWithShape="0">
                     <a:schemeClr val="bg2"/>
@@ -12006,10 +15794,10 @@
       </p:cxnSp>
       <p:cxnSp>
         <p:nvCxnSpPr>
-          <p:cNvPr id="10" name="Connecteur droit 9">
+          <p:cNvPr id="17" name="Connecteur droit 16">
             <a:extLst>
               <a:ext uri="{FF2B5EF4-FFF2-40B4-BE49-F238E27FC236}">
-                <a16:creationId xmlns:a16="http://schemas.microsoft.com/office/drawing/2014/main" id="{FFE9DD70-B863-2E59-BC57-CFDEFEEA5C70}"/>
+                <a16:creationId xmlns:a16="http://schemas.microsoft.com/office/drawing/2014/main" id="{EDE0DB40-AE6D-F8B1-39ED-23D839CC790B}"/>
               </a:ext>
             </a:extLst>
           </p:cNvPr>
@@ -12041,7 +15829,7 @@
           <a:effectLst/>
           <a:extLst>
             <a:ext uri="{AF507438-7753-43e0-B8FC-AC1667EBCBE1}">
-              <a14:hiddenEffects xmlns:a14="http://schemas.microsoft.com/office/drawing/2010/main" xmlns="">
+              <a14:hiddenEffects xmlns="" xmlns:a14="http://schemas.microsoft.com/office/drawing/2010/main">
                 <a:effectLst>
                   <a:outerShdw dist="35921" dir="2700000" algn="ctr" rotWithShape="0">
                     <a:schemeClr val="bg2"/>
@@ -12055,7 +15843,7 @@
     </p:spTree>
     <p:extLst>
       <p:ext uri="{BB962C8B-B14F-4D97-AF65-F5344CB8AC3E}">
-        <p14:creationId xmlns:p14="http://schemas.microsoft.com/office/powerpoint/2010/main" val="2687869749"/>
+        <p14:creationId xmlns:p14="http://schemas.microsoft.com/office/powerpoint/2010/main" val="1087322179"/>
       </p:ext>
     </p:extLst>
   </p:cSld>
@@ -12065,7 +15853,7 @@
 </p:sld>
 </file>
 
-<file path=ppt/slides/slide18.xml><?xml version="1.0" encoding="utf-8"?>
+<file path=ppt/slides/slide23.xml><?xml version="1.0" encoding="utf-8"?>
 <p:sld xmlns:a="http://schemas.openxmlformats.org/drawingml/2006/main" xmlns:r="http://schemas.openxmlformats.org/officeDocument/2006/relationships" xmlns:p="http://schemas.openxmlformats.org/presentationml/2006/main">
   <p:cSld>
     <p:spTree>
@@ -12345,7 +16133,7 @@
           <p:nvPr>
             <p:extLst>
               <p:ext uri="{D42A27DB-BD31-4B8C-83A1-F6EECF244321}">
-                <p14:modId xmlns:p14="http://schemas.microsoft.com/office/powerpoint/2010/main" val="2656762693"/>
+                <p14:modId xmlns:p14="http://schemas.microsoft.com/office/powerpoint/2010/main" val="3070898718"/>
               </p:ext>
             </p:extLst>
           </p:nvPr>
@@ -12546,7 +16334,7 @@
                           </a:solidFill>
                           <a:effectLst/>
                         </a:rPr>
-                        <a:t>40.4 %</a:t>
+                        <a:t>39.7 %</a:t>
                       </a:r>
                     </a:p>
                   </a:txBody>
@@ -12565,7 +16353,7 @@
                           </a:solidFill>
                           <a:effectLst/>
                         </a:rPr>
-                        <a:t>59.6 %</a:t>
+                        <a:t>60.3 %</a:t>
                       </a:r>
                     </a:p>
                   </a:txBody>
@@ -12595,7 +16383,7 @@
                           </a:solidFill>
                           <a:effectLst/>
                         </a:rPr>
-                        <a:t>39.7 %</a:t>
+                        <a:t>39.0 %</a:t>
                       </a:r>
                     </a:p>
                   </a:txBody>
@@ -12614,7 +16402,7 @@
                           </a:solidFill>
                           <a:effectLst/>
                         </a:rPr>
-                        <a:t>60.3 %</a:t>
+                        <a:t>61.0 %</a:t>
                       </a:r>
                     </a:p>
                   </a:txBody>
@@ -12670,7 +16458,7 @@
                           <a:effectLst/>
                           <a:latin typeface="inherit"/>
                         </a:rPr>
-                        <a:t>70.5 %</a:t>
+                        <a:t>74.4 %</a:t>
                       </a:r>
                       <a:endParaRPr lang="fr-FR" dirty="0">
                         <a:effectLst/>
@@ -12686,16 +16474,16 @@
                     <a:p>
                       <a:pPr algn="ctr" fontAlgn="base"/>
                       <a:r>
-                        <a:rPr lang="fr-FR" b="1">
+                        <a:rPr lang="fr-FR" b="1" dirty="0">
                           <a:solidFill>
                             <a:srgbClr val="443597"/>
                           </a:solidFill>
                           <a:effectLst/>
                           <a:latin typeface="inherit"/>
                         </a:rPr>
-                        <a:t>29.5 %</a:t>
-                      </a:r>
-                      <a:endParaRPr lang="fr-FR">
+                        <a:t>25.6 %</a:t>
+                      </a:r>
+                      <a:endParaRPr lang="fr-FR" dirty="0">
                         <a:effectLst/>
                       </a:endParaRPr>
                     </a:p>
@@ -12716,7 +16504,7 @@
                           <a:effectLst/>
                           <a:latin typeface="inherit"/>
                         </a:rPr>
-                        <a:t>146</a:t>
+                        <a:t>117</a:t>
                       </a:r>
                       <a:endParaRPr lang="fr-FR" sz="1200" dirty="0">
                         <a:effectLst/>
@@ -12739,7 +16527,7 @@
                           <a:effectLst/>
                           <a:latin typeface="inherit"/>
                         </a:rPr>
-                        <a:t>71.8 %</a:t>
+                        <a:t>69.5 %</a:t>
                       </a:r>
                       <a:endParaRPr lang="fr-FR" dirty="0">
                         <a:effectLst/>
@@ -12755,16 +16543,16 @@
                     <a:p>
                       <a:pPr algn="ctr" fontAlgn="base"/>
                       <a:r>
-                        <a:rPr lang="fr-FR" b="1">
+                        <a:rPr lang="fr-FR" b="1" dirty="0">
                           <a:solidFill>
                             <a:srgbClr val="443597"/>
                           </a:solidFill>
                           <a:effectLst/>
                           <a:latin typeface="inherit"/>
                         </a:rPr>
-                        <a:t>28.2 %</a:t>
-                      </a:r>
-                      <a:endParaRPr lang="fr-FR">
+                        <a:t>30.5 %</a:t>
+                      </a:r>
+                      <a:endParaRPr lang="fr-FR" dirty="0">
                         <a:effectLst/>
                       </a:endParaRPr>
                     </a:p>
@@ -12785,7 +16573,7 @@
                           <a:effectLst/>
                           <a:latin typeface="inherit"/>
                         </a:rPr>
-                        <a:t>131</a:t>
+                        <a:t>105</a:t>
                       </a:r>
                       <a:endParaRPr lang="fr-FR" sz="1200" dirty="0">
                         <a:effectLst/>
@@ -12839,7 +16627,7 @@
                           </a:solidFill>
                           <a:effectLst/>
                         </a:rPr>
-                        <a:t>77.9 %</a:t>
+                        <a:t>79.1 %</a:t>
                       </a:r>
                     </a:p>
                   </a:txBody>
@@ -12865,7 +16653,7 @@
                           </a:solidFill>
                           <a:effectLst/>
                         </a:rPr>
-                        <a:t>22.1 %</a:t>
+                        <a:t>20.9 %</a:t>
                       </a:r>
                     </a:p>
                   </a:txBody>
@@ -12891,7 +16679,7 @@
                           </a:solidFill>
                           <a:effectLst/>
                         </a:rPr>
-                        <a:t>77</a:t>
+                        <a:t>67</a:t>
                       </a:r>
                     </a:p>
                   </a:txBody>
@@ -12917,7 +16705,7 @@
                           </a:solidFill>
                           <a:effectLst/>
                         </a:rPr>
-                        <a:t>79.1 %</a:t>
+                        <a:t>75.0 %</a:t>
                       </a:r>
                     </a:p>
                   </a:txBody>
@@ -12943,7 +16731,7 @@
                           </a:solidFill>
                           <a:effectLst/>
                         </a:rPr>
-                        <a:t>20.9 %</a:t>
+                        <a:t>25.0 %</a:t>
                       </a:r>
                     </a:p>
                   </a:txBody>
@@ -12969,7 +16757,7 @@
                           </a:solidFill>
                           <a:effectLst/>
                         </a:rPr>
-                        <a:t>67</a:t>
+                        <a:t>60</a:t>
                       </a:r>
                     </a:p>
                   </a:txBody>
@@ -13027,7 +16815,7 @@
                           </a:solidFill>
                           <a:effectLst/>
                         </a:rPr>
-                        <a:t>51.7 %</a:t>
+                        <a:t>55.2 %</a:t>
                       </a:r>
                     </a:p>
                   </a:txBody>
@@ -13053,7 +16841,7 @@
                           </a:solidFill>
                           <a:effectLst/>
                         </a:rPr>
-                        <a:t>48.3 %</a:t>
+                        <a:t>44.8 %</a:t>
                       </a:r>
                     </a:p>
                   </a:txBody>
@@ -13105,7 +16893,7 @@
                           </a:solidFill>
                           <a:effectLst/>
                         </a:rPr>
-                        <a:t>55.2 %</a:t>
+                        <a:t>53.6 %</a:t>
                       </a:r>
                     </a:p>
                   </a:txBody>
@@ -13131,7 +16919,7 @@
                           </a:solidFill>
                           <a:effectLst/>
                         </a:rPr>
-                        <a:t>44.8 %</a:t>
+                        <a:t>46.4 %</a:t>
                       </a:r>
                     </a:p>
                   </a:txBody>
@@ -13157,7 +16945,7 @@
                           </a:solidFill>
                           <a:effectLst/>
                         </a:rPr>
-                        <a:t>29</a:t>
+                        <a:t>28</a:t>
                       </a:r>
                     </a:p>
                   </a:txBody>
@@ -13227,7 +17015,7 @@
                           </a:solidFill>
                           <a:effectLst/>
                         </a:rPr>
-                        <a:t>84.0 %</a:t>
+                        <a:t>85.7 %</a:t>
                       </a:r>
                     </a:p>
                   </a:txBody>
@@ -13252,7 +17040,7 @@
                           </a:solidFill>
                           <a:effectLst/>
                         </a:rPr>
-                        <a:t>16.0 %</a:t>
+                        <a:t>14.3 %</a:t>
                       </a:r>
                     </a:p>
                   </a:txBody>
@@ -13277,7 +17065,7 @@
                           </a:solidFill>
                           <a:effectLst/>
                         </a:rPr>
-                        <a:t>25</a:t>
+                        <a:t>21</a:t>
                       </a:r>
                     </a:p>
                   </a:txBody>
@@ -13302,7 +17090,7 @@
                           </a:solidFill>
                           <a:effectLst/>
                         </a:rPr>
-                        <a:t>85.7 %</a:t>
+                        <a:t>76.5 %</a:t>
                       </a:r>
                     </a:p>
                   </a:txBody>
@@ -13327,7 +17115,7 @@
                           </a:solidFill>
                           <a:effectLst/>
                         </a:rPr>
-                        <a:t>14.3 %</a:t>
+                        <a:t>23.5 %</a:t>
                       </a:r>
                     </a:p>
                   </a:txBody>
@@ -13352,7 +17140,7 @@
                           </a:solidFill>
                           <a:effectLst/>
                         </a:rPr>
-                        <a:t>21</a:t>
+                        <a:t>17</a:t>
                       </a:r>
                     </a:p>
                   </a:txBody>
@@ -13729,7 +17517,7 @@
 </p:sld>
 </file>
 
-<file path=ppt/slides/slide19.xml><?xml version="1.0" encoding="utf-8"?>
+<file path=ppt/slides/slide24.xml><?xml version="1.0" encoding="utf-8"?>
 <p:sld xmlns:a="http://schemas.openxmlformats.org/drawingml/2006/main" xmlns:r="http://schemas.openxmlformats.org/officeDocument/2006/relationships" xmlns:p="http://schemas.openxmlformats.org/presentationml/2006/main">
   <p:cSld>
     <p:spTree>
@@ -13810,2430 +17598,6 @@
                 </a:solidFill>
                 <a:ea typeface="ＭＳ Ｐゴシック" panose="020B0600070205080204" pitchFamily="34" charset="-128"/>
               </a:rPr>
-              <a:t>Cumul de 2019 à 2022 / 2020 à 2023</a:t>
-            </a:r>
-          </a:p>
-          <a:p>
-            <a:r>
-              <a:rPr lang="fr-FR" altLang="fr-FR" sz="2000" b="1" dirty="0">
-                <a:solidFill>
-                  <a:srgbClr val="EF553B"/>
-                </a:solidFill>
-                <a:ea typeface="ＭＳ Ｐゴシック" panose="020B0600070205080204" pitchFamily="34" charset="-128"/>
-              </a:rPr>
-              <a:t>Lieu des emplois en France / Filières</a:t>
-            </a:r>
-          </a:p>
-        </p:txBody>
-      </p:sp>
-      <p:pic>
-        <p:nvPicPr>
-          <p:cNvPr id="6148" name="Picture 2" descr="upright=Article à illustrer Organisation">
-            <a:extLst>
-              <a:ext uri="{FF2B5EF4-FFF2-40B4-BE49-F238E27FC236}">
-                <a16:creationId xmlns:a16="http://schemas.microsoft.com/office/drawing/2014/main" id="{105BE698-E40C-4415-A9DF-F8680D1DF607}"/>
-              </a:ext>
-            </a:extLst>
-          </p:cNvPr>
-          <p:cNvPicPr>
-            <a:picLocks noChangeAspect="1" noChangeArrowheads="1"/>
-          </p:cNvPicPr>
-          <p:nvPr/>
-        </p:nvPicPr>
-        <p:blipFill>
-          <a:blip r:embed="rId2">
-            <a:extLst>
-              <a:ext uri="{28A0092B-C50C-407E-A947-70E740481C1C}">
-                <a14:useLocalDpi xmlns:a14="http://schemas.microsoft.com/office/drawing/2010/main" val="0"/>
-              </a:ext>
-            </a:extLst>
-          </a:blip>
-          <a:srcRect/>
-          <a:stretch>
-            <a:fillRect/>
-          </a:stretch>
-        </p:blipFill>
-        <p:spPr bwMode="auto">
-          <a:xfrm>
-            <a:off x="7766050" y="892175"/>
-            <a:ext cx="1157288" cy="384175"/>
-          </a:xfrm>
-          <a:prstGeom prst="rect">
-            <a:avLst/>
-          </a:prstGeom>
-          <a:noFill/>
-          <a:ln>
-            <a:noFill/>
-          </a:ln>
-          <a:extLst>
-            <a:ext uri="{909E8E84-426E-40DD-AFC4-6F175D3DCCD1}">
-              <a14:hiddenFill xmlns:a14="http://schemas.microsoft.com/office/drawing/2010/main">
-                <a:solidFill>
-                  <a:srgbClr val="FFFFFF"/>
-                </a:solidFill>
-              </a14:hiddenFill>
-            </a:ext>
-            <a:ext uri="{91240B29-F687-4F45-9708-019B960494DF}">
-              <a14:hiddenLine xmlns:a14="http://schemas.microsoft.com/office/drawing/2010/main" w="9525">
-                <a:solidFill>
-                  <a:srgbClr val="000000"/>
-                </a:solidFill>
-                <a:miter lim="800000"/>
-                <a:headEnd/>
-                <a:tailEnd/>
-              </a14:hiddenLine>
-            </a:ext>
-          </a:extLst>
-        </p:spPr>
-      </p:pic>
-      <p:sp>
-        <p:nvSpPr>
-          <p:cNvPr id="3" name="ZoneTexte 2">
-            <a:extLst>
-              <a:ext uri="{FF2B5EF4-FFF2-40B4-BE49-F238E27FC236}">
-                <a16:creationId xmlns:a16="http://schemas.microsoft.com/office/drawing/2014/main" id="{76C5E635-ACF0-A360-2BA1-1AD1AB1E7A21}"/>
-              </a:ext>
-            </a:extLst>
-          </p:cNvPr>
-          <p:cNvSpPr txBox="1"/>
-          <p:nvPr/>
-        </p:nvSpPr>
-        <p:spPr>
-          <a:xfrm rot="16200000">
-            <a:off x="-2330100" y="3437334"/>
-            <a:ext cx="4998749" cy="338554"/>
-          </a:xfrm>
-          <a:prstGeom prst="rect">
-            <a:avLst/>
-          </a:prstGeom>
-          <a:solidFill>
-            <a:srgbClr val="EF553B"/>
-          </a:solidFill>
-        </p:spPr>
-        <p:txBody>
-          <a:bodyPr wrap="square" rtlCol="0">
-            <a:spAutoFit/>
-          </a:bodyPr>
-          <a:lstStyle/>
-          <a:p>
-            <a:r>
-              <a:rPr lang="fr-FR" dirty="0">
-                <a:solidFill>
-                  <a:schemeClr val="bg1"/>
-                </a:solidFill>
-              </a:rPr>
-              <a:t>Enquête CGE / Cumul</a:t>
-            </a:r>
-          </a:p>
-        </p:txBody>
-      </p:sp>
-      <p:sp>
-        <p:nvSpPr>
-          <p:cNvPr id="9" name="ZoneTexte 8">
-            <a:extLst>
-              <a:ext uri="{FF2B5EF4-FFF2-40B4-BE49-F238E27FC236}">
-                <a16:creationId xmlns:a16="http://schemas.microsoft.com/office/drawing/2014/main" id="{607FEABF-F1C9-7143-AA31-45A4A932AF8A}"/>
-              </a:ext>
-            </a:extLst>
-          </p:cNvPr>
-          <p:cNvSpPr txBox="1"/>
-          <p:nvPr/>
-        </p:nvSpPr>
-        <p:spPr>
-          <a:xfrm>
-            <a:off x="3821018" y="807154"/>
-            <a:ext cx="3720890" cy="600164"/>
-          </a:xfrm>
-          <a:prstGeom prst="rect">
-            <a:avLst/>
-          </a:prstGeom>
-          <a:noFill/>
-        </p:spPr>
-        <p:txBody>
-          <a:bodyPr wrap="none" rtlCol="0">
-            <a:spAutoFit/>
-          </a:bodyPr>
-          <a:lstStyle/>
-          <a:p>
-            <a:r>
-              <a:rPr lang="fr-FR" sz="1100" b="1" dirty="0">
-                <a:solidFill>
-                  <a:srgbClr val="002060"/>
-                </a:solidFill>
-              </a:rPr>
-              <a:t>Comparaison avec résultats nationaux :</a:t>
-            </a:r>
-          </a:p>
-          <a:p>
-            <a:pPr marL="285750" indent="-285750">
-              <a:buFontTx/>
-              <a:buChar char="-"/>
-            </a:pPr>
-            <a:r>
-              <a:rPr lang="fr-FR" sz="1100" dirty="0">
-                <a:solidFill>
-                  <a:srgbClr val="002060"/>
-                </a:solidFill>
-              </a:rPr>
-              <a:t>hypothèse : nombre quasi constant de répondant.es</a:t>
-            </a:r>
-          </a:p>
-          <a:p>
-            <a:pPr marL="285750" indent="-285750">
-              <a:buFontTx/>
-              <a:buChar char="-"/>
-            </a:pPr>
-            <a:r>
-              <a:rPr lang="fr-FR" sz="1100" i="1" dirty="0">
-                <a:solidFill>
-                  <a:srgbClr val="002060"/>
-                </a:solidFill>
-              </a:rPr>
-              <a:t>Calcul : somme des moyennes / nombre années</a:t>
-            </a:r>
-          </a:p>
-        </p:txBody>
-      </p:sp>
-      <p:graphicFrame>
-        <p:nvGraphicFramePr>
-          <p:cNvPr id="5" name="Tableau 4">
-            <a:extLst>
-              <a:ext uri="{FF2B5EF4-FFF2-40B4-BE49-F238E27FC236}">
-                <a16:creationId xmlns:a16="http://schemas.microsoft.com/office/drawing/2014/main" id="{67D5A9BE-B287-0AD5-1BCF-FEC21F1E9A75}"/>
-              </a:ext>
-            </a:extLst>
-          </p:cNvPr>
-          <p:cNvGraphicFramePr>
-            <a:graphicFrameLocks noGrp="1"/>
-          </p:cNvGraphicFramePr>
-          <p:nvPr>
-            <p:extLst>
-              <p:ext uri="{D42A27DB-BD31-4B8C-83A1-F6EECF244321}">
-                <p14:modId xmlns:p14="http://schemas.microsoft.com/office/powerpoint/2010/main" val="3047979958"/>
-              </p:ext>
-            </p:extLst>
-          </p:nvPr>
-        </p:nvGraphicFramePr>
-        <p:xfrm>
-          <a:off x="1514475" y="3137216"/>
-          <a:ext cx="6095999" cy="2595880"/>
-        </p:xfrm>
-        <a:graphic>
-          <a:graphicData uri="http://schemas.openxmlformats.org/drawingml/2006/table">
-            <a:tbl>
-              <a:tblPr firstRow="1" bandRow="1">
-                <a:tableStyleId>{21E4AEA4-8DFA-4A89-87EB-49C32662AFE0}</a:tableStyleId>
-              </a:tblPr>
-              <a:tblGrid>
-                <a:gridCol w="870857">
-                  <a:extLst>
-                    <a:ext uri="{9D8B030D-6E8A-4147-A177-3AD203B41FA5}">
-                      <a16:colId xmlns:a16="http://schemas.microsoft.com/office/drawing/2014/main" val="2053038476"/>
-                    </a:ext>
-                  </a:extLst>
-                </a:gridCol>
-                <a:gridCol w="870857">
-                  <a:extLst>
-                    <a:ext uri="{9D8B030D-6E8A-4147-A177-3AD203B41FA5}">
-                      <a16:colId xmlns:a16="http://schemas.microsoft.com/office/drawing/2014/main" val="3832746835"/>
-                    </a:ext>
-                  </a:extLst>
-                </a:gridCol>
-                <a:gridCol w="870857">
-                  <a:extLst>
-                    <a:ext uri="{9D8B030D-6E8A-4147-A177-3AD203B41FA5}">
-                      <a16:colId xmlns:a16="http://schemas.microsoft.com/office/drawing/2014/main" val="4009216877"/>
-                    </a:ext>
-                  </a:extLst>
-                </a:gridCol>
-                <a:gridCol w="870857">
-                  <a:extLst>
-                    <a:ext uri="{9D8B030D-6E8A-4147-A177-3AD203B41FA5}">
-                      <a16:colId xmlns:a16="http://schemas.microsoft.com/office/drawing/2014/main" val="3856658833"/>
-                    </a:ext>
-                  </a:extLst>
-                </a:gridCol>
-                <a:gridCol w="870857">
-                  <a:extLst>
-                    <a:ext uri="{9D8B030D-6E8A-4147-A177-3AD203B41FA5}">
-                      <a16:colId xmlns:a16="http://schemas.microsoft.com/office/drawing/2014/main" val="1457748498"/>
-                    </a:ext>
-                  </a:extLst>
-                </a:gridCol>
-                <a:gridCol w="870857">
-                  <a:extLst>
-                    <a:ext uri="{9D8B030D-6E8A-4147-A177-3AD203B41FA5}">
-                      <a16:colId xmlns:a16="http://schemas.microsoft.com/office/drawing/2014/main" val="3308663209"/>
-                    </a:ext>
-                  </a:extLst>
-                </a:gridCol>
-                <a:gridCol w="870857">
-                  <a:extLst>
-                    <a:ext uri="{9D8B030D-6E8A-4147-A177-3AD203B41FA5}">
-                      <a16:colId xmlns:a16="http://schemas.microsoft.com/office/drawing/2014/main" val="2294340571"/>
-                    </a:ext>
-                  </a:extLst>
-                </a:gridCol>
-              </a:tblGrid>
-              <a:tr h="370840">
-                <a:tc>
-                  <a:txBody>
-                    <a:bodyPr/>
-                    <a:lstStyle/>
-                    <a:p>
-                      <a:pPr algn="ctr"/>
-                      <a:r>
-                        <a:rPr lang="fr-FR" sz="1400" dirty="0"/>
-                        <a:t>Sites</a:t>
-                      </a:r>
-                    </a:p>
-                  </a:txBody>
-                  <a:tcPr/>
-                </a:tc>
-                <a:tc>
-                  <a:txBody>
-                    <a:bodyPr/>
-                    <a:lstStyle/>
-                    <a:p>
-                      <a:pPr algn="ctr"/>
-                      <a:r>
-                        <a:rPr lang="fr-FR" sz="1400" dirty="0" err="1"/>
-                        <a:t>Etrang</a:t>
-                      </a:r>
-                      <a:r>
-                        <a:rPr lang="fr-FR" sz="1400" dirty="0"/>
-                        <a:t>.</a:t>
-                      </a:r>
-                    </a:p>
-                  </a:txBody>
-                  <a:tcPr/>
-                </a:tc>
-                <a:tc>
-                  <a:txBody>
-                    <a:bodyPr/>
-                    <a:lstStyle/>
-                    <a:p>
-                      <a:pPr algn="ctr"/>
-                      <a:r>
-                        <a:rPr lang="fr-FR" sz="1400" dirty="0"/>
-                        <a:t>France</a:t>
-                      </a:r>
-                    </a:p>
-                  </a:txBody>
-                  <a:tcPr/>
-                </a:tc>
-                <a:tc>
-                  <a:txBody>
-                    <a:bodyPr/>
-                    <a:lstStyle/>
-                    <a:p>
-                      <a:pPr algn="ctr"/>
-                      <a:r>
-                        <a:rPr lang="fr-FR" sz="1050" dirty="0"/>
-                        <a:t>Nb Rep</a:t>
-                      </a:r>
-                    </a:p>
-                  </a:txBody>
-                  <a:tcPr/>
-                </a:tc>
-                <a:tc>
-                  <a:txBody>
-                    <a:bodyPr/>
-                    <a:lstStyle/>
-                    <a:p>
-                      <a:pPr algn="ctr"/>
-                      <a:r>
-                        <a:rPr lang="fr-FR" sz="1400" dirty="0" err="1"/>
-                        <a:t>Etrang</a:t>
-                      </a:r>
-                      <a:r>
-                        <a:rPr lang="fr-FR" sz="1400" dirty="0"/>
-                        <a:t>.</a:t>
-                      </a:r>
-                    </a:p>
-                  </a:txBody>
-                  <a:tcPr/>
-                </a:tc>
-                <a:tc>
-                  <a:txBody>
-                    <a:bodyPr/>
-                    <a:lstStyle/>
-                    <a:p>
-                      <a:pPr algn="ctr"/>
-                      <a:r>
-                        <a:rPr lang="fr-FR" sz="1400" dirty="0"/>
-                        <a:t>France</a:t>
-                      </a:r>
-                    </a:p>
-                  </a:txBody>
-                  <a:tcPr/>
-                </a:tc>
-                <a:tc>
-                  <a:txBody>
-                    <a:bodyPr/>
-                    <a:lstStyle/>
-                    <a:p>
-                      <a:pPr algn="ctr"/>
-                      <a:r>
-                        <a:rPr lang="fr-FR" sz="1050" dirty="0"/>
-                        <a:t>Nb Rep</a:t>
-                      </a:r>
-                    </a:p>
-                  </a:txBody>
-                  <a:tcPr/>
-                </a:tc>
-                <a:extLst>
-                  <a:ext uri="{0D108BD9-81ED-4DB2-BD59-A6C34878D82A}">
-                    <a16:rowId xmlns:a16="http://schemas.microsoft.com/office/drawing/2014/main" val="3899797023"/>
-                  </a:ext>
-                </a:extLst>
-              </a:tr>
-              <a:tr h="370840">
-                <a:tc>
-                  <a:txBody>
-                    <a:bodyPr/>
-                    <a:lstStyle/>
-                    <a:p>
-                      <a:pPr algn="ctr"/>
-                      <a:r>
-                        <a:rPr lang="fr-FR" sz="1600" dirty="0"/>
-                        <a:t>CGE</a:t>
-                      </a:r>
-                    </a:p>
-                  </a:txBody>
-                  <a:tcPr/>
-                </a:tc>
-                <a:tc>
-                  <a:txBody>
-                    <a:bodyPr/>
-                    <a:lstStyle/>
-                    <a:p>
-                      <a:pPr algn="ctr" fontAlgn="base"/>
-                      <a:r>
-                        <a:rPr lang="fr-FR" sz="1400" dirty="0">
-                          <a:solidFill>
-                            <a:srgbClr val="3D4449"/>
-                          </a:solidFill>
-                          <a:effectLst/>
-                        </a:rPr>
-                        <a:t>9.7 %</a:t>
-                      </a:r>
-                    </a:p>
-                  </a:txBody>
-                  <a:tcPr anchor="ctr"/>
-                </a:tc>
-                <a:tc>
-                  <a:txBody>
-                    <a:bodyPr/>
-                    <a:lstStyle/>
-                    <a:p>
-                      <a:pPr algn="ctr" fontAlgn="base"/>
-                      <a:r>
-                        <a:rPr lang="fr-FR" sz="1400" dirty="0">
-                          <a:solidFill>
-                            <a:srgbClr val="443597"/>
-                          </a:solidFill>
-                          <a:effectLst/>
-                        </a:rPr>
-                        <a:t>90.3 %</a:t>
-                      </a:r>
-                    </a:p>
-                  </a:txBody>
-                  <a:tcPr anchor="ctr"/>
-                </a:tc>
-                <a:tc>
-                  <a:txBody>
-                    <a:bodyPr/>
-                    <a:lstStyle/>
-                    <a:p>
-                      <a:pPr algn="ctr"/>
-                      <a:endParaRPr lang="fr-FR" sz="1400" dirty="0"/>
-                    </a:p>
-                  </a:txBody>
-                  <a:tcPr/>
-                </a:tc>
-                <a:tc>
-                  <a:txBody>
-                    <a:bodyPr/>
-                    <a:lstStyle/>
-                    <a:p>
-                      <a:pPr algn="ctr" fontAlgn="base"/>
-                      <a:r>
-                        <a:rPr lang="fr-FR" sz="1400" dirty="0">
-                          <a:solidFill>
-                            <a:srgbClr val="3D4449"/>
-                          </a:solidFill>
-                          <a:effectLst/>
-                        </a:rPr>
-                        <a:t>9.3 %</a:t>
-                      </a:r>
-                    </a:p>
-                  </a:txBody>
-                  <a:tcPr anchor="ctr"/>
-                </a:tc>
-                <a:tc>
-                  <a:txBody>
-                    <a:bodyPr/>
-                    <a:lstStyle/>
-                    <a:p>
-                      <a:pPr algn="ctr" fontAlgn="base"/>
-                      <a:r>
-                        <a:rPr lang="fr-FR" sz="1400" dirty="0">
-                          <a:solidFill>
-                            <a:srgbClr val="443597"/>
-                          </a:solidFill>
-                          <a:effectLst/>
-                        </a:rPr>
-                        <a:t>90.7 %</a:t>
-                      </a:r>
-                    </a:p>
-                  </a:txBody>
-                  <a:tcPr anchor="ctr"/>
-                </a:tc>
-                <a:tc>
-                  <a:txBody>
-                    <a:bodyPr/>
-                    <a:lstStyle/>
-                    <a:p>
-                      <a:pPr algn="ctr"/>
-                      <a:endParaRPr lang="fr-FR" sz="1100" dirty="0"/>
-                    </a:p>
-                  </a:txBody>
-                  <a:tcPr/>
-                </a:tc>
-                <a:extLst>
-                  <a:ext uri="{0D108BD9-81ED-4DB2-BD59-A6C34878D82A}">
-                    <a16:rowId xmlns:a16="http://schemas.microsoft.com/office/drawing/2014/main" val="952767304"/>
-                  </a:ext>
-                </a:extLst>
-              </a:tr>
-              <a:tr h="370840">
-                <a:tc>
-                  <a:txBody>
-                    <a:bodyPr/>
-                    <a:lstStyle/>
-                    <a:p>
-                      <a:pPr algn="ctr"/>
-                      <a:r>
-                        <a:rPr lang="fr-FR" b="1" dirty="0" err="1"/>
-                        <a:t>Ens</a:t>
-                      </a:r>
-                      <a:r>
-                        <a:rPr lang="fr-FR" b="1" dirty="0"/>
-                        <a:t>.</a:t>
-                      </a:r>
-                    </a:p>
-                  </a:txBody>
-                  <a:tcPr/>
-                </a:tc>
-                <a:tc>
-                  <a:txBody>
-                    <a:bodyPr/>
-                    <a:lstStyle/>
-                    <a:p>
-                      <a:pPr algn="ctr" fontAlgn="base"/>
-                      <a:r>
-                        <a:rPr lang="fr-FR" b="1">
-                          <a:solidFill>
-                            <a:srgbClr val="3D4449"/>
-                          </a:solidFill>
-                          <a:effectLst/>
-                          <a:latin typeface="inherit"/>
-                        </a:rPr>
-                        <a:t>8.2 %</a:t>
-                      </a:r>
-                      <a:endParaRPr lang="fr-FR">
-                        <a:effectLst/>
-                      </a:endParaRPr>
-                    </a:p>
-                  </a:txBody>
-                  <a:tcPr anchor="ctr"/>
-                </a:tc>
-                <a:tc>
-                  <a:txBody>
-                    <a:bodyPr/>
-                    <a:lstStyle/>
-                    <a:p>
-                      <a:pPr algn="ctr" fontAlgn="base"/>
-                      <a:r>
-                        <a:rPr lang="fr-FR" b="1" dirty="0">
-                          <a:solidFill>
-                            <a:srgbClr val="443597"/>
-                          </a:solidFill>
-                          <a:effectLst/>
-                          <a:latin typeface="inherit"/>
-                        </a:rPr>
-                        <a:t>91.8 %</a:t>
-                      </a:r>
-                      <a:endParaRPr lang="fr-FR" dirty="0">
-                        <a:effectLst/>
-                      </a:endParaRPr>
-                    </a:p>
-                  </a:txBody>
-                  <a:tcPr anchor="ctr"/>
-                </a:tc>
-                <a:tc>
-                  <a:txBody>
-                    <a:bodyPr/>
-                    <a:lstStyle/>
-                    <a:p>
-                      <a:pPr algn="ctr" fontAlgn="base"/>
-                      <a:r>
-                        <a:rPr lang="fr-FR" sz="1200" b="1" dirty="0">
-                          <a:solidFill>
-                            <a:srgbClr val="376E8B"/>
-                          </a:solidFill>
-                          <a:effectLst/>
-                          <a:latin typeface="inherit"/>
-                        </a:rPr>
-                        <a:t>159</a:t>
-                      </a:r>
-                      <a:endParaRPr lang="fr-FR" sz="1200" dirty="0">
-                        <a:effectLst/>
-                      </a:endParaRPr>
-                    </a:p>
-                  </a:txBody>
-                  <a:tcPr anchor="ctr"/>
-                </a:tc>
-                <a:tc>
-                  <a:txBody>
-                    <a:bodyPr/>
-                    <a:lstStyle/>
-                    <a:p>
-                      <a:pPr algn="ctr" fontAlgn="base"/>
-                      <a:r>
-                        <a:rPr lang="fr-FR" b="1" dirty="0">
-                          <a:solidFill>
-                            <a:srgbClr val="3D4449"/>
-                          </a:solidFill>
-                          <a:effectLst/>
-                          <a:latin typeface="inherit"/>
-                        </a:rPr>
-                        <a:t>7.1 %</a:t>
-                      </a:r>
-                      <a:endParaRPr lang="fr-FR" dirty="0">
-                        <a:effectLst/>
-                      </a:endParaRPr>
-                    </a:p>
-                  </a:txBody>
-                  <a:tcPr anchor="ctr"/>
-                </a:tc>
-                <a:tc>
-                  <a:txBody>
-                    <a:bodyPr/>
-                    <a:lstStyle/>
-                    <a:p>
-                      <a:pPr algn="ctr" fontAlgn="base"/>
-                      <a:r>
-                        <a:rPr lang="fr-FR" b="1" dirty="0">
-                          <a:solidFill>
-                            <a:srgbClr val="443597"/>
-                          </a:solidFill>
-                          <a:effectLst/>
-                          <a:latin typeface="inherit"/>
-                        </a:rPr>
-                        <a:t>92.9 %</a:t>
-                      </a:r>
-                      <a:endParaRPr lang="fr-FR" dirty="0">
-                        <a:effectLst/>
-                      </a:endParaRPr>
-                    </a:p>
-                  </a:txBody>
-                  <a:tcPr anchor="ctr"/>
-                </a:tc>
-                <a:tc>
-                  <a:txBody>
-                    <a:bodyPr/>
-                    <a:lstStyle/>
-                    <a:p>
-                      <a:pPr algn="ctr" fontAlgn="base"/>
-                      <a:r>
-                        <a:rPr lang="fr-FR" sz="1200" b="1" dirty="0">
-                          <a:solidFill>
-                            <a:srgbClr val="376E8B"/>
-                          </a:solidFill>
-                          <a:effectLst/>
-                          <a:latin typeface="inherit"/>
-                        </a:rPr>
-                        <a:t>141</a:t>
-                      </a:r>
-                      <a:endParaRPr lang="fr-FR" sz="1200" dirty="0">
-                        <a:effectLst/>
-                      </a:endParaRPr>
-                    </a:p>
-                  </a:txBody>
-                  <a:tcPr anchor="ctr"/>
-                </a:tc>
-                <a:extLst>
-                  <a:ext uri="{0D108BD9-81ED-4DB2-BD59-A6C34878D82A}">
-                    <a16:rowId xmlns:a16="http://schemas.microsoft.com/office/drawing/2014/main" val="809898311"/>
-                  </a:ext>
-                </a:extLst>
-              </a:tr>
-              <a:tr h="370840">
-                <a:tc>
-                  <a:txBody>
-                    <a:bodyPr/>
-                    <a:lstStyle/>
-                    <a:p>
-                      <a:pPr algn="ctr"/>
-                      <a:r>
-                        <a:rPr lang="fr-FR" sz="1600" dirty="0">
-                          <a:solidFill>
-                            <a:schemeClr val="bg1"/>
-                          </a:solidFill>
-                        </a:rPr>
-                        <a:t>FISE</a:t>
-                      </a:r>
-                    </a:p>
-                  </a:txBody>
-                  <a:tcPr>
-                    <a:solidFill>
-                      <a:schemeClr val="accent6">
-                        <a:lumMod val="40000"/>
-                        <a:lumOff val="60000"/>
-                      </a:schemeClr>
-                    </a:solidFill>
-                  </a:tcPr>
-                </a:tc>
-                <a:tc>
-                  <a:txBody>
-                    <a:bodyPr/>
-                    <a:lstStyle/>
-                    <a:p>
-                      <a:pPr algn="ctr" fontAlgn="base"/>
-                      <a:r>
-                        <a:rPr lang="fr-FR" sz="1400" dirty="0">
-                          <a:solidFill>
-                            <a:schemeClr val="bg1"/>
-                          </a:solidFill>
-                          <a:effectLst/>
-                        </a:rPr>
-                        <a:t>7.2 %</a:t>
-                      </a:r>
-                    </a:p>
-                  </a:txBody>
-                  <a:tcPr anchor="ctr">
-                    <a:solidFill>
-                      <a:schemeClr val="accent6">
-                        <a:lumMod val="40000"/>
-                        <a:lumOff val="60000"/>
-                      </a:schemeClr>
-                    </a:solidFill>
-                  </a:tcPr>
-                </a:tc>
-                <a:tc>
-                  <a:txBody>
-                    <a:bodyPr/>
-                    <a:lstStyle/>
-                    <a:p>
-                      <a:pPr algn="ctr" fontAlgn="base"/>
-                      <a:r>
-                        <a:rPr lang="fr-FR" sz="1400" dirty="0">
-                          <a:solidFill>
-                            <a:schemeClr val="bg1"/>
-                          </a:solidFill>
-                          <a:effectLst/>
-                        </a:rPr>
-                        <a:t>92.8 %</a:t>
-                      </a:r>
-                    </a:p>
-                  </a:txBody>
-                  <a:tcPr anchor="ctr">
-                    <a:solidFill>
-                      <a:schemeClr val="accent6">
-                        <a:lumMod val="40000"/>
-                        <a:lumOff val="60000"/>
-                      </a:schemeClr>
-                    </a:solidFill>
-                  </a:tcPr>
-                </a:tc>
-                <a:tc>
-                  <a:txBody>
-                    <a:bodyPr/>
-                    <a:lstStyle/>
-                    <a:p>
-                      <a:pPr algn="ctr" fontAlgn="base"/>
-                      <a:r>
-                        <a:rPr lang="fr-FR" sz="1100" dirty="0">
-                          <a:solidFill>
-                            <a:schemeClr val="bg1"/>
-                          </a:solidFill>
-                          <a:effectLst/>
-                        </a:rPr>
-                        <a:t>83</a:t>
-                      </a:r>
-                    </a:p>
-                  </a:txBody>
-                  <a:tcPr anchor="ctr">
-                    <a:solidFill>
-                      <a:schemeClr val="accent6">
-                        <a:lumMod val="40000"/>
-                        <a:lumOff val="60000"/>
-                      </a:schemeClr>
-                    </a:solidFill>
-                  </a:tcPr>
-                </a:tc>
-                <a:tc>
-                  <a:txBody>
-                    <a:bodyPr/>
-                    <a:lstStyle/>
-                    <a:p>
-                      <a:pPr algn="ctr" fontAlgn="base"/>
-                      <a:r>
-                        <a:rPr lang="fr-FR" sz="1400" dirty="0">
-                          <a:solidFill>
-                            <a:schemeClr val="bg1"/>
-                          </a:solidFill>
-                          <a:effectLst/>
-                        </a:rPr>
-                        <a:t>5.6 %</a:t>
-                      </a:r>
-                    </a:p>
-                  </a:txBody>
-                  <a:tcPr anchor="ctr">
-                    <a:solidFill>
-                      <a:schemeClr val="accent6">
-                        <a:lumMod val="40000"/>
-                        <a:lumOff val="60000"/>
-                      </a:schemeClr>
-                    </a:solidFill>
-                  </a:tcPr>
-                </a:tc>
-                <a:tc>
-                  <a:txBody>
-                    <a:bodyPr/>
-                    <a:lstStyle/>
-                    <a:p>
-                      <a:pPr algn="ctr" fontAlgn="base"/>
-                      <a:r>
-                        <a:rPr lang="fr-FR" sz="1400" dirty="0">
-                          <a:solidFill>
-                            <a:schemeClr val="bg1"/>
-                          </a:solidFill>
-                          <a:effectLst/>
-                        </a:rPr>
-                        <a:t>94.4 %</a:t>
-                      </a:r>
-                    </a:p>
-                  </a:txBody>
-                  <a:tcPr anchor="ctr">
-                    <a:solidFill>
-                      <a:schemeClr val="accent6">
-                        <a:lumMod val="40000"/>
-                        <a:lumOff val="60000"/>
-                      </a:schemeClr>
-                    </a:solidFill>
-                  </a:tcPr>
-                </a:tc>
-                <a:tc>
-                  <a:txBody>
-                    <a:bodyPr/>
-                    <a:lstStyle/>
-                    <a:p>
-                      <a:pPr algn="ctr" fontAlgn="base"/>
-                      <a:r>
-                        <a:rPr lang="fr-FR" sz="1100" dirty="0">
-                          <a:solidFill>
-                            <a:schemeClr val="bg1"/>
-                          </a:solidFill>
-                          <a:effectLst/>
-                        </a:rPr>
-                        <a:t>71</a:t>
-                      </a:r>
-                    </a:p>
-                  </a:txBody>
-                  <a:tcPr anchor="ctr">
-                    <a:solidFill>
-                      <a:schemeClr val="accent6">
-                        <a:lumMod val="40000"/>
-                        <a:lumOff val="60000"/>
-                      </a:schemeClr>
-                    </a:solidFill>
-                  </a:tcPr>
-                </a:tc>
-                <a:extLst>
-                  <a:ext uri="{0D108BD9-81ED-4DB2-BD59-A6C34878D82A}">
-                    <a16:rowId xmlns:a16="http://schemas.microsoft.com/office/drawing/2014/main" val="2207166277"/>
-                  </a:ext>
-                </a:extLst>
-              </a:tr>
-              <a:tr h="370840">
-                <a:tc>
-                  <a:txBody>
-                    <a:bodyPr/>
-                    <a:lstStyle/>
-                    <a:p>
-                      <a:pPr algn="ctr"/>
-                      <a:r>
-                        <a:rPr lang="fr-FR" sz="1600" dirty="0">
-                          <a:solidFill>
-                            <a:schemeClr val="bg1"/>
-                          </a:solidFill>
-                        </a:rPr>
-                        <a:t>FISA</a:t>
-                      </a:r>
-                    </a:p>
-                  </a:txBody>
-                  <a:tcPr>
-                    <a:solidFill>
-                      <a:schemeClr val="accent6">
-                        <a:lumMod val="60000"/>
-                        <a:lumOff val="40000"/>
-                      </a:schemeClr>
-                    </a:solidFill>
-                  </a:tcPr>
-                </a:tc>
-                <a:tc>
-                  <a:txBody>
-                    <a:bodyPr/>
-                    <a:lstStyle/>
-                    <a:p>
-                      <a:pPr algn="ctr" fontAlgn="base"/>
-                      <a:r>
-                        <a:rPr lang="fr-FR" sz="1400" dirty="0">
-                          <a:solidFill>
-                            <a:schemeClr val="bg1"/>
-                          </a:solidFill>
-                          <a:effectLst/>
-                        </a:rPr>
-                        <a:t>3.3 %</a:t>
-                      </a:r>
-                    </a:p>
-                  </a:txBody>
-                  <a:tcPr anchor="ctr">
-                    <a:solidFill>
-                      <a:schemeClr val="accent6">
-                        <a:lumMod val="60000"/>
-                        <a:lumOff val="40000"/>
-                      </a:schemeClr>
-                    </a:solidFill>
-                  </a:tcPr>
-                </a:tc>
-                <a:tc>
-                  <a:txBody>
-                    <a:bodyPr/>
-                    <a:lstStyle/>
-                    <a:p>
-                      <a:pPr algn="ctr" fontAlgn="base"/>
-                      <a:r>
-                        <a:rPr lang="fr-FR" sz="1400" dirty="0">
-                          <a:solidFill>
-                            <a:schemeClr val="bg1"/>
-                          </a:solidFill>
-                          <a:effectLst/>
-                        </a:rPr>
-                        <a:t>96.7 %</a:t>
-                      </a:r>
-                    </a:p>
-                  </a:txBody>
-                  <a:tcPr anchor="ctr">
-                    <a:solidFill>
-                      <a:schemeClr val="accent6">
-                        <a:lumMod val="60000"/>
-                        <a:lumOff val="40000"/>
-                      </a:schemeClr>
-                    </a:solidFill>
-                  </a:tcPr>
-                </a:tc>
-                <a:tc>
-                  <a:txBody>
-                    <a:bodyPr/>
-                    <a:lstStyle/>
-                    <a:p>
-                      <a:pPr algn="ctr" fontAlgn="base"/>
-                      <a:r>
-                        <a:rPr lang="fr-FR" sz="1100" dirty="0">
-                          <a:solidFill>
-                            <a:schemeClr val="bg1"/>
-                          </a:solidFill>
-                          <a:effectLst/>
-                        </a:rPr>
-                        <a:t>30</a:t>
-                      </a:r>
-                    </a:p>
-                  </a:txBody>
-                  <a:tcPr anchor="ctr">
-                    <a:solidFill>
-                      <a:schemeClr val="accent6">
-                        <a:lumMod val="60000"/>
-                        <a:lumOff val="40000"/>
-                      </a:schemeClr>
-                    </a:solidFill>
-                  </a:tcPr>
-                </a:tc>
-                <a:tc>
-                  <a:txBody>
-                    <a:bodyPr/>
-                    <a:lstStyle/>
-                    <a:p>
-                      <a:pPr algn="ctr" fontAlgn="base"/>
-                      <a:r>
-                        <a:rPr lang="fr-FR" sz="1400" dirty="0">
-                          <a:solidFill>
-                            <a:schemeClr val="bg1"/>
-                          </a:solidFill>
-                          <a:effectLst/>
-                        </a:rPr>
-                        <a:t>57.1 %</a:t>
-                      </a:r>
-                    </a:p>
-                  </a:txBody>
-                  <a:tcPr anchor="ctr">
-                    <a:solidFill>
-                      <a:schemeClr val="accent6">
-                        <a:lumMod val="60000"/>
-                        <a:lumOff val="40000"/>
-                      </a:schemeClr>
-                    </a:solidFill>
-                  </a:tcPr>
-                </a:tc>
-                <a:tc>
-                  <a:txBody>
-                    <a:bodyPr/>
-                    <a:lstStyle/>
-                    <a:p>
-                      <a:pPr algn="ctr" fontAlgn="base"/>
-                      <a:r>
-                        <a:rPr lang="fr-FR" sz="1400" dirty="0">
-                          <a:solidFill>
-                            <a:schemeClr val="bg1"/>
-                          </a:solidFill>
-                          <a:effectLst/>
-                        </a:rPr>
-                        <a:t>100 %</a:t>
-                      </a:r>
-                    </a:p>
-                  </a:txBody>
-                  <a:tcPr anchor="ctr">
-                    <a:solidFill>
-                      <a:schemeClr val="accent6">
-                        <a:lumMod val="60000"/>
-                        <a:lumOff val="40000"/>
-                      </a:schemeClr>
-                    </a:solidFill>
-                  </a:tcPr>
-                </a:tc>
-                <a:tc>
-                  <a:txBody>
-                    <a:bodyPr/>
-                    <a:lstStyle/>
-                    <a:p>
-                      <a:pPr algn="ctr" fontAlgn="base"/>
-                      <a:r>
-                        <a:rPr lang="fr-FR" sz="1100" dirty="0">
-                          <a:solidFill>
-                            <a:schemeClr val="bg1"/>
-                          </a:solidFill>
-                          <a:effectLst/>
-                        </a:rPr>
-                        <a:t>29</a:t>
-                      </a:r>
-                    </a:p>
-                  </a:txBody>
-                  <a:tcPr anchor="ctr">
-                    <a:solidFill>
-                      <a:schemeClr val="accent6">
-                        <a:lumMod val="60000"/>
-                        <a:lumOff val="40000"/>
-                      </a:schemeClr>
-                    </a:solidFill>
-                  </a:tcPr>
-                </a:tc>
-                <a:extLst>
-                  <a:ext uri="{0D108BD9-81ED-4DB2-BD59-A6C34878D82A}">
-                    <a16:rowId xmlns:a16="http://schemas.microsoft.com/office/drawing/2014/main" val="1083475024"/>
-                  </a:ext>
-                </a:extLst>
-              </a:tr>
-              <a:tr h="370840">
-                <a:tc>
-                  <a:txBody>
-                    <a:bodyPr/>
-                    <a:lstStyle/>
-                    <a:p>
-                      <a:pPr algn="ctr"/>
-                      <a:r>
-                        <a:rPr lang="fr-FR" sz="1600" dirty="0">
-                          <a:solidFill>
-                            <a:schemeClr val="bg1"/>
-                          </a:solidFill>
-                        </a:rPr>
-                        <a:t>Do </a:t>
-                      </a:r>
-                      <a:r>
-                        <a:rPr lang="fr-FR" sz="1600" dirty="0" err="1">
-                          <a:solidFill>
-                            <a:schemeClr val="bg1"/>
-                          </a:solidFill>
-                        </a:rPr>
-                        <a:t>Dip</a:t>
-                      </a:r>
-                      <a:endParaRPr lang="fr-FR" sz="1600" dirty="0">
-                        <a:solidFill>
-                          <a:schemeClr val="bg1"/>
-                        </a:solidFill>
-                      </a:endParaRPr>
-                    </a:p>
-                  </a:txBody>
-                  <a:tcPr>
-                    <a:solidFill>
-                      <a:schemeClr val="accent6">
-                        <a:lumMod val="75000"/>
-                      </a:schemeClr>
-                    </a:solidFill>
-                  </a:tcPr>
-                </a:tc>
-                <a:tc>
-                  <a:txBody>
-                    <a:bodyPr/>
-                    <a:lstStyle/>
-                    <a:p>
-                      <a:pPr algn="ctr" fontAlgn="base"/>
-                      <a:r>
-                        <a:rPr lang="fr-FR" sz="1400" dirty="0">
-                          <a:solidFill>
-                            <a:schemeClr val="bg1"/>
-                          </a:solidFill>
-                          <a:effectLst/>
-                        </a:rPr>
-                        <a:t>16.7 %</a:t>
-                      </a:r>
-                    </a:p>
-                  </a:txBody>
-                  <a:tcPr anchor="ctr">
-                    <a:solidFill>
-                      <a:schemeClr val="accent6">
-                        <a:lumMod val="75000"/>
-                      </a:schemeClr>
-                    </a:solidFill>
-                  </a:tcPr>
-                </a:tc>
-                <a:tc>
-                  <a:txBody>
-                    <a:bodyPr/>
-                    <a:lstStyle/>
-                    <a:p>
-                      <a:pPr algn="ctr" fontAlgn="base"/>
-                      <a:r>
-                        <a:rPr lang="fr-FR" sz="1400" dirty="0">
-                          <a:solidFill>
-                            <a:schemeClr val="bg1"/>
-                          </a:solidFill>
-                          <a:effectLst/>
-                        </a:rPr>
-                        <a:t>83.3 %</a:t>
-                      </a:r>
-                    </a:p>
-                  </a:txBody>
-                  <a:tcPr anchor="ctr">
-                    <a:solidFill>
-                      <a:schemeClr val="accent6">
-                        <a:lumMod val="75000"/>
-                      </a:schemeClr>
-                    </a:solidFill>
-                  </a:tcPr>
-                </a:tc>
-                <a:tc>
-                  <a:txBody>
-                    <a:bodyPr/>
-                    <a:lstStyle/>
-                    <a:p>
-                      <a:pPr algn="ctr" fontAlgn="base"/>
-                      <a:r>
-                        <a:rPr lang="fr-FR" sz="1100" dirty="0">
-                          <a:solidFill>
-                            <a:schemeClr val="bg1"/>
-                          </a:solidFill>
-                          <a:effectLst/>
-                        </a:rPr>
-                        <a:t>30</a:t>
-                      </a:r>
-                    </a:p>
-                  </a:txBody>
-                  <a:tcPr anchor="ctr">
-                    <a:solidFill>
-                      <a:schemeClr val="accent6">
-                        <a:lumMod val="75000"/>
-                      </a:schemeClr>
-                    </a:solidFill>
-                  </a:tcPr>
-                </a:tc>
-                <a:tc>
-                  <a:txBody>
-                    <a:bodyPr/>
-                    <a:lstStyle/>
-                    <a:p>
-                      <a:pPr algn="ctr" fontAlgn="base"/>
-                      <a:r>
-                        <a:rPr lang="fr-FR" sz="1400" dirty="0">
-                          <a:solidFill>
-                            <a:schemeClr val="bg1"/>
-                          </a:solidFill>
-                          <a:effectLst/>
-                        </a:rPr>
-                        <a:t>19.2 %</a:t>
-                      </a:r>
-                    </a:p>
-                  </a:txBody>
-                  <a:tcPr anchor="ctr">
-                    <a:solidFill>
-                      <a:schemeClr val="accent6">
-                        <a:lumMod val="75000"/>
-                      </a:schemeClr>
-                    </a:solidFill>
-                  </a:tcPr>
-                </a:tc>
-                <a:tc>
-                  <a:txBody>
-                    <a:bodyPr/>
-                    <a:lstStyle/>
-                    <a:p>
-                      <a:pPr algn="ctr" fontAlgn="base"/>
-                      <a:r>
-                        <a:rPr lang="fr-FR" sz="1400" dirty="0">
-                          <a:solidFill>
-                            <a:schemeClr val="bg1"/>
-                          </a:solidFill>
-                          <a:effectLst/>
-                        </a:rPr>
-                        <a:t>80.8 %</a:t>
-                      </a:r>
-                    </a:p>
-                  </a:txBody>
-                  <a:tcPr anchor="ctr">
-                    <a:solidFill>
-                      <a:schemeClr val="accent6">
-                        <a:lumMod val="75000"/>
-                      </a:schemeClr>
-                    </a:solidFill>
-                  </a:tcPr>
-                </a:tc>
-                <a:tc>
-                  <a:txBody>
-                    <a:bodyPr/>
-                    <a:lstStyle/>
-                    <a:p>
-                      <a:pPr algn="ctr" fontAlgn="base"/>
-                      <a:r>
-                        <a:rPr lang="fr-FR" sz="1100" dirty="0">
-                          <a:solidFill>
-                            <a:schemeClr val="bg1"/>
-                          </a:solidFill>
-                          <a:effectLst/>
-                        </a:rPr>
-                        <a:t>26</a:t>
-                      </a:r>
-                    </a:p>
-                  </a:txBody>
-                  <a:tcPr anchor="ctr">
-                    <a:solidFill>
-                      <a:schemeClr val="accent6">
-                        <a:lumMod val="75000"/>
-                      </a:schemeClr>
-                    </a:solidFill>
-                  </a:tcPr>
-                </a:tc>
-                <a:extLst>
-                  <a:ext uri="{0D108BD9-81ED-4DB2-BD59-A6C34878D82A}">
-                    <a16:rowId xmlns:a16="http://schemas.microsoft.com/office/drawing/2014/main" val="1118240960"/>
-                  </a:ext>
-                </a:extLst>
-              </a:tr>
-              <a:tr h="370840">
-                <a:tc>
-                  <a:txBody>
-                    <a:bodyPr/>
-                    <a:lstStyle/>
-                    <a:p>
-                      <a:pPr algn="ctr"/>
-                      <a:endParaRPr lang="fr-FR" sz="1600" dirty="0"/>
-                    </a:p>
-                  </a:txBody>
-                  <a:tcPr/>
-                </a:tc>
-                <a:tc>
-                  <a:txBody>
-                    <a:bodyPr/>
-                    <a:lstStyle/>
-                    <a:p>
-                      <a:pPr algn="ctr" fontAlgn="base"/>
-                      <a:endParaRPr lang="fr-FR" sz="1400" dirty="0">
-                        <a:solidFill>
-                          <a:srgbClr val="3D4449"/>
-                        </a:solidFill>
-                        <a:effectLst/>
-                      </a:endParaRPr>
-                    </a:p>
-                  </a:txBody>
-                  <a:tcPr anchor="ctr"/>
-                </a:tc>
-                <a:tc>
-                  <a:txBody>
-                    <a:bodyPr/>
-                    <a:lstStyle/>
-                    <a:p>
-                      <a:pPr algn="ctr" fontAlgn="base"/>
-                      <a:endParaRPr lang="fr-FR" sz="1400" dirty="0">
-                        <a:solidFill>
-                          <a:srgbClr val="443597"/>
-                        </a:solidFill>
-                        <a:effectLst/>
-                      </a:endParaRPr>
-                    </a:p>
-                  </a:txBody>
-                  <a:tcPr anchor="ctr"/>
-                </a:tc>
-                <a:tc>
-                  <a:txBody>
-                    <a:bodyPr/>
-                    <a:lstStyle/>
-                    <a:p>
-                      <a:pPr algn="ctr" fontAlgn="base"/>
-                      <a:endParaRPr lang="fr-FR" sz="1100" dirty="0">
-                        <a:solidFill>
-                          <a:srgbClr val="376E8B"/>
-                        </a:solidFill>
-                        <a:effectLst/>
-                      </a:endParaRPr>
-                    </a:p>
-                  </a:txBody>
-                  <a:tcPr anchor="ctr"/>
-                </a:tc>
-                <a:tc>
-                  <a:txBody>
-                    <a:bodyPr/>
-                    <a:lstStyle/>
-                    <a:p>
-                      <a:pPr algn="ctr" fontAlgn="base"/>
-                      <a:endParaRPr lang="fr-FR" sz="1400" dirty="0">
-                        <a:solidFill>
-                          <a:srgbClr val="3D4449"/>
-                        </a:solidFill>
-                        <a:effectLst/>
-                      </a:endParaRPr>
-                    </a:p>
-                  </a:txBody>
-                  <a:tcPr anchor="ctr"/>
-                </a:tc>
-                <a:tc>
-                  <a:txBody>
-                    <a:bodyPr/>
-                    <a:lstStyle/>
-                    <a:p>
-                      <a:pPr algn="ctr" fontAlgn="base"/>
-                      <a:endParaRPr lang="fr-FR" sz="1400" dirty="0">
-                        <a:solidFill>
-                          <a:srgbClr val="443597"/>
-                        </a:solidFill>
-                        <a:effectLst/>
-                      </a:endParaRPr>
-                    </a:p>
-                  </a:txBody>
-                  <a:tcPr anchor="ctr"/>
-                </a:tc>
-                <a:tc>
-                  <a:txBody>
-                    <a:bodyPr/>
-                    <a:lstStyle/>
-                    <a:p>
-                      <a:pPr algn="ctr" fontAlgn="base"/>
-                      <a:endParaRPr lang="fr-FR" sz="1100" dirty="0">
-                        <a:solidFill>
-                          <a:srgbClr val="376E8B"/>
-                        </a:solidFill>
-                        <a:effectLst/>
-                      </a:endParaRPr>
-                    </a:p>
-                  </a:txBody>
-                  <a:tcPr anchor="ctr"/>
-                </a:tc>
-                <a:extLst>
-                  <a:ext uri="{0D108BD9-81ED-4DB2-BD59-A6C34878D82A}">
-                    <a16:rowId xmlns:a16="http://schemas.microsoft.com/office/drawing/2014/main" val="1740952244"/>
-                  </a:ext>
-                </a:extLst>
-              </a:tr>
-            </a:tbl>
-          </a:graphicData>
-        </a:graphic>
-      </p:graphicFrame>
-      <p:sp>
-        <p:nvSpPr>
-          <p:cNvPr id="7" name="ZoneTexte 6">
-            <a:extLst>
-              <a:ext uri="{FF2B5EF4-FFF2-40B4-BE49-F238E27FC236}">
-                <a16:creationId xmlns:a16="http://schemas.microsoft.com/office/drawing/2014/main" id="{6BE8EB4C-9EED-0344-FB71-FC964BFAC7C5}"/>
-              </a:ext>
-            </a:extLst>
-          </p:cNvPr>
-          <p:cNvSpPr txBox="1"/>
-          <p:nvPr/>
-        </p:nvSpPr>
-        <p:spPr>
-          <a:xfrm>
-            <a:off x="5749638" y="2816126"/>
-            <a:ext cx="1427017" cy="338554"/>
-          </a:xfrm>
-          <a:prstGeom prst="rect">
-            <a:avLst/>
-          </a:prstGeom>
-          <a:noFill/>
-        </p:spPr>
-        <p:txBody>
-          <a:bodyPr wrap="square">
-            <a:spAutoFit/>
-          </a:bodyPr>
-          <a:lstStyle/>
-          <a:p>
-            <a:r>
-              <a:rPr lang="fr-FR" b="1" dirty="0">
-                <a:solidFill>
-                  <a:srgbClr val="3D4449"/>
-                </a:solidFill>
-                <a:effectLst/>
-                <a:latin typeface="inherit"/>
-              </a:rPr>
-              <a:t>2020 à 2023 </a:t>
-            </a:r>
-            <a:endParaRPr lang="fr-FR" dirty="0"/>
-          </a:p>
-        </p:txBody>
-      </p:sp>
-      <p:sp>
-        <p:nvSpPr>
-          <p:cNvPr id="8" name="ZoneTexte 7">
-            <a:extLst>
-              <a:ext uri="{FF2B5EF4-FFF2-40B4-BE49-F238E27FC236}">
-                <a16:creationId xmlns:a16="http://schemas.microsoft.com/office/drawing/2014/main" id="{2F218827-BD14-D989-820F-C8E93CE767D2}"/>
-              </a:ext>
-            </a:extLst>
-          </p:cNvPr>
-          <p:cNvSpPr txBox="1"/>
-          <p:nvPr/>
-        </p:nvSpPr>
-        <p:spPr>
-          <a:xfrm>
-            <a:off x="3144983" y="2819192"/>
-            <a:ext cx="1427017" cy="338554"/>
-          </a:xfrm>
-          <a:prstGeom prst="rect">
-            <a:avLst/>
-          </a:prstGeom>
-          <a:noFill/>
-        </p:spPr>
-        <p:txBody>
-          <a:bodyPr wrap="square">
-            <a:spAutoFit/>
-          </a:bodyPr>
-          <a:lstStyle/>
-          <a:p>
-            <a:r>
-              <a:rPr lang="fr-FR" b="1" dirty="0">
-                <a:solidFill>
-                  <a:srgbClr val="3D4449"/>
-                </a:solidFill>
-                <a:effectLst/>
-                <a:latin typeface="inherit"/>
-              </a:rPr>
-              <a:t>2019 à 2022 </a:t>
-            </a:r>
-            <a:endParaRPr lang="fr-FR" dirty="0"/>
-          </a:p>
-        </p:txBody>
-      </p:sp>
-      <p:cxnSp>
-        <p:nvCxnSpPr>
-          <p:cNvPr id="12" name="Connecteur droit 11">
-            <a:extLst>
-              <a:ext uri="{FF2B5EF4-FFF2-40B4-BE49-F238E27FC236}">
-                <a16:creationId xmlns:a16="http://schemas.microsoft.com/office/drawing/2014/main" id="{B8788C0E-763D-AEA1-A8D6-23C0DA9EFF31}"/>
-              </a:ext>
-            </a:extLst>
-          </p:cNvPr>
-          <p:cNvCxnSpPr>
-            <a:cxnSpLocks/>
-          </p:cNvCxnSpPr>
-          <p:nvPr/>
-        </p:nvCxnSpPr>
-        <p:spPr bwMode="auto">
-          <a:xfrm>
-            <a:off x="4997885" y="2816126"/>
-            <a:ext cx="0" cy="2916970"/>
-          </a:xfrm>
-          <a:prstGeom prst="line">
-            <a:avLst/>
-          </a:prstGeom>
-          <a:solidFill>
-            <a:schemeClr val="accent1"/>
-          </a:solidFill>
-          <a:ln w="25400" cap="flat" cmpd="sng" algn="ctr">
-            <a:solidFill>
-              <a:schemeClr val="tx1"/>
-            </a:solidFill>
-            <a:prstDash val="solid"/>
-            <a:round/>
-            <a:headEnd type="none" w="med" len="med"/>
-            <a:tailEnd type="none" w="med" len="med"/>
-          </a:ln>
-          <a:effectLst/>
-          <a:extLst>
-            <a:ext uri="{AF507438-7753-43e0-B8FC-AC1667EBCBE1}">
-              <a14:hiddenEffects xmlns="" xmlns:a14="http://schemas.microsoft.com/office/drawing/2010/main">
-                <a:effectLst>
-                  <a:outerShdw dist="35921" dir="2700000" algn="ctr" rotWithShape="0">
-                    <a:schemeClr val="bg2"/>
-                  </a:outerShdw>
-                </a:effectLst>
-              </a14:hiddenEffects>
-            </a:ext>
-          </a:extLst>
-        </p:spPr>
-      </p:cxnSp>
-      <p:cxnSp>
-        <p:nvCxnSpPr>
-          <p:cNvPr id="16" name="Connecteur droit 15">
-            <a:extLst>
-              <a:ext uri="{FF2B5EF4-FFF2-40B4-BE49-F238E27FC236}">
-                <a16:creationId xmlns:a16="http://schemas.microsoft.com/office/drawing/2014/main" id="{50BF25C8-9F92-2C38-850F-D28A23482464}"/>
-              </a:ext>
-            </a:extLst>
-          </p:cNvPr>
-          <p:cNvCxnSpPr>
-            <a:cxnSpLocks/>
-          </p:cNvCxnSpPr>
-          <p:nvPr/>
-        </p:nvCxnSpPr>
-        <p:spPr bwMode="auto">
-          <a:xfrm>
-            <a:off x="2394559" y="2816126"/>
-            <a:ext cx="0" cy="2916970"/>
-          </a:xfrm>
-          <a:prstGeom prst="line">
-            <a:avLst/>
-          </a:prstGeom>
-          <a:solidFill>
-            <a:schemeClr val="accent1"/>
-          </a:solidFill>
-          <a:ln w="25400" cap="flat" cmpd="sng" algn="ctr">
-            <a:solidFill>
-              <a:schemeClr val="tx1"/>
-            </a:solidFill>
-            <a:prstDash val="solid"/>
-            <a:round/>
-            <a:headEnd type="none" w="med" len="med"/>
-            <a:tailEnd type="none" w="med" len="med"/>
-          </a:ln>
-          <a:effectLst/>
-          <a:extLst>
-            <a:ext uri="{AF507438-7753-43e0-B8FC-AC1667EBCBE1}">
-              <a14:hiddenEffects xmlns="" xmlns:a14="http://schemas.microsoft.com/office/drawing/2010/main">
-                <a:effectLst>
-                  <a:outerShdw dist="35921" dir="2700000" algn="ctr" rotWithShape="0">
-                    <a:schemeClr val="bg2"/>
-                  </a:outerShdw>
-                </a:effectLst>
-              </a14:hiddenEffects>
-            </a:ext>
-          </a:extLst>
-        </p:spPr>
-      </p:cxnSp>
-      <p:cxnSp>
-        <p:nvCxnSpPr>
-          <p:cNvPr id="17" name="Connecteur droit 16">
-            <a:extLst>
-              <a:ext uri="{FF2B5EF4-FFF2-40B4-BE49-F238E27FC236}">
-                <a16:creationId xmlns:a16="http://schemas.microsoft.com/office/drawing/2014/main" id="{EDE0DB40-AE6D-F8B1-39ED-23D839CC790B}"/>
-              </a:ext>
-            </a:extLst>
-          </p:cNvPr>
-          <p:cNvCxnSpPr>
-            <a:cxnSpLocks/>
-          </p:cNvCxnSpPr>
-          <p:nvPr/>
-        </p:nvCxnSpPr>
-        <p:spPr bwMode="auto">
-          <a:xfrm>
-            <a:off x="7610474" y="2816126"/>
-            <a:ext cx="0" cy="2916970"/>
-          </a:xfrm>
-          <a:prstGeom prst="line">
-            <a:avLst/>
-          </a:prstGeom>
-          <a:solidFill>
-            <a:schemeClr val="accent1"/>
-          </a:solidFill>
-          <a:ln w="25400" cap="flat" cmpd="sng" algn="ctr">
-            <a:solidFill>
-              <a:schemeClr val="tx1"/>
-            </a:solidFill>
-            <a:prstDash val="solid"/>
-            <a:round/>
-            <a:headEnd type="none" w="med" len="med"/>
-            <a:tailEnd type="none" w="med" len="med"/>
-          </a:ln>
-          <a:effectLst/>
-          <a:extLst>
-            <a:ext uri="{AF507438-7753-43e0-B8FC-AC1667EBCBE1}">
-              <a14:hiddenEffects xmlns="" xmlns:a14="http://schemas.microsoft.com/office/drawing/2010/main">
-                <a:effectLst>
-                  <a:outerShdw dist="35921" dir="2700000" algn="ctr" rotWithShape="0">
-                    <a:schemeClr val="bg2"/>
-                  </a:outerShdw>
-                </a:effectLst>
-              </a14:hiddenEffects>
-            </a:ext>
-          </a:extLst>
-        </p:spPr>
-      </p:cxnSp>
-    </p:spTree>
-    <p:extLst>
-      <p:ext uri="{BB962C8B-B14F-4D97-AF65-F5344CB8AC3E}">
-        <p14:creationId xmlns:p14="http://schemas.microsoft.com/office/powerpoint/2010/main" val="1087322179"/>
-      </p:ext>
-    </p:extLst>
-  </p:cSld>
-  <p:clrMapOvr>
-    <a:masterClrMapping/>
-  </p:clrMapOvr>
-</p:sld>
-</file>
-
-<file path=ppt/slides/slide2.xml><?xml version="1.0" encoding="utf-8"?>
-<p:sld xmlns:a="http://schemas.openxmlformats.org/drawingml/2006/main" xmlns:r="http://schemas.openxmlformats.org/officeDocument/2006/relationships" xmlns:p="http://schemas.openxmlformats.org/presentationml/2006/main">
-  <p:cSld>
-    <p:spTree>
-      <p:nvGrpSpPr>
-        <p:cNvPr id="1" name=""/>
-        <p:cNvGrpSpPr/>
-        <p:nvPr/>
-      </p:nvGrpSpPr>
-      <p:grpSpPr>
-        <a:xfrm>
-          <a:off x="0" y="0"/>
-          <a:ext cx="0" cy="0"/>
-          <a:chOff x="0" y="0"/>
-          <a:chExt cx="0" cy="0"/>
-        </a:xfrm>
-      </p:grpSpPr>
-      <p:sp>
-        <p:nvSpPr>
-          <p:cNvPr id="2" name="Titre 1">
-            <a:extLst>
-              <a:ext uri="{FF2B5EF4-FFF2-40B4-BE49-F238E27FC236}">
-                <a16:creationId xmlns:a16="http://schemas.microsoft.com/office/drawing/2014/main" id="{FAA161D5-927A-49ED-83AF-6D12A66FF712}"/>
-              </a:ext>
-            </a:extLst>
-          </p:cNvPr>
-          <p:cNvSpPr>
-            <a:spLocks noGrp="1"/>
-          </p:cNvSpPr>
-          <p:nvPr>
-            <p:ph type="title"/>
-          </p:nvPr>
-        </p:nvSpPr>
-        <p:spPr/>
-        <p:txBody>
-          <a:bodyPr/>
-          <a:lstStyle/>
-          <a:p>
-            <a:pPr>
-              <a:defRPr/>
-            </a:pPr>
-            <a:r>
-              <a:rPr lang="fr-FR" sz="2800" dirty="0"/>
-              <a:t>Enquête CGE / C’est quoi donc ?</a:t>
-            </a:r>
-          </a:p>
-        </p:txBody>
-      </p:sp>
-      <p:sp>
-        <p:nvSpPr>
-          <p:cNvPr id="6147" name="Espace réservé du contenu 2">
-            <a:extLst>
-              <a:ext uri="{FF2B5EF4-FFF2-40B4-BE49-F238E27FC236}">
-                <a16:creationId xmlns:a16="http://schemas.microsoft.com/office/drawing/2014/main" id="{458254A6-099B-4E75-907C-19CA1B94B253}"/>
-              </a:ext>
-            </a:extLst>
-          </p:cNvPr>
-          <p:cNvSpPr>
-            <a:spLocks noGrp="1" noChangeArrowheads="1"/>
-          </p:cNvSpPr>
-          <p:nvPr>
-            <p:ph idx="1"/>
-          </p:nvPr>
-        </p:nvSpPr>
-        <p:spPr>
-          <a:xfrm>
-            <a:off x="447675" y="1600200"/>
-            <a:ext cx="8229600" cy="430779"/>
-          </a:xfrm>
-        </p:spPr>
-        <p:txBody>
-          <a:bodyPr/>
-          <a:lstStyle/>
-          <a:p>
-            <a:r>
-              <a:rPr lang="fr-FR" altLang="fr-FR" sz="2000" b="1" dirty="0">
-                <a:solidFill>
-                  <a:srgbClr val="FF960A"/>
-                </a:solidFill>
-                <a:ea typeface="ＭＳ Ｐゴシック" panose="020B0600070205080204" pitchFamily="34" charset="-128"/>
-              </a:rPr>
-              <a:t>Objectif</a:t>
-            </a:r>
-          </a:p>
-        </p:txBody>
-      </p:sp>
-      <p:pic>
-        <p:nvPicPr>
-          <p:cNvPr id="6148" name="Picture 2" descr="upright=Article à illustrer Organisation">
-            <a:extLst>
-              <a:ext uri="{FF2B5EF4-FFF2-40B4-BE49-F238E27FC236}">
-                <a16:creationId xmlns:a16="http://schemas.microsoft.com/office/drawing/2014/main" id="{105BE698-E40C-4415-A9DF-F8680D1DF607}"/>
-              </a:ext>
-            </a:extLst>
-          </p:cNvPr>
-          <p:cNvPicPr>
-            <a:picLocks noChangeAspect="1" noChangeArrowheads="1"/>
-          </p:cNvPicPr>
-          <p:nvPr/>
-        </p:nvPicPr>
-        <p:blipFill>
-          <a:blip r:embed="rId2">
-            <a:extLst>
-              <a:ext uri="{28A0092B-C50C-407E-A947-70E740481C1C}">
-                <a14:useLocalDpi xmlns:a14="http://schemas.microsoft.com/office/drawing/2010/main" val="0"/>
-              </a:ext>
-            </a:extLst>
-          </a:blip>
-          <a:srcRect/>
-          <a:stretch>
-            <a:fillRect/>
-          </a:stretch>
-        </p:blipFill>
-        <p:spPr bwMode="auto">
-          <a:xfrm>
-            <a:off x="7766050" y="892175"/>
-            <a:ext cx="1157288" cy="384175"/>
-          </a:xfrm>
-          <a:prstGeom prst="rect">
-            <a:avLst/>
-          </a:prstGeom>
-          <a:noFill/>
-          <a:ln>
-            <a:noFill/>
-          </a:ln>
-          <a:extLst>
-            <a:ext uri="{909E8E84-426E-40DD-AFC4-6F175D3DCCD1}">
-              <a14:hiddenFill xmlns:a14="http://schemas.microsoft.com/office/drawing/2010/main">
-                <a:solidFill>
-                  <a:srgbClr val="FFFFFF"/>
-                </a:solidFill>
-              </a14:hiddenFill>
-            </a:ext>
-            <a:ext uri="{91240B29-F687-4F45-9708-019B960494DF}">
-              <a14:hiddenLine xmlns:a14="http://schemas.microsoft.com/office/drawing/2010/main" w="9525">
-                <a:solidFill>
-                  <a:srgbClr val="000000"/>
-                </a:solidFill>
-                <a:miter lim="800000"/>
-                <a:headEnd/>
-                <a:tailEnd/>
-              </a14:hiddenLine>
-            </a:ext>
-          </a:extLst>
-        </p:spPr>
-      </p:pic>
-      <p:sp>
-        <p:nvSpPr>
-          <p:cNvPr id="3" name="Rectangle 2">
-            <a:extLst>
-              <a:ext uri="{FF2B5EF4-FFF2-40B4-BE49-F238E27FC236}">
-                <a16:creationId xmlns:a16="http://schemas.microsoft.com/office/drawing/2014/main" id="{8825F985-355D-46E4-B1CF-9A26690CF926}"/>
-              </a:ext>
-            </a:extLst>
-          </p:cNvPr>
-          <p:cNvSpPr/>
-          <p:nvPr/>
-        </p:nvSpPr>
-        <p:spPr>
-          <a:xfrm>
-            <a:off x="574372" y="2017341"/>
-            <a:ext cx="7986066" cy="584775"/>
-          </a:xfrm>
-          <a:prstGeom prst="rect">
-            <a:avLst/>
-          </a:prstGeom>
-        </p:spPr>
-        <p:txBody>
-          <a:bodyPr wrap="square">
-            <a:spAutoFit/>
-          </a:bodyPr>
-          <a:lstStyle/>
-          <a:p>
-            <a:r>
-              <a:rPr lang="fr-FR" dirty="0">
-                <a:solidFill>
-                  <a:srgbClr val="333333"/>
-                </a:solidFill>
-                <a:latin typeface="Calibri" panose="020F0502020204030204" pitchFamily="34" charset="0"/>
-              </a:rPr>
-              <a:t>Enquêtes s’intéressant à la </a:t>
-            </a:r>
-            <a:r>
-              <a:rPr lang="fr-FR" b="1" dirty="0">
-                <a:solidFill>
-                  <a:srgbClr val="333333"/>
-                </a:solidFill>
-                <a:latin typeface="Calibri" panose="020F0502020204030204" pitchFamily="34" charset="0"/>
-              </a:rPr>
-              <a:t>valorisation sur le marché du travail</a:t>
-            </a:r>
-            <a:r>
-              <a:rPr lang="fr-FR" dirty="0">
-                <a:solidFill>
-                  <a:srgbClr val="333333"/>
-                </a:solidFill>
-                <a:latin typeface="Calibri" panose="020F0502020204030204" pitchFamily="34" charset="0"/>
-              </a:rPr>
-              <a:t> des formations dispensées dans les Grandes Écoles françaises au travers de l’</a:t>
-            </a:r>
-            <a:r>
-              <a:rPr lang="fr-FR" b="1" dirty="0">
-                <a:solidFill>
-                  <a:srgbClr val="333333"/>
-                </a:solidFill>
-                <a:latin typeface="Calibri" panose="020F0502020204030204" pitchFamily="34" charset="0"/>
-              </a:rPr>
-              <a:t>insertion des diplômé.es</a:t>
-            </a:r>
-            <a:endParaRPr lang="fr-FR" dirty="0">
-              <a:solidFill>
-                <a:srgbClr val="333333"/>
-              </a:solidFill>
-              <a:latin typeface="Lucida Sans" panose="020B0602030504020204" pitchFamily="34" charset="0"/>
-            </a:endParaRPr>
-          </a:p>
-        </p:txBody>
-      </p:sp>
-      <p:sp>
-        <p:nvSpPr>
-          <p:cNvPr id="4" name="Rectangle 3">
-            <a:extLst>
-              <a:ext uri="{FF2B5EF4-FFF2-40B4-BE49-F238E27FC236}">
-                <a16:creationId xmlns:a16="http://schemas.microsoft.com/office/drawing/2014/main" id="{698AC0B1-5D01-4A7E-9126-56E9414F5169}"/>
-              </a:ext>
-            </a:extLst>
-          </p:cNvPr>
-          <p:cNvSpPr/>
-          <p:nvPr/>
-        </p:nvSpPr>
-        <p:spPr>
-          <a:xfrm>
-            <a:off x="574372" y="3279093"/>
-            <a:ext cx="7627658" cy="2308324"/>
-          </a:xfrm>
-          <a:prstGeom prst="rect">
-            <a:avLst/>
-          </a:prstGeom>
-        </p:spPr>
-        <p:txBody>
-          <a:bodyPr wrap="square">
-            <a:spAutoFit/>
-          </a:bodyPr>
-          <a:lstStyle/>
-          <a:p>
-            <a:r>
-              <a:rPr lang="fr-FR" dirty="0">
-                <a:solidFill>
-                  <a:srgbClr val="333333"/>
-                </a:solidFill>
-                <a:latin typeface="Calibri" panose="020F0502020204030204" pitchFamily="34" charset="0"/>
-              </a:rPr>
-              <a:t>Réalisée au 1</a:t>
-            </a:r>
-            <a:r>
-              <a:rPr lang="fr-FR" baseline="30000" dirty="0">
-                <a:solidFill>
-                  <a:srgbClr val="333333"/>
-                </a:solidFill>
-                <a:latin typeface="Calibri" panose="020F0502020204030204" pitchFamily="34" charset="0"/>
-              </a:rPr>
-              <a:t>er </a:t>
-            </a:r>
-            <a:r>
-              <a:rPr lang="fr-FR" dirty="0">
-                <a:solidFill>
-                  <a:srgbClr val="333333"/>
-                </a:solidFill>
-                <a:latin typeface="Calibri" panose="020F0502020204030204" pitchFamily="34" charset="0"/>
-              </a:rPr>
-              <a:t>semestre 2022 par </a:t>
-            </a:r>
-            <a:r>
-              <a:rPr lang="fr-FR" b="1" dirty="0">
-                <a:solidFill>
-                  <a:srgbClr val="333333"/>
-                </a:solidFill>
-                <a:latin typeface="Calibri" panose="020F0502020204030204" pitchFamily="34" charset="0"/>
-              </a:rPr>
-              <a:t>199 Grandes Ecoles</a:t>
-            </a:r>
-            <a:r>
-              <a:rPr lang="fr-FR" dirty="0">
-                <a:solidFill>
-                  <a:srgbClr val="333333"/>
-                </a:solidFill>
-                <a:latin typeface="Calibri" panose="020F0502020204030204" pitchFamily="34" charset="0"/>
-              </a:rPr>
-              <a:t> membres de la CGE</a:t>
-            </a:r>
-          </a:p>
-          <a:p>
-            <a:r>
-              <a:rPr lang="fr-FR" dirty="0">
-                <a:solidFill>
-                  <a:srgbClr val="333333"/>
-                </a:solidFill>
-                <a:latin typeface="Calibri" panose="020F0502020204030204" pitchFamily="34" charset="0"/>
-              </a:rPr>
-              <a:t>					(dont </a:t>
-            </a:r>
-            <a:r>
-              <a:rPr lang="fr-FR" b="1" dirty="0">
-                <a:solidFill>
-                  <a:srgbClr val="333333"/>
-                </a:solidFill>
-                <a:latin typeface="Calibri" panose="020F0502020204030204" pitchFamily="34" charset="0"/>
-              </a:rPr>
-              <a:t>139</a:t>
-            </a:r>
-            <a:r>
-              <a:rPr lang="fr-FR" dirty="0">
-                <a:solidFill>
-                  <a:srgbClr val="333333"/>
-                </a:solidFill>
-                <a:latin typeface="Calibri" panose="020F0502020204030204" pitchFamily="34" charset="0"/>
-              </a:rPr>
-              <a:t> écoles d’ingénieurs)</a:t>
-            </a:r>
-            <a:endParaRPr lang="fr-FR" dirty="0">
-              <a:solidFill>
-                <a:srgbClr val="333333"/>
-              </a:solidFill>
-              <a:latin typeface="Lucida Sans" panose="020B0602030504020204" pitchFamily="34" charset="0"/>
-            </a:endParaRPr>
-          </a:p>
-          <a:p>
-            <a:r>
-              <a:rPr lang="fr-FR" dirty="0">
-                <a:solidFill>
-                  <a:srgbClr val="333333"/>
-                </a:solidFill>
-                <a:latin typeface="Lucida Sans" panose="020B0602030504020204" pitchFamily="34" charset="0"/>
-              </a:rPr>
-              <a:t>	</a:t>
-            </a:r>
-            <a:r>
-              <a:rPr lang="fr-FR" i="1" dirty="0">
-                <a:solidFill>
-                  <a:srgbClr val="333333"/>
-                </a:solidFill>
-                <a:latin typeface="Calibri" panose="020F0502020204030204" pitchFamily="34" charset="0"/>
-              </a:rPr>
-              <a:t>IOGS – entre le 1er</a:t>
-            </a:r>
-            <a:r>
-              <a:rPr lang="fr-FR" dirty="0">
-                <a:solidFill>
-                  <a:srgbClr val="333333"/>
-                </a:solidFill>
-                <a:latin typeface="Calibri" panose="020F0502020204030204" pitchFamily="34" charset="0"/>
-              </a:rPr>
-              <a:t> janvier 2024 et le 2 avril 2024</a:t>
-            </a:r>
-          </a:p>
-          <a:p>
-            <a:r>
-              <a:rPr lang="fr-FR" dirty="0">
-                <a:solidFill>
-                  <a:srgbClr val="333333"/>
-                </a:solidFill>
-                <a:latin typeface="Calibri" panose="020F0502020204030204" pitchFamily="34" charset="0"/>
-              </a:rPr>
-              <a:t>Résultats publiés en juin 2024 par la CGE / 32</a:t>
-            </a:r>
-            <a:r>
-              <a:rPr lang="fr-FR" baseline="30000" dirty="0">
-                <a:solidFill>
-                  <a:srgbClr val="333333"/>
-                </a:solidFill>
-                <a:latin typeface="Calibri" panose="020F0502020204030204" pitchFamily="34" charset="0"/>
-              </a:rPr>
-              <a:t>e</a:t>
-            </a:r>
-            <a:r>
-              <a:rPr lang="fr-FR" dirty="0">
-                <a:solidFill>
-                  <a:srgbClr val="333333"/>
-                </a:solidFill>
-                <a:latin typeface="Calibri" panose="020F0502020204030204" pitchFamily="34" charset="0"/>
-              </a:rPr>
-              <a:t> édition</a:t>
-            </a:r>
-            <a:endParaRPr lang="fr-FR" dirty="0">
-              <a:solidFill>
-                <a:srgbClr val="333333"/>
-              </a:solidFill>
-              <a:latin typeface="Lucida Sans" panose="020B0602030504020204" pitchFamily="34" charset="0"/>
-            </a:endParaRPr>
-          </a:p>
-          <a:p>
-            <a:endParaRPr lang="fr-FR" dirty="0">
-              <a:solidFill>
-                <a:srgbClr val="333333"/>
-              </a:solidFill>
-              <a:latin typeface="Lucida Sans" panose="020B0602030504020204" pitchFamily="34" charset="0"/>
-            </a:endParaRPr>
-          </a:p>
-          <a:p>
-            <a:r>
-              <a:rPr lang="fr-FR" dirty="0">
-                <a:solidFill>
-                  <a:srgbClr val="333333"/>
-                </a:solidFill>
-                <a:latin typeface="Calibri" panose="020F0502020204030204" pitchFamily="34" charset="0"/>
-              </a:rPr>
-              <a:t>Ensemble d’outils d’enquête sécurisés (</a:t>
-            </a:r>
-            <a:r>
-              <a:rPr lang="fr-FR" i="1" dirty="0" err="1">
-                <a:solidFill>
-                  <a:srgbClr val="333333"/>
-                </a:solidFill>
-                <a:latin typeface="Calibri" panose="020F0502020204030204" pitchFamily="34" charset="0"/>
-              </a:rPr>
-              <a:t>SphinxOnline</a:t>
-            </a:r>
-            <a:r>
-              <a:rPr lang="fr-FR" dirty="0">
-                <a:solidFill>
-                  <a:srgbClr val="333333"/>
-                </a:solidFill>
-                <a:latin typeface="Calibri" panose="020F0502020204030204" pitchFamily="34" charset="0"/>
-              </a:rPr>
-              <a:t>) fourni par la CGE</a:t>
-            </a:r>
-            <a:endParaRPr lang="fr-FR" dirty="0">
-              <a:solidFill>
-                <a:srgbClr val="333333"/>
-              </a:solidFill>
-              <a:latin typeface="Lucida Sans" panose="020B0602030504020204" pitchFamily="34" charset="0"/>
-            </a:endParaRPr>
-          </a:p>
-          <a:p>
-            <a:r>
-              <a:rPr lang="fr-FR" dirty="0">
-                <a:solidFill>
-                  <a:srgbClr val="333333"/>
-                </a:solidFill>
-                <a:latin typeface="Calibri" panose="020F0502020204030204" pitchFamily="34" charset="0"/>
-              </a:rPr>
-              <a:t>Formulaire paramétré spécifiquement pour chaque école</a:t>
-            </a:r>
-            <a:endParaRPr lang="fr-FR" dirty="0">
-              <a:solidFill>
-                <a:srgbClr val="333333"/>
-              </a:solidFill>
-              <a:latin typeface="Lucida Sans" panose="020B0602030504020204" pitchFamily="34" charset="0"/>
-            </a:endParaRPr>
-          </a:p>
-          <a:p>
-            <a:endParaRPr lang="fr-FR" dirty="0">
-              <a:solidFill>
-                <a:srgbClr val="333333"/>
-              </a:solidFill>
-              <a:latin typeface="Lucida Sans" panose="020B0602030504020204" pitchFamily="34" charset="0"/>
-            </a:endParaRPr>
-          </a:p>
-          <a:p>
-            <a:r>
-              <a:rPr lang="fr-FR" dirty="0">
-                <a:solidFill>
-                  <a:srgbClr val="333333"/>
-                </a:solidFill>
-                <a:latin typeface="Calibri" panose="020F0502020204030204" pitchFamily="34" charset="0"/>
-              </a:rPr>
-              <a:t>Sondage sur les </a:t>
-            </a:r>
-            <a:r>
-              <a:rPr lang="fr-FR" b="1" dirty="0">
-                <a:solidFill>
-                  <a:srgbClr val="333333"/>
-                </a:solidFill>
-                <a:latin typeface="Calibri" panose="020F0502020204030204" pitchFamily="34" charset="0"/>
-              </a:rPr>
-              <a:t>5 dernières promotions </a:t>
-            </a:r>
-            <a:r>
-              <a:rPr lang="fr-FR" dirty="0">
-                <a:solidFill>
-                  <a:srgbClr val="333333"/>
-                </a:solidFill>
-                <a:latin typeface="Calibri" panose="020F0502020204030204" pitchFamily="34" charset="0"/>
-              </a:rPr>
-              <a:t>(2019 à 2023)</a:t>
-            </a:r>
-            <a:endParaRPr lang="fr-FR" dirty="0">
-              <a:solidFill>
-                <a:srgbClr val="333333"/>
-              </a:solidFill>
-              <a:latin typeface="Lucida Sans" panose="020B0602030504020204" pitchFamily="34" charset="0"/>
-            </a:endParaRPr>
-          </a:p>
-        </p:txBody>
-      </p:sp>
-      <p:sp>
-        <p:nvSpPr>
-          <p:cNvPr id="7" name="Espace réservé du contenu 2">
-            <a:extLst>
-              <a:ext uri="{FF2B5EF4-FFF2-40B4-BE49-F238E27FC236}">
-                <a16:creationId xmlns:a16="http://schemas.microsoft.com/office/drawing/2014/main" id="{A921BAEC-F7D4-49D4-BE1F-00F1433E7016}"/>
-              </a:ext>
-            </a:extLst>
-          </p:cNvPr>
-          <p:cNvSpPr txBox="1">
-            <a:spLocks noChangeArrowheads="1"/>
-          </p:cNvSpPr>
-          <p:nvPr/>
-        </p:nvSpPr>
-        <p:spPr bwMode="auto">
-          <a:xfrm>
-            <a:off x="453035" y="2841615"/>
-            <a:ext cx="8229600" cy="430779"/>
-          </a:xfrm>
-          <a:prstGeom prst="rect">
-            <a:avLst/>
-          </a:prstGeom>
-          <a:noFill/>
-          <a:ln>
-            <a:noFill/>
-          </a:ln>
-          <a:extLst>
-            <a:ext uri="{909E8E84-426E-40DD-AFC4-6F175D3DCCD1}">
-              <a14:hiddenFill xmlns:a14="http://schemas.microsoft.com/office/drawing/2010/main">
-                <a:solidFill>
-                  <a:srgbClr val="FFFFFF"/>
-                </a:solidFill>
-              </a14:hiddenFill>
-            </a:ext>
-            <a:ext uri="{91240B29-F687-4F45-9708-019B960494DF}">
-              <a14:hiddenLine xmlns:a14="http://schemas.microsoft.com/office/drawing/2010/main" w="9525">
-                <a:solidFill>
-                  <a:srgbClr val="000000"/>
-                </a:solidFill>
-                <a:miter lim="800000"/>
-                <a:headEnd/>
-                <a:tailEnd/>
-              </a14:hiddenLine>
-            </a:ext>
-          </a:extLst>
-        </p:spPr>
-        <p:txBody>
-          <a:bodyPr vert="horz" wrap="square" lIns="91440" tIns="45720" rIns="91440" bIns="45720" numCol="1" anchor="t" anchorCtr="0" compatLnSpc="1">
-            <a:prstTxWarp prst="textNoShape">
-              <a:avLst/>
-            </a:prstTxWarp>
-          </a:bodyPr>
-          <a:lstStyle>
-            <a:lvl1pPr marL="342900" indent="-342900" algn="l" rtl="0" eaLnBrk="0" fontAlgn="base" hangingPunct="0">
-              <a:spcBef>
-                <a:spcPct val="20000"/>
-              </a:spcBef>
-              <a:spcAft>
-                <a:spcPct val="0"/>
-              </a:spcAft>
-              <a:buChar char="•"/>
-              <a:defRPr sz="3200">
-                <a:solidFill>
-                  <a:srgbClr val="0A3250"/>
-                </a:solidFill>
-                <a:latin typeface="+mn-lt"/>
-                <a:ea typeface="ＭＳ Ｐゴシック" charset="0"/>
-                <a:cs typeface="ＭＳ Ｐゴシック" charset="0"/>
-              </a:defRPr>
-            </a:lvl1pPr>
-            <a:lvl2pPr marL="742950" indent="-285750" algn="l" rtl="0" eaLnBrk="0" fontAlgn="base" hangingPunct="0">
-              <a:spcBef>
-                <a:spcPct val="20000"/>
-              </a:spcBef>
-              <a:spcAft>
-                <a:spcPct val="0"/>
-              </a:spcAft>
-              <a:buChar char="–"/>
-              <a:defRPr sz="2800">
-                <a:solidFill>
-                  <a:srgbClr val="0A3250"/>
-                </a:solidFill>
-                <a:latin typeface="+mn-lt"/>
-                <a:ea typeface="ＭＳ Ｐゴシック" charset="0"/>
-              </a:defRPr>
-            </a:lvl2pPr>
-            <a:lvl3pPr marL="1143000" indent="-228600" algn="l" rtl="0" eaLnBrk="0" fontAlgn="base" hangingPunct="0">
-              <a:spcBef>
-                <a:spcPct val="20000"/>
-              </a:spcBef>
-              <a:spcAft>
-                <a:spcPct val="0"/>
-              </a:spcAft>
-              <a:buChar char="•"/>
-              <a:defRPr sz="2400">
-                <a:solidFill>
-                  <a:srgbClr val="0A3250"/>
-                </a:solidFill>
-                <a:latin typeface="+mn-lt"/>
-                <a:ea typeface="ＭＳ Ｐゴシック" charset="0"/>
-              </a:defRPr>
-            </a:lvl3pPr>
-            <a:lvl4pPr marL="1600200" indent="-228600" algn="l" rtl="0" eaLnBrk="0" fontAlgn="base" hangingPunct="0">
-              <a:spcBef>
-                <a:spcPct val="20000"/>
-              </a:spcBef>
-              <a:spcAft>
-                <a:spcPct val="0"/>
-              </a:spcAft>
-              <a:buChar char="–"/>
-              <a:defRPr sz="2000">
-                <a:solidFill>
-                  <a:srgbClr val="0A3250"/>
-                </a:solidFill>
-                <a:latin typeface="+mn-lt"/>
-                <a:ea typeface="ＭＳ Ｐゴシック" charset="0"/>
-              </a:defRPr>
-            </a:lvl4pPr>
-            <a:lvl5pPr marL="2057400" indent="-228600" algn="l" rtl="0" eaLnBrk="0" fontAlgn="base" hangingPunct="0">
-              <a:spcBef>
-                <a:spcPct val="20000"/>
-              </a:spcBef>
-              <a:spcAft>
-                <a:spcPct val="0"/>
-              </a:spcAft>
-              <a:buChar char="»"/>
-              <a:defRPr sz="2000">
-                <a:solidFill>
-                  <a:srgbClr val="0A3250"/>
-                </a:solidFill>
-                <a:latin typeface="+mn-lt"/>
-                <a:ea typeface="ＭＳ Ｐゴシック" charset="0"/>
-              </a:defRPr>
-            </a:lvl5pPr>
-            <a:lvl6pPr marL="2514600" indent="-228600" algn="l" rtl="0" fontAlgn="base">
-              <a:spcBef>
-                <a:spcPct val="20000"/>
-              </a:spcBef>
-              <a:spcAft>
-                <a:spcPct val="0"/>
-              </a:spcAft>
-              <a:buChar char="»"/>
-              <a:defRPr sz="2000">
-                <a:solidFill>
-                  <a:srgbClr val="0A3250"/>
-                </a:solidFill>
-                <a:latin typeface="+mn-lt"/>
-              </a:defRPr>
-            </a:lvl6pPr>
-            <a:lvl7pPr marL="2971800" indent="-228600" algn="l" rtl="0" fontAlgn="base">
-              <a:spcBef>
-                <a:spcPct val="20000"/>
-              </a:spcBef>
-              <a:spcAft>
-                <a:spcPct val="0"/>
-              </a:spcAft>
-              <a:buChar char="»"/>
-              <a:defRPr sz="2000">
-                <a:solidFill>
-                  <a:srgbClr val="0A3250"/>
-                </a:solidFill>
-                <a:latin typeface="+mn-lt"/>
-              </a:defRPr>
-            </a:lvl7pPr>
-            <a:lvl8pPr marL="3429000" indent="-228600" algn="l" rtl="0" fontAlgn="base">
-              <a:spcBef>
-                <a:spcPct val="20000"/>
-              </a:spcBef>
-              <a:spcAft>
-                <a:spcPct val="0"/>
-              </a:spcAft>
-              <a:buChar char="»"/>
-              <a:defRPr sz="2000">
-                <a:solidFill>
-                  <a:srgbClr val="0A3250"/>
-                </a:solidFill>
-                <a:latin typeface="+mn-lt"/>
-              </a:defRPr>
-            </a:lvl8pPr>
-            <a:lvl9pPr marL="3886200" indent="-228600" algn="l" rtl="0" fontAlgn="base">
-              <a:spcBef>
-                <a:spcPct val="20000"/>
-              </a:spcBef>
-              <a:spcAft>
-                <a:spcPct val="0"/>
-              </a:spcAft>
-              <a:buChar char="»"/>
-              <a:defRPr sz="2000">
-                <a:solidFill>
-                  <a:srgbClr val="0A3250"/>
-                </a:solidFill>
-                <a:latin typeface="+mn-lt"/>
-              </a:defRPr>
-            </a:lvl9pPr>
-          </a:lstStyle>
-          <a:p>
-            <a:r>
-              <a:rPr lang="fr-FR" altLang="fr-FR" sz="2000" b="1" kern="0" dirty="0">
-                <a:solidFill>
-                  <a:srgbClr val="FF960A"/>
-                </a:solidFill>
-                <a:ea typeface="ＭＳ Ｐゴシック" panose="020B0600070205080204" pitchFamily="34" charset="-128"/>
-              </a:rPr>
-              <a:t>Enquête CGE / version 2024</a:t>
-            </a:r>
-          </a:p>
-        </p:txBody>
-      </p:sp>
-      <p:sp>
-        <p:nvSpPr>
-          <p:cNvPr id="8" name="ZoneTexte 7">
-            <a:extLst>
-              <a:ext uri="{FF2B5EF4-FFF2-40B4-BE49-F238E27FC236}">
-                <a16:creationId xmlns:a16="http://schemas.microsoft.com/office/drawing/2014/main" id="{6BAF07F5-6F93-4A2B-A040-85F75ADE8EDD}"/>
-              </a:ext>
-            </a:extLst>
-          </p:cNvPr>
-          <p:cNvSpPr txBox="1"/>
-          <p:nvPr/>
-        </p:nvSpPr>
-        <p:spPr>
-          <a:xfrm rot="16200000">
-            <a:off x="-2330100" y="3437334"/>
-            <a:ext cx="4998749" cy="338554"/>
-          </a:xfrm>
-          <a:prstGeom prst="rect">
-            <a:avLst/>
-          </a:prstGeom>
-          <a:solidFill>
-            <a:schemeClr val="bg1">
-              <a:lumMod val="50000"/>
-            </a:schemeClr>
-          </a:solidFill>
-        </p:spPr>
-        <p:txBody>
-          <a:bodyPr wrap="square" rtlCol="0">
-            <a:spAutoFit/>
-          </a:bodyPr>
-          <a:lstStyle/>
-          <a:p>
-            <a:r>
-              <a:rPr lang="fr-FR" dirty="0">
-                <a:solidFill>
-                  <a:schemeClr val="bg1"/>
-                </a:solidFill>
-              </a:rPr>
-              <a:t>Enquête CGE / Version 2024</a:t>
-            </a:r>
-          </a:p>
-        </p:txBody>
-      </p:sp>
-    </p:spTree>
-  </p:cSld>
-  <p:clrMapOvr>
-    <a:masterClrMapping/>
-  </p:clrMapOvr>
-</p:sld>
-</file>
-
-<file path=ppt/slides/slide20.xml><?xml version="1.0" encoding="utf-8"?>
-<p:sld xmlns:a="http://schemas.openxmlformats.org/drawingml/2006/main" xmlns:r="http://schemas.openxmlformats.org/officeDocument/2006/relationships" xmlns:p="http://schemas.openxmlformats.org/presentationml/2006/main">
-  <p:cSld>
-    <p:spTree>
-      <p:nvGrpSpPr>
-        <p:cNvPr id="1" name=""/>
-        <p:cNvGrpSpPr/>
-        <p:nvPr/>
-      </p:nvGrpSpPr>
-      <p:grpSpPr>
-        <a:xfrm>
-          <a:off x="0" y="0"/>
-          <a:ext cx="0" cy="0"/>
-          <a:chOff x="0" y="0"/>
-          <a:chExt cx="0" cy="0"/>
-        </a:xfrm>
-      </p:grpSpPr>
-      <p:sp>
-        <p:nvSpPr>
-          <p:cNvPr id="2" name="Titre 1">
-            <a:extLst>
-              <a:ext uri="{FF2B5EF4-FFF2-40B4-BE49-F238E27FC236}">
-                <a16:creationId xmlns:a16="http://schemas.microsoft.com/office/drawing/2014/main" id="{FAA161D5-927A-49ED-83AF-6D12A66FF712}"/>
-              </a:ext>
-            </a:extLst>
-          </p:cNvPr>
-          <p:cNvSpPr>
-            <a:spLocks noGrp="1"/>
-          </p:cNvSpPr>
-          <p:nvPr>
-            <p:ph type="title"/>
-          </p:nvPr>
-        </p:nvSpPr>
-        <p:spPr/>
-        <p:txBody>
-          <a:bodyPr/>
-          <a:lstStyle/>
-          <a:p>
-            <a:pPr>
-              <a:defRPr/>
-            </a:pPr>
-            <a:r>
-              <a:rPr lang="fr-FR" sz="2800" dirty="0"/>
-              <a:t>Enquête CGE / Cumul</a:t>
-            </a:r>
-          </a:p>
-        </p:txBody>
-      </p:sp>
-      <p:sp>
-        <p:nvSpPr>
-          <p:cNvPr id="6147" name="Espace réservé du contenu 2">
-            <a:extLst>
-              <a:ext uri="{FF2B5EF4-FFF2-40B4-BE49-F238E27FC236}">
-                <a16:creationId xmlns:a16="http://schemas.microsoft.com/office/drawing/2014/main" id="{458254A6-099B-4E75-907C-19CA1B94B253}"/>
-              </a:ext>
-            </a:extLst>
-          </p:cNvPr>
-          <p:cNvSpPr>
-            <a:spLocks noGrp="1" noChangeArrowheads="1"/>
-          </p:cNvSpPr>
-          <p:nvPr>
-            <p:ph idx="1"/>
-          </p:nvPr>
-        </p:nvSpPr>
-        <p:spPr>
-          <a:xfrm>
-            <a:off x="447675" y="1600200"/>
-            <a:ext cx="8229600" cy="1554480"/>
-          </a:xfrm>
-        </p:spPr>
-        <p:txBody>
-          <a:bodyPr/>
-          <a:lstStyle/>
-          <a:p>
-            <a:r>
-              <a:rPr lang="fr-FR" altLang="fr-FR" sz="2000" b="1" dirty="0">
-                <a:solidFill>
-                  <a:srgbClr val="EF553B"/>
-                </a:solidFill>
-                <a:ea typeface="ＭＳ Ｐゴシック" panose="020B0600070205080204" pitchFamily="34" charset="-128"/>
-              </a:rPr>
               <a:t>Cumul de 2019 à 2022 / 2020 à 2023 </a:t>
             </a:r>
           </a:p>
@@ -16418,48 +17782,6 @@
           </a:p>
         </p:txBody>
       </p:sp>
-      <p:sp>
-        <p:nvSpPr>
-          <p:cNvPr id="4" name="ZoneTexte 3">
-            <a:extLst>
-              <a:ext uri="{FF2B5EF4-FFF2-40B4-BE49-F238E27FC236}">
-                <a16:creationId xmlns:a16="http://schemas.microsoft.com/office/drawing/2014/main" id="{250399CC-6EB5-CF04-B8BD-CB9EFD4A444B}"/>
-              </a:ext>
-            </a:extLst>
-          </p:cNvPr>
-          <p:cNvSpPr txBox="1"/>
-          <p:nvPr/>
-        </p:nvSpPr>
-        <p:spPr>
-          <a:xfrm rot="20218656">
-            <a:off x="5848287" y="5774122"/>
-            <a:ext cx="2184137" cy="461665"/>
-          </a:xfrm>
-          <a:prstGeom prst="rect">
-            <a:avLst/>
-          </a:prstGeom>
-          <a:solidFill>
-            <a:srgbClr val="5B277D"/>
-          </a:solidFill>
-        </p:spPr>
-        <p:txBody>
-          <a:bodyPr wrap="square" rtlCol="0">
-            <a:spAutoFit/>
-          </a:bodyPr>
-          <a:lstStyle/>
-          <a:p>
-            <a:pPr algn="ctr"/>
-            <a:r>
-              <a:rPr lang="fr-FR" sz="2400" b="1" dirty="0">
-                <a:solidFill>
-                  <a:schemeClr val="bg1"/>
-                </a:solidFill>
-              </a:rPr>
-              <a:t>A MODIFIER</a:t>
-            </a:r>
-          </a:p>
-        </p:txBody>
-      </p:sp>
       <p:graphicFrame>
         <p:nvGraphicFramePr>
           <p:cNvPr id="5" name="Tableau 4">
@@ -16475,7 +17797,7 @@
           <p:nvPr>
             <p:extLst>
               <p:ext uri="{D42A27DB-BD31-4B8C-83A1-F6EECF244321}">
-                <p14:modId xmlns:p14="http://schemas.microsoft.com/office/powerpoint/2010/main" val="728005780"/>
+                <p14:modId xmlns:p14="http://schemas.microsoft.com/office/powerpoint/2010/main" val="2797407300"/>
               </p:ext>
             </p:extLst>
           </p:nvPr>
@@ -16732,7 +18054,7 @@
                           </a:solidFill>
                           <a:effectLst/>
                         </a:rPr>
-                        <a:t>35.243</a:t>
+                        <a:t>35.978</a:t>
                       </a:r>
                     </a:p>
                   </a:txBody>
@@ -16767,7 +18089,7 @@
                           </a:solidFill>
                           <a:effectLst/>
                         </a:rPr>
-                        <a:t>37.570</a:t>
+                        <a:t>38.419</a:t>
                       </a:r>
                     </a:p>
                   </a:txBody>
@@ -16802,7 +18124,7 @@
                           </a:solidFill>
                           <a:effectLst/>
                         </a:rPr>
-                        <a:t>35.978</a:t>
+                        <a:t>36.800</a:t>
                       </a:r>
                     </a:p>
                   </a:txBody>
@@ -16837,7 +18159,7 @@
                           </a:solidFill>
                           <a:effectLst/>
                         </a:rPr>
-                        <a:t>38.419</a:t>
+                        <a:t>39.944</a:t>
                       </a:r>
                     </a:p>
                   </a:txBody>
@@ -16894,7 +18216,7 @@
                         <a:rPr lang="fr-FR" sz="1600" b="1" dirty="0">
                           <a:effectLst/>
                         </a:rPr>
-                        <a:t>35.776</a:t>
+                        <a:t>36.729</a:t>
                       </a:r>
                     </a:p>
                   </a:txBody>
@@ -16910,7 +18232,7 @@
                         <a:rPr lang="fr-FR" sz="1200" b="1" dirty="0">
                           <a:effectLst/>
                         </a:rPr>
-                        <a:t>5.952</a:t>
+                        <a:t>5.950</a:t>
                       </a:r>
                       <a:endParaRPr lang="fr-FR" sz="1600" b="1" dirty="0">
                         <a:effectLst/>
@@ -16929,7 +18251,7 @@
                         <a:rPr lang="fr-FR" sz="1600" b="1" dirty="0">
                           <a:effectLst/>
                         </a:rPr>
-                        <a:t>40.419</a:t>
+                        <a:t>41.129</a:t>
                       </a:r>
                     </a:p>
                   </a:txBody>
@@ -16945,7 +18267,7 @@
                         <a:rPr lang="fr-FR" sz="1200" b="1" dirty="0">
                           <a:effectLst/>
                         </a:rPr>
-                        <a:t>10.035</a:t>
+                        <a:t>9.968</a:t>
                       </a:r>
                       <a:endParaRPr lang="fr-FR" sz="1600" b="1" dirty="0">
                         <a:effectLst/>
@@ -16964,7 +18286,7 @@
                         <a:rPr lang="fr-FR" sz="1600" b="1" dirty="0">
                           <a:effectLst/>
                         </a:rPr>
-                        <a:t>36.739</a:t>
+                        <a:t>37.115</a:t>
                       </a:r>
                     </a:p>
                   </a:txBody>
@@ -16980,7 +18302,7 @@
                         <a:rPr lang="fr-FR" sz="1200" b="1" dirty="0">
                           <a:effectLst/>
                         </a:rPr>
-                        <a:t>5.952</a:t>
+                        <a:t>5.140</a:t>
                       </a:r>
                       <a:endParaRPr lang="fr-FR" sz="1600" b="1" dirty="0">
                         <a:effectLst/>
@@ -16996,14 +18318,11 @@
                     <a:p>
                       <a:pPr algn="ctr" fontAlgn="base"/>
                       <a:r>
-                        <a:rPr lang="fr-FR" sz="1600" b="1">
+                        <a:rPr lang="fr-FR" sz="1600" b="1" dirty="0">
                           <a:effectLst/>
                         </a:rPr>
-                        <a:t>41.223</a:t>
-                      </a:r>
-                      <a:endParaRPr lang="fr-FR" sz="1600" b="1" dirty="0">
-                        <a:effectLst/>
-                      </a:endParaRPr>
+                        <a:t>41.245</a:t>
+                      </a:r>
                     </a:p>
                   </a:txBody>
                   <a:tcPr anchor="ctr"/>
@@ -17015,10 +18334,10 @@
                     <a:p>
                       <a:pPr algn="ctr" fontAlgn="base"/>
                       <a:r>
-                        <a:rPr lang="fr-FR" sz="1200" b="1">
+                        <a:rPr lang="fr-FR" sz="1200" b="1" dirty="0">
                           <a:effectLst/>
                         </a:rPr>
-                        <a:t>10.035</a:t>
+                        <a:t>7.419</a:t>
                       </a:r>
                       <a:endParaRPr lang="fr-FR" sz="1600" b="1" dirty="0">
                         <a:effectLst/>
@@ -17072,7 +18391,7 @@
                           </a:solidFill>
                           <a:effectLst/>
                         </a:rPr>
-                        <a:t>35.809</a:t>
+                        <a:t>36.891</a:t>
                       </a:r>
                     </a:p>
                   </a:txBody>
@@ -17098,7 +18417,7 @@
                           </a:solidFill>
                           <a:effectLst/>
                         </a:rPr>
-                        <a:t>5.797</a:t>
+                        <a:t>5.609</a:t>
                       </a:r>
                     </a:p>
                   </a:txBody>
@@ -17124,7 +18443,7 @@
                           </a:solidFill>
                           <a:effectLst/>
                         </a:rPr>
-                        <a:t>40.461</a:t>
+                        <a:t>40.919</a:t>
                       </a:r>
                     </a:p>
                   </a:txBody>
@@ -17150,7 +18469,7 @@
                           </a:solidFill>
                           <a:effectLst/>
                         </a:rPr>
-                        <a:t>7.122</a:t>
+                        <a:t>8.519</a:t>
                       </a:r>
                     </a:p>
                   </a:txBody>
@@ -17176,7 +18495,7 @@
                           </a:solidFill>
                           <a:effectLst/>
                         </a:rPr>
-                        <a:t>36.891</a:t>
+                        <a:t>37.533</a:t>
                       </a:r>
                     </a:p>
                   </a:txBody>
@@ -17202,7 +18521,7 @@
                           </a:solidFill>
                           <a:effectLst/>
                         </a:rPr>
-                        <a:t>5.609</a:t>
+                        <a:t>5.012</a:t>
                       </a:r>
                     </a:p>
                   </a:txBody>
@@ -17228,7 +18547,7 @@
                           </a:solidFill>
                           <a:effectLst/>
                         </a:rPr>
-                        <a:t>41.130</a:t>
+                        <a:t>41.343</a:t>
                       </a:r>
                     </a:p>
                   </a:txBody>
@@ -17254,7 +18573,7 @@
                           </a:solidFill>
                           <a:effectLst/>
                         </a:rPr>
-                        <a:t>7.570</a:t>
+                        <a:t>7.208</a:t>
                       </a:r>
                     </a:p>
                   </a:txBody>
@@ -17317,7 +18636,7 @@
                           </a:solidFill>
                           <a:effectLst/>
                         </a:rPr>
-                        <a:t>34.700</a:t>
+                        <a:t>35.294</a:t>
                       </a:r>
                     </a:p>
                   </a:txBody>
@@ -17343,7 +18662,7 @@
                           </a:solidFill>
                           <a:effectLst/>
                         </a:rPr>
-                        <a:t>4.799</a:t>
+                        <a:t>5.031</a:t>
                       </a:r>
                     </a:p>
                   </a:txBody>
@@ -17369,7 +18688,7 @@
                           </a:solidFill>
                           <a:effectLst/>
                         </a:rPr>
-                        <a:t>37.759</a:t>
+                        <a:t>37.632</a:t>
                       </a:r>
                     </a:p>
                   </a:txBody>
@@ -17395,7 +18714,7 @@
                           </a:solidFill>
                           <a:effectLst/>
                         </a:rPr>
-                        <a:t>4.772</a:t>
+                        <a:t>4.908</a:t>
                       </a:r>
                     </a:p>
                   </a:txBody>
@@ -17421,7 +18740,7 @@
                           </a:solidFill>
                           <a:effectLst/>
                         </a:rPr>
-                        <a:t>35.294</a:t>
+                        <a:t>35.737</a:t>
                       </a:r>
                     </a:p>
                   </a:txBody>
@@ -17447,7 +18766,7 @@
                           </a:solidFill>
                           <a:effectLst/>
                         </a:rPr>
-                        <a:t>5.031</a:t>
+                        <a:t>3.695</a:t>
                       </a:r>
                     </a:p>
                   </a:txBody>
@@ -17473,7 +18792,7 @@
                           </a:solidFill>
                           <a:effectLst/>
                         </a:rPr>
-                        <a:t>37.632</a:t>
+                        <a:t>38.751</a:t>
                       </a:r>
                     </a:p>
                   </a:txBody>
@@ -17499,7 +18818,7 @@
                           </a:solidFill>
                           <a:effectLst/>
                         </a:rPr>
-                        <a:t>4.908</a:t>
+                        <a:t>7.361</a:t>
                       </a:r>
                     </a:p>
                   </a:txBody>
@@ -17561,7 +18880,7 @@
                           </a:solidFill>
                           <a:effectLst/>
                         </a:rPr>
-                        <a:t>34.589</a:t>
+                        <a:t>35.329</a:t>
                       </a:r>
                     </a:p>
                   </a:txBody>
@@ -17586,7 +18905,7 @@
                           </a:solidFill>
                           <a:effectLst/>
                         </a:rPr>
-                        <a:t>6.312</a:t>
+                        <a:t>7.518</a:t>
                       </a:r>
                     </a:p>
                   </a:txBody>
@@ -17611,7 +18930,7 @@
                           </a:solidFill>
                           <a:effectLst/>
                         </a:rPr>
-                        <a:t>43.570</a:t>
+                        <a:t>43.468</a:t>
                       </a:r>
                     </a:p>
                   </a:txBody>
@@ -17636,7 +18955,7 @@
                           </a:solidFill>
                           <a:effectLst/>
                         </a:rPr>
-                        <a:t>19.851</a:t>
+                        <a:t>18.842</a:t>
                       </a:r>
                     </a:p>
                   </a:txBody>
@@ -17661,7 +18980,7 @@
                           </a:solidFill>
                           <a:effectLst/>
                         </a:rPr>
-                        <a:t>35.367</a:t>
+                        <a:t>35.954</a:t>
                       </a:r>
                     </a:p>
                   </a:txBody>
@@ -17686,7 +19005,7 @@
                           </a:solidFill>
                           <a:effectLst/>
                         </a:rPr>
-                        <a:t>7.308</a:t>
+                        <a:t>6.849</a:t>
                       </a:r>
                     </a:p>
                   </a:txBody>
@@ -17711,7 +19030,7 @@
                           </a:solidFill>
                           <a:effectLst/>
                         </a:rPr>
-                        <a:t>43.468</a:t>
+                        <a:t>39.480</a:t>
                       </a:r>
                     </a:p>
                   </a:txBody>
@@ -17736,7 +19055,7 @@
                           </a:solidFill>
                           <a:effectLst/>
                         </a:rPr>
-                        <a:t>18.842</a:t>
+                        <a:t>4.528</a:t>
                       </a:r>
                     </a:p>
                   </a:txBody>
@@ -17782,7 +19101,7 @@
                           </a:solidFill>
                           <a:effectLst/>
                         </a:rPr>
-                        <a:t>39.260</a:t>
+                        <a:t>40.666</a:t>
                       </a:r>
                     </a:p>
                   </a:txBody>
@@ -17801,7 +19120,7 @@
                           </a:solidFill>
                           <a:effectLst/>
                         </a:rPr>
-                        <a:t>5.151</a:t>
+                        <a:t>4.677</a:t>
                       </a:r>
                     </a:p>
                   </a:txBody>
@@ -17820,7 +19139,7 @@
                           </a:solidFill>
                           <a:effectLst/>
                         </a:rPr>
-                        <a:t>41.363</a:t>
+                        <a:t>43.466</a:t>
                       </a:r>
                     </a:p>
                   </a:txBody>
@@ -17858,7 +19177,7 @@
                           </a:solidFill>
                           <a:effectLst/>
                         </a:rPr>
-                        <a:t>40.244</a:t>
+                        <a:t>38.408</a:t>
                       </a:r>
                     </a:p>
                   </a:txBody>
@@ -17877,7 +19196,7 @@
                           </a:solidFill>
                           <a:effectLst/>
                         </a:rPr>
-                        <a:t>5.234</a:t>
+                        <a:t>3.985</a:t>
                       </a:r>
                     </a:p>
                   </a:txBody>
@@ -17896,7 +19215,7 @@
                           </a:solidFill>
                           <a:effectLst/>
                         </a:rPr>
-                        <a:t>43.466</a:t>
+                        <a:t>45.050</a:t>
                       </a:r>
                     </a:p>
                   </a:txBody>
@@ -17915,7 +19234,7 @@
                           </a:solidFill>
                           <a:effectLst/>
                         </a:rPr>
-                        <a:t>8.519</a:t>
+                        <a:t>8.148</a:t>
                       </a:r>
                     </a:p>
                   </a:txBody>
@@ -18124,7 +19443,7 @@
 </p:sld>
 </file>
 
-<file path=ppt/slides/slide21.xml><?xml version="1.0" encoding="utf-8"?>
+<file path=ppt/slides/slide25.xml><?xml version="1.0" encoding="utf-8"?>
 <p:sld xmlns:a="http://schemas.openxmlformats.org/drawingml/2006/main" xmlns:r="http://schemas.openxmlformats.org/officeDocument/2006/relationships" xmlns:p="http://schemas.openxmlformats.org/presentationml/2006/main">
   <p:cSld>
     <p:spTree>
@@ -18389,48 +19708,6 @@
           </a:p>
         </p:txBody>
       </p:sp>
-      <p:sp>
-        <p:nvSpPr>
-          <p:cNvPr id="4" name="ZoneTexte 3">
-            <a:extLst>
-              <a:ext uri="{FF2B5EF4-FFF2-40B4-BE49-F238E27FC236}">
-                <a16:creationId xmlns:a16="http://schemas.microsoft.com/office/drawing/2014/main" id="{250399CC-6EB5-CF04-B8BD-CB9EFD4A444B}"/>
-              </a:ext>
-            </a:extLst>
-          </p:cNvPr>
-          <p:cNvSpPr txBox="1"/>
-          <p:nvPr/>
-        </p:nvSpPr>
-        <p:spPr>
-          <a:xfrm rot="20218656">
-            <a:off x="5848287" y="5774122"/>
-            <a:ext cx="2184137" cy="461665"/>
-          </a:xfrm>
-          <a:prstGeom prst="rect">
-            <a:avLst/>
-          </a:prstGeom>
-          <a:solidFill>
-            <a:srgbClr val="5B277D"/>
-          </a:solidFill>
-        </p:spPr>
-        <p:txBody>
-          <a:bodyPr wrap="square" rtlCol="0">
-            <a:spAutoFit/>
-          </a:bodyPr>
-          <a:lstStyle/>
-          <a:p>
-            <a:pPr algn="ctr"/>
-            <a:r>
-              <a:rPr lang="fr-FR" sz="2400" b="1" dirty="0">
-                <a:solidFill>
-                  <a:schemeClr val="bg1"/>
-                </a:solidFill>
-              </a:rPr>
-              <a:t>A MODIFIER</a:t>
-            </a:r>
-          </a:p>
-        </p:txBody>
-      </p:sp>
       <p:graphicFrame>
         <p:nvGraphicFramePr>
           <p:cNvPr id="5" name="Tableau 4">
@@ -18443,7 +19720,13 @@
           <p:cNvGraphicFramePr>
             <a:graphicFrameLocks noGrp="1"/>
           </p:cNvGraphicFramePr>
-          <p:nvPr/>
+          <p:nvPr>
+            <p:extLst>
+              <p:ext uri="{D42A27DB-BD31-4B8C-83A1-F6EECF244321}">
+                <p14:modId xmlns:p14="http://schemas.microsoft.com/office/powerpoint/2010/main" val="534563167"/>
+              </p:ext>
+            </p:extLst>
+          </p:nvPr>
         </p:nvGraphicFramePr>
         <p:xfrm>
           <a:off x="813074" y="3199258"/>
@@ -18747,7 +20030,7 @@
                           </a:solidFill>
                           <a:effectLst/>
                         </a:rPr>
-                        <a:t>35.978</a:t>
+                        <a:t>36.800</a:t>
                       </a:r>
                     </a:p>
                   </a:txBody>
@@ -18782,7 +20065,7 @@
                           </a:solidFill>
                           <a:effectLst/>
                         </a:rPr>
-                        <a:t>38.419</a:t>
+                        <a:t>39.344</a:t>
                       </a:r>
                     </a:p>
                   </a:txBody>
@@ -18839,7 +20122,7 @@
                         <a:rPr lang="fr-FR" sz="1600" b="1" dirty="0">
                           <a:effectLst/>
                         </a:rPr>
-                        <a:t>36.739</a:t>
+                        <a:t>36.729</a:t>
                       </a:r>
                     </a:p>
                   </a:txBody>
@@ -18855,7 +20138,7 @@
                         <a:rPr lang="fr-FR" sz="1200" b="1" dirty="0">
                           <a:effectLst/>
                         </a:rPr>
-                        <a:t>5.952</a:t>
+                        <a:t>5.950</a:t>
                       </a:r>
                       <a:endParaRPr lang="fr-FR" sz="1600" b="1" dirty="0">
                         <a:effectLst/>
@@ -18874,7 +20157,7 @@
                         <a:rPr lang="fr-FR" sz="1600" b="1" dirty="0">
                           <a:effectLst/>
                         </a:rPr>
-                        <a:t>41.223</a:t>
+                        <a:t>41.129</a:t>
                       </a:r>
                     </a:p>
                   </a:txBody>
@@ -18890,7 +20173,7 @@
                         <a:rPr lang="fr-FR" sz="1200" b="1" dirty="0">
                           <a:effectLst/>
                         </a:rPr>
-                        <a:t>10.035</a:t>
+                        <a:t>9.968</a:t>
                       </a:r>
                       <a:endParaRPr lang="fr-FR" sz="1600" b="1" dirty="0">
                         <a:effectLst/>
@@ -18909,7 +20192,7 @@
                         <a:rPr lang="fr-FR" sz="1600" b="1" dirty="0">
                           <a:effectLst/>
                         </a:rPr>
-                        <a:t>36.739</a:t>
+                        <a:t>37.115</a:t>
                       </a:r>
                     </a:p>
                   </a:txBody>
@@ -18925,7 +20208,7 @@
                         <a:rPr lang="fr-FR" sz="1200" b="1" dirty="0">
                           <a:effectLst/>
                         </a:rPr>
-                        <a:t>5.952</a:t>
+                        <a:t>5.140</a:t>
                       </a:r>
                       <a:endParaRPr lang="fr-FR" sz="1600" b="1" dirty="0">
                         <a:effectLst/>
@@ -18941,14 +20224,11 @@
                     <a:p>
                       <a:pPr algn="ctr" fontAlgn="base"/>
                       <a:r>
-                        <a:rPr lang="fr-FR" sz="1600" b="1">
+                        <a:rPr lang="fr-FR" sz="1600" b="1" dirty="0">
                           <a:effectLst/>
                         </a:rPr>
-                        <a:t>41.223</a:t>
-                      </a:r>
-                      <a:endParaRPr lang="fr-FR" sz="1600" b="1" dirty="0">
-                        <a:effectLst/>
-                      </a:endParaRPr>
+                        <a:t>41.245</a:t>
+                      </a:r>
                     </a:p>
                   </a:txBody>
                   <a:tcPr anchor="ctr"/>
@@ -18960,10 +20240,10 @@
                     <a:p>
                       <a:pPr algn="ctr" fontAlgn="base"/>
                       <a:r>
-                        <a:rPr lang="fr-FR" sz="1200" b="1">
+                        <a:rPr lang="fr-FR" sz="1200" b="1" dirty="0">
                           <a:effectLst/>
                         </a:rPr>
-                        <a:t>10.035</a:t>
+                        <a:t>7.419</a:t>
                       </a:r>
                       <a:endParaRPr lang="fr-FR" sz="1600" b="1" dirty="0">
                         <a:effectLst/>
@@ -19017,7 +20297,7 @@
                           </a:solidFill>
                           <a:effectLst/>
                         </a:rPr>
-                        <a:t>36.038</a:t>
+                        <a:t>36.734</a:t>
                       </a:r>
                     </a:p>
                   </a:txBody>
@@ -19043,7 +20323,7 @@
                           </a:solidFill>
                           <a:effectLst/>
                         </a:rPr>
-                        <a:t>5.777</a:t>
+                        <a:t>5.182</a:t>
                       </a:r>
                     </a:p>
                   </a:txBody>
@@ -19062,12 +20342,15 @@
                     <a:lstStyle/>
                     <a:p>
                       <a:pPr algn="ctr" fontAlgn="base"/>
-                      <a:endParaRPr lang="fr-FR" sz="1400" dirty="0">
-                        <a:solidFill>
-                          <a:schemeClr val="bg1"/>
-                        </a:solidFill>
-                        <a:effectLst/>
-                      </a:endParaRPr>
+                      <a:r>
+                        <a:rPr lang="fr-FR" sz="1400" dirty="0">
+                          <a:solidFill>
+                            <a:schemeClr val="bg1"/>
+                          </a:solidFill>
+                          <a:effectLst/>
+                        </a:rPr>
+                        <a:t>41.133</a:t>
+                      </a:r>
                     </a:p>
                   </a:txBody>
                   <a:tcPr anchor="ctr">
@@ -19085,12 +20368,15 @@
                     <a:lstStyle/>
                     <a:p>
                       <a:pPr algn="ctr" fontAlgn="base"/>
-                      <a:endParaRPr lang="fr-FR" sz="1400" dirty="0">
-                        <a:solidFill>
-                          <a:schemeClr val="bg1"/>
-                        </a:solidFill>
-                        <a:effectLst/>
-                      </a:endParaRPr>
+                      <a:r>
+                        <a:rPr lang="fr-FR" sz="1100" dirty="0">
+                          <a:solidFill>
+                            <a:schemeClr val="bg1"/>
+                          </a:solidFill>
+                          <a:effectLst/>
+                        </a:rPr>
+                        <a:t>10.943</a:t>
+                      </a:r>
                     </a:p>
                   </a:txBody>
                   <a:tcPr anchor="ctr">
@@ -19115,7 +20401,7 @@
                           </a:solidFill>
                           <a:effectLst/>
                         </a:rPr>
-                        <a:t>36.734</a:t>
+                        <a:t>37.128</a:t>
                       </a:r>
                     </a:p>
                   </a:txBody>
@@ -19141,7 +20427,7 @@
                           </a:solidFill>
                           <a:effectLst/>
                         </a:rPr>
-                        <a:t>5.182</a:t>
+                        <a:t>4.798</a:t>
                       </a:r>
                     </a:p>
                   </a:txBody>
@@ -19160,12 +20446,15 @@
                     <a:lstStyle/>
                     <a:p>
                       <a:pPr algn="ctr" fontAlgn="base"/>
-                      <a:endParaRPr lang="fr-FR" sz="1400" dirty="0">
-                        <a:solidFill>
-                          <a:schemeClr val="bg1"/>
-                        </a:solidFill>
-                        <a:effectLst/>
-                      </a:endParaRPr>
+                      <a:r>
+                        <a:rPr lang="fr-FR" sz="1400" dirty="0">
+                          <a:solidFill>
+                            <a:schemeClr val="bg1"/>
+                          </a:solidFill>
+                          <a:effectLst/>
+                        </a:rPr>
+                        <a:t>41.014</a:t>
+                      </a:r>
                     </a:p>
                   </a:txBody>
                   <a:tcPr anchor="ctr">
@@ -19183,12 +20472,15 @@
                     <a:lstStyle/>
                     <a:p>
                       <a:pPr algn="ctr" fontAlgn="base"/>
-                      <a:endParaRPr lang="fr-FR" sz="1100" dirty="0">
-                        <a:solidFill>
-                          <a:schemeClr val="bg1"/>
-                        </a:solidFill>
-                        <a:effectLst/>
-                      </a:endParaRPr>
+                      <a:r>
+                        <a:rPr lang="fr-FR" sz="1100" dirty="0">
+                          <a:solidFill>
+                            <a:schemeClr val="bg1"/>
+                          </a:solidFill>
+                          <a:effectLst/>
+                        </a:rPr>
+                        <a:t>6.219</a:t>
+                      </a:r>
                     </a:p>
                   </a:txBody>
                   <a:tcPr anchor="ctr">
@@ -19245,7 +20537,7 @@
                           </a:solidFill>
                           <a:effectLst/>
                         </a:rPr>
-                        <a:t>35.434</a:t>
+                        <a:t>37.070</a:t>
                       </a:r>
                     </a:p>
                   </a:txBody>
@@ -19271,7 +20563,7 @@
                           </a:solidFill>
                           <a:effectLst/>
                         </a:rPr>
-                        <a:t>6.910</a:t>
+                        <a:t>6.267</a:t>
                       </a:r>
                     </a:p>
                   </a:txBody>
@@ -19290,12 +20582,15 @@
                     <a:lstStyle/>
                     <a:p>
                       <a:pPr algn="ctr" fontAlgn="base"/>
-                      <a:endParaRPr lang="fr-FR" sz="1400" dirty="0">
-                        <a:solidFill>
-                          <a:schemeClr val="bg1"/>
-                        </a:solidFill>
-                        <a:effectLst/>
-                      </a:endParaRPr>
+                      <a:r>
+                        <a:rPr lang="fr-FR" sz="1400" dirty="0">
+                          <a:solidFill>
+                            <a:schemeClr val="bg1"/>
+                          </a:solidFill>
+                          <a:effectLst/>
+                        </a:rPr>
+                        <a:t>39.919</a:t>
+                      </a:r>
                     </a:p>
                   </a:txBody>
                   <a:tcPr anchor="ctr">
@@ -19313,12 +20608,15 @@
                     <a:lstStyle/>
                     <a:p>
                       <a:pPr algn="ctr" fontAlgn="base"/>
-                      <a:endParaRPr lang="fr-FR" sz="1400" dirty="0">
-                        <a:solidFill>
-                          <a:schemeClr val="bg1"/>
-                        </a:solidFill>
-                        <a:effectLst/>
-                      </a:endParaRPr>
+                      <a:r>
+                        <a:rPr lang="fr-FR" sz="1100" dirty="0">
+                          <a:solidFill>
+                            <a:schemeClr val="bg1"/>
+                          </a:solidFill>
+                          <a:effectLst/>
+                        </a:rPr>
+                        <a:t>6.811</a:t>
+                      </a:r>
                     </a:p>
                   </a:txBody>
                   <a:tcPr anchor="ctr">
@@ -19343,7 +20641,7 @@
                           </a:solidFill>
                           <a:effectLst/>
                         </a:rPr>
-                        <a:t>37.070</a:t>
+                        <a:t>37.028</a:t>
                       </a:r>
                     </a:p>
                   </a:txBody>
@@ -19369,7 +20667,7 @@
                           </a:solidFill>
                           <a:effectLst/>
                         </a:rPr>
-                        <a:t>6.267</a:t>
+                        <a:t>5.368</a:t>
                       </a:r>
                     </a:p>
                   </a:txBody>
@@ -19388,12 +20686,15 @@
                     <a:lstStyle/>
                     <a:p>
                       <a:pPr algn="ctr" fontAlgn="base"/>
-                      <a:endParaRPr lang="fr-FR" sz="1400" dirty="0">
-                        <a:solidFill>
-                          <a:schemeClr val="bg1"/>
-                        </a:solidFill>
-                        <a:effectLst/>
-                      </a:endParaRPr>
+                      <a:r>
+                        <a:rPr lang="fr-FR" sz="1400" dirty="0">
+                          <a:solidFill>
+                            <a:schemeClr val="bg1"/>
+                          </a:solidFill>
+                          <a:effectLst/>
+                        </a:rPr>
+                        <a:t>39.889</a:t>
+                      </a:r>
                     </a:p>
                   </a:txBody>
                   <a:tcPr anchor="ctr">
@@ -19411,12 +20712,15 @@
                     <a:lstStyle/>
                     <a:p>
                       <a:pPr algn="ctr" fontAlgn="base"/>
-                      <a:endParaRPr lang="fr-FR" sz="1100" dirty="0">
-                        <a:solidFill>
-                          <a:schemeClr val="bg1"/>
-                        </a:solidFill>
-                        <a:effectLst/>
-                      </a:endParaRPr>
+                      <a:r>
+                        <a:rPr lang="fr-FR" sz="1100" dirty="0">
+                          <a:solidFill>
+                            <a:schemeClr val="bg1"/>
+                          </a:solidFill>
+                          <a:effectLst/>
+                        </a:rPr>
+                        <a:t>7.329</a:t>
+                      </a:r>
                     </a:p>
                   </a:txBody>
                   <a:tcPr anchor="ctr">
@@ -19485,7 +20789,7 @@
                           </a:solidFill>
                           <a:effectLst/>
                         </a:rPr>
-                        <a:t>35.351</a:t>
+                        <a:t>36.316</a:t>
                       </a:r>
                     </a:p>
                   </a:txBody>
@@ -19510,7 +20814,7 @@
                           </a:solidFill>
                           <a:effectLst/>
                         </a:rPr>
-                        <a:t>6.881</a:t>
+                        <a:t>7.355</a:t>
                       </a:r>
                     </a:p>
                   </a:txBody>
@@ -19528,12 +20832,15 @@
                     <a:lstStyle/>
                     <a:p>
                       <a:pPr algn="ctr" fontAlgn="base"/>
-                      <a:endParaRPr lang="fr-FR" sz="1400" dirty="0">
-                        <a:solidFill>
-                          <a:schemeClr val="bg1"/>
-                        </a:solidFill>
-                        <a:effectLst/>
-                      </a:endParaRPr>
+                      <a:r>
+                        <a:rPr lang="fr-FR" sz="1400" dirty="0">
+                          <a:solidFill>
+                            <a:schemeClr val="bg1"/>
+                          </a:solidFill>
+                          <a:effectLst/>
+                        </a:rPr>
+                        <a:t>42.146</a:t>
+                      </a:r>
                     </a:p>
                   </a:txBody>
                   <a:tcPr anchor="ctr">
@@ -19550,12 +20857,15 @@
                     <a:lstStyle/>
                     <a:p>
                       <a:pPr algn="ctr" fontAlgn="base"/>
-                      <a:endParaRPr lang="fr-FR" sz="1400" dirty="0">
-                        <a:solidFill>
-                          <a:schemeClr val="bg1"/>
-                        </a:solidFill>
-                        <a:effectLst/>
-                      </a:endParaRPr>
+                      <a:r>
+                        <a:rPr lang="fr-FR" sz="1100" dirty="0">
+                          <a:solidFill>
+                            <a:schemeClr val="bg1"/>
+                          </a:solidFill>
+                          <a:effectLst/>
+                        </a:rPr>
+                        <a:t>9.632</a:t>
+                      </a:r>
                     </a:p>
                   </a:txBody>
                   <a:tcPr anchor="ctr">
@@ -19579,7 +20889,7 @@
                           </a:solidFill>
                           <a:effectLst/>
                         </a:rPr>
-                        <a:t>36.316</a:t>
+                        <a:t>37.206</a:t>
                       </a:r>
                     </a:p>
                   </a:txBody>
@@ -19604,7 +20914,7 @@
                           </a:solidFill>
                           <a:effectLst/>
                         </a:rPr>
-                        <a:t>7.355</a:t>
+                        <a:t>5.863</a:t>
                       </a:r>
                     </a:p>
                   </a:txBody>
@@ -19622,12 +20932,15 @@
                     <a:lstStyle/>
                     <a:p>
                       <a:pPr algn="ctr" fontAlgn="base"/>
-                      <a:endParaRPr lang="fr-FR" sz="1400" dirty="0">
-                        <a:solidFill>
-                          <a:schemeClr val="bg1"/>
-                        </a:solidFill>
-                        <a:effectLst/>
-                      </a:endParaRPr>
+                      <a:r>
+                        <a:rPr lang="fr-FR" sz="1400" dirty="0">
+                          <a:solidFill>
+                            <a:schemeClr val="bg1"/>
+                          </a:solidFill>
+                          <a:effectLst/>
+                        </a:rPr>
+                        <a:t>42.847</a:t>
+                      </a:r>
                     </a:p>
                   </a:txBody>
                   <a:tcPr anchor="ctr">
@@ -19644,12 +20957,15 @@
                     <a:lstStyle/>
                     <a:p>
                       <a:pPr algn="ctr" fontAlgn="base"/>
-                      <a:endParaRPr lang="fr-FR" sz="1100" dirty="0">
-                        <a:solidFill>
-                          <a:schemeClr val="bg1"/>
-                        </a:solidFill>
-                        <a:effectLst/>
-                      </a:endParaRPr>
+                      <a:r>
+                        <a:rPr lang="fr-FR" sz="1100" dirty="0">
+                          <a:solidFill>
+                            <a:schemeClr val="bg1"/>
+                          </a:solidFill>
+                          <a:effectLst/>
+                        </a:rPr>
+                        <a:t>9.661</a:t>
+                      </a:r>
                     </a:p>
                   </a:txBody>
                   <a:tcPr anchor="ctr">
@@ -20544,7 +21860,7 @@
           <p:nvPr>
             <p:extLst>
               <p:ext uri="{D42A27DB-BD31-4B8C-83A1-F6EECF244321}">
-                <p14:modId xmlns:p14="http://schemas.microsoft.com/office/powerpoint/2010/main" val="2040270773"/>
+                <p14:modId xmlns:p14="http://schemas.microsoft.com/office/powerpoint/2010/main" val="3791842968"/>
               </p:ext>
             </p:extLst>
           </p:nvPr>
@@ -20943,12 +22259,20 @@
                     <a:p>
                       <a:pPr algn="ctr"/>
                       <a:r>
+                        <a:rPr lang="fr-FR" sz="1400">
+                          <a:solidFill>
+                            <a:schemeClr val="tx1"/>
+                          </a:solidFill>
+                        </a:rPr>
+                        <a:t>83,7 </a:t>
+                      </a:r>
+                      <a:r>
                         <a:rPr lang="fr-FR" sz="1400" dirty="0">
                           <a:solidFill>
                             <a:schemeClr val="tx1"/>
                           </a:solidFill>
                         </a:rPr>
-                        <a:t>84,8 %</a:t>
+                        <a:t>%</a:t>
                       </a:r>
                     </a:p>
                   </a:txBody>

--- a/Presentations/2024_COPERF_CGE.pptx
+++ b/Presentations/2024_COPERF_CGE.pptx
@@ -26,11 +26,11 @@
     <p:sldId id="304" r:id="rId14"/>
     <p:sldId id="305" r:id="rId15"/>
     <p:sldId id="307" r:id="rId16"/>
-    <p:sldId id="308" r:id="rId17"/>
-    <p:sldId id="306" r:id="rId18"/>
-    <p:sldId id="309" r:id="rId19"/>
-    <p:sldId id="294" r:id="rId20"/>
-    <p:sldId id="289" r:id="rId21"/>
+    <p:sldId id="294" r:id="rId17"/>
+    <p:sldId id="289" r:id="rId18"/>
+    <p:sldId id="308" r:id="rId19"/>
+    <p:sldId id="306" r:id="rId20"/>
+    <p:sldId id="309" r:id="rId21"/>
     <p:sldId id="296" r:id="rId22"/>
     <p:sldId id="295" r:id="rId23"/>
     <p:sldId id="291" r:id="rId24"/>
@@ -1481,7 +1481,7 @@
               <a:pPr>
                 <a:defRPr/>
               </a:pPr>
-              <a:t>16</a:t>
+              <a:t>18</a:t>
             </a:fld>
             <a:endParaRPr lang="fr-FR" altLang="fr-FR"/>
           </a:p>
@@ -1571,7 +1571,7 @@
               <a:pPr>
                 <a:defRPr/>
               </a:pPr>
-              <a:t>17</a:t>
+              <a:t>19</a:t>
             </a:fld>
             <a:endParaRPr lang="fr-FR" altLang="fr-FR"/>
           </a:p>
@@ -1661,7 +1661,7 @@
               <a:pPr>
                 <a:defRPr/>
               </a:pPr>
-              <a:t>18</a:t>
+              <a:t>20</a:t>
             </a:fld>
             <a:endParaRPr lang="fr-FR" altLang="fr-FR"/>
           </a:p>
@@ -7291,6 +7291,42 @@
           </a:prstGeom>
         </p:spPr>
       </p:pic>
+      <p:pic>
+        <p:nvPicPr>
+          <p:cNvPr id="6" name="Image 5" descr="Une image contenant texte, diagramme, capture d’écran, Rectangle&#10;&#10;Description générée automatiquement">
+            <a:extLst>
+              <a:ext uri="{FF2B5EF4-FFF2-40B4-BE49-F238E27FC236}">
+                <a16:creationId xmlns:a16="http://schemas.microsoft.com/office/drawing/2014/main" id="{F1A86699-5141-436C-B9FF-E528608DD3EB}"/>
+              </a:ext>
+            </a:extLst>
+          </p:cNvPr>
+          <p:cNvPicPr>
+            <a:picLocks noChangeAspect="1"/>
+          </p:cNvPicPr>
+          <p:nvPr/>
+        </p:nvPicPr>
+        <p:blipFill>
+          <a:blip r:embed="rId5">
+            <a:extLst>
+              <a:ext uri="{28A0092B-C50C-407E-A947-70E740481C1C}">
+                <a14:useLocalDpi xmlns:a14="http://schemas.microsoft.com/office/drawing/2010/main" val="0"/>
+              </a:ext>
+            </a:extLst>
+          </a:blip>
+          <a:stretch>
+            <a:fillRect/>
+          </a:stretch>
+        </p:blipFill>
+        <p:spPr>
+          <a:xfrm>
+            <a:off x="6283886" y="1455737"/>
+            <a:ext cx="2714770" cy="2265871"/>
+          </a:xfrm>
+          <a:prstGeom prst="rect">
+            <a:avLst/>
+          </a:prstGeom>
+        </p:spPr>
+      </p:pic>
     </p:spTree>
     <p:extLst>
       <p:ext uri="{BB962C8B-B14F-4D97-AF65-F5344CB8AC3E}">
@@ -7548,7 +7584,7 @@
           <a:effectLst/>
           <a:extLst>
             <a:ext uri="{AF507438-7753-43e0-B8FC-AC1667EBCBE1}">
-              <a14:hiddenEffects xmlns="" xmlns:a14="http://schemas.microsoft.com/office/drawing/2010/main">
+              <a14:hiddenEffects xmlns:a14="http://schemas.microsoft.com/office/drawing/2010/main" xmlns="">
                 <a:effectLst>
                   <a:outerShdw dist="35921" dir="2700000" algn="ctr" rotWithShape="0">
                     <a:schemeClr val="bg2"/>
@@ -8510,6 +8546,3376 @@
             </a:pPr>
             <a:r>
               <a:rPr lang="fr-FR" sz="2800" dirty="0"/>
+              <a:t>Enquête CGE / Cumul</a:t>
+            </a:r>
+          </a:p>
+        </p:txBody>
+      </p:sp>
+      <p:sp>
+        <p:nvSpPr>
+          <p:cNvPr id="6147" name="Espace réservé du contenu 2">
+            <a:extLst>
+              <a:ext uri="{FF2B5EF4-FFF2-40B4-BE49-F238E27FC236}">
+                <a16:creationId xmlns:a16="http://schemas.microsoft.com/office/drawing/2014/main" id="{458254A6-099B-4E75-907C-19CA1B94B253}"/>
+              </a:ext>
+            </a:extLst>
+          </p:cNvPr>
+          <p:cNvSpPr>
+            <a:spLocks noGrp="1" noChangeArrowheads="1"/>
+          </p:cNvSpPr>
+          <p:nvPr>
+            <p:ph idx="1"/>
+          </p:nvPr>
+        </p:nvSpPr>
+        <p:spPr>
+          <a:xfrm>
+            <a:off x="447675" y="1600200"/>
+            <a:ext cx="8229600" cy="1554480"/>
+          </a:xfrm>
+        </p:spPr>
+        <p:txBody>
+          <a:bodyPr/>
+          <a:lstStyle/>
+          <a:p>
+            <a:r>
+              <a:rPr lang="fr-FR" altLang="fr-FR" sz="2000" b="1" dirty="0">
+                <a:solidFill>
+                  <a:srgbClr val="EF553B"/>
+                </a:solidFill>
+                <a:ea typeface="ＭＳ Ｐゴシック" panose="020B0600070205080204" pitchFamily="34" charset="-128"/>
+              </a:rPr>
+              <a:t>Cumul de 2019 à 2022 / 2020 à 2023</a:t>
+            </a:r>
+          </a:p>
+          <a:p>
+            <a:r>
+              <a:rPr lang="fr-FR" altLang="fr-FR" sz="2000" b="1" dirty="0">
+                <a:solidFill>
+                  <a:srgbClr val="EF553B"/>
+                </a:solidFill>
+                <a:ea typeface="ＭＳ Ｐゴシック" panose="020B0600070205080204" pitchFamily="34" charset="-128"/>
+              </a:rPr>
+              <a:t>Lieu des emplois / Sites</a:t>
+            </a:r>
+          </a:p>
+        </p:txBody>
+      </p:sp>
+      <p:pic>
+        <p:nvPicPr>
+          <p:cNvPr id="6148" name="Picture 2" descr="upright=Article à illustrer Organisation">
+            <a:extLst>
+              <a:ext uri="{FF2B5EF4-FFF2-40B4-BE49-F238E27FC236}">
+                <a16:creationId xmlns:a16="http://schemas.microsoft.com/office/drawing/2014/main" id="{105BE698-E40C-4415-A9DF-F8680D1DF607}"/>
+              </a:ext>
+            </a:extLst>
+          </p:cNvPr>
+          <p:cNvPicPr>
+            <a:picLocks noChangeAspect="1" noChangeArrowheads="1"/>
+          </p:cNvPicPr>
+          <p:nvPr/>
+        </p:nvPicPr>
+        <p:blipFill>
+          <a:blip r:embed="rId2">
+            <a:extLst>
+              <a:ext uri="{28A0092B-C50C-407E-A947-70E740481C1C}">
+                <a14:useLocalDpi xmlns:a14="http://schemas.microsoft.com/office/drawing/2010/main" val="0"/>
+              </a:ext>
+            </a:extLst>
+          </a:blip>
+          <a:srcRect/>
+          <a:stretch>
+            <a:fillRect/>
+          </a:stretch>
+        </p:blipFill>
+        <p:spPr bwMode="auto">
+          <a:xfrm>
+            <a:off x="7766050" y="892175"/>
+            <a:ext cx="1157288" cy="384175"/>
+          </a:xfrm>
+          <a:prstGeom prst="rect">
+            <a:avLst/>
+          </a:prstGeom>
+          <a:noFill/>
+          <a:ln>
+            <a:noFill/>
+          </a:ln>
+          <a:extLst>
+            <a:ext uri="{909E8E84-426E-40DD-AFC4-6F175D3DCCD1}">
+              <a14:hiddenFill xmlns:a14="http://schemas.microsoft.com/office/drawing/2010/main">
+                <a:solidFill>
+                  <a:srgbClr val="FFFFFF"/>
+                </a:solidFill>
+              </a14:hiddenFill>
+            </a:ext>
+            <a:ext uri="{91240B29-F687-4F45-9708-019B960494DF}">
+              <a14:hiddenLine xmlns:a14="http://schemas.microsoft.com/office/drawing/2010/main" w="9525">
+                <a:solidFill>
+                  <a:srgbClr val="000000"/>
+                </a:solidFill>
+                <a:miter lim="800000"/>
+                <a:headEnd/>
+                <a:tailEnd/>
+              </a14:hiddenLine>
+            </a:ext>
+          </a:extLst>
+        </p:spPr>
+      </p:pic>
+      <p:sp>
+        <p:nvSpPr>
+          <p:cNvPr id="3" name="ZoneTexte 2">
+            <a:extLst>
+              <a:ext uri="{FF2B5EF4-FFF2-40B4-BE49-F238E27FC236}">
+                <a16:creationId xmlns:a16="http://schemas.microsoft.com/office/drawing/2014/main" id="{76C5E635-ACF0-A360-2BA1-1AD1AB1E7A21}"/>
+              </a:ext>
+            </a:extLst>
+          </p:cNvPr>
+          <p:cNvSpPr txBox="1"/>
+          <p:nvPr/>
+        </p:nvSpPr>
+        <p:spPr>
+          <a:xfrm rot="16200000">
+            <a:off x="-2330100" y="3437334"/>
+            <a:ext cx="4998749" cy="338554"/>
+          </a:xfrm>
+          <a:prstGeom prst="rect">
+            <a:avLst/>
+          </a:prstGeom>
+          <a:solidFill>
+            <a:srgbClr val="EF553B"/>
+          </a:solidFill>
+        </p:spPr>
+        <p:txBody>
+          <a:bodyPr wrap="square" rtlCol="0">
+            <a:spAutoFit/>
+          </a:bodyPr>
+          <a:lstStyle/>
+          <a:p>
+            <a:r>
+              <a:rPr lang="fr-FR" dirty="0">
+                <a:solidFill>
+                  <a:schemeClr val="bg1"/>
+                </a:solidFill>
+              </a:rPr>
+              <a:t>Enquête CGE / Cumul</a:t>
+            </a:r>
+          </a:p>
+        </p:txBody>
+      </p:sp>
+      <p:sp>
+        <p:nvSpPr>
+          <p:cNvPr id="9" name="ZoneTexte 8">
+            <a:extLst>
+              <a:ext uri="{FF2B5EF4-FFF2-40B4-BE49-F238E27FC236}">
+                <a16:creationId xmlns:a16="http://schemas.microsoft.com/office/drawing/2014/main" id="{607FEABF-F1C9-7143-AA31-45A4A932AF8A}"/>
+              </a:ext>
+            </a:extLst>
+          </p:cNvPr>
+          <p:cNvSpPr txBox="1"/>
+          <p:nvPr/>
+        </p:nvSpPr>
+        <p:spPr>
+          <a:xfrm>
+            <a:off x="3821018" y="807154"/>
+            <a:ext cx="3720890" cy="600164"/>
+          </a:xfrm>
+          <a:prstGeom prst="rect">
+            <a:avLst/>
+          </a:prstGeom>
+          <a:noFill/>
+        </p:spPr>
+        <p:txBody>
+          <a:bodyPr wrap="none" rtlCol="0">
+            <a:spAutoFit/>
+          </a:bodyPr>
+          <a:lstStyle/>
+          <a:p>
+            <a:r>
+              <a:rPr lang="fr-FR" sz="1100" b="1" dirty="0">
+                <a:solidFill>
+                  <a:srgbClr val="002060"/>
+                </a:solidFill>
+              </a:rPr>
+              <a:t>Comparaison avec résultats nationaux :</a:t>
+            </a:r>
+          </a:p>
+          <a:p>
+            <a:pPr marL="285750" indent="-285750">
+              <a:buFontTx/>
+              <a:buChar char="-"/>
+            </a:pPr>
+            <a:r>
+              <a:rPr lang="fr-FR" sz="1100" dirty="0">
+                <a:solidFill>
+                  <a:srgbClr val="002060"/>
+                </a:solidFill>
+              </a:rPr>
+              <a:t>hypothèse : nombre quasi constant de répondant.es</a:t>
+            </a:r>
+          </a:p>
+          <a:p>
+            <a:pPr marL="285750" indent="-285750">
+              <a:buFontTx/>
+              <a:buChar char="-"/>
+            </a:pPr>
+            <a:r>
+              <a:rPr lang="fr-FR" sz="1100" i="1" dirty="0">
+                <a:solidFill>
+                  <a:srgbClr val="002060"/>
+                </a:solidFill>
+              </a:rPr>
+              <a:t>Calcul : somme des moyennes / nombre années</a:t>
+            </a:r>
+          </a:p>
+        </p:txBody>
+      </p:sp>
+      <p:graphicFrame>
+        <p:nvGraphicFramePr>
+          <p:cNvPr id="5" name="Tableau 4">
+            <a:extLst>
+              <a:ext uri="{FF2B5EF4-FFF2-40B4-BE49-F238E27FC236}">
+                <a16:creationId xmlns:a16="http://schemas.microsoft.com/office/drawing/2014/main" id="{67D5A9BE-B287-0AD5-1BCF-FEC21F1E9A75}"/>
+              </a:ext>
+            </a:extLst>
+          </p:cNvPr>
+          <p:cNvGraphicFramePr>
+            <a:graphicFrameLocks noGrp="1"/>
+          </p:cNvGraphicFramePr>
+          <p:nvPr>
+            <p:extLst>
+              <p:ext uri="{D42A27DB-BD31-4B8C-83A1-F6EECF244321}">
+                <p14:modId xmlns:p14="http://schemas.microsoft.com/office/powerpoint/2010/main" val="2008740577"/>
+              </p:ext>
+            </p:extLst>
+          </p:nvPr>
+        </p:nvGraphicFramePr>
+        <p:xfrm>
+          <a:off x="1514475" y="3137216"/>
+          <a:ext cx="6095999" cy="2595880"/>
+        </p:xfrm>
+        <a:graphic>
+          <a:graphicData uri="http://schemas.openxmlformats.org/drawingml/2006/table">
+            <a:tbl>
+              <a:tblPr firstRow="1" bandRow="1">
+                <a:tableStyleId>{21E4AEA4-8DFA-4A89-87EB-49C32662AFE0}</a:tableStyleId>
+              </a:tblPr>
+              <a:tblGrid>
+                <a:gridCol w="870857">
+                  <a:extLst>
+                    <a:ext uri="{9D8B030D-6E8A-4147-A177-3AD203B41FA5}">
+                      <a16:colId xmlns:a16="http://schemas.microsoft.com/office/drawing/2014/main" val="2053038476"/>
+                    </a:ext>
+                  </a:extLst>
+                </a:gridCol>
+                <a:gridCol w="870857">
+                  <a:extLst>
+                    <a:ext uri="{9D8B030D-6E8A-4147-A177-3AD203B41FA5}">
+                      <a16:colId xmlns:a16="http://schemas.microsoft.com/office/drawing/2014/main" val="3832746835"/>
+                    </a:ext>
+                  </a:extLst>
+                </a:gridCol>
+                <a:gridCol w="870857">
+                  <a:extLst>
+                    <a:ext uri="{9D8B030D-6E8A-4147-A177-3AD203B41FA5}">
+                      <a16:colId xmlns:a16="http://schemas.microsoft.com/office/drawing/2014/main" val="4009216877"/>
+                    </a:ext>
+                  </a:extLst>
+                </a:gridCol>
+                <a:gridCol w="870857">
+                  <a:extLst>
+                    <a:ext uri="{9D8B030D-6E8A-4147-A177-3AD203B41FA5}">
+                      <a16:colId xmlns:a16="http://schemas.microsoft.com/office/drawing/2014/main" val="3856658833"/>
+                    </a:ext>
+                  </a:extLst>
+                </a:gridCol>
+                <a:gridCol w="870857">
+                  <a:extLst>
+                    <a:ext uri="{9D8B030D-6E8A-4147-A177-3AD203B41FA5}">
+                      <a16:colId xmlns:a16="http://schemas.microsoft.com/office/drawing/2014/main" val="1457748498"/>
+                    </a:ext>
+                  </a:extLst>
+                </a:gridCol>
+                <a:gridCol w="870857">
+                  <a:extLst>
+                    <a:ext uri="{9D8B030D-6E8A-4147-A177-3AD203B41FA5}">
+                      <a16:colId xmlns:a16="http://schemas.microsoft.com/office/drawing/2014/main" val="3308663209"/>
+                    </a:ext>
+                  </a:extLst>
+                </a:gridCol>
+                <a:gridCol w="870857">
+                  <a:extLst>
+                    <a:ext uri="{9D8B030D-6E8A-4147-A177-3AD203B41FA5}">
+                      <a16:colId xmlns:a16="http://schemas.microsoft.com/office/drawing/2014/main" val="2294340571"/>
+                    </a:ext>
+                  </a:extLst>
+                </a:gridCol>
+              </a:tblGrid>
+              <a:tr h="370840">
+                <a:tc>
+                  <a:txBody>
+                    <a:bodyPr/>
+                    <a:lstStyle/>
+                    <a:p>
+                      <a:pPr algn="ctr"/>
+                      <a:r>
+                        <a:rPr lang="fr-FR" sz="1400" dirty="0"/>
+                        <a:t>Sites</a:t>
+                      </a:r>
+                    </a:p>
+                  </a:txBody>
+                  <a:tcPr/>
+                </a:tc>
+                <a:tc>
+                  <a:txBody>
+                    <a:bodyPr/>
+                    <a:lstStyle/>
+                    <a:p>
+                      <a:pPr algn="ctr"/>
+                      <a:r>
+                        <a:rPr lang="fr-FR" sz="1400" dirty="0" err="1"/>
+                        <a:t>Etrang</a:t>
+                      </a:r>
+                      <a:r>
+                        <a:rPr lang="fr-FR" sz="1400" dirty="0"/>
+                        <a:t>.</a:t>
+                      </a:r>
+                    </a:p>
+                  </a:txBody>
+                  <a:tcPr/>
+                </a:tc>
+                <a:tc>
+                  <a:txBody>
+                    <a:bodyPr/>
+                    <a:lstStyle/>
+                    <a:p>
+                      <a:pPr algn="ctr"/>
+                      <a:r>
+                        <a:rPr lang="fr-FR" sz="1400" dirty="0"/>
+                        <a:t>France</a:t>
+                      </a:r>
+                    </a:p>
+                  </a:txBody>
+                  <a:tcPr/>
+                </a:tc>
+                <a:tc>
+                  <a:txBody>
+                    <a:bodyPr/>
+                    <a:lstStyle/>
+                    <a:p>
+                      <a:pPr algn="ctr"/>
+                      <a:r>
+                        <a:rPr lang="fr-FR" sz="1050" dirty="0"/>
+                        <a:t>Nb Rep</a:t>
+                      </a:r>
+                    </a:p>
+                  </a:txBody>
+                  <a:tcPr/>
+                </a:tc>
+                <a:tc>
+                  <a:txBody>
+                    <a:bodyPr/>
+                    <a:lstStyle/>
+                    <a:p>
+                      <a:pPr algn="ctr"/>
+                      <a:r>
+                        <a:rPr lang="fr-FR" sz="1400" dirty="0" err="1"/>
+                        <a:t>Etrang</a:t>
+                      </a:r>
+                      <a:r>
+                        <a:rPr lang="fr-FR" sz="1400" dirty="0"/>
+                        <a:t>.</a:t>
+                      </a:r>
+                    </a:p>
+                  </a:txBody>
+                  <a:tcPr/>
+                </a:tc>
+                <a:tc>
+                  <a:txBody>
+                    <a:bodyPr/>
+                    <a:lstStyle/>
+                    <a:p>
+                      <a:pPr algn="ctr"/>
+                      <a:r>
+                        <a:rPr lang="fr-FR" sz="1400" dirty="0"/>
+                        <a:t>France</a:t>
+                      </a:r>
+                    </a:p>
+                  </a:txBody>
+                  <a:tcPr/>
+                </a:tc>
+                <a:tc>
+                  <a:txBody>
+                    <a:bodyPr/>
+                    <a:lstStyle/>
+                    <a:p>
+                      <a:pPr algn="ctr"/>
+                      <a:r>
+                        <a:rPr lang="fr-FR" sz="1050" dirty="0"/>
+                        <a:t>Nb Rep</a:t>
+                      </a:r>
+                    </a:p>
+                  </a:txBody>
+                  <a:tcPr/>
+                </a:tc>
+                <a:extLst>
+                  <a:ext uri="{0D108BD9-81ED-4DB2-BD59-A6C34878D82A}">
+                    <a16:rowId xmlns:a16="http://schemas.microsoft.com/office/drawing/2014/main" val="3899797023"/>
+                  </a:ext>
+                </a:extLst>
+              </a:tr>
+              <a:tr h="370840">
+                <a:tc>
+                  <a:txBody>
+                    <a:bodyPr/>
+                    <a:lstStyle/>
+                    <a:p>
+                      <a:pPr algn="ctr"/>
+                      <a:r>
+                        <a:rPr lang="fr-FR" sz="1600" dirty="0"/>
+                        <a:t>CGE</a:t>
+                      </a:r>
+                    </a:p>
+                  </a:txBody>
+                  <a:tcPr/>
+                </a:tc>
+                <a:tc>
+                  <a:txBody>
+                    <a:bodyPr/>
+                    <a:lstStyle/>
+                    <a:p>
+                      <a:pPr algn="ctr" fontAlgn="base"/>
+                      <a:r>
+                        <a:rPr lang="fr-FR" sz="1400" dirty="0">
+                          <a:solidFill>
+                            <a:srgbClr val="3D4449"/>
+                          </a:solidFill>
+                          <a:effectLst/>
+                        </a:rPr>
+                        <a:t>9.3 %</a:t>
+                      </a:r>
+                    </a:p>
+                  </a:txBody>
+                  <a:tcPr anchor="ctr"/>
+                </a:tc>
+                <a:tc>
+                  <a:txBody>
+                    <a:bodyPr/>
+                    <a:lstStyle/>
+                    <a:p>
+                      <a:pPr algn="ctr" fontAlgn="base"/>
+                      <a:r>
+                        <a:rPr lang="fr-FR" sz="1400" dirty="0">
+                          <a:solidFill>
+                            <a:srgbClr val="443597"/>
+                          </a:solidFill>
+                          <a:effectLst/>
+                        </a:rPr>
+                        <a:t>90.7 %</a:t>
+                      </a:r>
+                    </a:p>
+                  </a:txBody>
+                  <a:tcPr anchor="ctr"/>
+                </a:tc>
+                <a:tc>
+                  <a:txBody>
+                    <a:bodyPr/>
+                    <a:lstStyle/>
+                    <a:p>
+                      <a:pPr algn="ctr"/>
+                      <a:endParaRPr lang="fr-FR" sz="1400" dirty="0"/>
+                    </a:p>
+                  </a:txBody>
+                  <a:tcPr/>
+                </a:tc>
+                <a:tc>
+                  <a:txBody>
+                    <a:bodyPr/>
+                    <a:lstStyle/>
+                    <a:p>
+                      <a:pPr algn="ctr" fontAlgn="base"/>
+                      <a:r>
+                        <a:rPr lang="fr-FR" sz="1400" dirty="0">
+                          <a:solidFill>
+                            <a:srgbClr val="3D4449"/>
+                          </a:solidFill>
+                          <a:effectLst/>
+                        </a:rPr>
+                        <a:t>8.9 %</a:t>
+                      </a:r>
+                    </a:p>
+                  </a:txBody>
+                  <a:tcPr anchor="ctr"/>
+                </a:tc>
+                <a:tc>
+                  <a:txBody>
+                    <a:bodyPr/>
+                    <a:lstStyle/>
+                    <a:p>
+                      <a:pPr algn="ctr" fontAlgn="base"/>
+                      <a:r>
+                        <a:rPr lang="fr-FR" sz="1400" dirty="0">
+                          <a:solidFill>
+                            <a:srgbClr val="443597"/>
+                          </a:solidFill>
+                          <a:effectLst/>
+                        </a:rPr>
+                        <a:t>91.1 %</a:t>
+                      </a:r>
+                    </a:p>
+                  </a:txBody>
+                  <a:tcPr anchor="ctr"/>
+                </a:tc>
+                <a:tc>
+                  <a:txBody>
+                    <a:bodyPr/>
+                    <a:lstStyle/>
+                    <a:p>
+                      <a:pPr algn="ctr"/>
+                      <a:endParaRPr lang="fr-FR" sz="1100" dirty="0"/>
+                    </a:p>
+                  </a:txBody>
+                  <a:tcPr/>
+                </a:tc>
+                <a:extLst>
+                  <a:ext uri="{0D108BD9-81ED-4DB2-BD59-A6C34878D82A}">
+                    <a16:rowId xmlns:a16="http://schemas.microsoft.com/office/drawing/2014/main" val="952767304"/>
+                  </a:ext>
+                </a:extLst>
+              </a:tr>
+              <a:tr h="370840">
+                <a:tc>
+                  <a:txBody>
+                    <a:bodyPr/>
+                    <a:lstStyle/>
+                    <a:p>
+                      <a:pPr algn="ctr"/>
+                      <a:r>
+                        <a:rPr lang="fr-FR" b="1" dirty="0" err="1"/>
+                        <a:t>Ens</a:t>
+                      </a:r>
+                      <a:r>
+                        <a:rPr lang="fr-FR" b="1" dirty="0"/>
+                        <a:t>.</a:t>
+                      </a:r>
+                    </a:p>
+                  </a:txBody>
+                  <a:tcPr/>
+                </a:tc>
+                <a:tc>
+                  <a:txBody>
+                    <a:bodyPr/>
+                    <a:lstStyle/>
+                    <a:p>
+                      <a:pPr algn="ctr" fontAlgn="base"/>
+                      <a:r>
+                        <a:rPr lang="fr-FR" b="1" dirty="0">
+                          <a:solidFill>
+                            <a:srgbClr val="3D4449"/>
+                          </a:solidFill>
+                          <a:effectLst/>
+                          <a:latin typeface="inherit"/>
+                        </a:rPr>
+                        <a:t>7.1 %</a:t>
+                      </a:r>
+                      <a:endParaRPr lang="fr-FR" dirty="0">
+                        <a:effectLst/>
+                      </a:endParaRPr>
+                    </a:p>
+                  </a:txBody>
+                  <a:tcPr anchor="ctr"/>
+                </a:tc>
+                <a:tc>
+                  <a:txBody>
+                    <a:bodyPr/>
+                    <a:lstStyle/>
+                    <a:p>
+                      <a:pPr algn="ctr" fontAlgn="base"/>
+                      <a:r>
+                        <a:rPr lang="fr-FR" b="1" dirty="0">
+                          <a:solidFill>
+                            <a:srgbClr val="443597"/>
+                          </a:solidFill>
+                          <a:effectLst/>
+                          <a:latin typeface="inherit"/>
+                        </a:rPr>
+                        <a:t>92.9 %</a:t>
+                      </a:r>
+                      <a:endParaRPr lang="fr-FR" dirty="0">
+                        <a:effectLst/>
+                      </a:endParaRPr>
+                    </a:p>
+                  </a:txBody>
+                  <a:tcPr anchor="ctr"/>
+                </a:tc>
+                <a:tc>
+                  <a:txBody>
+                    <a:bodyPr/>
+                    <a:lstStyle/>
+                    <a:p>
+                      <a:pPr algn="ctr" fontAlgn="base"/>
+                      <a:r>
+                        <a:rPr lang="fr-FR" sz="1200" b="1" dirty="0">
+                          <a:solidFill>
+                            <a:srgbClr val="376E8B"/>
+                          </a:solidFill>
+                          <a:effectLst/>
+                          <a:latin typeface="inherit"/>
+                        </a:rPr>
+                        <a:t>159</a:t>
+                      </a:r>
+                      <a:endParaRPr lang="fr-FR" sz="1200" dirty="0">
+                        <a:effectLst/>
+                      </a:endParaRPr>
+                    </a:p>
+                  </a:txBody>
+                  <a:tcPr anchor="ctr"/>
+                </a:tc>
+                <a:tc>
+                  <a:txBody>
+                    <a:bodyPr/>
+                    <a:lstStyle/>
+                    <a:p>
+                      <a:pPr algn="ctr" fontAlgn="base"/>
+                      <a:r>
+                        <a:rPr lang="fr-FR" b="1" dirty="0">
+                          <a:solidFill>
+                            <a:srgbClr val="3D4449"/>
+                          </a:solidFill>
+                          <a:effectLst/>
+                          <a:latin typeface="inherit"/>
+                        </a:rPr>
+                        <a:t>7.1 %</a:t>
+                      </a:r>
+                      <a:endParaRPr lang="fr-FR" dirty="0">
+                        <a:effectLst/>
+                      </a:endParaRPr>
+                    </a:p>
+                  </a:txBody>
+                  <a:tcPr anchor="ctr"/>
+                </a:tc>
+                <a:tc>
+                  <a:txBody>
+                    <a:bodyPr/>
+                    <a:lstStyle/>
+                    <a:p>
+                      <a:pPr algn="ctr" fontAlgn="base"/>
+                      <a:r>
+                        <a:rPr lang="fr-FR" b="1" dirty="0">
+                          <a:solidFill>
+                            <a:srgbClr val="443597"/>
+                          </a:solidFill>
+                          <a:effectLst/>
+                          <a:latin typeface="inherit"/>
+                        </a:rPr>
+                        <a:t>92.9 %</a:t>
+                      </a:r>
+                      <a:endParaRPr lang="fr-FR" dirty="0">
+                        <a:effectLst/>
+                      </a:endParaRPr>
+                    </a:p>
+                  </a:txBody>
+                  <a:tcPr anchor="ctr"/>
+                </a:tc>
+                <a:tc>
+                  <a:txBody>
+                    <a:bodyPr/>
+                    <a:lstStyle/>
+                    <a:p>
+                      <a:pPr algn="ctr" fontAlgn="base"/>
+                      <a:r>
+                        <a:rPr lang="fr-FR" sz="1200" b="1" dirty="0">
+                          <a:solidFill>
+                            <a:srgbClr val="376E8B"/>
+                          </a:solidFill>
+                          <a:effectLst/>
+                          <a:latin typeface="inherit"/>
+                        </a:rPr>
+                        <a:t>113</a:t>
+                      </a:r>
+                      <a:endParaRPr lang="fr-FR" sz="1200" dirty="0">
+                        <a:effectLst/>
+                      </a:endParaRPr>
+                    </a:p>
+                  </a:txBody>
+                  <a:tcPr anchor="ctr"/>
+                </a:tc>
+                <a:extLst>
+                  <a:ext uri="{0D108BD9-81ED-4DB2-BD59-A6C34878D82A}">
+                    <a16:rowId xmlns:a16="http://schemas.microsoft.com/office/drawing/2014/main" val="809898311"/>
+                  </a:ext>
+                </a:extLst>
+              </a:tr>
+              <a:tr h="370840">
+                <a:tc>
+                  <a:txBody>
+                    <a:bodyPr/>
+                    <a:lstStyle/>
+                    <a:p>
+                      <a:pPr algn="ctr"/>
+                      <a:r>
+                        <a:rPr lang="fr-FR" sz="1600" dirty="0">
+                          <a:solidFill>
+                            <a:schemeClr val="bg1"/>
+                          </a:solidFill>
+                        </a:rPr>
+                        <a:t>Pal.</a:t>
+                      </a:r>
+                    </a:p>
+                  </a:txBody>
+                  <a:tcPr>
+                    <a:solidFill>
+                      <a:schemeClr val="accent6">
+                        <a:lumMod val="40000"/>
+                        <a:lumOff val="60000"/>
+                      </a:schemeClr>
+                    </a:solidFill>
+                  </a:tcPr>
+                </a:tc>
+                <a:tc>
+                  <a:txBody>
+                    <a:bodyPr/>
+                    <a:lstStyle/>
+                    <a:p>
+                      <a:pPr algn="ctr" fontAlgn="base"/>
+                      <a:r>
+                        <a:rPr lang="fr-FR" sz="1400" dirty="0">
+                          <a:solidFill>
+                            <a:schemeClr val="bg1"/>
+                          </a:solidFill>
+                          <a:effectLst/>
+                        </a:rPr>
+                        <a:t>2.8 %</a:t>
+                      </a:r>
+                    </a:p>
+                  </a:txBody>
+                  <a:tcPr anchor="ctr">
+                    <a:solidFill>
+                      <a:schemeClr val="accent6">
+                        <a:lumMod val="40000"/>
+                        <a:lumOff val="60000"/>
+                      </a:schemeClr>
+                    </a:solidFill>
+                  </a:tcPr>
+                </a:tc>
+                <a:tc>
+                  <a:txBody>
+                    <a:bodyPr/>
+                    <a:lstStyle/>
+                    <a:p>
+                      <a:pPr algn="ctr" fontAlgn="base"/>
+                      <a:r>
+                        <a:rPr lang="fr-FR" sz="1400" dirty="0">
+                          <a:solidFill>
+                            <a:schemeClr val="bg1"/>
+                          </a:solidFill>
+                          <a:effectLst/>
+                        </a:rPr>
+                        <a:t>97.2 %</a:t>
+                      </a:r>
+                    </a:p>
+                  </a:txBody>
+                  <a:tcPr anchor="ctr">
+                    <a:solidFill>
+                      <a:schemeClr val="accent6">
+                        <a:lumMod val="40000"/>
+                        <a:lumOff val="60000"/>
+                      </a:schemeClr>
+                    </a:solidFill>
+                  </a:tcPr>
+                </a:tc>
+                <a:tc>
+                  <a:txBody>
+                    <a:bodyPr/>
+                    <a:lstStyle/>
+                    <a:p>
+                      <a:pPr algn="ctr" fontAlgn="base"/>
+                      <a:r>
+                        <a:rPr lang="fr-FR" sz="1100" dirty="0">
+                          <a:solidFill>
+                            <a:schemeClr val="bg1"/>
+                          </a:solidFill>
+                          <a:effectLst/>
+                        </a:rPr>
+                        <a:t>71</a:t>
+                      </a:r>
+                    </a:p>
+                  </a:txBody>
+                  <a:tcPr anchor="ctr">
+                    <a:solidFill>
+                      <a:schemeClr val="accent6">
+                        <a:lumMod val="40000"/>
+                        <a:lumOff val="60000"/>
+                      </a:schemeClr>
+                    </a:solidFill>
+                  </a:tcPr>
+                </a:tc>
+                <a:tc>
+                  <a:txBody>
+                    <a:bodyPr/>
+                    <a:lstStyle/>
+                    <a:p>
+                      <a:pPr algn="ctr" fontAlgn="base"/>
+                      <a:r>
+                        <a:rPr lang="fr-FR" sz="1400" dirty="0">
+                          <a:solidFill>
+                            <a:schemeClr val="bg1"/>
+                          </a:solidFill>
+                          <a:effectLst/>
+                        </a:rPr>
+                        <a:t>4.3 %</a:t>
+                      </a:r>
+                    </a:p>
+                  </a:txBody>
+                  <a:tcPr anchor="ctr">
+                    <a:solidFill>
+                      <a:schemeClr val="accent6">
+                        <a:lumMod val="40000"/>
+                        <a:lumOff val="60000"/>
+                      </a:schemeClr>
+                    </a:solidFill>
+                  </a:tcPr>
+                </a:tc>
+                <a:tc>
+                  <a:txBody>
+                    <a:bodyPr/>
+                    <a:lstStyle/>
+                    <a:p>
+                      <a:pPr algn="ctr" fontAlgn="base"/>
+                      <a:r>
+                        <a:rPr lang="fr-FR" sz="1400" dirty="0">
+                          <a:solidFill>
+                            <a:schemeClr val="bg1"/>
+                          </a:solidFill>
+                          <a:effectLst/>
+                        </a:rPr>
+                        <a:t>95.7 %</a:t>
+                      </a:r>
+                    </a:p>
+                  </a:txBody>
+                  <a:tcPr anchor="ctr">
+                    <a:solidFill>
+                      <a:schemeClr val="accent6">
+                        <a:lumMod val="40000"/>
+                        <a:lumOff val="60000"/>
+                      </a:schemeClr>
+                    </a:solidFill>
+                  </a:tcPr>
+                </a:tc>
+                <a:tc>
+                  <a:txBody>
+                    <a:bodyPr/>
+                    <a:lstStyle/>
+                    <a:p>
+                      <a:pPr algn="ctr" fontAlgn="base"/>
+                      <a:r>
+                        <a:rPr lang="fr-FR" sz="1100" dirty="0">
+                          <a:solidFill>
+                            <a:schemeClr val="bg1"/>
+                          </a:solidFill>
+                          <a:effectLst/>
+                        </a:rPr>
+                        <a:t>70</a:t>
+                      </a:r>
+                    </a:p>
+                  </a:txBody>
+                  <a:tcPr anchor="ctr">
+                    <a:solidFill>
+                      <a:schemeClr val="accent6">
+                        <a:lumMod val="40000"/>
+                        <a:lumOff val="60000"/>
+                      </a:schemeClr>
+                    </a:solidFill>
+                  </a:tcPr>
+                </a:tc>
+                <a:extLst>
+                  <a:ext uri="{0D108BD9-81ED-4DB2-BD59-A6C34878D82A}">
+                    <a16:rowId xmlns:a16="http://schemas.microsoft.com/office/drawing/2014/main" val="2207166277"/>
+                  </a:ext>
+                </a:extLst>
+              </a:tr>
+              <a:tr h="370840">
+                <a:tc>
+                  <a:txBody>
+                    <a:bodyPr/>
+                    <a:lstStyle/>
+                    <a:p>
+                      <a:pPr algn="ctr"/>
+                      <a:r>
+                        <a:rPr lang="fr-FR" sz="1600" dirty="0" err="1">
+                          <a:solidFill>
+                            <a:schemeClr val="bg1"/>
+                          </a:solidFill>
+                        </a:rPr>
+                        <a:t>Bdx</a:t>
+                      </a:r>
+                      <a:endParaRPr lang="fr-FR" sz="1600" dirty="0">
+                        <a:solidFill>
+                          <a:schemeClr val="bg1"/>
+                        </a:solidFill>
+                      </a:endParaRPr>
+                    </a:p>
+                  </a:txBody>
+                  <a:tcPr>
+                    <a:solidFill>
+                      <a:schemeClr val="accent6">
+                        <a:lumMod val="60000"/>
+                        <a:lumOff val="40000"/>
+                      </a:schemeClr>
+                    </a:solidFill>
+                  </a:tcPr>
+                </a:tc>
+                <a:tc>
+                  <a:txBody>
+                    <a:bodyPr/>
+                    <a:lstStyle/>
+                    <a:p>
+                      <a:pPr algn="ctr" fontAlgn="base"/>
+                      <a:r>
+                        <a:rPr lang="fr-FR" sz="1400" dirty="0">
+                          <a:solidFill>
+                            <a:schemeClr val="bg1"/>
+                          </a:solidFill>
+                          <a:effectLst/>
+                        </a:rPr>
+                        <a:t>9.1 %</a:t>
+                      </a:r>
+                    </a:p>
+                  </a:txBody>
+                  <a:tcPr anchor="ctr">
+                    <a:solidFill>
+                      <a:schemeClr val="accent6">
+                        <a:lumMod val="60000"/>
+                        <a:lumOff val="40000"/>
+                      </a:schemeClr>
+                    </a:solidFill>
+                  </a:tcPr>
+                </a:tc>
+                <a:tc>
+                  <a:txBody>
+                    <a:bodyPr/>
+                    <a:lstStyle/>
+                    <a:p>
+                      <a:pPr algn="ctr" fontAlgn="base"/>
+                      <a:r>
+                        <a:rPr lang="fr-FR" sz="1400" dirty="0">
+                          <a:solidFill>
+                            <a:schemeClr val="bg1"/>
+                          </a:solidFill>
+                          <a:effectLst/>
+                        </a:rPr>
+                        <a:t>90.9 %</a:t>
+                      </a:r>
+                    </a:p>
+                  </a:txBody>
+                  <a:tcPr anchor="ctr">
+                    <a:solidFill>
+                      <a:schemeClr val="accent6">
+                        <a:lumMod val="60000"/>
+                        <a:lumOff val="40000"/>
+                      </a:schemeClr>
+                    </a:solidFill>
+                  </a:tcPr>
+                </a:tc>
+                <a:tc>
+                  <a:txBody>
+                    <a:bodyPr/>
+                    <a:lstStyle/>
+                    <a:p>
+                      <a:pPr algn="ctr" fontAlgn="base"/>
+                      <a:r>
+                        <a:rPr lang="fr-FR" sz="1100" dirty="0">
+                          <a:solidFill>
+                            <a:schemeClr val="bg1"/>
+                          </a:solidFill>
+                          <a:effectLst/>
+                        </a:rPr>
+                        <a:t>22</a:t>
+                      </a:r>
+                    </a:p>
+                  </a:txBody>
+                  <a:tcPr anchor="ctr">
+                    <a:solidFill>
+                      <a:schemeClr val="accent6">
+                        <a:lumMod val="60000"/>
+                        <a:lumOff val="40000"/>
+                      </a:schemeClr>
+                    </a:solidFill>
+                  </a:tcPr>
+                </a:tc>
+                <a:tc>
+                  <a:txBody>
+                    <a:bodyPr/>
+                    <a:lstStyle/>
+                    <a:p>
+                      <a:pPr algn="ctr" fontAlgn="base"/>
+                      <a:r>
+                        <a:rPr lang="fr-FR" sz="1400" dirty="0">
+                          <a:solidFill>
+                            <a:schemeClr val="bg1"/>
+                          </a:solidFill>
+                          <a:effectLst/>
+                        </a:rPr>
+                        <a:t>13.3 %</a:t>
+                      </a:r>
+                    </a:p>
+                  </a:txBody>
+                  <a:tcPr anchor="ctr">
+                    <a:solidFill>
+                      <a:schemeClr val="accent6">
+                        <a:lumMod val="60000"/>
+                        <a:lumOff val="40000"/>
+                      </a:schemeClr>
+                    </a:solidFill>
+                  </a:tcPr>
+                </a:tc>
+                <a:tc>
+                  <a:txBody>
+                    <a:bodyPr/>
+                    <a:lstStyle/>
+                    <a:p>
+                      <a:pPr algn="ctr" fontAlgn="base"/>
+                      <a:r>
+                        <a:rPr lang="fr-FR" sz="1400" dirty="0">
+                          <a:solidFill>
+                            <a:schemeClr val="bg1"/>
+                          </a:solidFill>
+                          <a:effectLst/>
+                        </a:rPr>
+                        <a:t>86.7 %</a:t>
+                      </a:r>
+                    </a:p>
+                  </a:txBody>
+                  <a:tcPr anchor="ctr">
+                    <a:solidFill>
+                      <a:schemeClr val="accent6">
+                        <a:lumMod val="60000"/>
+                        <a:lumOff val="40000"/>
+                      </a:schemeClr>
+                    </a:solidFill>
+                  </a:tcPr>
+                </a:tc>
+                <a:tc>
+                  <a:txBody>
+                    <a:bodyPr/>
+                    <a:lstStyle/>
+                    <a:p>
+                      <a:pPr algn="ctr" fontAlgn="base"/>
+                      <a:r>
+                        <a:rPr lang="fr-FR" sz="1100" dirty="0">
+                          <a:solidFill>
+                            <a:schemeClr val="bg1"/>
+                          </a:solidFill>
+                          <a:effectLst/>
+                        </a:rPr>
+                        <a:t>15</a:t>
+                      </a:r>
+                    </a:p>
+                  </a:txBody>
+                  <a:tcPr anchor="ctr">
+                    <a:solidFill>
+                      <a:schemeClr val="accent6">
+                        <a:lumMod val="60000"/>
+                        <a:lumOff val="40000"/>
+                      </a:schemeClr>
+                    </a:solidFill>
+                  </a:tcPr>
+                </a:tc>
+                <a:extLst>
+                  <a:ext uri="{0D108BD9-81ED-4DB2-BD59-A6C34878D82A}">
+                    <a16:rowId xmlns:a16="http://schemas.microsoft.com/office/drawing/2014/main" val="1083475024"/>
+                  </a:ext>
+                </a:extLst>
+              </a:tr>
+              <a:tr h="370840">
+                <a:tc>
+                  <a:txBody>
+                    <a:bodyPr/>
+                    <a:lstStyle/>
+                    <a:p>
+                      <a:pPr algn="ctr"/>
+                      <a:r>
+                        <a:rPr lang="fr-FR" sz="1600" dirty="0" err="1">
+                          <a:solidFill>
+                            <a:schemeClr val="bg1"/>
+                          </a:solidFill>
+                        </a:rPr>
+                        <a:t>StE</a:t>
+                      </a:r>
+                      <a:endParaRPr lang="fr-FR" sz="1600" dirty="0">
+                        <a:solidFill>
+                          <a:schemeClr val="bg1"/>
+                        </a:solidFill>
+                      </a:endParaRPr>
+                    </a:p>
+                  </a:txBody>
+                  <a:tcPr>
+                    <a:solidFill>
+                      <a:schemeClr val="accent6">
+                        <a:lumMod val="75000"/>
+                      </a:schemeClr>
+                    </a:solidFill>
+                  </a:tcPr>
+                </a:tc>
+                <a:tc>
+                  <a:txBody>
+                    <a:bodyPr/>
+                    <a:lstStyle/>
+                    <a:p>
+                      <a:pPr algn="ctr" fontAlgn="base"/>
+                      <a:r>
+                        <a:rPr lang="fr-FR" sz="1400" dirty="0">
+                          <a:solidFill>
+                            <a:schemeClr val="bg1"/>
+                          </a:solidFill>
+                          <a:effectLst/>
+                        </a:rPr>
+                        <a:t>11.8 %</a:t>
+                      </a:r>
+                    </a:p>
+                  </a:txBody>
+                  <a:tcPr anchor="ctr">
+                    <a:solidFill>
+                      <a:schemeClr val="accent6">
+                        <a:lumMod val="75000"/>
+                      </a:schemeClr>
+                    </a:solidFill>
+                  </a:tcPr>
+                </a:tc>
+                <a:tc>
+                  <a:txBody>
+                    <a:bodyPr/>
+                    <a:lstStyle/>
+                    <a:p>
+                      <a:pPr algn="ctr" fontAlgn="base"/>
+                      <a:r>
+                        <a:rPr lang="fr-FR" sz="1400" dirty="0">
+                          <a:solidFill>
+                            <a:schemeClr val="bg1"/>
+                          </a:solidFill>
+                          <a:effectLst/>
+                        </a:rPr>
+                        <a:t>88.2 %</a:t>
+                      </a:r>
+                    </a:p>
+                  </a:txBody>
+                  <a:tcPr anchor="ctr">
+                    <a:solidFill>
+                      <a:schemeClr val="accent6">
+                        <a:lumMod val="75000"/>
+                      </a:schemeClr>
+                    </a:solidFill>
+                  </a:tcPr>
+                </a:tc>
+                <a:tc>
+                  <a:txBody>
+                    <a:bodyPr/>
+                    <a:lstStyle/>
+                    <a:p>
+                      <a:pPr algn="ctr" fontAlgn="base"/>
+                      <a:r>
+                        <a:rPr lang="fr-FR" sz="1100" dirty="0">
+                          <a:solidFill>
+                            <a:schemeClr val="bg1"/>
+                          </a:solidFill>
+                          <a:effectLst/>
+                        </a:rPr>
+                        <a:t>17</a:t>
+                      </a:r>
+                    </a:p>
+                  </a:txBody>
+                  <a:tcPr anchor="ctr">
+                    <a:solidFill>
+                      <a:schemeClr val="accent6">
+                        <a:lumMod val="75000"/>
+                      </a:schemeClr>
+                    </a:solidFill>
+                  </a:tcPr>
+                </a:tc>
+                <a:tc>
+                  <a:txBody>
+                    <a:bodyPr/>
+                    <a:lstStyle/>
+                    <a:p>
+                      <a:pPr algn="ctr" fontAlgn="base"/>
+                      <a:r>
+                        <a:rPr lang="fr-FR" sz="1400" dirty="0">
+                          <a:solidFill>
+                            <a:schemeClr val="bg1"/>
+                          </a:solidFill>
+                          <a:effectLst/>
+                        </a:rPr>
+                        <a:t>7.7 %</a:t>
+                      </a:r>
+                    </a:p>
+                  </a:txBody>
+                  <a:tcPr anchor="ctr">
+                    <a:solidFill>
+                      <a:schemeClr val="accent6">
+                        <a:lumMod val="75000"/>
+                      </a:schemeClr>
+                    </a:solidFill>
+                  </a:tcPr>
+                </a:tc>
+                <a:tc>
+                  <a:txBody>
+                    <a:bodyPr/>
+                    <a:lstStyle/>
+                    <a:p>
+                      <a:pPr algn="ctr" fontAlgn="base"/>
+                      <a:r>
+                        <a:rPr lang="fr-FR" sz="1400" dirty="0">
+                          <a:solidFill>
+                            <a:schemeClr val="bg1"/>
+                          </a:solidFill>
+                          <a:effectLst/>
+                        </a:rPr>
+                        <a:t>92.3 %</a:t>
+                      </a:r>
+                    </a:p>
+                  </a:txBody>
+                  <a:tcPr anchor="ctr">
+                    <a:solidFill>
+                      <a:schemeClr val="accent6">
+                        <a:lumMod val="75000"/>
+                      </a:schemeClr>
+                    </a:solidFill>
+                  </a:tcPr>
+                </a:tc>
+                <a:tc>
+                  <a:txBody>
+                    <a:bodyPr/>
+                    <a:lstStyle/>
+                    <a:p>
+                      <a:pPr algn="ctr" fontAlgn="base"/>
+                      <a:r>
+                        <a:rPr lang="fr-FR" sz="1100" dirty="0">
+                          <a:solidFill>
+                            <a:schemeClr val="bg1"/>
+                          </a:solidFill>
+                          <a:effectLst/>
+                        </a:rPr>
+                        <a:t>13</a:t>
+                      </a:r>
+                    </a:p>
+                  </a:txBody>
+                  <a:tcPr anchor="ctr">
+                    <a:solidFill>
+                      <a:schemeClr val="accent6">
+                        <a:lumMod val="75000"/>
+                      </a:schemeClr>
+                    </a:solidFill>
+                  </a:tcPr>
+                </a:tc>
+                <a:extLst>
+                  <a:ext uri="{0D108BD9-81ED-4DB2-BD59-A6C34878D82A}">
+                    <a16:rowId xmlns:a16="http://schemas.microsoft.com/office/drawing/2014/main" val="1118240960"/>
+                  </a:ext>
+                </a:extLst>
+              </a:tr>
+              <a:tr h="370840">
+                <a:tc>
+                  <a:txBody>
+                    <a:bodyPr/>
+                    <a:lstStyle/>
+                    <a:p>
+                      <a:pPr algn="ctr"/>
+                      <a:r>
+                        <a:rPr lang="fr-FR" sz="1600" dirty="0"/>
+                        <a:t>Ext</a:t>
+                      </a:r>
+                    </a:p>
+                  </a:txBody>
+                  <a:tcPr/>
+                </a:tc>
+                <a:tc>
+                  <a:txBody>
+                    <a:bodyPr/>
+                    <a:lstStyle/>
+                    <a:p>
+                      <a:pPr algn="ctr" fontAlgn="base"/>
+                      <a:r>
+                        <a:rPr lang="fr-FR" sz="1400" dirty="0">
+                          <a:solidFill>
+                            <a:srgbClr val="3D4449"/>
+                          </a:solidFill>
+                          <a:effectLst/>
+                        </a:rPr>
+                        <a:t>21.4 %</a:t>
+                      </a:r>
+                    </a:p>
+                  </a:txBody>
+                  <a:tcPr anchor="ctr"/>
+                </a:tc>
+                <a:tc>
+                  <a:txBody>
+                    <a:bodyPr/>
+                    <a:lstStyle/>
+                    <a:p>
+                      <a:pPr algn="ctr" fontAlgn="base"/>
+                      <a:r>
+                        <a:rPr lang="fr-FR" sz="1400" dirty="0">
+                          <a:solidFill>
+                            <a:srgbClr val="443597"/>
+                          </a:solidFill>
+                          <a:effectLst/>
+                        </a:rPr>
+                        <a:t>78.6 %</a:t>
+                      </a:r>
+                    </a:p>
+                  </a:txBody>
+                  <a:tcPr anchor="ctr"/>
+                </a:tc>
+                <a:tc>
+                  <a:txBody>
+                    <a:bodyPr/>
+                    <a:lstStyle/>
+                    <a:p>
+                      <a:pPr algn="ctr" fontAlgn="base"/>
+                      <a:r>
+                        <a:rPr lang="fr-FR" sz="1100" dirty="0">
+                          <a:solidFill>
+                            <a:srgbClr val="376E8B"/>
+                          </a:solidFill>
+                          <a:effectLst/>
+                        </a:rPr>
+                        <a:t>14</a:t>
+                      </a:r>
+                    </a:p>
+                  </a:txBody>
+                  <a:tcPr anchor="ctr"/>
+                </a:tc>
+                <a:tc>
+                  <a:txBody>
+                    <a:bodyPr/>
+                    <a:lstStyle/>
+                    <a:p>
+                      <a:pPr algn="ctr" fontAlgn="base"/>
+                      <a:r>
+                        <a:rPr lang="fr-FR" sz="1400" dirty="0">
+                          <a:solidFill>
+                            <a:srgbClr val="3D4449"/>
+                          </a:solidFill>
+                          <a:effectLst/>
+                        </a:rPr>
+                        <a:t>15.4 %</a:t>
+                      </a:r>
+                    </a:p>
+                  </a:txBody>
+                  <a:tcPr anchor="ctr"/>
+                </a:tc>
+                <a:tc>
+                  <a:txBody>
+                    <a:bodyPr/>
+                    <a:lstStyle/>
+                    <a:p>
+                      <a:pPr algn="ctr" fontAlgn="base"/>
+                      <a:r>
+                        <a:rPr lang="fr-FR" sz="1400" dirty="0">
+                          <a:solidFill>
+                            <a:srgbClr val="443597"/>
+                          </a:solidFill>
+                          <a:effectLst/>
+                        </a:rPr>
+                        <a:t>84.6 %</a:t>
+                      </a:r>
+                    </a:p>
+                  </a:txBody>
+                  <a:tcPr anchor="ctr"/>
+                </a:tc>
+                <a:tc>
+                  <a:txBody>
+                    <a:bodyPr/>
+                    <a:lstStyle/>
+                    <a:p>
+                      <a:pPr algn="ctr" fontAlgn="base"/>
+                      <a:r>
+                        <a:rPr lang="fr-FR" sz="1100" dirty="0">
+                          <a:solidFill>
+                            <a:srgbClr val="376E8B"/>
+                          </a:solidFill>
+                          <a:effectLst/>
+                        </a:rPr>
+                        <a:t>13</a:t>
+                      </a:r>
+                    </a:p>
+                  </a:txBody>
+                  <a:tcPr anchor="ctr"/>
+                </a:tc>
+                <a:extLst>
+                  <a:ext uri="{0D108BD9-81ED-4DB2-BD59-A6C34878D82A}">
+                    <a16:rowId xmlns:a16="http://schemas.microsoft.com/office/drawing/2014/main" val="1740952244"/>
+                  </a:ext>
+                </a:extLst>
+              </a:tr>
+            </a:tbl>
+          </a:graphicData>
+        </a:graphic>
+      </p:graphicFrame>
+      <p:sp>
+        <p:nvSpPr>
+          <p:cNvPr id="7" name="ZoneTexte 6">
+            <a:extLst>
+              <a:ext uri="{FF2B5EF4-FFF2-40B4-BE49-F238E27FC236}">
+                <a16:creationId xmlns:a16="http://schemas.microsoft.com/office/drawing/2014/main" id="{6BE8EB4C-9EED-0344-FB71-FC964BFAC7C5}"/>
+              </a:ext>
+            </a:extLst>
+          </p:cNvPr>
+          <p:cNvSpPr txBox="1"/>
+          <p:nvPr/>
+        </p:nvSpPr>
+        <p:spPr>
+          <a:xfrm>
+            <a:off x="5749638" y="2816126"/>
+            <a:ext cx="1427017" cy="338554"/>
+          </a:xfrm>
+          <a:prstGeom prst="rect">
+            <a:avLst/>
+          </a:prstGeom>
+          <a:noFill/>
+        </p:spPr>
+        <p:txBody>
+          <a:bodyPr wrap="square">
+            <a:spAutoFit/>
+          </a:bodyPr>
+          <a:lstStyle/>
+          <a:p>
+            <a:r>
+              <a:rPr lang="fr-FR" b="1" dirty="0">
+                <a:solidFill>
+                  <a:srgbClr val="3D4449"/>
+                </a:solidFill>
+                <a:effectLst/>
+                <a:latin typeface="inherit"/>
+              </a:rPr>
+              <a:t>2020 à 2023 </a:t>
+            </a:r>
+            <a:endParaRPr lang="fr-FR" dirty="0"/>
+          </a:p>
+        </p:txBody>
+      </p:sp>
+      <p:sp>
+        <p:nvSpPr>
+          <p:cNvPr id="8" name="ZoneTexte 7">
+            <a:extLst>
+              <a:ext uri="{FF2B5EF4-FFF2-40B4-BE49-F238E27FC236}">
+                <a16:creationId xmlns:a16="http://schemas.microsoft.com/office/drawing/2014/main" id="{2F218827-BD14-D989-820F-C8E93CE767D2}"/>
+              </a:ext>
+            </a:extLst>
+          </p:cNvPr>
+          <p:cNvSpPr txBox="1"/>
+          <p:nvPr/>
+        </p:nvSpPr>
+        <p:spPr>
+          <a:xfrm>
+            <a:off x="3144983" y="2819192"/>
+            <a:ext cx="1427017" cy="338554"/>
+          </a:xfrm>
+          <a:prstGeom prst="rect">
+            <a:avLst/>
+          </a:prstGeom>
+          <a:noFill/>
+        </p:spPr>
+        <p:txBody>
+          <a:bodyPr wrap="square">
+            <a:spAutoFit/>
+          </a:bodyPr>
+          <a:lstStyle/>
+          <a:p>
+            <a:r>
+              <a:rPr lang="fr-FR" b="1" dirty="0">
+                <a:solidFill>
+                  <a:srgbClr val="3D4449"/>
+                </a:solidFill>
+                <a:effectLst/>
+                <a:latin typeface="inherit"/>
+              </a:rPr>
+              <a:t>2019 à 2022 </a:t>
+            </a:r>
+            <a:endParaRPr lang="fr-FR" dirty="0"/>
+          </a:p>
+        </p:txBody>
+      </p:sp>
+      <p:cxnSp>
+        <p:nvCxnSpPr>
+          <p:cNvPr id="4" name="Connecteur droit 3">
+            <a:extLst>
+              <a:ext uri="{FF2B5EF4-FFF2-40B4-BE49-F238E27FC236}">
+                <a16:creationId xmlns:a16="http://schemas.microsoft.com/office/drawing/2014/main" id="{46A9AF30-4985-7D91-5CC9-A0AF905AF948}"/>
+              </a:ext>
+            </a:extLst>
+          </p:cNvPr>
+          <p:cNvCxnSpPr>
+            <a:cxnSpLocks/>
+          </p:cNvCxnSpPr>
+          <p:nvPr/>
+        </p:nvCxnSpPr>
+        <p:spPr bwMode="auto">
+          <a:xfrm>
+            <a:off x="4997885" y="2816126"/>
+            <a:ext cx="0" cy="2916970"/>
+          </a:xfrm>
+          <a:prstGeom prst="line">
+            <a:avLst/>
+          </a:prstGeom>
+          <a:solidFill>
+            <a:schemeClr val="accent1"/>
+          </a:solidFill>
+          <a:ln w="25400" cap="flat" cmpd="sng" algn="ctr">
+            <a:solidFill>
+              <a:schemeClr val="tx1"/>
+            </a:solidFill>
+            <a:prstDash val="solid"/>
+            <a:round/>
+            <a:headEnd type="none" w="med" len="med"/>
+            <a:tailEnd type="none" w="med" len="med"/>
+          </a:ln>
+          <a:effectLst/>
+          <a:extLst>
+            <a:ext uri="{AF507438-7753-43e0-B8FC-AC1667EBCBE1}">
+              <a14:hiddenEffects xmlns:a14="http://schemas.microsoft.com/office/drawing/2010/main" xmlns="">
+                <a:effectLst>
+                  <a:outerShdw dist="35921" dir="2700000" algn="ctr" rotWithShape="0">
+                    <a:schemeClr val="bg2"/>
+                  </a:outerShdw>
+                </a:effectLst>
+              </a14:hiddenEffects>
+            </a:ext>
+          </a:extLst>
+        </p:spPr>
+      </p:cxnSp>
+      <p:cxnSp>
+        <p:nvCxnSpPr>
+          <p:cNvPr id="6" name="Connecteur droit 5">
+            <a:extLst>
+              <a:ext uri="{FF2B5EF4-FFF2-40B4-BE49-F238E27FC236}">
+                <a16:creationId xmlns:a16="http://schemas.microsoft.com/office/drawing/2014/main" id="{6ABB3F14-C0AF-23BD-13D6-77ADE7A0436C}"/>
+              </a:ext>
+            </a:extLst>
+          </p:cNvPr>
+          <p:cNvCxnSpPr>
+            <a:cxnSpLocks/>
+          </p:cNvCxnSpPr>
+          <p:nvPr/>
+        </p:nvCxnSpPr>
+        <p:spPr bwMode="auto">
+          <a:xfrm>
+            <a:off x="2394559" y="2816126"/>
+            <a:ext cx="0" cy="2916970"/>
+          </a:xfrm>
+          <a:prstGeom prst="line">
+            <a:avLst/>
+          </a:prstGeom>
+          <a:solidFill>
+            <a:schemeClr val="accent1"/>
+          </a:solidFill>
+          <a:ln w="25400" cap="flat" cmpd="sng" algn="ctr">
+            <a:solidFill>
+              <a:schemeClr val="tx1"/>
+            </a:solidFill>
+            <a:prstDash val="solid"/>
+            <a:round/>
+            <a:headEnd type="none" w="med" len="med"/>
+            <a:tailEnd type="none" w="med" len="med"/>
+          </a:ln>
+          <a:effectLst/>
+          <a:extLst>
+            <a:ext uri="{AF507438-7753-43e0-B8FC-AC1667EBCBE1}">
+              <a14:hiddenEffects xmlns:a14="http://schemas.microsoft.com/office/drawing/2010/main" xmlns="">
+                <a:effectLst>
+                  <a:outerShdw dist="35921" dir="2700000" algn="ctr" rotWithShape="0">
+                    <a:schemeClr val="bg2"/>
+                  </a:outerShdw>
+                </a:effectLst>
+              </a14:hiddenEffects>
+            </a:ext>
+          </a:extLst>
+        </p:spPr>
+      </p:cxnSp>
+      <p:cxnSp>
+        <p:nvCxnSpPr>
+          <p:cNvPr id="10" name="Connecteur droit 9">
+            <a:extLst>
+              <a:ext uri="{FF2B5EF4-FFF2-40B4-BE49-F238E27FC236}">
+                <a16:creationId xmlns:a16="http://schemas.microsoft.com/office/drawing/2014/main" id="{FFE9DD70-B863-2E59-BC57-CFDEFEEA5C70}"/>
+              </a:ext>
+            </a:extLst>
+          </p:cNvPr>
+          <p:cNvCxnSpPr>
+            <a:cxnSpLocks/>
+          </p:cNvCxnSpPr>
+          <p:nvPr/>
+        </p:nvCxnSpPr>
+        <p:spPr bwMode="auto">
+          <a:xfrm>
+            <a:off x="7610474" y="2816126"/>
+            <a:ext cx="0" cy="2916970"/>
+          </a:xfrm>
+          <a:prstGeom prst="line">
+            <a:avLst/>
+          </a:prstGeom>
+          <a:solidFill>
+            <a:schemeClr val="accent1"/>
+          </a:solidFill>
+          <a:ln w="25400" cap="flat" cmpd="sng" algn="ctr">
+            <a:solidFill>
+              <a:schemeClr val="tx1"/>
+            </a:solidFill>
+            <a:prstDash val="solid"/>
+            <a:round/>
+            <a:headEnd type="none" w="med" len="med"/>
+            <a:tailEnd type="none" w="med" len="med"/>
+          </a:ln>
+          <a:effectLst/>
+          <a:extLst>
+            <a:ext uri="{AF507438-7753-43e0-B8FC-AC1667EBCBE1}">
+              <a14:hiddenEffects xmlns:a14="http://schemas.microsoft.com/office/drawing/2010/main" xmlns="">
+                <a:effectLst>
+                  <a:outerShdw dist="35921" dir="2700000" algn="ctr" rotWithShape="0">
+                    <a:schemeClr val="bg2"/>
+                  </a:outerShdw>
+                </a:effectLst>
+              </a14:hiddenEffects>
+            </a:ext>
+          </a:extLst>
+        </p:spPr>
+      </p:cxnSp>
+    </p:spTree>
+    <p:extLst>
+      <p:ext uri="{BB962C8B-B14F-4D97-AF65-F5344CB8AC3E}">
+        <p14:creationId xmlns:p14="http://schemas.microsoft.com/office/powerpoint/2010/main" val="2687869749"/>
+      </p:ext>
+    </p:extLst>
+  </p:cSld>
+  <p:clrMapOvr>
+    <a:masterClrMapping/>
+  </p:clrMapOvr>
+</p:sld>
+</file>
+
+<file path=ppt/slides/slide17.xml><?xml version="1.0" encoding="utf-8"?>
+<p:sld xmlns:a="http://schemas.openxmlformats.org/drawingml/2006/main" xmlns:r="http://schemas.openxmlformats.org/officeDocument/2006/relationships" xmlns:p="http://schemas.openxmlformats.org/presentationml/2006/main">
+  <p:cSld>
+    <p:spTree>
+      <p:nvGrpSpPr>
+        <p:cNvPr id="1" name=""/>
+        <p:cNvGrpSpPr/>
+        <p:nvPr/>
+      </p:nvGrpSpPr>
+      <p:grpSpPr>
+        <a:xfrm>
+          <a:off x="0" y="0"/>
+          <a:ext cx="0" cy="0"/>
+          <a:chOff x="0" y="0"/>
+          <a:chExt cx="0" cy="0"/>
+        </a:xfrm>
+      </p:grpSpPr>
+      <p:sp>
+        <p:nvSpPr>
+          <p:cNvPr id="2" name="Titre 1">
+            <a:extLst>
+              <a:ext uri="{FF2B5EF4-FFF2-40B4-BE49-F238E27FC236}">
+                <a16:creationId xmlns:a16="http://schemas.microsoft.com/office/drawing/2014/main" id="{FAA161D5-927A-49ED-83AF-6D12A66FF712}"/>
+              </a:ext>
+            </a:extLst>
+          </p:cNvPr>
+          <p:cNvSpPr>
+            <a:spLocks noGrp="1"/>
+          </p:cNvSpPr>
+          <p:nvPr>
+            <p:ph type="title"/>
+          </p:nvPr>
+        </p:nvSpPr>
+        <p:spPr/>
+        <p:txBody>
+          <a:bodyPr/>
+          <a:lstStyle/>
+          <a:p>
+            <a:pPr>
+              <a:defRPr/>
+            </a:pPr>
+            <a:r>
+              <a:rPr lang="fr-FR" sz="2800" dirty="0"/>
+              <a:t>Enquête CGE / Cumul</a:t>
+            </a:r>
+          </a:p>
+        </p:txBody>
+      </p:sp>
+      <p:sp>
+        <p:nvSpPr>
+          <p:cNvPr id="6147" name="Espace réservé du contenu 2">
+            <a:extLst>
+              <a:ext uri="{FF2B5EF4-FFF2-40B4-BE49-F238E27FC236}">
+                <a16:creationId xmlns:a16="http://schemas.microsoft.com/office/drawing/2014/main" id="{458254A6-099B-4E75-907C-19CA1B94B253}"/>
+              </a:ext>
+            </a:extLst>
+          </p:cNvPr>
+          <p:cNvSpPr>
+            <a:spLocks noGrp="1" noChangeArrowheads="1"/>
+          </p:cNvSpPr>
+          <p:nvPr>
+            <p:ph idx="1"/>
+          </p:nvPr>
+        </p:nvSpPr>
+        <p:spPr>
+          <a:xfrm>
+            <a:off x="447675" y="1600200"/>
+            <a:ext cx="8229600" cy="1554480"/>
+          </a:xfrm>
+        </p:spPr>
+        <p:txBody>
+          <a:bodyPr/>
+          <a:lstStyle/>
+          <a:p>
+            <a:r>
+              <a:rPr lang="fr-FR" altLang="fr-FR" sz="2000" b="1" dirty="0">
+                <a:solidFill>
+                  <a:srgbClr val="EF553B"/>
+                </a:solidFill>
+                <a:ea typeface="ＭＳ Ｐゴシック" panose="020B0600070205080204" pitchFamily="34" charset="-128"/>
+              </a:rPr>
+              <a:t>Cumul de 2019 à 2022 / 2020 à 2023</a:t>
+            </a:r>
+          </a:p>
+          <a:p>
+            <a:r>
+              <a:rPr lang="fr-FR" altLang="fr-FR" sz="2000" b="1" dirty="0">
+                <a:solidFill>
+                  <a:srgbClr val="EF553B"/>
+                </a:solidFill>
+                <a:ea typeface="ＭＳ Ｐゴシック" panose="020B0600070205080204" pitchFamily="34" charset="-128"/>
+              </a:rPr>
+              <a:t>Lieu des emplois en France / Sites</a:t>
+            </a:r>
+          </a:p>
+        </p:txBody>
+      </p:sp>
+      <p:pic>
+        <p:nvPicPr>
+          <p:cNvPr id="6148" name="Picture 2" descr="upright=Article à illustrer Organisation">
+            <a:extLst>
+              <a:ext uri="{FF2B5EF4-FFF2-40B4-BE49-F238E27FC236}">
+                <a16:creationId xmlns:a16="http://schemas.microsoft.com/office/drawing/2014/main" id="{105BE698-E40C-4415-A9DF-F8680D1DF607}"/>
+              </a:ext>
+            </a:extLst>
+          </p:cNvPr>
+          <p:cNvPicPr>
+            <a:picLocks noChangeAspect="1" noChangeArrowheads="1"/>
+          </p:cNvPicPr>
+          <p:nvPr/>
+        </p:nvPicPr>
+        <p:blipFill>
+          <a:blip r:embed="rId2">
+            <a:extLst>
+              <a:ext uri="{28A0092B-C50C-407E-A947-70E740481C1C}">
+                <a14:useLocalDpi xmlns:a14="http://schemas.microsoft.com/office/drawing/2010/main" val="0"/>
+              </a:ext>
+            </a:extLst>
+          </a:blip>
+          <a:srcRect/>
+          <a:stretch>
+            <a:fillRect/>
+          </a:stretch>
+        </p:blipFill>
+        <p:spPr bwMode="auto">
+          <a:xfrm>
+            <a:off x="7766050" y="892175"/>
+            <a:ext cx="1157288" cy="384175"/>
+          </a:xfrm>
+          <a:prstGeom prst="rect">
+            <a:avLst/>
+          </a:prstGeom>
+          <a:noFill/>
+          <a:ln>
+            <a:noFill/>
+          </a:ln>
+          <a:extLst>
+            <a:ext uri="{909E8E84-426E-40DD-AFC4-6F175D3DCCD1}">
+              <a14:hiddenFill xmlns:a14="http://schemas.microsoft.com/office/drawing/2010/main">
+                <a:solidFill>
+                  <a:srgbClr val="FFFFFF"/>
+                </a:solidFill>
+              </a14:hiddenFill>
+            </a:ext>
+            <a:ext uri="{91240B29-F687-4F45-9708-019B960494DF}">
+              <a14:hiddenLine xmlns:a14="http://schemas.microsoft.com/office/drawing/2010/main" w="9525">
+                <a:solidFill>
+                  <a:srgbClr val="000000"/>
+                </a:solidFill>
+                <a:miter lim="800000"/>
+                <a:headEnd/>
+                <a:tailEnd/>
+              </a14:hiddenLine>
+            </a:ext>
+          </a:extLst>
+        </p:spPr>
+      </p:pic>
+      <p:sp>
+        <p:nvSpPr>
+          <p:cNvPr id="3" name="ZoneTexte 2">
+            <a:extLst>
+              <a:ext uri="{FF2B5EF4-FFF2-40B4-BE49-F238E27FC236}">
+                <a16:creationId xmlns:a16="http://schemas.microsoft.com/office/drawing/2014/main" id="{76C5E635-ACF0-A360-2BA1-1AD1AB1E7A21}"/>
+              </a:ext>
+            </a:extLst>
+          </p:cNvPr>
+          <p:cNvSpPr txBox="1"/>
+          <p:nvPr/>
+        </p:nvSpPr>
+        <p:spPr>
+          <a:xfrm rot="16200000">
+            <a:off x="-2330100" y="3437334"/>
+            <a:ext cx="4998749" cy="338554"/>
+          </a:xfrm>
+          <a:prstGeom prst="rect">
+            <a:avLst/>
+          </a:prstGeom>
+          <a:solidFill>
+            <a:srgbClr val="EF553B"/>
+          </a:solidFill>
+        </p:spPr>
+        <p:txBody>
+          <a:bodyPr wrap="square" rtlCol="0">
+            <a:spAutoFit/>
+          </a:bodyPr>
+          <a:lstStyle/>
+          <a:p>
+            <a:r>
+              <a:rPr lang="fr-FR" dirty="0">
+                <a:solidFill>
+                  <a:schemeClr val="bg1"/>
+                </a:solidFill>
+              </a:rPr>
+              <a:t>Enquête CGE / Cumul</a:t>
+            </a:r>
+          </a:p>
+        </p:txBody>
+      </p:sp>
+      <p:sp>
+        <p:nvSpPr>
+          <p:cNvPr id="9" name="ZoneTexte 8">
+            <a:extLst>
+              <a:ext uri="{FF2B5EF4-FFF2-40B4-BE49-F238E27FC236}">
+                <a16:creationId xmlns:a16="http://schemas.microsoft.com/office/drawing/2014/main" id="{607FEABF-F1C9-7143-AA31-45A4A932AF8A}"/>
+              </a:ext>
+            </a:extLst>
+          </p:cNvPr>
+          <p:cNvSpPr txBox="1"/>
+          <p:nvPr/>
+        </p:nvSpPr>
+        <p:spPr>
+          <a:xfrm>
+            <a:off x="3821018" y="807154"/>
+            <a:ext cx="3720890" cy="600164"/>
+          </a:xfrm>
+          <a:prstGeom prst="rect">
+            <a:avLst/>
+          </a:prstGeom>
+          <a:noFill/>
+        </p:spPr>
+        <p:txBody>
+          <a:bodyPr wrap="none" rtlCol="0">
+            <a:spAutoFit/>
+          </a:bodyPr>
+          <a:lstStyle/>
+          <a:p>
+            <a:r>
+              <a:rPr lang="fr-FR" sz="1100" b="1" dirty="0">
+                <a:solidFill>
+                  <a:srgbClr val="002060"/>
+                </a:solidFill>
+              </a:rPr>
+              <a:t>Comparaison avec résultats nationaux :</a:t>
+            </a:r>
+          </a:p>
+          <a:p>
+            <a:pPr marL="285750" indent="-285750">
+              <a:buFontTx/>
+              <a:buChar char="-"/>
+            </a:pPr>
+            <a:r>
+              <a:rPr lang="fr-FR" sz="1100" dirty="0">
+                <a:solidFill>
+                  <a:srgbClr val="002060"/>
+                </a:solidFill>
+              </a:rPr>
+              <a:t>hypothèse : nombre quasi constant de répondant.es</a:t>
+            </a:r>
+          </a:p>
+          <a:p>
+            <a:pPr marL="285750" indent="-285750">
+              <a:buFontTx/>
+              <a:buChar char="-"/>
+            </a:pPr>
+            <a:r>
+              <a:rPr lang="fr-FR" sz="1100" i="1" dirty="0">
+                <a:solidFill>
+                  <a:srgbClr val="002060"/>
+                </a:solidFill>
+              </a:rPr>
+              <a:t>Calcul : somme des moyennes / nombre années</a:t>
+            </a:r>
+          </a:p>
+        </p:txBody>
+      </p:sp>
+      <p:graphicFrame>
+        <p:nvGraphicFramePr>
+          <p:cNvPr id="5" name="Tableau 4">
+            <a:extLst>
+              <a:ext uri="{FF2B5EF4-FFF2-40B4-BE49-F238E27FC236}">
+                <a16:creationId xmlns:a16="http://schemas.microsoft.com/office/drawing/2014/main" id="{67D5A9BE-B287-0AD5-1BCF-FEC21F1E9A75}"/>
+              </a:ext>
+            </a:extLst>
+          </p:cNvPr>
+          <p:cNvGraphicFramePr>
+            <a:graphicFrameLocks noGrp="1"/>
+          </p:cNvGraphicFramePr>
+          <p:nvPr>
+            <p:extLst>
+              <p:ext uri="{D42A27DB-BD31-4B8C-83A1-F6EECF244321}">
+                <p14:modId xmlns:p14="http://schemas.microsoft.com/office/powerpoint/2010/main" val="2261695672"/>
+              </p:ext>
+            </p:extLst>
+          </p:nvPr>
+        </p:nvGraphicFramePr>
+        <p:xfrm>
+          <a:off x="1514475" y="3137216"/>
+          <a:ext cx="6095999" cy="2595880"/>
+        </p:xfrm>
+        <a:graphic>
+          <a:graphicData uri="http://schemas.openxmlformats.org/drawingml/2006/table">
+            <a:tbl>
+              <a:tblPr firstRow="1" bandRow="1">
+                <a:tableStyleId>{21E4AEA4-8DFA-4A89-87EB-49C32662AFE0}</a:tableStyleId>
+              </a:tblPr>
+              <a:tblGrid>
+                <a:gridCol w="870857">
+                  <a:extLst>
+                    <a:ext uri="{9D8B030D-6E8A-4147-A177-3AD203B41FA5}">
+                      <a16:colId xmlns:a16="http://schemas.microsoft.com/office/drawing/2014/main" val="2053038476"/>
+                    </a:ext>
+                  </a:extLst>
+                </a:gridCol>
+                <a:gridCol w="870857">
+                  <a:extLst>
+                    <a:ext uri="{9D8B030D-6E8A-4147-A177-3AD203B41FA5}">
+                      <a16:colId xmlns:a16="http://schemas.microsoft.com/office/drawing/2014/main" val="3832746835"/>
+                    </a:ext>
+                  </a:extLst>
+                </a:gridCol>
+                <a:gridCol w="870857">
+                  <a:extLst>
+                    <a:ext uri="{9D8B030D-6E8A-4147-A177-3AD203B41FA5}">
+                      <a16:colId xmlns:a16="http://schemas.microsoft.com/office/drawing/2014/main" val="4009216877"/>
+                    </a:ext>
+                  </a:extLst>
+                </a:gridCol>
+                <a:gridCol w="870857">
+                  <a:extLst>
+                    <a:ext uri="{9D8B030D-6E8A-4147-A177-3AD203B41FA5}">
+                      <a16:colId xmlns:a16="http://schemas.microsoft.com/office/drawing/2014/main" val="3856658833"/>
+                    </a:ext>
+                  </a:extLst>
+                </a:gridCol>
+                <a:gridCol w="870857">
+                  <a:extLst>
+                    <a:ext uri="{9D8B030D-6E8A-4147-A177-3AD203B41FA5}">
+                      <a16:colId xmlns:a16="http://schemas.microsoft.com/office/drawing/2014/main" val="1457748498"/>
+                    </a:ext>
+                  </a:extLst>
+                </a:gridCol>
+                <a:gridCol w="870857">
+                  <a:extLst>
+                    <a:ext uri="{9D8B030D-6E8A-4147-A177-3AD203B41FA5}">
+                      <a16:colId xmlns:a16="http://schemas.microsoft.com/office/drawing/2014/main" val="3308663209"/>
+                    </a:ext>
+                  </a:extLst>
+                </a:gridCol>
+                <a:gridCol w="870857">
+                  <a:extLst>
+                    <a:ext uri="{9D8B030D-6E8A-4147-A177-3AD203B41FA5}">
+                      <a16:colId xmlns:a16="http://schemas.microsoft.com/office/drawing/2014/main" val="2294340571"/>
+                    </a:ext>
+                  </a:extLst>
+                </a:gridCol>
+              </a:tblGrid>
+              <a:tr h="370840">
+                <a:tc>
+                  <a:txBody>
+                    <a:bodyPr/>
+                    <a:lstStyle/>
+                    <a:p>
+                      <a:pPr algn="ctr"/>
+                      <a:r>
+                        <a:rPr lang="fr-FR" sz="1400" dirty="0"/>
+                        <a:t>Sites</a:t>
+                      </a:r>
+                    </a:p>
+                  </a:txBody>
+                  <a:tcPr/>
+                </a:tc>
+                <a:tc>
+                  <a:txBody>
+                    <a:bodyPr/>
+                    <a:lstStyle/>
+                    <a:p>
+                      <a:pPr algn="ctr"/>
+                      <a:r>
+                        <a:rPr lang="fr-FR" sz="1400" dirty="0"/>
+                        <a:t>IDF</a:t>
+                      </a:r>
+                    </a:p>
+                  </a:txBody>
+                  <a:tcPr/>
+                </a:tc>
+                <a:tc>
+                  <a:txBody>
+                    <a:bodyPr/>
+                    <a:lstStyle/>
+                    <a:p>
+                      <a:pPr algn="ctr"/>
+                      <a:r>
+                        <a:rPr lang="fr-FR" sz="1400" dirty="0" err="1"/>
+                        <a:t>horsIDF</a:t>
+                      </a:r>
+                      <a:endParaRPr lang="fr-FR" sz="1400" dirty="0"/>
+                    </a:p>
+                  </a:txBody>
+                  <a:tcPr/>
+                </a:tc>
+                <a:tc>
+                  <a:txBody>
+                    <a:bodyPr/>
+                    <a:lstStyle/>
+                    <a:p>
+                      <a:pPr algn="ctr"/>
+                      <a:r>
+                        <a:rPr lang="fr-FR" sz="1050" dirty="0"/>
+                        <a:t>Nb Rep</a:t>
+                      </a:r>
+                    </a:p>
+                  </a:txBody>
+                  <a:tcPr/>
+                </a:tc>
+                <a:tc>
+                  <a:txBody>
+                    <a:bodyPr/>
+                    <a:lstStyle/>
+                    <a:p>
+                      <a:pPr algn="ctr"/>
+                      <a:r>
+                        <a:rPr lang="fr-FR" sz="1400" dirty="0"/>
+                        <a:t>IDF</a:t>
+                      </a:r>
+                    </a:p>
+                  </a:txBody>
+                  <a:tcPr/>
+                </a:tc>
+                <a:tc>
+                  <a:txBody>
+                    <a:bodyPr/>
+                    <a:lstStyle/>
+                    <a:p>
+                      <a:pPr algn="ctr"/>
+                      <a:r>
+                        <a:rPr lang="fr-FR" sz="1400" dirty="0" err="1"/>
+                        <a:t>horsIDF</a:t>
+                      </a:r>
+                      <a:endParaRPr lang="fr-FR" sz="1400" dirty="0"/>
+                    </a:p>
+                  </a:txBody>
+                  <a:tcPr/>
+                </a:tc>
+                <a:tc>
+                  <a:txBody>
+                    <a:bodyPr/>
+                    <a:lstStyle/>
+                    <a:p>
+                      <a:pPr algn="ctr"/>
+                      <a:r>
+                        <a:rPr lang="fr-FR" sz="1050" dirty="0"/>
+                        <a:t>Nb Rep</a:t>
+                      </a:r>
+                    </a:p>
+                  </a:txBody>
+                  <a:tcPr/>
+                </a:tc>
+                <a:extLst>
+                  <a:ext uri="{0D108BD9-81ED-4DB2-BD59-A6C34878D82A}">
+                    <a16:rowId xmlns:a16="http://schemas.microsoft.com/office/drawing/2014/main" val="3899797023"/>
+                  </a:ext>
+                </a:extLst>
+              </a:tr>
+              <a:tr h="370840">
+                <a:tc>
+                  <a:txBody>
+                    <a:bodyPr/>
+                    <a:lstStyle/>
+                    <a:p>
+                      <a:pPr algn="ctr"/>
+                      <a:r>
+                        <a:rPr lang="fr-FR" sz="1600" dirty="0"/>
+                        <a:t>CGE</a:t>
+                      </a:r>
+                    </a:p>
+                  </a:txBody>
+                  <a:tcPr/>
+                </a:tc>
+                <a:tc>
+                  <a:txBody>
+                    <a:bodyPr/>
+                    <a:lstStyle/>
+                    <a:p>
+                      <a:pPr algn="ctr" fontAlgn="base"/>
+                      <a:r>
+                        <a:rPr lang="fr-FR" sz="1400" dirty="0">
+                          <a:solidFill>
+                            <a:srgbClr val="3D4449"/>
+                          </a:solidFill>
+                          <a:effectLst/>
+                        </a:rPr>
+                        <a:t>39.7 %</a:t>
+                      </a:r>
+                    </a:p>
+                  </a:txBody>
+                  <a:tcPr anchor="ctr"/>
+                </a:tc>
+                <a:tc>
+                  <a:txBody>
+                    <a:bodyPr/>
+                    <a:lstStyle/>
+                    <a:p>
+                      <a:pPr algn="ctr" fontAlgn="base"/>
+                      <a:r>
+                        <a:rPr lang="fr-FR" sz="1400" dirty="0">
+                          <a:solidFill>
+                            <a:srgbClr val="443597"/>
+                          </a:solidFill>
+                          <a:effectLst/>
+                        </a:rPr>
+                        <a:t>60.3 %</a:t>
+                      </a:r>
+                    </a:p>
+                  </a:txBody>
+                  <a:tcPr anchor="ctr"/>
+                </a:tc>
+                <a:tc>
+                  <a:txBody>
+                    <a:bodyPr/>
+                    <a:lstStyle/>
+                    <a:p>
+                      <a:pPr algn="ctr"/>
+                      <a:endParaRPr lang="fr-FR" sz="1400" dirty="0"/>
+                    </a:p>
+                  </a:txBody>
+                  <a:tcPr/>
+                </a:tc>
+                <a:tc>
+                  <a:txBody>
+                    <a:bodyPr/>
+                    <a:lstStyle/>
+                    <a:p>
+                      <a:pPr algn="ctr" fontAlgn="base"/>
+                      <a:r>
+                        <a:rPr lang="fr-FR" sz="1400" dirty="0">
+                          <a:solidFill>
+                            <a:srgbClr val="3D4449"/>
+                          </a:solidFill>
+                          <a:effectLst/>
+                        </a:rPr>
+                        <a:t>39.0 %</a:t>
+                      </a:r>
+                    </a:p>
+                  </a:txBody>
+                  <a:tcPr anchor="ctr"/>
+                </a:tc>
+                <a:tc>
+                  <a:txBody>
+                    <a:bodyPr/>
+                    <a:lstStyle/>
+                    <a:p>
+                      <a:pPr algn="ctr" fontAlgn="base"/>
+                      <a:r>
+                        <a:rPr lang="fr-FR" sz="1400" dirty="0">
+                          <a:solidFill>
+                            <a:srgbClr val="443597"/>
+                          </a:solidFill>
+                          <a:effectLst/>
+                        </a:rPr>
+                        <a:t>61.0 %</a:t>
+                      </a:r>
+                    </a:p>
+                  </a:txBody>
+                  <a:tcPr anchor="ctr"/>
+                </a:tc>
+                <a:tc>
+                  <a:txBody>
+                    <a:bodyPr/>
+                    <a:lstStyle/>
+                    <a:p>
+                      <a:pPr algn="ctr"/>
+                      <a:endParaRPr lang="fr-FR" sz="1100" dirty="0"/>
+                    </a:p>
+                  </a:txBody>
+                  <a:tcPr/>
+                </a:tc>
+                <a:extLst>
+                  <a:ext uri="{0D108BD9-81ED-4DB2-BD59-A6C34878D82A}">
+                    <a16:rowId xmlns:a16="http://schemas.microsoft.com/office/drawing/2014/main" val="952767304"/>
+                  </a:ext>
+                </a:extLst>
+              </a:tr>
+              <a:tr h="370840">
+                <a:tc>
+                  <a:txBody>
+                    <a:bodyPr/>
+                    <a:lstStyle/>
+                    <a:p>
+                      <a:pPr algn="ctr"/>
+                      <a:r>
+                        <a:rPr lang="fr-FR" b="1" dirty="0" err="1"/>
+                        <a:t>Ens</a:t>
+                      </a:r>
+                      <a:r>
+                        <a:rPr lang="fr-FR" b="1" dirty="0"/>
+                        <a:t>.</a:t>
+                      </a:r>
+                    </a:p>
+                  </a:txBody>
+                  <a:tcPr/>
+                </a:tc>
+                <a:tc>
+                  <a:txBody>
+                    <a:bodyPr/>
+                    <a:lstStyle/>
+                    <a:p>
+                      <a:pPr algn="ctr" fontAlgn="base"/>
+                      <a:r>
+                        <a:rPr lang="fr-FR" b="1" dirty="0">
+                          <a:solidFill>
+                            <a:srgbClr val="3D4449"/>
+                          </a:solidFill>
+                          <a:effectLst/>
+                          <a:latin typeface="inherit"/>
+                        </a:rPr>
+                        <a:t>74.4 %</a:t>
+                      </a:r>
+                      <a:endParaRPr lang="fr-FR" dirty="0">
+                        <a:effectLst/>
+                      </a:endParaRPr>
+                    </a:p>
+                  </a:txBody>
+                  <a:tcPr anchor="ctr"/>
+                </a:tc>
+                <a:tc>
+                  <a:txBody>
+                    <a:bodyPr/>
+                    <a:lstStyle/>
+                    <a:p>
+                      <a:pPr algn="ctr" fontAlgn="base"/>
+                      <a:r>
+                        <a:rPr lang="fr-FR" b="1" dirty="0">
+                          <a:solidFill>
+                            <a:srgbClr val="443597"/>
+                          </a:solidFill>
+                          <a:effectLst/>
+                          <a:latin typeface="inherit"/>
+                        </a:rPr>
+                        <a:t>25.6 %</a:t>
+                      </a:r>
+                      <a:endParaRPr lang="fr-FR" dirty="0">
+                        <a:effectLst/>
+                      </a:endParaRPr>
+                    </a:p>
+                  </a:txBody>
+                  <a:tcPr anchor="ctr"/>
+                </a:tc>
+                <a:tc>
+                  <a:txBody>
+                    <a:bodyPr/>
+                    <a:lstStyle/>
+                    <a:p>
+                      <a:pPr algn="ctr" fontAlgn="base"/>
+                      <a:r>
+                        <a:rPr lang="fr-FR" sz="1200" b="1" dirty="0">
+                          <a:solidFill>
+                            <a:srgbClr val="376E8B"/>
+                          </a:solidFill>
+                          <a:effectLst/>
+                          <a:latin typeface="inherit"/>
+                        </a:rPr>
+                        <a:t>117</a:t>
+                      </a:r>
+                      <a:endParaRPr lang="fr-FR" sz="1200" dirty="0">
+                        <a:effectLst/>
+                      </a:endParaRPr>
+                    </a:p>
+                  </a:txBody>
+                  <a:tcPr anchor="ctr"/>
+                </a:tc>
+                <a:tc>
+                  <a:txBody>
+                    <a:bodyPr/>
+                    <a:lstStyle/>
+                    <a:p>
+                      <a:pPr algn="ctr" fontAlgn="base"/>
+                      <a:r>
+                        <a:rPr lang="fr-FR" b="1" dirty="0">
+                          <a:solidFill>
+                            <a:srgbClr val="3D4449"/>
+                          </a:solidFill>
+                          <a:effectLst/>
+                          <a:latin typeface="inherit"/>
+                        </a:rPr>
+                        <a:t>69.5 %</a:t>
+                      </a:r>
+                      <a:endParaRPr lang="fr-FR" dirty="0">
+                        <a:effectLst/>
+                      </a:endParaRPr>
+                    </a:p>
+                  </a:txBody>
+                  <a:tcPr anchor="ctr"/>
+                </a:tc>
+                <a:tc>
+                  <a:txBody>
+                    <a:bodyPr/>
+                    <a:lstStyle/>
+                    <a:p>
+                      <a:pPr algn="ctr" fontAlgn="base"/>
+                      <a:r>
+                        <a:rPr lang="fr-FR" b="1" dirty="0">
+                          <a:solidFill>
+                            <a:srgbClr val="443597"/>
+                          </a:solidFill>
+                          <a:effectLst/>
+                          <a:latin typeface="inherit"/>
+                        </a:rPr>
+                        <a:t>30.5 %</a:t>
+                      </a:r>
+                      <a:endParaRPr lang="fr-FR" dirty="0">
+                        <a:effectLst/>
+                      </a:endParaRPr>
+                    </a:p>
+                  </a:txBody>
+                  <a:tcPr anchor="ctr"/>
+                </a:tc>
+                <a:tc>
+                  <a:txBody>
+                    <a:bodyPr/>
+                    <a:lstStyle/>
+                    <a:p>
+                      <a:pPr algn="ctr" fontAlgn="base"/>
+                      <a:r>
+                        <a:rPr lang="fr-FR" sz="1200" b="1" dirty="0">
+                          <a:solidFill>
+                            <a:srgbClr val="376E8B"/>
+                          </a:solidFill>
+                          <a:effectLst/>
+                          <a:latin typeface="inherit"/>
+                        </a:rPr>
+                        <a:t>105</a:t>
+                      </a:r>
+                      <a:endParaRPr lang="fr-FR" sz="1200" dirty="0">
+                        <a:effectLst/>
+                      </a:endParaRPr>
+                    </a:p>
+                  </a:txBody>
+                  <a:tcPr anchor="ctr"/>
+                </a:tc>
+                <a:extLst>
+                  <a:ext uri="{0D108BD9-81ED-4DB2-BD59-A6C34878D82A}">
+                    <a16:rowId xmlns:a16="http://schemas.microsoft.com/office/drawing/2014/main" val="809898311"/>
+                  </a:ext>
+                </a:extLst>
+              </a:tr>
+              <a:tr h="370840">
+                <a:tc>
+                  <a:txBody>
+                    <a:bodyPr/>
+                    <a:lstStyle/>
+                    <a:p>
+                      <a:pPr algn="ctr"/>
+                      <a:r>
+                        <a:rPr lang="fr-FR" sz="1600" dirty="0">
+                          <a:solidFill>
+                            <a:schemeClr val="bg1"/>
+                          </a:solidFill>
+                        </a:rPr>
+                        <a:t>Pal.</a:t>
+                      </a:r>
+                    </a:p>
+                  </a:txBody>
+                  <a:tcPr>
+                    <a:solidFill>
+                      <a:schemeClr val="accent6">
+                        <a:lumMod val="40000"/>
+                        <a:lumOff val="60000"/>
+                      </a:schemeClr>
+                    </a:solidFill>
+                  </a:tcPr>
+                </a:tc>
+                <a:tc>
+                  <a:txBody>
+                    <a:bodyPr/>
+                    <a:lstStyle/>
+                    <a:p>
+                      <a:pPr algn="ctr" fontAlgn="base"/>
+                      <a:r>
+                        <a:rPr lang="fr-FR" sz="1400" dirty="0">
+                          <a:solidFill>
+                            <a:schemeClr val="bg1"/>
+                          </a:solidFill>
+                          <a:effectLst/>
+                        </a:rPr>
+                        <a:t>81.2 %</a:t>
+                      </a:r>
+                    </a:p>
+                  </a:txBody>
+                  <a:tcPr anchor="ctr">
+                    <a:solidFill>
+                      <a:schemeClr val="accent6">
+                        <a:lumMod val="40000"/>
+                        <a:lumOff val="60000"/>
+                      </a:schemeClr>
+                    </a:solidFill>
+                  </a:tcPr>
+                </a:tc>
+                <a:tc>
+                  <a:txBody>
+                    <a:bodyPr/>
+                    <a:lstStyle/>
+                    <a:p>
+                      <a:pPr algn="ctr" fontAlgn="base"/>
+                      <a:r>
+                        <a:rPr lang="fr-FR" sz="1400" dirty="0">
+                          <a:solidFill>
+                            <a:schemeClr val="bg1"/>
+                          </a:solidFill>
+                          <a:effectLst/>
+                        </a:rPr>
+                        <a:t>18.8 %</a:t>
+                      </a:r>
+                    </a:p>
+                  </a:txBody>
+                  <a:tcPr anchor="ctr">
+                    <a:solidFill>
+                      <a:schemeClr val="accent6">
+                        <a:lumMod val="40000"/>
+                        <a:lumOff val="60000"/>
+                      </a:schemeClr>
+                    </a:solidFill>
+                  </a:tcPr>
+                </a:tc>
+                <a:tc>
+                  <a:txBody>
+                    <a:bodyPr/>
+                    <a:lstStyle/>
+                    <a:p>
+                      <a:pPr algn="ctr" fontAlgn="base"/>
+                      <a:r>
+                        <a:rPr lang="fr-FR" sz="1100" dirty="0">
+                          <a:solidFill>
+                            <a:schemeClr val="bg1"/>
+                          </a:solidFill>
+                          <a:effectLst/>
+                        </a:rPr>
+                        <a:t>69</a:t>
+                      </a:r>
+                    </a:p>
+                  </a:txBody>
+                  <a:tcPr anchor="ctr">
+                    <a:solidFill>
+                      <a:schemeClr val="accent6">
+                        <a:lumMod val="40000"/>
+                        <a:lumOff val="60000"/>
+                      </a:schemeClr>
+                    </a:solidFill>
+                  </a:tcPr>
+                </a:tc>
+                <a:tc>
+                  <a:txBody>
+                    <a:bodyPr/>
+                    <a:lstStyle/>
+                    <a:p>
+                      <a:pPr algn="ctr" fontAlgn="base"/>
+                      <a:r>
+                        <a:rPr lang="fr-FR" sz="1400" dirty="0">
+                          <a:solidFill>
+                            <a:schemeClr val="bg1"/>
+                          </a:solidFill>
+                          <a:effectLst/>
+                        </a:rPr>
+                        <a:t>74.6 %</a:t>
+                      </a:r>
+                    </a:p>
+                  </a:txBody>
+                  <a:tcPr anchor="ctr">
+                    <a:solidFill>
+                      <a:schemeClr val="accent6">
+                        <a:lumMod val="40000"/>
+                        <a:lumOff val="60000"/>
+                      </a:schemeClr>
+                    </a:solidFill>
+                  </a:tcPr>
+                </a:tc>
+                <a:tc>
+                  <a:txBody>
+                    <a:bodyPr/>
+                    <a:lstStyle/>
+                    <a:p>
+                      <a:pPr algn="ctr" fontAlgn="base"/>
+                      <a:r>
+                        <a:rPr lang="fr-FR" sz="1400" dirty="0">
+                          <a:solidFill>
+                            <a:schemeClr val="bg1"/>
+                          </a:solidFill>
+                          <a:effectLst/>
+                        </a:rPr>
+                        <a:t>25.4 %</a:t>
+                      </a:r>
+                    </a:p>
+                  </a:txBody>
+                  <a:tcPr anchor="ctr">
+                    <a:solidFill>
+                      <a:schemeClr val="accent6">
+                        <a:lumMod val="40000"/>
+                        <a:lumOff val="60000"/>
+                      </a:schemeClr>
+                    </a:solidFill>
+                  </a:tcPr>
+                </a:tc>
+                <a:tc>
+                  <a:txBody>
+                    <a:bodyPr/>
+                    <a:lstStyle/>
+                    <a:p>
+                      <a:pPr algn="ctr" fontAlgn="base"/>
+                      <a:r>
+                        <a:rPr lang="fr-FR" sz="1100" dirty="0">
+                          <a:solidFill>
+                            <a:schemeClr val="bg1"/>
+                          </a:solidFill>
+                          <a:effectLst/>
+                        </a:rPr>
+                        <a:t>67</a:t>
+                      </a:r>
+                    </a:p>
+                  </a:txBody>
+                  <a:tcPr anchor="ctr">
+                    <a:solidFill>
+                      <a:schemeClr val="accent6">
+                        <a:lumMod val="40000"/>
+                        <a:lumOff val="60000"/>
+                      </a:schemeClr>
+                    </a:solidFill>
+                  </a:tcPr>
+                </a:tc>
+                <a:extLst>
+                  <a:ext uri="{0D108BD9-81ED-4DB2-BD59-A6C34878D82A}">
+                    <a16:rowId xmlns:a16="http://schemas.microsoft.com/office/drawing/2014/main" val="2207166277"/>
+                  </a:ext>
+                </a:extLst>
+              </a:tr>
+              <a:tr h="370840">
+                <a:tc>
+                  <a:txBody>
+                    <a:bodyPr/>
+                    <a:lstStyle/>
+                    <a:p>
+                      <a:pPr algn="ctr"/>
+                      <a:r>
+                        <a:rPr lang="fr-FR" sz="1600" dirty="0" err="1">
+                          <a:solidFill>
+                            <a:schemeClr val="bg1"/>
+                          </a:solidFill>
+                        </a:rPr>
+                        <a:t>Bdx</a:t>
+                      </a:r>
+                      <a:endParaRPr lang="fr-FR" sz="1600" dirty="0">
+                        <a:solidFill>
+                          <a:schemeClr val="bg1"/>
+                        </a:solidFill>
+                      </a:endParaRPr>
+                    </a:p>
+                  </a:txBody>
+                  <a:tcPr>
+                    <a:solidFill>
+                      <a:schemeClr val="accent6">
+                        <a:lumMod val="60000"/>
+                        <a:lumOff val="40000"/>
+                      </a:schemeClr>
+                    </a:solidFill>
+                  </a:tcPr>
+                </a:tc>
+                <a:tc>
+                  <a:txBody>
+                    <a:bodyPr/>
+                    <a:lstStyle/>
+                    <a:p>
+                      <a:pPr algn="ctr" fontAlgn="base"/>
+                      <a:r>
+                        <a:rPr lang="fr-FR" sz="1400" dirty="0">
+                          <a:solidFill>
+                            <a:schemeClr val="bg1"/>
+                          </a:solidFill>
+                          <a:effectLst/>
+                        </a:rPr>
+                        <a:t>60.0 %</a:t>
+                      </a:r>
+                    </a:p>
+                  </a:txBody>
+                  <a:tcPr anchor="ctr">
+                    <a:solidFill>
+                      <a:schemeClr val="accent6">
+                        <a:lumMod val="60000"/>
+                        <a:lumOff val="40000"/>
+                      </a:schemeClr>
+                    </a:solidFill>
+                  </a:tcPr>
+                </a:tc>
+                <a:tc>
+                  <a:txBody>
+                    <a:bodyPr/>
+                    <a:lstStyle/>
+                    <a:p>
+                      <a:pPr algn="ctr" fontAlgn="base"/>
+                      <a:r>
+                        <a:rPr lang="fr-FR" sz="1400" dirty="0">
+                          <a:solidFill>
+                            <a:schemeClr val="bg1"/>
+                          </a:solidFill>
+                          <a:effectLst/>
+                        </a:rPr>
+                        <a:t>40.0 %</a:t>
+                      </a:r>
+                    </a:p>
+                  </a:txBody>
+                  <a:tcPr anchor="ctr">
+                    <a:solidFill>
+                      <a:schemeClr val="accent6">
+                        <a:lumMod val="60000"/>
+                        <a:lumOff val="40000"/>
+                      </a:schemeClr>
+                    </a:solidFill>
+                  </a:tcPr>
+                </a:tc>
+                <a:tc>
+                  <a:txBody>
+                    <a:bodyPr/>
+                    <a:lstStyle/>
+                    <a:p>
+                      <a:pPr algn="ctr" fontAlgn="base"/>
+                      <a:r>
+                        <a:rPr lang="fr-FR" sz="1100" dirty="0">
+                          <a:solidFill>
+                            <a:schemeClr val="bg1"/>
+                          </a:solidFill>
+                          <a:effectLst/>
+                        </a:rPr>
+                        <a:t>20</a:t>
+                      </a:r>
+                    </a:p>
+                  </a:txBody>
+                  <a:tcPr anchor="ctr">
+                    <a:solidFill>
+                      <a:schemeClr val="accent6">
+                        <a:lumMod val="60000"/>
+                        <a:lumOff val="40000"/>
+                      </a:schemeClr>
+                    </a:solidFill>
+                  </a:tcPr>
+                </a:tc>
+                <a:tc>
+                  <a:txBody>
+                    <a:bodyPr/>
+                    <a:lstStyle/>
+                    <a:p>
+                      <a:pPr algn="ctr" fontAlgn="base"/>
+                      <a:r>
+                        <a:rPr lang="fr-FR" sz="1400" dirty="0">
+                          <a:solidFill>
+                            <a:schemeClr val="bg1"/>
+                          </a:solidFill>
+                          <a:effectLst/>
+                        </a:rPr>
+                        <a:t>61.5 %</a:t>
+                      </a:r>
+                    </a:p>
+                  </a:txBody>
+                  <a:tcPr anchor="ctr">
+                    <a:solidFill>
+                      <a:schemeClr val="accent6">
+                        <a:lumMod val="60000"/>
+                        <a:lumOff val="40000"/>
+                      </a:schemeClr>
+                    </a:solidFill>
+                  </a:tcPr>
+                </a:tc>
+                <a:tc>
+                  <a:txBody>
+                    <a:bodyPr/>
+                    <a:lstStyle/>
+                    <a:p>
+                      <a:pPr algn="ctr" fontAlgn="base"/>
+                      <a:r>
+                        <a:rPr lang="fr-FR" sz="1400" dirty="0">
+                          <a:solidFill>
+                            <a:schemeClr val="bg1"/>
+                          </a:solidFill>
+                          <a:effectLst/>
+                        </a:rPr>
+                        <a:t>38.5 %</a:t>
+                      </a:r>
+                    </a:p>
+                  </a:txBody>
+                  <a:tcPr anchor="ctr">
+                    <a:solidFill>
+                      <a:schemeClr val="accent6">
+                        <a:lumMod val="60000"/>
+                        <a:lumOff val="40000"/>
+                      </a:schemeClr>
+                    </a:solidFill>
+                  </a:tcPr>
+                </a:tc>
+                <a:tc>
+                  <a:txBody>
+                    <a:bodyPr/>
+                    <a:lstStyle/>
+                    <a:p>
+                      <a:pPr algn="ctr" fontAlgn="base"/>
+                      <a:r>
+                        <a:rPr lang="fr-FR" sz="1100" dirty="0">
+                          <a:solidFill>
+                            <a:schemeClr val="bg1"/>
+                          </a:solidFill>
+                          <a:effectLst/>
+                        </a:rPr>
+                        <a:t>13</a:t>
+                      </a:r>
+                    </a:p>
+                  </a:txBody>
+                  <a:tcPr anchor="ctr">
+                    <a:solidFill>
+                      <a:schemeClr val="accent6">
+                        <a:lumMod val="60000"/>
+                        <a:lumOff val="40000"/>
+                      </a:schemeClr>
+                    </a:solidFill>
+                  </a:tcPr>
+                </a:tc>
+                <a:extLst>
+                  <a:ext uri="{0D108BD9-81ED-4DB2-BD59-A6C34878D82A}">
+                    <a16:rowId xmlns:a16="http://schemas.microsoft.com/office/drawing/2014/main" val="1083475024"/>
+                  </a:ext>
+                </a:extLst>
+              </a:tr>
+              <a:tr h="370840">
+                <a:tc>
+                  <a:txBody>
+                    <a:bodyPr/>
+                    <a:lstStyle/>
+                    <a:p>
+                      <a:pPr algn="ctr"/>
+                      <a:r>
+                        <a:rPr lang="fr-FR" sz="1600" dirty="0" err="1">
+                          <a:solidFill>
+                            <a:schemeClr val="bg1"/>
+                          </a:solidFill>
+                        </a:rPr>
+                        <a:t>StE</a:t>
+                      </a:r>
+                      <a:endParaRPr lang="fr-FR" sz="1600" dirty="0">
+                        <a:solidFill>
+                          <a:schemeClr val="bg1"/>
+                        </a:solidFill>
+                      </a:endParaRPr>
+                    </a:p>
+                  </a:txBody>
+                  <a:tcPr>
+                    <a:solidFill>
+                      <a:schemeClr val="accent6">
+                        <a:lumMod val="75000"/>
+                      </a:schemeClr>
+                    </a:solidFill>
+                  </a:tcPr>
+                </a:tc>
+                <a:tc>
+                  <a:txBody>
+                    <a:bodyPr/>
+                    <a:lstStyle/>
+                    <a:p>
+                      <a:pPr algn="ctr" fontAlgn="base"/>
+                      <a:r>
+                        <a:rPr lang="fr-FR" sz="1400" dirty="0">
+                          <a:solidFill>
+                            <a:schemeClr val="bg1"/>
+                          </a:solidFill>
+                          <a:effectLst/>
+                        </a:rPr>
+                        <a:t>60.0 %</a:t>
+                      </a:r>
+                    </a:p>
+                  </a:txBody>
+                  <a:tcPr anchor="ctr">
+                    <a:solidFill>
+                      <a:schemeClr val="accent6">
+                        <a:lumMod val="75000"/>
+                      </a:schemeClr>
+                    </a:solidFill>
+                  </a:tcPr>
+                </a:tc>
+                <a:tc>
+                  <a:txBody>
+                    <a:bodyPr/>
+                    <a:lstStyle/>
+                    <a:p>
+                      <a:pPr algn="ctr" fontAlgn="base"/>
+                      <a:r>
+                        <a:rPr lang="fr-FR" sz="1400" dirty="0">
+                          <a:solidFill>
+                            <a:schemeClr val="bg1"/>
+                          </a:solidFill>
+                          <a:effectLst/>
+                        </a:rPr>
+                        <a:t>40.0 %</a:t>
+                      </a:r>
+                    </a:p>
+                  </a:txBody>
+                  <a:tcPr anchor="ctr">
+                    <a:solidFill>
+                      <a:schemeClr val="accent6">
+                        <a:lumMod val="75000"/>
+                      </a:schemeClr>
+                    </a:solidFill>
+                  </a:tcPr>
+                </a:tc>
+                <a:tc>
+                  <a:txBody>
+                    <a:bodyPr/>
+                    <a:lstStyle/>
+                    <a:p>
+                      <a:pPr algn="ctr" fontAlgn="base"/>
+                      <a:r>
+                        <a:rPr lang="fr-FR" sz="1100" dirty="0">
+                          <a:solidFill>
+                            <a:schemeClr val="bg1"/>
+                          </a:solidFill>
+                          <a:effectLst/>
+                        </a:rPr>
+                        <a:t>15</a:t>
+                      </a:r>
+                    </a:p>
+                  </a:txBody>
+                  <a:tcPr anchor="ctr">
+                    <a:solidFill>
+                      <a:schemeClr val="accent6">
+                        <a:lumMod val="75000"/>
+                      </a:schemeClr>
+                    </a:solidFill>
+                  </a:tcPr>
+                </a:tc>
+                <a:tc>
+                  <a:txBody>
+                    <a:bodyPr/>
+                    <a:lstStyle/>
+                    <a:p>
+                      <a:pPr algn="ctr" fontAlgn="base"/>
+                      <a:r>
+                        <a:rPr lang="fr-FR" sz="1400" dirty="0">
+                          <a:solidFill>
+                            <a:schemeClr val="bg1"/>
+                          </a:solidFill>
+                          <a:effectLst/>
+                        </a:rPr>
+                        <a:t>41.7 %</a:t>
+                      </a:r>
+                    </a:p>
+                  </a:txBody>
+                  <a:tcPr anchor="ctr">
+                    <a:solidFill>
+                      <a:schemeClr val="accent6">
+                        <a:lumMod val="75000"/>
+                      </a:schemeClr>
+                    </a:solidFill>
+                  </a:tcPr>
+                </a:tc>
+                <a:tc>
+                  <a:txBody>
+                    <a:bodyPr/>
+                    <a:lstStyle/>
+                    <a:p>
+                      <a:pPr algn="ctr" fontAlgn="base"/>
+                      <a:r>
+                        <a:rPr lang="fr-FR" sz="1400" dirty="0">
+                          <a:solidFill>
+                            <a:schemeClr val="bg1"/>
+                          </a:solidFill>
+                          <a:effectLst/>
+                        </a:rPr>
+                        <a:t>58.3 %</a:t>
+                      </a:r>
+                    </a:p>
+                  </a:txBody>
+                  <a:tcPr anchor="ctr">
+                    <a:solidFill>
+                      <a:schemeClr val="accent6">
+                        <a:lumMod val="75000"/>
+                      </a:schemeClr>
+                    </a:solidFill>
+                  </a:tcPr>
+                </a:tc>
+                <a:tc>
+                  <a:txBody>
+                    <a:bodyPr/>
+                    <a:lstStyle/>
+                    <a:p>
+                      <a:pPr algn="ctr" fontAlgn="base"/>
+                      <a:r>
+                        <a:rPr lang="fr-FR" sz="1100" dirty="0">
+                          <a:solidFill>
+                            <a:schemeClr val="bg1"/>
+                          </a:solidFill>
+                          <a:effectLst/>
+                        </a:rPr>
+                        <a:t>12</a:t>
+                      </a:r>
+                    </a:p>
+                  </a:txBody>
+                  <a:tcPr anchor="ctr">
+                    <a:solidFill>
+                      <a:schemeClr val="accent6">
+                        <a:lumMod val="75000"/>
+                      </a:schemeClr>
+                    </a:solidFill>
+                  </a:tcPr>
+                </a:tc>
+                <a:extLst>
+                  <a:ext uri="{0D108BD9-81ED-4DB2-BD59-A6C34878D82A}">
+                    <a16:rowId xmlns:a16="http://schemas.microsoft.com/office/drawing/2014/main" val="1118240960"/>
+                  </a:ext>
+                </a:extLst>
+              </a:tr>
+              <a:tr h="370840">
+                <a:tc>
+                  <a:txBody>
+                    <a:bodyPr/>
+                    <a:lstStyle/>
+                    <a:p>
+                      <a:pPr algn="ctr"/>
+                      <a:r>
+                        <a:rPr lang="fr-FR" sz="1600" dirty="0"/>
+                        <a:t>Ext</a:t>
+                      </a:r>
+                    </a:p>
+                  </a:txBody>
+                  <a:tcPr/>
+                </a:tc>
+                <a:tc>
+                  <a:txBody>
+                    <a:bodyPr/>
+                    <a:lstStyle/>
+                    <a:p>
+                      <a:pPr algn="ctr" fontAlgn="base"/>
+                      <a:r>
+                        <a:rPr lang="fr-FR" sz="1400" dirty="0">
+                          <a:solidFill>
+                            <a:srgbClr val="3D4449"/>
+                          </a:solidFill>
+                          <a:effectLst/>
+                        </a:rPr>
+                        <a:t>81.8 %</a:t>
+                      </a:r>
+                    </a:p>
+                  </a:txBody>
+                  <a:tcPr anchor="ctr"/>
+                </a:tc>
+                <a:tc>
+                  <a:txBody>
+                    <a:bodyPr/>
+                    <a:lstStyle/>
+                    <a:p>
+                      <a:pPr algn="ctr" fontAlgn="base"/>
+                      <a:r>
+                        <a:rPr lang="fr-FR" sz="1400" dirty="0">
+                          <a:solidFill>
+                            <a:srgbClr val="443597"/>
+                          </a:solidFill>
+                          <a:effectLst/>
+                        </a:rPr>
+                        <a:t>18.2 %</a:t>
+                      </a:r>
+                    </a:p>
+                  </a:txBody>
+                  <a:tcPr anchor="ctr"/>
+                </a:tc>
+                <a:tc>
+                  <a:txBody>
+                    <a:bodyPr/>
+                    <a:lstStyle/>
+                    <a:p>
+                      <a:pPr algn="ctr" fontAlgn="base"/>
+                      <a:r>
+                        <a:rPr lang="fr-FR" sz="1100" dirty="0">
+                          <a:solidFill>
+                            <a:srgbClr val="376E8B"/>
+                          </a:solidFill>
+                          <a:effectLst/>
+                        </a:rPr>
+                        <a:t>11</a:t>
+                      </a:r>
+                    </a:p>
+                  </a:txBody>
+                  <a:tcPr anchor="ctr"/>
+                </a:tc>
+                <a:tc>
+                  <a:txBody>
+                    <a:bodyPr/>
+                    <a:lstStyle/>
+                    <a:p>
+                      <a:pPr algn="ctr" fontAlgn="base"/>
+                      <a:r>
+                        <a:rPr lang="fr-FR" sz="1400" dirty="0">
+                          <a:solidFill>
+                            <a:srgbClr val="3D4449"/>
+                          </a:solidFill>
+                          <a:effectLst/>
+                        </a:rPr>
+                        <a:t>81.8 %</a:t>
+                      </a:r>
+                    </a:p>
+                  </a:txBody>
+                  <a:tcPr anchor="ctr"/>
+                </a:tc>
+                <a:tc>
+                  <a:txBody>
+                    <a:bodyPr/>
+                    <a:lstStyle/>
+                    <a:p>
+                      <a:pPr algn="ctr" fontAlgn="base"/>
+                      <a:r>
+                        <a:rPr lang="fr-FR" sz="1400" dirty="0">
+                          <a:solidFill>
+                            <a:srgbClr val="443597"/>
+                          </a:solidFill>
+                          <a:effectLst/>
+                        </a:rPr>
+                        <a:t>18.2 %</a:t>
+                      </a:r>
+                    </a:p>
+                  </a:txBody>
+                  <a:tcPr anchor="ctr"/>
+                </a:tc>
+                <a:tc>
+                  <a:txBody>
+                    <a:bodyPr/>
+                    <a:lstStyle/>
+                    <a:p>
+                      <a:pPr algn="ctr" fontAlgn="base"/>
+                      <a:r>
+                        <a:rPr lang="fr-FR" sz="1100" dirty="0">
+                          <a:solidFill>
+                            <a:srgbClr val="376E8B"/>
+                          </a:solidFill>
+                          <a:effectLst/>
+                        </a:rPr>
+                        <a:t>11</a:t>
+                      </a:r>
+                    </a:p>
+                  </a:txBody>
+                  <a:tcPr anchor="ctr"/>
+                </a:tc>
+                <a:extLst>
+                  <a:ext uri="{0D108BD9-81ED-4DB2-BD59-A6C34878D82A}">
+                    <a16:rowId xmlns:a16="http://schemas.microsoft.com/office/drawing/2014/main" val="1740952244"/>
+                  </a:ext>
+                </a:extLst>
+              </a:tr>
+            </a:tbl>
+          </a:graphicData>
+        </a:graphic>
+      </p:graphicFrame>
+      <p:sp>
+        <p:nvSpPr>
+          <p:cNvPr id="7" name="ZoneTexte 6">
+            <a:extLst>
+              <a:ext uri="{FF2B5EF4-FFF2-40B4-BE49-F238E27FC236}">
+                <a16:creationId xmlns:a16="http://schemas.microsoft.com/office/drawing/2014/main" id="{6BE8EB4C-9EED-0344-FB71-FC964BFAC7C5}"/>
+              </a:ext>
+            </a:extLst>
+          </p:cNvPr>
+          <p:cNvSpPr txBox="1"/>
+          <p:nvPr/>
+        </p:nvSpPr>
+        <p:spPr>
+          <a:xfrm>
+            <a:off x="5749638" y="2816126"/>
+            <a:ext cx="1427017" cy="338554"/>
+          </a:xfrm>
+          <a:prstGeom prst="rect">
+            <a:avLst/>
+          </a:prstGeom>
+          <a:noFill/>
+        </p:spPr>
+        <p:txBody>
+          <a:bodyPr wrap="square">
+            <a:spAutoFit/>
+          </a:bodyPr>
+          <a:lstStyle/>
+          <a:p>
+            <a:r>
+              <a:rPr lang="fr-FR" b="1" dirty="0">
+                <a:solidFill>
+                  <a:srgbClr val="3D4449"/>
+                </a:solidFill>
+                <a:effectLst/>
+                <a:latin typeface="inherit"/>
+              </a:rPr>
+              <a:t>2020 à 2023 </a:t>
+            </a:r>
+            <a:endParaRPr lang="fr-FR" dirty="0"/>
+          </a:p>
+        </p:txBody>
+      </p:sp>
+      <p:sp>
+        <p:nvSpPr>
+          <p:cNvPr id="8" name="ZoneTexte 7">
+            <a:extLst>
+              <a:ext uri="{FF2B5EF4-FFF2-40B4-BE49-F238E27FC236}">
+                <a16:creationId xmlns:a16="http://schemas.microsoft.com/office/drawing/2014/main" id="{2F218827-BD14-D989-820F-C8E93CE767D2}"/>
+              </a:ext>
+            </a:extLst>
+          </p:cNvPr>
+          <p:cNvSpPr txBox="1"/>
+          <p:nvPr/>
+        </p:nvSpPr>
+        <p:spPr>
+          <a:xfrm>
+            <a:off x="3144983" y="2819192"/>
+            <a:ext cx="1427017" cy="338554"/>
+          </a:xfrm>
+          <a:prstGeom prst="rect">
+            <a:avLst/>
+          </a:prstGeom>
+          <a:noFill/>
+        </p:spPr>
+        <p:txBody>
+          <a:bodyPr wrap="square">
+            <a:spAutoFit/>
+          </a:bodyPr>
+          <a:lstStyle/>
+          <a:p>
+            <a:r>
+              <a:rPr lang="fr-FR" b="1" dirty="0">
+                <a:solidFill>
+                  <a:srgbClr val="3D4449"/>
+                </a:solidFill>
+                <a:effectLst/>
+                <a:latin typeface="inherit"/>
+              </a:rPr>
+              <a:t>2019 à 2022 </a:t>
+            </a:r>
+            <a:endParaRPr lang="fr-FR" dirty="0"/>
+          </a:p>
+        </p:txBody>
+      </p:sp>
+      <p:cxnSp>
+        <p:nvCxnSpPr>
+          <p:cNvPr id="12" name="Connecteur droit 11">
+            <a:extLst>
+              <a:ext uri="{FF2B5EF4-FFF2-40B4-BE49-F238E27FC236}">
+                <a16:creationId xmlns:a16="http://schemas.microsoft.com/office/drawing/2014/main" id="{B8788C0E-763D-AEA1-A8D6-23C0DA9EFF31}"/>
+              </a:ext>
+            </a:extLst>
+          </p:cNvPr>
+          <p:cNvCxnSpPr>
+            <a:cxnSpLocks/>
+          </p:cNvCxnSpPr>
+          <p:nvPr/>
+        </p:nvCxnSpPr>
+        <p:spPr bwMode="auto">
+          <a:xfrm>
+            <a:off x="4997885" y="2816126"/>
+            <a:ext cx="0" cy="2916970"/>
+          </a:xfrm>
+          <a:prstGeom prst="line">
+            <a:avLst/>
+          </a:prstGeom>
+          <a:solidFill>
+            <a:schemeClr val="accent1"/>
+          </a:solidFill>
+          <a:ln w="25400" cap="flat" cmpd="sng" algn="ctr">
+            <a:solidFill>
+              <a:schemeClr val="tx1"/>
+            </a:solidFill>
+            <a:prstDash val="solid"/>
+            <a:round/>
+            <a:headEnd type="none" w="med" len="med"/>
+            <a:tailEnd type="none" w="med" len="med"/>
+          </a:ln>
+          <a:effectLst/>
+          <a:extLst>
+            <a:ext uri="{AF507438-7753-43e0-B8FC-AC1667EBCBE1}">
+              <a14:hiddenEffects xmlns:a14="http://schemas.microsoft.com/office/drawing/2010/main" xmlns="">
+                <a:effectLst>
+                  <a:outerShdw dist="35921" dir="2700000" algn="ctr" rotWithShape="0">
+                    <a:schemeClr val="bg2"/>
+                  </a:outerShdw>
+                </a:effectLst>
+              </a14:hiddenEffects>
+            </a:ext>
+          </a:extLst>
+        </p:spPr>
+      </p:cxnSp>
+      <p:cxnSp>
+        <p:nvCxnSpPr>
+          <p:cNvPr id="16" name="Connecteur droit 15">
+            <a:extLst>
+              <a:ext uri="{FF2B5EF4-FFF2-40B4-BE49-F238E27FC236}">
+                <a16:creationId xmlns:a16="http://schemas.microsoft.com/office/drawing/2014/main" id="{50BF25C8-9F92-2C38-850F-D28A23482464}"/>
+              </a:ext>
+            </a:extLst>
+          </p:cNvPr>
+          <p:cNvCxnSpPr>
+            <a:cxnSpLocks/>
+          </p:cNvCxnSpPr>
+          <p:nvPr/>
+        </p:nvCxnSpPr>
+        <p:spPr bwMode="auto">
+          <a:xfrm>
+            <a:off x="2394559" y="2816126"/>
+            <a:ext cx="0" cy="2916970"/>
+          </a:xfrm>
+          <a:prstGeom prst="line">
+            <a:avLst/>
+          </a:prstGeom>
+          <a:solidFill>
+            <a:schemeClr val="accent1"/>
+          </a:solidFill>
+          <a:ln w="25400" cap="flat" cmpd="sng" algn="ctr">
+            <a:solidFill>
+              <a:schemeClr val="tx1"/>
+            </a:solidFill>
+            <a:prstDash val="solid"/>
+            <a:round/>
+            <a:headEnd type="none" w="med" len="med"/>
+            <a:tailEnd type="none" w="med" len="med"/>
+          </a:ln>
+          <a:effectLst/>
+          <a:extLst>
+            <a:ext uri="{AF507438-7753-43e0-B8FC-AC1667EBCBE1}">
+              <a14:hiddenEffects xmlns:a14="http://schemas.microsoft.com/office/drawing/2010/main" xmlns="">
+                <a:effectLst>
+                  <a:outerShdw dist="35921" dir="2700000" algn="ctr" rotWithShape="0">
+                    <a:schemeClr val="bg2"/>
+                  </a:outerShdw>
+                </a:effectLst>
+              </a14:hiddenEffects>
+            </a:ext>
+          </a:extLst>
+        </p:spPr>
+      </p:cxnSp>
+      <p:cxnSp>
+        <p:nvCxnSpPr>
+          <p:cNvPr id="17" name="Connecteur droit 16">
+            <a:extLst>
+              <a:ext uri="{FF2B5EF4-FFF2-40B4-BE49-F238E27FC236}">
+                <a16:creationId xmlns:a16="http://schemas.microsoft.com/office/drawing/2014/main" id="{EDE0DB40-AE6D-F8B1-39ED-23D839CC790B}"/>
+              </a:ext>
+            </a:extLst>
+          </p:cNvPr>
+          <p:cNvCxnSpPr>
+            <a:cxnSpLocks/>
+          </p:cNvCxnSpPr>
+          <p:nvPr/>
+        </p:nvCxnSpPr>
+        <p:spPr bwMode="auto">
+          <a:xfrm>
+            <a:off x="7610474" y="2816126"/>
+            <a:ext cx="0" cy="2916970"/>
+          </a:xfrm>
+          <a:prstGeom prst="line">
+            <a:avLst/>
+          </a:prstGeom>
+          <a:solidFill>
+            <a:schemeClr val="accent1"/>
+          </a:solidFill>
+          <a:ln w="25400" cap="flat" cmpd="sng" algn="ctr">
+            <a:solidFill>
+              <a:schemeClr val="tx1"/>
+            </a:solidFill>
+            <a:prstDash val="solid"/>
+            <a:round/>
+            <a:headEnd type="none" w="med" len="med"/>
+            <a:tailEnd type="none" w="med" len="med"/>
+          </a:ln>
+          <a:effectLst/>
+          <a:extLst>
+            <a:ext uri="{AF507438-7753-43e0-B8FC-AC1667EBCBE1}">
+              <a14:hiddenEffects xmlns:a14="http://schemas.microsoft.com/office/drawing/2010/main" xmlns="">
+                <a:effectLst>
+                  <a:outerShdw dist="35921" dir="2700000" algn="ctr" rotWithShape="0">
+                    <a:schemeClr val="bg2"/>
+                  </a:outerShdw>
+                </a:effectLst>
+              </a14:hiddenEffects>
+            </a:ext>
+          </a:extLst>
+        </p:spPr>
+      </p:cxnSp>
+    </p:spTree>
+    <p:extLst>
+      <p:ext uri="{BB962C8B-B14F-4D97-AF65-F5344CB8AC3E}">
+        <p14:creationId xmlns:p14="http://schemas.microsoft.com/office/powerpoint/2010/main" val="1797431457"/>
+      </p:ext>
+    </p:extLst>
+  </p:cSld>
+  <p:clrMapOvr>
+    <a:masterClrMapping/>
+  </p:clrMapOvr>
+</p:sld>
+</file>
+
+<file path=ppt/slides/slide18.xml><?xml version="1.0" encoding="utf-8"?>
+<p:sld xmlns:a="http://schemas.openxmlformats.org/drawingml/2006/main" xmlns:r="http://schemas.openxmlformats.org/officeDocument/2006/relationships" xmlns:p="http://schemas.openxmlformats.org/presentationml/2006/main">
+  <p:cSld>
+    <p:spTree>
+      <p:nvGrpSpPr>
+        <p:cNvPr id="1" name=""/>
+        <p:cNvGrpSpPr/>
+        <p:nvPr/>
+      </p:nvGrpSpPr>
+      <p:grpSpPr>
+        <a:xfrm>
+          <a:off x="0" y="0"/>
+          <a:ext cx="0" cy="0"/>
+          <a:chOff x="0" y="0"/>
+          <a:chExt cx="0" cy="0"/>
+        </a:xfrm>
+      </p:grpSpPr>
+      <p:sp>
+        <p:nvSpPr>
+          <p:cNvPr id="2" name="Titre 1">
+            <a:extLst>
+              <a:ext uri="{FF2B5EF4-FFF2-40B4-BE49-F238E27FC236}">
+                <a16:creationId xmlns:a16="http://schemas.microsoft.com/office/drawing/2014/main" id="{FAA161D5-927A-49ED-83AF-6D12A66FF712}"/>
+              </a:ext>
+            </a:extLst>
+          </p:cNvPr>
+          <p:cNvSpPr>
+            <a:spLocks noGrp="1"/>
+          </p:cNvSpPr>
+          <p:nvPr>
+            <p:ph type="title"/>
+          </p:nvPr>
+        </p:nvSpPr>
+        <p:spPr/>
+        <p:txBody>
+          <a:bodyPr/>
+          <a:lstStyle/>
+          <a:p>
+            <a:pPr>
+              <a:defRPr/>
+            </a:pPr>
+            <a:r>
+              <a:rPr lang="fr-FR" sz="2800" dirty="0"/>
               <a:t>Enquête CGE / Résumé</a:t>
             </a:r>
           </a:p>
@@ -8741,7 +12147,7 @@
 </p:sld>
 </file>
 
-<file path=ppt/slides/slide17.xml><?xml version="1.0" encoding="utf-8"?>
+<file path=ppt/slides/slide19.xml><?xml version="1.0" encoding="utf-8"?>
 <p:sld xmlns:a="http://schemas.openxmlformats.org/drawingml/2006/main" xmlns:r="http://schemas.openxmlformats.org/officeDocument/2006/relationships" xmlns:p="http://schemas.openxmlformats.org/presentationml/2006/main">
   <p:cSld>
     <p:spTree>
@@ -8968,1930 +12374,6 @@
     <p:extLst>
       <p:ext uri="{BB962C8B-B14F-4D97-AF65-F5344CB8AC3E}">
         <p14:creationId xmlns:p14="http://schemas.microsoft.com/office/powerpoint/2010/main" val="3322866965"/>
-      </p:ext>
-    </p:extLst>
-  </p:cSld>
-  <p:clrMapOvr>
-    <a:masterClrMapping/>
-  </p:clrMapOvr>
-</p:sld>
-</file>
-
-<file path=ppt/slides/slide18.xml><?xml version="1.0" encoding="utf-8"?>
-<p:sld xmlns:a="http://schemas.openxmlformats.org/drawingml/2006/main" xmlns:r="http://schemas.openxmlformats.org/officeDocument/2006/relationships" xmlns:p="http://schemas.openxmlformats.org/presentationml/2006/main">
-  <p:cSld>
-    <p:spTree>
-      <p:nvGrpSpPr>
-        <p:cNvPr id="1" name=""/>
-        <p:cNvGrpSpPr/>
-        <p:nvPr/>
-      </p:nvGrpSpPr>
-      <p:grpSpPr>
-        <a:xfrm>
-          <a:off x="0" y="0"/>
-          <a:ext cx="0" cy="0"/>
-          <a:chOff x="0" y="0"/>
-          <a:chExt cx="0" cy="0"/>
-        </a:xfrm>
-      </p:grpSpPr>
-      <p:sp>
-        <p:nvSpPr>
-          <p:cNvPr id="2" name="Titre 1">
-            <a:extLst>
-              <a:ext uri="{FF2B5EF4-FFF2-40B4-BE49-F238E27FC236}">
-                <a16:creationId xmlns:a16="http://schemas.microsoft.com/office/drawing/2014/main" id="{FAA161D5-927A-49ED-83AF-6D12A66FF712}"/>
-              </a:ext>
-            </a:extLst>
-          </p:cNvPr>
-          <p:cNvSpPr>
-            <a:spLocks noGrp="1"/>
-          </p:cNvSpPr>
-          <p:nvPr>
-            <p:ph type="title"/>
-          </p:nvPr>
-        </p:nvSpPr>
-        <p:spPr/>
-        <p:txBody>
-          <a:bodyPr/>
-          <a:lstStyle/>
-          <a:p>
-            <a:pPr>
-              <a:defRPr/>
-            </a:pPr>
-            <a:r>
-              <a:rPr lang="fr-FR" sz="2800" dirty="0"/>
-              <a:t>Enquête CGE / Résumé</a:t>
-            </a:r>
-          </a:p>
-        </p:txBody>
-      </p:sp>
-      <p:sp>
-        <p:nvSpPr>
-          <p:cNvPr id="6147" name="Espace réservé du contenu 2">
-            <a:extLst>
-              <a:ext uri="{FF2B5EF4-FFF2-40B4-BE49-F238E27FC236}">
-                <a16:creationId xmlns:a16="http://schemas.microsoft.com/office/drawing/2014/main" id="{458254A6-099B-4E75-907C-19CA1B94B253}"/>
-              </a:ext>
-            </a:extLst>
-          </p:cNvPr>
-          <p:cNvSpPr>
-            <a:spLocks noGrp="1" noChangeArrowheads="1"/>
-          </p:cNvSpPr>
-          <p:nvPr>
-            <p:ph idx="1"/>
-          </p:nvPr>
-        </p:nvSpPr>
-        <p:spPr>
-          <a:xfrm>
-            <a:off x="447675" y="1600200"/>
-            <a:ext cx="8229600" cy="430779"/>
-          </a:xfrm>
-        </p:spPr>
-        <p:txBody>
-          <a:bodyPr/>
-          <a:lstStyle/>
-          <a:p>
-            <a:r>
-              <a:rPr lang="fr-FR" altLang="fr-FR" sz="2000" b="1" dirty="0">
-                <a:solidFill>
-                  <a:srgbClr val="FF960A"/>
-                </a:solidFill>
-                <a:ea typeface="ＭＳ Ｐゴシック" panose="020B0600070205080204" pitchFamily="34" charset="-128"/>
-              </a:rPr>
-              <a:t>Evolution du taux net d’emploi / Cumul + Sites</a:t>
-            </a:r>
-          </a:p>
-        </p:txBody>
-      </p:sp>
-      <p:pic>
-        <p:nvPicPr>
-          <p:cNvPr id="6148" name="Picture 2" descr="upright=Article à illustrer Organisation">
-            <a:extLst>
-              <a:ext uri="{FF2B5EF4-FFF2-40B4-BE49-F238E27FC236}">
-                <a16:creationId xmlns:a16="http://schemas.microsoft.com/office/drawing/2014/main" id="{105BE698-E40C-4415-A9DF-F8680D1DF607}"/>
-              </a:ext>
-            </a:extLst>
-          </p:cNvPr>
-          <p:cNvPicPr>
-            <a:picLocks noChangeAspect="1" noChangeArrowheads="1"/>
-          </p:cNvPicPr>
-          <p:nvPr/>
-        </p:nvPicPr>
-        <p:blipFill>
-          <a:blip r:embed="rId3">
-            <a:extLst>
-              <a:ext uri="{28A0092B-C50C-407E-A947-70E740481C1C}">
-                <a14:useLocalDpi xmlns:a14="http://schemas.microsoft.com/office/drawing/2010/main" val="0"/>
-              </a:ext>
-            </a:extLst>
-          </a:blip>
-          <a:srcRect/>
-          <a:stretch>
-            <a:fillRect/>
-          </a:stretch>
-        </p:blipFill>
-        <p:spPr bwMode="auto">
-          <a:xfrm>
-            <a:off x="7766050" y="892175"/>
-            <a:ext cx="1157288" cy="384175"/>
-          </a:xfrm>
-          <a:prstGeom prst="rect">
-            <a:avLst/>
-          </a:prstGeom>
-          <a:noFill/>
-          <a:ln>
-            <a:noFill/>
-          </a:ln>
-          <a:extLst>
-            <a:ext uri="{909E8E84-426E-40DD-AFC4-6F175D3DCCD1}">
-              <a14:hiddenFill xmlns:a14="http://schemas.microsoft.com/office/drawing/2010/main">
-                <a:solidFill>
-                  <a:srgbClr val="FFFFFF"/>
-                </a:solidFill>
-              </a14:hiddenFill>
-            </a:ext>
-            <a:ext uri="{91240B29-F687-4F45-9708-019B960494DF}">
-              <a14:hiddenLine xmlns:a14="http://schemas.microsoft.com/office/drawing/2010/main" w="9525">
-                <a:solidFill>
-                  <a:srgbClr val="000000"/>
-                </a:solidFill>
-                <a:miter lim="800000"/>
-                <a:headEnd/>
-                <a:tailEnd/>
-              </a14:hiddenLine>
-            </a:ext>
-          </a:extLst>
-        </p:spPr>
-      </p:pic>
-      <p:sp>
-        <p:nvSpPr>
-          <p:cNvPr id="11" name="ZoneTexte 10">
-            <a:extLst>
-              <a:ext uri="{FF2B5EF4-FFF2-40B4-BE49-F238E27FC236}">
-                <a16:creationId xmlns:a16="http://schemas.microsoft.com/office/drawing/2014/main" id="{D86F9AF5-EA8F-CAD4-2FBE-51F87D18B116}"/>
-              </a:ext>
-            </a:extLst>
-          </p:cNvPr>
-          <p:cNvSpPr txBox="1"/>
-          <p:nvPr/>
-        </p:nvSpPr>
-        <p:spPr>
-          <a:xfrm rot="16200000">
-            <a:off x="-2330100" y="3437334"/>
-            <a:ext cx="4998749" cy="338554"/>
-          </a:xfrm>
-          <a:prstGeom prst="rect">
-            <a:avLst/>
-          </a:prstGeom>
-          <a:solidFill>
-            <a:srgbClr val="EF553B"/>
-          </a:solidFill>
-        </p:spPr>
-        <p:txBody>
-          <a:bodyPr wrap="square" rtlCol="0">
-            <a:spAutoFit/>
-          </a:bodyPr>
-          <a:lstStyle/>
-          <a:p>
-            <a:r>
-              <a:rPr lang="fr-FR" dirty="0">
-                <a:solidFill>
-                  <a:schemeClr val="bg1"/>
-                </a:solidFill>
-              </a:rPr>
-              <a:t>Enquête CGE / Cumul</a:t>
-            </a:r>
-          </a:p>
-        </p:txBody>
-      </p:sp>
-      <p:pic>
-        <p:nvPicPr>
-          <p:cNvPr id="4" name="Image 3" descr="Une image contenant texte, capture d’écran, Tracé, ligne&#10;&#10;Description générée automatiquement">
-            <a:extLst>
-              <a:ext uri="{FF2B5EF4-FFF2-40B4-BE49-F238E27FC236}">
-                <a16:creationId xmlns:a16="http://schemas.microsoft.com/office/drawing/2014/main" id="{6C433406-E59A-DA4E-8E4D-837EC2A5D579}"/>
-              </a:ext>
-            </a:extLst>
-          </p:cNvPr>
-          <p:cNvPicPr>
-            <a:picLocks noChangeAspect="1"/>
-          </p:cNvPicPr>
-          <p:nvPr/>
-        </p:nvPicPr>
-        <p:blipFill>
-          <a:blip r:embed="rId4">
-            <a:extLst>
-              <a:ext uri="{28A0092B-C50C-407E-A947-70E740481C1C}">
-                <a14:useLocalDpi xmlns:a14="http://schemas.microsoft.com/office/drawing/2010/main" val="0"/>
-              </a:ext>
-            </a:extLst>
-          </a:blip>
-          <a:stretch>
-            <a:fillRect/>
-          </a:stretch>
-        </p:blipFill>
-        <p:spPr>
-          <a:xfrm>
-            <a:off x="1582309" y="2030979"/>
-            <a:ext cx="5209360" cy="3948584"/>
-          </a:xfrm>
-          <a:prstGeom prst="rect">
-            <a:avLst/>
-          </a:prstGeom>
-        </p:spPr>
-      </p:pic>
-    </p:spTree>
-    <p:extLst>
-      <p:ext uri="{BB962C8B-B14F-4D97-AF65-F5344CB8AC3E}">
-        <p14:creationId xmlns:p14="http://schemas.microsoft.com/office/powerpoint/2010/main" val="1807710970"/>
-      </p:ext>
-    </p:extLst>
-  </p:cSld>
-  <p:clrMapOvr>
-    <a:masterClrMapping/>
-  </p:clrMapOvr>
-</p:sld>
-</file>
-
-<file path=ppt/slides/slide19.xml><?xml version="1.0" encoding="utf-8"?>
-<p:sld xmlns:a="http://schemas.openxmlformats.org/drawingml/2006/main" xmlns:r="http://schemas.openxmlformats.org/officeDocument/2006/relationships" xmlns:p="http://schemas.openxmlformats.org/presentationml/2006/main">
-  <p:cSld>
-    <p:spTree>
-      <p:nvGrpSpPr>
-        <p:cNvPr id="1" name=""/>
-        <p:cNvGrpSpPr/>
-        <p:nvPr/>
-      </p:nvGrpSpPr>
-      <p:grpSpPr>
-        <a:xfrm>
-          <a:off x="0" y="0"/>
-          <a:ext cx="0" cy="0"/>
-          <a:chOff x="0" y="0"/>
-          <a:chExt cx="0" cy="0"/>
-        </a:xfrm>
-      </p:grpSpPr>
-      <p:sp>
-        <p:nvSpPr>
-          <p:cNvPr id="2" name="Titre 1">
-            <a:extLst>
-              <a:ext uri="{FF2B5EF4-FFF2-40B4-BE49-F238E27FC236}">
-                <a16:creationId xmlns:a16="http://schemas.microsoft.com/office/drawing/2014/main" id="{FAA161D5-927A-49ED-83AF-6D12A66FF712}"/>
-              </a:ext>
-            </a:extLst>
-          </p:cNvPr>
-          <p:cNvSpPr>
-            <a:spLocks noGrp="1"/>
-          </p:cNvSpPr>
-          <p:nvPr>
-            <p:ph type="title"/>
-          </p:nvPr>
-        </p:nvSpPr>
-        <p:spPr/>
-        <p:txBody>
-          <a:bodyPr/>
-          <a:lstStyle/>
-          <a:p>
-            <a:pPr>
-              <a:defRPr/>
-            </a:pPr>
-            <a:r>
-              <a:rPr lang="fr-FR" sz="2800" dirty="0"/>
-              <a:t>Enquête CGE / Cumul</a:t>
-            </a:r>
-          </a:p>
-        </p:txBody>
-      </p:sp>
-      <p:sp>
-        <p:nvSpPr>
-          <p:cNvPr id="6147" name="Espace réservé du contenu 2">
-            <a:extLst>
-              <a:ext uri="{FF2B5EF4-FFF2-40B4-BE49-F238E27FC236}">
-                <a16:creationId xmlns:a16="http://schemas.microsoft.com/office/drawing/2014/main" id="{458254A6-099B-4E75-907C-19CA1B94B253}"/>
-              </a:ext>
-            </a:extLst>
-          </p:cNvPr>
-          <p:cNvSpPr>
-            <a:spLocks noGrp="1" noChangeArrowheads="1"/>
-          </p:cNvSpPr>
-          <p:nvPr>
-            <p:ph idx="1"/>
-          </p:nvPr>
-        </p:nvSpPr>
-        <p:spPr>
-          <a:xfrm>
-            <a:off x="447675" y="1600200"/>
-            <a:ext cx="8229600" cy="1554480"/>
-          </a:xfrm>
-        </p:spPr>
-        <p:txBody>
-          <a:bodyPr/>
-          <a:lstStyle/>
-          <a:p>
-            <a:r>
-              <a:rPr lang="fr-FR" altLang="fr-FR" sz="2000" b="1" dirty="0">
-                <a:solidFill>
-                  <a:srgbClr val="EF553B"/>
-                </a:solidFill>
-                <a:ea typeface="ＭＳ Ｐゴシック" panose="020B0600070205080204" pitchFamily="34" charset="-128"/>
-              </a:rPr>
-              <a:t>Cumul de 2019 à 2022 / 2020 à 2023</a:t>
-            </a:r>
-          </a:p>
-          <a:p>
-            <a:r>
-              <a:rPr lang="fr-FR" altLang="fr-FR" sz="2000" b="1" dirty="0">
-                <a:solidFill>
-                  <a:srgbClr val="EF553B"/>
-                </a:solidFill>
-                <a:ea typeface="ＭＳ Ｐゴシック" panose="020B0600070205080204" pitchFamily="34" charset="-128"/>
-              </a:rPr>
-              <a:t>Lieu des emplois / Sites</a:t>
-            </a:r>
-          </a:p>
-        </p:txBody>
-      </p:sp>
-      <p:pic>
-        <p:nvPicPr>
-          <p:cNvPr id="6148" name="Picture 2" descr="upright=Article à illustrer Organisation">
-            <a:extLst>
-              <a:ext uri="{FF2B5EF4-FFF2-40B4-BE49-F238E27FC236}">
-                <a16:creationId xmlns:a16="http://schemas.microsoft.com/office/drawing/2014/main" id="{105BE698-E40C-4415-A9DF-F8680D1DF607}"/>
-              </a:ext>
-            </a:extLst>
-          </p:cNvPr>
-          <p:cNvPicPr>
-            <a:picLocks noChangeAspect="1" noChangeArrowheads="1"/>
-          </p:cNvPicPr>
-          <p:nvPr/>
-        </p:nvPicPr>
-        <p:blipFill>
-          <a:blip r:embed="rId2">
-            <a:extLst>
-              <a:ext uri="{28A0092B-C50C-407E-A947-70E740481C1C}">
-                <a14:useLocalDpi xmlns:a14="http://schemas.microsoft.com/office/drawing/2010/main" val="0"/>
-              </a:ext>
-            </a:extLst>
-          </a:blip>
-          <a:srcRect/>
-          <a:stretch>
-            <a:fillRect/>
-          </a:stretch>
-        </p:blipFill>
-        <p:spPr bwMode="auto">
-          <a:xfrm>
-            <a:off x="7766050" y="892175"/>
-            <a:ext cx="1157288" cy="384175"/>
-          </a:xfrm>
-          <a:prstGeom prst="rect">
-            <a:avLst/>
-          </a:prstGeom>
-          <a:noFill/>
-          <a:ln>
-            <a:noFill/>
-          </a:ln>
-          <a:extLst>
-            <a:ext uri="{909E8E84-426E-40DD-AFC4-6F175D3DCCD1}">
-              <a14:hiddenFill xmlns:a14="http://schemas.microsoft.com/office/drawing/2010/main">
-                <a:solidFill>
-                  <a:srgbClr val="FFFFFF"/>
-                </a:solidFill>
-              </a14:hiddenFill>
-            </a:ext>
-            <a:ext uri="{91240B29-F687-4F45-9708-019B960494DF}">
-              <a14:hiddenLine xmlns:a14="http://schemas.microsoft.com/office/drawing/2010/main" w="9525">
-                <a:solidFill>
-                  <a:srgbClr val="000000"/>
-                </a:solidFill>
-                <a:miter lim="800000"/>
-                <a:headEnd/>
-                <a:tailEnd/>
-              </a14:hiddenLine>
-            </a:ext>
-          </a:extLst>
-        </p:spPr>
-      </p:pic>
-      <p:sp>
-        <p:nvSpPr>
-          <p:cNvPr id="3" name="ZoneTexte 2">
-            <a:extLst>
-              <a:ext uri="{FF2B5EF4-FFF2-40B4-BE49-F238E27FC236}">
-                <a16:creationId xmlns:a16="http://schemas.microsoft.com/office/drawing/2014/main" id="{76C5E635-ACF0-A360-2BA1-1AD1AB1E7A21}"/>
-              </a:ext>
-            </a:extLst>
-          </p:cNvPr>
-          <p:cNvSpPr txBox="1"/>
-          <p:nvPr/>
-        </p:nvSpPr>
-        <p:spPr>
-          <a:xfrm rot="16200000">
-            <a:off x="-2330100" y="3437334"/>
-            <a:ext cx="4998749" cy="338554"/>
-          </a:xfrm>
-          <a:prstGeom prst="rect">
-            <a:avLst/>
-          </a:prstGeom>
-          <a:solidFill>
-            <a:srgbClr val="EF553B"/>
-          </a:solidFill>
-        </p:spPr>
-        <p:txBody>
-          <a:bodyPr wrap="square" rtlCol="0">
-            <a:spAutoFit/>
-          </a:bodyPr>
-          <a:lstStyle/>
-          <a:p>
-            <a:r>
-              <a:rPr lang="fr-FR" dirty="0">
-                <a:solidFill>
-                  <a:schemeClr val="bg1"/>
-                </a:solidFill>
-              </a:rPr>
-              <a:t>Enquête CGE / Cumul</a:t>
-            </a:r>
-          </a:p>
-        </p:txBody>
-      </p:sp>
-      <p:sp>
-        <p:nvSpPr>
-          <p:cNvPr id="9" name="ZoneTexte 8">
-            <a:extLst>
-              <a:ext uri="{FF2B5EF4-FFF2-40B4-BE49-F238E27FC236}">
-                <a16:creationId xmlns:a16="http://schemas.microsoft.com/office/drawing/2014/main" id="{607FEABF-F1C9-7143-AA31-45A4A932AF8A}"/>
-              </a:ext>
-            </a:extLst>
-          </p:cNvPr>
-          <p:cNvSpPr txBox="1"/>
-          <p:nvPr/>
-        </p:nvSpPr>
-        <p:spPr>
-          <a:xfrm>
-            <a:off x="3821018" y="807154"/>
-            <a:ext cx="3720890" cy="600164"/>
-          </a:xfrm>
-          <a:prstGeom prst="rect">
-            <a:avLst/>
-          </a:prstGeom>
-          <a:noFill/>
-        </p:spPr>
-        <p:txBody>
-          <a:bodyPr wrap="none" rtlCol="0">
-            <a:spAutoFit/>
-          </a:bodyPr>
-          <a:lstStyle/>
-          <a:p>
-            <a:r>
-              <a:rPr lang="fr-FR" sz="1100" b="1" dirty="0">
-                <a:solidFill>
-                  <a:srgbClr val="002060"/>
-                </a:solidFill>
-              </a:rPr>
-              <a:t>Comparaison avec résultats nationaux :</a:t>
-            </a:r>
-          </a:p>
-          <a:p>
-            <a:pPr marL="285750" indent="-285750">
-              <a:buFontTx/>
-              <a:buChar char="-"/>
-            </a:pPr>
-            <a:r>
-              <a:rPr lang="fr-FR" sz="1100" dirty="0">
-                <a:solidFill>
-                  <a:srgbClr val="002060"/>
-                </a:solidFill>
-              </a:rPr>
-              <a:t>hypothèse : nombre quasi constant de répondant.es</a:t>
-            </a:r>
-          </a:p>
-          <a:p>
-            <a:pPr marL="285750" indent="-285750">
-              <a:buFontTx/>
-              <a:buChar char="-"/>
-            </a:pPr>
-            <a:r>
-              <a:rPr lang="fr-FR" sz="1100" i="1" dirty="0">
-                <a:solidFill>
-                  <a:srgbClr val="002060"/>
-                </a:solidFill>
-              </a:rPr>
-              <a:t>Calcul : somme des moyennes / nombre années</a:t>
-            </a:r>
-          </a:p>
-        </p:txBody>
-      </p:sp>
-      <p:graphicFrame>
-        <p:nvGraphicFramePr>
-          <p:cNvPr id="5" name="Tableau 4">
-            <a:extLst>
-              <a:ext uri="{FF2B5EF4-FFF2-40B4-BE49-F238E27FC236}">
-                <a16:creationId xmlns:a16="http://schemas.microsoft.com/office/drawing/2014/main" id="{67D5A9BE-B287-0AD5-1BCF-FEC21F1E9A75}"/>
-              </a:ext>
-            </a:extLst>
-          </p:cNvPr>
-          <p:cNvGraphicFramePr>
-            <a:graphicFrameLocks noGrp="1"/>
-          </p:cNvGraphicFramePr>
-          <p:nvPr>
-            <p:extLst>
-              <p:ext uri="{D42A27DB-BD31-4B8C-83A1-F6EECF244321}">
-                <p14:modId xmlns:p14="http://schemas.microsoft.com/office/powerpoint/2010/main" val="2008740577"/>
-              </p:ext>
-            </p:extLst>
-          </p:nvPr>
-        </p:nvGraphicFramePr>
-        <p:xfrm>
-          <a:off x="1514475" y="3137216"/>
-          <a:ext cx="6095999" cy="2595880"/>
-        </p:xfrm>
-        <a:graphic>
-          <a:graphicData uri="http://schemas.openxmlformats.org/drawingml/2006/table">
-            <a:tbl>
-              <a:tblPr firstRow="1" bandRow="1">
-                <a:tableStyleId>{21E4AEA4-8DFA-4A89-87EB-49C32662AFE0}</a:tableStyleId>
-              </a:tblPr>
-              <a:tblGrid>
-                <a:gridCol w="870857">
-                  <a:extLst>
-                    <a:ext uri="{9D8B030D-6E8A-4147-A177-3AD203B41FA5}">
-                      <a16:colId xmlns:a16="http://schemas.microsoft.com/office/drawing/2014/main" val="2053038476"/>
-                    </a:ext>
-                  </a:extLst>
-                </a:gridCol>
-                <a:gridCol w="870857">
-                  <a:extLst>
-                    <a:ext uri="{9D8B030D-6E8A-4147-A177-3AD203B41FA5}">
-                      <a16:colId xmlns:a16="http://schemas.microsoft.com/office/drawing/2014/main" val="3832746835"/>
-                    </a:ext>
-                  </a:extLst>
-                </a:gridCol>
-                <a:gridCol w="870857">
-                  <a:extLst>
-                    <a:ext uri="{9D8B030D-6E8A-4147-A177-3AD203B41FA5}">
-                      <a16:colId xmlns:a16="http://schemas.microsoft.com/office/drawing/2014/main" val="4009216877"/>
-                    </a:ext>
-                  </a:extLst>
-                </a:gridCol>
-                <a:gridCol w="870857">
-                  <a:extLst>
-                    <a:ext uri="{9D8B030D-6E8A-4147-A177-3AD203B41FA5}">
-                      <a16:colId xmlns:a16="http://schemas.microsoft.com/office/drawing/2014/main" val="3856658833"/>
-                    </a:ext>
-                  </a:extLst>
-                </a:gridCol>
-                <a:gridCol w="870857">
-                  <a:extLst>
-                    <a:ext uri="{9D8B030D-6E8A-4147-A177-3AD203B41FA5}">
-                      <a16:colId xmlns:a16="http://schemas.microsoft.com/office/drawing/2014/main" val="1457748498"/>
-                    </a:ext>
-                  </a:extLst>
-                </a:gridCol>
-                <a:gridCol w="870857">
-                  <a:extLst>
-                    <a:ext uri="{9D8B030D-6E8A-4147-A177-3AD203B41FA5}">
-                      <a16:colId xmlns:a16="http://schemas.microsoft.com/office/drawing/2014/main" val="3308663209"/>
-                    </a:ext>
-                  </a:extLst>
-                </a:gridCol>
-                <a:gridCol w="870857">
-                  <a:extLst>
-                    <a:ext uri="{9D8B030D-6E8A-4147-A177-3AD203B41FA5}">
-                      <a16:colId xmlns:a16="http://schemas.microsoft.com/office/drawing/2014/main" val="2294340571"/>
-                    </a:ext>
-                  </a:extLst>
-                </a:gridCol>
-              </a:tblGrid>
-              <a:tr h="370840">
-                <a:tc>
-                  <a:txBody>
-                    <a:bodyPr/>
-                    <a:lstStyle/>
-                    <a:p>
-                      <a:pPr algn="ctr"/>
-                      <a:r>
-                        <a:rPr lang="fr-FR" sz="1400" dirty="0"/>
-                        <a:t>Sites</a:t>
-                      </a:r>
-                    </a:p>
-                  </a:txBody>
-                  <a:tcPr/>
-                </a:tc>
-                <a:tc>
-                  <a:txBody>
-                    <a:bodyPr/>
-                    <a:lstStyle/>
-                    <a:p>
-                      <a:pPr algn="ctr"/>
-                      <a:r>
-                        <a:rPr lang="fr-FR" sz="1400" dirty="0" err="1"/>
-                        <a:t>Etrang</a:t>
-                      </a:r>
-                      <a:r>
-                        <a:rPr lang="fr-FR" sz="1400" dirty="0"/>
-                        <a:t>.</a:t>
-                      </a:r>
-                    </a:p>
-                  </a:txBody>
-                  <a:tcPr/>
-                </a:tc>
-                <a:tc>
-                  <a:txBody>
-                    <a:bodyPr/>
-                    <a:lstStyle/>
-                    <a:p>
-                      <a:pPr algn="ctr"/>
-                      <a:r>
-                        <a:rPr lang="fr-FR" sz="1400" dirty="0"/>
-                        <a:t>France</a:t>
-                      </a:r>
-                    </a:p>
-                  </a:txBody>
-                  <a:tcPr/>
-                </a:tc>
-                <a:tc>
-                  <a:txBody>
-                    <a:bodyPr/>
-                    <a:lstStyle/>
-                    <a:p>
-                      <a:pPr algn="ctr"/>
-                      <a:r>
-                        <a:rPr lang="fr-FR" sz="1050" dirty="0"/>
-                        <a:t>Nb Rep</a:t>
-                      </a:r>
-                    </a:p>
-                  </a:txBody>
-                  <a:tcPr/>
-                </a:tc>
-                <a:tc>
-                  <a:txBody>
-                    <a:bodyPr/>
-                    <a:lstStyle/>
-                    <a:p>
-                      <a:pPr algn="ctr"/>
-                      <a:r>
-                        <a:rPr lang="fr-FR" sz="1400" dirty="0" err="1"/>
-                        <a:t>Etrang</a:t>
-                      </a:r>
-                      <a:r>
-                        <a:rPr lang="fr-FR" sz="1400" dirty="0"/>
-                        <a:t>.</a:t>
-                      </a:r>
-                    </a:p>
-                  </a:txBody>
-                  <a:tcPr/>
-                </a:tc>
-                <a:tc>
-                  <a:txBody>
-                    <a:bodyPr/>
-                    <a:lstStyle/>
-                    <a:p>
-                      <a:pPr algn="ctr"/>
-                      <a:r>
-                        <a:rPr lang="fr-FR" sz="1400" dirty="0"/>
-                        <a:t>France</a:t>
-                      </a:r>
-                    </a:p>
-                  </a:txBody>
-                  <a:tcPr/>
-                </a:tc>
-                <a:tc>
-                  <a:txBody>
-                    <a:bodyPr/>
-                    <a:lstStyle/>
-                    <a:p>
-                      <a:pPr algn="ctr"/>
-                      <a:r>
-                        <a:rPr lang="fr-FR" sz="1050" dirty="0"/>
-                        <a:t>Nb Rep</a:t>
-                      </a:r>
-                    </a:p>
-                  </a:txBody>
-                  <a:tcPr/>
-                </a:tc>
-                <a:extLst>
-                  <a:ext uri="{0D108BD9-81ED-4DB2-BD59-A6C34878D82A}">
-                    <a16:rowId xmlns:a16="http://schemas.microsoft.com/office/drawing/2014/main" val="3899797023"/>
-                  </a:ext>
-                </a:extLst>
-              </a:tr>
-              <a:tr h="370840">
-                <a:tc>
-                  <a:txBody>
-                    <a:bodyPr/>
-                    <a:lstStyle/>
-                    <a:p>
-                      <a:pPr algn="ctr"/>
-                      <a:r>
-                        <a:rPr lang="fr-FR" sz="1600" dirty="0"/>
-                        <a:t>CGE</a:t>
-                      </a:r>
-                    </a:p>
-                  </a:txBody>
-                  <a:tcPr/>
-                </a:tc>
-                <a:tc>
-                  <a:txBody>
-                    <a:bodyPr/>
-                    <a:lstStyle/>
-                    <a:p>
-                      <a:pPr algn="ctr" fontAlgn="base"/>
-                      <a:r>
-                        <a:rPr lang="fr-FR" sz="1400" dirty="0">
-                          <a:solidFill>
-                            <a:srgbClr val="3D4449"/>
-                          </a:solidFill>
-                          <a:effectLst/>
-                        </a:rPr>
-                        <a:t>9.3 %</a:t>
-                      </a:r>
-                    </a:p>
-                  </a:txBody>
-                  <a:tcPr anchor="ctr"/>
-                </a:tc>
-                <a:tc>
-                  <a:txBody>
-                    <a:bodyPr/>
-                    <a:lstStyle/>
-                    <a:p>
-                      <a:pPr algn="ctr" fontAlgn="base"/>
-                      <a:r>
-                        <a:rPr lang="fr-FR" sz="1400" dirty="0">
-                          <a:solidFill>
-                            <a:srgbClr val="443597"/>
-                          </a:solidFill>
-                          <a:effectLst/>
-                        </a:rPr>
-                        <a:t>90.7 %</a:t>
-                      </a:r>
-                    </a:p>
-                  </a:txBody>
-                  <a:tcPr anchor="ctr"/>
-                </a:tc>
-                <a:tc>
-                  <a:txBody>
-                    <a:bodyPr/>
-                    <a:lstStyle/>
-                    <a:p>
-                      <a:pPr algn="ctr"/>
-                      <a:endParaRPr lang="fr-FR" sz="1400" dirty="0"/>
-                    </a:p>
-                  </a:txBody>
-                  <a:tcPr/>
-                </a:tc>
-                <a:tc>
-                  <a:txBody>
-                    <a:bodyPr/>
-                    <a:lstStyle/>
-                    <a:p>
-                      <a:pPr algn="ctr" fontAlgn="base"/>
-                      <a:r>
-                        <a:rPr lang="fr-FR" sz="1400" dirty="0">
-                          <a:solidFill>
-                            <a:srgbClr val="3D4449"/>
-                          </a:solidFill>
-                          <a:effectLst/>
-                        </a:rPr>
-                        <a:t>8.9 %</a:t>
-                      </a:r>
-                    </a:p>
-                  </a:txBody>
-                  <a:tcPr anchor="ctr"/>
-                </a:tc>
-                <a:tc>
-                  <a:txBody>
-                    <a:bodyPr/>
-                    <a:lstStyle/>
-                    <a:p>
-                      <a:pPr algn="ctr" fontAlgn="base"/>
-                      <a:r>
-                        <a:rPr lang="fr-FR" sz="1400" dirty="0">
-                          <a:solidFill>
-                            <a:srgbClr val="443597"/>
-                          </a:solidFill>
-                          <a:effectLst/>
-                        </a:rPr>
-                        <a:t>91.1 %</a:t>
-                      </a:r>
-                    </a:p>
-                  </a:txBody>
-                  <a:tcPr anchor="ctr"/>
-                </a:tc>
-                <a:tc>
-                  <a:txBody>
-                    <a:bodyPr/>
-                    <a:lstStyle/>
-                    <a:p>
-                      <a:pPr algn="ctr"/>
-                      <a:endParaRPr lang="fr-FR" sz="1100" dirty="0"/>
-                    </a:p>
-                  </a:txBody>
-                  <a:tcPr/>
-                </a:tc>
-                <a:extLst>
-                  <a:ext uri="{0D108BD9-81ED-4DB2-BD59-A6C34878D82A}">
-                    <a16:rowId xmlns:a16="http://schemas.microsoft.com/office/drawing/2014/main" val="952767304"/>
-                  </a:ext>
-                </a:extLst>
-              </a:tr>
-              <a:tr h="370840">
-                <a:tc>
-                  <a:txBody>
-                    <a:bodyPr/>
-                    <a:lstStyle/>
-                    <a:p>
-                      <a:pPr algn="ctr"/>
-                      <a:r>
-                        <a:rPr lang="fr-FR" b="1" dirty="0" err="1"/>
-                        <a:t>Ens</a:t>
-                      </a:r>
-                      <a:r>
-                        <a:rPr lang="fr-FR" b="1" dirty="0"/>
-                        <a:t>.</a:t>
-                      </a:r>
-                    </a:p>
-                  </a:txBody>
-                  <a:tcPr/>
-                </a:tc>
-                <a:tc>
-                  <a:txBody>
-                    <a:bodyPr/>
-                    <a:lstStyle/>
-                    <a:p>
-                      <a:pPr algn="ctr" fontAlgn="base"/>
-                      <a:r>
-                        <a:rPr lang="fr-FR" b="1" dirty="0">
-                          <a:solidFill>
-                            <a:srgbClr val="3D4449"/>
-                          </a:solidFill>
-                          <a:effectLst/>
-                          <a:latin typeface="inherit"/>
-                        </a:rPr>
-                        <a:t>7.1 %</a:t>
-                      </a:r>
-                      <a:endParaRPr lang="fr-FR" dirty="0">
-                        <a:effectLst/>
-                      </a:endParaRPr>
-                    </a:p>
-                  </a:txBody>
-                  <a:tcPr anchor="ctr"/>
-                </a:tc>
-                <a:tc>
-                  <a:txBody>
-                    <a:bodyPr/>
-                    <a:lstStyle/>
-                    <a:p>
-                      <a:pPr algn="ctr" fontAlgn="base"/>
-                      <a:r>
-                        <a:rPr lang="fr-FR" b="1" dirty="0">
-                          <a:solidFill>
-                            <a:srgbClr val="443597"/>
-                          </a:solidFill>
-                          <a:effectLst/>
-                          <a:latin typeface="inherit"/>
-                        </a:rPr>
-                        <a:t>92.9 %</a:t>
-                      </a:r>
-                      <a:endParaRPr lang="fr-FR" dirty="0">
-                        <a:effectLst/>
-                      </a:endParaRPr>
-                    </a:p>
-                  </a:txBody>
-                  <a:tcPr anchor="ctr"/>
-                </a:tc>
-                <a:tc>
-                  <a:txBody>
-                    <a:bodyPr/>
-                    <a:lstStyle/>
-                    <a:p>
-                      <a:pPr algn="ctr" fontAlgn="base"/>
-                      <a:r>
-                        <a:rPr lang="fr-FR" sz="1200" b="1" dirty="0">
-                          <a:solidFill>
-                            <a:srgbClr val="376E8B"/>
-                          </a:solidFill>
-                          <a:effectLst/>
-                          <a:latin typeface="inherit"/>
-                        </a:rPr>
-                        <a:t>159</a:t>
-                      </a:r>
-                      <a:endParaRPr lang="fr-FR" sz="1200" dirty="0">
-                        <a:effectLst/>
-                      </a:endParaRPr>
-                    </a:p>
-                  </a:txBody>
-                  <a:tcPr anchor="ctr"/>
-                </a:tc>
-                <a:tc>
-                  <a:txBody>
-                    <a:bodyPr/>
-                    <a:lstStyle/>
-                    <a:p>
-                      <a:pPr algn="ctr" fontAlgn="base"/>
-                      <a:r>
-                        <a:rPr lang="fr-FR" b="1" dirty="0">
-                          <a:solidFill>
-                            <a:srgbClr val="3D4449"/>
-                          </a:solidFill>
-                          <a:effectLst/>
-                          <a:latin typeface="inherit"/>
-                        </a:rPr>
-                        <a:t>7.1 %</a:t>
-                      </a:r>
-                      <a:endParaRPr lang="fr-FR" dirty="0">
-                        <a:effectLst/>
-                      </a:endParaRPr>
-                    </a:p>
-                  </a:txBody>
-                  <a:tcPr anchor="ctr"/>
-                </a:tc>
-                <a:tc>
-                  <a:txBody>
-                    <a:bodyPr/>
-                    <a:lstStyle/>
-                    <a:p>
-                      <a:pPr algn="ctr" fontAlgn="base"/>
-                      <a:r>
-                        <a:rPr lang="fr-FR" b="1" dirty="0">
-                          <a:solidFill>
-                            <a:srgbClr val="443597"/>
-                          </a:solidFill>
-                          <a:effectLst/>
-                          <a:latin typeface="inherit"/>
-                        </a:rPr>
-                        <a:t>92.9 %</a:t>
-                      </a:r>
-                      <a:endParaRPr lang="fr-FR" dirty="0">
-                        <a:effectLst/>
-                      </a:endParaRPr>
-                    </a:p>
-                  </a:txBody>
-                  <a:tcPr anchor="ctr"/>
-                </a:tc>
-                <a:tc>
-                  <a:txBody>
-                    <a:bodyPr/>
-                    <a:lstStyle/>
-                    <a:p>
-                      <a:pPr algn="ctr" fontAlgn="base"/>
-                      <a:r>
-                        <a:rPr lang="fr-FR" sz="1200" b="1" dirty="0">
-                          <a:solidFill>
-                            <a:srgbClr val="376E8B"/>
-                          </a:solidFill>
-                          <a:effectLst/>
-                          <a:latin typeface="inherit"/>
-                        </a:rPr>
-                        <a:t>113</a:t>
-                      </a:r>
-                      <a:endParaRPr lang="fr-FR" sz="1200" dirty="0">
-                        <a:effectLst/>
-                      </a:endParaRPr>
-                    </a:p>
-                  </a:txBody>
-                  <a:tcPr anchor="ctr"/>
-                </a:tc>
-                <a:extLst>
-                  <a:ext uri="{0D108BD9-81ED-4DB2-BD59-A6C34878D82A}">
-                    <a16:rowId xmlns:a16="http://schemas.microsoft.com/office/drawing/2014/main" val="809898311"/>
-                  </a:ext>
-                </a:extLst>
-              </a:tr>
-              <a:tr h="370840">
-                <a:tc>
-                  <a:txBody>
-                    <a:bodyPr/>
-                    <a:lstStyle/>
-                    <a:p>
-                      <a:pPr algn="ctr"/>
-                      <a:r>
-                        <a:rPr lang="fr-FR" sz="1600" dirty="0">
-                          <a:solidFill>
-                            <a:schemeClr val="bg1"/>
-                          </a:solidFill>
-                        </a:rPr>
-                        <a:t>Pal.</a:t>
-                      </a:r>
-                    </a:p>
-                  </a:txBody>
-                  <a:tcPr>
-                    <a:solidFill>
-                      <a:schemeClr val="accent6">
-                        <a:lumMod val="40000"/>
-                        <a:lumOff val="60000"/>
-                      </a:schemeClr>
-                    </a:solidFill>
-                  </a:tcPr>
-                </a:tc>
-                <a:tc>
-                  <a:txBody>
-                    <a:bodyPr/>
-                    <a:lstStyle/>
-                    <a:p>
-                      <a:pPr algn="ctr" fontAlgn="base"/>
-                      <a:r>
-                        <a:rPr lang="fr-FR" sz="1400" dirty="0">
-                          <a:solidFill>
-                            <a:schemeClr val="bg1"/>
-                          </a:solidFill>
-                          <a:effectLst/>
-                        </a:rPr>
-                        <a:t>2.8 %</a:t>
-                      </a:r>
-                    </a:p>
-                  </a:txBody>
-                  <a:tcPr anchor="ctr">
-                    <a:solidFill>
-                      <a:schemeClr val="accent6">
-                        <a:lumMod val="40000"/>
-                        <a:lumOff val="60000"/>
-                      </a:schemeClr>
-                    </a:solidFill>
-                  </a:tcPr>
-                </a:tc>
-                <a:tc>
-                  <a:txBody>
-                    <a:bodyPr/>
-                    <a:lstStyle/>
-                    <a:p>
-                      <a:pPr algn="ctr" fontAlgn="base"/>
-                      <a:r>
-                        <a:rPr lang="fr-FR" sz="1400" dirty="0">
-                          <a:solidFill>
-                            <a:schemeClr val="bg1"/>
-                          </a:solidFill>
-                          <a:effectLst/>
-                        </a:rPr>
-                        <a:t>97.2 %</a:t>
-                      </a:r>
-                    </a:p>
-                  </a:txBody>
-                  <a:tcPr anchor="ctr">
-                    <a:solidFill>
-                      <a:schemeClr val="accent6">
-                        <a:lumMod val="40000"/>
-                        <a:lumOff val="60000"/>
-                      </a:schemeClr>
-                    </a:solidFill>
-                  </a:tcPr>
-                </a:tc>
-                <a:tc>
-                  <a:txBody>
-                    <a:bodyPr/>
-                    <a:lstStyle/>
-                    <a:p>
-                      <a:pPr algn="ctr" fontAlgn="base"/>
-                      <a:r>
-                        <a:rPr lang="fr-FR" sz="1100" dirty="0">
-                          <a:solidFill>
-                            <a:schemeClr val="bg1"/>
-                          </a:solidFill>
-                          <a:effectLst/>
-                        </a:rPr>
-                        <a:t>71</a:t>
-                      </a:r>
-                    </a:p>
-                  </a:txBody>
-                  <a:tcPr anchor="ctr">
-                    <a:solidFill>
-                      <a:schemeClr val="accent6">
-                        <a:lumMod val="40000"/>
-                        <a:lumOff val="60000"/>
-                      </a:schemeClr>
-                    </a:solidFill>
-                  </a:tcPr>
-                </a:tc>
-                <a:tc>
-                  <a:txBody>
-                    <a:bodyPr/>
-                    <a:lstStyle/>
-                    <a:p>
-                      <a:pPr algn="ctr" fontAlgn="base"/>
-                      <a:r>
-                        <a:rPr lang="fr-FR" sz="1400" dirty="0">
-                          <a:solidFill>
-                            <a:schemeClr val="bg1"/>
-                          </a:solidFill>
-                          <a:effectLst/>
-                        </a:rPr>
-                        <a:t>4.3 %</a:t>
-                      </a:r>
-                    </a:p>
-                  </a:txBody>
-                  <a:tcPr anchor="ctr">
-                    <a:solidFill>
-                      <a:schemeClr val="accent6">
-                        <a:lumMod val="40000"/>
-                        <a:lumOff val="60000"/>
-                      </a:schemeClr>
-                    </a:solidFill>
-                  </a:tcPr>
-                </a:tc>
-                <a:tc>
-                  <a:txBody>
-                    <a:bodyPr/>
-                    <a:lstStyle/>
-                    <a:p>
-                      <a:pPr algn="ctr" fontAlgn="base"/>
-                      <a:r>
-                        <a:rPr lang="fr-FR" sz="1400" dirty="0">
-                          <a:solidFill>
-                            <a:schemeClr val="bg1"/>
-                          </a:solidFill>
-                          <a:effectLst/>
-                        </a:rPr>
-                        <a:t>95.7 %</a:t>
-                      </a:r>
-                    </a:p>
-                  </a:txBody>
-                  <a:tcPr anchor="ctr">
-                    <a:solidFill>
-                      <a:schemeClr val="accent6">
-                        <a:lumMod val="40000"/>
-                        <a:lumOff val="60000"/>
-                      </a:schemeClr>
-                    </a:solidFill>
-                  </a:tcPr>
-                </a:tc>
-                <a:tc>
-                  <a:txBody>
-                    <a:bodyPr/>
-                    <a:lstStyle/>
-                    <a:p>
-                      <a:pPr algn="ctr" fontAlgn="base"/>
-                      <a:r>
-                        <a:rPr lang="fr-FR" sz="1100" dirty="0">
-                          <a:solidFill>
-                            <a:schemeClr val="bg1"/>
-                          </a:solidFill>
-                          <a:effectLst/>
-                        </a:rPr>
-                        <a:t>70</a:t>
-                      </a:r>
-                    </a:p>
-                  </a:txBody>
-                  <a:tcPr anchor="ctr">
-                    <a:solidFill>
-                      <a:schemeClr val="accent6">
-                        <a:lumMod val="40000"/>
-                        <a:lumOff val="60000"/>
-                      </a:schemeClr>
-                    </a:solidFill>
-                  </a:tcPr>
-                </a:tc>
-                <a:extLst>
-                  <a:ext uri="{0D108BD9-81ED-4DB2-BD59-A6C34878D82A}">
-                    <a16:rowId xmlns:a16="http://schemas.microsoft.com/office/drawing/2014/main" val="2207166277"/>
-                  </a:ext>
-                </a:extLst>
-              </a:tr>
-              <a:tr h="370840">
-                <a:tc>
-                  <a:txBody>
-                    <a:bodyPr/>
-                    <a:lstStyle/>
-                    <a:p>
-                      <a:pPr algn="ctr"/>
-                      <a:r>
-                        <a:rPr lang="fr-FR" sz="1600" dirty="0" err="1">
-                          <a:solidFill>
-                            <a:schemeClr val="bg1"/>
-                          </a:solidFill>
-                        </a:rPr>
-                        <a:t>Bdx</a:t>
-                      </a:r>
-                      <a:endParaRPr lang="fr-FR" sz="1600" dirty="0">
-                        <a:solidFill>
-                          <a:schemeClr val="bg1"/>
-                        </a:solidFill>
-                      </a:endParaRPr>
-                    </a:p>
-                  </a:txBody>
-                  <a:tcPr>
-                    <a:solidFill>
-                      <a:schemeClr val="accent6">
-                        <a:lumMod val="60000"/>
-                        <a:lumOff val="40000"/>
-                      </a:schemeClr>
-                    </a:solidFill>
-                  </a:tcPr>
-                </a:tc>
-                <a:tc>
-                  <a:txBody>
-                    <a:bodyPr/>
-                    <a:lstStyle/>
-                    <a:p>
-                      <a:pPr algn="ctr" fontAlgn="base"/>
-                      <a:r>
-                        <a:rPr lang="fr-FR" sz="1400" dirty="0">
-                          <a:solidFill>
-                            <a:schemeClr val="bg1"/>
-                          </a:solidFill>
-                          <a:effectLst/>
-                        </a:rPr>
-                        <a:t>9.1 %</a:t>
-                      </a:r>
-                    </a:p>
-                  </a:txBody>
-                  <a:tcPr anchor="ctr">
-                    <a:solidFill>
-                      <a:schemeClr val="accent6">
-                        <a:lumMod val="60000"/>
-                        <a:lumOff val="40000"/>
-                      </a:schemeClr>
-                    </a:solidFill>
-                  </a:tcPr>
-                </a:tc>
-                <a:tc>
-                  <a:txBody>
-                    <a:bodyPr/>
-                    <a:lstStyle/>
-                    <a:p>
-                      <a:pPr algn="ctr" fontAlgn="base"/>
-                      <a:r>
-                        <a:rPr lang="fr-FR" sz="1400" dirty="0">
-                          <a:solidFill>
-                            <a:schemeClr val="bg1"/>
-                          </a:solidFill>
-                          <a:effectLst/>
-                        </a:rPr>
-                        <a:t>90.9 %</a:t>
-                      </a:r>
-                    </a:p>
-                  </a:txBody>
-                  <a:tcPr anchor="ctr">
-                    <a:solidFill>
-                      <a:schemeClr val="accent6">
-                        <a:lumMod val="60000"/>
-                        <a:lumOff val="40000"/>
-                      </a:schemeClr>
-                    </a:solidFill>
-                  </a:tcPr>
-                </a:tc>
-                <a:tc>
-                  <a:txBody>
-                    <a:bodyPr/>
-                    <a:lstStyle/>
-                    <a:p>
-                      <a:pPr algn="ctr" fontAlgn="base"/>
-                      <a:r>
-                        <a:rPr lang="fr-FR" sz="1100" dirty="0">
-                          <a:solidFill>
-                            <a:schemeClr val="bg1"/>
-                          </a:solidFill>
-                          <a:effectLst/>
-                        </a:rPr>
-                        <a:t>22</a:t>
-                      </a:r>
-                    </a:p>
-                  </a:txBody>
-                  <a:tcPr anchor="ctr">
-                    <a:solidFill>
-                      <a:schemeClr val="accent6">
-                        <a:lumMod val="60000"/>
-                        <a:lumOff val="40000"/>
-                      </a:schemeClr>
-                    </a:solidFill>
-                  </a:tcPr>
-                </a:tc>
-                <a:tc>
-                  <a:txBody>
-                    <a:bodyPr/>
-                    <a:lstStyle/>
-                    <a:p>
-                      <a:pPr algn="ctr" fontAlgn="base"/>
-                      <a:r>
-                        <a:rPr lang="fr-FR" sz="1400" dirty="0">
-                          <a:solidFill>
-                            <a:schemeClr val="bg1"/>
-                          </a:solidFill>
-                          <a:effectLst/>
-                        </a:rPr>
-                        <a:t>13.3 %</a:t>
-                      </a:r>
-                    </a:p>
-                  </a:txBody>
-                  <a:tcPr anchor="ctr">
-                    <a:solidFill>
-                      <a:schemeClr val="accent6">
-                        <a:lumMod val="60000"/>
-                        <a:lumOff val="40000"/>
-                      </a:schemeClr>
-                    </a:solidFill>
-                  </a:tcPr>
-                </a:tc>
-                <a:tc>
-                  <a:txBody>
-                    <a:bodyPr/>
-                    <a:lstStyle/>
-                    <a:p>
-                      <a:pPr algn="ctr" fontAlgn="base"/>
-                      <a:r>
-                        <a:rPr lang="fr-FR" sz="1400" dirty="0">
-                          <a:solidFill>
-                            <a:schemeClr val="bg1"/>
-                          </a:solidFill>
-                          <a:effectLst/>
-                        </a:rPr>
-                        <a:t>86.7 %</a:t>
-                      </a:r>
-                    </a:p>
-                  </a:txBody>
-                  <a:tcPr anchor="ctr">
-                    <a:solidFill>
-                      <a:schemeClr val="accent6">
-                        <a:lumMod val="60000"/>
-                        <a:lumOff val="40000"/>
-                      </a:schemeClr>
-                    </a:solidFill>
-                  </a:tcPr>
-                </a:tc>
-                <a:tc>
-                  <a:txBody>
-                    <a:bodyPr/>
-                    <a:lstStyle/>
-                    <a:p>
-                      <a:pPr algn="ctr" fontAlgn="base"/>
-                      <a:r>
-                        <a:rPr lang="fr-FR" sz="1100" dirty="0">
-                          <a:solidFill>
-                            <a:schemeClr val="bg1"/>
-                          </a:solidFill>
-                          <a:effectLst/>
-                        </a:rPr>
-                        <a:t>15</a:t>
-                      </a:r>
-                    </a:p>
-                  </a:txBody>
-                  <a:tcPr anchor="ctr">
-                    <a:solidFill>
-                      <a:schemeClr val="accent6">
-                        <a:lumMod val="60000"/>
-                        <a:lumOff val="40000"/>
-                      </a:schemeClr>
-                    </a:solidFill>
-                  </a:tcPr>
-                </a:tc>
-                <a:extLst>
-                  <a:ext uri="{0D108BD9-81ED-4DB2-BD59-A6C34878D82A}">
-                    <a16:rowId xmlns:a16="http://schemas.microsoft.com/office/drawing/2014/main" val="1083475024"/>
-                  </a:ext>
-                </a:extLst>
-              </a:tr>
-              <a:tr h="370840">
-                <a:tc>
-                  <a:txBody>
-                    <a:bodyPr/>
-                    <a:lstStyle/>
-                    <a:p>
-                      <a:pPr algn="ctr"/>
-                      <a:r>
-                        <a:rPr lang="fr-FR" sz="1600" dirty="0" err="1">
-                          <a:solidFill>
-                            <a:schemeClr val="bg1"/>
-                          </a:solidFill>
-                        </a:rPr>
-                        <a:t>StE</a:t>
-                      </a:r>
-                      <a:endParaRPr lang="fr-FR" sz="1600" dirty="0">
-                        <a:solidFill>
-                          <a:schemeClr val="bg1"/>
-                        </a:solidFill>
-                      </a:endParaRPr>
-                    </a:p>
-                  </a:txBody>
-                  <a:tcPr>
-                    <a:solidFill>
-                      <a:schemeClr val="accent6">
-                        <a:lumMod val="75000"/>
-                      </a:schemeClr>
-                    </a:solidFill>
-                  </a:tcPr>
-                </a:tc>
-                <a:tc>
-                  <a:txBody>
-                    <a:bodyPr/>
-                    <a:lstStyle/>
-                    <a:p>
-                      <a:pPr algn="ctr" fontAlgn="base"/>
-                      <a:r>
-                        <a:rPr lang="fr-FR" sz="1400" dirty="0">
-                          <a:solidFill>
-                            <a:schemeClr val="bg1"/>
-                          </a:solidFill>
-                          <a:effectLst/>
-                        </a:rPr>
-                        <a:t>11.8 %</a:t>
-                      </a:r>
-                    </a:p>
-                  </a:txBody>
-                  <a:tcPr anchor="ctr">
-                    <a:solidFill>
-                      <a:schemeClr val="accent6">
-                        <a:lumMod val="75000"/>
-                      </a:schemeClr>
-                    </a:solidFill>
-                  </a:tcPr>
-                </a:tc>
-                <a:tc>
-                  <a:txBody>
-                    <a:bodyPr/>
-                    <a:lstStyle/>
-                    <a:p>
-                      <a:pPr algn="ctr" fontAlgn="base"/>
-                      <a:r>
-                        <a:rPr lang="fr-FR" sz="1400" dirty="0">
-                          <a:solidFill>
-                            <a:schemeClr val="bg1"/>
-                          </a:solidFill>
-                          <a:effectLst/>
-                        </a:rPr>
-                        <a:t>88.2 %</a:t>
-                      </a:r>
-                    </a:p>
-                  </a:txBody>
-                  <a:tcPr anchor="ctr">
-                    <a:solidFill>
-                      <a:schemeClr val="accent6">
-                        <a:lumMod val="75000"/>
-                      </a:schemeClr>
-                    </a:solidFill>
-                  </a:tcPr>
-                </a:tc>
-                <a:tc>
-                  <a:txBody>
-                    <a:bodyPr/>
-                    <a:lstStyle/>
-                    <a:p>
-                      <a:pPr algn="ctr" fontAlgn="base"/>
-                      <a:r>
-                        <a:rPr lang="fr-FR" sz="1100" dirty="0">
-                          <a:solidFill>
-                            <a:schemeClr val="bg1"/>
-                          </a:solidFill>
-                          <a:effectLst/>
-                        </a:rPr>
-                        <a:t>17</a:t>
-                      </a:r>
-                    </a:p>
-                  </a:txBody>
-                  <a:tcPr anchor="ctr">
-                    <a:solidFill>
-                      <a:schemeClr val="accent6">
-                        <a:lumMod val="75000"/>
-                      </a:schemeClr>
-                    </a:solidFill>
-                  </a:tcPr>
-                </a:tc>
-                <a:tc>
-                  <a:txBody>
-                    <a:bodyPr/>
-                    <a:lstStyle/>
-                    <a:p>
-                      <a:pPr algn="ctr" fontAlgn="base"/>
-                      <a:r>
-                        <a:rPr lang="fr-FR" sz="1400" dirty="0">
-                          <a:solidFill>
-                            <a:schemeClr val="bg1"/>
-                          </a:solidFill>
-                          <a:effectLst/>
-                        </a:rPr>
-                        <a:t>7.7 %</a:t>
-                      </a:r>
-                    </a:p>
-                  </a:txBody>
-                  <a:tcPr anchor="ctr">
-                    <a:solidFill>
-                      <a:schemeClr val="accent6">
-                        <a:lumMod val="75000"/>
-                      </a:schemeClr>
-                    </a:solidFill>
-                  </a:tcPr>
-                </a:tc>
-                <a:tc>
-                  <a:txBody>
-                    <a:bodyPr/>
-                    <a:lstStyle/>
-                    <a:p>
-                      <a:pPr algn="ctr" fontAlgn="base"/>
-                      <a:r>
-                        <a:rPr lang="fr-FR" sz="1400" dirty="0">
-                          <a:solidFill>
-                            <a:schemeClr val="bg1"/>
-                          </a:solidFill>
-                          <a:effectLst/>
-                        </a:rPr>
-                        <a:t>92.3 %</a:t>
-                      </a:r>
-                    </a:p>
-                  </a:txBody>
-                  <a:tcPr anchor="ctr">
-                    <a:solidFill>
-                      <a:schemeClr val="accent6">
-                        <a:lumMod val="75000"/>
-                      </a:schemeClr>
-                    </a:solidFill>
-                  </a:tcPr>
-                </a:tc>
-                <a:tc>
-                  <a:txBody>
-                    <a:bodyPr/>
-                    <a:lstStyle/>
-                    <a:p>
-                      <a:pPr algn="ctr" fontAlgn="base"/>
-                      <a:r>
-                        <a:rPr lang="fr-FR" sz="1100" dirty="0">
-                          <a:solidFill>
-                            <a:schemeClr val="bg1"/>
-                          </a:solidFill>
-                          <a:effectLst/>
-                        </a:rPr>
-                        <a:t>13</a:t>
-                      </a:r>
-                    </a:p>
-                  </a:txBody>
-                  <a:tcPr anchor="ctr">
-                    <a:solidFill>
-                      <a:schemeClr val="accent6">
-                        <a:lumMod val="75000"/>
-                      </a:schemeClr>
-                    </a:solidFill>
-                  </a:tcPr>
-                </a:tc>
-                <a:extLst>
-                  <a:ext uri="{0D108BD9-81ED-4DB2-BD59-A6C34878D82A}">
-                    <a16:rowId xmlns:a16="http://schemas.microsoft.com/office/drawing/2014/main" val="1118240960"/>
-                  </a:ext>
-                </a:extLst>
-              </a:tr>
-              <a:tr h="370840">
-                <a:tc>
-                  <a:txBody>
-                    <a:bodyPr/>
-                    <a:lstStyle/>
-                    <a:p>
-                      <a:pPr algn="ctr"/>
-                      <a:r>
-                        <a:rPr lang="fr-FR" sz="1600" dirty="0"/>
-                        <a:t>Ext</a:t>
-                      </a:r>
-                    </a:p>
-                  </a:txBody>
-                  <a:tcPr/>
-                </a:tc>
-                <a:tc>
-                  <a:txBody>
-                    <a:bodyPr/>
-                    <a:lstStyle/>
-                    <a:p>
-                      <a:pPr algn="ctr" fontAlgn="base"/>
-                      <a:r>
-                        <a:rPr lang="fr-FR" sz="1400" dirty="0">
-                          <a:solidFill>
-                            <a:srgbClr val="3D4449"/>
-                          </a:solidFill>
-                          <a:effectLst/>
-                        </a:rPr>
-                        <a:t>21.4 %</a:t>
-                      </a:r>
-                    </a:p>
-                  </a:txBody>
-                  <a:tcPr anchor="ctr"/>
-                </a:tc>
-                <a:tc>
-                  <a:txBody>
-                    <a:bodyPr/>
-                    <a:lstStyle/>
-                    <a:p>
-                      <a:pPr algn="ctr" fontAlgn="base"/>
-                      <a:r>
-                        <a:rPr lang="fr-FR" sz="1400" dirty="0">
-                          <a:solidFill>
-                            <a:srgbClr val="443597"/>
-                          </a:solidFill>
-                          <a:effectLst/>
-                        </a:rPr>
-                        <a:t>78.6 %</a:t>
-                      </a:r>
-                    </a:p>
-                  </a:txBody>
-                  <a:tcPr anchor="ctr"/>
-                </a:tc>
-                <a:tc>
-                  <a:txBody>
-                    <a:bodyPr/>
-                    <a:lstStyle/>
-                    <a:p>
-                      <a:pPr algn="ctr" fontAlgn="base"/>
-                      <a:r>
-                        <a:rPr lang="fr-FR" sz="1100" dirty="0">
-                          <a:solidFill>
-                            <a:srgbClr val="376E8B"/>
-                          </a:solidFill>
-                          <a:effectLst/>
-                        </a:rPr>
-                        <a:t>14</a:t>
-                      </a:r>
-                    </a:p>
-                  </a:txBody>
-                  <a:tcPr anchor="ctr"/>
-                </a:tc>
-                <a:tc>
-                  <a:txBody>
-                    <a:bodyPr/>
-                    <a:lstStyle/>
-                    <a:p>
-                      <a:pPr algn="ctr" fontAlgn="base"/>
-                      <a:r>
-                        <a:rPr lang="fr-FR" sz="1400" dirty="0">
-                          <a:solidFill>
-                            <a:srgbClr val="3D4449"/>
-                          </a:solidFill>
-                          <a:effectLst/>
-                        </a:rPr>
-                        <a:t>15.4 %</a:t>
-                      </a:r>
-                    </a:p>
-                  </a:txBody>
-                  <a:tcPr anchor="ctr"/>
-                </a:tc>
-                <a:tc>
-                  <a:txBody>
-                    <a:bodyPr/>
-                    <a:lstStyle/>
-                    <a:p>
-                      <a:pPr algn="ctr" fontAlgn="base"/>
-                      <a:r>
-                        <a:rPr lang="fr-FR" sz="1400" dirty="0">
-                          <a:solidFill>
-                            <a:srgbClr val="443597"/>
-                          </a:solidFill>
-                          <a:effectLst/>
-                        </a:rPr>
-                        <a:t>84.6 %</a:t>
-                      </a:r>
-                    </a:p>
-                  </a:txBody>
-                  <a:tcPr anchor="ctr"/>
-                </a:tc>
-                <a:tc>
-                  <a:txBody>
-                    <a:bodyPr/>
-                    <a:lstStyle/>
-                    <a:p>
-                      <a:pPr algn="ctr" fontAlgn="base"/>
-                      <a:r>
-                        <a:rPr lang="fr-FR" sz="1100" dirty="0">
-                          <a:solidFill>
-                            <a:srgbClr val="376E8B"/>
-                          </a:solidFill>
-                          <a:effectLst/>
-                        </a:rPr>
-                        <a:t>13</a:t>
-                      </a:r>
-                    </a:p>
-                  </a:txBody>
-                  <a:tcPr anchor="ctr"/>
-                </a:tc>
-                <a:extLst>
-                  <a:ext uri="{0D108BD9-81ED-4DB2-BD59-A6C34878D82A}">
-                    <a16:rowId xmlns:a16="http://schemas.microsoft.com/office/drawing/2014/main" val="1740952244"/>
-                  </a:ext>
-                </a:extLst>
-              </a:tr>
-            </a:tbl>
-          </a:graphicData>
-        </a:graphic>
-      </p:graphicFrame>
-      <p:sp>
-        <p:nvSpPr>
-          <p:cNvPr id="7" name="ZoneTexte 6">
-            <a:extLst>
-              <a:ext uri="{FF2B5EF4-FFF2-40B4-BE49-F238E27FC236}">
-                <a16:creationId xmlns:a16="http://schemas.microsoft.com/office/drawing/2014/main" id="{6BE8EB4C-9EED-0344-FB71-FC964BFAC7C5}"/>
-              </a:ext>
-            </a:extLst>
-          </p:cNvPr>
-          <p:cNvSpPr txBox="1"/>
-          <p:nvPr/>
-        </p:nvSpPr>
-        <p:spPr>
-          <a:xfrm>
-            <a:off x="5749638" y="2816126"/>
-            <a:ext cx="1427017" cy="338554"/>
-          </a:xfrm>
-          <a:prstGeom prst="rect">
-            <a:avLst/>
-          </a:prstGeom>
-          <a:noFill/>
-        </p:spPr>
-        <p:txBody>
-          <a:bodyPr wrap="square">
-            <a:spAutoFit/>
-          </a:bodyPr>
-          <a:lstStyle/>
-          <a:p>
-            <a:r>
-              <a:rPr lang="fr-FR" b="1" dirty="0">
-                <a:solidFill>
-                  <a:srgbClr val="3D4449"/>
-                </a:solidFill>
-                <a:effectLst/>
-                <a:latin typeface="inherit"/>
-              </a:rPr>
-              <a:t>2020 à 2023 </a:t>
-            </a:r>
-            <a:endParaRPr lang="fr-FR" dirty="0"/>
-          </a:p>
-        </p:txBody>
-      </p:sp>
-      <p:sp>
-        <p:nvSpPr>
-          <p:cNvPr id="8" name="ZoneTexte 7">
-            <a:extLst>
-              <a:ext uri="{FF2B5EF4-FFF2-40B4-BE49-F238E27FC236}">
-                <a16:creationId xmlns:a16="http://schemas.microsoft.com/office/drawing/2014/main" id="{2F218827-BD14-D989-820F-C8E93CE767D2}"/>
-              </a:ext>
-            </a:extLst>
-          </p:cNvPr>
-          <p:cNvSpPr txBox="1"/>
-          <p:nvPr/>
-        </p:nvSpPr>
-        <p:spPr>
-          <a:xfrm>
-            <a:off x="3144983" y="2819192"/>
-            <a:ext cx="1427017" cy="338554"/>
-          </a:xfrm>
-          <a:prstGeom prst="rect">
-            <a:avLst/>
-          </a:prstGeom>
-          <a:noFill/>
-        </p:spPr>
-        <p:txBody>
-          <a:bodyPr wrap="square">
-            <a:spAutoFit/>
-          </a:bodyPr>
-          <a:lstStyle/>
-          <a:p>
-            <a:r>
-              <a:rPr lang="fr-FR" b="1" dirty="0">
-                <a:solidFill>
-                  <a:srgbClr val="3D4449"/>
-                </a:solidFill>
-                <a:effectLst/>
-                <a:latin typeface="inherit"/>
-              </a:rPr>
-              <a:t>2019 à 2022 </a:t>
-            </a:r>
-            <a:endParaRPr lang="fr-FR" dirty="0"/>
-          </a:p>
-        </p:txBody>
-      </p:sp>
-      <p:cxnSp>
-        <p:nvCxnSpPr>
-          <p:cNvPr id="4" name="Connecteur droit 3">
-            <a:extLst>
-              <a:ext uri="{FF2B5EF4-FFF2-40B4-BE49-F238E27FC236}">
-                <a16:creationId xmlns:a16="http://schemas.microsoft.com/office/drawing/2014/main" id="{46A9AF30-4985-7D91-5CC9-A0AF905AF948}"/>
-              </a:ext>
-            </a:extLst>
-          </p:cNvPr>
-          <p:cNvCxnSpPr>
-            <a:cxnSpLocks/>
-          </p:cNvCxnSpPr>
-          <p:nvPr/>
-        </p:nvCxnSpPr>
-        <p:spPr bwMode="auto">
-          <a:xfrm>
-            <a:off x="4997885" y="2816126"/>
-            <a:ext cx="0" cy="2916970"/>
-          </a:xfrm>
-          <a:prstGeom prst="line">
-            <a:avLst/>
-          </a:prstGeom>
-          <a:solidFill>
-            <a:schemeClr val="accent1"/>
-          </a:solidFill>
-          <a:ln w="25400" cap="flat" cmpd="sng" algn="ctr">
-            <a:solidFill>
-              <a:schemeClr val="tx1"/>
-            </a:solidFill>
-            <a:prstDash val="solid"/>
-            <a:round/>
-            <a:headEnd type="none" w="med" len="med"/>
-            <a:tailEnd type="none" w="med" len="med"/>
-          </a:ln>
-          <a:effectLst/>
-          <a:extLst>
-            <a:ext uri="{AF507438-7753-43e0-B8FC-AC1667EBCBE1}">
-              <a14:hiddenEffects xmlns="" xmlns:a14="http://schemas.microsoft.com/office/drawing/2010/main">
-                <a:effectLst>
-                  <a:outerShdw dist="35921" dir="2700000" algn="ctr" rotWithShape="0">
-                    <a:schemeClr val="bg2"/>
-                  </a:outerShdw>
-                </a:effectLst>
-              </a14:hiddenEffects>
-            </a:ext>
-          </a:extLst>
-        </p:spPr>
-      </p:cxnSp>
-      <p:cxnSp>
-        <p:nvCxnSpPr>
-          <p:cNvPr id="6" name="Connecteur droit 5">
-            <a:extLst>
-              <a:ext uri="{FF2B5EF4-FFF2-40B4-BE49-F238E27FC236}">
-                <a16:creationId xmlns:a16="http://schemas.microsoft.com/office/drawing/2014/main" id="{6ABB3F14-C0AF-23BD-13D6-77ADE7A0436C}"/>
-              </a:ext>
-            </a:extLst>
-          </p:cNvPr>
-          <p:cNvCxnSpPr>
-            <a:cxnSpLocks/>
-          </p:cNvCxnSpPr>
-          <p:nvPr/>
-        </p:nvCxnSpPr>
-        <p:spPr bwMode="auto">
-          <a:xfrm>
-            <a:off x="2394559" y="2816126"/>
-            <a:ext cx="0" cy="2916970"/>
-          </a:xfrm>
-          <a:prstGeom prst="line">
-            <a:avLst/>
-          </a:prstGeom>
-          <a:solidFill>
-            <a:schemeClr val="accent1"/>
-          </a:solidFill>
-          <a:ln w="25400" cap="flat" cmpd="sng" algn="ctr">
-            <a:solidFill>
-              <a:schemeClr val="tx1"/>
-            </a:solidFill>
-            <a:prstDash val="solid"/>
-            <a:round/>
-            <a:headEnd type="none" w="med" len="med"/>
-            <a:tailEnd type="none" w="med" len="med"/>
-          </a:ln>
-          <a:effectLst/>
-          <a:extLst>
-            <a:ext uri="{AF507438-7753-43e0-B8FC-AC1667EBCBE1}">
-              <a14:hiddenEffects xmlns="" xmlns:a14="http://schemas.microsoft.com/office/drawing/2010/main">
-                <a:effectLst>
-                  <a:outerShdw dist="35921" dir="2700000" algn="ctr" rotWithShape="0">
-                    <a:schemeClr val="bg2"/>
-                  </a:outerShdw>
-                </a:effectLst>
-              </a14:hiddenEffects>
-            </a:ext>
-          </a:extLst>
-        </p:spPr>
-      </p:cxnSp>
-      <p:cxnSp>
-        <p:nvCxnSpPr>
-          <p:cNvPr id="10" name="Connecteur droit 9">
-            <a:extLst>
-              <a:ext uri="{FF2B5EF4-FFF2-40B4-BE49-F238E27FC236}">
-                <a16:creationId xmlns:a16="http://schemas.microsoft.com/office/drawing/2014/main" id="{FFE9DD70-B863-2E59-BC57-CFDEFEEA5C70}"/>
-              </a:ext>
-            </a:extLst>
-          </p:cNvPr>
-          <p:cNvCxnSpPr>
-            <a:cxnSpLocks/>
-          </p:cNvCxnSpPr>
-          <p:nvPr/>
-        </p:nvCxnSpPr>
-        <p:spPr bwMode="auto">
-          <a:xfrm>
-            <a:off x="7610474" y="2816126"/>
-            <a:ext cx="0" cy="2916970"/>
-          </a:xfrm>
-          <a:prstGeom prst="line">
-            <a:avLst/>
-          </a:prstGeom>
-          <a:solidFill>
-            <a:schemeClr val="accent1"/>
-          </a:solidFill>
-          <a:ln w="25400" cap="flat" cmpd="sng" algn="ctr">
-            <a:solidFill>
-              <a:schemeClr val="tx1"/>
-            </a:solidFill>
-            <a:prstDash val="solid"/>
-            <a:round/>
-            <a:headEnd type="none" w="med" len="med"/>
-            <a:tailEnd type="none" w="med" len="med"/>
-          </a:ln>
-          <a:effectLst/>
-          <a:extLst>
-            <a:ext uri="{AF507438-7753-43e0-B8FC-AC1667EBCBE1}">
-              <a14:hiddenEffects xmlns="" xmlns:a14="http://schemas.microsoft.com/office/drawing/2010/main">
-                <a:effectLst>
-                  <a:outerShdw dist="35921" dir="2700000" algn="ctr" rotWithShape="0">
-                    <a:schemeClr val="bg2"/>
-                  </a:outerShdw>
-                </a:effectLst>
-              </a14:hiddenEffects>
-            </a:ext>
-          </a:extLst>
-        </p:spPr>
-      </p:cxnSp>
-    </p:spTree>
-    <p:extLst>
-      <p:ext uri="{BB962C8B-B14F-4D97-AF65-F5344CB8AC3E}">
-        <p14:creationId xmlns:p14="http://schemas.microsoft.com/office/powerpoint/2010/main" val="2687869749"/>
       </p:ext>
     </p:extLst>
   </p:cSld>
@@ -11698,6 +13180,242 @@
             </a:pPr>
             <a:r>
               <a:rPr lang="fr-FR" sz="2800" dirty="0"/>
+              <a:t>Enquête CGE / Résumé</a:t>
+            </a:r>
+          </a:p>
+        </p:txBody>
+      </p:sp>
+      <p:sp>
+        <p:nvSpPr>
+          <p:cNvPr id="6147" name="Espace réservé du contenu 2">
+            <a:extLst>
+              <a:ext uri="{FF2B5EF4-FFF2-40B4-BE49-F238E27FC236}">
+                <a16:creationId xmlns:a16="http://schemas.microsoft.com/office/drawing/2014/main" id="{458254A6-099B-4E75-907C-19CA1B94B253}"/>
+              </a:ext>
+            </a:extLst>
+          </p:cNvPr>
+          <p:cNvSpPr>
+            <a:spLocks noGrp="1" noChangeArrowheads="1"/>
+          </p:cNvSpPr>
+          <p:nvPr>
+            <p:ph idx="1"/>
+          </p:nvPr>
+        </p:nvSpPr>
+        <p:spPr>
+          <a:xfrm>
+            <a:off x="447675" y="1600200"/>
+            <a:ext cx="8229600" cy="430779"/>
+          </a:xfrm>
+        </p:spPr>
+        <p:txBody>
+          <a:bodyPr/>
+          <a:lstStyle/>
+          <a:p>
+            <a:r>
+              <a:rPr lang="fr-FR" altLang="fr-FR" sz="2000" b="1" dirty="0">
+                <a:solidFill>
+                  <a:srgbClr val="FF960A"/>
+                </a:solidFill>
+                <a:ea typeface="ＭＳ Ｐゴシック" panose="020B0600070205080204" pitchFamily="34" charset="-128"/>
+              </a:rPr>
+              <a:t>Evolution du taux net d’emploi / Cumul + Sites</a:t>
+            </a:r>
+          </a:p>
+        </p:txBody>
+      </p:sp>
+      <p:pic>
+        <p:nvPicPr>
+          <p:cNvPr id="6148" name="Picture 2" descr="upright=Article à illustrer Organisation">
+            <a:extLst>
+              <a:ext uri="{FF2B5EF4-FFF2-40B4-BE49-F238E27FC236}">
+                <a16:creationId xmlns:a16="http://schemas.microsoft.com/office/drawing/2014/main" id="{105BE698-E40C-4415-A9DF-F8680D1DF607}"/>
+              </a:ext>
+            </a:extLst>
+          </p:cNvPr>
+          <p:cNvPicPr>
+            <a:picLocks noChangeAspect="1" noChangeArrowheads="1"/>
+          </p:cNvPicPr>
+          <p:nvPr/>
+        </p:nvPicPr>
+        <p:blipFill>
+          <a:blip r:embed="rId3">
+            <a:extLst>
+              <a:ext uri="{28A0092B-C50C-407E-A947-70E740481C1C}">
+                <a14:useLocalDpi xmlns:a14="http://schemas.microsoft.com/office/drawing/2010/main" val="0"/>
+              </a:ext>
+            </a:extLst>
+          </a:blip>
+          <a:srcRect/>
+          <a:stretch>
+            <a:fillRect/>
+          </a:stretch>
+        </p:blipFill>
+        <p:spPr bwMode="auto">
+          <a:xfrm>
+            <a:off x="7766050" y="892175"/>
+            <a:ext cx="1157288" cy="384175"/>
+          </a:xfrm>
+          <a:prstGeom prst="rect">
+            <a:avLst/>
+          </a:prstGeom>
+          <a:noFill/>
+          <a:ln>
+            <a:noFill/>
+          </a:ln>
+          <a:extLst>
+            <a:ext uri="{909E8E84-426E-40DD-AFC4-6F175D3DCCD1}">
+              <a14:hiddenFill xmlns:a14="http://schemas.microsoft.com/office/drawing/2010/main">
+                <a:solidFill>
+                  <a:srgbClr val="FFFFFF"/>
+                </a:solidFill>
+              </a14:hiddenFill>
+            </a:ext>
+            <a:ext uri="{91240B29-F687-4F45-9708-019B960494DF}">
+              <a14:hiddenLine xmlns:a14="http://schemas.microsoft.com/office/drawing/2010/main" w="9525">
+                <a:solidFill>
+                  <a:srgbClr val="000000"/>
+                </a:solidFill>
+                <a:miter lim="800000"/>
+                <a:headEnd/>
+                <a:tailEnd/>
+              </a14:hiddenLine>
+            </a:ext>
+          </a:extLst>
+        </p:spPr>
+      </p:pic>
+      <p:sp>
+        <p:nvSpPr>
+          <p:cNvPr id="11" name="ZoneTexte 10">
+            <a:extLst>
+              <a:ext uri="{FF2B5EF4-FFF2-40B4-BE49-F238E27FC236}">
+                <a16:creationId xmlns:a16="http://schemas.microsoft.com/office/drawing/2014/main" id="{D86F9AF5-EA8F-CAD4-2FBE-51F87D18B116}"/>
+              </a:ext>
+            </a:extLst>
+          </p:cNvPr>
+          <p:cNvSpPr txBox="1"/>
+          <p:nvPr/>
+        </p:nvSpPr>
+        <p:spPr>
+          <a:xfrm rot="16200000">
+            <a:off x="-2330100" y="3437334"/>
+            <a:ext cx="4998749" cy="338554"/>
+          </a:xfrm>
+          <a:prstGeom prst="rect">
+            <a:avLst/>
+          </a:prstGeom>
+          <a:solidFill>
+            <a:srgbClr val="EF553B"/>
+          </a:solidFill>
+        </p:spPr>
+        <p:txBody>
+          <a:bodyPr wrap="square" rtlCol="0">
+            <a:spAutoFit/>
+          </a:bodyPr>
+          <a:lstStyle/>
+          <a:p>
+            <a:r>
+              <a:rPr lang="fr-FR" dirty="0">
+                <a:solidFill>
+                  <a:schemeClr val="bg1"/>
+                </a:solidFill>
+              </a:rPr>
+              <a:t>Enquête CGE / Cumul</a:t>
+            </a:r>
+          </a:p>
+        </p:txBody>
+      </p:sp>
+      <p:pic>
+        <p:nvPicPr>
+          <p:cNvPr id="4" name="Image 3" descr="Une image contenant texte, capture d’écran, Tracé, ligne&#10;&#10;Description générée automatiquement">
+            <a:extLst>
+              <a:ext uri="{FF2B5EF4-FFF2-40B4-BE49-F238E27FC236}">
+                <a16:creationId xmlns:a16="http://schemas.microsoft.com/office/drawing/2014/main" id="{6C433406-E59A-DA4E-8E4D-837EC2A5D579}"/>
+              </a:ext>
+            </a:extLst>
+          </p:cNvPr>
+          <p:cNvPicPr>
+            <a:picLocks noChangeAspect="1"/>
+          </p:cNvPicPr>
+          <p:nvPr/>
+        </p:nvPicPr>
+        <p:blipFill>
+          <a:blip r:embed="rId4">
+            <a:extLst>
+              <a:ext uri="{28A0092B-C50C-407E-A947-70E740481C1C}">
+                <a14:useLocalDpi xmlns:a14="http://schemas.microsoft.com/office/drawing/2010/main" val="0"/>
+              </a:ext>
+            </a:extLst>
+          </a:blip>
+          <a:stretch>
+            <a:fillRect/>
+          </a:stretch>
+        </p:blipFill>
+        <p:spPr>
+          <a:xfrm>
+            <a:off x="1582309" y="2030979"/>
+            <a:ext cx="5209360" cy="3948584"/>
+          </a:xfrm>
+          <a:prstGeom prst="rect">
+            <a:avLst/>
+          </a:prstGeom>
+        </p:spPr>
+      </p:pic>
+    </p:spTree>
+    <p:extLst>
+      <p:ext uri="{BB962C8B-B14F-4D97-AF65-F5344CB8AC3E}">
+        <p14:creationId xmlns:p14="http://schemas.microsoft.com/office/powerpoint/2010/main" val="1807710970"/>
+      </p:ext>
+    </p:extLst>
+  </p:cSld>
+  <p:clrMapOvr>
+    <a:masterClrMapping/>
+  </p:clrMapOvr>
+</p:sld>
+</file>
+
+<file path=ppt/slides/slide21.xml><?xml version="1.0" encoding="utf-8"?>
+<p:sld xmlns:a="http://schemas.openxmlformats.org/drawingml/2006/main" xmlns:r="http://schemas.openxmlformats.org/officeDocument/2006/relationships" xmlns:p="http://schemas.openxmlformats.org/presentationml/2006/main">
+  <p:cSld>
+    <p:spTree>
+      <p:nvGrpSpPr>
+        <p:cNvPr id="1" name=""/>
+        <p:cNvGrpSpPr/>
+        <p:nvPr/>
+      </p:nvGrpSpPr>
+      <p:grpSpPr>
+        <a:xfrm>
+          <a:off x="0" y="0"/>
+          <a:ext cx="0" cy="0"/>
+          <a:chOff x="0" y="0"/>
+          <a:chExt cx="0" cy="0"/>
+        </a:xfrm>
+      </p:grpSpPr>
+      <p:sp>
+        <p:nvSpPr>
+          <p:cNvPr id="2" name="Titre 1">
+            <a:extLst>
+              <a:ext uri="{FF2B5EF4-FFF2-40B4-BE49-F238E27FC236}">
+                <a16:creationId xmlns:a16="http://schemas.microsoft.com/office/drawing/2014/main" id="{FAA161D5-927A-49ED-83AF-6D12A66FF712}"/>
+              </a:ext>
+            </a:extLst>
+          </p:cNvPr>
+          <p:cNvSpPr>
+            <a:spLocks noGrp="1"/>
+          </p:cNvSpPr>
+          <p:nvPr>
+            <p:ph type="title"/>
+          </p:nvPr>
+        </p:nvSpPr>
+        <p:spPr/>
+        <p:txBody>
+          <a:bodyPr/>
+          <a:lstStyle/>
+          <a:p>
+            <a:pPr>
+              <a:defRPr/>
+            </a:pPr>
+            <a:r>
+              <a:rPr lang="fr-FR" sz="2800" dirty="0"/>
               <a:t>Enquête CGE / Cumul</a:t>
             </a:r>
           </a:p>
@@ -11747,7 +13465,7 @@
                 </a:solidFill>
                 <a:ea typeface="ＭＳ Ｐゴシック" panose="020B0600070205080204" pitchFamily="34" charset="-128"/>
               </a:rPr>
-              <a:t>Lieu des emplois en France / Sites</a:t>
+              <a:t>Lieu des emplois en France / Filières</a:t>
             </a:r>
           </a:p>
         </p:txBody>
@@ -11935,7 +13653,7 @@
           <p:nvPr>
             <p:extLst>
               <p:ext uri="{D42A27DB-BD31-4B8C-83A1-F6EECF244321}">
-                <p14:modId xmlns:p14="http://schemas.microsoft.com/office/powerpoint/2010/main" val="2261695672"/>
+                <p14:modId xmlns:p14="http://schemas.microsoft.com/office/powerpoint/2010/main" val="1373514323"/>
               </p:ext>
             </p:extLst>
           </p:nvPr>
@@ -12023,8 +13741,12 @@
                     <a:p>
                       <a:pPr algn="ctr"/>
                       <a:r>
+                        <a:rPr lang="fr-FR" sz="1400" dirty="0" err="1"/>
+                        <a:t>Etrang</a:t>
+                      </a:r>
+                      <a:r>
                         <a:rPr lang="fr-FR" sz="1400" dirty="0"/>
-                        <a:t>IDF</a:t>
+                        <a:t>.</a:t>
                       </a:r>
                     </a:p>
                   </a:txBody>
@@ -12037,10 +13759,9 @@
                     <a:p>
                       <a:pPr algn="ctr"/>
                       <a:r>
-                        <a:rPr lang="fr-FR" sz="1400" dirty="0" err="1"/>
-                        <a:t>horsIDF</a:t>
-                      </a:r>
-                      <a:endParaRPr lang="fr-FR" sz="1400" dirty="0"/>
+                        <a:rPr lang="fr-FR" sz="1400" dirty="0"/>
+                        <a:t>France</a:t>
+                      </a:r>
                     </a:p>
                   </a:txBody>
                   <a:tcPr/>
@@ -12066,8 +13787,12 @@
                     <a:p>
                       <a:pPr algn="ctr"/>
                       <a:r>
+                        <a:rPr lang="fr-FR" sz="1400" dirty="0" err="1"/>
+                        <a:t>Etrang</a:t>
+                      </a:r>
+                      <a:r>
                         <a:rPr lang="fr-FR" sz="1400" dirty="0"/>
-                        <a:t>IDF</a:t>
+                        <a:t>.</a:t>
                       </a:r>
                     </a:p>
                   </a:txBody>
@@ -12080,10 +13805,9 @@
                     <a:p>
                       <a:pPr algn="ctr"/>
                       <a:r>
-                        <a:rPr lang="fr-FR" sz="1400" dirty="0" err="1"/>
-                        <a:t>horsIDF</a:t>
-                      </a:r>
-                      <a:endParaRPr lang="fr-FR" sz="1400" dirty="0"/>
+                        <a:rPr lang="fr-FR" sz="1400" dirty="0"/>
+                        <a:t>France</a:t>
+                      </a:r>
                     </a:p>
                   </a:txBody>
                   <a:tcPr/>
@@ -12136,7 +13860,7 @@
                           </a:solidFill>
                           <a:effectLst/>
                         </a:rPr>
-                        <a:t>39.7 %</a:t>
+                        <a:t>9.3 %</a:t>
                       </a:r>
                     </a:p>
                   </a:txBody>
@@ -12155,7 +13879,7 @@
                           </a:solidFill>
                           <a:effectLst/>
                         </a:rPr>
-                        <a:t>60.3 %</a:t>
+                        <a:t>90.7 %</a:t>
                       </a:r>
                     </a:p>
                   </a:txBody>
@@ -12185,7 +13909,7 @@
                           </a:solidFill>
                           <a:effectLst/>
                         </a:rPr>
-                        <a:t>39.0 %</a:t>
+                        <a:t>8.9 %</a:t>
                       </a:r>
                     </a:p>
                   </a:txBody>
@@ -12204,7 +13928,7 @@
                           </a:solidFill>
                           <a:effectLst/>
                         </a:rPr>
-                        <a:t>61.0 %</a:t>
+                        <a:t>91.1 %</a:t>
                       </a:r>
                     </a:p>
                   </a:txBody>
@@ -12260,7 +13984,7 @@
                           <a:effectLst/>
                           <a:latin typeface="inherit"/>
                         </a:rPr>
-                        <a:t>74.4 %</a:t>
+                        <a:t>7.1 %</a:t>
                       </a:r>
                       <a:endParaRPr lang="fr-FR" dirty="0">
                         <a:effectLst/>
@@ -12283,7 +14007,7 @@
                           <a:effectLst/>
                           <a:latin typeface="inherit"/>
                         </a:rPr>
-                        <a:t>25.6 %</a:t>
+                        <a:t>92.9 %</a:t>
                       </a:r>
                       <a:endParaRPr lang="fr-FR" dirty="0">
                         <a:effectLst/>
@@ -12306,7 +14030,7 @@
                           <a:effectLst/>
                           <a:latin typeface="inherit"/>
                         </a:rPr>
-                        <a:t>117</a:t>
+                        <a:t>126</a:t>
                       </a:r>
                       <a:endParaRPr lang="fr-FR" sz="1200" dirty="0">
                         <a:effectLst/>
@@ -12329,7 +14053,7 @@
                           <a:effectLst/>
                           <a:latin typeface="inherit"/>
                         </a:rPr>
-                        <a:t>69.5 %</a:t>
+                        <a:t>7.1 %</a:t>
                       </a:r>
                       <a:endParaRPr lang="fr-FR" dirty="0">
                         <a:effectLst/>
@@ -12352,7 +14076,7 @@
                           <a:effectLst/>
                           <a:latin typeface="inherit"/>
                         </a:rPr>
-                        <a:t>30.5 %</a:t>
+                        <a:t>92.9 %</a:t>
                       </a:r>
                       <a:endParaRPr lang="fr-FR" dirty="0">
                         <a:effectLst/>
@@ -12375,7 +14099,7 @@
                           <a:effectLst/>
                           <a:latin typeface="inherit"/>
                         </a:rPr>
-                        <a:t>105</a:t>
+                        <a:t>113</a:t>
                       </a:r>
                       <a:endParaRPr lang="fr-FR" sz="1200" dirty="0">
                         <a:effectLst/>
@@ -12403,7 +14127,7 @@
                             <a:schemeClr val="bg1"/>
                           </a:solidFill>
                         </a:rPr>
-                        <a:t>Pal.</a:t>
+                        <a:t>FISE</a:t>
                       </a:r>
                     </a:p>
                   </a:txBody>
@@ -12429,7 +14153,7 @@
                           </a:solidFill>
                           <a:effectLst/>
                         </a:rPr>
-                        <a:t>81.2 %</a:t>
+                        <a:t>5.6 %</a:t>
                       </a:r>
                     </a:p>
                   </a:txBody>
@@ -12455,7 +14179,7 @@
                           </a:solidFill>
                           <a:effectLst/>
                         </a:rPr>
-                        <a:t>18.8 %</a:t>
+                        <a:t>94.4 %</a:t>
                       </a:r>
                     </a:p>
                   </a:txBody>
@@ -12481,7 +14205,7 @@
                           </a:solidFill>
                           <a:effectLst/>
                         </a:rPr>
-                        <a:t>69</a:t>
+                        <a:t>71</a:t>
                       </a:r>
                     </a:p>
                   </a:txBody>
@@ -12507,7 +14231,7 @@
                           </a:solidFill>
                           <a:effectLst/>
                         </a:rPr>
-                        <a:t>74.6 %</a:t>
+                        <a:t>9.1 %</a:t>
                       </a:r>
                     </a:p>
                   </a:txBody>
@@ -12533,7 +14257,7 @@
                           </a:solidFill>
                           <a:effectLst/>
                         </a:rPr>
-                        <a:t>25.4 %</a:t>
+                        <a:t>90.9 %</a:t>
                       </a:r>
                     </a:p>
                   </a:txBody>
@@ -12559,7 +14283,7 @@
                           </a:solidFill>
                           <a:effectLst/>
                         </a:rPr>
-                        <a:t>67</a:t>
+                        <a:t>66</a:t>
                       </a:r>
                     </a:p>
                   </a:txBody>
@@ -12586,18 +14310,13 @@
                     <a:p>
                       <a:pPr algn="ctr"/>
                       <a:r>
-                        <a:rPr lang="fr-FR" sz="1600" dirty="0" err="1">
+                        <a:rPr lang="fr-FR" sz="1600" dirty="0">
                           <a:solidFill>
                             <a:schemeClr val="bg1"/>
                           </a:solidFill>
                         </a:rPr>
-                        <a:t>Bdx</a:t>
-                      </a:r>
-                      <a:endParaRPr lang="fr-FR" sz="1600" dirty="0">
-                        <a:solidFill>
-                          <a:schemeClr val="bg1"/>
-                        </a:solidFill>
-                      </a:endParaRPr>
+                        <a:t>FISA</a:t>
+                      </a:r>
                     </a:p>
                   </a:txBody>
                   <a:tcPr>
@@ -12622,7 +14341,7 @@
                           </a:solidFill>
                           <a:effectLst/>
                         </a:rPr>
-                        <a:t>60.0 %</a:t>
+                        <a:t>0.0 %</a:t>
                       </a:r>
                     </a:p>
                   </a:txBody>
@@ -12648,7 +14367,7 @@
                           </a:solidFill>
                           <a:effectLst/>
                         </a:rPr>
-                        <a:t>40.0 %</a:t>
+                        <a:t>100.0 %</a:t>
                       </a:r>
                     </a:p>
                   </a:txBody>
@@ -12674,7 +14393,7 @@
                           </a:solidFill>
                           <a:effectLst/>
                         </a:rPr>
-                        <a:t>20</a:t>
+                        <a:t>29</a:t>
                       </a:r>
                     </a:p>
                   </a:txBody>
@@ -12700,7 +14419,7 @@
                           </a:solidFill>
                           <a:effectLst/>
                         </a:rPr>
-                        <a:t>61.5 %</a:t>
+                        <a:t>0.0 %</a:t>
                       </a:r>
                     </a:p>
                   </a:txBody>
@@ -12726,7 +14445,7 @@
                           </a:solidFill>
                           <a:effectLst/>
                         </a:rPr>
-                        <a:t>38.5 %</a:t>
+                        <a:t>100 %</a:t>
                       </a:r>
                     </a:p>
                   </a:txBody>
@@ -12752,7 +14471,7 @@
                           </a:solidFill>
                           <a:effectLst/>
                         </a:rPr>
-                        <a:t>13</a:t>
+                        <a:t>28</a:t>
                       </a:r>
                     </a:p>
                   </a:txBody>
@@ -12779,12 +14498,20 @@
                     <a:p>
                       <a:pPr algn="ctr"/>
                       <a:r>
+                        <a:rPr lang="fr-FR" sz="1600" dirty="0">
+                          <a:solidFill>
+                            <a:schemeClr val="bg1"/>
+                          </a:solidFill>
+                        </a:rPr>
+                        <a:t>Do </a:t>
+                      </a:r>
+                      <a:r>
                         <a:rPr lang="fr-FR" sz="1600" dirty="0" err="1">
                           <a:solidFill>
                             <a:schemeClr val="bg1"/>
                           </a:solidFill>
                         </a:rPr>
-                        <a:t>StE</a:t>
+                        <a:t>Dip</a:t>
                       </a:r>
                       <a:endParaRPr lang="fr-FR" sz="1600" dirty="0">
                         <a:solidFill>
@@ -12814,7 +14541,7 @@
                           </a:solidFill>
                           <a:effectLst/>
                         </a:rPr>
-                        <a:t>60.0 %</a:t>
+                        <a:t>19.2 %</a:t>
                       </a:r>
                     </a:p>
                   </a:txBody>
@@ -12839,7 +14566,7 @@
                           </a:solidFill>
                           <a:effectLst/>
                         </a:rPr>
-                        <a:t>40.0 %</a:t>
+                        <a:t>80.8 %</a:t>
                       </a:r>
                     </a:p>
                   </a:txBody>
@@ -12864,7 +14591,7 @@
                           </a:solidFill>
                           <a:effectLst/>
                         </a:rPr>
-                        <a:t>15</a:t>
+                        <a:t>26</a:t>
                       </a:r>
                     </a:p>
                   </a:txBody>
@@ -12889,7 +14616,7 @@
                           </a:solidFill>
                           <a:effectLst/>
                         </a:rPr>
-                        <a:t>41.7 %</a:t>
+                        <a:t>10.5 %</a:t>
                       </a:r>
                     </a:p>
                   </a:txBody>
@@ -12914,7 +14641,7 @@
                           </a:solidFill>
                           <a:effectLst/>
                         </a:rPr>
-                        <a:t>58.3 %</a:t>
+                        <a:t>89.5 %</a:t>
                       </a:r>
                     </a:p>
                   </a:txBody>
@@ -12939,7 +14666,7 @@
                           </a:solidFill>
                           <a:effectLst/>
                         </a:rPr>
-                        <a:t>12</a:t>
+                        <a:t>19</a:t>
                       </a:r>
                     </a:p>
                   </a:txBody>
@@ -12964,10 +14691,7 @@
                     <a:lstStyle/>
                     <a:p>
                       <a:pPr algn="ctr"/>
-                      <a:r>
-                        <a:rPr lang="fr-FR" sz="1600" dirty="0"/>
-                        <a:t>Ext</a:t>
-                      </a:r>
+                      <a:endParaRPr lang="fr-FR" sz="1600" dirty="0"/>
                     </a:p>
                   </a:txBody>
                   <a:tcPr/>
@@ -12978,15 +14702,12 @@
                     <a:lstStyle/>
                     <a:p>
                       <a:pPr algn="ctr" fontAlgn="base"/>
-                      <a:r>
-                        <a:rPr lang="fr-FR" sz="1400" dirty="0">
-                          <a:solidFill>
-                            <a:srgbClr val="3D4449"/>
-                          </a:solidFill>
-                          <a:effectLst/>
-                        </a:rPr>
-                        <a:t>81.8 %</a:t>
-                      </a:r>
+                      <a:endParaRPr lang="fr-FR" sz="1400" dirty="0">
+                        <a:solidFill>
+                          <a:srgbClr val="3D4449"/>
+                        </a:solidFill>
+                        <a:effectLst/>
+                      </a:endParaRPr>
                     </a:p>
                   </a:txBody>
                   <a:tcPr anchor="ctr"/>
@@ -12997,15 +14718,12 @@
                     <a:lstStyle/>
                     <a:p>
                       <a:pPr algn="ctr" fontAlgn="base"/>
-                      <a:r>
-                        <a:rPr lang="fr-FR" sz="1400" dirty="0">
-                          <a:solidFill>
-                            <a:srgbClr val="443597"/>
-                          </a:solidFill>
-                          <a:effectLst/>
-                        </a:rPr>
-                        <a:t>18.2 %</a:t>
-                      </a:r>
+                      <a:endParaRPr lang="fr-FR" sz="1400" dirty="0">
+                        <a:solidFill>
+                          <a:srgbClr val="443597"/>
+                        </a:solidFill>
+                        <a:effectLst/>
+                      </a:endParaRPr>
                     </a:p>
                   </a:txBody>
                   <a:tcPr anchor="ctr"/>
@@ -13016,15 +14734,12 @@
                     <a:lstStyle/>
                     <a:p>
                       <a:pPr algn="ctr" fontAlgn="base"/>
-                      <a:r>
-                        <a:rPr lang="fr-FR" sz="1100" dirty="0">
-                          <a:solidFill>
-                            <a:srgbClr val="376E8B"/>
-                          </a:solidFill>
-                          <a:effectLst/>
-                        </a:rPr>
-                        <a:t>11</a:t>
-                      </a:r>
+                      <a:endParaRPr lang="fr-FR" sz="1100" dirty="0">
+                        <a:solidFill>
+                          <a:srgbClr val="376E8B"/>
+                        </a:solidFill>
+                        <a:effectLst/>
+                      </a:endParaRPr>
                     </a:p>
                   </a:txBody>
                   <a:tcPr anchor="ctr"/>
@@ -13035,15 +14750,12 @@
                     <a:lstStyle/>
                     <a:p>
                       <a:pPr algn="ctr" fontAlgn="base"/>
-                      <a:r>
-                        <a:rPr lang="fr-FR" sz="1400" dirty="0">
-                          <a:solidFill>
-                            <a:srgbClr val="3D4449"/>
-                          </a:solidFill>
-                          <a:effectLst/>
-                        </a:rPr>
-                        <a:t>81.8 %</a:t>
-                      </a:r>
+                      <a:endParaRPr lang="fr-FR" sz="1400" dirty="0">
+                        <a:solidFill>
+                          <a:srgbClr val="3D4449"/>
+                        </a:solidFill>
+                        <a:effectLst/>
+                      </a:endParaRPr>
                     </a:p>
                   </a:txBody>
                   <a:tcPr anchor="ctr"/>
@@ -13054,15 +14766,12 @@
                     <a:lstStyle/>
                     <a:p>
                       <a:pPr algn="ctr" fontAlgn="base"/>
-                      <a:r>
-                        <a:rPr lang="fr-FR" sz="1400" dirty="0">
-                          <a:solidFill>
-                            <a:srgbClr val="443597"/>
-                          </a:solidFill>
-                          <a:effectLst/>
-                        </a:rPr>
-                        <a:t>18.2 %</a:t>
-                      </a:r>
+                      <a:endParaRPr lang="fr-FR" sz="1400" dirty="0">
+                        <a:solidFill>
+                          <a:srgbClr val="443597"/>
+                        </a:solidFill>
+                        <a:effectLst/>
+                      </a:endParaRPr>
                     </a:p>
                   </a:txBody>
                   <a:tcPr anchor="ctr"/>
@@ -13073,15 +14782,12 @@
                     <a:lstStyle/>
                     <a:p>
                       <a:pPr algn="ctr" fontAlgn="base"/>
-                      <a:r>
-                        <a:rPr lang="fr-FR" sz="1100" dirty="0">
-                          <a:solidFill>
-                            <a:srgbClr val="376E8B"/>
-                          </a:solidFill>
-                          <a:effectLst/>
-                        </a:rPr>
-                        <a:t>11</a:t>
-                      </a:r>
+                      <a:endParaRPr lang="fr-FR" sz="1100" dirty="0">
+                        <a:solidFill>
+                          <a:srgbClr val="376E8B"/>
+                        </a:solidFill>
+                        <a:effectLst/>
+                      </a:endParaRPr>
                     </a:p>
                   </a:txBody>
                   <a:tcPr anchor="ctr"/>
@@ -13327,7 +15033,7 @@
     </p:spTree>
     <p:extLst>
       <p:ext uri="{BB962C8B-B14F-4D97-AF65-F5344CB8AC3E}">
-        <p14:creationId xmlns:p14="http://schemas.microsoft.com/office/powerpoint/2010/main" val="1797431457"/>
+        <p14:creationId xmlns:p14="http://schemas.microsoft.com/office/powerpoint/2010/main" val="1087322179"/>
       </p:ext>
     </p:extLst>
   </p:cSld>
@@ -13337,7 +15043,7 @@
 </p:sld>
 </file>
 
-<file path=ppt/slides/slide21.xml><?xml version="1.0" encoding="utf-8"?>
+<file path=ppt/slides/slide22.xml><?xml version="1.0" encoding="utf-8"?>
 <p:sld xmlns:a="http://schemas.openxmlformats.org/drawingml/2006/main" xmlns:r="http://schemas.openxmlformats.org/officeDocument/2006/relationships" xmlns:p="http://schemas.openxmlformats.org/presentationml/2006/main">
   <p:cSld>
     <p:spTree>
@@ -13617,7 +15323,7 @@
           <p:nvPr>
             <p:extLst>
               <p:ext uri="{D42A27DB-BD31-4B8C-83A1-F6EECF244321}">
-                <p14:modId xmlns:p14="http://schemas.microsoft.com/office/powerpoint/2010/main" val="1373514323"/>
+                <p14:modId xmlns:p14="http://schemas.microsoft.com/office/powerpoint/2010/main" val="3070898718"/>
               </p:ext>
             </p:extLst>
           </p:nvPr>
@@ -13705,27 +15411,24 @@
                     <a:p>
                       <a:pPr algn="ctr"/>
                       <a:r>
+                        <a:rPr lang="fr-FR" sz="1400" dirty="0"/>
+                        <a:t>IDF</a:t>
+                      </a:r>
+                    </a:p>
+                  </a:txBody>
+                  <a:tcPr/>
+                </a:tc>
+                <a:tc>
+                  <a:txBody>
+                    <a:bodyPr/>
+                    <a:lstStyle/>
+                    <a:p>
+                      <a:pPr algn="ctr"/>
+                      <a:r>
                         <a:rPr lang="fr-FR" sz="1400" dirty="0" err="1"/>
-                        <a:t>Etrang</a:t>
-                      </a:r>
-                      <a:r>
-                        <a:rPr lang="fr-FR" sz="1400" dirty="0"/>
-                        <a:t>.</a:t>
-                      </a:r>
-                    </a:p>
-                  </a:txBody>
-                  <a:tcPr/>
-                </a:tc>
-                <a:tc>
-                  <a:txBody>
-                    <a:bodyPr/>
-                    <a:lstStyle/>
-                    <a:p>
-                      <a:pPr algn="ctr"/>
-                      <a:r>
-                        <a:rPr lang="fr-FR" sz="1400" dirty="0"/>
-                        <a:t>France</a:t>
-                      </a:r>
+                        <a:t>horsIDF</a:t>
+                      </a:r>
+                      <a:endParaRPr lang="fr-FR" sz="1400" dirty="0"/>
                     </a:p>
                   </a:txBody>
                   <a:tcPr/>
@@ -13751,27 +15454,24 @@
                     <a:p>
                       <a:pPr algn="ctr"/>
                       <a:r>
+                        <a:rPr lang="fr-FR" sz="1400" dirty="0"/>
+                        <a:t>IDF</a:t>
+                      </a:r>
+                    </a:p>
+                  </a:txBody>
+                  <a:tcPr/>
+                </a:tc>
+                <a:tc>
+                  <a:txBody>
+                    <a:bodyPr/>
+                    <a:lstStyle/>
+                    <a:p>
+                      <a:pPr algn="ctr"/>
+                      <a:r>
                         <a:rPr lang="fr-FR" sz="1400" dirty="0" err="1"/>
-                        <a:t>Etrang</a:t>
-                      </a:r>
-                      <a:r>
-                        <a:rPr lang="fr-FR" sz="1400" dirty="0"/>
-                        <a:t>.</a:t>
-                      </a:r>
-                    </a:p>
-                  </a:txBody>
-                  <a:tcPr/>
-                </a:tc>
-                <a:tc>
-                  <a:txBody>
-                    <a:bodyPr/>
-                    <a:lstStyle/>
-                    <a:p>
-                      <a:pPr algn="ctr"/>
-                      <a:r>
-                        <a:rPr lang="fr-FR" sz="1400" dirty="0"/>
-                        <a:t>France</a:t>
-                      </a:r>
+                        <a:t>horsIDF</a:t>
+                      </a:r>
+                      <a:endParaRPr lang="fr-FR" sz="1400" dirty="0"/>
                     </a:p>
                   </a:txBody>
                   <a:tcPr/>
@@ -13824,7 +15524,7 @@
                           </a:solidFill>
                           <a:effectLst/>
                         </a:rPr>
-                        <a:t>9.3 %</a:t>
+                        <a:t>39.7 %</a:t>
                       </a:r>
                     </a:p>
                   </a:txBody>
@@ -13843,7 +15543,7 @@
                           </a:solidFill>
                           <a:effectLst/>
                         </a:rPr>
-                        <a:t>90.7 %</a:t>
+                        <a:t>60.3 %</a:t>
                       </a:r>
                     </a:p>
                   </a:txBody>
@@ -13873,7 +15573,7 @@
                           </a:solidFill>
                           <a:effectLst/>
                         </a:rPr>
-                        <a:t>8.9 %</a:t>
+                        <a:t>39.0 %</a:t>
                       </a:r>
                     </a:p>
                   </a:txBody>
@@ -13892,7 +15592,7 @@
                           </a:solidFill>
                           <a:effectLst/>
                         </a:rPr>
-                        <a:t>91.1 %</a:t>
+                        <a:t>61.0 %</a:t>
                       </a:r>
                     </a:p>
                   </a:txBody>
@@ -13948,7 +15648,7 @@
                           <a:effectLst/>
                           <a:latin typeface="inherit"/>
                         </a:rPr>
-                        <a:t>7.1 %</a:t>
+                        <a:t>74.4 %</a:t>
                       </a:r>
                       <a:endParaRPr lang="fr-FR" dirty="0">
                         <a:effectLst/>
@@ -13971,7 +15671,7 @@
                           <a:effectLst/>
                           <a:latin typeface="inherit"/>
                         </a:rPr>
-                        <a:t>92.9 %</a:t>
+                        <a:t>25.6 %</a:t>
                       </a:r>
                       <a:endParaRPr lang="fr-FR" dirty="0">
                         <a:effectLst/>
@@ -13994,7 +15694,7 @@
                           <a:effectLst/>
                           <a:latin typeface="inherit"/>
                         </a:rPr>
-                        <a:t>126</a:t>
+                        <a:t>117</a:t>
                       </a:r>
                       <a:endParaRPr lang="fr-FR" sz="1200" dirty="0">
                         <a:effectLst/>
@@ -14017,7 +15717,7 @@
                           <a:effectLst/>
                           <a:latin typeface="inherit"/>
                         </a:rPr>
-                        <a:t>7.1 %</a:t>
+                        <a:t>69.5 %</a:t>
                       </a:r>
                       <a:endParaRPr lang="fr-FR" dirty="0">
                         <a:effectLst/>
@@ -14040,7 +15740,7 @@
                           <a:effectLst/>
                           <a:latin typeface="inherit"/>
                         </a:rPr>
-                        <a:t>92.9 %</a:t>
+                        <a:t>30.5 %</a:t>
                       </a:r>
                       <a:endParaRPr lang="fr-FR" dirty="0">
                         <a:effectLst/>
@@ -14063,7 +15763,7 @@
                           <a:effectLst/>
                           <a:latin typeface="inherit"/>
                         </a:rPr>
-                        <a:t>113</a:t>
+                        <a:t>105</a:t>
                       </a:r>
                       <a:endParaRPr lang="fr-FR" sz="1200" dirty="0">
                         <a:effectLst/>
@@ -14117,7 +15817,7 @@
                           </a:solidFill>
                           <a:effectLst/>
                         </a:rPr>
-                        <a:t>5.6 %</a:t>
+                        <a:t>79.1 %</a:t>
                       </a:r>
                     </a:p>
                   </a:txBody>
@@ -14143,7 +15843,7 @@
                           </a:solidFill>
                           <a:effectLst/>
                         </a:rPr>
-                        <a:t>94.4 %</a:t>
+                        <a:t>20.9 %</a:t>
                       </a:r>
                     </a:p>
                   </a:txBody>
@@ -14169,7 +15869,7 @@
                           </a:solidFill>
                           <a:effectLst/>
                         </a:rPr>
-                        <a:t>71</a:t>
+                        <a:t>67</a:t>
                       </a:r>
                     </a:p>
                   </a:txBody>
@@ -14195,7 +15895,7 @@
                           </a:solidFill>
                           <a:effectLst/>
                         </a:rPr>
-                        <a:t>9.1 %</a:t>
+                        <a:t>75.0 %</a:t>
                       </a:r>
                     </a:p>
                   </a:txBody>
@@ -14221,7 +15921,7 @@
                           </a:solidFill>
                           <a:effectLst/>
                         </a:rPr>
-                        <a:t>90.9 %</a:t>
+                        <a:t>25.0 %</a:t>
                       </a:r>
                     </a:p>
                   </a:txBody>
@@ -14247,7 +15947,7 @@
                           </a:solidFill>
                           <a:effectLst/>
                         </a:rPr>
-                        <a:t>66</a:t>
+                        <a:t>60</a:t>
                       </a:r>
                     </a:p>
                   </a:txBody>
@@ -14305,7 +16005,7 @@
                           </a:solidFill>
                           <a:effectLst/>
                         </a:rPr>
-                        <a:t>0.0 %</a:t>
+                        <a:t>55.2 %</a:t>
                       </a:r>
                     </a:p>
                   </a:txBody>
@@ -14331,7 +16031,7 @@
                           </a:solidFill>
                           <a:effectLst/>
                         </a:rPr>
-                        <a:t>100.0 %</a:t>
+                        <a:t>44.8 %</a:t>
                       </a:r>
                     </a:p>
                   </a:txBody>
@@ -14383,7 +16083,7 @@
                           </a:solidFill>
                           <a:effectLst/>
                         </a:rPr>
-                        <a:t>0.0 %</a:t>
+                        <a:t>53.6 %</a:t>
                       </a:r>
                     </a:p>
                   </a:txBody>
@@ -14409,7 +16109,7 @@
                           </a:solidFill>
                           <a:effectLst/>
                         </a:rPr>
-                        <a:t>100 %</a:t>
+                        <a:t>46.4 %</a:t>
                       </a:r>
                     </a:p>
                   </a:txBody>
@@ -14505,7 +16205,7 @@
                           </a:solidFill>
                           <a:effectLst/>
                         </a:rPr>
-                        <a:t>19.2 %</a:t>
+                        <a:t>85.7 %</a:t>
                       </a:r>
                     </a:p>
                   </a:txBody>
@@ -14530,7 +16230,7 @@
                           </a:solidFill>
                           <a:effectLst/>
                         </a:rPr>
-                        <a:t>80.8 %</a:t>
+                        <a:t>14.3 %</a:t>
                       </a:r>
                     </a:p>
                   </a:txBody>
@@ -14555,7 +16255,7 @@
                           </a:solidFill>
                           <a:effectLst/>
                         </a:rPr>
-                        <a:t>26</a:t>
+                        <a:t>21</a:t>
                       </a:r>
                     </a:p>
                   </a:txBody>
@@ -14580,7 +16280,7 @@
                           </a:solidFill>
                           <a:effectLst/>
                         </a:rPr>
-                        <a:t>10.5 %</a:t>
+                        <a:t>76.5 %</a:t>
                       </a:r>
                     </a:p>
                   </a:txBody>
@@ -14605,7 +16305,7 @@
                           </a:solidFill>
                           <a:effectLst/>
                         </a:rPr>
-                        <a:t>89.5 %</a:t>
+                        <a:t>23.5 %</a:t>
                       </a:r>
                     </a:p>
                   </a:txBody>
@@ -14630,7 +16330,7 @@
                           </a:solidFill>
                           <a:effectLst/>
                         </a:rPr>
-                        <a:t>19</a:t>
+                        <a:t>17</a:t>
                       </a:r>
                     </a:p>
                   </a:txBody>
@@ -14997,1670 +16697,6 @@
     </p:spTree>
     <p:extLst>
       <p:ext uri="{BB962C8B-B14F-4D97-AF65-F5344CB8AC3E}">
-        <p14:creationId xmlns:p14="http://schemas.microsoft.com/office/powerpoint/2010/main" val="1087322179"/>
-      </p:ext>
-    </p:extLst>
-  </p:cSld>
-  <p:clrMapOvr>
-    <a:masterClrMapping/>
-  </p:clrMapOvr>
-</p:sld>
-</file>
-
-<file path=ppt/slides/slide22.xml><?xml version="1.0" encoding="utf-8"?>
-<p:sld xmlns:a="http://schemas.openxmlformats.org/drawingml/2006/main" xmlns:r="http://schemas.openxmlformats.org/officeDocument/2006/relationships" xmlns:p="http://schemas.openxmlformats.org/presentationml/2006/main">
-  <p:cSld>
-    <p:spTree>
-      <p:nvGrpSpPr>
-        <p:cNvPr id="1" name=""/>
-        <p:cNvGrpSpPr/>
-        <p:nvPr/>
-      </p:nvGrpSpPr>
-      <p:grpSpPr>
-        <a:xfrm>
-          <a:off x="0" y="0"/>
-          <a:ext cx="0" cy="0"/>
-          <a:chOff x="0" y="0"/>
-          <a:chExt cx="0" cy="0"/>
-        </a:xfrm>
-      </p:grpSpPr>
-      <p:sp>
-        <p:nvSpPr>
-          <p:cNvPr id="2" name="Titre 1">
-            <a:extLst>
-              <a:ext uri="{FF2B5EF4-FFF2-40B4-BE49-F238E27FC236}">
-                <a16:creationId xmlns:a16="http://schemas.microsoft.com/office/drawing/2014/main" id="{FAA161D5-927A-49ED-83AF-6D12A66FF712}"/>
-              </a:ext>
-            </a:extLst>
-          </p:cNvPr>
-          <p:cNvSpPr>
-            <a:spLocks noGrp="1"/>
-          </p:cNvSpPr>
-          <p:nvPr>
-            <p:ph type="title"/>
-          </p:nvPr>
-        </p:nvSpPr>
-        <p:spPr/>
-        <p:txBody>
-          <a:bodyPr/>
-          <a:lstStyle/>
-          <a:p>
-            <a:pPr>
-              <a:defRPr/>
-            </a:pPr>
-            <a:r>
-              <a:rPr lang="fr-FR" sz="2800" dirty="0"/>
-              <a:t>Enquête CGE / Cumul</a:t>
-            </a:r>
-          </a:p>
-        </p:txBody>
-      </p:sp>
-      <p:sp>
-        <p:nvSpPr>
-          <p:cNvPr id="6147" name="Espace réservé du contenu 2">
-            <a:extLst>
-              <a:ext uri="{FF2B5EF4-FFF2-40B4-BE49-F238E27FC236}">
-                <a16:creationId xmlns:a16="http://schemas.microsoft.com/office/drawing/2014/main" id="{458254A6-099B-4E75-907C-19CA1B94B253}"/>
-              </a:ext>
-            </a:extLst>
-          </p:cNvPr>
-          <p:cNvSpPr>
-            <a:spLocks noGrp="1" noChangeArrowheads="1"/>
-          </p:cNvSpPr>
-          <p:nvPr>
-            <p:ph idx="1"/>
-          </p:nvPr>
-        </p:nvSpPr>
-        <p:spPr>
-          <a:xfrm>
-            <a:off x="447675" y="1600200"/>
-            <a:ext cx="8229600" cy="1554480"/>
-          </a:xfrm>
-        </p:spPr>
-        <p:txBody>
-          <a:bodyPr/>
-          <a:lstStyle/>
-          <a:p>
-            <a:r>
-              <a:rPr lang="fr-FR" altLang="fr-FR" sz="2000" b="1" dirty="0">
-                <a:solidFill>
-                  <a:srgbClr val="EF553B"/>
-                </a:solidFill>
-                <a:ea typeface="ＭＳ Ｐゴシック" panose="020B0600070205080204" pitchFamily="34" charset="-128"/>
-              </a:rPr>
-              <a:t>Cumul de 2019 à 2022 / 2020 à 2023</a:t>
-            </a:r>
-          </a:p>
-          <a:p>
-            <a:r>
-              <a:rPr lang="fr-FR" altLang="fr-FR" sz="2000" b="1" dirty="0">
-                <a:solidFill>
-                  <a:srgbClr val="EF553B"/>
-                </a:solidFill>
-                <a:ea typeface="ＭＳ Ｐゴシック" panose="020B0600070205080204" pitchFamily="34" charset="-128"/>
-              </a:rPr>
-              <a:t>Lieu des emplois en France / Filières</a:t>
-            </a:r>
-          </a:p>
-        </p:txBody>
-      </p:sp>
-      <p:pic>
-        <p:nvPicPr>
-          <p:cNvPr id="6148" name="Picture 2" descr="upright=Article à illustrer Organisation">
-            <a:extLst>
-              <a:ext uri="{FF2B5EF4-FFF2-40B4-BE49-F238E27FC236}">
-                <a16:creationId xmlns:a16="http://schemas.microsoft.com/office/drawing/2014/main" id="{105BE698-E40C-4415-A9DF-F8680D1DF607}"/>
-              </a:ext>
-            </a:extLst>
-          </p:cNvPr>
-          <p:cNvPicPr>
-            <a:picLocks noChangeAspect="1" noChangeArrowheads="1"/>
-          </p:cNvPicPr>
-          <p:nvPr/>
-        </p:nvPicPr>
-        <p:blipFill>
-          <a:blip r:embed="rId2">
-            <a:extLst>
-              <a:ext uri="{28A0092B-C50C-407E-A947-70E740481C1C}">
-                <a14:useLocalDpi xmlns:a14="http://schemas.microsoft.com/office/drawing/2010/main" val="0"/>
-              </a:ext>
-            </a:extLst>
-          </a:blip>
-          <a:srcRect/>
-          <a:stretch>
-            <a:fillRect/>
-          </a:stretch>
-        </p:blipFill>
-        <p:spPr bwMode="auto">
-          <a:xfrm>
-            <a:off x="7766050" y="892175"/>
-            <a:ext cx="1157288" cy="384175"/>
-          </a:xfrm>
-          <a:prstGeom prst="rect">
-            <a:avLst/>
-          </a:prstGeom>
-          <a:noFill/>
-          <a:ln>
-            <a:noFill/>
-          </a:ln>
-          <a:extLst>
-            <a:ext uri="{909E8E84-426E-40DD-AFC4-6F175D3DCCD1}">
-              <a14:hiddenFill xmlns:a14="http://schemas.microsoft.com/office/drawing/2010/main">
-                <a:solidFill>
-                  <a:srgbClr val="FFFFFF"/>
-                </a:solidFill>
-              </a14:hiddenFill>
-            </a:ext>
-            <a:ext uri="{91240B29-F687-4F45-9708-019B960494DF}">
-              <a14:hiddenLine xmlns:a14="http://schemas.microsoft.com/office/drawing/2010/main" w="9525">
-                <a:solidFill>
-                  <a:srgbClr val="000000"/>
-                </a:solidFill>
-                <a:miter lim="800000"/>
-                <a:headEnd/>
-                <a:tailEnd/>
-              </a14:hiddenLine>
-            </a:ext>
-          </a:extLst>
-        </p:spPr>
-      </p:pic>
-      <p:sp>
-        <p:nvSpPr>
-          <p:cNvPr id="3" name="ZoneTexte 2">
-            <a:extLst>
-              <a:ext uri="{FF2B5EF4-FFF2-40B4-BE49-F238E27FC236}">
-                <a16:creationId xmlns:a16="http://schemas.microsoft.com/office/drawing/2014/main" id="{76C5E635-ACF0-A360-2BA1-1AD1AB1E7A21}"/>
-              </a:ext>
-            </a:extLst>
-          </p:cNvPr>
-          <p:cNvSpPr txBox="1"/>
-          <p:nvPr/>
-        </p:nvSpPr>
-        <p:spPr>
-          <a:xfrm rot="16200000">
-            <a:off x="-2330100" y="3437334"/>
-            <a:ext cx="4998749" cy="338554"/>
-          </a:xfrm>
-          <a:prstGeom prst="rect">
-            <a:avLst/>
-          </a:prstGeom>
-          <a:solidFill>
-            <a:srgbClr val="EF553B"/>
-          </a:solidFill>
-        </p:spPr>
-        <p:txBody>
-          <a:bodyPr wrap="square" rtlCol="0">
-            <a:spAutoFit/>
-          </a:bodyPr>
-          <a:lstStyle/>
-          <a:p>
-            <a:r>
-              <a:rPr lang="fr-FR" dirty="0">
-                <a:solidFill>
-                  <a:schemeClr val="bg1"/>
-                </a:solidFill>
-              </a:rPr>
-              <a:t>Enquête CGE / Cumul</a:t>
-            </a:r>
-          </a:p>
-        </p:txBody>
-      </p:sp>
-      <p:sp>
-        <p:nvSpPr>
-          <p:cNvPr id="9" name="ZoneTexte 8">
-            <a:extLst>
-              <a:ext uri="{FF2B5EF4-FFF2-40B4-BE49-F238E27FC236}">
-                <a16:creationId xmlns:a16="http://schemas.microsoft.com/office/drawing/2014/main" id="{607FEABF-F1C9-7143-AA31-45A4A932AF8A}"/>
-              </a:ext>
-            </a:extLst>
-          </p:cNvPr>
-          <p:cNvSpPr txBox="1"/>
-          <p:nvPr/>
-        </p:nvSpPr>
-        <p:spPr>
-          <a:xfrm>
-            <a:off x="3821018" y="807154"/>
-            <a:ext cx="3720890" cy="600164"/>
-          </a:xfrm>
-          <a:prstGeom prst="rect">
-            <a:avLst/>
-          </a:prstGeom>
-          <a:noFill/>
-        </p:spPr>
-        <p:txBody>
-          <a:bodyPr wrap="none" rtlCol="0">
-            <a:spAutoFit/>
-          </a:bodyPr>
-          <a:lstStyle/>
-          <a:p>
-            <a:r>
-              <a:rPr lang="fr-FR" sz="1100" b="1" dirty="0">
-                <a:solidFill>
-                  <a:srgbClr val="002060"/>
-                </a:solidFill>
-              </a:rPr>
-              <a:t>Comparaison avec résultats nationaux :</a:t>
-            </a:r>
-          </a:p>
-          <a:p>
-            <a:pPr marL="285750" indent="-285750">
-              <a:buFontTx/>
-              <a:buChar char="-"/>
-            </a:pPr>
-            <a:r>
-              <a:rPr lang="fr-FR" sz="1100" dirty="0">
-                <a:solidFill>
-                  <a:srgbClr val="002060"/>
-                </a:solidFill>
-              </a:rPr>
-              <a:t>hypothèse : nombre quasi constant de répondant.es</a:t>
-            </a:r>
-          </a:p>
-          <a:p>
-            <a:pPr marL="285750" indent="-285750">
-              <a:buFontTx/>
-              <a:buChar char="-"/>
-            </a:pPr>
-            <a:r>
-              <a:rPr lang="fr-FR" sz="1100" i="1" dirty="0">
-                <a:solidFill>
-                  <a:srgbClr val="002060"/>
-                </a:solidFill>
-              </a:rPr>
-              <a:t>Calcul : somme des moyennes / nombre années</a:t>
-            </a:r>
-          </a:p>
-        </p:txBody>
-      </p:sp>
-      <p:graphicFrame>
-        <p:nvGraphicFramePr>
-          <p:cNvPr id="5" name="Tableau 4">
-            <a:extLst>
-              <a:ext uri="{FF2B5EF4-FFF2-40B4-BE49-F238E27FC236}">
-                <a16:creationId xmlns:a16="http://schemas.microsoft.com/office/drawing/2014/main" id="{67D5A9BE-B287-0AD5-1BCF-FEC21F1E9A75}"/>
-              </a:ext>
-            </a:extLst>
-          </p:cNvPr>
-          <p:cNvGraphicFramePr>
-            <a:graphicFrameLocks noGrp="1"/>
-          </p:cNvGraphicFramePr>
-          <p:nvPr>
-            <p:extLst>
-              <p:ext uri="{D42A27DB-BD31-4B8C-83A1-F6EECF244321}">
-                <p14:modId xmlns:p14="http://schemas.microsoft.com/office/powerpoint/2010/main" val="3070898718"/>
-              </p:ext>
-            </p:extLst>
-          </p:nvPr>
-        </p:nvGraphicFramePr>
-        <p:xfrm>
-          <a:off x="1514475" y="3137216"/>
-          <a:ext cx="6095999" cy="2595880"/>
-        </p:xfrm>
-        <a:graphic>
-          <a:graphicData uri="http://schemas.openxmlformats.org/drawingml/2006/table">
-            <a:tbl>
-              <a:tblPr firstRow="1" bandRow="1">
-                <a:tableStyleId>{21E4AEA4-8DFA-4A89-87EB-49C32662AFE0}</a:tableStyleId>
-              </a:tblPr>
-              <a:tblGrid>
-                <a:gridCol w="870857">
-                  <a:extLst>
-                    <a:ext uri="{9D8B030D-6E8A-4147-A177-3AD203B41FA5}">
-                      <a16:colId xmlns:a16="http://schemas.microsoft.com/office/drawing/2014/main" val="2053038476"/>
-                    </a:ext>
-                  </a:extLst>
-                </a:gridCol>
-                <a:gridCol w="870857">
-                  <a:extLst>
-                    <a:ext uri="{9D8B030D-6E8A-4147-A177-3AD203B41FA5}">
-                      <a16:colId xmlns:a16="http://schemas.microsoft.com/office/drawing/2014/main" val="3832746835"/>
-                    </a:ext>
-                  </a:extLst>
-                </a:gridCol>
-                <a:gridCol w="870857">
-                  <a:extLst>
-                    <a:ext uri="{9D8B030D-6E8A-4147-A177-3AD203B41FA5}">
-                      <a16:colId xmlns:a16="http://schemas.microsoft.com/office/drawing/2014/main" val="4009216877"/>
-                    </a:ext>
-                  </a:extLst>
-                </a:gridCol>
-                <a:gridCol w="870857">
-                  <a:extLst>
-                    <a:ext uri="{9D8B030D-6E8A-4147-A177-3AD203B41FA5}">
-                      <a16:colId xmlns:a16="http://schemas.microsoft.com/office/drawing/2014/main" val="3856658833"/>
-                    </a:ext>
-                  </a:extLst>
-                </a:gridCol>
-                <a:gridCol w="870857">
-                  <a:extLst>
-                    <a:ext uri="{9D8B030D-6E8A-4147-A177-3AD203B41FA5}">
-                      <a16:colId xmlns:a16="http://schemas.microsoft.com/office/drawing/2014/main" val="1457748498"/>
-                    </a:ext>
-                  </a:extLst>
-                </a:gridCol>
-                <a:gridCol w="870857">
-                  <a:extLst>
-                    <a:ext uri="{9D8B030D-6E8A-4147-A177-3AD203B41FA5}">
-                      <a16:colId xmlns:a16="http://schemas.microsoft.com/office/drawing/2014/main" val="3308663209"/>
-                    </a:ext>
-                  </a:extLst>
-                </a:gridCol>
-                <a:gridCol w="870857">
-                  <a:extLst>
-                    <a:ext uri="{9D8B030D-6E8A-4147-A177-3AD203B41FA5}">
-                      <a16:colId xmlns:a16="http://schemas.microsoft.com/office/drawing/2014/main" val="2294340571"/>
-                    </a:ext>
-                  </a:extLst>
-                </a:gridCol>
-              </a:tblGrid>
-              <a:tr h="370840">
-                <a:tc>
-                  <a:txBody>
-                    <a:bodyPr/>
-                    <a:lstStyle/>
-                    <a:p>
-                      <a:pPr algn="ctr"/>
-                      <a:r>
-                        <a:rPr lang="fr-FR" sz="1400" dirty="0"/>
-                        <a:t>Sites</a:t>
-                      </a:r>
-                    </a:p>
-                  </a:txBody>
-                  <a:tcPr/>
-                </a:tc>
-                <a:tc>
-                  <a:txBody>
-                    <a:bodyPr/>
-                    <a:lstStyle/>
-                    <a:p>
-                      <a:pPr algn="ctr"/>
-                      <a:r>
-                        <a:rPr lang="fr-FR" sz="1400" dirty="0"/>
-                        <a:t>IDF</a:t>
-                      </a:r>
-                    </a:p>
-                  </a:txBody>
-                  <a:tcPr/>
-                </a:tc>
-                <a:tc>
-                  <a:txBody>
-                    <a:bodyPr/>
-                    <a:lstStyle/>
-                    <a:p>
-                      <a:pPr algn="ctr"/>
-                      <a:r>
-                        <a:rPr lang="fr-FR" sz="1400" dirty="0" err="1"/>
-                        <a:t>horsIDF</a:t>
-                      </a:r>
-                      <a:endParaRPr lang="fr-FR" sz="1400" dirty="0"/>
-                    </a:p>
-                  </a:txBody>
-                  <a:tcPr/>
-                </a:tc>
-                <a:tc>
-                  <a:txBody>
-                    <a:bodyPr/>
-                    <a:lstStyle/>
-                    <a:p>
-                      <a:pPr algn="ctr"/>
-                      <a:r>
-                        <a:rPr lang="fr-FR" sz="1050" dirty="0"/>
-                        <a:t>Nb Rep</a:t>
-                      </a:r>
-                    </a:p>
-                  </a:txBody>
-                  <a:tcPr/>
-                </a:tc>
-                <a:tc>
-                  <a:txBody>
-                    <a:bodyPr/>
-                    <a:lstStyle/>
-                    <a:p>
-                      <a:pPr algn="ctr"/>
-                      <a:r>
-                        <a:rPr lang="fr-FR" sz="1400" dirty="0"/>
-                        <a:t>IDF</a:t>
-                      </a:r>
-                    </a:p>
-                  </a:txBody>
-                  <a:tcPr/>
-                </a:tc>
-                <a:tc>
-                  <a:txBody>
-                    <a:bodyPr/>
-                    <a:lstStyle/>
-                    <a:p>
-                      <a:pPr algn="ctr"/>
-                      <a:r>
-                        <a:rPr lang="fr-FR" sz="1400" dirty="0" err="1"/>
-                        <a:t>horsIDF</a:t>
-                      </a:r>
-                      <a:endParaRPr lang="fr-FR" sz="1400" dirty="0"/>
-                    </a:p>
-                  </a:txBody>
-                  <a:tcPr/>
-                </a:tc>
-                <a:tc>
-                  <a:txBody>
-                    <a:bodyPr/>
-                    <a:lstStyle/>
-                    <a:p>
-                      <a:pPr algn="ctr"/>
-                      <a:r>
-                        <a:rPr lang="fr-FR" sz="1050" dirty="0"/>
-                        <a:t>Nb Rep</a:t>
-                      </a:r>
-                    </a:p>
-                  </a:txBody>
-                  <a:tcPr/>
-                </a:tc>
-                <a:extLst>
-                  <a:ext uri="{0D108BD9-81ED-4DB2-BD59-A6C34878D82A}">
-                    <a16:rowId xmlns:a16="http://schemas.microsoft.com/office/drawing/2014/main" val="3899797023"/>
-                  </a:ext>
-                </a:extLst>
-              </a:tr>
-              <a:tr h="370840">
-                <a:tc>
-                  <a:txBody>
-                    <a:bodyPr/>
-                    <a:lstStyle/>
-                    <a:p>
-                      <a:pPr algn="ctr"/>
-                      <a:r>
-                        <a:rPr lang="fr-FR" sz="1600" dirty="0"/>
-                        <a:t>CGE</a:t>
-                      </a:r>
-                    </a:p>
-                  </a:txBody>
-                  <a:tcPr/>
-                </a:tc>
-                <a:tc>
-                  <a:txBody>
-                    <a:bodyPr/>
-                    <a:lstStyle/>
-                    <a:p>
-                      <a:pPr algn="ctr" fontAlgn="base"/>
-                      <a:r>
-                        <a:rPr lang="fr-FR" sz="1400" dirty="0">
-                          <a:solidFill>
-                            <a:srgbClr val="3D4449"/>
-                          </a:solidFill>
-                          <a:effectLst/>
-                        </a:rPr>
-                        <a:t>39.7 %</a:t>
-                      </a:r>
-                    </a:p>
-                  </a:txBody>
-                  <a:tcPr anchor="ctr"/>
-                </a:tc>
-                <a:tc>
-                  <a:txBody>
-                    <a:bodyPr/>
-                    <a:lstStyle/>
-                    <a:p>
-                      <a:pPr algn="ctr" fontAlgn="base"/>
-                      <a:r>
-                        <a:rPr lang="fr-FR" sz="1400" dirty="0">
-                          <a:solidFill>
-                            <a:srgbClr val="443597"/>
-                          </a:solidFill>
-                          <a:effectLst/>
-                        </a:rPr>
-                        <a:t>60.3 %</a:t>
-                      </a:r>
-                    </a:p>
-                  </a:txBody>
-                  <a:tcPr anchor="ctr"/>
-                </a:tc>
-                <a:tc>
-                  <a:txBody>
-                    <a:bodyPr/>
-                    <a:lstStyle/>
-                    <a:p>
-                      <a:pPr algn="ctr"/>
-                      <a:endParaRPr lang="fr-FR" sz="1400" dirty="0"/>
-                    </a:p>
-                  </a:txBody>
-                  <a:tcPr/>
-                </a:tc>
-                <a:tc>
-                  <a:txBody>
-                    <a:bodyPr/>
-                    <a:lstStyle/>
-                    <a:p>
-                      <a:pPr algn="ctr" fontAlgn="base"/>
-                      <a:r>
-                        <a:rPr lang="fr-FR" sz="1400" dirty="0">
-                          <a:solidFill>
-                            <a:srgbClr val="3D4449"/>
-                          </a:solidFill>
-                          <a:effectLst/>
-                        </a:rPr>
-                        <a:t>39.0 %</a:t>
-                      </a:r>
-                    </a:p>
-                  </a:txBody>
-                  <a:tcPr anchor="ctr"/>
-                </a:tc>
-                <a:tc>
-                  <a:txBody>
-                    <a:bodyPr/>
-                    <a:lstStyle/>
-                    <a:p>
-                      <a:pPr algn="ctr" fontAlgn="base"/>
-                      <a:r>
-                        <a:rPr lang="fr-FR" sz="1400" dirty="0">
-                          <a:solidFill>
-                            <a:srgbClr val="443597"/>
-                          </a:solidFill>
-                          <a:effectLst/>
-                        </a:rPr>
-                        <a:t>61.0 %</a:t>
-                      </a:r>
-                    </a:p>
-                  </a:txBody>
-                  <a:tcPr anchor="ctr"/>
-                </a:tc>
-                <a:tc>
-                  <a:txBody>
-                    <a:bodyPr/>
-                    <a:lstStyle/>
-                    <a:p>
-                      <a:pPr algn="ctr"/>
-                      <a:endParaRPr lang="fr-FR" sz="1100" dirty="0"/>
-                    </a:p>
-                  </a:txBody>
-                  <a:tcPr/>
-                </a:tc>
-                <a:extLst>
-                  <a:ext uri="{0D108BD9-81ED-4DB2-BD59-A6C34878D82A}">
-                    <a16:rowId xmlns:a16="http://schemas.microsoft.com/office/drawing/2014/main" val="952767304"/>
-                  </a:ext>
-                </a:extLst>
-              </a:tr>
-              <a:tr h="370840">
-                <a:tc>
-                  <a:txBody>
-                    <a:bodyPr/>
-                    <a:lstStyle/>
-                    <a:p>
-                      <a:pPr algn="ctr"/>
-                      <a:r>
-                        <a:rPr lang="fr-FR" b="1" dirty="0" err="1"/>
-                        <a:t>Ens</a:t>
-                      </a:r>
-                      <a:r>
-                        <a:rPr lang="fr-FR" b="1" dirty="0"/>
-                        <a:t>.</a:t>
-                      </a:r>
-                    </a:p>
-                  </a:txBody>
-                  <a:tcPr/>
-                </a:tc>
-                <a:tc>
-                  <a:txBody>
-                    <a:bodyPr/>
-                    <a:lstStyle/>
-                    <a:p>
-                      <a:pPr algn="ctr" fontAlgn="base"/>
-                      <a:r>
-                        <a:rPr lang="fr-FR" b="1" dirty="0">
-                          <a:solidFill>
-                            <a:srgbClr val="3D4449"/>
-                          </a:solidFill>
-                          <a:effectLst/>
-                          <a:latin typeface="inherit"/>
-                        </a:rPr>
-                        <a:t>74.4 %</a:t>
-                      </a:r>
-                      <a:endParaRPr lang="fr-FR" dirty="0">
-                        <a:effectLst/>
-                      </a:endParaRPr>
-                    </a:p>
-                  </a:txBody>
-                  <a:tcPr anchor="ctr"/>
-                </a:tc>
-                <a:tc>
-                  <a:txBody>
-                    <a:bodyPr/>
-                    <a:lstStyle/>
-                    <a:p>
-                      <a:pPr algn="ctr" fontAlgn="base"/>
-                      <a:r>
-                        <a:rPr lang="fr-FR" b="1" dirty="0">
-                          <a:solidFill>
-                            <a:srgbClr val="443597"/>
-                          </a:solidFill>
-                          <a:effectLst/>
-                          <a:latin typeface="inherit"/>
-                        </a:rPr>
-                        <a:t>25.6 %</a:t>
-                      </a:r>
-                      <a:endParaRPr lang="fr-FR" dirty="0">
-                        <a:effectLst/>
-                      </a:endParaRPr>
-                    </a:p>
-                  </a:txBody>
-                  <a:tcPr anchor="ctr"/>
-                </a:tc>
-                <a:tc>
-                  <a:txBody>
-                    <a:bodyPr/>
-                    <a:lstStyle/>
-                    <a:p>
-                      <a:pPr algn="ctr" fontAlgn="base"/>
-                      <a:r>
-                        <a:rPr lang="fr-FR" sz="1200" b="1" dirty="0">
-                          <a:solidFill>
-                            <a:srgbClr val="376E8B"/>
-                          </a:solidFill>
-                          <a:effectLst/>
-                          <a:latin typeface="inherit"/>
-                        </a:rPr>
-                        <a:t>117</a:t>
-                      </a:r>
-                      <a:endParaRPr lang="fr-FR" sz="1200" dirty="0">
-                        <a:effectLst/>
-                      </a:endParaRPr>
-                    </a:p>
-                  </a:txBody>
-                  <a:tcPr anchor="ctr"/>
-                </a:tc>
-                <a:tc>
-                  <a:txBody>
-                    <a:bodyPr/>
-                    <a:lstStyle/>
-                    <a:p>
-                      <a:pPr algn="ctr" fontAlgn="base"/>
-                      <a:r>
-                        <a:rPr lang="fr-FR" b="1" dirty="0">
-                          <a:solidFill>
-                            <a:srgbClr val="3D4449"/>
-                          </a:solidFill>
-                          <a:effectLst/>
-                          <a:latin typeface="inherit"/>
-                        </a:rPr>
-                        <a:t>69.5 %</a:t>
-                      </a:r>
-                      <a:endParaRPr lang="fr-FR" dirty="0">
-                        <a:effectLst/>
-                      </a:endParaRPr>
-                    </a:p>
-                  </a:txBody>
-                  <a:tcPr anchor="ctr"/>
-                </a:tc>
-                <a:tc>
-                  <a:txBody>
-                    <a:bodyPr/>
-                    <a:lstStyle/>
-                    <a:p>
-                      <a:pPr algn="ctr" fontAlgn="base"/>
-                      <a:r>
-                        <a:rPr lang="fr-FR" b="1" dirty="0">
-                          <a:solidFill>
-                            <a:srgbClr val="443597"/>
-                          </a:solidFill>
-                          <a:effectLst/>
-                          <a:latin typeface="inherit"/>
-                        </a:rPr>
-                        <a:t>30.5 %</a:t>
-                      </a:r>
-                      <a:endParaRPr lang="fr-FR" dirty="0">
-                        <a:effectLst/>
-                      </a:endParaRPr>
-                    </a:p>
-                  </a:txBody>
-                  <a:tcPr anchor="ctr"/>
-                </a:tc>
-                <a:tc>
-                  <a:txBody>
-                    <a:bodyPr/>
-                    <a:lstStyle/>
-                    <a:p>
-                      <a:pPr algn="ctr" fontAlgn="base"/>
-                      <a:r>
-                        <a:rPr lang="fr-FR" sz="1200" b="1" dirty="0">
-                          <a:solidFill>
-                            <a:srgbClr val="376E8B"/>
-                          </a:solidFill>
-                          <a:effectLst/>
-                          <a:latin typeface="inherit"/>
-                        </a:rPr>
-                        <a:t>105</a:t>
-                      </a:r>
-                      <a:endParaRPr lang="fr-FR" sz="1200" dirty="0">
-                        <a:effectLst/>
-                      </a:endParaRPr>
-                    </a:p>
-                  </a:txBody>
-                  <a:tcPr anchor="ctr"/>
-                </a:tc>
-                <a:extLst>
-                  <a:ext uri="{0D108BD9-81ED-4DB2-BD59-A6C34878D82A}">
-                    <a16:rowId xmlns:a16="http://schemas.microsoft.com/office/drawing/2014/main" val="809898311"/>
-                  </a:ext>
-                </a:extLst>
-              </a:tr>
-              <a:tr h="370840">
-                <a:tc>
-                  <a:txBody>
-                    <a:bodyPr/>
-                    <a:lstStyle/>
-                    <a:p>
-                      <a:pPr algn="ctr"/>
-                      <a:r>
-                        <a:rPr lang="fr-FR" sz="1600" dirty="0">
-                          <a:solidFill>
-                            <a:schemeClr val="bg1"/>
-                          </a:solidFill>
-                        </a:rPr>
-                        <a:t>FISE</a:t>
-                      </a:r>
-                    </a:p>
-                  </a:txBody>
-                  <a:tcPr>
-                    <a:solidFill>
-                      <a:schemeClr val="accent6">
-                        <a:lumMod val="40000"/>
-                        <a:lumOff val="60000"/>
-                      </a:schemeClr>
-                    </a:solidFill>
-                  </a:tcPr>
-                </a:tc>
-                <a:tc>
-                  <a:txBody>
-                    <a:bodyPr/>
-                    <a:lstStyle/>
-                    <a:p>
-                      <a:pPr algn="ctr" fontAlgn="base"/>
-                      <a:r>
-                        <a:rPr lang="fr-FR" sz="1400" dirty="0">
-                          <a:solidFill>
-                            <a:schemeClr val="bg1"/>
-                          </a:solidFill>
-                          <a:effectLst/>
-                        </a:rPr>
-                        <a:t>79.1 %</a:t>
-                      </a:r>
-                    </a:p>
-                  </a:txBody>
-                  <a:tcPr anchor="ctr">
-                    <a:solidFill>
-                      <a:schemeClr val="accent6">
-                        <a:lumMod val="40000"/>
-                        <a:lumOff val="60000"/>
-                      </a:schemeClr>
-                    </a:solidFill>
-                  </a:tcPr>
-                </a:tc>
-                <a:tc>
-                  <a:txBody>
-                    <a:bodyPr/>
-                    <a:lstStyle/>
-                    <a:p>
-                      <a:pPr algn="ctr" fontAlgn="base"/>
-                      <a:r>
-                        <a:rPr lang="fr-FR" sz="1400" dirty="0">
-                          <a:solidFill>
-                            <a:schemeClr val="bg1"/>
-                          </a:solidFill>
-                          <a:effectLst/>
-                        </a:rPr>
-                        <a:t>20.9 %</a:t>
-                      </a:r>
-                    </a:p>
-                  </a:txBody>
-                  <a:tcPr anchor="ctr">
-                    <a:solidFill>
-                      <a:schemeClr val="accent6">
-                        <a:lumMod val="40000"/>
-                        <a:lumOff val="60000"/>
-                      </a:schemeClr>
-                    </a:solidFill>
-                  </a:tcPr>
-                </a:tc>
-                <a:tc>
-                  <a:txBody>
-                    <a:bodyPr/>
-                    <a:lstStyle/>
-                    <a:p>
-                      <a:pPr algn="ctr" fontAlgn="base"/>
-                      <a:r>
-                        <a:rPr lang="fr-FR" sz="1100" dirty="0">
-                          <a:solidFill>
-                            <a:schemeClr val="bg1"/>
-                          </a:solidFill>
-                          <a:effectLst/>
-                        </a:rPr>
-                        <a:t>67</a:t>
-                      </a:r>
-                    </a:p>
-                  </a:txBody>
-                  <a:tcPr anchor="ctr">
-                    <a:solidFill>
-                      <a:schemeClr val="accent6">
-                        <a:lumMod val="40000"/>
-                        <a:lumOff val="60000"/>
-                      </a:schemeClr>
-                    </a:solidFill>
-                  </a:tcPr>
-                </a:tc>
-                <a:tc>
-                  <a:txBody>
-                    <a:bodyPr/>
-                    <a:lstStyle/>
-                    <a:p>
-                      <a:pPr algn="ctr" fontAlgn="base"/>
-                      <a:r>
-                        <a:rPr lang="fr-FR" sz="1400" dirty="0">
-                          <a:solidFill>
-                            <a:schemeClr val="bg1"/>
-                          </a:solidFill>
-                          <a:effectLst/>
-                        </a:rPr>
-                        <a:t>75.0 %</a:t>
-                      </a:r>
-                    </a:p>
-                  </a:txBody>
-                  <a:tcPr anchor="ctr">
-                    <a:solidFill>
-                      <a:schemeClr val="accent6">
-                        <a:lumMod val="40000"/>
-                        <a:lumOff val="60000"/>
-                      </a:schemeClr>
-                    </a:solidFill>
-                  </a:tcPr>
-                </a:tc>
-                <a:tc>
-                  <a:txBody>
-                    <a:bodyPr/>
-                    <a:lstStyle/>
-                    <a:p>
-                      <a:pPr algn="ctr" fontAlgn="base"/>
-                      <a:r>
-                        <a:rPr lang="fr-FR" sz="1400" dirty="0">
-                          <a:solidFill>
-                            <a:schemeClr val="bg1"/>
-                          </a:solidFill>
-                          <a:effectLst/>
-                        </a:rPr>
-                        <a:t>25.0 %</a:t>
-                      </a:r>
-                    </a:p>
-                  </a:txBody>
-                  <a:tcPr anchor="ctr">
-                    <a:solidFill>
-                      <a:schemeClr val="accent6">
-                        <a:lumMod val="40000"/>
-                        <a:lumOff val="60000"/>
-                      </a:schemeClr>
-                    </a:solidFill>
-                  </a:tcPr>
-                </a:tc>
-                <a:tc>
-                  <a:txBody>
-                    <a:bodyPr/>
-                    <a:lstStyle/>
-                    <a:p>
-                      <a:pPr algn="ctr" fontAlgn="base"/>
-                      <a:r>
-                        <a:rPr lang="fr-FR" sz="1100" dirty="0">
-                          <a:solidFill>
-                            <a:schemeClr val="bg1"/>
-                          </a:solidFill>
-                          <a:effectLst/>
-                        </a:rPr>
-                        <a:t>60</a:t>
-                      </a:r>
-                    </a:p>
-                  </a:txBody>
-                  <a:tcPr anchor="ctr">
-                    <a:solidFill>
-                      <a:schemeClr val="accent6">
-                        <a:lumMod val="40000"/>
-                        <a:lumOff val="60000"/>
-                      </a:schemeClr>
-                    </a:solidFill>
-                  </a:tcPr>
-                </a:tc>
-                <a:extLst>
-                  <a:ext uri="{0D108BD9-81ED-4DB2-BD59-A6C34878D82A}">
-                    <a16:rowId xmlns:a16="http://schemas.microsoft.com/office/drawing/2014/main" val="2207166277"/>
-                  </a:ext>
-                </a:extLst>
-              </a:tr>
-              <a:tr h="370840">
-                <a:tc>
-                  <a:txBody>
-                    <a:bodyPr/>
-                    <a:lstStyle/>
-                    <a:p>
-                      <a:pPr algn="ctr"/>
-                      <a:r>
-                        <a:rPr lang="fr-FR" sz="1600" dirty="0">
-                          <a:solidFill>
-                            <a:schemeClr val="bg1"/>
-                          </a:solidFill>
-                        </a:rPr>
-                        <a:t>FISA</a:t>
-                      </a:r>
-                    </a:p>
-                  </a:txBody>
-                  <a:tcPr>
-                    <a:solidFill>
-                      <a:schemeClr val="accent6">
-                        <a:lumMod val="60000"/>
-                        <a:lumOff val="40000"/>
-                      </a:schemeClr>
-                    </a:solidFill>
-                  </a:tcPr>
-                </a:tc>
-                <a:tc>
-                  <a:txBody>
-                    <a:bodyPr/>
-                    <a:lstStyle/>
-                    <a:p>
-                      <a:pPr algn="ctr" fontAlgn="base"/>
-                      <a:r>
-                        <a:rPr lang="fr-FR" sz="1400" dirty="0">
-                          <a:solidFill>
-                            <a:schemeClr val="bg1"/>
-                          </a:solidFill>
-                          <a:effectLst/>
-                        </a:rPr>
-                        <a:t>55.2 %</a:t>
-                      </a:r>
-                    </a:p>
-                  </a:txBody>
-                  <a:tcPr anchor="ctr">
-                    <a:solidFill>
-                      <a:schemeClr val="accent6">
-                        <a:lumMod val="60000"/>
-                        <a:lumOff val="40000"/>
-                      </a:schemeClr>
-                    </a:solidFill>
-                  </a:tcPr>
-                </a:tc>
-                <a:tc>
-                  <a:txBody>
-                    <a:bodyPr/>
-                    <a:lstStyle/>
-                    <a:p>
-                      <a:pPr algn="ctr" fontAlgn="base"/>
-                      <a:r>
-                        <a:rPr lang="fr-FR" sz="1400" dirty="0">
-                          <a:solidFill>
-                            <a:schemeClr val="bg1"/>
-                          </a:solidFill>
-                          <a:effectLst/>
-                        </a:rPr>
-                        <a:t>44.8 %</a:t>
-                      </a:r>
-                    </a:p>
-                  </a:txBody>
-                  <a:tcPr anchor="ctr">
-                    <a:solidFill>
-                      <a:schemeClr val="accent6">
-                        <a:lumMod val="60000"/>
-                        <a:lumOff val="40000"/>
-                      </a:schemeClr>
-                    </a:solidFill>
-                  </a:tcPr>
-                </a:tc>
-                <a:tc>
-                  <a:txBody>
-                    <a:bodyPr/>
-                    <a:lstStyle/>
-                    <a:p>
-                      <a:pPr algn="ctr" fontAlgn="base"/>
-                      <a:r>
-                        <a:rPr lang="fr-FR" sz="1100" dirty="0">
-                          <a:solidFill>
-                            <a:schemeClr val="bg1"/>
-                          </a:solidFill>
-                          <a:effectLst/>
-                        </a:rPr>
-                        <a:t>29</a:t>
-                      </a:r>
-                    </a:p>
-                  </a:txBody>
-                  <a:tcPr anchor="ctr">
-                    <a:solidFill>
-                      <a:schemeClr val="accent6">
-                        <a:lumMod val="60000"/>
-                        <a:lumOff val="40000"/>
-                      </a:schemeClr>
-                    </a:solidFill>
-                  </a:tcPr>
-                </a:tc>
-                <a:tc>
-                  <a:txBody>
-                    <a:bodyPr/>
-                    <a:lstStyle/>
-                    <a:p>
-                      <a:pPr algn="ctr" fontAlgn="base"/>
-                      <a:r>
-                        <a:rPr lang="fr-FR" sz="1400" dirty="0">
-                          <a:solidFill>
-                            <a:schemeClr val="bg1"/>
-                          </a:solidFill>
-                          <a:effectLst/>
-                        </a:rPr>
-                        <a:t>53.6 %</a:t>
-                      </a:r>
-                    </a:p>
-                  </a:txBody>
-                  <a:tcPr anchor="ctr">
-                    <a:solidFill>
-                      <a:schemeClr val="accent6">
-                        <a:lumMod val="60000"/>
-                        <a:lumOff val="40000"/>
-                      </a:schemeClr>
-                    </a:solidFill>
-                  </a:tcPr>
-                </a:tc>
-                <a:tc>
-                  <a:txBody>
-                    <a:bodyPr/>
-                    <a:lstStyle/>
-                    <a:p>
-                      <a:pPr algn="ctr" fontAlgn="base"/>
-                      <a:r>
-                        <a:rPr lang="fr-FR" sz="1400" dirty="0">
-                          <a:solidFill>
-                            <a:schemeClr val="bg1"/>
-                          </a:solidFill>
-                          <a:effectLst/>
-                        </a:rPr>
-                        <a:t>46.4 %</a:t>
-                      </a:r>
-                    </a:p>
-                  </a:txBody>
-                  <a:tcPr anchor="ctr">
-                    <a:solidFill>
-                      <a:schemeClr val="accent6">
-                        <a:lumMod val="60000"/>
-                        <a:lumOff val="40000"/>
-                      </a:schemeClr>
-                    </a:solidFill>
-                  </a:tcPr>
-                </a:tc>
-                <a:tc>
-                  <a:txBody>
-                    <a:bodyPr/>
-                    <a:lstStyle/>
-                    <a:p>
-                      <a:pPr algn="ctr" fontAlgn="base"/>
-                      <a:r>
-                        <a:rPr lang="fr-FR" sz="1100" dirty="0">
-                          <a:solidFill>
-                            <a:schemeClr val="bg1"/>
-                          </a:solidFill>
-                          <a:effectLst/>
-                        </a:rPr>
-                        <a:t>28</a:t>
-                      </a:r>
-                    </a:p>
-                  </a:txBody>
-                  <a:tcPr anchor="ctr">
-                    <a:solidFill>
-                      <a:schemeClr val="accent6">
-                        <a:lumMod val="60000"/>
-                        <a:lumOff val="40000"/>
-                      </a:schemeClr>
-                    </a:solidFill>
-                  </a:tcPr>
-                </a:tc>
-                <a:extLst>
-                  <a:ext uri="{0D108BD9-81ED-4DB2-BD59-A6C34878D82A}">
-                    <a16:rowId xmlns:a16="http://schemas.microsoft.com/office/drawing/2014/main" val="1083475024"/>
-                  </a:ext>
-                </a:extLst>
-              </a:tr>
-              <a:tr h="370840">
-                <a:tc>
-                  <a:txBody>
-                    <a:bodyPr/>
-                    <a:lstStyle/>
-                    <a:p>
-                      <a:pPr algn="ctr"/>
-                      <a:r>
-                        <a:rPr lang="fr-FR" sz="1600" dirty="0">
-                          <a:solidFill>
-                            <a:schemeClr val="bg1"/>
-                          </a:solidFill>
-                        </a:rPr>
-                        <a:t>Do </a:t>
-                      </a:r>
-                      <a:r>
-                        <a:rPr lang="fr-FR" sz="1600" dirty="0" err="1">
-                          <a:solidFill>
-                            <a:schemeClr val="bg1"/>
-                          </a:solidFill>
-                        </a:rPr>
-                        <a:t>Dip</a:t>
-                      </a:r>
-                      <a:endParaRPr lang="fr-FR" sz="1600" dirty="0">
-                        <a:solidFill>
-                          <a:schemeClr val="bg1"/>
-                        </a:solidFill>
-                      </a:endParaRPr>
-                    </a:p>
-                  </a:txBody>
-                  <a:tcPr>
-                    <a:solidFill>
-                      <a:schemeClr val="accent6">
-                        <a:lumMod val="75000"/>
-                      </a:schemeClr>
-                    </a:solidFill>
-                  </a:tcPr>
-                </a:tc>
-                <a:tc>
-                  <a:txBody>
-                    <a:bodyPr/>
-                    <a:lstStyle/>
-                    <a:p>
-                      <a:pPr algn="ctr" fontAlgn="base"/>
-                      <a:r>
-                        <a:rPr lang="fr-FR" sz="1400" dirty="0">
-                          <a:solidFill>
-                            <a:schemeClr val="bg1"/>
-                          </a:solidFill>
-                          <a:effectLst/>
-                        </a:rPr>
-                        <a:t>85.7 %</a:t>
-                      </a:r>
-                    </a:p>
-                  </a:txBody>
-                  <a:tcPr anchor="ctr">
-                    <a:solidFill>
-                      <a:schemeClr val="accent6">
-                        <a:lumMod val="75000"/>
-                      </a:schemeClr>
-                    </a:solidFill>
-                  </a:tcPr>
-                </a:tc>
-                <a:tc>
-                  <a:txBody>
-                    <a:bodyPr/>
-                    <a:lstStyle/>
-                    <a:p>
-                      <a:pPr algn="ctr" fontAlgn="base"/>
-                      <a:r>
-                        <a:rPr lang="fr-FR" sz="1400" dirty="0">
-                          <a:solidFill>
-                            <a:schemeClr val="bg1"/>
-                          </a:solidFill>
-                          <a:effectLst/>
-                        </a:rPr>
-                        <a:t>14.3 %</a:t>
-                      </a:r>
-                    </a:p>
-                  </a:txBody>
-                  <a:tcPr anchor="ctr">
-                    <a:solidFill>
-                      <a:schemeClr val="accent6">
-                        <a:lumMod val="75000"/>
-                      </a:schemeClr>
-                    </a:solidFill>
-                  </a:tcPr>
-                </a:tc>
-                <a:tc>
-                  <a:txBody>
-                    <a:bodyPr/>
-                    <a:lstStyle/>
-                    <a:p>
-                      <a:pPr algn="ctr" fontAlgn="base"/>
-                      <a:r>
-                        <a:rPr lang="fr-FR" sz="1100" dirty="0">
-                          <a:solidFill>
-                            <a:schemeClr val="bg1"/>
-                          </a:solidFill>
-                          <a:effectLst/>
-                        </a:rPr>
-                        <a:t>21</a:t>
-                      </a:r>
-                    </a:p>
-                  </a:txBody>
-                  <a:tcPr anchor="ctr">
-                    <a:solidFill>
-                      <a:schemeClr val="accent6">
-                        <a:lumMod val="75000"/>
-                      </a:schemeClr>
-                    </a:solidFill>
-                  </a:tcPr>
-                </a:tc>
-                <a:tc>
-                  <a:txBody>
-                    <a:bodyPr/>
-                    <a:lstStyle/>
-                    <a:p>
-                      <a:pPr algn="ctr" fontAlgn="base"/>
-                      <a:r>
-                        <a:rPr lang="fr-FR" sz="1400" dirty="0">
-                          <a:solidFill>
-                            <a:schemeClr val="bg1"/>
-                          </a:solidFill>
-                          <a:effectLst/>
-                        </a:rPr>
-                        <a:t>76.5 %</a:t>
-                      </a:r>
-                    </a:p>
-                  </a:txBody>
-                  <a:tcPr anchor="ctr">
-                    <a:solidFill>
-                      <a:schemeClr val="accent6">
-                        <a:lumMod val="75000"/>
-                      </a:schemeClr>
-                    </a:solidFill>
-                  </a:tcPr>
-                </a:tc>
-                <a:tc>
-                  <a:txBody>
-                    <a:bodyPr/>
-                    <a:lstStyle/>
-                    <a:p>
-                      <a:pPr algn="ctr" fontAlgn="base"/>
-                      <a:r>
-                        <a:rPr lang="fr-FR" sz="1400" dirty="0">
-                          <a:solidFill>
-                            <a:schemeClr val="bg1"/>
-                          </a:solidFill>
-                          <a:effectLst/>
-                        </a:rPr>
-                        <a:t>23.5 %</a:t>
-                      </a:r>
-                    </a:p>
-                  </a:txBody>
-                  <a:tcPr anchor="ctr">
-                    <a:solidFill>
-                      <a:schemeClr val="accent6">
-                        <a:lumMod val="75000"/>
-                      </a:schemeClr>
-                    </a:solidFill>
-                  </a:tcPr>
-                </a:tc>
-                <a:tc>
-                  <a:txBody>
-                    <a:bodyPr/>
-                    <a:lstStyle/>
-                    <a:p>
-                      <a:pPr algn="ctr" fontAlgn="base"/>
-                      <a:r>
-                        <a:rPr lang="fr-FR" sz="1100" dirty="0">
-                          <a:solidFill>
-                            <a:schemeClr val="bg1"/>
-                          </a:solidFill>
-                          <a:effectLst/>
-                        </a:rPr>
-                        <a:t>17</a:t>
-                      </a:r>
-                    </a:p>
-                  </a:txBody>
-                  <a:tcPr anchor="ctr">
-                    <a:solidFill>
-                      <a:schemeClr val="accent6">
-                        <a:lumMod val="75000"/>
-                      </a:schemeClr>
-                    </a:solidFill>
-                  </a:tcPr>
-                </a:tc>
-                <a:extLst>
-                  <a:ext uri="{0D108BD9-81ED-4DB2-BD59-A6C34878D82A}">
-                    <a16:rowId xmlns:a16="http://schemas.microsoft.com/office/drawing/2014/main" val="1118240960"/>
-                  </a:ext>
-                </a:extLst>
-              </a:tr>
-              <a:tr h="370840">
-                <a:tc>
-                  <a:txBody>
-                    <a:bodyPr/>
-                    <a:lstStyle/>
-                    <a:p>
-                      <a:pPr algn="ctr"/>
-                      <a:endParaRPr lang="fr-FR" sz="1600" dirty="0"/>
-                    </a:p>
-                  </a:txBody>
-                  <a:tcPr/>
-                </a:tc>
-                <a:tc>
-                  <a:txBody>
-                    <a:bodyPr/>
-                    <a:lstStyle/>
-                    <a:p>
-                      <a:pPr algn="ctr" fontAlgn="base"/>
-                      <a:endParaRPr lang="fr-FR" sz="1400" dirty="0">
-                        <a:solidFill>
-                          <a:srgbClr val="3D4449"/>
-                        </a:solidFill>
-                        <a:effectLst/>
-                      </a:endParaRPr>
-                    </a:p>
-                  </a:txBody>
-                  <a:tcPr anchor="ctr"/>
-                </a:tc>
-                <a:tc>
-                  <a:txBody>
-                    <a:bodyPr/>
-                    <a:lstStyle/>
-                    <a:p>
-                      <a:pPr algn="ctr" fontAlgn="base"/>
-                      <a:endParaRPr lang="fr-FR" sz="1400" dirty="0">
-                        <a:solidFill>
-                          <a:srgbClr val="443597"/>
-                        </a:solidFill>
-                        <a:effectLst/>
-                      </a:endParaRPr>
-                    </a:p>
-                  </a:txBody>
-                  <a:tcPr anchor="ctr"/>
-                </a:tc>
-                <a:tc>
-                  <a:txBody>
-                    <a:bodyPr/>
-                    <a:lstStyle/>
-                    <a:p>
-                      <a:pPr algn="ctr" fontAlgn="base"/>
-                      <a:endParaRPr lang="fr-FR" sz="1100" dirty="0">
-                        <a:solidFill>
-                          <a:srgbClr val="376E8B"/>
-                        </a:solidFill>
-                        <a:effectLst/>
-                      </a:endParaRPr>
-                    </a:p>
-                  </a:txBody>
-                  <a:tcPr anchor="ctr"/>
-                </a:tc>
-                <a:tc>
-                  <a:txBody>
-                    <a:bodyPr/>
-                    <a:lstStyle/>
-                    <a:p>
-                      <a:pPr algn="ctr" fontAlgn="base"/>
-                      <a:endParaRPr lang="fr-FR" sz="1400" dirty="0">
-                        <a:solidFill>
-                          <a:srgbClr val="3D4449"/>
-                        </a:solidFill>
-                        <a:effectLst/>
-                      </a:endParaRPr>
-                    </a:p>
-                  </a:txBody>
-                  <a:tcPr anchor="ctr"/>
-                </a:tc>
-                <a:tc>
-                  <a:txBody>
-                    <a:bodyPr/>
-                    <a:lstStyle/>
-                    <a:p>
-                      <a:pPr algn="ctr" fontAlgn="base"/>
-                      <a:endParaRPr lang="fr-FR" sz="1400" dirty="0">
-                        <a:solidFill>
-                          <a:srgbClr val="443597"/>
-                        </a:solidFill>
-                        <a:effectLst/>
-                      </a:endParaRPr>
-                    </a:p>
-                  </a:txBody>
-                  <a:tcPr anchor="ctr"/>
-                </a:tc>
-                <a:tc>
-                  <a:txBody>
-                    <a:bodyPr/>
-                    <a:lstStyle/>
-                    <a:p>
-                      <a:pPr algn="ctr" fontAlgn="base"/>
-                      <a:endParaRPr lang="fr-FR" sz="1100" dirty="0">
-                        <a:solidFill>
-                          <a:srgbClr val="376E8B"/>
-                        </a:solidFill>
-                        <a:effectLst/>
-                      </a:endParaRPr>
-                    </a:p>
-                  </a:txBody>
-                  <a:tcPr anchor="ctr"/>
-                </a:tc>
-                <a:extLst>
-                  <a:ext uri="{0D108BD9-81ED-4DB2-BD59-A6C34878D82A}">
-                    <a16:rowId xmlns:a16="http://schemas.microsoft.com/office/drawing/2014/main" val="1740952244"/>
-                  </a:ext>
-                </a:extLst>
-              </a:tr>
-            </a:tbl>
-          </a:graphicData>
-        </a:graphic>
-      </p:graphicFrame>
-      <p:sp>
-        <p:nvSpPr>
-          <p:cNvPr id="7" name="ZoneTexte 6">
-            <a:extLst>
-              <a:ext uri="{FF2B5EF4-FFF2-40B4-BE49-F238E27FC236}">
-                <a16:creationId xmlns:a16="http://schemas.microsoft.com/office/drawing/2014/main" id="{6BE8EB4C-9EED-0344-FB71-FC964BFAC7C5}"/>
-              </a:ext>
-            </a:extLst>
-          </p:cNvPr>
-          <p:cNvSpPr txBox="1"/>
-          <p:nvPr/>
-        </p:nvSpPr>
-        <p:spPr>
-          <a:xfrm>
-            <a:off x="5749638" y="2816126"/>
-            <a:ext cx="1427017" cy="338554"/>
-          </a:xfrm>
-          <a:prstGeom prst="rect">
-            <a:avLst/>
-          </a:prstGeom>
-          <a:noFill/>
-        </p:spPr>
-        <p:txBody>
-          <a:bodyPr wrap="square">
-            <a:spAutoFit/>
-          </a:bodyPr>
-          <a:lstStyle/>
-          <a:p>
-            <a:r>
-              <a:rPr lang="fr-FR" b="1" dirty="0">
-                <a:solidFill>
-                  <a:srgbClr val="3D4449"/>
-                </a:solidFill>
-                <a:effectLst/>
-                <a:latin typeface="inherit"/>
-              </a:rPr>
-              <a:t>2020 à 2023 </a:t>
-            </a:r>
-            <a:endParaRPr lang="fr-FR" dirty="0"/>
-          </a:p>
-        </p:txBody>
-      </p:sp>
-      <p:sp>
-        <p:nvSpPr>
-          <p:cNvPr id="8" name="ZoneTexte 7">
-            <a:extLst>
-              <a:ext uri="{FF2B5EF4-FFF2-40B4-BE49-F238E27FC236}">
-                <a16:creationId xmlns:a16="http://schemas.microsoft.com/office/drawing/2014/main" id="{2F218827-BD14-D989-820F-C8E93CE767D2}"/>
-              </a:ext>
-            </a:extLst>
-          </p:cNvPr>
-          <p:cNvSpPr txBox="1"/>
-          <p:nvPr/>
-        </p:nvSpPr>
-        <p:spPr>
-          <a:xfrm>
-            <a:off x="3144983" y="2819192"/>
-            <a:ext cx="1427017" cy="338554"/>
-          </a:xfrm>
-          <a:prstGeom prst="rect">
-            <a:avLst/>
-          </a:prstGeom>
-          <a:noFill/>
-        </p:spPr>
-        <p:txBody>
-          <a:bodyPr wrap="square">
-            <a:spAutoFit/>
-          </a:bodyPr>
-          <a:lstStyle/>
-          <a:p>
-            <a:r>
-              <a:rPr lang="fr-FR" b="1" dirty="0">
-                <a:solidFill>
-                  <a:srgbClr val="3D4449"/>
-                </a:solidFill>
-                <a:effectLst/>
-                <a:latin typeface="inherit"/>
-              </a:rPr>
-              <a:t>2019 à 2022 </a:t>
-            </a:r>
-            <a:endParaRPr lang="fr-FR" dirty="0"/>
-          </a:p>
-        </p:txBody>
-      </p:sp>
-      <p:cxnSp>
-        <p:nvCxnSpPr>
-          <p:cNvPr id="12" name="Connecteur droit 11">
-            <a:extLst>
-              <a:ext uri="{FF2B5EF4-FFF2-40B4-BE49-F238E27FC236}">
-                <a16:creationId xmlns:a16="http://schemas.microsoft.com/office/drawing/2014/main" id="{B8788C0E-763D-AEA1-A8D6-23C0DA9EFF31}"/>
-              </a:ext>
-            </a:extLst>
-          </p:cNvPr>
-          <p:cNvCxnSpPr>
-            <a:cxnSpLocks/>
-          </p:cNvCxnSpPr>
-          <p:nvPr/>
-        </p:nvCxnSpPr>
-        <p:spPr bwMode="auto">
-          <a:xfrm>
-            <a:off x="4997885" y="2816126"/>
-            <a:ext cx="0" cy="2916970"/>
-          </a:xfrm>
-          <a:prstGeom prst="line">
-            <a:avLst/>
-          </a:prstGeom>
-          <a:solidFill>
-            <a:schemeClr val="accent1"/>
-          </a:solidFill>
-          <a:ln w="25400" cap="flat" cmpd="sng" algn="ctr">
-            <a:solidFill>
-              <a:schemeClr val="tx1"/>
-            </a:solidFill>
-            <a:prstDash val="solid"/>
-            <a:round/>
-            <a:headEnd type="none" w="med" len="med"/>
-            <a:tailEnd type="none" w="med" len="med"/>
-          </a:ln>
-          <a:effectLst/>
-          <a:extLst>
-            <a:ext uri="{AF507438-7753-43e0-B8FC-AC1667EBCBE1}">
-              <a14:hiddenEffects xmlns="" xmlns:a14="http://schemas.microsoft.com/office/drawing/2010/main">
-                <a:effectLst>
-                  <a:outerShdw dist="35921" dir="2700000" algn="ctr" rotWithShape="0">
-                    <a:schemeClr val="bg2"/>
-                  </a:outerShdw>
-                </a:effectLst>
-              </a14:hiddenEffects>
-            </a:ext>
-          </a:extLst>
-        </p:spPr>
-      </p:cxnSp>
-      <p:cxnSp>
-        <p:nvCxnSpPr>
-          <p:cNvPr id="16" name="Connecteur droit 15">
-            <a:extLst>
-              <a:ext uri="{FF2B5EF4-FFF2-40B4-BE49-F238E27FC236}">
-                <a16:creationId xmlns:a16="http://schemas.microsoft.com/office/drawing/2014/main" id="{50BF25C8-9F92-2C38-850F-D28A23482464}"/>
-              </a:ext>
-            </a:extLst>
-          </p:cNvPr>
-          <p:cNvCxnSpPr>
-            <a:cxnSpLocks/>
-          </p:cNvCxnSpPr>
-          <p:nvPr/>
-        </p:nvCxnSpPr>
-        <p:spPr bwMode="auto">
-          <a:xfrm>
-            <a:off x="2394559" y="2816126"/>
-            <a:ext cx="0" cy="2916970"/>
-          </a:xfrm>
-          <a:prstGeom prst="line">
-            <a:avLst/>
-          </a:prstGeom>
-          <a:solidFill>
-            <a:schemeClr val="accent1"/>
-          </a:solidFill>
-          <a:ln w="25400" cap="flat" cmpd="sng" algn="ctr">
-            <a:solidFill>
-              <a:schemeClr val="tx1"/>
-            </a:solidFill>
-            <a:prstDash val="solid"/>
-            <a:round/>
-            <a:headEnd type="none" w="med" len="med"/>
-            <a:tailEnd type="none" w="med" len="med"/>
-          </a:ln>
-          <a:effectLst/>
-          <a:extLst>
-            <a:ext uri="{AF507438-7753-43e0-B8FC-AC1667EBCBE1}">
-              <a14:hiddenEffects xmlns="" xmlns:a14="http://schemas.microsoft.com/office/drawing/2010/main">
-                <a:effectLst>
-                  <a:outerShdw dist="35921" dir="2700000" algn="ctr" rotWithShape="0">
-                    <a:schemeClr val="bg2"/>
-                  </a:outerShdw>
-                </a:effectLst>
-              </a14:hiddenEffects>
-            </a:ext>
-          </a:extLst>
-        </p:spPr>
-      </p:cxnSp>
-      <p:cxnSp>
-        <p:nvCxnSpPr>
-          <p:cNvPr id="17" name="Connecteur droit 16">
-            <a:extLst>
-              <a:ext uri="{FF2B5EF4-FFF2-40B4-BE49-F238E27FC236}">
-                <a16:creationId xmlns:a16="http://schemas.microsoft.com/office/drawing/2014/main" id="{EDE0DB40-AE6D-F8B1-39ED-23D839CC790B}"/>
-              </a:ext>
-            </a:extLst>
-          </p:cNvPr>
-          <p:cNvCxnSpPr>
-            <a:cxnSpLocks/>
-          </p:cNvCxnSpPr>
-          <p:nvPr/>
-        </p:nvCxnSpPr>
-        <p:spPr bwMode="auto">
-          <a:xfrm>
-            <a:off x="7610474" y="2816126"/>
-            <a:ext cx="0" cy="2916970"/>
-          </a:xfrm>
-          <a:prstGeom prst="line">
-            <a:avLst/>
-          </a:prstGeom>
-          <a:solidFill>
-            <a:schemeClr val="accent1"/>
-          </a:solidFill>
-          <a:ln w="25400" cap="flat" cmpd="sng" algn="ctr">
-            <a:solidFill>
-              <a:schemeClr val="tx1"/>
-            </a:solidFill>
-            <a:prstDash val="solid"/>
-            <a:round/>
-            <a:headEnd type="none" w="med" len="med"/>
-            <a:tailEnd type="none" w="med" len="med"/>
-          </a:ln>
-          <a:effectLst/>
-          <a:extLst>
-            <a:ext uri="{AF507438-7753-43e0-B8FC-AC1667EBCBE1}">
-              <a14:hiddenEffects xmlns="" xmlns:a14="http://schemas.microsoft.com/office/drawing/2010/main">
-                <a:effectLst>
-                  <a:outerShdw dist="35921" dir="2700000" algn="ctr" rotWithShape="0">
-                    <a:schemeClr val="bg2"/>
-                  </a:outerShdw>
-                </a:effectLst>
-              </a14:hiddenEffects>
-            </a:ext>
-          </a:extLst>
-        </p:spPr>
-      </p:cxnSp>
-    </p:spTree>
-    <p:extLst>
-      <p:ext uri="{BB962C8B-B14F-4D97-AF65-F5344CB8AC3E}">
         <p14:creationId xmlns:p14="http://schemas.microsoft.com/office/powerpoint/2010/main" val="1645443011"/>
       </p:ext>
     </p:extLst>
@@ -18525,7 +18561,7 @@
           <a:effectLst/>
           <a:extLst>
             <a:ext uri="{AF507438-7753-43e0-B8FC-AC1667EBCBE1}">
-              <a14:hiddenEffects xmlns="" xmlns:a14="http://schemas.microsoft.com/office/drawing/2010/main">
+              <a14:hiddenEffects xmlns:a14="http://schemas.microsoft.com/office/drawing/2010/main" xmlns="">
                 <a:effectLst>
                   <a:outerShdw dist="35921" dir="2700000" algn="ctr" rotWithShape="0">
                     <a:schemeClr val="bg2"/>
@@ -18573,7 +18609,7 @@
           <a:effectLst/>
           <a:extLst>
             <a:ext uri="{AF507438-7753-43e0-B8FC-AC1667EBCBE1}">
-              <a14:hiddenEffects xmlns="" xmlns:a14="http://schemas.microsoft.com/office/drawing/2010/main">
+              <a14:hiddenEffects xmlns:a14="http://schemas.microsoft.com/office/drawing/2010/main" xmlns="">
                 <a:effectLst>
                   <a:outerShdw dist="35921" dir="2700000" algn="ctr" rotWithShape="0">
                     <a:schemeClr val="bg2"/>
@@ -20407,7 +20443,7 @@
           <a:effectLst/>
           <a:extLst>
             <a:ext uri="{AF507438-7753-43e0-B8FC-AC1667EBCBE1}">
-              <a14:hiddenEffects xmlns:a14="http://schemas.microsoft.com/office/drawing/2010/main" xmlns="">
+              <a14:hiddenEffects xmlns="" xmlns:a14="http://schemas.microsoft.com/office/drawing/2010/main">
                 <a:effectLst>
                   <a:outerShdw dist="35921" dir="2700000" algn="ctr" rotWithShape="0">
                     <a:schemeClr val="bg2"/>
@@ -20455,7 +20491,7 @@
           <a:effectLst/>
           <a:extLst>
             <a:ext uri="{AF507438-7753-43e0-B8FC-AC1667EBCBE1}">
-              <a14:hiddenEffects xmlns:a14="http://schemas.microsoft.com/office/drawing/2010/main" xmlns="">
+              <a14:hiddenEffects xmlns="" xmlns:a14="http://schemas.microsoft.com/office/drawing/2010/main">
                 <a:effectLst>
                   <a:outerShdw dist="35921" dir="2700000" algn="ctr" rotWithShape="0">
                     <a:schemeClr val="bg2"/>
@@ -22858,7 +22894,7 @@
         </p:blipFill>
         <p:spPr bwMode="auto">
           <a:xfrm>
-            <a:off x="338552" y="1858912"/>
+            <a:off x="169274" y="1480046"/>
             <a:ext cx="7088548" cy="4253129"/>
           </a:xfrm>
           <a:prstGeom prst="rect">
@@ -22876,6 +22912,89 @@
           </a:extLst>
         </p:spPr>
       </p:pic>
+      <p:sp>
+        <p:nvSpPr>
+          <p:cNvPr id="4" name="Rectangle 3">
+            <a:extLst>
+              <a:ext uri="{FF2B5EF4-FFF2-40B4-BE49-F238E27FC236}">
+                <a16:creationId xmlns:a16="http://schemas.microsoft.com/office/drawing/2014/main" id="{F00E83CA-AD30-10F7-6301-06446A8C95E0}"/>
+              </a:ext>
+            </a:extLst>
+          </p:cNvPr>
+          <p:cNvSpPr/>
+          <p:nvPr/>
+        </p:nvSpPr>
+        <p:spPr bwMode="auto">
+          <a:xfrm>
+            <a:off x="447674" y="1584005"/>
+            <a:ext cx="5029200" cy="384175"/>
+          </a:xfrm>
+          <a:prstGeom prst="rect">
+            <a:avLst/>
+          </a:prstGeom>
+          <a:solidFill>
+            <a:schemeClr val="bg1"/>
+          </a:solidFill>
+          <a:ln w="9525" cap="flat" cmpd="sng" algn="ctr">
+            <a:solidFill>
+              <a:schemeClr val="bg1"/>
+            </a:solidFill>
+            <a:prstDash val="solid"/>
+            <a:round/>
+            <a:headEnd type="none" w="med" len="med"/>
+            <a:tailEnd type="none" w="med" len="med"/>
+          </a:ln>
+          <a:effectLst/>
+          <a:extLst>
+            <a:ext uri="{AF507438-7753-43e0-B8FC-AC1667EBCBE1}">
+              <a14:hiddenEffects xmlns:a14="http://schemas.microsoft.com/office/drawing/2010/main" xmlns="">
+                <a:effectLst>
+                  <a:outerShdw dist="35921" dir="2700000" algn="ctr" rotWithShape="0">
+                    <a:schemeClr val="bg2"/>
+                  </a:outerShdw>
+                </a:effectLst>
+              </a14:hiddenEffects>
+            </a:ext>
+          </a:extLst>
+        </p:spPr>
+        <p:txBody>
+          <a:bodyPr vert="horz" wrap="square" lIns="91440" tIns="45720" rIns="91440" bIns="45720" numCol="1" rtlCol="0" anchor="t" anchorCtr="0" compatLnSpc="1">
+            <a:prstTxWarp prst="textNoShape">
+              <a:avLst/>
+            </a:prstTxWarp>
+          </a:bodyPr>
+          <a:lstStyle/>
+          <a:p>
+            <a:pPr marL="0" marR="0" indent="0" algn="l" defTabSz="914400" rtl="0" eaLnBrk="0" fontAlgn="base" latinLnBrk="0" hangingPunct="0">
+              <a:lnSpc>
+                <a:spcPct val="100000"/>
+              </a:lnSpc>
+              <a:spcBef>
+                <a:spcPct val="0"/>
+              </a:spcBef>
+              <a:spcAft>
+                <a:spcPct val="0"/>
+              </a:spcAft>
+              <a:buClrTx/>
+              <a:buSzTx/>
+              <a:buFontTx/>
+              <a:buNone/>
+              <a:tabLst/>
+            </a:pPr>
+            <a:endParaRPr kumimoji="0" lang="fr-FR" sz="1600" b="0" i="0" u="none" strike="noStrike" cap="none" normalizeH="0" baseline="0">
+              <a:ln>
+                <a:noFill/>
+              </a:ln>
+              <a:solidFill>
+                <a:schemeClr val="tx1"/>
+              </a:solidFill>
+              <a:effectLst/>
+              <a:latin typeface="Arial" charset="0"/>
+              <a:ea typeface="ＭＳ Ｐゴシック" pitchFamily="1" charset="-128"/>
+            </a:endParaRPr>
+          </a:p>
+        </p:txBody>
+      </p:sp>
       <p:sp>
         <p:nvSpPr>
           <p:cNvPr id="2" name="Titre 1">
@@ -23189,13 +23308,13 @@
           <p:nvPr>
             <p:extLst>
               <p:ext uri="{D42A27DB-BD31-4B8C-83A1-F6EECF244321}">
-                <p14:modId xmlns:p14="http://schemas.microsoft.com/office/powerpoint/2010/main" val="870867483"/>
+                <p14:modId xmlns:p14="http://schemas.microsoft.com/office/powerpoint/2010/main" val="3684478718"/>
               </p:ext>
             </p:extLst>
           </p:nvPr>
         </p:nvGraphicFramePr>
         <p:xfrm>
-          <a:off x="5813659" y="3512185"/>
+          <a:off x="5807504" y="3057985"/>
           <a:ext cx="3287462" cy="3048000"/>
         </p:xfrm>
         <a:graphic>
@@ -26226,69 +26345,6 @@
       </p:pic>
       <p:sp>
         <p:nvSpPr>
-          <p:cNvPr id="9" name="Rectangle 8">
-            <a:extLst>
-              <a:ext uri="{FF2B5EF4-FFF2-40B4-BE49-F238E27FC236}">
-                <a16:creationId xmlns:a16="http://schemas.microsoft.com/office/drawing/2014/main" id="{1757C6C7-4D8F-4FFA-BE3C-3D37FEE8D40F}"/>
-              </a:ext>
-            </a:extLst>
-          </p:cNvPr>
-          <p:cNvSpPr/>
-          <p:nvPr/>
-        </p:nvSpPr>
-        <p:spPr>
-          <a:xfrm>
-            <a:off x="4698798" y="1600200"/>
-            <a:ext cx="2608856" cy="369332"/>
-          </a:xfrm>
-          <a:prstGeom prst="rect">
-            <a:avLst/>
-          </a:prstGeom>
-        </p:spPr>
-        <p:txBody>
-          <a:bodyPr wrap="none">
-            <a:spAutoFit/>
-          </a:bodyPr>
-          <a:lstStyle/>
-          <a:p>
-            <a:r>
-              <a:rPr lang="fr-FR" dirty="0">
-                <a:solidFill>
-                  <a:srgbClr val="333333"/>
-                </a:solidFill>
-                <a:latin typeface="Calibri" panose="020F0502020204030204" pitchFamily="34" charset="0"/>
-              </a:rPr>
-              <a:t>+ de </a:t>
-            </a:r>
-            <a:r>
-              <a:rPr lang="fr-FR" sz="1800" b="1" dirty="0">
-                <a:solidFill>
-                  <a:srgbClr val="333333"/>
-                </a:solidFill>
-                <a:latin typeface="Calibri" panose="020F0502020204030204" pitchFamily="34" charset="0"/>
-              </a:rPr>
-              <a:t>100</a:t>
-            </a:r>
-            <a:r>
-              <a:rPr lang="fr-FR" dirty="0">
-                <a:solidFill>
-                  <a:srgbClr val="333333"/>
-                </a:solidFill>
-                <a:latin typeface="Calibri" panose="020F0502020204030204" pitchFamily="34" charset="0"/>
-              </a:rPr>
-              <a:t> sociétés différentes</a:t>
-            </a:r>
-            <a:endParaRPr lang="fr-FR" dirty="0">
-              <a:solidFill>
-                <a:srgbClr val="333333"/>
-              </a:solidFill>
-              <a:latin typeface="Lucida Sans" panose="020B0602030504020204" pitchFamily="34" charset="0"/>
-            </a:endParaRPr>
-          </a:p>
-        </p:txBody>
-      </p:sp>
-      <p:sp>
-        <p:nvSpPr>
           <p:cNvPr id="5" name="Rectangle 4">
             <a:extLst>
               <a:ext uri="{FF2B5EF4-FFF2-40B4-BE49-F238E27FC236}">
@@ -28705,7 +28761,7 @@
           <a:effectLst/>
           <a:extLst>
             <a:ext uri="{AF507438-7753-43e0-B8FC-AC1667EBCBE1}">
-              <a14:hiddenEffects xmlns="" xmlns:a14="http://schemas.microsoft.com/office/drawing/2010/main">
+              <a14:hiddenEffects xmlns:a14="http://schemas.microsoft.com/office/drawing/2010/main" xmlns="">
                 <a:effectLst>
                   <a:outerShdw dist="35921" dir="2700000" algn="ctr" rotWithShape="0">
                     <a:schemeClr val="bg2"/>
@@ -28788,7 +28844,7 @@
           <a:effectLst/>
           <a:extLst>
             <a:ext uri="{AF507438-7753-43e0-B8FC-AC1667EBCBE1}">
-              <a14:hiddenEffects xmlns="" xmlns:a14="http://schemas.microsoft.com/office/drawing/2010/main">
+              <a14:hiddenEffects xmlns:a14="http://schemas.microsoft.com/office/drawing/2010/main" xmlns="">
                 <a:effectLst>
                   <a:outerShdw dist="35921" dir="2700000" algn="ctr" rotWithShape="0">
                     <a:schemeClr val="bg2"/>
@@ -28871,7 +28927,7 @@
           <a:effectLst/>
           <a:extLst>
             <a:ext uri="{AF507438-7753-43e0-B8FC-AC1667EBCBE1}">
-              <a14:hiddenEffects xmlns="" xmlns:a14="http://schemas.microsoft.com/office/drawing/2010/main">
+              <a14:hiddenEffects xmlns:a14="http://schemas.microsoft.com/office/drawing/2010/main" xmlns="">
                 <a:effectLst>
                   <a:outerShdw dist="35921" dir="2700000" algn="ctr" rotWithShape="0">
                     <a:schemeClr val="bg2"/>
@@ -28954,7 +29010,7 @@
           <a:effectLst/>
           <a:extLst>
             <a:ext uri="{AF507438-7753-43e0-B8FC-AC1667EBCBE1}">
-              <a14:hiddenEffects xmlns="" xmlns:a14="http://schemas.microsoft.com/office/drawing/2010/main">
+              <a14:hiddenEffects xmlns:a14="http://schemas.microsoft.com/office/drawing/2010/main" xmlns="">
                 <a:effectLst>
                   <a:outerShdw dist="35921" dir="2700000" algn="ctr" rotWithShape="0">
                     <a:schemeClr val="bg2"/>
@@ -29037,7 +29093,7 @@
           <a:effectLst/>
           <a:extLst>
             <a:ext uri="{AF507438-7753-43e0-B8FC-AC1667EBCBE1}">
-              <a14:hiddenEffects xmlns="" xmlns:a14="http://schemas.microsoft.com/office/drawing/2010/main">
+              <a14:hiddenEffects xmlns:a14="http://schemas.microsoft.com/office/drawing/2010/main" xmlns="">
                 <a:effectLst>
                   <a:outerShdw dist="35921" dir="2700000" algn="ctr" rotWithShape="0">
                     <a:schemeClr val="bg2"/>
@@ -29120,7 +29176,7 @@
           <a:effectLst/>
           <a:extLst>
             <a:ext uri="{AF507438-7753-43e0-B8FC-AC1667EBCBE1}">
-              <a14:hiddenEffects xmlns="" xmlns:a14="http://schemas.microsoft.com/office/drawing/2010/main">
+              <a14:hiddenEffects xmlns:a14="http://schemas.microsoft.com/office/drawing/2010/main" xmlns="">
                 <a:effectLst>
                   <a:outerShdw dist="35921" dir="2700000" algn="ctr" rotWithShape="0">
                     <a:schemeClr val="bg2"/>
@@ -29203,7 +29259,7 @@
           <a:effectLst/>
           <a:extLst>
             <a:ext uri="{AF507438-7753-43e0-B8FC-AC1667EBCBE1}">
-              <a14:hiddenEffects xmlns="" xmlns:a14="http://schemas.microsoft.com/office/drawing/2010/main">
+              <a14:hiddenEffects xmlns:a14="http://schemas.microsoft.com/office/drawing/2010/main" xmlns="">
                 <a:effectLst>
                   <a:outerShdw dist="35921" dir="2700000" algn="ctr" rotWithShape="0">
                     <a:schemeClr val="bg2"/>
@@ -29286,7 +29342,7 @@
           <a:effectLst/>
           <a:extLst>
             <a:ext uri="{AF507438-7753-43e0-B8FC-AC1667EBCBE1}">
-              <a14:hiddenEffects xmlns="" xmlns:a14="http://schemas.microsoft.com/office/drawing/2010/main">
+              <a14:hiddenEffects xmlns:a14="http://schemas.microsoft.com/office/drawing/2010/main" xmlns="">
                 <a:effectLst>
                   <a:outerShdw dist="35921" dir="2700000" algn="ctr" rotWithShape="0">
                     <a:schemeClr val="bg2"/>
@@ -29369,7 +29425,7 @@
           <a:effectLst/>
           <a:extLst>
             <a:ext uri="{AF507438-7753-43e0-B8FC-AC1667EBCBE1}">
-              <a14:hiddenEffects xmlns="" xmlns:a14="http://schemas.microsoft.com/office/drawing/2010/main">
+              <a14:hiddenEffects xmlns:a14="http://schemas.microsoft.com/office/drawing/2010/main" xmlns="">
                 <a:effectLst>
                   <a:outerShdw dist="35921" dir="2700000" algn="ctr" rotWithShape="0">
                     <a:schemeClr val="bg2"/>
@@ -29452,7 +29508,7 @@
           <a:effectLst/>
           <a:extLst>
             <a:ext uri="{AF507438-7753-43e0-B8FC-AC1667EBCBE1}">
-              <a14:hiddenEffects xmlns="" xmlns:a14="http://schemas.microsoft.com/office/drawing/2010/main">
+              <a14:hiddenEffects xmlns:a14="http://schemas.microsoft.com/office/drawing/2010/main" xmlns="">
                 <a:effectLst>
                   <a:outerShdw dist="35921" dir="2700000" algn="ctr" rotWithShape="0">
                     <a:schemeClr val="bg2"/>
@@ -29535,7 +29591,7 @@
           <a:effectLst/>
           <a:extLst>
             <a:ext uri="{AF507438-7753-43e0-B8FC-AC1667EBCBE1}">
-              <a14:hiddenEffects xmlns="" xmlns:a14="http://schemas.microsoft.com/office/drawing/2010/main">
+              <a14:hiddenEffects xmlns:a14="http://schemas.microsoft.com/office/drawing/2010/main" xmlns="">
                 <a:effectLst>
                   <a:outerShdw dist="35921" dir="2700000" algn="ctr" rotWithShape="0">
                     <a:schemeClr val="bg2"/>
@@ -29618,7 +29674,7 @@
           <a:effectLst/>
           <a:extLst>
             <a:ext uri="{AF507438-7753-43e0-B8FC-AC1667EBCBE1}">
-              <a14:hiddenEffects xmlns="" xmlns:a14="http://schemas.microsoft.com/office/drawing/2010/main">
+              <a14:hiddenEffects xmlns:a14="http://schemas.microsoft.com/office/drawing/2010/main" xmlns="">
                 <a:effectLst>
                   <a:outerShdw dist="35921" dir="2700000" algn="ctr" rotWithShape="0">
                     <a:schemeClr val="bg2"/>
@@ -29701,7 +29757,7 @@
           <a:effectLst/>
           <a:extLst>
             <a:ext uri="{AF507438-7753-43e0-B8FC-AC1667EBCBE1}">
-              <a14:hiddenEffects xmlns="" xmlns:a14="http://schemas.microsoft.com/office/drawing/2010/main">
+              <a14:hiddenEffects xmlns:a14="http://schemas.microsoft.com/office/drawing/2010/main" xmlns="">
                 <a:effectLst>
                   <a:outerShdw dist="35921" dir="2700000" algn="ctr" rotWithShape="0">
                     <a:schemeClr val="bg2"/>
@@ -29787,7 +29843,7 @@
           <a:effectLst/>
           <a:extLst>
             <a:ext uri="{AF507438-7753-43e0-B8FC-AC1667EBCBE1}">
-              <a14:hiddenEffects xmlns="" xmlns:a14="http://schemas.microsoft.com/office/drawing/2010/main">
+              <a14:hiddenEffects xmlns:a14="http://schemas.microsoft.com/office/drawing/2010/main" xmlns="">
                 <a:effectLst>
                   <a:outerShdw dist="35921" dir="2700000" algn="ctr" rotWithShape="0">
                     <a:schemeClr val="bg2"/>
@@ -29873,7 +29929,7 @@
           <a:effectLst/>
           <a:extLst>
             <a:ext uri="{AF507438-7753-43e0-B8FC-AC1667EBCBE1}">
-              <a14:hiddenEffects xmlns="" xmlns:a14="http://schemas.microsoft.com/office/drawing/2010/main">
+              <a14:hiddenEffects xmlns:a14="http://schemas.microsoft.com/office/drawing/2010/main" xmlns="">
                 <a:effectLst>
                   <a:outerShdw dist="35921" dir="2700000" algn="ctr" rotWithShape="0">
                     <a:schemeClr val="bg2"/>
@@ -29987,7 +30043,7 @@
           <a:effectLst/>
           <a:extLst>
             <a:ext uri="{AF507438-7753-43e0-B8FC-AC1667EBCBE1}">
-              <a14:hiddenEffects xmlns="" xmlns:a14="http://schemas.microsoft.com/office/drawing/2010/main">
+              <a14:hiddenEffects xmlns:a14="http://schemas.microsoft.com/office/drawing/2010/main" xmlns="">
                 <a:effectLst>
                   <a:outerShdw dist="35921" dir="2700000" algn="ctr" rotWithShape="0">
                     <a:schemeClr val="bg2"/>
@@ -30073,7 +30129,7 @@
           <a:effectLst/>
           <a:extLst>
             <a:ext uri="{AF507438-7753-43e0-B8FC-AC1667EBCBE1}">
-              <a14:hiddenEffects xmlns="" xmlns:a14="http://schemas.microsoft.com/office/drawing/2010/main">
+              <a14:hiddenEffects xmlns:a14="http://schemas.microsoft.com/office/drawing/2010/main" xmlns="">
                 <a:effectLst>
                   <a:outerShdw dist="35921" dir="2700000" algn="ctr" rotWithShape="0">
                     <a:schemeClr val="bg2"/>
@@ -30163,7 +30219,7 @@
           <a:effectLst/>
           <a:extLst>
             <a:ext uri="{AF507438-7753-43e0-B8FC-AC1667EBCBE1}">
-              <a14:hiddenEffects xmlns="" xmlns:a14="http://schemas.microsoft.com/office/drawing/2010/main">
+              <a14:hiddenEffects xmlns:a14="http://schemas.microsoft.com/office/drawing/2010/main" xmlns="">
                 <a:effectLst>
                   <a:outerShdw dist="35921" dir="2700000" algn="ctr" rotWithShape="0">
                     <a:schemeClr val="bg2"/>
@@ -30253,7 +30309,7 @@
           <a:effectLst/>
           <a:extLst>
             <a:ext uri="{AF507438-7753-43e0-B8FC-AC1667EBCBE1}">
-              <a14:hiddenEffects xmlns="" xmlns:a14="http://schemas.microsoft.com/office/drawing/2010/main">
+              <a14:hiddenEffects xmlns:a14="http://schemas.microsoft.com/office/drawing/2010/main" xmlns="">
                 <a:effectLst>
                   <a:outerShdw dist="35921" dir="2700000" algn="ctr" rotWithShape="0">
                     <a:schemeClr val="bg2"/>
@@ -30343,7 +30399,7 @@
           <a:effectLst/>
           <a:extLst>
             <a:ext uri="{AF507438-7753-43e0-B8FC-AC1667EBCBE1}">
-              <a14:hiddenEffects xmlns="" xmlns:a14="http://schemas.microsoft.com/office/drawing/2010/main">
+              <a14:hiddenEffects xmlns:a14="http://schemas.microsoft.com/office/drawing/2010/main" xmlns="">
                 <a:effectLst>
                   <a:outerShdw dist="35921" dir="2700000" algn="ctr" rotWithShape="0">
                     <a:schemeClr val="bg2"/>
@@ -30429,7 +30485,7 @@
           <a:effectLst/>
           <a:extLst>
             <a:ext uri="{AF507438-7753-43e0-B8FC-AC1667EBCBE1}">
-              <a14:hiddenEffects xmlns="" xmlns:a14="http://schemas.microsoft.com/office/drawing/2010/main">
+              <a14:hiddenEffects xmlns:a14="http://schemas.microsoft.com/office/drawing/2010/main" xmlns="">
                 <a:effectLst>
                   <a:outerShdw dist="35921" dir="2700000" algn="ctr" rotWithShape="0">
                     <a:schemeClr val="bg2"/>
@@ -30515,7 +30571,7 @@
           <a:effectLst/>
           <a:extLst>
             <a:ext uri="{AF507438-7753-43e0-B8FC-AC1667EBCBE1}">
-              <a14:hiddenEffects xmlns="" xmlns:a14="http://schemas.microsoft.com/office/drawing/2010/main">
+              <a14:hiddenEffects xmlns:a14="http://schemas.microsoft.com/office/drawing/2010/main" xmlns="">
                 <a:effectLst>
                   <a:outerShdw dist="35921" dir="2700000" algn="ctr" rotWithShape="0">
                     <a:schemeClr val="bg2"/>
@@ -30601,7 +30657,7 @@
           <a:effectLst/>
           <a:extLst>
             <a:ext uri="{AF507438-7753-43e0-B8FC-AC1667EBCBE1}">
-              <a14:hiddenEffects xmlns="" xmlns:a14="http://schemas.microsoft.com/office/drawing/2010/main">
+              <a14:hiddenEffects xmlns:a14="http://schemas.microsoft.com/office/drawing/2010/main" xmlns="">
                 <a:effectLst>
                   <a:outerShdw dist="35921" dir="2700000" algn="ctr" rotWithShape="0">
                     <a:schemeClr val="bg2"/>
@@ -30687,7 +30743,7 @@
           <a:effectLst/>
           <a:extLst>
             <a:ext uri="{AF507438-7753-43e0-B8FC-AC1667EBCBE1}">
-              <a14:hiddenEffects xmlns="" xmlns:a14="http://schemas.microsoft.com/office/drawing/2010/main">
+              <a14:hiddenEffects xmlns:a14="http://schemas.microsoft.com/office/drawing/2010/main" xmlns="">
                 <a:effectLst>
                   <a:outerShdw dist="35921" dir="2700000" algn="ctr" rotWithShape="0">
                     <a:schemeClr val="bg2"/>
@@ -30773,7 +30829,7 @@
           <a:effectLst/>
           <a:extLst>
             <a:ext uri="{AF507438-7753-43e0-B8FC-AC1667EBCBE1}">
-              <a14:hiddenEffects xmlns="" xmlns:a14="http://schemas.microsoft.com/office/drawing/2010/main">
+              <a14:hiddenEffects xmlns:a14="http://schemas.microsoft.com/office/drawing/2010/main" xmlns="">
                 <a:effectLst>
                   <a:outerShdw dist="35921" dir="2700000" algn="ctr" rotWithShape="0">
                     <a:schemeClr val="bg2"/>
@@ -30859,7 +30915,7 @@
           <a:effectLst/>
           <a:extLst>
             <a:ext uri="{AF507438-7753-43e0-B8FC-AC1667EBCBE1}">
-              <a14:hiddenEffects xmlns="" xmlns:a14="http://schemas.microsoft.com/office/drawing/2010/main">
+              <a14:hiddenEffects xmlns:a14="http://schemas.microsoft.com/office/drawing/2010/main" xmlns="">
                 <a:effectLst>
                   <a:outerShdw dist="35921" dir="2700000" algn="ctr" rotWithShape="0">
                     <a:schemeClr val="bg2"/>
@@ -30945,7 +31001,7 @@
           <a:effectLst/>
           <a:extLst>
             <a:ext uri="{AF507438-7753-43e0-B8FC-AC1667EBCBE1}">
-              <a14:hiddenEffects xmlns="" xmlns:a14="http://schemas.microsoft.com/office/drawing/2010/main">
+              <a14:hiddenEffects xmlns:a14="http://schemas.microsoft.com/office/drawing/2010/main" xmlns="">
                 <a:effectLst>
                   <a:outerShdw dist="35921" dir="2700000" algn="ctr" rotWithShape="0">
                     <a:schemeClr val="bg2"/>
@@ -31031,7 +31087,7 @@
           <a:effectLst/>
           <a:extLst>
             <a:ext uri="{AF507438-7753-43e0-B8FC-AC1667EBCBE1}">
-              <a14:hiddenEffects xmlns="" xmlns:a14="http://schemas.microsoft.com/office/drawing/2010/main">
+              <a14:hiddenEffects xmlns:a14="http://schemas.microsoft.com/office/drawing/2010/main" xmlns="">
                 <a:effectLst>
                   <a:outerShdw dist="35921" dir="2700000" algn="ctr" rotWithShape="0">
                     <a:schemeClr val="bg2"/>
@@ -31345,7 +31401,7 @@
         <a:effectLst/>
         <a:extLst>
           <a:ext uri="{AF507438-7753-43e0-B8FC-AC1667EBCBE1}">
-            <a14:hiddenEffects xmlns:a14="http://schemas.microsoft.com/office/drawing/2010/main" xmlns="">
+            <a14:hiddenEffects xmlns="" xmlns:a14="http://schemas.microsoft.com/office/drawing/2010/main">
               <a:effectLst>
                 <a:outerShdw dist="35921" dir="2700000" algn="ctr" rotWithShape="0">
                   <a:schemeClr val="bg2"/>
@@ -31419,7 +31475,7 @@
         <a:effectLst/>
         <a:extLst>
           <a:ext uri="{AF507438-7753-43e0-B8FC-AC1667EBCBE1}">
-            <a14:hiddenEffects xmlns:a14="http://schemas.microsoft.com/office/drawing/2010/main" xmlns="">
+            <a14:hiddenEffects xmlns="" xmlns:a14="http://schemas.microsoft.com/office/drawing/2010/main">
               <a:effectLst>
                 <a:outerShdw dist="35921" dir="2700000" algn="ctr" rotWithShape="0">
                   <a:schemeClr val="bg2"/>

--- a/Presentations/2024_COPERF_CGE.pptx
+++ b/Presentations/2024_COPERF_CGE.pptx
@@ -16,8 +16,8 @@
     <p:sldId id="280" r:id="rId4"/>
     <p:sldId id="260" r:id="rId5"/>
     <p:sldId id="261" r:id="rId6"/>
-    <p:sldId id="310" r:id="rId7"/>
-    <p:sldId id="268" r:id="rId8"/>
+    <p:sldId id="268" r:id="rId7"/>
+    <p:sldId id="310" r:id="rId8"/>
     <p:sldId id="264" r:id="rId9"/>
     <p:sldId id="311" r:id="rId10"/>
     <p:sldId id="302" r:id="rId11"/>
@@ -26,8 +26,8 @@
     <p:sldId id="304" r:id="rId14"/>
     <p:sldId id="305" r:id="rId15"/>
     <p:sldId id="307" r:id="rId16"/>
-    <p:sldId id="294" r:id="rId17"/>
-    <p:sldId id="289" r:id="rId18"/>
+    <p:sldId id="289" r:id="rId17"/>
+    <p:sldId id="294" r:id="rId18"/>
     <p:sldId id="308" r:id="rId19"/>
     <p:sldId id="306" r:id="rId20"/>
     <p:sldId id="309" r:id="rId21"/>
@@ -7327,6 +7327,45 @@
           </a:prstGeom>
         </p:spPr>
       </p:pic>
+      <p:sp>
+        <p:nvSpPr>
+          <p:cNvPr id="4" name="ZoneTexte 3">
+            <a:extLst>
+              <a:ext uri="{FF2B5EF4-FFF2-40B4-BE49-F238E27FC236}">
+                <a16:creationId xmlns:a16="http://schemas.microsoft.com/office/drawing/2014/main" id="{219B4F62-F89B-3422-0158-EBD87C1F047E}"/>
+              </a:ext>
+            </a:extLst>
+          </p:cNvPr>
+          <p:cNvSpPr txBox="1"/>
+          <p:nvPr/>
+        </p:nvSpPr>
+        <p:spPr>
+          <a:xfrm>
+            <a:off x="7817145" y="3762495"/>
+            <a:ext cx="1055097" cy="276999"/>
+          </a:xfrm>
+          <a:prstGeom prst="rect">
+            <a:avLst/>
+          </a:prstGeom>
+          <a:noFill/>
+        </p:spPr>
+        <p:txBody>
+          <a:bodyPr wrap="none" rtlCol="0">
+            <a:spAutoFit/>
+          </a:bodyPr>
+          <a:lstStyle/>
+          <a:p>
+            <a:r>
+              <a:rPr lang="fr-FR" sz="1200" b="1" dirty="0">
+                <a:solidFill>
+                  <a:srgbClr val="FF960A"/>
+                </a:solidFill>
+              </a:rPr>
+              <a:t>Promo 2023</a:t>
+            </a:r>
+          </a:p>
+        </p:txBody>
+      </p:sp>
     </p:spTree>
     <p:extLst>
       <p:ext uri="{BB962C8B-B14F-4D97-AF65-F5344CB8AC3E}">
@@ -8504,6 +8543,1688 @@
 </file>
 
 <file path=ppt/slides/slide16.xml><?xml version="1.0" encoding="utf-8"?>
+<p:sld xmlns:a="http://schemas.openxmlformats.org/drawingml/2006/main" xmlns:r="http://schemas.openxmlformats.org/officeDocument/2006/relationships" xmlns:p="http://schemas.openxmlformats.org/presentationml/2006/main">
+  <p:cSld>
+    <p:spTree>
+      <p:nvGrpSpPr>
+        <p:cNvPr id="1" name=""/>
+        <p:cNvGrpSpPr/>
+        <p:nvPr/>
+      </p:nvGrpSpPr>
+      <p:grpSpPr>
+        <a:xfrm>
+          <a:off x="0" y="0"/>
+          <a:ext cx="0" cy="0"/>
+          <a:chOff x="0" y="0"/>
+          <a:chExt cx="0" cy="0"/>
+        </a:xfrm>
+      </p:grpSpPr>
+      <p:sp>
+        <p:nvSpPr>
+          <p:cNvPr id="2" name="Titre 1">
+            <a:extLst>
+              <a:ext uri="{FF2B5EF4-FFF2-40B4-BE49-F238E27FC236}">
+                <a16:creationId xmlns:a16="http://schemas.microsoft.com/office/drawing/2014/main" id="{FAA161D5-927A-49ED-83AF-6D12A66FF712}"/>
+              </a:ext>
+            </a:extLst>
+          </p:cNvPr>
+          <p:cNvSpPr>
+            <a:spLocks noGrp="1"/>
+          </p:cNvSpPr>
+          <p:nvPr>
+            <p:ph type="title"/>
+          </p:nvPr>
+        </p:nvSpPr>
+        <p:spPr/>
+        <p:txBody>
+          <a:bodyPr/>
+          <a:lstStyle/>
+          <a:p>
+            <a:pPr>
+              <a:defRPr/>
+            </a:pPr>
+            <a:r>
+              <a:rPr lang="fr-FR" sz="2800" dirty="0"/>
+              <a:t>Enquête CGE / Cumul</a:t>
+            </a:r>
+          </a:p>
+        </p:txBody>
+      </p:sp>
+      <p:sp>
+        <p:nvSpPr>
+          <p:cNvPr id="6147" name="Espace réservé du contenu 2">
+            <a:extLst>
+              <a:ext uri="{FF2B5EF4-FFF2-40B4-BE49-F238E27FC236}">
+                <a16:creationId xmlns:a16="http://schemas.microsoft.com/office/drawing/2014/main" id="{458254A6-099B-4E75-907C-19CA1B94B253}"/>
+              </a:ext>
+            </a:extLst>
+          </p:cNvPr>
+          <p:cNvSpPr>
+            <a:spLocks noGrp="1" noChangeArrowheads="1"/>
+          </p:cNvSpPr>
+          <p:nvPr>
+            <p:ph idx="1"/>
+          </p:nvPr>
+        </p:nvSpPr>
+        <p:spPr>
+          <a:xfrm>
+            <a:off x="447675" y="1600200"/>
+            <a:ext cx="8229600" cy="1554480"/>
+          </a:xfrm>
+        </p:spPr>
+        <p:txBody>
+          <a:bodyPr/>
+          <a:lstStyle/>
+          <a:p>
+            <a:r>
+              <a:rPr lang="fr-FR" altLang="fr-FR" sz="2000" b="1" dirty="0">
+                <a:solidFill>
+                  <a:srgbClr val="EF553B"/>
+                </a:solidFill>
+                <a:ea typeface="ＭＳ Ｐゴシック" panose="020B0600070205080204" pitchFamily="34" charset="-128"/>
+              </a:rPr>
+              <a:t>Cumul de 2019 à 2022 / 2020 à 2023</a:t>
+            </a:r>
+          </a:p>
+          <a:p>
+            <a:r>
+              <a:rPr lang="fr-FR" altLang="fr-FR" sz="2000" b="1" dirty="0">
+                <a:solidFill>
+                  <a:srgbClr val="EF553B"/>
+                </a:solidFill>
+                <a:ea typeface="ＭＳ Ｐゴシック" panose="020B0600070205080204" pitchFamily="34" charset="-128"/>
+              </a:rPr>
+              <a:t>Lieu des emplois en France / Sites</a:t>
+            </a:r>
+          </a:p>
+        </p:txBody>
+      </p:sp>
+      <p:pic>
+        <p:nvPicPr>
+          <p:cNvPr id="6148" name="Picture 2" descr="upright=Article à illustrer Organisation">
+            <a:extLst>
+              <a:ext uri="{FF2B5EF4-FFF2-40B4-BE49-F238E27FC236}">
+                <a16:creationId xmlns:a16="http://schemas.microsoft.com/office/drawing/2014/main" id="{105BE698-E40C-4415-A9DF-F8680D1DF607}"/>
+              </a:ext>
+            </a:extLst>
+          </p:cNvPr>
+          <p:cNvPicPr>
+            <a:picLocks noChangeAspect="1" noChangeArrowheads="1"/>
+          </p:cNvPicPr>
+          <p:nvPr/>
+        </p:nvPicPr>
+        <p:blipFill>
+          <a:blip r:embed="rId2">
+            <a:extLst>
+              <a:ext uri="{28A0092B-C50C-407E-A947-70E740481C1C}">
+                <a14:useLocalDpi xmlns:a14="http://schemas.microsoft.com/office/drawing/2010/main" val="0"/>
+              </a:ext>
+            </a:extLst>
+          </a:blip>
+          <a:srcRect/>
+          <a:stretch>
+            <a:fillRect/>
+          </a:stretch>
+        </p:blipFill>
+        <p:spPr bwMode="auto">
+          <a:xfrm>
+            <a:off x="7766050" y="892175"/>
+            <a:ext cx="1157288" cy="384175"/>
+          </a:xfrm>
+          <a:prstGeom prst="rect">
+            <a:avLst/>
+          </a:prstGeom>
+          <a:noFill/>
+          <a:ln>
+            <a:noFill/>
+          </a:ln>
+          <a:extLst>
+            <a:ext uri="{909E8E84-426E-40DD-AFC4-6F175D3DCCD1}">
+              <a14:hiddenFill xmlns:a14="http://schemas.microsoft.com/office/drawing/2010/main">
+                <a:solidFill>
+                  <a:srgbClr val="FFFFFF"/>
+                </a:solidFill>
+              </a14:hiddenFill>
+            </a:ext>
+            <a:ext uri="{91240B29-F687-4F45-9708-019B960494DF}">
+              <a14:hiddenLine xmlns:a14="http://schemas.microsoft.com/office/drawing/2010/main" w="9525">
+                <a:solidFill>
+                  <a:srgbClr val="000000"/>
+                </a:solidFill>
+                <a:miter lim="800000"/>
+                <a:headEnd/>
+                <a:tailEnd/>
+              </a14:hiddenLine>
+            </a:ext>
+          </a:extLst>
+        </p:spPr>
+      </p:pic>
+      <p:sp>
+        <p:nvSpPr>
+          <p:cNvPr id="3" name="ZoneTexte 2">
+            <a:extLst>
+              <a:ext uri="{FF2B5EF4-FFF2-40B4-BE49-F238E27FC236}">
+                <a16:creationId xmlns:a16="http://schemas.microsoft.com/office/drawing/2014/main" id="{76C5E635-ACF0-A360-2BA1-1AD1AB1E7A21}"/>
+              </a:ext>
+            </a:extLst>
+          </p:cNvPr>
+          <p:cNvSpPr txBox="1"/>
+          <p:nvPr/>
+        </p:nvSpPr>
+        <p:spPr>
+          <a:xfrm rot="16200000">
+            <a:off x="-2330100" y="3437334"/>
+            <a:ext cx="4998749" cy="338554"/>
+          </a:xfrm>
+          <a:prstGeom prst="rect">
+            <a:avLst/>
+          </a:prstGeom>
+          <a:solidFill>
+            <a:srgbClr val="EF553B"/>
+          </a:solidFill>
+        </p:spPr>
+        <p:txBody>
+          <a:bodyPr wrap="square" rtlCol="0">
+            <a:spAutoFit/>
+          </a:bodyPr>
+          <a:lstStyle/>
+          <a:p>
+            <a:r>
+              <a:rPr lang="fr-FR" dirty="0">
+                <a:solidFill>
+                  <a:schemeClr val="bg1"/>
+                </a:solidFill>
+              </a:rPr>
+              <a:t>Enquête CGE / Cumul</a:t>
+            </a:r>
+          </a:p>
+        </p:txBody>
+      </p:sp>
+      <p:sp>
+        <p:nvSpPr>
+          <p:cNvPr id="9" name="ZoneTexte 8">
+            <a:extLst>
+              <a:ext uri="{FF2B5EF4-FFF2-40B4-BE49-F238E27FC236}">
+                <a16:creationId xmlns:a16="http://schemas.microsoft.com/office/drawing/2014/main" id="{607FEABF-F1C9-7143-AA31-45A4A932AF8A}"/>
+              </a:ext>
+            </a:extLst>
+          </p:cNvPr>
+          <p:cNvSpPr txBox="1"/>
+          <p:nvPr/>
+        </p:nvSpPr>
+        <p:spPr>
+          <a:xfrm>
+            <a:off x="3821018" y="807154"/>
+            <a:ext cx="3720890" cy="600164"/>
+          </a:xfrm>
+          <a:prstGeom prst="rect">
+            <a:avLst/>
+          </a:prstGeom>
+          <a:noFill/>
+        </p:spPr>
+        <p:txBody>
+          <a:bodyPr wrap="none" rtlCol="0">
+            <a:spAutoFit/>
+          </a:bodyPr>
+          <a:lstStyle/>
+          <a:p>
+            <a:r>
+              <a:rPr lang="fr-FR" sz="1100" b="1" dirty="0">
+                <a:solidFill>
+                  <a:srgbClr val="002060"/>
+                </a:solidFill>
+              </a:rPr>
+              <a:t>Comparaison avec résultats nationaux :</a:t>
+            </a:r>
+          </a:p>
+          <a:p>
+            <a:pPr marL="285750" indent="-285750">
+              <a:buFontTx/>
+              <a:buChar char="-"/>
+            </a:pPr>
+            <a:r>
+              <a:rPr lang="fr-FR" sz="1100" dirty="0">
+                <a:solidFill>
+                  <a:srgbClr val="002060"/>
+                </a:solidFill>
+              </a:rPr>
+              <a:t>hypothèse : nombre quasi constant de répondant.es</a:t>
+            </a:r>
+          </a:p>
+          <a:p>
+            <a:pPr marL="285750" indent="-285750">
+              <a:buFontTx/>
+              <a:buChar char="-"/>
+            </a:pPr>
+            <a:r>
+              <a:rPr lang="fr-FR" sz="1100" i="1" dirty="0">
+                <a:solidFill>
+                  <a:srgbClr val="002060"/>
+                </a:solidFill>
+              </a:rPr>
+              <a:t>Calcul : somme des moyennes / nombre années</a:t>
+            </a:r>
+          </a:p>
+        </p:txBody>
+      </p:sp>
+      <p:graphicFrame>
+        <p:nvGraphicFramePr>
+          <p:cNvPr id="5" name="Tableau 4">
+            <a:extLst>
+              <a:ext uri="{FF2B5EF4-FFF2-40B4-BE49-F238E27FC236}">
+                <a16:creationId xmlns:a16="http://schemas.microsoft.com/office/drawing/2014/main" id="{67D5A9BE-B287-0AD5-1BCF-FEC21F1E9A75}"/>
+              </a:ext>
+            </a:extLst>
+          </p:cNvPr>
+          <p:cNvGraphicFramePr>
+            <a:graphicFrameLocks noGrp="1"/>
+          </p:cNvGraphicFramePr>
+          <p:nvPr>
+            <p:extLst>
+              <p:ext uri="{D42A27DB-BD31-4B8C-83A1-F6EECF244321}">
+                <p14:modId xmlns:p14="http://schemas.microsoft.com/office/powerpoint/2010/main" val="2261695672"/>
+              </p:ext>
+            </p:extLst>
+          </p:nvPr>
+        </p:nvGraphicFramePr>
+        <p:xfrm>
+          <a:off x="1514475" y="3137216"/>
+          <a:ext cx="6095999" cy="2595880"/>
+        </p:xfrm>
+        <a:graphic>
+          <a:graphicData uri="http://schemas.openxmlformats.org/drawingml/2006/table">
+            <a:tbl>
+              <a:tblPr firstRow="1" bandRow="1">
+                <a:tableStyleId>{21E4AEA4-8DFA-4A89-87EB-49C32662AFE0}</a:tableStyleId>
+              </a:tblPr>
+              <a:tblGrid>
+                <a:gridCol w="870857">
+                  <a:extLst>
+                    <a:ext uri="{9D8B030D-6E8A-4147-A177-3AD203B41FA5}">
+                      <a16:colId xmlns:a16="http://schemas.microsoft.com/office/drawing/2014/main" val="2053038476"/>
+                    </a:ext>
+                  </a:extLst>
+                </a:gridCol>
+                <a:gridCol w="870857">
+                  <a:extLst>
+                    <a:ext uri="{9D8B030D-6E8A-4147-A177-3AD203B41FA5}">
+                      <a16:colId xmlns:a16="http://schemas.microsoft.com/office/drawing/2014/main" val="3832746835"/>
+                    </a:ext>
+                  </a:extLst>
+                </a:gridCol>
+                <a:gridCol w="870857">
+                  <a:extLst>
+                    <a:ext uri="{9D8B030D-6E8A-4147-A177-3AD203B41FA5}">
+                      <a16:colId xmlns:a16="http://schemas.microsoft.com/office/drawing/2014/main" val="4009216877"/>
+                    </a:ext>
+                  </a:extLst>
+                </a:gridCol>
+                <a:gridCol w="870857">
+                  <a:extLst>
+                    <a:ext uri="{9D8B030D-6E8A-4147-A177-3AD203B41FA5}">
+                      <a16:colId xmlns:a16="http://schemas.microsoft.com/office/drawing/2014/main" val="3856658833"/>
+                    </a:ext>
+                  </a:extLst>
+                </a:gridCol>
+                <a:gridCol w="870857">
+                  <a:extLst>
+                    <a:ext uri="{9D8B030D-6E8A-4147-A177-3AD203B41FA5}">
+                      <a16:colId xmlns:a16="http://schemas.microsoft.com/office/drawing/2014/main" val="1457748498"/>
+                    </a:ext>
+                  </a:extLst>
+                </a:gridCol>
+                <a:gridCol w="870857">
+                  <a:extLst>
+                    <a:ext uri="{9D8B030D-6E8A-4147-A177-3AD203B41FA5}">
+                      <a16:colId xmlns:a16="http://schemas.microsoft.com/office/drawing/2014/main" val="3308663209"/>
+                    </a:ext>
+                  </a:extLst>
+                </a:gridCol>
+                <a:gridCol w="870857">
+                  <a:extLst>
+                    <a:ext uri="{9D8B030D-6E8A-4147-A177-3AD203B41FA5}">
+                      <a16:colId xmlns:a16="http://schemas.microsoft.com/office/drawing/2014/main" val="2294340571"/>
+                    </a:ext>
+                  </a:extLst>
+                </a:gridCol>
+              </a:tblGrid>
+              <a:tr h="370840">
+                <a:tc>
+                  <a:txBody>
+                    <a:bodyPr/>
+                    <a:lstStyle/>
+                    <a:p>
+                      <a:pPr algn="ctr"/>
+                      <a:r>
+                        <a:rPr lang="fr-FR" sz="1400" dirty="0"/>
+                        <a:t>Sites</a:t>
+                      </a:r>
+                    </a:p>
+                  </a:txBody>
+                  <a:tcPr/>
+                </a:tc>
+                <a:tc>
+                  <a:txBody>
+                    <a:bodyPr/>
+                    <a:lstStyle/>
+                    <a:p>
+                      <a:pPr algn="ctr"/>
+                      <a:r>
+                        <a:rPr lang="fr-FR" sz="1400" dirty="0"/>
+                        <a:t>IDF</a:t>
+                      </a:r>
+                    </a:p>
+                  </a:txBody>
+                  <a:tcPr/>
+                </a:tc>
+                <a:tc>
+                  <a:txBody>
+                    <a:bodyPr/>
+                    <a:lstStyle/>
+                    <a:p>
+                      <a:pPr algn="ctr"/>
+                      <a:r>
+                        <a:rPr lang="fr-FR" sz="1400" dirty="0" err="1"/>
+                        <a:t>horsIDF</a:t>
+                      </a:r>
+                      <a:endParaRPr lang="fr-FR" sz="1400" dirty="0"/>
+                    </a:p>
+                  </a:txBody>
+                  <a:tcPr/>
+                </a:tc>
+                <a:tc>
+                  <a:txBody>
+                    <a:bodyPr/>
+                    <a:lstStyle/>
+                    <a:p>
+                      <a:pPr algn="ctr"/>
+                      <a:r>
+                        <a:rPr lang="fr-FR" sz="1050" dirty="0"/>
+                        <a:t>Nb Rep</a:t>
+                      </a:r>
+                    </a:p>
+                  </a:txBody>
+                  <a:tcPr/>
+                </a:tc>
+                <a:tc>
+                  <a:txBody>
+                    <a:bodyPr/>
+                    <a:lstStyle/>
+                    <a:p>
+                      <a:pPr algn="ctr"/>
+                      <a:r>
+                        <a:rPr lang="fr-FR" sz="1400" dirty="0"/>
+                        <a:t>IDF</a:t>
+                      </a:r>
+                    </a:p>
+                  </a:txBody>
+                  <a:tcPr/>
+                </a:tc>
+                <a:tc>
+                  <a:txBody>
+                    <a:bodyPr/>
+                    <a:lstStyle/>
+                    <a:p>
+                      <a:pPr algn="ctr"/>
+                      <a:r>
+                        <a:rPr lang="fr-FR" sz="1400" dirty="0" err="1"/>
+                        <a:t>horsIDF</a:t>
+                      </a:r>
+                      <a:endParaRPr lang="fr-FR" sz="1400" dirty="0"/>
+                    </a:p>
+                  </a:txBody>
+                  <a:tcPr/>
+                </a:tc>
+                <a:tc>
+                  <a:txBody>
+                    <a:bodyPr/>
+                    <a:lstStyle/>
+                    <a:p>
+                      <a:pPr algn="ctr"/>
+                      <a:r>
+                        <a:rPr lang="fr-FR" sz="1050" dirty="0"/>
+                        <a:t>Nb Rep</a:t>
+                      </a:r>
+                    </a:p>
+                  </a:txBody>
+                  <a:tcPr/>
+                </a:tc>
+                <a:extLst>
+                  <a:ext uri="{0D108BD9-81ED-4DB2-BD59-A6C34878D82A}">
+                    <a16:rowId xmlns:a16="http://schemas.microsoft.com/office/drawing/2014/main" val="3899797023"/>
+                  </a:ext>
+                </a:extLst>
+              </a:tr>
+              <a:tr h="370840">
+                <a:tc>
+                  <a:txBody>
+                    <a:bodyPr/>
+                    <a:lstStyle/>
+                    <a:p>
+                      <a:pPr algn="ctr"/>
+                      <a:r>
+                        <a:rPr lang="fr-FR" sz="1600" dirty="0"/>
+                        <a:t>CGE</a:t>
+                      </a:r>
+                    </a:p>
+                  </a:txBody>
+                  <a:tcPr/>
+                </a:tc>
+                <a:tc>
+                  <a:txBody>
+                    <a:bodyPr/>
+                    <a:lstStyle/>
+                    <a:p>
+                      <a:pPr algn="ctr" fontAlgn="base"/>
+                      <a:r>
+                        <a:rPr lang="fr-FR" sz="1400" dirty="0">
+                          <a:solidFill>
+                            <a:srgbClr val="3D4449"/>
+                          </a:solidFill>
+                          <a:effectLst/>
+                        </a:rPr>
+                        <a:t>39.7 %</a:t>
+                      </a:r>
+                    </a:p>
+                  </a:txBody>
+                  <a:tcPr anchor="ctr"/>
+                </a:tc>
+                <a:tc>
+                  <a:txBody>
+                    <a:bodyPr/>
+                    <a:lstStyle/>
+                    <a:p>
+                      <a:pPr algn="ctr" fontAlgn="base"/>
+                      <a:r>
+                        <a:rPr lang="fr-FR" sz="1400" dirty="0">
+                          <a:solidFill>
+                            <a:srgbClr val="443597"/>
+                          </a:solidFill>
+                          <a:effectLst/>
+                        </a:rPr>
+                        <a:t>60.3 %</a:t>
+                      </a:r>
+                    </a:p>
+                  </a:txBody>
+                  <a:tcPr anchor="ctr"/>
+                </a:tc>
+                <a:tc>
+                  <a:txBody>
+                    <a:bodyPr/>
+                    <a:lstStyle/>
+                    <a:p>
+                      <a:pPr algn="ctr"/>
+                      <a:endParaRPr lang="fr-FR" sz="1400" dirty="0"/>
+                    </a:p>
+                  </a:txBody>
+                  <a:tcPr/>
+                </a:tc>
+                <a:tc>
+                  <a:txBody>
+                    <a:bodyPr/>
+                    <a:lstStyle/>
+                    <a:p>
+                      <a:pPr algn="ctr" fontAlgn="base"/>
+                      <a:r>
+                        <a:rPr lang="fr-FR" sz="1400" dirty="0">
+                          <a:solidFill>
+                            <a:srgbClr val="3D4449"/>
+                          </a:solidFill>
+                          <a:effectLst/>
+                        </a:rPr>
+                        <a:t>39.0 %</a:t>
+                      </a:r>
+                    </a:p>
+                  </a:txBody>
+                  <a:tcPr anchor="ctr"/>
+                </a:tc>
+                <a:tc>
+                  <a:txBody>
+                    <a:bodyPr/>
+                    <a:lstStyle/>
+                    <a:p>
+                      <a:pPr algn="ctr" fontAlgn="base"/>
+                      <a:r>
+                        <a:rPr lang="fr-FR" sz="1400" dirty="0">
+                          <a:solidFill>
+                            <a:srgbClr val="443597"/>
+                          </a:solidFill>
+                          <a:effectLst/>
+                        </a:rPr>
+                        <a:t>61.0 %</a:t>
+                      </a:r>
+                    </a:p>
+                  </a:txBody>
+                  <a:tcPr anchor="ctr"/>
+                </a:tc>
+                <a:tc>
+                  <a:txBody>
+                    <a:bodyPr/>
+                    <a:lstStyle/>
+                    <a:p>
+                      <a:pPr algn="ctr"/>
+                      <a:endParaRPr lang="fr-FR" sz="1100" dirty="0"/>
+                    </a:p>
+                  </a:txBody>
+                  <a:tcPr/>
+                </a:tc>
+                <a:extLst>
+                  <a:ext uri="{0D108BD9-81ED-4DB2-BD59-A6C34878D82A}">
+                    <a16:rowId xmlns:a16="http://schemas.microsoft.com/office/drawing/2014/main" val="952767304"/>
+                  </a:ext>
+                </a:extLst>
+              </a:tr>
+              <a:tr h="370840">
+                <a:tc>
+                  <a:txBody>
+                    <a:bodyPr/>
+                    <a:lstStyle/>
+                    <a:p>
+                      <a:pPr algn="ctr"/>
+                      <a:r>
+                        <a:rPr lang="fr-FR" b="1" dirty="0" err="1"/>
+                        <a:t>Ens</a:t>
+                      </a:r>
+                      <a:r>
+                        <a:rPr lang="fr-FR" b="1" dirty="0"/>
+                        <a:t>.</a:t>
+                      </a:r>
+                    </a:p>
+                  </a:txBody>
+                  <a:tcPr/>
+                </a:tc>
+                <a:tc>
+                  <a:txBody>
+                    <a:bodyPr/>
+                    <a:lstStyle/>
+                    <a:p>
+                      <a:pPr algn="ctr" fontAlgn="base"/>
+                      <a:r>
+                        <a:rPr lang="fr-FR" b="1" dirty="0">
+                          <a:solidFill>
+                            <a:srgbClr val="3D4449"/>
+                          </a:solidFill>
+                          <a:effectLst/>
+                          <a:latin typeface="inherit"/>
+                        </a:rPr>
+                        <a:t>74.4 %</a:t>
+                      </a:r>
+                      <a:endParaRPr lang="fr-FR" dirty="0">
+                        <a:effectLst/>
+                      </a:endParaRPr>
+                    </a:p>
+                  </a:txBody>
+                  <a:tcPr anchor="ctr"/>
+                </a:tc>
+                <a:tc>
+                  <a:txBody>
+                    <a:bodyPr/>
+                    <a:lstStyle/>
+                    <a:p>
+                      <a:pPr algn="ctr" fontAlgn="base"/>
+                      <a:r>
+                        <a:rPr lang="fr-FR" b="1" dirty="0">
+                          <a:solidFill>
+                            <a:srgbClr val="443597"/>
+                          </a:solidFill>
+                          <a:effectLst/>
+                          <a:latin typeface="inherit"/>
+                        </a:rPr>
+                        <a:t>25.6 %</a:t>
+                      </a:r>
+                      <a:endParaRPr lang="fr-FR" dirty="0">
+                        <a:effectLst/>
+                      </a:endParaRPr>
+                    </a:p>
+                  </a:txBody>
+                  <a:tcPr anchor="ctr"/>
+                </a:tc>
+                <a:tc>
+                  <a:txBody>
+                    <a:bodyPr/>
+                    <a:lstStyle/>
+                    <a:p>
+                      <a:pPr algn="ctr" fontAlgn="base"/>
+                      <a:r>
+                        <a:rPr lang="fr-FR" sz="1200" b="1" dirty="0">
+                          <a:solidFill>
+                            <a:srgbClr val="376E8B"/>
+                          </a:solidFill>
+                          <a:effectLst/>
+                          <a:latin typeface="inherit"/>
+                        </a:rPr>
+                        <a:t>117</a:t>
+                      </a:r>
+                      <a:endParaRPr lang="fr-FR" sz="1200" dirty="0">
+                        <a:effectLst/>
+                      </a:endParaRPr>
+                    </a:p>
+                  </a:txBody>
+                  <a:tcPr anchor="ctr"/>
+                </a:tc>
+                <a:tc>
+                  <a:txBody>
+                    <a:bodyPr/>
+                    <a:lstStyle/>
+                    <a:p>
+                      <a:pPr algn="ctr" fontAlgn="base"/>
+                      <a:r>
+                        <a:rPr lang="fr-FR" b="1" dirty="0">
+                          <a:solidFill>
+                            <a:srgbClr val="3D4449"/>
+                          </a:solidFill>
+                          <a:effectLst/>
+                          <a:latin typeface="inherit"/>
+                        </a:rPr>
+                        <a:t>69.5 %</a:t>
+                      </a:r>
+                      <a:endParaRPr lang="fr-FR" dirty="0">
+                        <a:effectLst/>
+                      </a:endParaRPr>
+                    </a:p>
+                  </a:txBody>
+                  <a:tcPr anchor="ctr"/>
+                </a:tc>
+                <a:tc>
+                  <a:txBody>
+                    <a:bodyPr/>
+                    <a:lstStyle/>
+                    <a:p>
+                      <a:pPr algn="ctr" fontAlgn="base"/>
+                      <a:r>
+                        <a:rPr lang="fr-FR" b="1" dirty="0">
+                          <a:solidFill>
+                            <a:srgbClr val="443597"/>
+                          </a:solidFill>
+                          <a:effectLst/>
+                          <a:latin typeface="inherit"/>
+                        </a:rPr>
+                        <a:t>30.5 %</a:t>
+                      </a:r>
+                      <a:endParaRPr lang="fr-FR" dirty="0">
+                        <a:effectLst/>
+                      </a:endParaRPr>
+                    </a:p>
+                  </a:txBody>
+                  <a:tcPr anchor="ctr"/>
+                </a:tc>
+                <a:tc>
+                  <a:txBody>
+                    <a:bodyPr/>
+                    <a:lstStyle/>
+                    <a:p>
+                      <a:pPr algn="ctr" fontAlgn="base"/>
+                      <a:r>
+                        <a:rPr lang="fr-FR" sz="1200" b="1" dirty="0">
+                          <a:solidFill>
+                            <a:srgbClr val="376E8B"/>
+                          </a:solidFill>
+                          <a:effectLst/>
+                          <a:latin typeface="inherit"/>
+                        </a:rPr>
+                        <a:t>105</a:t>
+                      </a:r>
+                      <a:endParaRPr lang="fr-FR" sz="1200" dirty="0">
+                        <a:effectLst/>
+                      </a:endParaRPr>
+                    </a:p>
+                  </a:txBody>
+                  <a:tcPr anchor="ctr"/>
+                </a:tc>
+                <a:extLst>
+                  <a:ext uri="{0D108BD9-81ED-4DB2-BD59-A6C34878D82A}">
+                    <a16:rowId xmlns:a16="http://schemas.microsoft.com/office/drawing/2014/main" val="809898311"/>
+                  </a:ext>
+                </a:extLst>
+              </a:tr>
+              <a:tr h="370840">
+                <a:tc>
+                  <a:txBody>
+                    <a:bodyPr/>
+                    <a:lstStyle/>
+                    <a:p>
+                      <a:pPr algn="ctr"/>
+                      <a:r>
+                        <a:rPr lang="fr-FR" sz="1600" dirty="0">
+                          <a:solidFill>
+                            <a:schemeClr val="bg1"/>
+                          </a:solidFill>
+                        </a:rPr>
+                        <a:t>Pal.</a:t>
+                      </a:r>
+                    </a:p>
+                  </a:txBody>
+                  <a:tcPr>
+                    <a:solidFill>
+                      <a:schemeClr val="accent6">
+                        <a:lumMod val="40000"/>
+                        <a:lumOff val="60000"/>
+                      </a:schemeClr>
+                    </a:solidFill>
+                  </a:tcPr>
+                </a:tc>
+                <a:tc>
+                  <a:txBody>
+                    <a:bodyPr/>
+                    <a:lstStyle/>
+                    <a:p>
+                      <a:pPr algn="ctr" fontAlgn="base"/>
+                      <a:r>
+                        <a:rPr lang="fr-FR" sz="1400" dirty="0">
+                          <a:solidFill>
+                            <a:schemeClr val="bg1"/>
+                          </a:solidFill>
+                          <a:effectLst/>
+                        </a:rPr>
+                        <a:t>81.2 %</a:t>
+                      </a:r>
+                    </a:p>
+                  </a:txBody>
+                  <a:tcPr anchor="ctr">
+                    <a:solidFill>
+                      <a:schemeClr val="accent6">
+                        <a:lumMod val="40000"/>
+                        <a:lumOff val="60000"/>
+                      </a:schemeClr>
+                    </a:solidFill>
+                  </a:tcPr>
+                </a:tc>
+                <a:tc>
+                  <a:txBody>
+                    <a:bodyPr/>
+                    <a:lstStyle/>
+                    <a:p>
+                      <a:pPr algn="ctr" fontAlgn="base"/>
+                      <a:r>
+                        <a:rPr lang="fr-FR" sz="1400" dirty="0">
+                          <a:solidFill>
+                            <a:schemeClr val="bg1"/>
+                          </a:solidFill>
+                          <a:effectLst/>
+                        </a:rPr>
+                        <a:t>18.8 %</a:t>
+                      </a:r>
+                    </a:p>
+                  </a:txBody>
+                  <a:tcPr anchor="ctr">
+                    <a:solidFill>
+                      <a:schemeClr val="accent6">
+                        <a:lumMod val="40000"/>
+                        <a:lumOff val="60000"/>
+                      </a:schemeClr>
+                    </a:solidFill>
+                  </a:tcPr>
+                </a:tc>
+                <a:tc>
+                  <a:txBody>
+                    <a:bodyPr/>
+                    <a:lstStyle/>
+                    <a:p>
+                      <a:pPr algn="ctr" fontAlgn="base"/>
+                      <a:r>
+                        <a:rPr lang="fr-FR" sz="1100" dirty="0">
+                          <a:solidFill>
+                            <a:schemeClr val="bg1"/>
+                          </a:solidFill>
+                          <a:effectLst/>
+                        </a:rPr>
+                        <a:t>69</a:t>
+                      </a:r>
+                    </a:p>
+                  </a:txBody>
+                  <a:tcPr anchor="ctr">
+                    <a:solidFill>
+                      <a:schemeClr val="accent6">
+                        <a:lumMod val="40000"/>
+                        <a:lumOff val="60000"/>
+                      </a:schemeClr>
+                    </a:solidFill>
+                  </a:tcPr>
+                </a:tc>
+                <a:tc>
+                  <a:txBody>
+                    <a:bodyPr/>
+                    <a:lstStyle/>
+                    <a:p>
+                      <a:pPr algn="ctr" fontAlgn="base"/>
+                      <a:r>
+                        <a:rPr lang="fr-FR" sz="1400" dirty="0">
+                          <a:solidFill>
+                            <a:schemeClr val="bg1"/>
+                          </a:solidFill>
+                          <a:effectLst/>
+                        </a:rPr>
+                        <a:t>74.6 %</a:t>
+                      </a:r>
+                    </a:p>
+                  </a:txBody>
+                  <a:tcPr anchor="ctr">
+                    <a:solidFill>
+                      <a:schemeClr val="accent6">
+                        <a:lumMod val="40000"/>
+                        <a:lumOff val="60000"/>
+                      </a:schemeClr>
+                    </a:solidFill>
+                  </a:tcPr>
+                </a:tc>
+                <a:tc>
+                  <a:txBody>
+                    <a:bodyPr/>
+                    <a:lstStyle/>
+                    <a:p>
+                      <a:pPr algn="ctr" fontAlgn="base"/>
+                      <a:r>
+                        <a:rPr lang="fr-FR" sz="1400" dirty="0">
+                          <a:solidFill>
+                            <a:schemeClr val="bg1"/>
+                          </a:solidFill>
+                          <a:effectLst/>
+                        </a:rPr>
+                        <a:t>25.4 %</a:t>
+                      </a:r>
+                    </a:p>
+                  </a:txBody>
+                  <a:tcPr anchor="ctr">
+                    <a:solidFill>
+                      <a:schemeClr val="accent6">
+                        <a:lumMod val="40000"/>
+                        <a:lumOff val="60000"/>
+                      </a:schemeClr>
+                    </a:solidFill>
+                  </a:tcPr>
+                </a:tc>
+                <a:tc>
+                  <a:txBody>
+                    <a:bodyPr/>
+                    <a:lstStyle/>
+                    <a:p>
+                      <a:pPr algn="ctr" fontAlgn="base"/>
+                      <a:r>
+                        <a:rPr lang="fr-FR" sz="1100" dirty="0">
+                          <a:solidFill>
+                            <a:schemeClr val="bg1"/>
+                          </a:solidFill>
+                          <a:effectLst/>
+                        </a:rPr>
+                        <a:t>67</a:t>
+                      </a:r>
+                    </a:p>
+                  </a:txBody>
+                  <a:tcPr anchor="ctr">
+                    <a:solidFill>
+                      <a:schemeClr val="accent6">
+                        <a:lumMod val="40000"/>
+                        <a:lumOff val="60000"/>
+                      </a:schemeClr>
+                    </a:solidFill>
+                  </a:tcPr>
+                </a:tc>
+                <a:extLst>
+                  <a:ext uri="{0D108BD9-81ED-4DB2-BD59-A6C34878D82A}">
+                    <a16:rowId xmlns:a16="http://schemas.microsoft.com/office/drawing/2014/main" val="2207166277"/>
+                  </a:ext>
+                </a:extLst>
+              </a:tr>
+              <a:tr h="370840">
+                <a:tc>
+                  <a:txBody>
+                    <a:bodyPr/>
+                    <a:lstStyle/>
+                    <a:p>
+                      <a:pPr algn="ctr"/>
+                      <a:r>
+                        <a:rPr lang="fr-FR" sz="1600" dirty="0" err="1">
+                          <a:solidFill>
+                            <a:schemeClr val="bg1"/>
+                          </a:solidFill>
+                        </a:rPr>
+                        <a:t>Bdx</a:t>
+                      </a:r>
+                      <a:endParaRPr lang="fr-FR" sz="1600" dirty="0">
+                        <a:solidFill>
+                          <a:schemeClr val="bg1"/>
+                        </a:solidFill>
+                      </a:endParaRPr>
+                    </a:p>
+                  </a:txBody>
+                  <a:tcPr>
+                    <a:solidFill>
+                      <a:schemeClr val="accent6">
+                        <a:lumMod val="60000"/>
+                        <a:lumOff val="40000"/>
+                      </a:schemeClr>
+                    </a:solidFill>
+                  </a:tcPr>
+                </a:tc>
+                <a:tc>
+                  <a:txBody>
+                    <a:bodyPr/>
+                    <a:lstStyle/>
+                    <a:p>
+                      <a:pPr algn="ctr" fontAlgn="base"/>
+                      <a:r>
+                        <a:rPr lang="fr-FR" sz="1400" dirty="0">
+                          <a:solidFill>
+                            <a:schemeClr val="bg1"/>
+                          </a:solidFill>
+                          <a:effectLst/>
+                        </a:rPr>
+                        <a:t>60.0 %</a:t>
+                      </a:r>
+                    </a:p>
+                  </a:txBody>
+                  <a:tcPr anchor="ctr">
+                    <a:solidFill>
+                      <a:schemeClr val="accent6">
+                        <a:lumMod val="60000"/>
+                        <a:lumOff val="40000"/>
+                      </a:schemeClr>
+                    </a:solidFill>
+                  </a:tcPr>
+                </a:tc>
+                <a:tc>
+                  <a:txBody>
+                    <a:bodyPr/>
+                    <a:lstStyle/>
+                    <a:p>
+                      <a:pPr algn="ctr" fontAlgn="base"/>
+                      <a:r>
+                        <a:rPr lang="fr-FR" sz="1400" dirty="0">
+                          <a:solidFill>
+                            <a:schemeClr val="bg1"/>
+                          </a:solidFill>
+                          <a:effectLst/>
+                        </a:rPr>
+                        <a:t>40.0 %</a:t>
+                      </a:r>
+                    </a:p>
+                  </a:txBody>
+                  <a:tcPr anchor="ctr">
+                    <a:solidFill>
+                      <a:schemeClr val="accent6">
+                        <a:lumMod val="60000"/>
+                        <a:lumOff val="40000"/>
+                      </a:schemeClr>
+                    </a:solidFill>
+                  </a:tcPr>
+                </a:tc>
+                <a:tc>
+                  <a:txBody>
+                    <a:bodyPr/>
+                    <a:lstStyle/>
+                    <a:p>
+                      <a:pPr algn="ctr" fontAlgn="base"/>
+                      <a:r>
+                        <a:rPr lang="fr-FR" sz="1100" dirty="0">
+                          <a:solidFill>
+                            <a:schemeClr val="bg1"/>
+                          </a:solidFill>
+                          <a:effectLst/>
+                        </a:rPr>
+                        <a:t>20</a:t>
+                      </a:r>
+                    </a:p>
+                  </a:txBody>
+                  <a:tcPr anchor="ctr">
+                    <a:solidFill>
+                      <a:schemeClr val="accent6">
+                        <a:lumMod val="60000"/>
+                        <a:lumOff val="40000"/>
+                      </a:schemeClr>
+                    </a:solidFill>
+                  </a:tcPr>
+                </a:tc>
+                <a:tc>
+                  <a:txBody>
+                    <a:bodyPr/>
+                    <a:lstStyle/>
+                    <a:p>
+                      <a:pPr algn="ctr" fontAlgn="base"/>
+                      <a:r>
+                        <a:rPr lang="fr-FR" sz="1400" dirty="0">
+                          <a:solidFill>
+                            <a:schemeClr val="bg1"/>
+                          </a:solidFill>
+                          <a:effectLst/>
+                        </a:rPr>
+                        <a:t>61.5 %</a:t>
+                      </a:r>
+                    </a:p>
+                  </a:txBody>
+                  <a:tcPr anchor="ctr">
+                    <a:solidFill>
+                      <a:schemeClr val="accent6">
+                        <a:lumMod val="60000"/>
+                        <a:lumOff val="40000"/>
+                      </a:schemeClr>
+                    </a:solidFill>
+                  </a:tcPr>
+                </a:tc>
+                <a:tc>
+                  <a:txBody>
+                    <a:bodyPr/>
+                    <a:lstStyle/>
+                    <a:p>
+                      <a:pPr algn="ctr" fontAlgn="base"/>
+                      <a:r>
+                        <a:rPr lang="fr-FR" sz="1400" dirty="0">
+                          <a:solidFill>
+                            <a:schemeClr val="bg1"/>
+                          </a:solidFill>
+                          <a:effectLst/>
+                        </a:rPr>
+                        <a:t>38.5 %</a:t>
+                      </a:r>
+                    </a:p>
+                  </a:txBody>
+                  <a:tcPr anchor="ctr">
+                    <a:solidFill>
+                      <a:schemeClr val="accent6">
+                        <a:lumMod val="60000"/>
+                        <a:lumOff val="40000"/>
+                      </a:schemeClr>
+                    </a:solidFill>
+                  </a:tcPr>
+                </a:tc>
+                <a:tc>
+                  <a:txBody>
+                    <a:bodyPr/>
+                    <a:lstStyle/>
+                    <a:p>
+                      <a:pPr algn="ctr" fontAlgn="base"/>
+                      <a:r>
+                        <a:rPr lang="fr-FR" sz="1100" dirty="0">
+                          <a:solidFill>
+                            <a:schemeClr val="bg1"/>
+                          </a:solidFill>
+                          <a:effectLst/>
+                        </a:rPr>
+                        <a:t>13</a:t>
+                      </a:r>
+                    </a:p>
+                  </a:txBody>
+                  <a:tcPr anchor="ctr">
+                    <a:solidFill>
+                      <a:schemeClr val="accent6">
+                        <a:lumMod val="60000"/>
+                        <a:lumOff val="40000"/>
+                      </a:schemeClr>
+                    </a:solidFill>
+                  </a:tcPr>
+                </a:tc>
+                <a:extLst>
+                  <a:ext uri="{0D108BD9-81ED-4DB2-BD59-A6C34878D82A}">
+                    <a16:rowId xmlns:a16="http://schemas.microsoft.com/office/drawing/2014/main" val="1083475024"/>
+                  </a:ext>
+                </a:extLst>
+              </a:tr>
+              <a:tr h="370840">
+                <a:tc>
+                  <a:txBody>
+                    <a:bodyPr/>
+                    <a:lstStyle/>
+                    <a:p>
+                      <a:pPr algn="ctr"/>
+                      <a:r>
+                        <a:rPr lang="fr-FR" sz="1600" dirty="0" err="1">
+                          <a:solidFill>
+                            <a:schemeClr val="bg1"/>
+                          </a:solidFill>
+                        </a:rPr>
+                        <a:t>StE</a:t>
+                      </a:r>
+                      <a:endParaRPr lang="fr-FR" sz="1600" dirty="0">
+                        <a:solidFill>
+                          <a:schemeClr val="bg1"/>
+                        </a:solidFill>
+                      </a:endParaRPr>
+                    </a:p>
+                  </a:txBody>
+                  <a:tcPr>
+                    <a:solidFill>
+                      <a:schemeClr val="accent6">
+                        <a:lumMod val="75000"/>
+                      </a:schemeClr>
+                    </a:solidFill>
+                  </a:tcPr>
+                </a:tc>
+                <a:tc>
+                  <a:txBody>
+                    <a:bodyPr/>
+                    <a:lstStyle/>
+                    <a:p>
+                      <a:pPr algn="ctr" fontAlgn="base"/>
+                      <a:r>
+                        <a:rPr lang="fr-FR" sz="1400" dirty="0">
+                          <a:solidFill>
+                            <a:schemeClr val="bg1"/>
+                          </a:solidFill>
+                          <a:effectLst/>
+                        </a:rPr>
+                        <a:t>60.0 %</a:t>
+                      </a:r>
+                    </a:p>
+                  </a:txBody>
+                  <a:tcPr anchor="ctr">
+                    <a:solidFill>
+                      <a:schemeClr val="accent6">
+                        <a:lumMod val="75000"/>
+                      </a:schemeClr>
+                    </a:solidFill>
+                  </a:tcPr>
+                </a:tc>
+                <a:tc>
+                  <a:txBody>
+                    <a:bodyPr/>
+                    <a:lstStyle/>
+                    <a:p>
+                      <a:pPr algn="ctr" fontAlgn="base"/>
+                      <a:r>
+                        <a:rPr lang="fr-FR" sz="1400" dirty="0">
+                          <a:solidFill>
+                            <a:schemeClr val="bg1"/>
+                          </a:solidFill>
+                          <a:effectLst/>
+                        </a:rPr>
+                        <a:t>40.0 %</a:t>
+                      </a:r>
+                    </a:p>
+                  </a:txBody>
+                  <a:tcPr anchor="ctr">
+                    <a:solidFill>
+                      <a:schemeClr val="accent6">
+                        <a:lumMod val="75000"/>
+                      </a:schemeClr>
+                    </a:solidFill>
+                  </a:tcPr>
+                </a:tc>
+                <a:tc>
+                  <a:txBody>
+                    <a:bodyPr/>
+                    <a:lstStyle/>
+                    <a:p>
+                      <a:pPr algn="ctr" fontAlgn="base"/>
+                      <a:r>
+                        <a:rPr lang="fr-FR" sz="1100" dirty="0">
+                          <a:solidFill>
+                            <a:schemeClr val="bg1"/>
+                          </a:solidFill>
+                          <a:effectLst/>
+                        </a:rPr>
+                        <a:t>15</a:t>
+                      </a:r>
+                    </a:p>
+                  </a:txBody>
+                  <a:tcPr anchor="ctr">
+                    <a:solidFill>
+                      <a:schemeClr val="accent6">
+                        <a:lumMod val="75000"/>
+                      </a:schemeClr>
+                    </a:solidFill>
+                  </a:tcPr>
+                </a:tc>
+                <a:tc>
+                  <a:txBody>
+                    <a:bodyPr/>
+                    <a:lstStyle/>
+                    <a:p>
+                      <a:pPr algn="ctr" fontAlgn="base"/>
+                      <a:r>
+                        <a:rPr lang="fr-FR" sz="1400" dirty="0">
+                          <a:solidFill>
+                            <a:schemeClr val="bg1"/>
+                          </a:solidFill>
+                          <a:effectLst/>
+                        </a:rPr>
+                        <a:t>41.7 %</a:t>
+                      </a:r>
+                    </a:p>
+                  </a:txBody>
+                  <a:tcPr anchor="ctr">
+                    <a:solidFill>
+                      <a:schemeClr val="accent6">
+                        <a:lumMod val="75000"/>
+                      </a:schemeClr>
+                    </a:solidFill>
+                  </a:tcPr>
+                </a:tc>
+                <a:tc>
+                  <a:txBody>
+                    <a:bodyPr/>
+                    <a:lstStyle/>
+                    <a:p>
+                      <a:pPr algn="ctr" fontAlgn="base"/>
+                      <a:r>
+                        <a:rPr lang="fr-FR" sz="1400" dirty="0">
+                          <a:solidFill>
+                            <a:schemeClr val="bg1"/>
+                          </a:solidFill>
+                          <a:effectLst/>
+                        </a:rPr>
+                        <a:t>58.3 %</a:t>
+                      </a:r>
+                    </a:p>
+                  </a:txBody>
+                  <a:tcPr anchor="ctr">
+                    <a:solidFill>
+                      <a:schemeClr val="accent6">
+                        <a:lumMod val="75000"/>
+                      </a:schemeClr>
+                    </a:solidFill>
+                  </a:tcPr>
+                </a:tc>
+                <a:tc>
+                  <a:txBody>
+                    <a:bodyPr/>
+                    <a:lstStyle/>
+                    <a:p>
+                      <a:pPr algn="ctr" fontAlgn="base"/>
+                      <a:r>
+                        <a:rPr lang="fr-FR" sz="1100" dirty="0">
+                          <a:solidFill>
+                            <a:schemeClr val="bg1"/>
+                          </a:solidFill>
+                          <a:effectLst/>
+                        </a:rPr>
+                        <a:t>12</a:t>
+                      </a:r>
+                    </a:p>
+                  </a:txBody>
+                  <a:tcPr anchor="ctr">
+                    <a:solidFill>
+                      <a:schemeClr val="accent6">
+                        <a:lumMod val="75000"/>
+                      </a:schemeClr>
+                    </a:solidFill>
+                  </a:tcPr>
+                </a:tc>
+                <a:extLst>
+                  <a:ext uri="{0D108BD9-81ED-4DB2-BD59-A6C34878D82A}">
+                    <a16:rowId xmlns:a16="http://schemas.microsoft.com/office/drawing/2014/main" val="1118240960"/>
+                  </a:ext>
+                </a:extLst>
+              </a:tr>
+              <a:tr h="370840">
+                <a:tc>
+                  <a:txBody>
+                    <a:bodyPr/>
+                    <a:lstStyle/>
+                    <a:p>
+                      <a:pPr algn="ctr"/>
+                      <a:r>
+                        <a:rPr lang="fr-FR" sz="1600" dirty="0"/>
+                        <a:t>Ext</a:t>
+                      </a:r>
+                    </a:p>
+                  </a:txBody>
+                  <a:tcPr/>
+                </a:tc>
+                <a:tc>
+                  <a:txBody>
+                    <a:bodyPr/>
+                    <a:lstStyle/>
+                    <a:p>
+                      <a:pPr algn="ctr" fontAlgn="base"/>
+                      <a:r>
+                        <a:rPr lang="fr-FR" sz="1400" dirty="0">
+                          <a:solidFill>
+                            <a:srgbClr val="3D4449"/>
+                          </a:solidFill>
+                          <a:effectLst/>
+                        </a:rPr>
+                        <a:t>81.8 %</a:t>
+                      </a:r>
+                    </a:p>
+                  </a:txBody>
+                  <a:tcPr anchor="ctr"/>
+                </a:tc>
+                <a:tc>
+                  <a:txBody>
+                    <a:bodyPr/>
+                    <a:lstStyle/>
+                    <a:p>
+                      <a:pPr algn="ctr" fontAlgn="base"/>
+                      <a:r>
+                        <a:rPr lang="fr-FR" sz="1400" dirty="0">
+                          <a:solidFill>
+                            <a:srgbClr val="443597"/>
+                          </a:solidFill>
+                          <a:effectLst/>
+                        </a:rPr>
+                        <a:t>18.2 %</a:t>
+                      </a:r>
+                    </a:p>
+                  </a:txBody>
+                  <a:tcPr anchor="ctr"/>
+                </a:tc>
+                <a:tc>
+                  <a:txBody>
+                    <a:bodyPr/>
+                    <a:lstStyle/>
+                    <a:p>
+                      <a:pPr algn="ctr" fontAlgn="base"/>
+                      <a:r>
+                        <a:rPr lang="fr-FR" sz="1100" dirty="0">
+                          <a:solidFill>
+                            <a:srgbClr val="376E8B"/>
+                          </a:solidFill>
+                          <a:effectLst/>
+                        </a:rPr>
+                        <a:t>11</a:t>
+                      </a:r>
+                    </a:p>
+                  </a:txBody>
+                  <a:tcPr anchor="ctr"/>
+                </a:tc>
+                <a:tc>
+                  <a:txBody>
+                    <a:bodyPr/>
+                    <a:lstStyle/>
+                    <a:p>
+                      <a:pPr algn="ctr" fontAlgn="base"/>
+                      <a:r>
+                        <a:rPr lang="fr-FR" sz="1400" dirty="0">
+                          <a:solidFill>
+                            <a:srgbClr val="3D4449"/>
+                          </a:solidFill>
+                          <a:effectLst/>
+                        </a:rPr>
+                        <a:t>81.8 %</a:t>
+                      </a:r>
+                    </a:p>
+                  </a:txBody>
+                  <a:tcPr anchor="ctr"/>
+                </a:tc>
+                <a:tc>
+                  <a:txBody>
+                    <a:bodyPr/>
+                    <a:lstStyle/>
+                    <a:p>
+                      <a:pPr algn="ctr" fontAlgn="base"/>
+                      <a:r>
+                        <a:rPr lang="fr-FR" sz="1400" dirty="0">
+                          <a:solidFill>
+                            <a:srgbClr val="443597"/>
+                          </a:solidFill>
+                          <a:effectLst/>
+                        </a:rPr>
+                        <a:t>18.2 %</a:t>
+                      </a:r>
+                    </a:p>
+                  </a:txBody>
+                  <a:tcPr anchor="ctr"/>
+                </a:tc>
+                <a:tc>
+                  <a:txBody>
+                    <a:bodyPr/>
+                    <a:lstStyle/>
+                    <a:p>
+                      <a:pPr algn="ctr" fontAlgn="base"/>
+                      <a:r>
+                        <a:rPr lang="fr-FR" sz="1100" dirty="0">
+                          <a:solidFill>
+                            <a:srgbClr val="376E8B"/>
+                          </a:solidFill>
+                          <a:effectLst/>
+                        </a:rPr>
+                        <a:t>11</a:t>
+                      </a:r>
+                    </a:p>
+                  </a:txBody>
+                  <a:tcPr anchor="ctr"/>
+                </a:tc>
+                <a:extLst>
+                  <a:ext uri="{0D108BD9-81ED-4DB2-BD59-A6C34878D82A}">
+                    <a16:rowId xmlns:a16="http://schemas.microsoft.com/office/drawing/2014/main" val="1740952244"/>
+                  </a:ext>
+                </a:extLst>
+              </a:tr>
+            </a:tbl>
+          </a:graphicData>
+        </a:graphic>
+      </p:graphicFrame>
+      <p:sp>
+        <p:nvSpPr>
+          <p:cNvPr id="7" name="ZoneTexte 6">
+            <a:extLst>
+              <a:ext uri="{FF2B5EF4-FFF2-40B4-BE49-F238E27FC236}">
+                <a16:creationId xmlns:a16="http://schemas.microsoft.com/office/drawing/2014/main" id="{6BE8EB4C-9EED-0344-FB71-FC964BFAC7C5}"/>
+              </a:ext>
+            </a:extLst>
+          </p:cNvPr>
+          <p:cNvSpPr txBox="1"/>
+          <p:nvPr/>
+        </p:nvSpPr>
+        <p:spPr>
+          <a:xfrm>
+            <a:off x="5749638" y="2816126"/>
+            <a:ext cx="1427017" cy="338554"/>
+          </a:xfrm>
+          <a:prstGeom prst="rect">
+            <a:avLst/>
+          </a:prstGeom>
+          <a:noFill/>
+        </p:spPr>
+        <p:txBody>
+          <a:bodyPr wrap="square">
+            <a:spAutoFit/>
+          </a:bodyPr>
+          <a:lstStyle/>
+          <a:p>
+            <a:r>
+              <a:rPr lang="fr-FR" b="1" dirty="0">
+                <a:solidFill>
+                  <a:srgbClr val="3D4449"/>
+                </a:solidFill>
+                <a:effectLst/>
+                <a:latin typeface="inherit"/>
+              </a:rPr>
+              <a:t>2020 à 2023 </a:t>
+            </a:r>
+            <a:endParaRPr lang="fr-FR" dirty="0"/>
+          </a:p>
+        </p:txBody>
+      </p:sp>
+      <p:sp>
+        <p:nvSpPr>
+          <p:cNvPr id="8" name="ZoneTexte 7">
+            <a:extLst>
+              <a:ext uri="{FF2B5EF4-FFF2-40B4-BE49-F238E27FC236}">
+                <a16:creationId xmlns:a16="http://schemas.microsoft.com/office/drawing/2014/main" id="{2F218827-BD14-D989-820F-C8E93CE767D2}"/>
+              </a:ext>
+            </a:extLst>
+          </p:cNvPr>
+          <p:cNvSpPr txBox="1"/>
+          <p:nvPr/>
+        </p:nvSpPr>
+        <p:spPr>
+          <a:xfrm>
+            <a:off x="3144983" y="2819192"/>
+            <a:ext cx="1427017" cy="338554"/>
+          </a:xfrm>
+          <a:prstGeom prst="rect">
+            <a:avLst/>
+          </a:prstGeom>
+          <a:noFill/>
+        </p:spPr>
+        <p:txBody>
+          <a:bodyPr wrap="square">
+            <a:spAutoFit/>
+          </a:bodyPr>
+          <a:lstStyle/>
+          <a:p>
+            <a:r>
+              <a:rPr lang="fr-FR" b="1" dirty="0">
+                <a:solidFill>
+                  <a:srgbClr val="3D4449"/>
+                </a:solidFill>
+                <a:effectLst/>
+                <a:latin typeface="inherit"/>
+              </a:rPr>
+              <a:t>2019 à 2022 </a:t>
+            </a:r>
+            <a:endParaRPr lang="fr-FR" dirty="0"/>
+          </a:p>
+        </p:txBody>
+      </p:sp>
+      <p:cxnSp>
+        <p:nvCxnSpPr>
+          <p:cNvPr id="12" name="Connecteur droit 11">
+            <a:extLst>
+              <a:ext uri="{FF2B5EF4-FFF2-40B4-BE49-F238E27FC236}">
+                <a16:creationId xmlns:a16="http://schemas.microsoft.com/office/drawing/2014/main" id="{B8788C0E-763D-AEA1-A8D6-23C0DA9EFF31}"/>
+              </a:ext>
+            </a:extLst>
+          </p:cNvPr>
+          <p:cNvCxnSpPr>
+            <a:cxnSpLocks/>
+          </p:cNvCxnSpPr>
+          <p:nvPr/>
+        </p:nvCxnSpPr>
+        <p:spPr bwMode="auto">
+          <a:xfrm>
+            <a:off x="4997885" y="2816126"/>
+            <a:ext cx="0" cy="2916970"/>
+          </a:xfrm>
+          <a:prstGeom prst="line">
+            <a:avLst/>
+          </a:prstGeom>
+          <a:solidFill>
+            <a:schemeClr val="accent1"/>
+          </a:solidFill>
+          <a:ln w="25400" cap="flat" cmpd="sng" algn="ctr">
+            <a:solidFill>
+              <a:schemeClr val="tx1"/>
+            </a:solidFill>
+            <a:prstDash val="solid"/>
+            <a:round/>
+            <a:headEnd type="none" w="med" len="med"/>
+            <a:tailEnd type="none" w="med" len="med"/>
+          </a:ln>
+          <a:effectLst/>
+          <a:extLst>
+            <a:ext uri="{AF507438-7753-43e0-B8FC-AC1667EBCBE1}">
+              <a14:hiddenEffects xmlns:a14="http://schemas.microsoft.com/office/drawing/2010/main" xmlns="">
+                <a:effectLst>
+                  <a:outerShdw dist="35921" dir="2700000" algn="ctr" rotWithShape="0">
+                    <a:schemeClr val="bg2"/>
+                  </a:outerShdw>
+                </a:effectLst>
+              </a14:hiddenEffects>
+            </a:ext>
+          </a:extLst>
+        </p:spPr>
+      </p:cxnSp>
+      <p:cxnSp>
+        <p:nvCxnSpPr>
+          <p:cNvPr id="16" name="Connecteur droit 15">
+            <a:extLst>
+              <a:ext uri="{FF2B5EF4-FFF2-40B4-BE49-F238E27FC236}">
+                <a16:creationId xmlns:a16="http://schemas.microsoft.com/office/drawing/2014/main" id="{50BF25C8-9F92-2C38-850F-D28A23482464}"/>
+              </a:ext>
+            </a:extLst>
+          </p:cNvPr>
+          <p:cNvCxnSpPr>
+            <a:cxnSpLocks/>
+          </p:cNvCxnSpPr>
+          <p:nvPr/>
+        </p:nvCxnSpPr>
+        <p:spPr bwMode="auto">
+          <a:xfrm>
+            <a:off x="2394559" y="2816126"/>
+            <a:ext cx="0" cy="2916970"/>
+          </a:xfrm>
+          <a:prstGeom prst="line">
+            <a:avLst/>
+          </a:prstGeom>
+          <a:solidFill>
+            <a:schemeClr val="accent1"/>
+          </a:solidFill>
+          <a:ln w="25400" cap="flat" cmpd="sng" algn="ctr">
+            <a:solidFill>
+              <a:schemeClr val="tx1"/>
+            </a:solidFill>
+            <a:prstDash val="solid"/>
+            <a:round/>
+            <a:headEnd type="none" w="med" len="med"/>
+            <a:tailEnd type="none" w="med" len="med"/>
+          </a:ln>
+          <a:effectLst/>
+          <a:extLst>
+            <a:ext uri="{AF507438-7753-43e0-B8FC-AC1667EBCBE1}">
+              <a14:hiddenEffects xmlns:a14="http://schemas.microsoft.com/office/drawing/2010/main" xmlns="">
+                <a:effectLst>
+                  <a:outerShdw dist="35921" dir="2700000" algn="ctr" rotWithShape="0">
+                    <a:schemeClr val="bg2"/>
+                  </a:outerShdw>
+                </a:effectLst>
+              </a14:hiddenEffects>
+            </a:ext>
+          </a:extLst>
+        </p:spPr>
+      </p:cxnSp>
+      <p:cxnSp>
+        <p:nvCxnSpPr>
+          <p:cNvPr id="17" name="Connecteur droit 16">
+            <a:extLst>
+              <a:ext uri="{FF2B5EF4-FFF2-40B4-BE49-F238E27FC236}">
+                <a16:creationId xmlns:a16="http://schemas.microsoft.com/office/drawing/2014/main" id="{EDE0DB40-AE6D-F8B1-39ED-23D839CC790B}"/>
+              </a:ext>
+            </a:extLst>
+          </p:cNvPr>
+          <p:cNvCxnSpPr>
+            <a:cxnSpLocks/>
+          </p:cNvCxnSpPr>
+          <p:nvPr/>
+        </p:nvCxnSpPr>
+        <p:spPr bwMode="auto">
+          <a:xfrm>
+            <a:off x="7610474" y="2816126"/>
+            <a:ext cx="0" cy="2916970"/>
+          </a:xfrm>
+          <a:prstGeom prst="line">
+            <a:avLst/>
+          </a:prstGeom>
+          <a:solidFill>
+            <a:schemeClr val="accent1"/>
+          </a:solidFill>
+          <a:ln w="25400" cap="flat" cmpd="sng" algn="ctr">
+            <a:solidFill>
+              <a:schemeClr val="tx1"/>
+            </a:solidFill>
+            <a:prstDash val="solid"/>
+            <a:round/>
+            <a:headEnd type="none" w="med" len="med"/>
+            <a:tailEnd type="none" w="med" len="med"/>
+          </a:ln>
+          <a:effectLst/>
+          <a:extLst>
+            <a:ext uri="{AF507438-7753-43e0-B8FC-AC1667EBCBE1}">
+              <a14:hiddenEffects xmlns:a14="http://schemas.microsoft.com/office/drawing/2010/main" xmlns="">
+                <a:effectLst>
+                  <a:outerShdw dist="35921" dir="2700000" algn="ctr" rotWithShape="0">
+                    <a:schemeClr val="bg2"/>
+                  </a:outerShdw>
+                </a:effectLst>
+              </a14:hiddenEffects>
+            </a:ext>
+          </a:extLst>
+        </p:spPr>
+      </p:cxnSp>
+    </p:spTree>
+    <p:extLst>
+      <p:ext uri="{BB962C8B-B14F-4D97-AF65-F5344CB8AC3E}">
+        <p14:creationId xmlns:p14="http://schemas.microsoft.com/office/powerpoint/2010/main" val="1797431457"/>
+      </p:ext>
+    </p:extLst>
+  </p:cSld>
+  <p:clrMapOvr>
+    <a:masterClrMapping/>
+  </p:clrMapOvr>
+</p:sld>
+</file>
+
+<file path=ppt/slides/slide17.xml><?xml version="1.0" encoding="utf-8"?>
 <p:sld xmlns:a="http://schemas.openxmlformats.org/drawingml/2006/main" xmlns:r="http://schemas.openxmlformats.org/officeDocument/2006/relationships" xmlns:p="http://schemas.openxmlformats.org/presentationml/2006/main">
   <p:cSld>
     <p:spTree>
@@ -10182,1688 +11903,6 @@
     <p:extLst>
       <p:ext uri="{BB962C8B-B14F-4D97-AF65-F5344CB8AC3E}">
         <p14:creationId xmlns:p14="http://schemas.microsoft.com/office/powerpoint/2010/main" val="2687869749"/>
-      </p:ext>
-    </p:extLst>
-  </p:cSld>
-  <p:clrMapOvr>
-    <a:masterClrMapping/>
-  </p:clrMapOvr>
-</p:sld>
-</file>
-
-<file path=ppt/slides/slide17.xml><?xml version="1.0" encoding="utf-8"?>
-<p:sld xmlns:a="http://schemas.openxmlformats.org/drawingml/2006/main" xmlns:r="http://schemas.openxmlformats.org/officeDocument/2006/relationships" xmlns:p="http://schemas.openxmlformats.org/presentationml/2006/main">
-  <p:cSld>
-    <p:spTree>
-      <p:nvGrpSpPr>
-        <p:cNvPr id="1" name=""/>
-        <p:cNvGrpSpPr/>
-        <p:nvPr/>
-      </p:nvGrpSpPr>
-      <p:grpSpPr>
-        <a:xfrm>
-          <a:off x="0" y="0"/>
-          <a:ext cx="0" cy="0"/>
-          <a:chOff x="0" y="0"/>
-          <a:chExt cx="0" cy="0"/>
-        </a:xfrm>
-      </p:grpSpPr>
-      <p:sp>
-        <p:nvSpPr>
-          <p:cNvPr id="2" name="Titre 1">
-            <a:extLst>
-              <a:ext uri="{FF2B5EF4-FFF2-40B4-BE49-F238E27FC236}">
-                <a16:creationId xmlns:a16="http://schemas.microsoft.com/office/drawing/2014/main" id="{FAA161D5-927A-49ED-83AF-6D12A66FF712}"/>
-              </a:ext>
-            </a:extLst>
-          </p:cNvPr>
-          <p:cNvSpPr>
-            <a:spLocks noGrp="1"/>
-          </p:cNvSpPr>
-          <p:nvPr>
-            <p:ph type="title"/>
-          </p:nvPr>
-        </p:nvSpPr>
-        <p:spPr/>
-        <p:txBody>
-          <a:bodyPr/>
-          <a:lstStyle/>
-          <a:p>
-            <a:pPr>
-              <a:defRPr/>
-            </a:pPr>
-            <a:r>
-              <a:rPr lang="fr-FR" sz="2800" dirty="0"/>
-              <a:t>Enquête CGE / Cumul</a:t>
-            </a:r>
-          </a:p>
-        </p:txBody>
-      </p:sp>
-      <p:sp>
-        <p:nvSpPr>
-          <p:cNvPr id="6147" name="Espace réservé du contenu 2">
-            <a:extLst>
-              <a:ext uri="{FF2B5EF4-FFF2-40B4-BE49-F238E27FC236}">
-                <a16:creationId xmlns:a16="http://schemas.microsoft.com/office/drawing/2014/main" id="{458254A6-099B-4E75-907C-19CA1B94B253}"/>
-              </a:ext>
-            </a:extLst>
-          </p:cNvPr>
-          <p:cNvSpPr>
-            <a:spLocks noGrp="1" noChangeArrowheads="1"/>
-          </p:cNvSpPr>
-          <p:nvPr>
-            <p:ph idx="1"/>
-          </p:nvPr>
-        </p:nvSpPr>
-        <p:spPr>
-          <a:xfrm>
-            <a:off x="447675" y="1600200"/>
-            <a:ext cx="8229600" cy="1554480"/>
-          </a:xfrm>
-        </p:spPr>
-        <p:txBody>
-          <a:bodyPr/>
-          <a:lstStyle/>
-          <a:p>
-            <a:r>
-              <a:rPr lang="fr-FR" altLang="fr-FR" sz="2000" b="1" dirty="0">
-                <a:solidFill>
-                  <a:srgbClr val="EF553B"/>
-                </a:solidFill>
-                <a:ea typeface="ＭＳ Ｐゴシック" panose="020B0600070205080204" pitchFamily="34" charset="-128"/>
-              </a:rPr>
-              <a:t>Cumul de 2019 à 2022 / 2020 à 2023</a:t>
-            </a:r>
-          </a:p>
-          <a:p>
-            <a:r>
-              <a:rPr lang="fr-FR" altLang="fr-FR" sz="2000" b="1" dirty="0">
-                <a:solidFill>
-                  <a:srgbClr val="EF553B"/>
-                </a:solidFill>
-                <a:ea typeface="ＭＳ Ｐゴシック" panose="020B0600070205080204" pitchFamily="34" charset="-128"/>
-              </a:rPr>
-              <a:t>Lieu des emplois en France / Sites</a:t>
-            </a:r>
-          </a:p>
-        </p:txBody>
-      </p:sp>
-      <p:pic>
-        <p:nvPicPr>
-          <p:cNvPr id="6148" name="Picture 2" descr="upright=Article à illustrer Organisation">
-            <a:extLst>
-              <a:ext uri="{FF2B5EF4-FFF2-40B4-BE49-F238E27FC236}">
-                <a16:creationId xmlns:a16="http://schemas.microsoft.com/office/drawing/2014/main" id="{105BE698-E40C-4415-A9DF-F8680D1DF607}"/>
-              </a:ext>
-            </a:extLst>
-          </p:cNvPr>
-          <p:cNvPicPr>
-            <a:picLocks noChangeAspect="1" noChangeArrowheads="1"/>
-          </p:cNvPicPr>
-          <p:nvPr/>
-        </p:nvPicPr>
-        <p:blipFill>
-          <a:blip r:embed="rId2">
-            <a:extLst>
-              <a:ext uri="{28A0092B-C50C-407E-A947-70E740481C1C}">
-                <a14:useLocalDpi xmlns:a14="http://schemas.microsoft.com/office/drawing/2010/main" val="0"/>
-              </a:ext>
-            </a:extLst>
-          </a:blip>
-          <a:srcRect/>
-          <a:stretch>
-            <a:fillRect/>
-          </a:stretch>
-        </p:blipFill>
-        <p:spPr bwMode="auto">
-          <a:xfrm>
-            <a:off x="7766050" y="892175"/>
-            <a:ext cx="1157288" cy="384175"/>
-          </a:xfrm>
-          <a:prstGeom prst="rect">
-            <a:avLst/>
-          </a:prstGeom>
-          <a:noFill/>
-          <a:ln>
-            <a:noFill/>
-          </a:ln>
-          <a:extLst>
-            <a:ext uri="{909E8E84-426E-40DD-AFC4-6F175D3DCCD1}">
-              <a14:hiddenFill xmlns:a14="http://schemas.microsoft.com/office/drawing/2010/main">
-                <a:solidFill>
-                  <a:srgbClr val="FFFFFF"/>
-                </a:solidFill>
-              </a14:hiddenFill>
-            </a:ext>
-            <a:ext uri="{91240B29-F687-4F45-9708-019B960494DF}">
-              <a14:hiddenLine xmlns:a14="http://schemas.microsoft.com/office/drawing/2010/main" w="9525">
-                <a:solidFill>
-                  <a:srgbClr val="000000"/>
-                </a:solidFill>
-                <a:miter lim="800000"/>
-                <a:headEnd/>
-                <a:tailEnd/>
-              </a14:hiddenLine>
-            </a:ext>
-          </a:extLst>
-        </p:spPr>
-      </p:pic>
-      <p:sp>
-        <p:nvSpPr>
-          <p:cNvPr id="3" name="ZoneTexte 2">
-            <a:extLst>
-              <a:ext uri="{FF2B5EF4-FFF2-40B4-BE49-F238E27FC236}">
-                <a16:creationId xmlns:a16="http://schemas.microsoft.com/office/drawing/2014/main" id="{76C5E635-ACF0-A360-2BA1-1AD1AB1E7A21}"/>
-              </a:ext>
-            </a:extLst>
-          </p:cNvPr>
-          <p:cNvSpPr txBox="1"/>
-          <p:nvPr/>
-        </p:nvSpPr>
-        <p:spPr>
-          <a:xfrm rot="16200000">
-            <a:off x="-2330100" y="3437334"/>
-            <a:ext cx="4998749" cy="338554"/>
-          </a:xfrm>
-          <a:prstGeom prst="rect">
-            <a:avLst/>
-          </a:prstGeom>
-          <a:solidFill>
-            <a:srgbClr val="EF553B"/>
-          </a:solidFill>
-        </p:spPr>
-        <p:txBody>
-          <a:bodyPr wrap="square" rtlCol="0">
-            <a:spAutoFit/>
-          </a:bodyPr>
-          <a:lstStyle/>
-          <a:p>
-            <a:r>
-              <a:rPr lang="fr-FR" dirty="0">
-                <a:solidFill>
-                  <a:schemeClr val="bg1"/>
-                </a:solidFill>
-              </a:rPr>
-              <a:t>Enquête CGE / Cumul</a:t>
-            </a:r>
-          </a:p>
-        </p:txBody>
-      </p:sp>
-      <p:sp>
-        <p:nvSpPr>
-          <p:cNvPr id="9" name="ZoneTexte 8">
-            <a:extLst>
-              <a:ext uri="{FF2B5EF4-FFF2-40B4-BE49-F238E27FC236}">
-                <a16:creationId xmlns:a16="http://schemas.microsoft.com/office/drawing/2014/main" id="{607FEABF-F1C9-7143-AA31-45A4A932AF8A}"/>
-              </a:ext>
-            </a:extLst>
-          </p:cNvPr>
-          <p:cNvSpPr txBox="1"/>
-          <p:nvPr/>
-        </p:nvSpPr>
-        <p:spPr>
-          <a:xfrm>
-            <a:off x="3821018" y="807154"/>
-            <a:ext cx="3720890" cy="600164"/>
-          </a:xfrm>
-          <a:prstGeom prst="rect">
-            <a:avLst/>
-          </a:prstGeom>
-          <a:noFill/>
-        </p:spPr>
-        <p:txBody>
-          <a:bodyPr wrap="none" rtlCol="0">
-            <a:spAutoFit/>
-          </a:bodyPr>
-          <a:lstStyle/>
-          <a:p>
-            <a:r>
-              <a:rPr lang="fr-FR" sz="1100" b="1" dirty="0">
-                <a:solidFill>
-                  <a:srgbClr val="002060"/>
-                </a:solidFill>
-              </a:rPr>
-              <a:t>Comparaison avec résultats nationaux :</a:t>
-            </a:r>
-          </a:p>
-          <a:p>
-            <a:pPr marL="285750" indent="-285750">
-              <a:buFontTx/>
-              <a:buChar char="-"/>
-            </a:pPr>
-            <a:r>
-              <a:rPr lang="fr-FR" sz="1100" dirty="0">
-                <a:solidFill>
-                  <a:srgbClr val="002060"/>
-                </a:solidFill>
-              </a:rPr>
-              <a:t>hypothèse : nombre quasi constant de répondant.es</a:t>
-            </a:r>
-          </a:p>
-          <a:p>
-            <a:pPr marL="285750" indent="-285750">
-              <a:buFontTx/>
-              <a:buChar char="-"/>
-            </a:pPr>
-            <a:r>
-              <a:rPr lang="fr-FR" sz="1100" i="1" dirty="0">
-                <a:solidFill>
-                  <a:srgbClr val="002060"/>
-                </a:solidFill>
-              </a:rPr>
-              <a:t>Calcul : somme des moyennes / nombre années</a:t>
-            </a:r>
-          </a:p>
-        </p:txBody>
-      </p:sp>
-      <p:graphicFrame>
-        <p:nvGraphicFramePr>
-          <p:cNvPr id="5" name="Tableau 4">
-            <a:extLst>
-              <a:ext uri="{FF2B5EF4-FFF2-40B4-BE49-F238E27FC236}">
-                <a16:creationId xmlns:a16="http://schemas.microsoft.com/office/drawing/2014/main" id="{67D5A9BE-B287-0AD5-1BCF-FEC21F1E9A75}"/>
-              </a:ext>
-            </a:extLst>
-          </p:cNvPr>
-          <p:cNvGraphicFramePr>
-            <a:graphicFrameLocks noGrp="1"/>
-          </p:cNvGraphicFramePr>
-          <p:nvPr>
-            <p:extLst>
-              <p:ext uri="{D42A27DB-BD31-4B8C-83A1-F6EECF244321}">
-                <p14:modId xmlns:p14="http://schemas.microsoft.com/office/powerpoint/2010/main" val="2261695672"/>
-              </p:ext>
-            </p:extLst>
-          </p:nvPr>
-        </p:nvGraphicFramePr>
-        <p:xfrm>
-          <a:off x="1514475" y="3137216"/>
-          <a:ext cx="6095999" cy="2595880"/>
-        </p:xfrm>
-        <a:graphic>
-          <a:graphicData uri="http://schemas.openxmlformats.org/drawingml/2006/table">
-            <a:tbl>
-              <a:tblPr firstRow="1" bandRow="1">
-                <a:tableStyleId>{21E4AEA4-8DFA-4A89-87EB-49C32662AFE0}</a:tableStyleId>
-              </a:tblPr>
-              <a:tblGrid>
-                <a:gridCol w="870857">
-                  <a:extLst>
-                    <a:ext uri="{9D8B030D-6E8A-4147-A177-3AD203B41FA5}">
-                      <a16:colId xmlns:a16="http://schemas.microsoft.com/office/drawing/2014/main" val="2053038476"/>
-                    </a:ext>
-                  </a:extLst>
-                </a:gridCol>
-                <a:gridCol w="870857">
-                  <a:extLst>
-                    <a:ext uri="{9D8B030D-6E8A-4147-A177-3AD203B41FA5}">
-                      <a16:colId xmlns:a16="http://schemas.microsoft.com/office/drawing/2014/main" val="3832746835"/>
-                    </a:ext>
-                  </a:extLst>
-                </a:gridCol>
-                <a:gridCol w="870857">
-                  <a:extLst>
-                    <a:ext uri="{9D8B030D-6E8A-4147-A177-3AD203B41FA5}">
-                      <a16:colId xmlns:a16="http://schemas.microsoft.com/office/drawing/2014/main" val="4009216877"/>
-                    </a:ext>
-                  </a:extLst>
-                </a:gridCol>
-                <a:gridCol w="870857">
-                  <a:extLst>
-                    <a:ext uri="{9D8B030D-6E8A-4147-A177-3AD203B41FA5}">
-                      <a16:colId xmlns:a16="http://schemas.microsoft.com/office/drawing/2014/main" val="3856658833"/>
-                    </a:ext>
-                  </a:extLst>
-                </a:gridCol>
-                <a:gridCol w="870857">
-                  <a:extLst>
-                    <a:ext uri="{9D8B030D-6E8A-4147-A177-3AD203B41FA5}">
-                      <a16:colId xmlns:a16="http://schemas.microsoft.com/office/drawing/2014/main" val="1457748498"/>
-                    </a:ext>
-                  </a:extLst>
-                </a:gridCol>
-                <a:gridCol w="870857">
-                  <a:extLst>
-                    <a:ext uri="{9D8B030D-6E8A-4147-A177-3AD203B41FA5}">
-                      <a16:colId xmlns:a16="http://schemas.microsoft.com/office/drawing/2014/main" val="3308663209"/>
-                    </a:ext>
-                  </a:extLst>
-                </a:gridCol>
-                <a:gridCol w="870857">
-                  <a:extLst>
-                    <a:ext uri="{9D8B030D-6E8A-4147-A177-3AD203B41FA5}">
-                      <a16:colId xmlns:a16="http://schemas.microsoft.com/office/drawing/2014/main" val="2294340571"/>
-                    </a:ext>
-                  </a:extLst>
-                </a:gridCol>
-              </a:tblGrid>
-              <a:tr h="370840">
-                <a:tc>
-                  <a:txBody>
-                    <a:bodyPr/>
-                    <a:lstStyle/>
-                    <a:p>
-                      <a:pPr algn="ctr"/>
-                      <a:r>
-                        <a:rPr lang="fr-FR" sz="1400" dirty="0"/>
-                        <a:t>Sites</a:t>
-                      </a:r>
-                    </a:p>
-                  </a:txBody>
-                  <a:tcPr/>
-                </a:tc>
-                <a:tc>
-                  <a:txBody>
-                    <a:bodyPr/>
-                    <a:lstStyle/>
-                    <a:p>
-                      <a:pPr algn="ctr"/>
-                      <a:r>
-                        <a:rPr lang="fr-FR" sz="1400" dirty="0"/>
-                        <a:t>IDF</a:t>
-                      </a:r>
-                    </a:p>
-                  </a:txBody>
-                  <a:tcPr/>
-                </a:tc>
-                <a:tc>
-                  <a:txBody>
-                    <a:bodyPr/>
-                    <a:lstStyle/>
-                    <a:p>
-                      <a:pPr algn="ctr"/>
-                      <a:r>
-                        <a:rPr lang="fr-FR" sz="1400" dirty="0" err="1"/>
-                        <a:t>horsIDF</a:t>
-                      </a:r>
-                      <a:endParaRPr lang="fr-FR" sz="1400" dirty="0"/>
-                    </a:p>
-                  </a:txBody>
-                  <a:tcPr/>
-                </a:tc>
-                <a:tc>
-                  <a:txBody>
-                    <a:bodyPr/>
-                    <a:lstStyle/>
-                    <a:p>
-                      <a:pPr algn="ctr"/>
-                      <a:r>
-                        <a:rPr lang="fr-FR" sz="1050" dirty="0"/>
-                        <a:t>Nb Rep</a:t>
-                      </a:r>
-                    </a:p>
-                  </a:txBody>
-                  <a:tcPr/>
-                </a:tc>
-                <a:tc>
-                  <a:txBody>
-                    <a:bodyPr/>
-                    <a:lstStyle/>
-                    <a:p>
-                      <a:pPr algn="ctr"/>
-                      <a:r>
-                        <a:rPr lang="fr-FR" sz="1400" dirty="0"/>
-                        <a:t>IDF</a:t>
-                      </a:r>
-                    </a:p>
-                  </a:txBody>
-                  <a:tcPr/>
-                </a:tc>
-                <a:tc>
-                  <a:txBody>
-                    <a:bodyPr/>
-                    <a:lstStyle/>
-                    <a:p>
-                      <a:pPr algn="ctr"/>
-                      <a:r>
-                        <a:rPr lang="fr-FR" sz="1400" dirty="0" err="1"/>
-                        <a:t>horsIDF</a:t>
-                      </a:r>
-                      <a:endParaRPr lang="fr-FR" sz="1400" dirty="0"/>
-                    </a:p>
-                  </a:txBody>
-                  <a:tcPr/>
-                </a:tc>
-                <a:tc>
-                  <a:txBody>
-                    <a:bodyPr/>
-                    <a:lstStyle/>
-                    <a:p>
-                      <a:pPr algn="ctr"/>
-                      <a:r>
-                        <a:rPr lang="fr-FR" sz="1050" dirty="0"/>
-                        <a:t>Nb Rep</a:t>
-                      </a:r>
-                    </a:p>
-                  </a:txBody>
-                  <a:tcPr/>
-                </a:tc>
-                <a:extLst>
-                  <a:ext uri="{0D108BD9-81ED-4DB2-BD59-A6C34878D82A}">
-                    <a16:rowId xmlns:a16="http://schemas.microsoft.com/office/drawing/2014/main" val="3899797023"/>
-                  </a:ext>
-                </a:extLst>
-              </a:tr>
-              <a:tr h="370840">
-                <a:tc>
-                  <a:txBody>
-                    <a:bodyPr/>
-                    <a:lstStyle/>
-                    <a:p>
-                      <a:pPr algn="ctr"/>
-                      <a:r>
-                        <a:rPr lang="fr-FR" sz="1600" dirty="0"/>
-                        <a:t>CGE</a:t>
-                      </a:r>
-                    </a:p>
-                  </a:txBody>
-                  <a:tcPr/>
-                </a:tc>
-                <a:tc>
-                  <a:txBody>
-                    <a:bodyPr/>
-                    <a:lstStyle/>
-                    <a:p>
-                      <a:pPr algn="ctr" fontAlgn="base"/>
-                      <a:r>
-                        <a:rPr lang="fr-FR" sz="1400" dirty="0">
-                          <a:solidFill>
-                            <a:srgbClr val="3D4449"/>
-                          </a:solidFill>
-                          <a:effectLst/>
-                        </a:rPr>
-                        <a:t>39.7 %</a:t>
-                      </a:r>
-                    </a:p>
-                  </a:txBody>
-                  <a:tcPr anchor="ctr"/>
-                </a:tc>
-                <a:tc>
-                  <a:txBody>
-                    <a:bodyPr/>
-                    <a:lstStyle/>
-                    <a:p>
-                      <a:pPr algn="ctr" fontAlgn="base"/>
-                      <a:r>
-                        <a:rPr lang="fr-FR" sz="1400" dirty="0">
-                          <a:solidFill>
-                            <a:srgbClr val="443597"/>
-                          </a:solidFill>
-                          <a:effectLst/>
-                        </a:rPr>
-                        <a:t>60.3 %</a:t>
-                      </a:r>
-                    </a:p>
-                  </a:txBody>
-                  <a:tcPr anchor="ctr"/>
-                </a:tc>
-                <a:tc>
-                  <a:txBody>
-                    <a:bodyPr/>
-                    <a:lstStyle/>
-                    <a:p>
-                      <a:pPr algn="ctr"/>
-                      <a:endParaRPr lang="fr-FR" sz="1400" dirty="0"/>
-                    </a:p>
-                  </a:txBody>
-                  <a:tcPr/>
-                </a:tc>
-                <a:tc>
-                  <a:txBody>
-                    <a:bodyPr/>
-                    <a:lstStyle/>
-                    <a:p>
-                      <a:pPr algn="ctr" fontAlgn="base"/>
-                      <a:r>
-                        <a:rPr lang="fr-FR" sz="1400" dirty="0">
-                          <a:solidFill>
-                            <a:srgbClr val="3D4449"/>
-                          </a:solidFill>
-                          <a:effectLst/>
-                        </a:rPr>
-                        <a:t>39.0 %</a:t>
-                      </a:r>
-                    </a:p>
-                  </a:txBody>
-                  <a:tcPr anchor="ctr"/>
-                </a:tc>
-                <a:tc>
-                  <a:txBody>
-                    <a:bodyPr/>
-                    <a:lstStyle/>
-                    <a:p>
-                      <a:pPr algn="ctr" fontAlgn="base"/>
-                      <a:r>
-                        <a:rPr lang="fr-FR" sz="1400" dirty="0">
-                          <a:solidFill>
-                            <a:srgbClr val="443597"/>
-                          </a:solidFill>
-                          <a:effectLst/>
-                        </a:rPr>
-                        <a:t>61.0 %</a:t>
-                      </a:r>
-                    </a:p>
-                  </a:txBody>
-                  <a:tcPr anchor="ctr"/>
-                </a:tc>
-                <a:tc>
-                  <a:txBody>
-                    <a:bodyPr/>
-                    <a:lstStyle/>
-                    <a:p>
-                      <a:pPr algn="ctr"/>
-                      <a:endParaRPr lang="fr-FR" sz="1100" dirty="0"/>
-                    </a:p>
-                  </a:txBody>
-                  <a:tcPr/>
-                </a:tc>
-                <a:extLst>
-                  <a:ext uri="{0D108BD9-81ED-4DB2-BD59-A6C34878D82A}">
-                    <a16:rowId xmlns:a16="http://schemas.microsoft.com/office/drawing/2014/main" val="952767304"/>
-                  </a:ext>
-                </a:extLst>
-              </a:tr>
-              <a:tr h="370840">
-                <a:tc>
-                  <a:txBody>
-                    <a:bodyPr/>
-                    <a:lstStyle/>
-                    <a:p>
-                      <a:pPr algn="ctr"/>
-                      <a:r>
-                        <a:rPr lang="fr-FR" b="1" dirty="0" err="1"/>
-                        <a:t>Ens</a:t>
-                      </a:r>
-                      <a:r>
-                        <a:rPr lang="fr-FR" b="1" dirty="0"/>
-                        <a:t>.</a:t>
-                      </a:r>
-                    </a:p>
-                  </a:txBody>
-                  <a:tcPr/>
-                </a:tc>
-                <a:tc>
-                  <a:txBody>
-                    <a:bodyPr/>
-                    <a:lstStyle/>
-                    <a:p>
-                      <a:pPr algn="ctr" fontAlgn="base"/>
-                      <a:r>
-                        <a:rPr lang="fr-FR" b="1" dirty="0">
-                          <a:solidFill>
-                            <a:srgbClr val="3D4449"/>
-                          </a:solidFill>
-                          <a:effectLst/>
-                          <a:latin typeface="inherit"/>
-                        </a:rPr>
-                        <a:t>74.4 %</a:t>
-                      </a:r>
-                      <a:endParaRPr lang="fr-FR" dirty="0">
-                        <a:effectLst/>
-                      </a:endParaRPr>
-                    </a:p>
-                  </a:txBody>
-                  <a:tcPr anchor="ctr"/>
-                </a:tc>
-                <a:tc>
-                  <a:txBody>
-                    <a:bodyPr/>
-                    <a:lstStyle/>
-                    <a:p>
-                      <a:pPr algn="ctr" fontAlgn="base"/>
-                      <a:r>
-                        <a:rPr lang="fr-FR" b="1" dirty="0">
-                          <a:solidFill>
-                            <a:srgbClr val="443597"/>
-                          </a:solidFill>
-                          <a:effectLst/>
-                          <a:latin typeface="inherit"/>
-                        </a:rPr>
-                        <a:t>25.6 %</a:t>
-                      </a:r>
-                      <a:endParaRPr lang="fr-FR" dirty="0">
-                        <a:effectLst/>
-                      </a:endParaRPr>
-                    </a:p>
-                  </a:txBody>
-                  <a:tcPr anchor="ctr"/>
-                </a:tc>
-                <a:tc>
-                  <a:txBody>
-                    <a:bodyPr/>
-                    <a:lstStyle/>
-                    <a:p>
-                      <a:pPr algn="ctr" fontAlgn="base"/>
-                      <a:r>
-                        <a:rPr lang="fr-FR" sz="1200" b="1" dirty="0">
-                          <a:solidFill>
-                            <a:srgbClr val="376E8B"/>
-                          </a:solidFill>
-                          <a:effectLst/>
-                          <a:latin typeface="inherit"/>
-                        </a:rPr>
-                        <a:t>117</a:t>
-                      </a:r>
-                      <a:endParaRPr lang="fr-FR" sz="1200" dirty="0">
-                        <a:effectLst/>
-                      </a:endParaRPr>
-                    </a:p>
-                  </a:txBody>
-                  <a:tcPr anchor="ctr"/>
-                </a:tc>
-                <a:tc>
-                  <a:txBody>
-                    <a:bodyPr/>
-                    <a:lstStyle/>
-                    <a:p>
-                      <a:pPr algn="ctr" fontAlgn="base"/>
-                      <a:r>
-                        <a:rPr lang="fr-FR" b="1" dirty="0">
-                          <a:solidFill>
-                            <a:srgbClr val="3D4449"/>
-                          </a:solidFill>
-                          <a:effectLst/>
-                          <a:latin typeface="inherit"/>
-                        </a:rPr>
-                        <a:t>69.5 %</a:t>
-                      </a:r>
-                      <a:endParaRPr lang="fr-FR" dirty="0">
-                        <a:effectLst/>
-                      </a:endParaRPr>
-                    </a:p>
-                  </a:txBody>
-                  <a:tcPr anchor="ctr"/>
-                </a:tc>
-                <a:tc>
-                  <a:txBody>
-                    <a:bodyPr/>
-                    <a:lstStyle/>
-                    <a:p>
-                      <a:pPr algn="ctr" fontAlgn="base"/>
-                      <a:r>
-                        <a:rPr lang="fr-FR" b="1" dirty="0">
-                          <a:solidFill>
-                            <a:srgbClr val="443597"/>
-                          </a:solidFill>
-                          <a:effectLst/>
-                          <a:latin typeface="inherit"/>
-                        </a:rPr>
-                        <a:t>30.5 %</a:t>
-                      </a:r>
-                      <a:endParaRPr lang="fr-FR" dirty="0">
-                        <a:effectLst/>
-                      </a:endParaRPr>
-                    </a:p>
-                  </a:txBody>
-                  <a:tcPr anchor="ctr"/>
-                </a:tc>
-                <a:tc>
-                  <a:txBody>
-                    <a:bodyPr/>
-                    <a:lstStyle/>
-                    <a:p>
-                      <a:pPr algn="ctr" fontAlgn="base"/>
-                      <a:r>
-                        <a:rPr lang="fr-FR" sz="1200" b="1" dirty="0">
-                          <a:solidFill>
-                            <a:srgbClr val="376E8B"/>
-                          </a:solidFill>
-                          <a:effectLst/>
-                          <a:latin typeface="inherit"/>
-                        </a:rPr>
-                        <a:t>105</a:t>
-                      </a:r>
-                      <a:endParaRPr lang="fr-FR" sz="1200" dirty="0">
-                        <a:effectLst/>
-                      </a:endParaRPr>
-                    </a:p>
-                  </a:txBody>
-                  <a:tcPr anchor="ctr"/>
-                </a:tc>
-                <a:extLst>
-                  <a:ext uri="{0D108BD9-81ED-4DB2-BD59-A6C34878D82A}">
-                    <a16:rowId xmlns:a16="http://schemas.microsoft.com/office/drawing/2014/main" val="809898311"/>
-                  </a:ext>
-                </a:extLst>
-              </a:tr>
-              <a:tr h="370840">
-                <a:tc>
-                  <a:txBody>
-                    <a:bodyPr/>
-                    <a:lstStyle/>
-                    <a:p>
-                      <a:pPr algn="ctr"/>
-                      <a:r>
-                        <a:rPr lang="fr-FR" sz="1600" dirty="0">
-                          <a:solidFill>
-                            <a:schemeClr val="bg1"/>
-                          </a:solidFill>
-                        </a:rPr>
-                        <a:t>Pal.</a:t>
-                      </a:r>
-                    </a:p>
-                  </a:txBody>
-                  <a:tcPr>
-                    <a:solidFill>
-                      <a:schemeClr val="accent6">
-                        <a:lumMod val="40000"/>
-                        <a:lumOff val="60000"/>
-                      </a:schemeClr>
-                    </a:solidFill>
-                  </a:tcPr>
-                </a:tc>
-                <a:tc>
-                  <a:txBody>
-                    <a:bodyPr/>
-                    <a:lstStyle/>
-                    <a:p>
-                      <a:pPr algn="ctr" fontAlgn="base"/>
-                      <a:r>
-                        <a:rPr lang="fr-FR" sz="1400" dirty="0">
-                          <a:solidFill>
-                            <a:schemeClr val="bg1"/>
-                          </a:solidFill>
-                          <a:effectLst/>
-                        </a:rPr>
-                        <a:t>81.2 %</a:t>
-                      </a:r>
-                    </a:p>
-                  </a:txBody>
-                  <a:tcPr anchor="ctr">
-                    <a:solidFill>
-                      <a:schemeClr val="accent6">
-                        <a:lumMod val="40000"/>
-                        <a:lumOff val="60000"/>
-                      </a:schemeClr>
-                    </a:solidFill>
-                  </a:tcPr>
-                </a:tc>
-                <a:tc>
-                  <a:txBody>
-                    <a:bodyPr/>
-                    <a:lstStyle/>
-                    <a:p>
-                      <a:pPr algn="ctr" fontAlgn="base"/>
-                      <a:r>
-                        <a:rPr lang="fr-FR" sz="1400" dirty="0">
-                          <a:solidFill>
-                            <a:schemeClr val="bg1"/>
-                          </a:solidFill>
-                          <a:effectLst/>
-                        </a:rPr>
-                        <a:t>18.8 %</a:t>
-                      </a:r>
-                    </a:p>
-                  </a:txBody>
-                  <a:tcPr anchor="ctr">
-                    <a:solidFill>
-                      <a:schemeClr val="accent6">
-                        <a:lumMod val="40000"/>
-                        <a:lumOff val="60000"/>
-                      </a:schemeClr>
-                    </a:solidFill>
-                  </a:tcPr>
-                </a:tc>
-                <a:tc>
-                  <a:txBody>
-                    <a:bodyPr/>
-                    <a:lstStyle/>
-                    <a:p>
-                      <a:pPr algn="ctr" fontAlgn="base"/>
-                      <a:r>
-                        <a:rPr lang="fr-FR" sz="1100" dirty="0">
-                          <a:solidFill>
-                            <a:schemeClr val="bg1"/>
-                          </a:solidFill>
-                          <a:effectLst/>
-                        </a:rPr>
-                        <a:t>69</a:t>
-                      </a:r>
-                    </a:p>
-                  </a:txBody>
-                  <a:tcPr anchor="ctr">
-                    <a:solidFill>
-                      <a:schemeClr val="accent6">
-                        <a:lumMod val="40000"/>
-                        <a:lumOff val="60000"/>
-                      </a:schemeClr>
-                    </a:solidFill>
-                  </a:tcPr>
-                </a:tc>
-                <a:tc>
-                  <a:txBody>
-                    <a:bodyPr/>
-                    <a:lstStyle/>
-                    <a:p>
-                      <a:pPr algn="ctr" fontAlgn="base"/>
-                      <a:r>
-                        <a:rPr lang="fr-FR" sz="1400" dirty="0">
-                          <a:solidFill>
-                            <a:schemeClr val="bg1"/>
-                          </a:solidFill>
-                          <a:effectLst/>
-                        </a:rPr>
-                        <a:t>74.6 %</a:t>
-                      </a:r>
-                    </a:p>
-                  </a:txBody>
-                  <a:tcPr anchor="ctr">
-                    <a:solidFill>
-                      <a:schemeClr val="accent6">
-                        <a:lumMod val="40000"/>
-                        <a:lumOff val="60000"/>
-                      </a:schemeClr>
-                    </a:solidFill>
-                  </a:tcPr>
-                </a:tc>
-                <a:tc>
-                  <a:txBody>
-                    <a:bodyPr/>
-                    <a:lstStyle/>
-                    <a:p>
-                      <a:pPr algn="ctr" fontAlgn="base"/>
-                      <a:r>
-                        <a:rPr lang="fr-FR" sz="1400" dirty="0">
-                          <a:solidFill>
-                            <a:schemeClr val="bg1"/>
-                          </a:solidFill>
-                          <a:effectLst/>
-                        </a:rPr>
-                        <a:t>25.4 %</a:t>
-                      </a:r>
-                    </a:p>
-                  </a:txBody>
-                  <a:tcPr anchor="ctr">
-                    <a:solidFill>
-                      <a:schemeClr val="accent6">
-                        <a:lumMod val="40000"/>
-                        <a:lumOff val="60000"/>
-                      </a:schemeClr>
-                    </a:solidFill>
-                  </a:tcPr>
-                </a:tc>
-                <a:tc>
-                  <a:txBody>
-                    <a:bodyPr/>
-                    <a:lstStyle/>
-                    <a:p>
-                      <a:pPr algn="ctr" fontAlgn="base"/>
-                      <a:r>
-                        <a:rPr lang="fr-FR" sz="1100" dirty="0">
-                          <a:solidFill>
-                            <a:schemeClr val="bg1"/>
-                          </a:solidFill>
-                          <a:effectLst/>
-                        </a:rPr>
-                        <a:t>67</a:t>
-                      </a:r>
-                    </a:p>
-                  </a:txBody>
-                  <a:tcPr anchor="ctr">
-                    <a:solidFill>
-                      <a:schemeClr val="accent6">
-                        <a:lumMod val="40000"/>
-                        <a:lumOff val="60000"/>
-                      </a:schemeClr>
-                    </a:solidFill>
-                  </a:tcPr>
-                </a:tc>
-                <a:extLst>
-                  <a:ext uri="{0D108BD9-81ED-4DB2-BD59-A6C34878D82A}">
-                    <a16:rowId xmlns:a16="http://schemas.microsoft.com/office/drawing/2014/main" val="2207166277"/>
-                  </a:ext>
-                </a:extLst>
-              </a:tr>
-              <a:tr h="370840">
-                <a:tc>
-                  <a:txBody>
-                    <a:bodyPr/>
-                    <a:lstStyle/>
-                    <a:p>
-                      <a:pPr algn="ctr"/>
-                      <a:r>
-                        <a:rPr lang="fr-FR" sz="1600" dirty="0" err="1">
-                          <a:solidFill>
-                            <a:schemeClr val="bg1"/>
-                          </a:solidFill>
-                        </a:rPr>
-                        <a:t>Bdx</a:t>
-                      </a:r>
-                      <a:endParaRPr lang="fr-FR" sz="1600" dirty="0">
-                        <a:solidFill>
-                          <a:schemeClr val="bg1"/>
-                        </a:solidFill>
-                      </a:endParaRPr>
-                    </a:p>
-                  </a:txBody>
-                  <a:tcPr>
-                    <a:solidFill>
-                      <a:schemeClr val="accent6">
-                        <a:lumMod val="60000"/>
-                        <a:lumOff val="40000"/>
-                      </a:schemeClr>
-                    </a:solidFill>
-                  </a:tcPr>
-                </a:tc>
-                <a:tc>
-                  <a:txBody>
-                    <a:bodyPr/>
-                    <a:lstStyle/>
-                    <a:p>
-                      <a:pPr algn="ctr" fontAlgn="base"/>
-                      <a:r>
-                        <a:rPr lang="fr-FR" sz="1400" dirty="0">
-                          <a:solidFill>
-                            <a:schemeClr val="bg1"/>
-                          </a:solidFill>
-                          <a:effectLst/>
-                        </a:rPr>
-                        <a:t>60.0 %</a:t>
-                      </a:r>
-                    </a:p>
-                  </a:txBody>
-                  <a:tcPr anchor="ctr">
-                    <a:solidFill>
-                      <a:schemeClr val="accent6">
-                        <a:lumMod val="60000"/>
-                        <a:lumOff val="40000"/>
-                      </a:schemeClr>
-                    </a:solidFill>
-                  </a:tcPr>
-                </a:tc>
-                <a:tc>
-                  <a:txBody>
-                    <a:bodyPr/>
-                    <a:lstStyle/>
-                    <a:p>
-                      <a:pPr algn="ctr" fontAlgn="base"/>
-                      <a:r>
-                        <a:rPr lang="fr-FR" sz="1400" dirty="0">
-                          <a:solidFill>
-                            <a:schemeClr val="bg1"/>
-                          </a:solidFill>
-                          <a:effectLst/>
-                        </a:rPr>
-                        <a:t>40.0 %</a:t>
-                      </a:r>
-                    </a:p>
-                  </a:txBody>
-                  <a:tcPr anchor="ctr">
-                    <a:solidFill>
-                      <a:schemeClr val="accent6">
-                        <a:lumMod val="60000"/>
-                        <a:lumOff val="40000"/>
-                      </a:schemeClr>
-                    </a:solidFill>
-                  </a:tcPr>
-                </a:tc>
-                <a:tc>
-                  <a:txBody>
-                    <a:bodyPr/>
-                    <a:lstStyle/>
-                    <a:p>
-                      <a:pPr algn="ctr" fontAlgn="base"/>
-                      <a:r>
-                        <a:rPr lang="fr-FR" sz="1100" dirty="0">
-                          <a:solidFill>
-                            <a:schemeClr val="bg1"/>
-                          </a:solidFill>
-                          <a:effectLst/>
-                        </a:rPr>
-                        <a:t>20</a:t>
-                      </a:r>
-                    </a:p>
-                  </a:txBody>
-                  <a:tcPr anchor="ctr">
-                    <a:solidFill>
-                      <a:schemeClr val="accent6">
-                        <a:lumMod val="60000"/>
-                        <a:lumOff val="40000"/>
-                      </a:schemeClr>
-                    </a:solidFill>
-                  </a:tcPr>
-                </a:tc>
-                <a:tc>
-                  <a:txBody>
-                    <a:bodyPr/>
-                    <a:lstStyle/>
-                    <a:p>
-                      <a:pPr algn="ctr" fontAlgn="base"/>
-                      <a:r>
-                        <a:rPr lang="fr-FR" sz="1400" dirty="0">
-                          <a:solidFill>
-                            <a:schemeClr val="bg1"/>
-                          </a:solidFill>
-                          <a:effectLst/>
-                        </a:rPr>
-                        <a:t>61.5 %</a:t>
-                      </a:r>
-                    </a:p>
-                  </a:txBody>
-                  <a:tcPr anchor="ctr">
-                    <a:solidFill>
-                      <a:schemeClr val="accent6">
-                        <a:lumMod val="60000"/>
-                        <a:lumOff val="40000"/>
-                      </a:schemeClr>
-                    </a:solidFill>
-                  </a:tcPr>
-                </a:tc>
-                <a:tc>
-                  <a:txBody>
-                    <a:bodyPr/>
-                    <a:lstStyle/>
-                    <a:p>
-                      <a:pPr algn="ctr" fontAlgn="base"/>
-                      <a:r>
-                        <a:rPr lang="fr-FR" sz="1400" dirty="0">
-                          <a:solidFill>
-                            <a:schemeClr val="bg1"/>
-                          </a:solidFill>
-                          <a:effectLst/>
-                        </a:rPr>
-                        <a:t>38.5 %</a:t>
-                      </a:r>
-                    </a:p>
-                  </a:txBody>
-                  <a:tcPr anchor="ctr">
-                    <a:solidFill>
-                      <a:schemeClr val="accent6">
-                        <a:lumMod val="60000"/>
-                        <a:lumOff val="40000"/>
-                      </a:schemeClr>
-                    </a:solidFill>
-                  </a:tcPr>
-                </a:tc>
-                <a:tc>
-                  <a:txBody>
-                    <a:bodyPr/>
-                    <a:lstStyle/>
-                    <a:p>
-                      <a:pPr algn="ctr" fontAlgn="base"/>
-                      <a:r>
-                        <a:rPr lang="fr-FR" sz="1100" dirty="0">
-                          <a:solidFill>
-                            <a:schemeClr val="bg1"/>
-                          </a:solidFill>
-                          <a:effectLst/>
-                        </a:rPr>
-                        <a:t>13</a:t>
-                      </a:r>
-                    </a:p>
-                  </a:txBody>
-                  <a:tcPr anchor="ctr">
-                    <a:solidFill>
-                      <a:schemeClr val="accent6">
-                        <a:lumMod val="60000"/>
-                        <a:lumOff val="40000"/>
-                      </a:schemeClr>
-                    </a:solidFill>
-                  </a:tcPr>
-                </a:tc>
-                <a:extLst>
-                  <a:ext uri="{0D108BD9-81ED-4DB2-BD59-A6C34878D82A}">
-                    <a16:rowId xmlns:a16="http://schemas.microsoft.com/office/drawing/2014/main" val="1083475024"/>
-                  </a:ext>
-                </a:extLst>
-              </a:tr>
-              <a:tr h="370840">
-                <a:tc>
-                  <a:txBody>
-                    <a:bodyPr/>
-                    <a:lstStyle/>
-                    <a:p>
-                      <a:pPr algn="ctr"/>
-                      <a:r>
-                        <a:rPr lang="fr-FR" sz="1600" dirty="0" err="1">
-                          <a:solidFill>
-                            <a:schemeClr val="bg1"/>
-                          </a:solidFill>
-                        </a:rPr>
-                        <a:t>StE</a:t>
-                      </a:r>
-                      <a:endParaRPr lang="fr-FR" sz="1600" dirty="0">
-                        <a:solidFill>
-                          <a:schemeClr val="bg1"/>
-                        </a:solidFill>
-                      </a:endParaRPr>
-                    </a:p>
-                  </a:txBody>
-                  <a:tcPr>
-                    <a:solidFill>
-                      <a:schemeClr val="accent6">
-                        <a:lumMod val="75000"/>
-                      </a:schemeClr>
-                    </a:solidFill>
-                  </a:tcPr>
-                </a:tc>
-                <a:tc>
-                  <a:txBody>
-                    <a:bodyPr/>
-                    <a:lstStyle/>
-                    <a:p>
-                      <a:pPr algn="ctr" fontAlgn="base"/>
-                      <a:r>
-                        <a:rPr lang="fr-FR" sz="1400" dirty="0">
-                          <a:solidFill>
-                            <a:schemeClr val="bg1"/>
-                          </a:solidFill>
-                          <a:effectLst/>
-                        </a:rPr>
-                        <a:t>60.0 %</a:t>
-                      </a:r>
-                    </a:p>
-                  </a:txBody>
-                  <a:tcPr anchor="ctr">
-                    <a:solidFill>
-                      <a:schemeClr val="accent6">
-                        <a:lumMod val="75000"/>
-                      </a:schemeClr>
-                    </a:solidFill>
-                  </a:tcPr>
-                </a:tc>
-                <a:tc>
-                  <a:txBody>
-                    <a:bodyPr/>
-                    <a:lstStyle/>
-                    <a:p>
-                      <a:pPr algn="ctr" fontAlgn="base"/>
-                      <a:r>
-                        <a:rPr lang="fr-FR" sz="1400" dirty="0">
-                          <a:solidFill>
-                            <a:schemeClr val="bg1"/>
-                          </a:solidFill>
-                          <a:effectLst/>
-                        </a:rPr>
-                        <a:t>40.0 %</a:t>
-                      </a:r>
-                    </a:p>
-                  </a:txBody>
-                  <a:tcPr anchor="ctr">
-                    <a:solidFill>
-                      <a:schemeClr val="accent6">
-                        <a:lumMod val="75000"/>
-                      </a:schemeClr>
-                    </a:solidFill>
-                  </a:tcPr>
-                </a:tc>
-                <a:tc>
-                  <a:txBody>
-                    <a:bodyPr/>
-                    <a:lstStyle/>
-                    <a:p>
-                      <a:pPr algn="ctr" fontAlgn="base"/>
-                      <a:r>
-                        <a:rPr lang="fr-FR" sz="1100" dirty="0">
-                          <a:solidFill>
-                            <a:schemeClr val="bg1"/>
-                          </a:solidFill>
-                          <a:effectLst/>
-                        </a:rPr>
-                        <a:t>15</a:t>
-                      </a:r>
-                    </a:p>
-                  </a:txBody>
-                  <a:tcPr anchor="ctr">
-                    <a:solidFill>
-                      <a:schemeClr val="accent6">
-                        <a:lumMod val="75000"/>
-                      </a:schemeClr>
-                    </a:solidFill>
-                  </a:tcPr>
-                </a:tc>
-                <a:tc>
-                  <a:txBody>
-                    <a:bodyPr/>
-                    <a:lstStyle/>
-                    <a:p>
-                      <a:pPr algn="ctr" fontAlgn="base"/>
-                      <a:r>
-                        <a:rPr lang="fr-FR" sz="1400" dirty="0">
-                          <a:solidFill>
-                            <a:schemeClr val="bg1"/>
-                          </a:solidFill>
-                          <a:effectLst/>
-                        </a:rPr>
-                        <a:t>41.7 %</a:t>
-                      </a:r>
-                    </a:p>
-                  </a:txBody>
-                  <a:tcPr anchor="ctr">
-                    <a:solidFill>
-                      <a:schemeClr val="accent6">
-                        <a:lumMod val="75000"/>
-                      </a:schemeClr>
-                    </a:solidFill>
-                  </a:tcPr>
-                </a:tc>
-                <a:tc>
-                  <a:txBody>
-                    <a:bodyPr/>
-                    <a:lstStyle/>
-                    <a:p>
-                      <a:pPr algn="ctr" fontAlgn="base"/>
-                      <a:r>
-                        <a:rPr lang="fr-FR" sz="1400" dirty="0">
-                          <a:solidFill>
-                            <a:schemeClr val="bg1"/>
-                          </a:solidFill>
-                          <a:effectLst/>
-                        </a:rPr>
-                        <a:t>58.3 %</a:t>
-                      </a:r>
-                    </a:p>
-                  </a:txBody>
-                  <a:tcPr anchor="ctr">
-                    <a:solidFill>
-                      <a:schemeClr val="accent6">
-                        <a:lumMod val="75000"/>
-                      </a:schemeClr>
-                    </a:solidFill>
-                  </a:tcPr>
-                </a:tc>
-                <a:tc>
-                  <a:txBody>
-                    <a:bodyPr/>
-                    <a:lstStyle/>
-                    <a:p>
-                      <a:pPr algn="ctr" fontAlgn="base"/>
-                      <a:r>
-                        <a:rPr lang="fr-FR" sz="1100" dirty="0">
-                          <a:solidFill>
-                            <a:schemeClr val="bg1"/>
-                          </a:solidFill>
-                          <a:effectLst/>
-                        </a:rPr>
-                        <a:t>12</a:t>
-                      </a:r>
-                    </a:p>
-                  </a:txBody>
-                  <a:tcPr anchor="ctr">
-                    <a:solidFill>
-                      <a:schemeClr val="accent6">
-                        <a:lumMod val="75000"/>
-                      </a:schemeClr>
-                    </a:solidFill>
-                  </a:tcPr>
-                </a:tc>
-                <a:extLst>
-                  <a:ext uri="{0D108BD9-81ED-4DB2-BD59-A6C34878D82A}">
-                    <a16:rowId xmlns:a16="http://schemas.microsoft.com/office/drawing/2014/main" val="1118240960"/>
-                  </a:ext>
-                </a:extLst>
-              </a:tr>
-              <a:tr h="370840">
-                <a:tc>
-                  <a:txBody>
-                    <a:bodyPr/>
-                    <a:lstStyle/>
-                    <a:p>
-                      <a:pPr algn="ctr"/>
-                      <a:r>
-                        <a:rPr lang="fr-FR" sz="1600" dirty="0"/>
-                        <a:t>Ext</a:t>
-                      </a:r>
-                    </a:p>
-                  </a:txBody>
-                  <a:tcPr/>
-                </a:tc>
-                <a:tc>
-                  <a:txBody>
-                    <a:bodyPr/>
-                    <a:lstStyle/>
-                    <a:p>
-                      <a:pPr algn="ctr" fontAlgn="base"/>
-                      <a:r>
-                        <a:rPr lang="fr-FR" sz="1400" dirty="0">
-                          <a:solidFill>
-                            <a:srgbClr val="3D4449"/>
-                          </a:solidFill>
-                          <a:effectLst/>
-                        </a:rPr>
-                        <a:t>81.8 %</a:t>
-                      </a:r>
-                    </a:p>
-                  </a:txBody>
-                  <a:tcPr anchor="ctr"/>
-                </a:tc>
-                <a:tc>
-                  <a:txBody>
-                    <a:bodyPr/>
-                    <a:lstStyle/>
-                    <a:p>
-                      <a:pPr algn="ctr" fontAlgn="base"/>
-                      <a:r>
-                        <a:rPr lang="fr-FR" sz="1400" dirty="0">
-                          <a:solidFill>
-                            <a:srgbClr val="443597"/>
-                          </a:solidFill>
-                          <a:effectLst/>
-                        </a:rPr>
-                        <a:t>18.2 %</a:t>
-                      </a:r>
-                    </a:p>
-                  </a:txBody>
-                  <a:tcPr anchor="ctr"/>
-                </a:tc>
-                <a:tc>
-                  <a:txBody>
-                    <a:bodyPr/>
-                    <a:lstStyle/>
-                    <a:p>
-                      <a:pPr algn="ctr" fontAlgn="base"/>
-                      <a:r>
-                        <a:rPr lang="fr-FR" sz="1100" dirty="0">
-                          <a:solidFill>
-                            <a:srgbClr val="376E8B"/>
-                          </a:solidFill>
-                          <a:effectLst/>
-                        </a:rPr>
-                        <a:t>11</a:t>
-                      </a:r>
-                    </a:p>
-                  </a:txBody>
-                  <a:tcPr anchor="ctr"/>
-                </a:tc>
-                <a:tc>
-                  <a:txBody>
-                    <a:bodyPr/>
-                    <a:lstStyle/>
-                    <a:p>
-                      <a:pPr algn="ctr" fontAlgn="base"/>
-                      <a:r>
-                        <a:rPr lang="fr-FR" sz="1400" dirty="0">
-                          <a:solidFill>
-                            <a:srgbClr val="3D4449"/>
-                          </a:solidFill>
-                          <a:effectLst/>
-                        </a:rPr>
-                        <a:t>81.8 %</a:t>
-                      </a:r>
-                    </a:p>
-                  </a:txBody>
-                  <a:tcPr anchor="ctr"/>
-                </a:tc>
-                <a:tc>
-                  <a:txBody>
-                    <a:bodyPr/>
-                    <a:lstStyle/>
-                    <a:p>
-                      <a:pPr algn="ctr" fontAlgn="base"/>
-                      <a:r>
-                        <a:rPr lang="fr-FR" sz="1400" dirty="0">
-                          <a:solidFill>
-                            <a:srgbClr val="443597"/>
-                          </a:solidFill>
-                          <a:effectLst/>
-                        </a:rPr>
-                        <a:t>18.2 %</a:t>
-                      </a:r>
-                    </a:p>
-                  </a:txBody>
-                  <a:tcPr anchor="ctr"/>
-                </a:tc>
-                <a:tc>
-                  <a:txBody>
-                    <a:bodyPr/>
-                    <a:lstStyle/>
-                    <a:p>
-                      <a:pPr algn="ctr" fontAlgn="base"/>
-                      <a:r>
-                        <a:rPr lang="fr-FR" sz="1100" dirty="0">
-                          <a:solidFill>
-                            <a:srgbClr val="376E8B"/>
-                          </a:solidFill>
-                          <a:effectLst/>
-                        </a:rPr>
-                        <a:t>11</a:t>
-                      </a:r>
-                    </a:p>
-                  </a:txBody>
-                  <a:tcPr anchor="ctr"/>
-                </a:tc>
-                <a:extLst>
-                  <a:ext uri="{0D108BD9-81ED-4DB2-BD59-A6C34878D82A}">
-                    <a16:rowId xmlns:a16="http://schemas.microsoft.com/office/drawing/2014/main" val="1740952244"/>
-                  </a:ext>
-                </a:extLst>
-              </a:tr>
-            </a:tbl>
-          </a:graphicData>
-        </a:graphic>
-      </p:graphicFrame>
-      <p:sp>
-        <p:nvSpPr>
-          <p:cNvPr id="7" name="ZoneTexte 6">
-            <a:extLst>
-              <a:ext uri="{FF2B5EF4-FFF2-40B4-BE49-F238E27FC236}">
-                <a16:creationId xmlns:a16="http://schemas.microsoft.com/office/drawing/2014/main" id="{6BE8EB4C-9EED-0344-FB71-FC964BFAC7C5}"/>
-              </a:ext>
-            </a:extLst>
-          </p:cNvPr>
-          <p:cNvSpPr txBox="1"/>
-          <p:nvPr/>
-        </p:nvSpPr>
-        <p:spPr>
-          <a:xfrm>
-            <a:off x="5749638" y="2816126"/>
-            <a:ext cx="1427017" cy="338554"/>
-          </a:xfrm>
-          <a:prstGeom prst="rect">
-            <a:avLst/>
-          </a:prstGeom>
-          <a:noFill/>
-        </p:spPr>
-        <p:txBody>
-          <a:bodyPr wrap="square">
-            <a:spAutoFit/>
-          </a:bodyPr>
-          <a:lstStyle/>
-          <a:p>
-            <a:r>
-              <a:rPr lang="fr-FR" b="1" dirty="0">
-                <a:solidFill>
-                  <a:srgbClr val="3D4449"/>
-                </a:solidFill>
-                <a:effectLst/>
-                <a:latin typeface="inherit"/>
-              </a:rPr>
-              <a:t>2020 à 2023 </a:t>
-            </a:r>
-            <a:endParaRPr lang="fr-FR" dirty="0"/>
-          </a:p>
-        </p:txBody>
-      </p:sp>
-      <p:sp>
-        <p:nvSpPr>
-          <p:cNvPr id="8" name="ZoneTexte 7">
-            <a:extLst>
-              <a:ext uri="{FF2B5EF4-FFF2-40B4-BE49-F238E27FC236}">
-                <a16:creationId xmlns:a16="http://schemas.microsoft.com/office/drawing/2014/main" id="{2F218827-BD14-D989-820F-C8E93CE767D2}"/>
-              </a:ext>
-            </a:extLst>
-          </p:cNvPr>
-          <p:cNvSpPr txBox="1"/>
-          <p:nvPr/>
-        </p:nvSpPr>
-        <p:spPr>
-          <a:xfrm>
-            <a:off x="3144983" y="2819192"/>
-            <a:ext cx="1427017" cy="338554"/>
-          </a:xfrm>
-          <a:prstGeom prst="rect">
-            <a:avLst/>
-          </a:prstGeom>
-          <a:noFill/>
-        </p:spPr>
-        <p:txBody>
-          <a:bodyPr wrap="square">
-            <a:spAutoFit/>
-          </a:bodyPr>
-          <a:lstStyle/>
-          <a:p>
-            <a:r>
-              <a:rPr lang="fr-FR" b="1" dirty="0">
-                <a:solidFill>
-                  <a:srgbClr val="3D4449"/>
-                </a:solidFill>
-                <a:effectLst/>
-                <a:latin typeface="inherit"/>
-              </a:rPr>
-              <a:t>2019 à 2022 </a:t>
-            </a:r>
-            <a:endParaRPr lang="fr-FR" dirty="0"/>
-          </a:p>
-        </p:txBody>
-      </p:sp>
-      <p:cxnSp>
-        <p:nvCxnSpPr>
-          <p:cNvPr id="12" name="Connecteur droit 11">
-            <a:extLst>
-              <a:ext uri="{FF2B5EF4-FFF2-40B4-BE49-F238E27FC236}">
-                <a16:creationId xmlns:a16="http://schemas.microsoft.com/office/drawing/2014/main" id="{B8788C0E-763D-AEA1-A8D6-23C0DA9EFF31}"/>
-              </a:ext>
-            </a:extLst>
-          </p:cNvPr>
-          <p:cNvCxnSpPr>
-            <a:cxnSpLocks/>
-          </p:cNvCxnSpPr>
-          <p:nvPr/>
-        </p:nvCxnSpPr>
-        <p:spPr bwMode="auto">
-          <a:xfrm>
-            <a:off x="4997885" y="2816126"/>
-            <a:ext cx="0" cy="2916970"/>
-          </a:xfrm>
-          <a:prstGeom prst="line">
-            <a:avLst/>
-          </a:prstGeom>
-          <a:solidFill>
-            <a:schemeClr val="accent1"/>
-          </a:solidFill>
-          <a:ln w="25400" cap="flat" cmpd="sng" algn="ctr">
-            <a:solidFill>
-              <a:schemeClr val="tx1"/>
-            </a:solidFill>
-            <a:prstDash val="solid"/>
-            <a:round/>
-            <a:headEnd type="none" w="med" len="med"/>
-            <a:tailEnd type="none" w="med" len="med"/>
-          </a:ln>
-          <a:effectLst/>
-          <a:extLst>
-            <a:ext uri="{AF507438-7753-43e0-B8FC-AC1667EBCBE1}">
-              <a14:hiddenEffects xmlns:a14="http://schemas.microsoft.com/office/drawing/2010/main" xmlns="">
-                <a:effectLst>
-                  <a:outerShdw dist="35921" dir="2700000" algn="ctr" rotWithShape="0">
-                    <a:schemeClr val="bg2"/>
-                  </a:outerShdw>
-                </a:effectLst>
-              </a14:hiddenEffects>
-            </a:ext>
-          </a:extLst>
-        </p:spPr>
-      </p:cxnSp>
-      <p:cxnSp>
-        <p:nvCxnSpPr>
-          <p:cNvPr id="16" name="Connecteur droit 15">
-            <a:extLst>
-              <a:ext uri="{FF2B5EF4-FFF2-40B4-BE49-F238E27FC236}">
-                <a16:creationId xmlns:a16="http://schemas.microsoft.com/office/drawing/2014/main" id="{50BF25C8-9F92-2C38-850F-D28A23482464}"/>
-              </a:ext>
-            </a:extLst>
-          </p:cNvPr>
-          <p:cNvCxnSpPr>
-            <a:cxnSpLocks/>
-          </p:cNvCxnSpPr>
-          <p:nvPr/>
-        </p:nvCxnSpPr>
-        <p:spPr bwMode="auto">
-          <a:xfrm>
-            <a:off x="2394559" y="2816126"/>
-            <a:ext cx="0" cy="2916970"/>
-          </a:xfrm>
-          <a:prstGeom prst="line">
-            <a:avLst/>
-          </a:prstGeom>
-          <a:solidFill>
-            <a:schemeClr val="accent1"/>
-          </a:solidFill>
-          <a:ln w="25400" cap="flat" cmpd="sng" algn="ctr">
-            <a:solidFill>
-              <a:schemeClr val="tx1"/>
-            </a:solidFill>
-            <a:prstDash val="solid"/>
-            <a:round/>
-            <a:headEnd type="none" w="med" len="med"/>
-            <a:tailEnd type="none" w="med" len="med"/>
-          </a:ln>
-          <a:effectLst/>
-          <a:extLst>
-            <a:ext uri="{AF507438-7753-43e0-B8FC-AC1667EBCBE1}">
-              <a14:hiddenEffects xmlns:a14="http://schemas.microsoft.com/office/drawing/2010/main" xmlns="">
-                <a:effectLst>
-                  <a:outerShdw dist="35921" dir="2700000" algn="ctr" rotWithShape="0">
-                    <a:schemeClr val="bg2"/>
-                  </a:outerShdw>
-                </a:effectLst>
-              </a14:hiddenEffects>
-            </a:ext>
-          </a:extLst>
-        </p:spPr>
-      </p:cxnSp>
-      <p:cxnSp>
-        <p:nvCxnSpPr>
-          <p:cNvPr id="17" name="Connecteur droit 16">
-            <a:extLst>
-              <a:ext uri="{FF2B5EF4-FFF2-40B4-BE49-F238E27FC236}">
-                <a16:creationId xmlns:a16="http://schemas.microsoft.com/office/drawing/2014/main" id="{EDE0DB40-AE6D-F8B1-39ED-23D839CC790B}"/>
-              </a:ext>
-            </a:extLst>
-          </p:cNvPr>
-          <p:cNvCxnSpPr>
-            <a:cxnSpLocks/>
-          </p:cNvCxnSpPr>
-          <p:nvPr/>
-        </p:nvCxnSpPr>
-        <p:spPr bwMode="auto">
-          <a:xfrm>
-            <a:off x="7610474" y="2816126"/>
-            <a:ext cx="0" cy="2916970"/>
-          </a:xfrm>
-          <a:prstGeom prst="line">
-            <a:avLst/>
-          </a:prstGeom>
-          <a:solidFill>
-            <a:schemeClr val="accent1"/>
-          </a:solidFill>
-          <a:ln w="25400" cap="flat" cmpd="sng" algn="ctr">
-            <a:solidFill>
-              <a:schemeClr val="tx1"/>
-            </a:solidFill>
-            <a:prstDash val="solid"/>
-            <a:round/>
-            <a:headEnd type="none" w="med" len="med"/>
-            <a:tailEnd type="none" w="med" len="med"/>
-          </a:ln>
-          <a:effectLst/>
-          <a:extLst>
-            <a:ext uri="{AF507438-7753-43e0-B8FC-AC1667EBCBE1}">
-              <a14:hiddenEffects xmlns:a14="http://schemas.microsoft.com/office/drawing/2010/main" xmlns="">
-                <a:effectLst>
-                  <a:outerShdw dist="35921" dir="2700000" algn="ctr" rotWithShape="0">
-                    <a:schemeClr val="bg2"/>
-                  </a:outerShdw>
-                </a:effectLst>
-              </a14:hiddenEffects>
-            </a:ext>
-          </a:extLst>
-        </p:spPr>
-      </p:cxnSp>
-    </p:spTree>
-    <p:extLst>
-      <p:ext uri="{BB962C8B-B14F-4D97-AF65-F5344CB8AC3E}">
-        <p14:creationId xmlns:p14="http://schemas.microsoft.com/office/powerpoint/2010/main" val="1797431457"/>
       </p:ext>
     </p:extLst>
   </p:cSld>
@@ -25152,6 +25191,1765 @@
                 </a:solidFill>
                 <a:ea typeface="ＭＳ Ｐゴシック" panose="020B0600070205080204" pitchFamily="34" charset="-128"/>
               </a:rPr>
+              <a:t>Où partent nos </a:t>
+            </a:r>
+            <a:r>
+              <a:rPr lang="fr-FR" altLang="fr-FR" sz="2000" b="1" dirty="0" err="1">
+                <a:solidFill>
+                  <a:srgbClr val="FF960A"/>
+                </a:solidFill>
+                <a:ea typeface="ＭＳ Ｐゴシック" panose="020B0600070205080204" pitchFamily="34" charset="-128"/>
+              </a:rPr>
+              <a:t>diplomé.e.s</a:t>
+            </a:r>
+            <a:r>
+              <a:rPr lang="fr-FR" altLang="fr-FR" sz="2000" b="1" dirty="0">
+                <a:solidFill>
+                  <a:srgbClr val="FF960A"/>
+                </a:solidFill>
+                <a:ea typeface="ＭＳ Ｐゴシック" panose="020B0600070205080204" pitchFamily="34" charset="-128"/>
+              </a:rPr>
+              <a:t> ?</a:t>
+            </a:r>
+          </a:p>
+        </p:txBody>
+      </p:sp>
+      <p:pic>
+        <p:nvPicPr>
+          <p:cNvPr id="6148" name="Picture 2" descr="upright=Article à illustrer Organisation">
+            <a:extLst>
+              <a:ext uri="{FF2B5EF4-FFF2-40B4-BE49-F238E27FC236}">
+                <a16:creationId xmlns:a16="http://schemas.microsoft.com/office/drawing/2014/main" id="{105BE698-E40C-4415-A9DF-F8680D1DF607}"/>
+              </a:ext>
+            </a:extLst>
+          </p:cNvPr>
+          <p:cNvPicPr>
+            <a:picLocks noChangeAspect="1" noChangeArrowheads="1"/>
+          </p:cNvPicPr>
+          <p:nvPr/>
+        </p:nvPicPr>
+        <p:blipFill>
+          <a:blip r:embed="rId2">
+            <a:extLst>
+              <a:ext uri="{28A0092B-C50C-407E-A947-70E740481C1C}">
+                <a14:useLocalDpi xmlns:a14="http://schemas.microsoft.com/office/drawing/2010/main" val="0"/>
+              </a:ext>
+            </a:extLst>
+          </a:blip>
+          <a:srcRect/>
+          <a:stretch>
+            <a:fillRect/>
+          </a:stretch>
+        </p:blipFill>
+        <p:spPr bwMode="auto">
+          <a:xfrm>
+            <a:off x="7766050" y="892175"/>
+            <a:ext cx="1157288" cy="384175"/>
+          </a:xfrm>
+          <a:prstGeom prst="rect">
+            <a:avLst/>
+          </a:prstGeom>
+          <a:noFill/>
+          <a:ln>
+            <a:noFill/>
+          </a:ln>
+          <a:extLst>
+            <a:ext uri="{909E8E84-426E-40DD-AFC4-6F175D3DCCD1}">
+              <a14:hiddenFill xmlns:a14="http://schemas.microsoft.com/office/drawing/2010/main">
+                <a:solidFill>
+                  <a:srgbClr val="FFFFFF"/>
+                </a:solidFill>
+              </a14:hiddenFill>
+            </a:ext>
+            <a:ext uri="{91240B29-F687-4F45-9708-019B960494DF}">
+              <a14:hiddenLine xmlns:a14="http://schemas.microsoft.com/office/drawing/2010/main" w="9525">
+                <a:solidFill>
+                  <a:srgbClr val="000000"/>
+                </a:solidFill>
+                <a:miter lim="800000"/>
+                <a:headEnd/>
+                <a:tailEnd/>
+              </a14:hiddenLine>
+            </a:ext>
+          </a:extLst>
+        </p:spPr>
+      </p:pic>
+      <p:sp>
+        <p:nvSpPr>
+          <p:cNvPr id="5" name="Rectangle 4">
+            <a:extLst>
+              <a:ext uri="{FF2B5EF4-FFF2-40B4-BE49-F238E27FC236}">
+                <a16:creationId xmlns:a16="http://schemas.microsoft.com/office/drawing/2014/main" id="{54866007-F601-4C83-A553-A260E2BF6420}"/>
+              </a:ext>
+            </a:extLst>
+          </p:cNvPr>
+          <p:cNvSpPr/>
+          <p:nvPr/>
+        </p:nvSpPr>
+        <p:spPr>
+          <a:xfrm>
+            <a:off x="2226080" y="745708"/>
+            <a:ext cx="4076757" cy="338554"/>
+          </a:xfrm>
+          <a:prstGeom prst="rect">
+            <a:avLst/>
+          </a:prstGeom>
+        </p:spPr>
+        <p:txBody>
+          <a:bodyPr wrap="none">
+            <a:spAutoFit/>
+          </a:bodyPr>
+          <a:lstStyle/>
+          <a:p>
+            <a:r>
+              <a:rPr lang="fr-FR" altLang="fr-FR" b="1" dirty="0">
+                <a:solidFill>
+                  <a:srgbClr val="0A3250"/>
+                </a:solidFill>
+              </a:rPr>
+              <a:t>En activité professionnelle (hors thèse) </a:t>
+            </a:r>
+            <a:endParaRPr lang="fr-FR" dirty="0">
+              <a:solidFill>
+                <a:srgbClr val="0A3250"/>
+              </a:solidFill>
+            </a:endParaRPr>
+          </a:p>
+        </p:txBody>
+      </p:sp>
+      <p:sp>
+        <p:nvSpPr>
+          <p:cNvPr id="15" name="ZoneTexte 14">
+            <a:extLst>
+              <a:ext uri="{FF2B5EF4-FFF2-40B4-BE49-F238E27FC236}">
+                <a16:creationId xmlns:a16="http://schemas.microsoft.com/office/drawing/2014/main" id="{8F5937D5-78AA-4535-B4F0-8DDB36CBFB18}"/>
+              </a:ext>
+            </a:extLst>
+          </p:cNvPr>
+          <p:cNvSpPr txBox="1"/>
+          <p:nvPr/>
+        </p:nvSpPr>
+        <p:spPr>
+          <a:xfrm rot="16200000">
+            <a:off x="-2330100" y="3437334"/>
+            <a:ext cx="4998749" cy="338554"/>
+          </a:xfrm>
+          <a:prstGeom prst="rect">
+            <a:avLst/>
+          </a:prstGeom>
+          <a:solidFill>
+            <a:srgbClr val="FF960A"/>
+          </a:solidFill>
+        </p:spPr>
+        <p:txBody>
+          <a:bodyPr wrap="square" rtlCol="0">
+            <a:spAutoFit/>
+          </a:bodyPr>
+          <a:lstStyle/>
+          <a:p>
+            <a:r>
+              <a:rPr lang="fr-FR" dirty="0">
+                <a:solidFill>
+                  <a:schemeClr val="bg1"/>
+                </a:solidFill>
+              </a:rPr>
+              <a:t>En activité professionnelle</a:t>
+            </a:r>
+          </a:p>
+        </p:txBody>
+      </p:sp>
+      <p:graphicFrame>
+        <p:nvGraphicFramePr>
+          <p:cNvPr id="12" name="Tableau 7">
+            <a:extLst>
+              <a:ext uri="{FF2B5EF4-FFF2-40B4-BE49-F238E27FC236}">
+                <a16:creationId xmlns:a16="http://schemas.microsoft.com/office/drawing/2014/main" id="{DF48F8F7-65BE-8A07-53E3-B4A1ABABC812}"/>
+              </a:ext>
+            </a:extLst>
+          </p:cNvPr>
+          <p:cNvGraphicFramePr>
+            <a:graphicFrameLocks noGrp="1"/>
+          </p:cNvGraphicFramePr>
+          <p:nvPr>
+            <p:extLst>
+              <p:ext uri="{D42A27DB-BD31-4B8C-83A1-F6EECF244321}">
+                <p14:modId xmlns:p14="http://schemas.microsoft.com/office/powerpoint/2010/main" val="2486037238"/>
+              </p:ext>
+            </p:extLst>
+          </p:nvPr>
+        </p:nvGraphicFramePr>
+        <p:xfrm>
+          <a:off x="636638" y="2120197"/>
+          <a:ext cx="4218711" cy="853440"/>
+        </p:xfrm>
+        <a:graphic>
+          <a:graphicData uri="http://schemas.openxmlformats.org/drawingml/2006/table">
+            <a:tbl>
+              <a:tblPr firstRow="1" bandRow="1">
+                <a:tableStyleId>{2D5ABB26-0587-4C30-8999-92F81FD0307C}</a:tableStyleId>
+              </a:tblPr>
+              <a:tblGrid>
+                <a:gridCol w="1537088">
+                  <a:extLst>
+                    <a:ext uri="{9D8B030D-6E8A-4147-A177-3AD203B41FA5}">
+                      <a16:colId xmlns:a16="http://schemas.microsoft.com/office/drawing/2014/main" val="272710231"/>
+                    </a:ext>
+                  </a:extLst>
+                </a:gridCol>
+                <a:gridCol w="818735">
+                  <a:extLst>
+                    <a:ext uri="{9D8B030D-6E8A-4147-A177-3AD203B41FA5}">
+                      <a16:colId xmlns:a16="http://schemas.microsoft.com/office/drawing/2014/main" val="2830877423"/>
+                    </a:ext>
+                  </a:extLst>
+                </a:gridCol>
+                <a:gridCol w="931444">
+                  <a:extLst>
+                    <a:ext uri="{9D8B030D-6E8A-4147-A177-3AD203B41FA5}">
+                      <a16:colId xmlns:a16="http://schemas.microsoft.com/office/drawing/2014/main" val="558325230"/>
+                    </a:ext>
+                  </a:extLst>
+                </a:gridCol>
+                <a:gridCol w="931444">
+                  <a:extLst>
+                    <a:ext uri="{9D8B030D-6E8A-4147-A177-3AD203B41FA5}">
+                      <a16:colId xmlns:a16="http://schemas.microsoft.com/office/drawing/2014/main" val="1044799312"/>
+                    </a:ext>
+                  </a:extLst>
+                </a:gridCol>
+              </a:tblGrid>
+              <a:tr h="251762">
+                <a:tc>
+                  <a:txBody>
+                    <a:bodyPr/>
+                    <a:lstStyle/>
+                    <a:p>
+                      <a:pPr algn="ctr"/>
+                      <a:r>
+                        <a:rPr lang="fr-FR" sz="1100" b="1" dirty="0">
+                          <a:solidFill>
+                            <a:schemeClr val="tx1"/>
+                          </a:solidFill>
+                        </a:rPr>
+                        <a:t>Lieu emploi</a:t>
+                      </a:r>
+                    </a:p>
+                  </a:txBody>
+                  <a:tcPr>
+                    <a:lnL w="3175" cap="flat" cmpd="sng" algn="ctr">
+                      <a:solidFill>
+                        <a:schemeClr val="tx1"/>
+                      </a:solidFill>
+                      <a:prstDash val="solid"/>
+                      <a:round/>
+                      <a:headEnd type="none" w="med" len="med"/>
+                      <a:tailEnd type="none" w="med" len="med"/>
+                    </a:lnL>
+                    <a:lnR w="3175" cap="flat" cmpd="sng" algn="ctr">
+                      <a:solidFill>
+                        <a:schemeClr val="tx1"/>
+                      </a:solidFill>
+                      <a:prstDash val="solid"/>
+                      <a:round/>
+                      <a:headEnd type="none" w="med" len="med"/>
+                      <a:tailEnd type="none" w="med" len="med"/>
+                    </a:lnR>
+                    <a:lnT w="3175" cap="flat" cmpd="sng" algn="ctr">
+                      <a:solidFill>
+                        <a:schemeClr val="tx1"/>
+                      </a:solidFill>
+                      <a:prstDash val="solid"/>
+                      <a:round/>
+                      <a:headEnd type="none" w="med" len="med"/>
+                      <a:tailEnd type="none" w="med" len="med"/>
+                    </a:lnT>
+                    <a:lnB w="3175" cap="flat" cmpd="sng" algn="ctr">
+                      <a:solidFill>
+                        <a:schemeClr val="tx1"/>
+                      </a:solidFill>
+                      <a:prstDash val="solid"/>
+                      <a:round/>
+                      <a:headEnd type="none" w="med" len="med"/>
+                      <a:tailEnd type="none" w="med" len="med"/>
+                    </a:lnB>
+                    <a:solidFill>
+                      <a:schemeClr val="bg1"/>
+                    </a:solidFill>
+                  </a:tcPr>
+                </a:tc>
+                <a:tc>
+                  <a:txBody>
+                    <a:bodyPr/>
+                    <a:lstStyle/>
+                    <a:p>
+                      <a:pPr algn="ctr"/>
+                      <a:r>
+                        <a:rPr lang="fr-FR" sz="1400" b="1" dirty="0">
+                          <a:solidFill>
+                            <a:srgbClr val="5B277D"/>
+                          </a:solidFill>
+                        </a:rPr>
+                        <a:t>2024</a:t>
+                      </a:r>
+                    </a:p>
+                  </a:txBody>
+                  <a:tcPr>
+                    <a:lnL w="3175" cap="flat" cmpd="sng" algn="ctr">
+                      <a:solidFill>
+                        <a:schemeClr val="tx1"/>
+                      </a:solidFill>
+                      <a:prstDash val="solid"/>
+                      <a:round/>
+                      <a:headEnd type="none" w="med" len="med"/>
+                      <a:tailEnd type="none" w="med" len="med"/>
+                    </a:lnL>
+                    <a:lnR w="3175" cap="flat" cmpd="sng" algn="ctr">
+                      <a:solidFill>
+                        <a:schemeClr val="tx1"/>
+                      </a:solidFill>
+                      <a:prstDash val="solid"/>
+                      <a:round/>
+                      <a:headEnd type="none" w="med" len="med"/>
+                      <a:tailEnd type="none" w="med" len="med"/>
+                    </a:lnR>
+                    <a:lnT w="3175" cap="flat" cmpd="sng" algn="ctr">
+                      <a:solidFill>
+                        <a:schemeClr val="tx1"/>
+                      </a:solidFill>
+                      <a:prstDash val="solid"/>
+                      <a:round/>
+                      <a:headEnd type="none" w="med" len="med"/>
+                      <a:tailEnd type="none" w="med" len="med"/>
+                    </a:lnT>
+                    <a:lnB w="3175" cap="flat" cmpd="sng" algn="ctr">
+                      <a:solidFill>
+                        <a:schemeClr val="tx1"/>
+                      </a:solidFill>
+                      <a:prstDash val="solid"/>
+                      <a:round/>
+                      <a:headEnd type="none" w="med" len="med"/>
+                      <a:tailEnd type="none" w="med" len="med"/>
+                    </a:lnB>
+                    <a:solidFill>
+                      <a:srgbClr val="FF960A"/>
+                    </a:solidFill>
+                  </a:tcPr>
+                </a:tc>
+                <a:tc>
+                  <a:txBody>
+                    <a:bodyPr/>
+                    <a:lstStyle/>
+                    <a:p>
+                      <a:pPr algn="ctr"/>
+                      <a:r>
+                        <a:rPr lang="fr-FR" sz="1400" b="1" dirty="0">
+                          <a:solidFill>
+                            <a:schemeClr val="bg1"/>
+                          </a:solidFill>
+                        </a:rPr>
+                        <a:t>2023</a:t>
+                      </a:r>
+                    </a:p>
+                  </a:txBody>
+                  <a:tcPr>
+                    <a:lnL w="3175" cap="flat" cmpd="sng" algn="ctr">
+                      <a:solidFill>
+                        <a:schemeClr val="tx1"/>
+                      </a:solidFill>
+                      <a:prstDash val="solid"/>
+                      <a:round/>
+                      <a:headEnd type="none" w="med" len="med"/>
+                      <a:tailEnd type="none" w="med" len="med"/>
+                    </a:lnL>
+                    <a:lnR w="3175" cap="flat" cmpd="sng" algn="ctr">
+                      <a:solidFill>
+                        <a:schemeClr val="tx1"/>
+                      </a:solidFill>
+                      <a:prstDash val="solid"/>
+                      <a:round/>
+                      <a:headEnd type="none" w="med" len="med"/>
+                      <a:tailEnd type="none" w="med" len="med"/>
+                    </a:lnR>
+                    <a:lnT w="3175" cap="flat" cmpd="sng" algn="ctr">
+                      <a:solidFill>
+                        <a:schemeClr val="tx1"/>
+                      </a:solidFill>
+                      <a:prstDash val="solid"/>
+                      <a:round/>
+                      <a:headEnd type="none" w="med" len="med"/>
+                      <a:tailEnd type="none" w="med" len="med"/>
+                    </a:lnT>
+                    <a:lnB w="3175" cap="flat" cmpd="sng" algn="ctr">
+                      <a:solidFill>
+                        <a:schemeClr val="tx1"/>
+                      </a:solidFill>
+                      <a:prstDash val="solid"/>
+                      <a:round/>
+                      <a:headEnd type="none" w="med" len="med"/>
+                      <a:tailEnd type="none" w="med" len="med"/>
+                    </a:lnB>
+                    <a:solidFill>
+                      <a:srgbClr val="FF960A"/>
+                    </a:solidFill>
+                  </a:tcPr>
+                </a:tc>
+                <a:tc>
+                  <a:txBody>
+                    <a:bodyPr/>
+                    <a:lstStyle/>
+                    <a:p>
+                      <a:pPr algn="ctr"/>
+                      <a:r>
+                        <a:rPr lang="fr-FR" sz="1400" b="1" dirty="0">
+                          <a:solidFill>
+                            <a:schemeClr val="bg1"/>
+                          </a:solidFill>
+                        </a:rPr>
+                        <a:t>CGE</a:t>
+                      </a:r>
+                    </a:p>
+                  </a:txBody>
+                  <a:tcPr>
+                    <a:lnL w="3175" cap="flat" cmpd="sng" algn="ctr">
+                      <a:solidFill>
+                        <a:schemeClr val="tx1"/>
+                      </a:solidFill>
+                      <a:prstDash val="solid"/>
+                      <a:round/>
+                      <a:headEnd type="none" w="med" len="med"/>
+                      <a:tailEnd type="none" w="med" len="med"/>
+                    </a:lnL>
+                    <a:lnR w="3175" cap="flat" cmpd="sng" algn="ctr">
+                      <a:solidFill>
+                        <a:schemeClr val="tx1"/>
+                      </a:solidFill>
+                      <a:prstDash val="solid"/>
+                      <a:round/>
+                      <a:headEnd type="none" w="med" len="med"/>
+                      <a:tailEnd type="none" w="med" len="med"/>
+                    </a:lnR>
+                    <a:lnT w="3175" cap="flat" cmpd="sng" algn="ctr">
+                      <a:solidFill>
+                        <a:schemeClr val="tx1"/>
+                      </a:solidFill>
+                      <a:prstDash val="solid"/>
+                      <a:round/>
+                      <a:headEnd type="none" w="med" len="med"/>
+                      <a:tailEnd type="none" w="med" len="med"/>
+                    </a:lnT>
+                    <a:lnB w="3175" cap="flat" cmpd="sng" algn="ctr">
+                      <a:solidFill>
+                        <a:schemeClr val="tx1"/>
+                      </a:solidFill>
+                      <a:prstDash val="solid"/>
+                      <a:round/>
+                      <a:headEnd type="none" w="med" len="med"/>
+                      <a:tailEnd type="none" w="med" len="med"/>
+                    </a:lnB>
+                    <a:solidFill>
+                      <a:srgbClr val="0A3250"/>
+                    </a:solidFill>
+                  </a:tcPr>
+                </a:tc>
+                <a:extLst>
+                  <a:ext uri="{0D108BD9-81ED-4DB2-BD59-A6C34878D82A}">
+                    <a16:rowId xmlns:a16="http://schemas.microsoft.com/office/drawing/2014/main" val="4101029960"/>
+                  </a:ext>
+                </a:extLst>
+              </a:tr>
+              <a:tr h="251762">
+                <a:tc>
+                  <a:txBody>
+                    <a:bodyPr/>
+                    <a:lstStyle/>
+                    <a:p>
+                      <a:pPr algn="ctr"/>
+                      <a:r>
+                        <a:rPr lang="fr-FR" sz="1050" dirty="0"/>
+                        <a:t>Etranger</a:t>
+                      </a:r>
+                    </a:p>
+                  </a:txBody>
+                  <a:tcPr>
+                    <a:lnL w="3175" cap="flat" cmpd="sng" algn="ctr">
+                      <a:solidFill>
+                        <a:schemeClr val="tx1"/>
+                      </a:solidFill>
+                      <a:prstDash val="solid"/>
+                      <a:round/>
+                      <a:headEnd type="none" w="med" len="med"/>
+                      <a:tailEnd type="none" w="med" len="med"/>
+                    </a:lnL>
+                    <a:lnR w="3175" cap="flat" cmpd="sng" algn="ctr">
+                      <a:solidFill>
+                        <a:schemeClr val="tx1"/>
+                      </a:solidFill>
+                      <a:prstDash val="solid"/>
+                      <a:round/>
+                      <a:headEnd type="none" w="med" len="med"/>
+                      <a:tailEnd type="none" w="med" len="med"/>
+                    </a:lnR>
+                    <a:lnT w="3175" cap="flat" cmpd="sng" algn="ctr">
+                      <a:solidFill>
+                        <a:schemeClr val="tx1"/>
+                      </a:solidFill>
+                      <a:prstDash val="solid"/>
+                      <a:round/>
+                      <a:headEnd type="none" w="med" len="med"/>
+                      <a:tailEnd type="none" w="med" len="med"/>
+                    </a:lnT>
+                    <a:lnB w="3175" cap="flat" cmpd="sng" algn="ctr">
+                      <a:solidFill>
+                        <a:schemeClr val="tx1"/>
+                      </a:solidFill>
+                      <a:prstDash val="solid"/>
+                      <a:round/>
+                      <a:headEnd type="none" w="med" len="med"/>
+                      <a:tailEnd type="none" w="med" len="med"/>
+                    </a:lnB>
+                  </a:tcPr>
+                </a:tc>
+                <a:tc>
+                  <a:txBody>
+                    <a:bodyPr/>
+                    <a:lstStyle/>
+                    <a:p>
+                      <a:pPr algn="ctr"/>
+                      <a:r>
+                        <a:rPr lang="fr-FR" sz="1200" b="1" dirty="0">
+                          <a:solidFill>
+                            <a:srgbClr val="5B277D"/>
+                          </a:solidFill>
+                        </a:rPr>
+                        <a:t>12,5 %</a:t>
+                      </a:r>
+                    </a:p>
+                  </a:txBody>
+                  <a:tcPr>
+                    <a:lnL w="3175" cap="flat" cmpd="sng" algn="ctr">
+                      <a:solidFill>
+                        <a:schemeClr val="tx1"/>
+                      </a:solidFill>
+                      <a:prstDash val="solid"/>
+                      <a:round/>
+                      <a:headEnd type="none" w="med" len="med"/>
+                      <a:tailEnd type="none" w="med" len="med"/>
+                    </a:lnL>
+                    <a:lnR w="3175" cap="flat" cmpd="sng" algn="ctr">
+                      <a:solidFill>
+                        <a:schemeClr val="tx1"/>
+                      </a:solidFill>
+                      <a:prstDash val="solid"/>
+                      <a:round/>
+                      <a:headEnd type="none" w="med" len="med"/>
+                      <a:tailEnd type="none" w="med" len="med"/>
+                    </a:lnR>
+                    <a:lnT w="3175" cap="flat" cmpd="sng" algn="ctr">
+                      <a:solidFill>
+                        <a:schemeClr val="tx1"/>
+                      </a:solidFill>
+                      <a:prstDash val="solid"/>
+                      <a:round/>
+                      <a:headEnd type="none" w="med" len="med"/>
+                      <a:tailEnd type="none" w="med" len="med"/>
+                    </a:lnT>
+                    <a:lnB w="3175" cap="flat" cmpd="sng" algn="ctr">
+                      <a:solidFill>
+                        <a:schemeClr val="tx1"/>
+                      </a:solidFill>
+                      <a:prstDash val="solid"/>
+                      <a:round/>
+                      <a:headEnd type="none" w="med" len="med"/>
+                      <a:tailEnd type="none" w="med" len="med"/>
+                    </a:lnB>
+                  </a:tcPr>
+                </a:tc>
+                <a:tc>
+                  <a:txBody>
+                    <a:bodyPr/>
+                    <a:lstStyle/>
+                    <a:p>
+                      <a:pPr algn="ctr"/>
+                      <a:r>
+                        <a:rPr lang="fr-FR" sz="1200" b="1" dirty="0">
+                          <a:solidFill>
+                            <a:srgbClr val="7F7F7F"/>
+                          </a:solidFill>
+                        </a:rPr>
+                        <a:t>3,0 %</a:t>
+                      </a:r>
+                    </a:p>
+                  </a:txBody>
+                  <a:tcPr>
+                    <a:lnL w="3175" cap="flat" cmpd="sng" algn="ctr">
+                      <a:solidFill>
+                        <a:schemeClr val="tx1"/>
+                      </a:solidFill>
+                      <a:prstDash val="solid"/>
+                      <a:round/>
+                      <a:headEnd type="none" w="med" len="med"/>
+                      <a:tailEnd type="none" w="med" len="med"/>
+                    </a:lnL>
+                    <a:lnR w="3175" cap="flat" cmpd="sng" algn="ctr">
+                      <a:solidFill>
+                        <a:schemeClr val="tx1"/>
+                      </a:solidFill>
+                      <a:prstDash val="solid"/>
+                      <a:round/>
+                      <a:headEnd type="none" w="med" len="med"/>
+                      <a:tailEnd type="none" w="med" len="med"/>
+                    </a:lnR>
+                    <a:lnT w="3175" cap="flat" cmpd="sng" algn="ctr">
+                      <a:solidFill>
+                        <a:schemeClr val="tx1"/>
+                      </a:solidFill>
+                      <a:prstDash val="solid"/>
+                      <a:round/>
+                      <a:headEnd type="none" w="med" len="med"/>
+                      <a:tailEnd type="none" w="med" len="med"/>
+                    </a:lnT>
+                    <a:lnB w="3175" cap="flat" cmpd="sng" algn="ctr">
+                      <a:solidFill>
+                        <a:schemeClr val="tx1"/>
+                      </a:solidFill>
+                      <a:prstDash val="solid"/>
+                      <a:round/>
+                      <a:headEnd type="none" w="med" len="med"/>
+                      <a:tailEnd type="none" w="med" len="med"/>
+                    </a:lnB>
+                  </a:tcPr>
+                </a:tc>
+                <a:tc>
+                  <a:txBody>
+                    <a:bodyPr/>
+                    <a:lstStyle/>
+                    <a:p>
+                      <a:pPr algn="ctr"/>
+                      <a:r>
+                        <a:rPr lang="fr-FR" sz="1100" b="1" dirty="0">
+                          <a:solidFill>
+                            <a:srgbClr val="5B277D"/>
+                          </a:solidFill>
+                        </a:rPr>
+                        <a:t>9,0 %</a:t>
+                      </a:r>
+                    </a:p>
+                  </a:txBody>
+                  <a:tcPr>
+                    <a:lnL w="3175" cap="flat" cmpd="sng" algn="ctr">
+                      <a:solidFill>
+                        <a:schemeClr val="tx1"/>
+                      </a:solidFill>
+                      <a:prstDash val="solid"/>
+                      <a:round/>
+                      <a:headEnd type="none" w="med" len="med"/>
+                      <a:tailEnd type="none" w="med" len="med"/>
+                    </a:lnL>
+                    <a:lnR w="3175" cap="flat" cmpd="sng" algn="ctr">
+                      <a:solidFill>
+                        <a:schemeClr val="tx1"/>
+                      </a:solidFill>
+                      <a:prstDash val="solid"/>
+                      <a:round/>
+                      <a:headEnd type="none" w="med" len="med"/>
+                      <a:tailEnd type="none" w="med" len="med"/>
+                    </a:lnR>
+                    <a:lnT w="3175" cap="flat" cmpd="sng" algn="ctr">
+                      <a:solidFill>
+                        <a:schemeClr val="tx1"/>
+                      </a:solidFill>
+                      <a:prstDash val="solid"/>
+                      <a:round/>
+                      <a:headEnd type="none" w="med" len="med"/>
+                      <a:tailEnd type="none" w="med" len="med"/>
+                    </a:lnT>
+                    <a:lnB w="3175" cap="flat" cmpd="sng" algn="ctr">
+                      <a:solidFill>
+                        <a:schemeClr val="tx1"/>
+                      </a:solidFill>
+                      <a:prstDash val="solid"/>
+                      <a:round/>
+                      <a:headEnd type="none" w="med" len="med"/>
+                      <a:tailEnd type="none" w="med" len="med"/>
+                    </a:lnB>
+                  </a:tcPr>
+                </a:tc>
+                <a:extLst>
+                  <a:ext uri="{0D108BD9-81ED-4DB2-BD59-A6C34878D82A}">
+                    <a16:rowId xmlns:a16="http://schemas.microsoft.com/office/drawing/2014/main" val="2352397093"/>
+                  </a:ext>
+                </a:extLst>
+              </a:tr>
+              <a:tr h="251762">
+                <a:tc>
+                  <a:txBody>
+                    <a:bodyPr/>
+                    <a:lstStyle/>
+                    <a:p>
+                      <a:pPr algn="ctr"/>
+                      <a:r>
+                        <a:rPr lang="fr-FR" sz="1050" dirty="0"/>
+                        <a:t>France</a:t>
+                      </a:r>
+                    </a:p>
+                  </a:txBody>
+                  <a:tcPr>
+                    <a:lnL w="3175" cap="flat" cmpd="sng" algn="ctr">
+                      <a:solidFill>
+                        <a:schemeClr val="tx1"/>
+                      </a:solidFill>
+                      <a:prstDash val="solid"/>
+                      <a:round/>
+                      <a:headEnd type="none" w="med" len="med"/>
+                      <a:tailEnd type="none" w="med" len="med"/>
+                    </a:lnL>
+                    <a:lnR w="3175" cap="flat" cmpd="sng" algn="ctr">
+                      <a:solidFill>
+                        <a:schemeClr val="tx1"/>
+                      </a:solidFill>
+                      <a:prstDash val="solid"/>
+                      <a:round/>
+                      <a:headEnd type="none" w="med" len="med"/>
+                      <a:tailEnd type="none" w="med" len="med"/>
+                    </a:lnR>
+                    <a:lnT w="3175" cap="flat" cmpd="sng" algn="ctr">
+                      <a:solidFill>
+                        <a:schemeClr val="tx1"/>
+                      </a:solidFill>
+                      <a:prstDash val="solid"/>
+                      <a:round/>
+                      <a:headEnd type="none" w="med" len="med"/>
+                      <a:tailEnd type="none" w="med" len="med"/>
+                    </a:lnT>
+                    <a:lnB w="3175" cap="flat" cmpd="sng" algn="ctr">
+                      <a:solidFill>
+                        <a:schemeClr val="tx1"/>
+                      </a:solidFill>
+                      <a:prstDash val="solid"/>
+                      <a:round/>
+                      <a:headEnd type="none" w="med" len="med"/>
+                      <a:tailEnd type="none" w="med" len="med"/>
+                    </a:lnB>
+                  </a:tcPr>
+                </a:tc>
+                <a:tc>
+                  <a:txBody>
+                    <a:bodyPr/>
+                    <a:lstStyle/>
+                    <a:p>
+                      <a:pPr algn="ctr"/>
+                      <a:r>
+                        <a:rPr lang="fr-FR" sz="1200" b="1" dirty="0">
+                          <a:solidFill>
+                            <a:srgbClr val="5B277D"/>
+                          </a:solidFill>
+                        </a:rPr>
+                        <a:t>87,5 %</a:t>
+                      </a:r>
+                    </a:p>
+                  </a:txBody>
+                  <a:tcPr>
+                    <a:lnL w="3175" cap="flat" cmpd="sng" algn="ctr">
+                      <a:solidFill>
+                        <a:schemeClr val="tx1"/>
+                      </a:solidFill>
+                      <a:prstDash val="solid"/>
+                      <a:round/>
+                      <a:headEnd type="none" w="med" len="med"/>
+                      <a:tailEnd type="none" w="med" len="med"/>
+                    </a:lnL>
+                    <a:lnR w="3175" cap="flat" cmpd="sng" algn="ctr">
+                      <a:solidFill>
+                        <a:schemeClr val="tx1"/>
+                      </a:solidFill>
+                      <a:prstDash val="solid"/>
+                      <a:round/>
+                      <a:headEnd type="none" w="med" len="med"/>
+                      <a:tailEnd type="none" w="med" len="med"/>
+                    </a:lnR>
+                    <a:lnT w="3175" cap="flat" cmpd="sng" algn="ctr">
+                      <a:solidFill>
+                        <a:schemeClr val="tx1"/>
+                      </a:solidFill>
+                      <a:prstDash val="solid"/>
+                      <a:round/>
+                      <a:headEnd type="none" w="med" len="med"/>
+                      <a:tailEnd type="none" w="med" len="med"/>
+                    </a:lnT>
+                    <a:lnB w="3175" cap="flat" cmpd="sng" algn="ctr">
+                      <a:solidFill>
+                        <a:schemeClr val="tx1"/>
+                      </a:solidFill>
+                      <a:prstDash val="solid"/>
+                      <a:round/>
+                      <a:headEnd type="none" w="med" len="med"/>
+                      <a:tailEnd type="none" w="med" len="med"/>
+                    </a:lnB>
+                  </a:tcPr>
+                </a:tc>
+                <a:tc>
+                  <a:txBody>
+                    <a:bodyPr/>
+                    <a:lstStyle/>
+                    <a:p>
+                      <a:pPr algn="ctr"/>
+                      <a:r>
+                        <a:rPr lang="fr-FR" sz="1200" b="1" dirty="0">
+                          <a:solidFill>
+                            <a:srgbClr val="7F7F7F"/>
+                          </a:solidFill>
+                        </a:rPr>
+                        <a:t>97,0 %</a:t>
+                      </a:r>
+                    </a:p>
+                  </a:txBody>
+                  <a:tcPr>
+                    <a:lnL w="3175" cap="flat" cmpd="sng" algn="ctr">
+                      <a:solidFill>
+                        <a:schemeClr val="tx1"/>
+                      </a:solidFill>
+                      <a:prstDash val="solid"/>
+                      <a:round/>
+                      <a:headEnd type="none" w="med" len="med"/>
+                      <a:tailEnd type="none" w="med" len="med"/>
+                    </a:lnL>
+                    <a:lnR w="3175" cap="flat" cmpd="sng" algn="ctr">
+                      <a:solidFill>
+                        <a:schemeClr val="tx1"/>
+                      </a:solidFill>
+                      <a:prstDash val="solid"/>
+                      <a:round/>
+                      <a:headEnd type="none" w="med" len="med"/>
+                      <a:tailEnd type="none" w="med" len="med"/>
+                    </a:lnR>
+                    <a:lnT w="3175" cap="flat" cmpd="sng" algn="ctr">
+                      <a:solidFill>
+                        <a:schemeClr val="tx1"/>
+                      </a:solidFill>
+                      <a:prstDash val="solid"/>
+                      <a:round/>
+                      <a:headEnd type="none" w="med" len="med"/>
+                      <a:tailEnd type="none" w="med" len="med"/>
+                    </a:lnT>
+                    <a:lnB w="3175" cap="flat" cmpd="sng" algn="ctr">
+                      <a:solidFill>
+                        <a:schemeClr val="tx1"/>
+                      </a:solidFill>
+                      <a:prstDash val="solid"/>
+                      <a:round/>
+                      <a:headEnd type="none" w="med" len="med"/>
+                      <a:tailEnd type="none" w="med" len="med"/>
+                    </a:lnB>
+                  </a:tcPr>
+                </a:tc>
+                <a:tc>
+                  <a:txBody>
+                    <a:bodyPr/>
+                    <a:lstStyle/>
+                    <a:p>
+                      <a:pPr algn="ctr"/>
+                      <a:r>
+                        <a:rPr lang="fr-FR" sz="1100" b="1" dirty="0">
+                          <a:solidFill>
+                            <a:srgbClr val="5B277D"/>
+                          </a:solidFill>
+                        </a:rPr>
+                        <a:t>91,0 %</a:t>
+                      </a:r>
+                    </a:p>
+                  </a:txBody>
+                  <a:tcPr>
+                    <a:lnL w="3175" cap="flat" cmpd="sng" algn="ctr">
+                      <a:solidFill>
+                        <a:schemeClr val="tx1"/>
+                      </a:solidFill>
+                      <a:prstDash val="solid"/>
+                      <a:round/>
+                      <a:headEnd type="none" w="med" len="med"/>
+                      <a:tailEnd type="none" w="med" len="med"/>
+                    </a:lnL>
+                    <a:lnR w="3175" cap="flat" cmpd="sng" algn="ctr">
+                      <a:solidFill>
+                        <a:schemeClr val="tx1"/>
+                      </a:solidFill>
+                      <a:prstDash val="solid"/>
+                      <a:round/>
+                      <a:headEnd type="none" w="med" len="med"/>
+                      <a:tailEnd type="none" w="med" len="med"/>
+                    </a:lnR>
+                    <a:lnT w="3175" cap="flat" cmpd="sng" algn="ctr">
+                      <a:solidFill>
+                        <a:schemeClr val="tx1"/>
+                      </a:solidFill>
+                      <a:prstDash val="solid"/>
+                      <a:round/>
+                      <a:headEnd type="none" w="med" len="med"/>
+                      <a:tailEnd type="none" w="med" len="med"/>
+                    </a:lnT>
+                    <a:lnB w="3175" cap="flat" cmpd="sng" algn="ctr">
+                      <a:solidFill>
+                        <a:schemeClr val="tx1"/>
+                      </a:solidFill>
+                      <a:prstDash val="solid"/>
+                      <a:round/>
+                      <a:headEnd type="none" w="med" len="med"/>
+                      <a:tailEnd type="none" w="med" len="med"/>
+                    </a:lnB>
+                  </a:tcPr>
+                </a:tc>
+                <a:extLst>
+                  <a:ext uri="{0D108BD9-81ED-4DB2-BD59-A6C34878D82A}">
+                    <a16:rowId xmlns:a16="http://schemas.microsoft.com/office/drawing/2014/main" val="602023046"/>
+                  </a:ext>
+                </a:extLst>
+              </a:tr>
+            </a:tbl>
+          </a:graphicData>
+        </a:graphic>
+      </p:graphicFrame>
+      <p:graphicFrame>
+        <p:nvGraphicFramePr>
+          <p:cNvPr id="13" name="Tableau 7">
+            <a:extLst>
+              <a:ext uri="{FF2B5EF4-FFF2-40B4-BE49-F238E27FC236}">
+                <a16:creationId xmlns:a16="http://schemas.microsoft.com/office/drawing/2014/main" id="{F7332857-EBAA-8229-15BE-3EB436303EA4}"/>
+              </a:ext>
+            </a:extLst>
+          </p:cNvPr>
+          <p:cNvGraphicFramePr>
+            <a:graphicFrameLocks noGrp="1"/>
+          </p:cNvGraphicFramePr>
+          <p:nvPr>
+            <p:extLst>
+              <p:ext uri="{D42A27DB-BD31-4B8C-83A1-F6EECF244321}">
+                <p14:modId xmlns:p14="http://schemas.microsoft.com/office/powerpoint/2010/main" val="2281777324"/>
+              </p:ext>
+            </p:extLst>
+          </p:nvPr>
+        </p:nvGraphicFramePr>
+        <p:xfrm>
+          <a:off x="892950" y="3047463"/>
+          <a:ext cx="3962399" cy="853440"/>
+        </p:xfrm>
+        <a:graphic>
+          <a:graphicData uri="http://schemas.openxmlformats.org/drawingml/2006/table">
+            <a:tbl>
+              <a:tblPr firstRow="1" bandRow="1">
+                <a:tableStyleId>{2D5ABB26-0587-4C30-8999-92F81FD0307C}</a:tableStyleId>
+              </a:tblPr>
+              <a:tblGrid>
+                <a:gridCol w="1443701">
+                  <a:extLst>
+                    <a:ext uri="{9D8B030D-6E8A-4147-A177-3AD203B41FA5}">
+                      <a16:colId xmlns:a16="http://schemas.microsoft.com/office/drawing/2014/main" val="272710231"/>
+                    </a:ext>
+                  </a:extLst>
+                </a:gridCol>
+                <a:gridCol w="768992">
+                  <a:extLst>
+                    <a:ext uri="{9D8B030D-6E8A-4147-A177-3AD203B41FA5}">
+                      <a16:colId xmlns:a16="http://schemas.microsoft.com/office/drawing/2014/main" val="2830877423"/>
+                    </a:ext>
+                  </a:extLst>
+                </a:gridCol>
+                <a:gridCol w="874853">
+                  <a:extLst>
+                    <a:ext uri="{9D8B030D-6E8A-4147-A177-3AD203B41FA5}">
+                      <a16:colId xmlns:a16="http://schemas.microsoft.com/office/drawing/2014/main" val="558325230"/>
+                    </a:ext>
+                  </a:extLst>
+                </a:gridCol>
+                <a:gridCol w="874853">
+                  <a:extLst>
+                    <a:ext uri="{9D8B030D-6E8A-4147-A177-3AD203B41FA5}">
+                      <a16:colId xmlns:a16="http://schemas.microsoft.com/office/drawing/2014/main" val="1044799312"/>
+                    </a:ext>
+                  </a:extLst>
+                </a:gridCol>
+              </a:tblGrid>
+              <a:tr h="251762">
+                <a:tc>
+                  <a:txBody>
+                    <a:bodyPr/>
+                    <a:lstStyle/>
+                    <a:p>
+                      <a:pPr algn="ctr"/>
+                      <a:r>
+                        <a:rPr lang="fr-FR" sz="1100" b="1" dirty="0">
+                          <a:solidFill>
+                            <a:schemeClr val="tx1"/>
+                          </a:solidFill>
+                        </a:rPr>
+                        <a:t>En France</a:t>
+                      </a:r>
+                    </a:p>
+                  </a:txBody>
+                  <a:tcPr>
+                    <a:lnL w="3175" cap="flat" cmpd="sng" algn="ctr">
+                      <a:solidFill>
+                        <a:schemeClr val="tx1"/>
+                      </a:solidFill>
+                      <a:prstDash val="solid"/>
+                      <a:round/>
+                      <a:headEnd type="none" w="med" len="med"/>
+                      <a:tailEnd type="none" w="med" len="med"/>
+                    </a:lnL>
+                    <a:lnR w="3175" cap="flat" cmpd="sng" algn="ctr">
+                      <a:solidFill>
+                        <a:schemeClr val="tx1"/>
+                      </a:solidFill>
+                      <a:prstDash val="solid"/>
+                      <a:round/>
+                      <a:headEnd type="none" w="med" len="med"/>
+                      <a:tailEnd type="none" w="med" len="med"/>
+                    </a:lnR>
+                    <a:lnT w="3175" cap="flat" cmpd="sng" algn="ctr">
+                      <a:solidFill>
+                        <a:schemeClr val="tx1"/>
+                      </a:solidFill>
+                      <a:prstDash val="solid"/>
+                      <a:round/>
+                      <a:headEnd type="none" w="med" len="med"/>
+                      <a:tailEnd type="none" w="med" len="med"/>
+                    </a:lnT>
+                    <a:lnB w="3175" cap="flat" cmpd="sng" algn="ctr">
+                      <a:solidFill>
+                        <a:schemeClr val="tx1"/>
+                      </a:solidFill>
+                      <a:prstDash val="solid"/>
+                      <a:round/>
+                      <a:headEnd type="none" w="med" len="med"/>
+                      <a:tailEnd type="none" w="med" len="med"/>
+                    </a:lnB>
+                    <a:solidFill>
+                      <a:schemeClr val="bg1"/>
+                    </a:solidFill>
+                  </a:tcPr>
+                </a:tc>
+                <a:tc>
+                  <a:txBody>
+                    <a:bodyPr/>
+                    <a:lstStyle/>
+                    <a:p>
+                      <a:pPr algn="ctr"/>
+                      <a:r>
+                        <a:rPr lang="fr-FR" sz="1400" b="1" dirty="0">
+                          <a:solidFill>
+                            <a:srgbClr val="5B277D"/>
+                          </a:solidFill>
+                        </a:rPr>
+                        <a:t>2024</a:t>
+                      </a:r>
+                    </a:p>
+                  </a:txBody>
+                  <a:tcPr>
+                    <a:lnL w="3175" cap="flat" cmpd="sng" algn="ctr">
+                      <a:solidFill>
+                        <a:schemeClr val="tx1"/>
+                      </a:solidFill>
+                      <a:prstDash val="solid"/>
+                      <a:round/>
+                      <a:headEnd type="none" w="med" len="med"/>
+                      <a:tailEnd type="none" w="med" len="med"/>
+                    </a:lnL>
+                    <a:lnR w="3175" cap="flat" cmpd="sng" algn="ctr">
+                      <a:solidFill>
+                        <a:schemeClr val="tx1"/>
+                      </a:solidFill>
+                      <a:prstDash val="solid"/>
+                      <a:round/>
+                      <a:headEnd type="none" w="med" len="med"/>
+                      <a:tailEnd type="none" w="med" len="med"/>
+                    </a:lnR>
+                    <a:lnT w="3175" cap="flat" cmpd="sng" algn="ctr">
+                      <a:solidFill>
+                        <a:schemeClr val="tx1"/>
+                      </a:solidFill>
+                      <a:prstDash val="solid"/>
+                      <a:round/>
+                      <a:headEnd type="none" w="med" len="med"/>
+                      <a:tailEnd type="none" w="med" len="med"/>
+                    </a:lnT>
+                    <a:lnB w="3175" cap="flat" cmpd="sng" algn="ctr">
+                      <a:solidFill>
+                        <a:schemeClr val="tx1"/>
+                      </a:solidFill>
+                      <a:prstDash val="solid"/>
+                      <a:round/>
+                      <a:headEnd type="none" w="med" len="med"/>
+                      <a:tailEnd type="none" w="med" len="med"/>
+                    </a:lnB>
+                    <a:solidFill>
+                      <a:srgbClr val="FF960A"/>
+                    </a:solidFill>
+                  </a:tcPr>
+                </a:tc>
+                <a:tc>
+                  <a:txBody>
+                    <a:bodyPr/>
+                    <a:lstStyle/>
+                    <a:p>
+                      <a:pPr algn="ctr"/>
+                      <a:r>
+                        <a:rPr lang="fr-FR" sz="1400" b="1" dirty="0">
+                          <a:solidFill>
+                            <a:schemeClr val="bg1"/>
+                          </a:solidFill>
+                        </a:rPr>
+                        <a:t>2023</a:t>
+                      </a:r>
+                    </a:p>
+                  </a:txBody>
+                  <a:tcPr>
+                    <a:lnL w="3175" cap="flat" cmpd="sng" algn="ctr">
+                      <a:solidFill>
+                        <a:schemeClr val="tx1"/>
+                      </a:solidFill>
+                      <a:prstDash val="solid"/>
+                      <a:round/>
+                      <a:headEnd type="none" w="med" len="med"/>
+                      <a:tailEnd type="none" w="med" len="med"/>
+                    </a:lnL>
+                    <a:lnR w="3175" cap="flat" cmpd="sng" algn="ctr">
+                      <a:solidFill>
+                        <a:schemeClr val="tx1"/>
+                      </a:solidFill>
+                      <a:prstDash val="solid"/>
+                      <a:round/>
+                      <a:headEnd type="none" w="med" len="med"/>
+                      <a:tailEnd type="none" w="med" len="med"/>
+                    </a:lnR>
+                    <a:lnT w="3175" cap="flat" cmpd="sng" algn="ctr">
+                      <a:solidFill>
+                        <a:schemeClr val="tx1"/>
+                      </a:solidFill>
+                      <a:prstDash val="solid"/>
+                      <a:round/>
+                      <a:headEnd type="none" w="med" len="med"/>
+                      <a:tailEnd type="none" w="med" len="med"/>
+                    </a:lnT>
+                    <a:lnB w="3175" cap="flat" cmpd="sng" algn="ctr">
+                      <a:solidFill>
+                        <a:schemeClr val="tx1"/>
+                      </a:solidFill>
+                      <a:prstDash val="solid"/>
+                      <a:round/>
+                      <a:headEnd type="none" w="med" len="med"/>
+                      <a:tailEnd type="none" w="med" len="med"/>
+                    </a:lnB>
+                    <a:solidFill>
+                      <a:srgbClr val="FF960A"/>
+                    </a:solidFill>
+                  </a:tcPr>
+                </a:tc>
+                <a:tc>
+                  <a:txBody>
+                    <a:bodyPr/>
+                    <a:lstStyle/>
+                    <a:p>
+                      <a:pPr algn="ctr"/>
+                      <a:r>
+                        <a:rPr lang="fr-FR" sz="1400" b="1" dirty="0">
+                          <a:solidFill>
+                            <a:schemeClr val="bg1"/>
+                          </a:solidFill>
+                        </a:rPr>
+                        <a:t>CGE</a:t>
+                      </a:r>
+                    </a:p>
+                  </a:txBody>
+                  <a:tcPr>
+                    <a:lnL w="3175" cap="flat" cmpd="sng" algn="ctr">
+                      <a:solidFill>
+                        <a:schemeClr val="tx1"/>
+                      </a:solidFill>
+                      <a:prstDash val="solid"/>
+                      <a:round/>
+                      <a:headEnd type="none" w="med" len="med"/>
+                      <a:tailEnd type="none" w="med" len="med"/>
+                    </a:lnL>
+                    <a:lnR w="3175" cap="flat" cmpd="sng" algn="ctr">
+                      <a:solidFill>
+                        <a:schemeClr val="tx1"/>
+                      </a:solidFill>
+                      <a:prstDash val="solid"/>
+                      <a:round/>
+                      <a:headEnd type="none" w="med" len="med"/>
+                      <a:tailEnd type="none" w="med" len="med"/>
+                    </a:lnR>
+                    <a:lnT w="3175" cap="flat" cmpd="sng" algn="ctr">
+                      <a:solidFill>
+                        <a:schemeClr val="tx1"/>
+                      </a:solidFill>
+                      <a:prstDash val="solid"/>
+                      <a:round/>
+                      <a:headEnd type="none" w="med" len="med"/>
+                      <a:tailEnd type="none" w="med" len="med"/>
+                    </a:lnT>
+                    <a:lnB w="3175" cap="flat" cmpd="sng" algn="ctr">
+                      <a:solidFill>
+                        <a:schemeClr val="tx1"/>
+                      </a:solidFill>
+                      <a:prstDash val="solid"/>
+                      <a:round/>
+                      <a:headEnd type="none" w="med" len="med"/>
+                      <a:tailEnd type="none" w="med" len="med"/>
+                    </a:lnB>
+                    <a:solidFill>
+                      <a:srgbClr val="0A3250"/>
+                    </a:solidFill>
+                  </a:tcPr>
+                </a:tc>
+                <a:extLst>
+                  <a:ext uri="{0D108BD9-81ED-4DB2-BD59-A6C34878D82A}">
+                    <a16:rowId xmlns:a16="http://schemas.microsoft.com/office/drawing/2014/main" val="4101029960"/>
+                  </a:ext>
+                </a:extLst>
+              </a:tr>
+              <a:tr h="251762">
+                <a:tc>
+                  <a:txBody>
+                    <a:bodyPr/>
+                    <a:lstStyle/>
+                    <a:p>
+                      <a:pPr algn="ctr"/>
+                      <a:r>
+                        <a:rPr lang="fr-FR" sz="1050" dirty="0"/>
+                        <a:t>IDF</a:t>
+                      </a:r>
+                    </a:p>
+                  </a:txBody>
+                  <a:tcPr>
+                    <a:lnL w="3175" cap="flat" cmpd="sng" algn="ctr">
+                      <a:solidFill>
+                        <a:schemeClr val="tx1"/>
+                      </a:solidFill>
+                      <a:prstDash val="solid"/>
+                      <a:round/>
+                      <a:headEnd type="none" w="med" len="med"/>
+                      <a:tailEnd type="none" w="med" len="med"/>
+                    </a:lnL>
+                    <a:lnR w="3175" cap="flat" cmpd="sng" algn="ctr">
+                      <a:solidFill>
+                        <a:schemeClr val="tx1"/>
+                      </a:solidFill>
+                      <a:prstDash val="solid"/>
+                      <a:round/>
+                      <a:headEnd type="none" w="med" len="med"/>
+                      <a:tailEnd type="none" w="med" len="med"/>
+                    </a:lnR>
+                    <a:lnT w="3175" cap="flat" cmpd="sng" algn="ctr">
+                      <a:solidFill>
+                        <a:schemeClr val="tx1"/>
+                      </a:solidFill>
+                      <a:prstDash val="solid"/>
+                      <a:round/>
+                      <a:headEnd type="none" w="med" len="med"/>
+                      <a:tailEnd type="none" w="med" len="med"/>
+                    </a:lnT>
+                    <a:lnB w="3175" cap="flat" cmpd="sng" algn="ctr">
+                      <a:solidFill>
+                        <a:schemeClr val="tx1"/>
+                      </a:solidFill>
+                      <a:prstDash val="solid"/>
+                      <a:round/>
+                      <a:headEnd type="none" w="med" len="med"/>
+                      <a:tailEnd type="none" w="med" len="med"/>
+                    </a:lnB>
+                  </a:tcPr>
+                </a:tc>
+                <a:tc>
+                  <a:txBody>
+                    <a:bodyPr/>
+                    <a:lstStyle/>
+                    <a:p>
+                      <a:pPr algn="ctr"/>
+                      <a:r>
+                        <a:rPr lang="fr-FR" sz="1200" b="1" dirty="0">
+                          <a:solidFill>
+                            <a:srgbClr val="5B277D"/>
+                          </a:solidFill>
+                        </a:rPr>
+                        <a:t>57,1 %</a:t>
+                      </a:r>
+                    </a:p>
+                  </a:txBody>
+                  <a:tcPr>
+                    <a:lnL w="3175" cap="flat" cmpd="sng" algn="ctr">
+                      <a:solidFill>
+                        <a:schemeClr val="tx1"/>
+                      </a:solidFill>
+                      <a:prstDash val="solid"/>
+                      <a:round/>
+                      <a:headEnd type="none" w="med" len="med"/>
+                      <a:tailEnd type="none" w="med" len="med"/>
+                    </a:lnL>
+                    <a:lnR w="3175" cap="flat" cmpd="sng" algn="ctr">
+                      <a:solidFill>
+                        <a:schemeClr val="tx1"/>
+                      </a:solidFill>
+                      <a:prstDash val="solid"/>
+                      <a:round/>
+                      <a:headEnd type="none" w="med" len="med"/>
+                      <a:tailEnd type="none" w="med" len="med"/>
+                    </a:lnR>
+                    <a:lnT w="3175" cap="flat" cmpd="sng" algn="ctr">
+                      <a:solidFill>
+                        <a:schemeClr val="tx1"/>
+                      </a:solidFill>
+                      <a:prstDash val="solid"/>
+                      <a:round/>
+                      <a:headEnd type="none" w="med" len="med"/>
+                      <a:tailEnd type="none" w="med" len="med"/>
+                    </a:lnT>
+                    <a:lnB w="3175" cap="flat" cmpd="sng" algn="ctr">
+                      <a:solidFill>
+                        <a:schemeClr val="tx1"/>
+                      </a:solidFill>
+                      <a:prstDash val="solid"/>
+                      <a:round/>
+                      <a:headEnd type="none" w="med" len="med"/>
+                      <a:tailEnd type="none" w="med" len="med"/>
+                    </a:lnB>
+                  </a:tcPr>
+                </a:tc>
+                <a:tc>
+                  <a:txBody>
+                    <a:bodyPr/>
+                    <a:lstStyle/>
+                    <a:p>
+                      <a:pPr algn="ctr"/>
+                      <a:r>
+                        <a:rPr lang="fr-FR" sz="1200" b="1" dirty="0">
+                          <a:solidFill>
+                            <a:srgbClr val="7F7F7F"/>
+                          </a:solidFill>
+                        </a:rPr>
+                        <a:t>81,2 %</a:t>
+                      </a:r>
+                    </a:p>
+                  </a:txBody>
+                  <a:tcPr>
+                    <a:lnL w="3175" cap="flat" cmpd="sng" algn="ctr">
+                      <a:solidFill>
+                        <a:schemeClr val="tx1"/>
+                      </a:solidFill>
+                      <a:prstDash val="solid"/>
+                      <a:round/>
+                      <a:headEnd type="none" w="med" len="med"/>
+                      <a:tailEnd type="none" w="med" len="med"/>
+                    </a:lnL>
+                    <a:lnR w="3175" cap="flat" cmpd="sng" algn="ctr">
+                      <a:solidFill>
+                        <a:schemeClr val="tx1"/>
+                      </a:solidFill>
+                      <a:prstDash val="solid"/>
+                      <a:round/>
+                      <a:headEnd type="none" w="med" len="med"/>
+                      <a:tailEnd type="none" w="med" len="med"/>
+                    </a:lnR>
+                    <a:lnT w="3175" cap="flat" cmpd="sng" algn="ctr">
+                      <a:solidFill>
+                        <a:schemeClr val="tx1"/>
+                      </a:solidFill>
+                      <a:prstDash val="solid"/>
+                      <a:round/>
+                      <a:headEnd type="none" w="med" len="med"/>
+                      <a:tailEnd type="none" w="med" len="med"/>
+                    </a:lnT>
+                    <a:lnB w="3175" cap="flat" cmpd="sng" algn="ctr">
+                      <a:solidFill>
+                        <a:schemeClr val="tx1"/>
+                      </a:solidFill>
+                      <a:prstDash val="solid"/>
+                      <a:round/>
+                      <a:headEnd type="none" w="med" len="med"/>
+                      <a:tailEnd type="none" w="med" len="med"/>
+                    </a:lnB>
+                  </a:tcPr>
+                </a:tc>
+                <a:tc>
+                  <a:txBody>
+                    <a:bodyPr/>
+                    <a:lstStyle/>
+                    <a:p>
+                      <a:pPr algn="ctr"/>
+                      <a:r>
+                        <a:rPr lang="fr-FR" sz="1100" b="1" dirty="0">
+                          <a:solidFill>
+                            <a:srgbClr val="5B277D"/>
+                          </a:solidFill>
+                        </a:rPr>
+                        <a:t>38,7 %</a:t>
+                      </a:r>
+                    </a:p>
+                  </a:txBody>
+                  <a:tcPr>
+                    <a:lnL w="3175" cap="flat" cmpd="sng" algn="ctr">
+                      <a:solidFill>
+                        <a:schemeClr val="tx1"/>
+                      </a:solidFill>
+                      <a:prstDash val="solid"/>
+                      <a:round/>
+                      <a:headEnd type="none" w="med" len="med"/>
+                      <a:tailEnd type="none" w="med" len="med"/>
+                    </a:lnL>
+                    <a:lnR w="3175" cap="flat" cmpd="sng" algn="ctr">
+                      <a:solidFill>
+                        <a:schemeClr val="tx1"/>
+                      </a:solidFill>
+                      <a:prstDash val="solid"/>
+                      <a:round/>
+                      <a:headEnd type="none" w="med" len="med"/>
+                      <a:tailEnd type="none" w="med" len="med"/>
+                    </a:lnR>
+                    <a:lnT w="3175" cap="flat" cmpd="sng" algn="ctr">
+                      <a:solidFill>
+                        <a:schemeClr val="tx1"/>
+                      </a:solidFill>
+                      <a:prstDash val="solid"/>
+                      <a:round/>
+                      <a:headEnd type="none" w="med" len="med"/>
+                      <a:tailEnd type="none" w="med" len="med"/>
+                    </a:lnT>
+                    <a:lnB w="3175" cap="flat" cmpd="sng" algn="ctr">
+                      <a:solidFill>
+                        <a:schemeClr val="tx1"/>
+                      </a:solidFill>
+                      <a:prstDash val="solid"/>
+                      <a:round/>
+                      <a:headEnd type="none" w="med" len="med"/>
+                      <a:tailEnd type="none" w="med" len="med"/>
+                    </a:lnB>
+                  </a:tcPr>
+                </a:tc>
+                <a:extLst>
+                  <a:ext uri="{0D108BD9-81ED-4DB2-BD59-A6C34878D82A}">
+                    <a16:rowId xmlns:a16="http://schemas.microsoft.com/office/drawing/2014/main" val="2352397093"/>
+                  </a:ext>
+                </a:extLst>
+              </a:tr>
+              <a:tr h="251762">
+                <a:tc>
+                  <a:txBody>
+                    <a:bodyPr/>
+                    <a:lstStyle/>
+                    <a:p>
+                      <a:pPr algn="ctr"/>
+                      <a:r>
+                        <a:rPr lang="fr-FR" sz="1050" dirty="0"/>
+                        <a:t>Hors IDF</a:t>
+                      </a:r>
+                    </a:p>
+                  </a:txBody>
+                  <a:tcPr>
+                    <a:lnL w="3175" cap="flat" cmpd="sng" algn="ctr">
+                      <a:solidFill>
+                        <a:schemeClr val="tx1"/>
+                      </a:solidFill>
+                      <a:prstDash val="solid"/>
+                      <a:round/>
+                      <a:headEnd type="none" w="med" len="med"/>
+                      <a:tailEnd type="none" w="med" len="med"/>
+                    </a:lnL>
+                    <a:lnR w="3175" cap="flat" cmpd="sng" algn="ctr">
+                      <a:solidFill>
+                        <a:schemeClr val="tx1"/>
+                      </a:solidFill>
+                      <a:prstDash val="solid"/>
+                      <a:round/>
+                      <a:headEnd type="none" w="med" len="med"/>
+                      <a:tailEnd type="none" w="med" len="med"/>
+                    </a:lnR>
+                    <a:lnT w="3175" cap="flat" cmpd="sng" algn="ctr">
+                      <a:solidFill>
+                        <a:schemeClr val="tx1"/>
+                      </a:solidFill>
+                      <a:prstDash val="solid"/>
+                      <a:round/>
+                      <a:headEnd type="none" w="med" len="med"/>
+                      <a:tailEnd type="none" w="med" len="med"/>
+                    </a:lnT>
+                    <a:lnB w="3175" cap="flat" cmpd="sng" algn="ctr">
+                      <a:solidFill>
+                        <a:schemeClr val="tx1"/>
+                      </a:solidFill>
+                      <a:prstDash val="solid"/>
+                      <a:round/>
+                      <a:headEnd type="none" w="med" len="med"/>
+                      <a:tailEnd type="none" w="med" len="med"/>
+                    </a:lnB>
+                  </a:tcPr>
+                </a:tc>
+                <a:tc>
+                  <a:txBody>
+                    <a:bodyPr/>
+                    <a:lstStyle/>
+                    <a:p>
+                      <a:pPr algn="ctr"/>
+                      <a:r>
+                        <a:rPr lang="fr-FR" sz="1200" b="1" dirty="0">
+                          <a:solidFill>
+                            <a:srgbClr val="5B277D"/>
+                          </a:solidFill>
+                        </a:rPr>
+                        <a:t>42,9 %</a:t>
+                      </a:r>
+                    </a:p>
+                  </a:txBody>
+                  <a:tcPr>
+                    <a:lnL w="3175" cap="flat" cmpd="sng" algn="ctr">
+                      <a:solidFill>
+                        <a:schemeClr val="tx1"/>
+                      </a:solidFill>
+                      <a:prstDash val="solid"/>
+                      <a:round/>
+                      <a:headEnd type="none" w="med" len="med"/>
+                      <a:tailEnd type="none" w="med" len="med"/>
+                    </a:lnL>
+                    <a:lnR w="3175" cap="flat" cmpd="sng" algn="ctr">
+                      <a:solidFill>
+                        <a:schemeClr val="tx1"/>
+                      </a:solidFill>
+                      <a:prstDash val="solid"/>
+                      <a:round/>
+                      <a:headEnd type="none" w="med" len="med"/>
+                      <a:tailEnd type="none" w="med" len="med"/>
+                    </a:lnR>
+                    <a:lnT w="3175" cap="flat" cmpd="sng" algn="ctr">
+                      <a:solidFill>
+                        <a:schemeClr val="tx1"/>
+                      </a:solidFill>
+                      <a:prstDash val="solid"/>
+                      <a:round/>
+                      <a:headEnd type="none" w="med" len="med"/>
+                      <a:tailEnd type="none" w="med" len="med"/>
+                    </a:lnT>
+                    <a:lnB w="3175" cap="flat" cmpd="sng" algn="ctr">
+                      <a:solidFill>
+                        <a:schemeClr val="tx1"/>
+                      </a:solidFill>
+                      <a:prstDash val="solid"/>
+                      <a:round/>
+                      <a:headEnd type="none" w="med" len="med"/>
+                      <a:tailEnd type="none" w="med" len="med"/>
+                    </a:lnB>
+                  </a:tcPr>
+                </a:tc>
+                <a:tc>
+                  <a:txBody>
+                    <a:bodyPr/>
+                    <a:lstStyle/>
+                    <a:p>
+                      <a:pPr algn="ctr"/>
+                      <a:r>
+                        <a:rPr lang="fr-FR" sz="1200" b="1" dirty="0">
+                          <a:solidFill>
+                            <a:srgbClr val="7F7F7F"/>
+                          </a:solidFill>
+                        </a:rPr>
+                        <a:t>18,8 %</a:t>
+                      </a:r>
+                    </a:p>
+                  </a:txBody>
+                  <a:tcPr>
+                    <a:lnL w="3175" cap="flat" cmpd="sng" algn="ctr">
+                      <a:solidFill>
+                        <a:schemeClr val="tx1"/>
+                      </a:solidFill>
+                      <a:prstDash val="solid"/>
+                      <a:round/>
+                      <a:headEnd type="none" w="med" len="med"/>
+                      <a:tailEnd type="none" w="med" len="med"/>
+                    </a:lnL>
+                    <a:lnR w="3175" cap="flat" cmpd="sng" algn="ctr">
+                      <a:solidFill>
+                        <a:schemeClr val="tx1"/>
+                      </a:solidFill>
+                      <a:prstDash val="solid"/>
+                      <a:round/>
+                      <a:headEnd type="none" w="med" len="med"/>
+                      <a:tailEnd type="none" w="med" len="med"/>
+                    </a:lnR>
+                    <a:lnT w="3175" cap="flat" cmpd="sng" algn="ctr">
+                      <a:solidFill>
+                        <a:schemeClr val="tx1"/>
+                      </a:solidFill>
+                      <a:prstDash val="solid"/>
+                      <a:round/>
+                      <a:headEnd type="none" w="med" len="med"/>
+                      <a:tailEnd type="none" w="med" len="med"/>
+                    </a:lnT>
+                    <a:lnB w="3175" cap="flat" cmpd="sng" algn="ctr">
+                      <a:solidFill>
+                        <a:schemeClr val="tx1"/>
+                      </a:solidFill>
+                      <a:prstDash val="solid"/>
+                      <a:round/>
+                      <a:headEnd type="none" w="med" len="med"/>
+                      <a:tailEnd type="none" w="med" len="med"/>
+                    </a:lnB>
+                  </a:tcPr>
+                </a:tc>
+                <a:tc>
+                  <a:txBody>
+                    <a:bodyPr/>
+                    <a:lstStyle/>
+                    <a:p>
+                      <a:pPr algn="ctr"/>
+                      <a:r>
+                        <a:rPr lang="fr-FR" sz="1100" b="1" dirty="0">
+                          <a:solidFill>
+                            <a:srgbClr val="5B277D"/>
+                          </a:solidFill>
+                        </a:rPr>
+                        <a:t>61,3 %</a:t>
+                      </a:r>
+                    </a:p>
+                  </a:txBody>
+                  <a:tcPr>
+                    <a:lnL w="3175" cap="flat" cmpd="sng" algn="ctr">
+                      <a:solidFill>
+                        <a:schemeClr val="tx1"/>
+                      </a:solidFill>
+                      <a:prstDash val="solid"/>
+                      <a:round/>
+                      <a:headEnd type="none" w="med" len="med"/>
+                      <a:tailEnd type="none" w="med" len="med"/>
+                    </a:lnL>
+                    <a:lnR w="3175" cap="flat" cmpd="sng" algn="ctr">
+                      <a:solidFill>
+                        <a:schemeClr val="tx1"/>
+                      </a:solidFill>
+                      <a:prstDash val="solid"/>
+                      <a:round/>
+                      <a:headEnd type="none" w="med" len="med"/>
+                      <a:tailEnd type="none" w="med" len="med"/>
+                    </a:lnR>
+                    <a:lnT w="3175" cap="flat" cmpd="sng" algn="ctr">
+                      <a:solidFill>
+                        <a:schemeClr val="tx1"/>
+                      </a:solidFill>
+                      <a:prstDash val="solid"/>
+                      <a:round/>
+                      <a:headEnd type="none" w="med" len="med"/>
+                      <a:tailEnd type="none" w="med" len="med"/>
+                    </a:lnT>
+                    <a:lnB w="3175" cap="flat" cmpd="sng" algn="ctr">
+                      <a:solidFill>
+                        <a:schemeClr val="tx1"/>
+                      </a:solidFill>
+                      <a:prstDash val="solid"/>
+                      <a:round/>
+                      <a:headEnd type="none" w="med" len="med"/>
+                      <a:tailEnd type="none" w="med" len="med"/>
+                    </a:lnB>
+                  </a:tcPr>
+                </a:tc>
+                <a:extLst>
+                  <a:ext uri="{0D108BD9-81ED-4DB2-BD59-A6C34878D82A}">
+                    <a16:rowId xmlns:a16="http://schemas.microsoft.com/office/drawing/2014/main" val="602023046"/>
+                  </a:ext>
+                </a:extLst>
+              </a:tr>
+            </a:tbl>
+          </a:graphicData>
+        </a:graphic>
+      </p:graphicFrame>
+    </p:spTree>
+    <p:extLst>
+      <p:ext uri="{BB962C8B-B14F-4D97-AF65-F5344CB8AC3E}">
+        <p14:creationId xmlns:p14="http://schemas.microsoft.com/office/powerpoint/2010/main" val="3866032425"/>
+      </p:ext>
+    </p:extLst>
+  </p:cSld>
+  <p:clrMapOvr>
+    <a:masterClrMapping/>
+  </p:clrMapOvr>
+</p:sld>
+</file>
+
+<file path=ppt/slides/slide7.xml><?xml version="1.0" encoding="utf-8"?>
+<p:sld xmlns:a="http://schemas.openxmlformats.org/drawingml/2006/main" xmlns:r="http://schemas.openxmlformats.org/officeDocument/2006/relationships" xmlns:p="http://schemas.openxmlformats.org/presentationml/2006/main">
+  <p:cSld>
+    <p:spTree>
+      <p:nvGrpSpPr>
+        <p:cNvPr id="1" name=""/>
+        <p:cNvGrpSpPr/>
+        <p:nvPr/>
+      </p:nvGrpSpPr>
+      <p:grpSpPr>
+        <a:xfrm>
+          <a:off x="0" y="0"/>
+          <a:ext cx="0" cy="0"/>
+          <a:chOff x="0" y="0"/>
+          <a:chExt cx="0" cy="0"/>
+        </a:xfrm>
+      </p:grpSpPr>
+      <p:sp>
+        <p:nvSpPr>
+          <p:cNvPr id="2" name="Titre 1">
+            <a:extLst>
+              <a:ext uri="{FF2B5EF4-FFF2-40B4-BE49-F238E27FC236}">
+                <a16:creationId xmlns:a16="http://schemas.microsoft.com/office/drawing/2014/main" id="{FAA161D5-927A-49ED-83AF-6D12A66FF712}"/>
+              </a:ext>
+            </a:extLst>
+          </p:cNvPr>
+          <p:cNvSpPr>
+            <a:spLocks noGrp="1"/>
+          </p:cNvSpPr>
+          <p:nvPr>
+            <p:ph type="title"/>
+          </p:nvPr>
+        </p:nvSpPr>
+        <p:spPr/>
+        <p:txBody>
+          <a:bodyPr/>
+          <a:lstStyle/>
+          <a:p>
+            <a:pPr>
+              <a:defRPr/>
+            </a:pPr>
+            <a:r>
+              <a:rPr lang="fr-FR" sz="2800" dirty="0"/>
+              <a:t>Enquête CGE / Vie professionnelle</a:t>
+            </a:r>
+          </a:p>
+        </p:txBody>
+      </p:sp>
+      <p:sp>
+        <p:nvSpPr>
+          <p:cNvPr id="6147" name="Espace réservé du contenu 2">
+            <a:extLst>
+              <a:ext uri="{FF2B5EF4-FFF2-40B4-BE49-F238E27FC236}">
+                <a16:creationId xmlns:a16="http://schemas.microsoft.com/office/drawing/2014/main" id="{458254A6-099B-4E75-907C-19CA1B94B253}"/>
+              </a:ext>
+            </a:extLst>
+          </p:cNvPr>
+          <p:cNvSpPr>
+            <a:spLocks noGrp="1" noChangeArrowheads="1"/>
+          </p:cNvSpPr>
+          <p:nvPr>
+            <p:ph idx="1"/>
+          </p:nvPr>
+        </p:nvSpPr>
+        <p:spPr>
+          <a:xfrm>
+            <a:off x="447674" y="1600200"/>
+            <a:ext cx="5700401" cy="430779"/>
+          </a:xfrm>
+        </p:spPr>
+        <p:txBody>
+          <a:bodyPr/>
+          <a:lstStyle/>
+          <a:p>
+            <a:r>
+              <a:rPr lang="fr-FR" altLang="fr-FR" sz="2000" b="1" dirty="0">
+                <a:solidFill>
+                  <a:srgbClr val="FF960A"/>
+                </a:solidFill>
+                <a:ea typeface="ＭＳ Ｐゴシック" panose="020B0600070205080204" pitchFamily="34" charset="-128"/>
+              </a:rPr>
               <a:t>Qui embauche nos jeunes diplômé.es ?</a:t>
             </a:r>
           </a:p>
@@ -25217,62 +27015,6 @@
           </a:extLst>
         </p:spPr>
       </p:pic>
-      <p:sp>
-        <p:nvSpPr>
-          <p:cNvPr id="7" name="ZoneTexte 6">
-            <a:extLst>
-              <a:ext uri="{FF2B5EF4-FFF2-40B4-BE49-F238E27FC236}">
-                <a16:creationId xmlns:a16="http://schemas.microsoft.com/office/drawing/2014/main" id="{36CCD2E2-ADF3-48C3-8405-93138D0E4601}"/>
-              </a:ext>
-            </a:extLst>
-          </p:cNvPr>
-          <p:cNvSpPr txBox="1"/>
-          <p:nvPr/>
-        </p:nvSpPr>
-        <p:spPr>
-          <a:xfrm rot="16200000">
-            <a:off x="-2330100" y="3437334"/>
-            <a:ext cx="4998749" cy="338554"/>
-          </a:xfrm>
-          <a:prstGeom prst="rect">
-            <a:avLst/>
-          </a:prstGeom>
-          <a:solidFill>
-            <a:schemeClr val="bg1">
-              <a:lumMod val="50000"/>
-            </a:schemeClr>
-          </a:solidFill>
-        </p:spPr>
-        <p:txBody>
-          <a:bodyPr wrap="square" rtlCol="0">
-            <a:spAutoFit/>
-          </a:bodyPr>
-          <a:lstStyle/>
-          <a:p>
-            <a:r>
-              <a:rPr lang="fr-FR" dirty="0">
-                <a:solidFill>
-                  <a:schemeClr val="bg1"/>
-                </a:solidFill>
-              </a:rPr>
-              <a:t>Institut d’Optique / Nos </a:t>
-            </a:r>
-            <a:r>
-              <a:rPr lang="fr-FR" dirty="0" err="1">
-                <a:solidFill>
-                  <a:schemeClr val="bg1"/>
-                </a:solidFill>
-              </a:rPr>
-              <a:t>diplomé.e.s</a:t>
-            </a:r>
-            <a:endParaRPr lang="fr-FR" dirty="0">
-              <a:solidFill>
-                <a:schemeClr val="bg1"/>
-              </a:solidFill>
-            </a:endParaRPr>
-          </a:p>
-        </p:txBody>
-      </p:sp>
       <p:sp>
         <p:nvSpPr>
           <p:cNvPr id="6" name="ZoneTexte 5">
@@ -26166,232 +27908,12 @@
           </a:p>
         </p:txBody>
       </p:sp>
-    </p:spTree>
-    <p:extLst>
-      <p:ext uri="{BB962C8B-B14F-4D97-AF65-F5344CB8AC3E}">
-        <p14:creationId xmlns:p14="http://schemas.microsoft.com/office/powerpoint/2010/main" val="1460814359"/>
-      </p:ext>
-    </p:extLst>
-  </p:cSld>
-  <p:clrMapOvr>
-    <a:masterClrMapping/>
-  </p:clrMapOvr>
-</p:sld>
-</file>
-
-<file path=ppt/slides/slide7.xml><?xml version="1.0" encoding="utf-8"?>
-<p:sld xmlns:a="http://schemas.openxmlformats.org/drawingml/2006/main" xmlns:r="http://schemas.openxmlformats.org/officeDocument/2006/relationships" xmlns:p="http://schemas.openxmlformats.org/presentationml/2006/main">
-  <p:cSld>
-    <p:spTree>
-      <p:nvGrpSpPr>
-        <p:cNvPr id="1" name=""/>
-        <p:cNvGrpSpPr/>
-        <p:nvPr/>
-      </p:nvGrpSpPr>
-      <p:grpSpPr>
-        <a:xfrm>
-          <a:off x="0" y="0"/>
-          <a:ext cx="0" cy="0"/>
-          <a:chOff x="0" y="0"/>
-          <a:chExt cx="0" cy="0"/>
-        </a:xfrm>
-      </p:grpSpPr>
       <p:sp>
         <p:nvSpPr>
-          <p:cNvPr id="2" name="Titre 1">
+          <p:cNvPr id="3" name="ZoneTexte 2">
             <a:extLst>
               <a:ext uri="{FF2B5EF4-FFF2-40B4-BE49-F238E27FC236}">
-                <a16:creationId xmlns:a16="http://schemas.microsoft.com/office/drawing/2014/main" id="{FAA161D5-927A-49ED-83AF-6D12A66FF712}"/>
-              </a:ext>
-            </a:extLst>
-          </p:cNvPr>
-          <p:cNvSpPr>
-            <a:spLocks noGrp="1"/>
-          </p:cNvSpPr>
-          <p:nvPr>
-            <p:ph type="title"/>
-          </p:nvPr>
-        </p:nvSpPr>
-        <p:spPr/>
-        <p:txBody>
-          <a:bodyPr/>
-          <a:lstStyle/>
-          <a:p>
-            <a:pPr>
-              <a:defRPr/>
-            </a:pPr>
-            <a:r>
-              <a:rPr lang="fr-FR" sz="2800" dirty="0"/>
-              <a:t>Enquête CGE / Vie professionnelle</a:t>
-            </a:r>
-          </a:p>
-        </p:txBody>
-      </p:sp>
-      <p:sp>
-        <p:nvSpPr>
-          <p:cNvPr id="6147" name="Espace réservé du contenu 2">
-            <a:extLst>
-              <a:ext uri="{FF2B5EF4-FFF2-40B4-BE49-F238E27FC236}">
-                <a16:creationId xmlns:a16="http://schemas.microsoft.com/office/drawing/2014/main" id="{458254A6-099B-4E75-907C-19CA1B94B253}"/>
-              </a:ext>
-            </a:extLst>
-          </p:cNvPr>
-          <p:cNvSpPr>
-            <a:spLocks noGrp="1" noChangeArrowheads="1"/>
-          </p:cNvSpPr>
-          <p:nvPr>
-            <p:ph idx="1"/>
-          </p:nvPr>
-        </p:nvSpPr>
-        <p:spPr>
-          <a:xfrm>
-            <a:off x="447674" y="1600200"/>
-            <a:ext cx="5700401" cy="430779"/>
-          </a:xfrm>
-        </p:spPr>
-        <p:txBody>
-          <a:bodyPr/>
-          <a:lstStyle/>
-          <a:p>
-            <a:r>
-              <a:rPr lang="fr-FR" altLang="fr-FR" sz="2000" b="1" dirty="0">
-                <a:solidFill>
-                  <a:srgbClr val="FF960A"/>
-                </a:solidFill>
-                <a:ea typeface="ＭＳ Ｐゴシック" panose="020B0600070205080204" pitchFamily="34" charset="-128"/>
-              </a:rPr>
-              <a:t>Où partent nos </a:t>
-            </a:r>
-            <a:r>
-              <a:rPr lang="fr-FR" altLang="fr-FR" sz="2000" b="1" dirty="0" err="1">
-                <a:solidFill>
-                  <a:srgbClr val="FF960A"/>
-                </a:solidFill>
-                <a:ea typeface="ＭＳ Ｐゴシック" panose="020B0600070205080204" pitchFamily="34" charset="-128"/>
-              </a:rPr>
-              <a:t>diplomé.e.s</a:t>
-            </a:r>
-            <a:r>
-              <a:rPr lang="fr-FR" altLang="fr-FR" sz="2000" b="1" dirty="0">
-                <a:solidFill>
-                  <a:srgbClr val="FF960A"/>
-                </a:solidFill>
-                <a:ea typeface="ＭＳ Ｐゴシック" panose="020B0600070205080204" pitchFamily="34" charset="-128"/>
-              </a:rPr>
-              <a:t> ?</a:t>
-            </a:r>
-          </a:p>
-        </p:txBody>
-      </p:sp>
-      <p:pic>
-        <p:nvPicPr>
-          <p:cNvPr id="6148" name="Picture 2" descr="upright=Article à illustrer Organisation">
-            <a:extLst>
-              <a:ext uri="{FF2B5EF4-FFF2-40B4-BE49-F238E27FC236}">
-                <a16:creationId xmlns:a16="http://schemas.microsoft.com/office/drawing/2014/main" id="{105BE698-E40C-4415-A9DF-F8680D1DF607}"/>
-              </a:ext>
-            </a:extLst>
-          </p:cNvPr>
-          <p:cNvPicPr>
-            <a:picLocks noChangeAspect="1" noChangeArrowheads="1"/>
-          </p:cNvPicPr>
-          <p:nvPr/>
-        </p:nvPicPr>
-        <p:blipFill>
-          <a:blip r:embed="rId2">
-            <a:extLst>
-              <a:ext uri="{28A0092B-C50C-407E-A947-70E740481C1C}">
-                <a14:useLocalDpi xmlns:a14="http://schemas.microsoft.com/office/drawing/2010/main" val="0"/>
-              </a:ext>
-            </a:extLst>
-          </a:blip>
-          <a:srcRect/>
-          <a:stretch>
-            <a:fillRect/>
-          </a:stretch>
-        </p:blipFill>
-        <p:spPr bwMode="auto">
-          <a:xfrm>
-            <a:off x="7766050" y="892175"/>
-            <a:ext cx="1157288" cy="384175"/>
-          </a:xfrm>
-          <a:prstGeom prst="rect">
-            <a:avLst/>
-          </a:prstGeom>
-          <a:noFill/>
-          <a:ln>
-            <a:noFill/>
-          </a:ln>
-          <a:extLst>
-            <a:ext uri="{909E8E84-426E-40DD-AFC4-6F175D3DCCD1}">
-              <a14:hiddenFill xmlns:a14="http://schemas.microsoft.com/office/drawing/2010/main">
-                <a:solidFill>
-                  <a:srgbClr val="FFFFFF"/>
-                </a:solidFill>
-              </a14:hiddenFill>
-            </a:ext>
-            <a:ext uri="{91240B29-F687-4F45-9708-019B960494DF}">
-              <a14:hiddenLine xmlns:a14="http://schemas.microsoft.com/office/drawing/2010/main" w="9525">
-                <a:solidFill>
-                  <a:srgbClr val="000000"/>
-                </a:solidFill>
-                <a:miter lim="800000"/>
-                <a:headEnd/>
-                <a:tailEnd/>
-              </a14:hiddenLine>
-            </a:ext>
-          </a:extLst>
-        </p:spPr>
-      </p:pic>
-      <p:sp>
-        <p:nvSpPr>
-          <p:cNvPr id="5" name="Rectangle 4">
-            <a:extLst>
-              <a:ext uri="{FF2B5EF4-FFF2-40B4-BE49-F238E27FC236}">
-                <a16:creationId xmlns:a16="http://schemas.microsoft.com/office/drawing/2014/main" id="{54866007-F601-4C83-A553-A260E2BF6420}"/>
-              </a:ext>
-            </a:extLst>
-          </p:cNvPr>
-          <p:cNvSpPr/>
-          <p:nvPr/>
-        </p:nvSpPr>
-        <p:spPr>
-          <a:xfrm>
-            <a:off x="2226080" y="745708"/>
-            <a:ext cx="4076757" cy="338554"/>
-          </a:xfrm>
-          <a:prstGeom prst="rect">
-            <a:avLst/>
-          </a:prstGeom>
-        </p:spPr>
-        <p:txBody>
-          <a:bodyPr wrap="none">
-            <a:spAutoFit/>
-          </a:bodyPr>
-          <a:lstStyle/>
-          <a:p>
-            <a:r>
-              <a:rPr lang="fr-FR" altLang="fr-FR" b="1" dirty="0">
-                <a:solidFill>
-                  <a:srgbClr val="0A3250"/>
-                </a:solidFill>
-              </a:rPr>
-              <a:t>En activité professionnelle (hors thèse) </a:t>
-            </a:r>
-            <a:endParaRPr lang="fr-FR" dirty="0">
-              <a:solidFill>
-                <a:srgbClr val="0A3250"/>
-              </a:solidFill>
-            </a:endParaRPr>
-          </a:p>
-        </p:txBody>
-      </p:sp>
-      <p:sp>
-        <p:nvSpPr>
-          <p:cNvPr id="15" name="ZoneTexte 14">
-            <a:extLst>
-              <a:ext uri="{FF2B5EF4-FFF2-40B4-BE49-F238E27FC236}">
-                <a16:creationId xmlns:a16="http://schemas.microsoft.com/office/drawing/2014/main" id="{8F5937D5-78AA-4535-B4F0-8DDB36CBFB18}"/>
+                <a16:creationId xmlns:a16="http://schemas.microsoft.com/office/drawing/2014/main" id="{5101981D-14B2-DC57-2403-56FE012F2951}"/>
               </a:ext>
             </a:extLst>
           </p:cNvPr>
@@ -26427,1508 +27949,10 @@
           </a:p>
         </p:txBody>
       </p:sp>
-      <p:graphicFrame>
-        <p:nvGraphicFramePr>
-          <p:cNvPr id="12" name="Tableau 7">
-            <a:extLst>
-              <a:ext uri="{FF2B5EF4-FFF2-40B4-BE49-F238E27FC236}">
-                <a16:creationId xmlns:a16="http://schemas.microsoft.com/office/drawing/2014/main" id="{DF48F8F7-65BE-8A07-53E3-B4A1ABABC812}"/>
-              </a:ext>
-            </a:extLst>
-          </p:cNvPr>
-          <p:cNvGraphicFramePr>
-            <a:graphicFrameLocks noGrp="1"/>
-          </p:cNvGraphicFramePr>
-          <p:nvPr>
-            <p:extLst>
-              <p:ext uri="{D42A27DB-BD31-4B8C-83A1-F6EECF244321}">
-                <p14:modId xmlns:p14="http://schemas.microsoft.com/office/powerpoint/2010/main" val="2486037238"/>
-              </p:ext>
-            </p:extLst>
-          </p:nvPr>
-        </p:nvGraphicFramePr>
-        <p:xfrm>
-          <a:off x="636638" y="2120197"/>
-          <a:ext cx="4218711" cy="853440"/>
-        </p:xfrm>
-        <a:graphic>
-          <a:graphicData uri="http://schemas.openxmlformats.org/drawingml/2006/table">
-            <a:tbl>
-              <a:tblPr firstRow="1" bandRow="1">
-                <a:tableStyleId>{2D5ABB26-0587-4C30-8999-92F81FD0307C}</a:tableStyleId>
-              </a:tblPr>
-              <a:tblGrid>
-                <a:gridCol w="1537088">
-                  <a:extLst>
-                    <a:ext uri="{9D8B030D-6E8A-4147-A177-3AD203B41FA5}">
-                      <a16:colId xmlns:a16="http://schemas.microsoft.com/office/drawing/2014/main" val="272710231"/>
-                    </a:ext>
-                  </a:extLst>
-                </a:gridCol>
-                <a:gridCol w="818735">
-                  <a:extLst>
-                    <a:ext uri="{9D8B030D-6E8A-4147-A177-3AD203B41FA5}">
-                      <a16:colId xmlns:a16="http://schemas.microsoft.com/office/drawing/2014/main" val="2830877423"/>
-                    </a:ext>
-                  </a:extLst>
-                </a:gridCol>
-                <a:gridCol w="931444">
-                  <a:extLst>
-                    <a:ext uri="{9D8B030D-6E8A-4147-A177-3AD203B41FA5}">
-                      <a16:colId xmlns:a16="http://schemas.microsoft.com/office/drawing/2014/main" val="558325230"/>
-                    </a:ext>
-                  </a:extLst>
-                </a:gridCol>
-                <a:gridCol w="931444">
-                  <a:extLst>
-                    <a:ext uri="{9D8B030D-6E8A-4147-A177-3AD203B41FA5}">
-                      <a16:colId xmlns:a16="http://schemas.microsoft.com/office/drawing/2014/main" val="1044799312"/>
-                    </a:ext>
-                  </a:extLst>
-                </a:gridCol>
-              </a:tblGrid>
-              <a:tr h="251762">
-                <a:tc>
-                  <a:txBody>
-                    <a:bodyPr/>
-                    <a:lstStyle/>
-                    <a:p>
-                      <a:pPr algn="ctr"/>
-                      <a:r>
-                        <a:rPr lang="fr-FR" sz="1100" b="1" dirty="0">
-                          <a:solidFill>
-                            <a:schemeClr val="tx1"/>
-                          </a:solidFill>
-                        </a:rPr>
-                        <a:t>Lieu emploi</a:t>
-                      </a:r>
-                    </a:p>
-                  </a:txBody>
-                  <a:tcPr>
-                    <a:lnL w="3175" cap="flat" cmpd="sng" algn="ctr">
-                      <a:solidFill>
-                        <a:schemeClr val="tx1"/>
-                      </a:solidFill>
-                      <a:prstDash val="solid"/>
-                      <a:round/>
-                      <a:headEnd type="none" w="med" len="med"/>
-                      <a:tailEnd type="none" w="med" len="med"/>
-                    </a:lnL>
-                    <a:lnR w="3175" cap="flat" cmpd="sng" algn="ctr">
-                      <a:solidFill>
-                        <a:schemeClr val="tx1"/>
-                      </a:solidFill>
-                      <a:prstDash val="solid"/>
-                      <a:round/>
-                      <a:headEnd type="none" w="med" len="med"/>
-                      <a:tailEnd type="none" w="med" len="med"/>
-                    </a:lnR>
-                    <a:lnT w="3175" cap="flat" cmpd="sng" algn="ctr">
-                      <a:solidFill>
-                        <a:schemeClr val="tx1"/>
-                      </a:solidFill>
-                      <a:prstDash val="solid"/>
-                      <a:round/>
-                      <a:headEnd type="none" w="med" len="med"/>
-                      <a:tailEnd type="none" w="med" len="med"/>
-                    </a:lnT>
-                    <a:lnB w="3175" cap="flat" cmpd="sng" algn="ctr">
-                      <a:solidFill>
-                        <a:schemeClr val="tx1"/>
-                      </a:solidFill>
-                      <a:prstDash val="solid"/>
-                      <a:round/>
-                      <a:headEnd type="none" w="med" len="med"/>
-                      <a:tailEnd type="none" w="med" len="med"/>
-                    </a:lnB>
-                    <a:solidFill>
-                      <a:schemeClr val="bg1"/>
-                    </a:solidFill>
-                  </a:tcPr>
-                </a:tc>
-                <a:tc>
-                  <a:txBody>
-                    <a:bodyPr/>
-                    <a:lstStyle/>
-                    <a:p>
-                      <a:pPr algn="ctr"/>
-                      <a:r>
-                        <a:rPr lang="fr-FR" sz="1400" b="1" dirty="0">
-                          <a:solidFill>
-                            <a:srgbClr val="5B277D"/>
-                          </a:solidFill>
-                        </a:rPr>
-                        <a:t>2024</a:t>
-                      </a:r>
-                    </a:p>
-                  </a:txBody>
-                  <a:tcPr>
-                    <a:lnL w="3175" cap="flat" cmpd="sng" algn="ctr">
-                      <a:solidFill>
-                        <a:schemeClr val="tx1"/>
-                      </a:solidFill>
-                      <a:prstDash val="solid"/>
-                      <a:round/>
-                      <a:headEnd type="none" w="med" len="med"/>
-                      <a:tailEnd type="none" w="med" len="med"/>
-                    </a:lnL>
-                    <a:lnR w="3175" cap="flat" cmpd="sng" algn="ctr">
-                      <a:solidFill>
-                        <a:schemeClr val="tx1"/>
-                      </a:solidFill>
-                      <a:prstDash val="solid"/>
-                      <a:round/>
-                      <a:headEnd type="none" w="med" len="med"/>
-                      <a:tailEnd type="none" w="med" len="med"/>
-                    </a:lnR>
-                    <a:lnT w="3175" cap="flat" cmpd="sng" algn="ctr">
-                      <a:solidFill>
-                        <a:schemeClr val="tx1"/>
-                      </a:solidFill>
-                      <a:prstDash val="solid"/>
-                      <a:round/>
-                      <a:headEnd type="none" w="med" len="med"/>
-                      <a:tailEnd type="none" w="med" len="med"/>
-                    </a:lnT>
-                    <a:lnB w="3175" cap="flat" cmpd="sng" algn="ctr">
-                      <a:solidFill>
-                        <a:schemeClr val="tx1"/>
-                      </a:solidFill>
-                      <a:prstDash val="solid"/>
-                      <a:round/>
-                      <a:headEnd type="none" w="med" len="med"/>
-                      <a:tailEnd type="none" w="med" len="med"/>
-                    </a:lnB>
-                    <a:solidFill>
-                      <a:srgbClr val="FF960A"/>
-                    </a:solidFill>
-                  </a:tcPr>
-                </a:tc>
-                <a:tc>
-                  <a:txBody>
-                    <a:bodyPr/>
-                    <a:lstStyle/>
-                    <a:p>
-                      <a:pPr algn="ctr"/>
-                      <a:r>
-                        <a:rPr lang="fr-FR" sz="1400" b="1" dirty="0">
-                          <a:solidFill>
-                            <a:schemeClr val="bg1"/>
-                          </a:solidFill>
-                        </a:rPr>
-                        <a:t>2023</a:t>
-                      </a:r>
-                    </a:p>
-                  </a:txBody>
-                  <a:tcPr>
-                    <a:lnL w="3175" cap="flat" cmpd="sng" algn="ctr">
-                      <a:solidFill>
-                        <a:schemeClr val="tx1"/>
-                      </a:solidFill>
-                      <a:prstDash val="solid"/>
-                      <a:round/>
-                      <a:headEnd type="none" w="med" len="med"/>
-                      <a:tailEnd type="none" w="med" len="med"/>
-                    </a:lnL>
-                    <a:lnR w="3175" cap="flat" cmpd="sng" algn="ctr">
-                      <a:solidFill>
-                        <a:schemeClr val="tx1"/>
-                      </a:solidFill>
-                      <a:prstDash val="solid"/>
-                      <a:round/>
-                      <a:headEnd type="none" w="med" len="med"/>
-                      <a:tailEnd type="none" w="med" len="med"/>
-                    </a:lnR>
-                    <a:lnT w="3175" cap="flat" cmpd="sng" algn="ctr">
-                      <a:solidFill>
-                        <a:schemeClr val="tx1"/>
-                      </a:solidFill>
-                      <a:prstDash val="solid"/>
-                      <a:round/>
-                      <a:headEnd type="none" w="med" len="med"/>
-                      <a:tailEnd type="none" w="med" len="med"/>
-                    </a:lnT>
-                    <a:lnB w="3175" cap="flat" cmpd="sng" algn="ctr">
-                      <a:solidFill>
-                        <a:schemeClr val="tx1"/>
-                      </a:solidFill>
-                      <a:prstDash val="solid"/>
-                      <a:round/>
-                      <a:headEnd type="none" w="med" len="med"/>
-                      <a:tailEnd type="none" w="med" len="med"/>
-                    </a:lnB>
-                    <a:solidFill>
-                      <a:srgbClr val="FF960A"/>
-                    </a:solidFill>
-                  </a:tcPr>
-                </a:tc>
-                <a:tc>
-                  <a:txBody>
-                    <a:bodyPr/>
-                    <a:lstStyle/>
-                    <a:p>
-                      <a:pPr algn="ctr"/>
-                      <a:r>
-                        <a:rPr lang="fr-FR" sz="1400" b="1" dirty="0">
-                          <a:solidFill>
-                            <a:schemeClr val="bg1"/>
-                          </a:solidFill>
-                        </a:rPr>
-                        <a:t>CGE</a:t>
-                      </a:r>
-                    </a:p>
-                  </a:txBody>
-                  <a:tcPr>
-                    <a:lnL w="3175" cap="flat" cmpd="sng" algn="ctr">
-                      <a:solidFill>
-                        <a:schemeClr val="tx1"/>
-                      </a:solidFill>
-                      <a:prstDash val="solid"/>
-                      <a:round/>
-                      <a:headEnd type="none" w="med" len="med"/>
-                      <a:tailEnd type="none" w="med" len="med"/>
-                    </a:lnL>
-                    <a:lnR w="3175" cap="flat" cmpd="sng" algn="ctr">
-                      <a:solidFill>
-                        <a:schemeClr val="tx1"/>
-                      </a:solidFill>
-                      <a:prstDash val="solid"/>
-                      <a:round/>
-                      <a:headEnd type="none" w="med" len="med"/>
-                      <a:tailEnd type="none" w="med" len="med"/>
-                    </a:lnR>
-                    <a:lnT w="3175" cap="flat" cmpd="sng" algn="ctr">
-                      <a:solidFill>
-                        <a:schemeClr val="tx1"/>
-                      </a:solidFill>
-                      <a:prstDash val="solid"/>
-                      <a:round/>
-                      <a:headEnd type="none" w="med" len="med"/>
-                      <a:tailEnd type="none" w="med" len="med"/>
-                    </a:lnT>
-                    <a:lnB w="3175" cap="flat" cmpd="sng" algn="ctr">
-                      <a:solidFill>
-                        <a:schemeClr val="tx1"/>
-                      </a:solidFill>
-                      <a:prstDash val="solid"/>
-                      <a:round/>
-                      <a:headEnd type="none" w="med" len="med"/>
-                      <a:tailEnd type="none" w="med" len="med"/>
-                    </a:lnB>
-                    <a:solidFill>
-                      <a:srgbClr val="0A3250"/>
-                    </a:solidFill>
-                  </a:tcPr>
-                </a:tc>
-                <a:extLst>
-                  <a:ext uri="{0D108BD9-81ED-4DB2-BD59-A6C34878D82A}">
-                    <a16:rowId xmlns:a16="http://schemas.microsoft.com/office/drawing/2014/main" val="4101029960"/>
-                  </a:ext>
-                </a:extLst>
-              </a:tr>
-              <a:tr h="251762">
-                <a:tc>
-                  <a:txBody>
-                    <a:bodyPr/>
-                    <a:lstStyle/>
-                    <a:p>
-                      <a:pPr algn="ctr"/>
-                      <a:r>
-                        <a:rPr lang="fr-FR" sz="1050" dirty="0"/>
-                        <a:t>Etranger</a:t>
-                      </a:r>
-                    </a:p>
-                  </a:txBody>
-                  <a:tcPr>
-                    <a:lnL w="3175" cap="flat" cmpd="sng" algn="ctr">
-                      <a:solidFill>
-                        <a:schemeClr val="tx1"/>
-                      </a:solidFill>
-                      <a:prstDash val="solid"/>
-                      <a:round/>
-                      <a:headEnd type="none" w="med" len="med"/>
-                      <a:tailEnd type="none" w="med" len="med"/>
-                    </a:lnL>
-                    <a:lnR w="3175" cap="flat" cmpd="sng" algn="ctr">
-                      <a:solidFill>
-                        <a:schemeClr val="tx1"/>
-                      </a:solidFill>
-                      <a:prstDash val="solid"/>
-                      <a:round/>
-                      <a:headEnd type="none" w="med" len="med"/>
-                      <a:tailEnd type="none" w="med" len="med"/>
-                    </a:lnR>
-                    <a:lnT w="3175" cap="flat" cmpd="sng" algn="ctr">
-                      <a:solidFill>
-                        <a:schemeClr val="tx1"/>
-                      </a:solidFill>
-                      <a:prstDash val="solid"/>
-                      <a:round/>
-                      <a:headEnd type="none" w="med" len="med"/>
-                      <a:tailEnd type="none" w="med" len="med"/>
-                    </a:lnT>
-                    <a:lnB w="3175" cap="flat" cmpd="sng" algn="ctr">
-                      <a:solidFill>
-                        <a:schemeClr val="tx1"/>
-                      </a:solidFill>
-                      <a:prstDash val="solid"/>
-                      <a:round/>
-                      <a:headEnd type="none" w="med" len="med"/>
-                      <a:tailEnd type="none" w="med" len="med"/>
-                    </a:lnB>
-                  </a:tcPr>
-                </a:tc>
-                <a:tc>
-                  <a:txBody>
-                    <a:bodyPr/>
-                    <a:lstStyle/>
-                    <a:p>
-                      <a:pPr algn="ctr"/>
-                      <a:r>
-                        <a:rPr lang="fr-FR" sz="1200" b="1" dirty="0">
-                          <a:solidFill>
-                            <a:srgbClr val="5B277D"/>
-                          </a:solidFill>
-                        </a:rPr>
-                        <a:t>12,5 %</a:t>
-                      </a:r>
-                    </a:p>
-                  </a:txBody>
-                  <a:tcPr>
-                    <a:lnL w="3175" cap="flat" cmpd="sng" algn="ctr">
-                      <a:solidFill>
-                        <a:schemeClr val="tx1"/>
-                      </a:solidFill>
-                      <a:prstDash val="solid"/>
-                      <a:round/>
-                      <a:headEnd type="none" w="med" len="med"/>
-                      <a:tailEnd type="none" w="med" len="med"/>
-                    </a:lnL>
-                    <a:lnR w="3175" cap="flat" cmpd="sng" algn="ctr">
-                      <a:solidFill>
-                        <a:schemeClr val="tx1"/>
-                      </a:solidFill>
-                      <a:prstDash val="solid"/>
-                      <a:round/>
-                      <a:headEnd type="none" w="med" len="med"/>
-                      <a:tailEnd type="none" w="med" len="med"/>
-                    </a:lnR>
-                    <a:lnT w="3175" cap="flat" cmpd="sng" algn="ctr">
-                      <a:solidFill>
-                        <a:schemeClr val="tx1"/>
-                      </a:solidFill>
-                      <a:prstDash val="solid"/>
-                      <a:round/>
-                      <a:headEnd type="none" w="med" len="med"/>
-                      <a:tailEnd type="none" w="med" len="med"/>
-                    </a:lnT>
-                    <a:lnB w="3175" cap="flat" cmpd="sng" algn="ctr">
-                      <a:solidFill>
-                        <a:schemeClr val="tx1"/>
-                      </a:solidFill>
-                      <a:prstDash val="solid"/>
-                      <a:round/>
-                      <a:headEnd type="none" w="med" len="med"/>
-                      <a:tailEnd type="none" w="med" len="med"/>
-                    </a:lnB>
-                  </a:tcPr>
-                </a:tc>
-                <a:tc>
-                  <a:txBody>
-                    <a:bodyPr/>
-                    <a:lstStyle/>
-                    <a:p>
-                      <a:pPr algn="ctr"/>
-                      <a:r>
-                        <a:rPr lang="fr-FR" sz="1200" b="1" dirty="0">
-                          <a:solidFill>
-                            <a:srgbClr val="7F7F7F"/>
-                          </a:solidFill>
-                        </a:rPr>
-                        <a:t>3,0 %</a:t>
-                      </a:r>
-                    </a:p>
-                  </a:txBody>
-                  <a:tcPr>
-                    <a:lnL w="3175" cap="flat" cmpd="sng" algn="ctr">
-                      <a:solidFill>
-                        <a:schemeClr val="tx1"/>
-                      </a:solidFill>
-                      <a:prstDash val="solid"/>
-                      <a:round/>
-                      <a:headEnd type="none" w="med" len="med"/>
-                      <a:tailEnd type="none" w="med" len="med"/>
-                    </a:lnL>
-                    <a:lnR w="3175" cap="flat" cmpd="sng" algn="ctr">
-                      <a:solidFill>
-                        <a:schemeClr val="tx1"/>
-                      </a:solidFill>
-                      <a:prstDash val="solid"/>
-                      <a:round/>
-                      <a:headEnd type="none" w="med" len="med"/>
-                      <a:tailEnd type="none" w="med" len="med"/>
-                    </a:lnR>
-                    <a:lnT w="3175" cap="flat" cmpd="sng" algn="ctr">
-                      <a:solidFill>
-                        <a:schemeClr val="tx1"/>
-                      </a:solidFill>
-                      <a:prstDash val="solid"/>
-                      <a:round/>
-                      <a:headEnd type="none" w="med" len="med"/>
-                      <a:tailEnd type="none" w="med" len="med"/>
-                    </a:lnT>
-                    <a:lnB w="3175" cap="flat" cmpd="sng" algn="ctr">
-                      <a:solidFill>
-                        <a:schemeClr val="tx1"/>
-                      </a:solidFill>
-                      <a:prstDash val="solid"/>
-                      <a:round/>
-                      <a:headEnd type="none" w="med" len="med"/>
-                      <a:tailEnd type="none" w="med" len="med"/>
-                    </a:lnB>
-                  </a:tcPr>
-                </a:tc>
-                <a:tc>
-                  <a:txBody>
-                    <a:bodyPr/>
-                    <a:lstStyle/>
-                    <a:p>
-                      <a:pPr algn="ctr"/>
-                      <a:r>
-                        <a:rPr lang="fr-FR" sz="1100" b="1" dirty="0">
-                          <a:solidFill>
-                            <a:srgbClr val="5B277D"/>
-                          </a:solidFill>
-                        </a:rPr>
-                        <a:t>9,0 %</a:t>
-                      </a:r>
-                    </a:p>
-                  </a:txBody>
-                  <a:tcPr>
-                    <a:lnL w="3175" cap="flat" cmpd="sng" algn="ctr">
-                      <a:solidFill>
-                        <a:schemeClr val="tx1"/>
-                      </a:solidFill>
-                      <a:prstDash val="solid"/>
-                      <a:round/>
-                      <a:headEnd type="none" w="med" len="med"/>
-                      <a:tailEnd type="none" w="med" len="med"/>
-                    </a:lnL>
-                    <a:lnR w="3175" cap="flat" cmpd="sng" algn="ctr">
-                      <a:solidFill>
-                        <a:schemeClr val="tx1"/>
-                      </a:solidFill>
-                      <a:prstDash val="solid"/>
-                      <a:round/>
-                      <a:headEnd type="none" w="med" len="med"/>
-                      <a:tailEnd type="none" w="med" len="med"/>
-                    </a:lnR>
-                    <a:lnT w="3175" cap="flat" cmpd="sng" algn="ctr">
-                      <a:solidFill>
-                        <a:schemeClr val="tx1"/>
-                      </a:solidFill>
-                      <a:prstDash val="solid"/>
-                      <a:round/>
-                      <a:headEnd type="none" w="med" len="med"/>
-                      <a:tailEnd type="none" w="med" len="med"/>
-                    </a:lnT>
-                    <a:lnB w="3175" cap="flat" cmpd="sng" algn="ctr">
-                      <a:solidFill>
-                        <a:schemeClr val="tx1"/>
-                      </a:solidFill>
-                      <a:prstDash val="solid"/>
-                      <a:round/>
-                      <a:headEnd type="none" w="med" len="med"/>
-                      <a:tailEnd type="none" w="med" len="med"/>
-                    </a:lnB>
-                  </a:tcPr>
-                </a:tc>
-                <a:extLst>
-                  <a:ext uri="{0D108BD9-81ED-4DB2-BD59-A6C34878D82A}">
-                    <a16:rowId xmlns:a16="http://schemas.microsoft.com/office/drawing/2014/main" val="2352397093"/>
-                  </a:ext>
-                </a:extLst>
-              </a:tr>
-              <a:tr h="251762">
-                <a:tc>
-                  <a:txBody>
-                    <a:bodyPr/>
-                    <a:lstStyle/>
-                    <a:p>
-                      <a:pPr algn="ctr"/>
-                      <a:r>
-                        <a:rPr lang="fr-FR" sz="1050" dirty="0"/>
-                        <a:t>France</a:t>
-                      </a:r>
-                    </a:p>
-                  </a:txBody>
-                  <a:tcPr>
-                    <a:lnL w="3175" cap="flat" cmpd="sng" algn="ctr">
-                      <a:solidFill>
-                        <a:schemeClr val="tx1"/>
-                      </a:solidFill>
-                      <a:prstDash val="solid"/>
-                      <a:round/>
-                      <a:headEnd type="none" w="med" len="med"/>
-                      <a:tailEnd type="none" w="med" len="med"/>
-                    </a:lnL>
-                    <a:lnR w="3175" cap="flat" cmpd="sng" algn="ctr">
-                      <a:solidFill>
-                        <a:schemeClr val="tx1"/>
-                      </a:solidFill>
-                      <a:prstDash val="solid"/>
-                      <a:round/>
-                      <a:headEnd type="none" w="med" len="med"/>
-                      <a:tailEnd type="none" w="med" len="med"/>
-                    </a:lnR>
-                    <a:lnT w="3175" cap="flat" cmpd="sng" algn="ctr">
-                      <a:solidFill>
-                        <a:schemeClr val="tx1"/>
-                      </a:solidFill>
-                      <a:prstDash val="solid"/>
-                      <a:round/>
-                      <a:headEnd type="none" w="med" len="med"/>
-                      <a:tailEnd type="none" w="med" len="med"/>
-                    </a:lnT>
-                    <a:lnB w="3175" cap="flat" cmpd="sng" algn="ctr">
-                      <a:solidFill>
-                        <a:schemeClr val="tx1"/>
-                      </a:solidFill>
-                      <a:prstDash val="solid"/>
-                      <a:round/>
-                      <a:headEnd type="none" w="med" len="med"/>
-                      <a:tailEnd type="none" w="med" len="med"/>
-                    </a:lnB>
-                  </a:tcPr>
-                </a:tc>
-                <a:tc>
-                  <a:txBody>
-                    <a:bodyPr/>
-                    <a:lstStyle/>
-                    <a:p>
-                      <a:pPr algn="ctr"/>
-                      <a:r>
-                        <a:rPr lang="fr-FR" sz="1200" b="1" dirty="0">
-                          <a:solidFill>
-                            <a:srgbClr val="5B277D"/>
-                          </a:solidFill>
-                        </a:rPr>
-                        <a:t>87,5 %</a:t>
-                      </a:r>
-                    </a:p>
-                  </a:txBody>
-                  <a:tcPr>
-                    <a:lnL w="3175" cap="flat" cmpd="sng" algn="ctr">
-                      <a:solidFill>
-                        <a:schemeClr val="tx1"/>
-                      </a:solidFill>
-                      <a:prstDash val="solid"/>
-                      <a:round/>
-                      <a:headEnd type="none" w="med" len="med"/>
-                      <a:tailEnd type="none" w="med" len="med"/>
-                    </a:lnL>
-                    <a:lnR w="3175" cap="flat" cmpd="sng" algn="ctr">
-                      <a:solidFill>
-                        <a:schemeClr val="tx1"/>
-                      </a:solidFill>
-                      <a:prstDash val="solid"/>
-                      <a:round/>
-                      <a:headEnd type="none" w="med" len="med"/>
-                      <a:tailEnd type="none" w="med" len="med"/>
-                    </a:lnR>
-                    <a:lnT w="3175" cap="flat" cmpd="sng" algn="ctr">
-                      <a:solidFill>
-                        <a:schemeClr val="tx1"/>
-                      </a:solidFill>
-                      <a:prstDash val="solid"/>
-                      <a:round/>
-                      <a:headEnd type="none" w="med" len="med"/>
-                      <a:tailEnd type="none" w="med" len="med"/>
-                    </a:lnT>
-                    <a:lnB w="3175" cap="flat" cmpd="sng" algn="ctr">
-                      <a:solidFill>
-                        <a:schemeClr val="tx1"/>
-                      </a:solidFill>
-                      <a:prstDash val="solid"/>
-                      <a:round/>
-                      <a:headEnd type="none" w="med" len="med"/>
-                      <a:tailEnd type="none" w="med" len="med"/>
-                    </a:lnB>
-                  </a:tcPr>
-                </a:tc>
-                <a:tc>
-                  <a:txBody>
-                    <a:bodyPr/>
-                    <a:lstStyle/>
-                    <a:p>
-                      <a:pPr algn="ctr"/>
-                      <a:r>
-                        <a:rPr lang="fr-FR" sz="1200" b="1" dirty="0">
-                          <a:solidFill>
-                            <a:srgbClr val="7F7F7F"/>
-                          </a:solidFill>
-                        </a:rPr>
-                        <a:t>97,0 %</a:t>
-                      </a:r>
-                    </a:p>
-                  </a:txBody>
-                  <a:tcPr>
-                    <a:lnL w="3175" cap="flat" cmpd="sng" algn="ctr">
-                      <a:solidFill>
-                        <a:schemeClr val="tx1"/>
-                      </a:solidFill>
-                      <a:prstDash val="solid"/>
-                      <a:round/>
-                      <a:headEnd type="none" w="med" len="med"/>
-                      <a:tailEnd type="none" w="med" len="med"/>
-                    </a:lnL>
-                    <a:lnR w="3175" cap="flat" cmpd="sng" algn="ctr">
-                      <a:solidFill>
-                        <a:schemeClr val="tx1"/>
-                      </a:solidFill>
-                      <a:prstDash val="solid"/>
-                      <a:round/>
-                      <a:headEnd type="none" w="med" len="med"/>
-                      <a:tailEnd type="none" w="med" len="med"/>
-                    </a:lnR>
-                    <a:lnT w="3175" cap="flat" cmpd="sng" algn="ctr">
-                      <a:solidFill>
-                        <a:schemeClr val="tx1"/>
-                      </a:solidFill>
-                      <a:prstDash val="solid"/>
-                      <a:round/>
-                      <a:headEnd type="none" w="med" len="med"/>
-                      <a:tailEnd type="none" w="med" len="med"/>
-                    </a:lnT>
-                    <a:lnB w="3175" cap="flat" cmpd="sng" algn="ctr">
-                      <a:solidFill>
-                        <a:schemeClr val="tx1"/>
-                      </a:solidFill>
-                      <a:prstDash val="solid"/>
-                      <a:round/>
-                      <a:headEnd type="none" w="med" len="med"/>
-                      <a:tailEnd type="none" w="med" len="med"/>
-                    </a:lnB>
-                  </a:tcPr>
-                </a:tc>
-                <a:tc>
-                  <a:txBody>
-                    <a:bodyPr/>
-                    <a:lstStyle/>
-                    <a:p>
-                      <a:pPr algn="ctr"/>
-                      <a:r>
-                        <a:rPr lang="fr-FR" sz="1100" b="1" dirty="0">
-                          <a:solidFill>
-                            <a:srgbClr val="5B277D"/>
-                          </a:solidFill>
-                        </a:rPr>
-                        <a:t>91,0 %</a:t>
-                      </a:r>
-                    </a:p>
-                  </a:txBody>
-                  <a:tcPr>
-                    <a:lnL w="3175" cap="flat" cmpd="sng" algn="ctr">
-                      <a:solidFill>
-                        <a:schemeClr val="tx1"/>
-                      </a:solidFill>
-                      <a:prstDash val="solid"/>
-                      <a:round/>
-                      <a:headEnd type="none" w="med" len="med"/>
-                      <a:tailEnd type="none" w="med" len="med"/>
-                    </a:lnL>
-                    <a:lnR w="3175" cap="flat" cmpd="sng" algn="ctr">
-                      <a:solidFill>
-                        <a:schemeClr val="tx1"/>
-                      </a:solidFill>
-                      <a:prstDash val="solid"/>
-                      <a:round/>
-                      <a:headEnd type="none" w="med" len="med"/>
-                      <a:tailEnd type="none" w="med" len="med"/>
-                    </a:lnR>
-                    <a:lnT w="3175" cap="flat" cmpd="sng" algn="ctr">
-                      <a:solidFill>
-                        <a:schemeClr val="tx1"/>
-                      </a:solidFill>
-                      <a:prstDash val="solid"/>
-                      <a:round/>
-                      <a:headEnd type="none" w="med" len="med"/>
-                      <a:tailEnd type="none" w="med" len="med"/>
-                    </a:lnT>
-                    <a:lnB w="3175" cap="flat" cmpd="sng" algn="ctr">
-                      <a:solidFill>
-                        <a:schemeClr val="tx1"/>
-                      </a:solidFill>
-                      <a:prstDash val="solid"/>
-                      <a:round/>
-                      <a:headEnd type="none" w="med" len="med"/>
-                      <a:tailEnd type="none" w="med" len="med"/>
-                    </a:lnB>
-                  </a:tcPr>
-                </a:tc>
-                <a:extLst>
-                  <a:ext uri="{0D108BD9-81ED-4DB2-BD59-A6C34878D82A}">
-                    <a16:rowId xmlns:a16="http://schemas.microsoft.com/office/drawing/2014/main" val="602023046"/>
-                  </a:ext>
-                </a:extLst>
-              </a:tr>
-            </a:tbl>
-          </a:graphicData>
-        </a:graphic>
-      </p:graphicFrame>
-      <p:graphicFrame>
-        <p:nvGraphicFramePr>
-          <p:cNvPr id="13" name="Tableau 7">
-            <a:extLst>
-              <a:ext uri="{FF2B5EF4-FFF2-40B4-BE49-F238E27FC236}">
-                <a16:creationId xmlns:a16="http://schemas.microsoft.com/office/drawing/2014/main" id="{F7332857-EBAA-8229-15BE-3EB436303EA4}"/>
-              </a:ext>
-            </a:extLst>
-          </p:cNvPr>
-          <p:cNvGraphicFramePr>
-            <a:graphicFrameLocks noGrp="1"/>
-          </p:cNvGraphicFramePr>
-          <p:nvPr>
-            <p:extLst>
-              <p:ext uri="{D42A27DB-BD31-4B8C-83A1-F6EECF244321}">
-                <p14:modId xmlns:p14="http://schemas.microsoft.com/office/powerpoint/2010/main" val="2281777324"/>
-              </p:ext>
-            </p:extLst>
-          </p:nvPr>
-        </p:nvGraphicFramePr>
-        <p:xfrm>
-          <a:off x="892950" y="3047463"/>
-          <a:ext cx="3962399" cy="853440"/>
-        </p:xfrm>
-        <a:graphic>
-          <a:graphicData uri="http://schemas.openxmlformats.org/drawingml/2006/table">
-            <a:tbl>
-              <a:tblPr firstRow="1" bandRow="1">
-                <a:tableStyleId>{2D5ABB26-0587-4C30-8999-92F81FD0307C}</a:tableStyleId>
-              </a:tblPr>
-              <a:tblGrid>
-                <a:gridCol w="1443701">
-                  <a:extLst>
-                    <a:ext uri="{9D8B030D-6E8A-4147-A177-3AD203B41FA5}">
-                      <a16:colId xmlns:a16="http://schemas.microsoft.com/office/drawing/2014/main" val="272710231"/>
-                    </a:ext>
-                  </a:extLst>
-                </a:gridCol>
-                <a:gridCol w="768992">
-                  <a:extLst>
-                    <a:ext uri="{9D8B030D-6E8A-4147-A177-3AD203B41FA5}">
-                      <a16:colId xmlns:a16="http://schemas.microsoft.com/office/drawing/2014/main" val="2830877423"/>
-                    </a:ext>
-                  </a:extLst>
-                </a:gridCol>
-                <a:gridCol w="874853">
-                  <a:extLst>
-                    <a:ext uri="{9D8B030D-6E8A-4147-A177-3AD203B41FA5}">
-                      <a16:colId xmlns:a16="http://schemas.microsoft.com/office/drawing/2014/main" val="558325230"/>
-                    </a:ext>
-                  </a:extLst>
-                </a:gridCol>
-                <a:gridCol w="874853">
-                  <a:extLst>
-                    <a:ext uri="{9D8B030D-6E8A-4147-A177-3AD203B41FA5}">
-                      <a16:colId xmlns:a16="http://schemas.microsoft.com/office/drawing/2014/main" val="1044799312"/>
-                    </a:ext>
-                  </a:extLst>
-                </a:gridCol>
-              </a:tblGrid>
-              <a:tr h="251762">
-                <a:tc>
-                  <a:txBody>
-                    <a:bodyPr/>
-                    <a:lstStyle/>
-                    <a:p>
-                      <a:pPr algn="ctr"/>
-                      <a:r>
-                        <a:rPr lang="fr-FR" sz="1100" b="1" dirty="0">
-                          <a:solidFill>
-                            <a:schemeClr val="tx1"/>
-                          </a:solidFill>
-                        </a:rPr>
-                        <a:t>En France</a:t>
-                      </a:r>
-                    </a:p>
-                  </a:txBody>
-                  <a:tcPr>
-                    <a:lnL w="3175" cap="flat" cmpd="sng" algn="ctr">
-                      <a:solidFill>
-                        <a:schemeClr val="tx1"/>
-                      </a:solidFill>
-                      <a:prstDash val="solid"/>
-                      <a:round/>
-                      <a:headEnd type="none" w="med" len="med"/>
-                      <a:tailEnd type="none" w="med" len="med"/>
-                    </a:lnL>
-                    <a:lnR w="3175" cap="flat" cmpd="sng" algn="ctr">
-                      <a:solidFill>
-                        <a:schemeClr val="tx1"/>
-                      </a:solidFill>
-                      <a:prstDash val="solid"/>
-                      <a:round/>
-                      <a:headEnd type="none" w="med" len="med"/>
-                      <a:tailEnd type="none" w="med" len="med"/>
-                    </a:lnR>
-                    <a:lnT w="3175" cap="flat" cmpd="sng" algn="ctr">
-                      <a:solidFill>
-                        <a:schemeClr val="tx1"/>
-                      </a:solidFill>
-                      <a:prstDash val="solid"/>
-                      <a:round/>
-                      <a:headEnd type="none" w="med" len="med"/>
-                      <a:tailEnd type="none" w="med" len="med"/>
-                    </a:lnT>
-                    <a:lnB w="3175" cap="flat" cmpd="sng" algn="ctr">
-                      <a:solidFill>
-                        <a:schemeClr val="tx1"/>
-                      </a:solidFill>
-                      <a:prstDash val="solid"/>
-                      <a:round/>
-                      <a:headEnd type="none" w="med" len="med"/>
-                      <a:tailEnd type="none" w="med" len="med"/>
-                    </a:lnB>
-                    <a:solidFill>
-                      <a:schemeClr val="bg1"/>
-                    </a:solidFill>
-                  </a:tcPr>
-                </a:tc>
-                <a:tc>
-                  <a:txBody>
-                    <a:bodyPr/>
-                    <a:lstStyle/>
-                    <a:p>
-                      <a:pPr algn="ctr"/>
-                      <a:r>
-                        <a:rPr lang="fr-FR" sz="1400" b="1" dirty="0">
-                          <a:solidFill>
-                            <a:srgbClr val="5B277D"/>
-                          </a:solidFill>
-                        </a:rPr>
-                        <a:t>2024</a:t>
-                      </a:r>
-                    </a:p>
-                  </a:txBody>
-                  <a:tcPr>
-                    <a:lnL w="3175" cap="flat" cmpd="sng" algn="ctr">
-                      <a:solidFill>
-                        <a:schemeClr val="tx1"/>
-                      </a:solidFill>
-                      <a:prstDash val="solid"/>
-                      <a:round/>
-                      <a:headEnd type="none" w="med" len="med"/>
-                      <a:tailEnd type="none" w="med" len="med"/>
-                    </a:lnL>
-                    <a:lnR w="3175" cap="flat" cmpd="sng" algn="ctr">
-                      <a:solidFill>
-                        <a:schemeClr val="tx1"/>
-                      </a:solidFill>
-                      <a:prstDash val="solid"/>
-                      <a:round/>
-                      <a:headEnd type="none" w="med" len="med"/>
-                      <a:tailEnd type="none" w="med" len="med"/>
-                    </a:lnR>
-                    <a:lnT w="3175" cap="flat" cmpd="sng" algn="ctr">
-                      <a:solidFill>
-                        <a:schemeClr val="tx1"/>
-                      </a:solidFill>
-                      <a:prstDash val="solid"/>
-                      <a:round/>
-                      <a:headEnd type="none" w="med" len="med"/>
-                      <a:tailEnd type="none" w="med" len="med"/>
-                    </a:lnT>
-                    <a:lnB w="3175" cap="flat" cmpd="sng" algn="ctr">
-                      <a:solidFill>
-                        <a:schemeClr val="tx1"/>
-                      </a:solidFill>
-                      <a:prstDash val="solid"/>
-                      <a:round/>
-                      <a:headEnd type="none" w="med" len="med"/>
-                      <a:tailEnd type="none" w="med" len="med"/>
-                    </a:lnB>
-                    <a:solidFill>
-                      <a:srgbClr val="FF960A"/>
-                    </a:solidFill>
-                  </a:tcPr>
-                </a:tc>
-                <a:tc>
-                  <a:txBody>
-                    <a:bodyPr/>
-                    <a:lstStyle/>
-                    <a:p>
-                      <a:pPr algn="ctr"/>
-                      <a:r>
-                        <a:rPr lang="fr-FR" sz="1400" b="1" dirty="0">
-                          <a:solidFill>
-                            <a:schemeClr val="bg1"/>
-                          </a:solidFill>
-                        </a:rPr>
-                        <a:t>2023</a:t>
-                      </a:r>
-                    </a:p>
-                  </a:txBody>
-                  <a:tcPr>
-                    <a:lnL w="3175" cap="flat" cmpd="sng" algn="ctr">
-                      <a:solidFill>
-                        <a:schemeClr val="tx1"/>
-                      </a:solidFill>
-                      <a:prstDash val="solid"/>
-                      <a:round/>
-                      <a:headEnd type="none" w="med" len="med"/>
-                      <a:tailEnd type="none" w="med" len="med"/>
-                    </a:lnL>
-                    <a:lnR w="3175" cap="flat" cmpd="sng" algn="ctr">
-                      <a:solidFill>
-                        <a:schemeClr val="tx1"/>
-                      </a:solidFill>
-                      <a:prstDash val="solid"/>
-                      <a:round/>
-                      <a:headEnd type="none" w="med" len="med"/>
-                      <a:tailEnd type="none" w="med" len="med"/>
-                    </a:lnR>
-                    <a:lnT w="3175" cap="flat" cmpd="sng" algn="ctr">
-                      <a:solidFill>
-                        <a:schemeClr val="tx1"/>
-                      </a:solidFill>
-                      <a:prstDash val="solid"/>
-                      <a:round/>
-                      <a:headEnd type="none" w="med" len="med"/>
-                      <a:tailEnd type="none" w="med" len="med"/>
-                    </a:lnT>
-                    <a:lnB w="3175" cap="flat" cmpd="sng" algn="ctr">
-                      <a:solidFill>
-                        <a:schemeClr val="tx1"/>
-                      </a:solidFill>
-                      <a:prstDash val="solid"/>
-                      <a:round/>
-                      <a:headEnd type="none" w="med" len="med"/>
-                      <a:tailEnd type="none" w="med" len="med"/>
-                    </a:lnB>
-                    <a:solidFill>
-                      <a:srgbClr val="FF960A"/>
-                    </a:solidFill>
-                  </a:tcPr>
-                </a:tc>
-                <a:tc>
-                  <a:txBody>
-                    <a:bodyPr/>
-                    <a:lstStyle/>
-                    <a:p>
-                      <a:pPr algn="ctr"/>
-                      <a:r>
-                        <a:rPr lang="fr-FR" sz="1400" b="1" dirty="0">
-                          <a:solidFill>
-                            <a:schemeClr val="bg1"/>
-                          </a:solidFill>
-                        </a:rPr>
-                        <a:t>CGE</a:t>
-                      </a:r>
-                    </a:p>
-                  </a:txBody>
-                  <a:tcPr>
-                    <a:lnL w="3175" cap="flat" cmpd="sng" algn="ctr">
-                      <a:solidFill>
-                        <a:schemeClr val="tx1"/>
-                      </a:solidFill>
-                      <a:prstDash val="solid"/>
-                      <a:round/>
-                      <a:headEnd type="none" w="med" len="med"/>
-                      <a:tailEnd type="none" w="med" len="med"/>
-                    </a:lnL>
-                    <a:lnR w="3175" cap="flat" cmpd="sng" algn="ctr">
-                      <a:solidFill>
-                        <a:schemeClr val="tx1"/>
-                      </a:solidFill>
-                      <a:prstDash val="solid"/>
-                      <a:round/>
-                      <a:headEnd type="none" w="med" len="med"/>
-                      <a:tailEnd type="none" w="med" len="med"/>
-                    </a:lnR>
-                    <a:lnT w="3175" cap="flat" cmpd="sng" algn="ctr">
-                      <a:solidFill>
-                        <a:schemeClr val="tx1"/>
-                      </a:solidFill>
-                      <a:prstDash val="solid"/>
-                      <a:round/>
-                      <a:headEnd type="none" w="med" len="med"/>
-                      <a:tailEnd type="none" w="med" len="med"/>
-                    </a:lnT>
-                    <a:lnB w="3175" cap="flat" cmpd="sng" algn="ctr">
-                      <a:solidFill>
-                        <a:schemeClr val="tx1"/>
-                      </a:solidFill>
-                      <a:prstDash val="solid"/>
-                      <a:round/>
-                      <a:headEnd type="none" w="med" len="med"/>
-                      <a:tailEnd type="none" w="med" len="med"/>
-                    </a:lnB>
-                    <a:solidFill>
-                      <a:srgbClr val="0A3250"/>
-                    </a:solidFill>
-                  </a:tcPr>
-                </a:tc>
-                <a:extLst>
-                  <a:ext uri="{0D108BD9-81ED-4DB2-BD59-A6C34878D82A}">
-                    <a16:rowId xmlns:a16="http://schemas.microsoft.com/office/drawing/2014/main" val="4101029960"/>
-                  </a:ext>
-                </a:extLst>
-              </a:tr>
-              <a:tr h="251762">
-                <a:tc>
-                  <a:txBody>
-                    <a:bodyPr/>
-                    <a:lstStyle/>
-                    <a:p>
-                      <a:pPr algn="ctr"/>
-                      <a:r>
-                        <a:rPr lang="fr-FR" sz="1050" dirty="0"/>
-                        <a:t>IDF</a:t>
-                      </a:r>
-                    </a:p>
-                  </a:txBody>
-                  <a:tcPr>
-                    <a:lnL w="3175" cap="flat" cmpd="sng" algn="ctr">
-                      <a:solidFill>
-                        <a:schemeClr val="tx1"/>
-                      </a:solidFill>
-                      <a:prstDash val="solid"/>
-                      <a:round/>
-                      <a:headEnd type="none" w="med" len="med"/>
-                      <a:tailEnd type="none" w="med" len="med"/>
-                    </a:lnL>
-                    <a:lnR w="3175" cap="flat" cmpd="sng" algn="ctr">
-                      <a:solidFill>
-                        <a:schemeClr val="tx1"/>
-                      </a:solidFill>
-                      <a:prstDash val="solid"/>
-                      <a:round/>
-                      <a:headEnd type="none" w="med" len="med"/>
-                      <a:tailEnd type="none" w="med" len="med"/>
-                    </a:lnR>
-                    <a:lnT w="3175" cap="flat" cmpd="sng" algn="ctr">
-                      <a:solidFill>
-                        <a:schemeClr val="tx1"/>
-                      </a:solidFill>
-                      <a:prstDash val="solid"/>
-                      <a:round/>
-                      <a:headEnd type="none" w="med" len="med"/>
-                      <a:tailEnd type="none" w="med" len="med"/>
-                    </a:lnT>
-                    <a:lnB w="3175" cap="flat" cmpd="sng" algn="ctr">
-                      <a:solidFill>
-                        <a:schemeClr val="tx1"/>
-                      </a:solidFill>
-                      <a:prstDash val="solid"/>
-                      <a:round/>
-                      <a:headEnd type="none" w="med" len="med"/>
-                      <a:tailEnd type="none" w="med" len="med"/>
-                    </a:lnB>
-                  </a:tcPr>
-                </a:tc>
-                <a:tc>
-                  <a:txBody>
-                    <a:bodyPr/>
-                    <a:lstStyle/>
-                    <a:p>
-                      <a:pPr algn="ctr"/>
-                      <a:r>
-                        <a:rPr lang="fr-FR" sz="1200" b="1" dirty="0">
-                          <a:solidFill>
-                            <a:srgbClr val="5B277D"/>
-                          </a:solidFill>
-                        </a:rPr>
-                        <a:t>57,1 %</a:t>
-                      </a:r>
-                    </a:p>
-                  </a:txBody>
-                  <a:tcPr>
-                    <a:lnL w="3175" cap="flat" cmpd="sng" algn="ctr">
-                      <a:solidFill>
-                        <a:schemeClr val="tx1"/>
-                      </a:solidFill>
-                      <a:prstDash val="solid"/>
-                      <a:round/>
-                      <a:headEnd type="none" w="med" len="med"/>
-                      <a:tailEnd type="none" w="med" len="med"/>
-                    </a:lnL>
-                    <a:lnR w="3175" cap="flat" cmpd="sng" algn="ctr">
-                      <a:solidFill>
-                        <a:schemeClr val="tx1"/>
-                      </a:solidFill>
-                      <a:prstDash val="solid"/>
-                      <a:round/>
-                      <a:headEnd type="none" w="med" len="med"/>
-                      <a:tailEnd type="none" w="med" len="med"/>
-                    </a:lnR>
-                    <a:lnT w="3175" cap="flat" cmpd="sng" algn="ctr">
-                      <a:solidFill>
-                        <a:schemeClr val="tx1"/>
-                      </a:solidFill>
-                      <a:prstDash val="solid"/>
-                      <a:round/>
-                      <a:headEnd type="none" w="med" len="med"/>
-                      <a:tailEnd type="none" w="med" len="med"/>
-                    </a:lnT>
-                    <a:lnB w="3175" cap="flat" cmpd="sng" algn="ctr">
-                      <a:solidFill>
-                        <a:schemeClr val="tx1"/>
-                      </a:solidFill>
-                      <a:prstDash val="solid"/>
-                      <a:round/>
-                      <a:headEnd type="none" w="med" len="med"/>
-                      <a:tailEnd type="none" w="med" len="med"/>
-                    </a:lnB>
-                  </a:tcPr>
-                </a:tc>
-                <a:tc>
-                  <a:txBody>
-                    <a:bodyPr/>
-                    <a:lstStyle/>
-                    <a:p>
-                      <a:pPr algn="ctr"/>
-                      <a:r>
-                        <a:rPr lang="fr-FR" sz="1200" b="1" dirty="0">
-                          <a:solidFill>
-                            <a:srgbClr val="7F7F7F"/>
-                          </a:solidFill>
-                        </a:rPr>
-                        <a:t>81,2 %</a:t>
-                      </a:r>
-                    </a:p>
-                  </a:txBody>
-                  <a:tcPr>
-                    <a:lnL w="3175" cap="flat" cmpd="sng" algn="ctr">
-                      <a:solidFill>
-                        <a:schemeClr val="tx1"/>
-                      </a:solidFill>
-                      <a:prstDash val="solid"/>
-                      <a:round/>
-                      <a:headEnd type="none" w="med" len="med"/>
-                      <a:tailEnd type="none" w="med" len="med"/>
-                    </a:lnL>
-                    <a:lnR w="3175" cap="flat" cmpd="sng" algn="ctr">
-                      <a:solidFill>
-                        <a:schemeClr val="tx1"/>
-                      </a:solidFill>
-                      <a:prstDash val="solid"/>
-                      <a:round/>
-                      <a:headEnd type="none" w="med" len="med"/>
-                      <a:tailEnd type="none" w="med" len="med"/>
-                    </a:lnR>
-                    <a:lnT w="3175" cap="flat" cmpd="sng" algn="ctr">
-                      <a:solidFill>
-                        <a:schemeClr val="tx1"/>
-                      </a:solidFill>
-                      <a:prstDash val="solid"/>
-                      <a:round/>
-                      <a:headEnd type="none" w="med" len="med"/>
-                      <a:tailEnd type="none" w="med" len="med"/>
-                    </a:lnT>
-                    <a:lnB w="3175" cap="flat" cmpd="sng" algn="ctr">
-                      <a:solidFill>
-                        <a:schemeClr val="tx1"/>
-                      </a:solidFill>
-                      <a:prstDash val="solid"/>
-                      <a:round/>
-                      <a:headEnd type="none" w="med" len="med"/>
-                      <a:tailEnd type="none" w="med" len="med"/>
-                    </a:lnB>
-                  </a:tcPr>
-                </a:tc>
-                <a:tc>
-                  <a:txBody>
-                    <a:bodyPr/>
-                    <a:lstStyle/>
-                    <a:p>
-                      <a:pPr algn="ctr"/>
-                      <a:r>
-                        <a:rPr lang="fr-FR" sz="1100" b="1" dirty="0">
-                          <a:solidFill>
-                            <a:srgbClr val="5B277D"/>
-                          </a:solidFill>
-                        </a:rPr>
-                        <a:t>38,7 %</a:t>
-                      </a:r>
-                    </a:p>
-                  </a:txBody>
-                  <a:tcPr>
-                    <a:lnL w="3175" cap="flat" cmpd="sng" algn="ctr">
-                      <a:solidFill>
-                        <a:schemeClr val="tx1"/>
-                      </a:solidFill>
-                      <a:prstDash val="solid"/>
-                      <a:round/>
-                      <a:headEnd type="none" w="med" len="med"/>
-                      <a:tailEnd type="none" w="med" len="med"/>
-                    </a:lnL>
-                    <a:lnR w="3175" cap="flat" cmpd="sng" algn="ctr">
-                      <a:solidFill>
-                        <a:schemeClr val="tx1"/>
-                      </a:solidFill>
-                      <a:prstDash val="solid"/>
-                      <a:round/>
-                      <a:headEnd type="none" w="med" len="med"/>
-                      <a:tailEnd type="none" w="med" len="med"/>
-                    </a:lnR>
-                    <a:lnT w="3175" cap="flat" cmpd="sng" algn="ctr">
-                      <a:solidFill>
-                        <a:schemeClr val="tx1"/>
-                      </a:solidFill>
-                      <a:prstDash val="solid"/>
-                      <a:round/>
-                      <a:headEnd type="none" w="med" len="med"/>
-                      <a:tailEnd type="none" w="med" len="med"/>
-                    </a:lnT>
-                    <a:lnB w="3175" cap="flat" cmpd="sng" algn="ctr">
-                      <a:solidFill>
-                        <a:schemeClr val="tx1"/>
-                      </a:solidFill>
-                      <a:prstDash val="solid"/>
-                      <a:round/>
-                      <a:headEnd type="none" w="med" len="med"/>
-                      <a:tailEnd type="none" w="med" len="med"/>
-                    </a:lnB>
-                  </a:tcPr>
-                </a:tc>
-                <a:extLst>
-                  <a:ext uri="{0D108BD9-81ED-4DB2-BD59-A6C34878D82A}">
-                    <a16:rowId xmlns:a16="http://schemas.microsoft.com/office/drawing/2014/main" val="2352397093"/>
-                  </a:ext>
-                </a:extLst>
-              </a:tr>
-              <a:tr h="251762">
-                <a:tc>
-                  <a:txBody>
-                    <a:bodyPr/>
-                    <a:lstStyle/>
-                    <a:p>
-                      <a:pPr algn="ctr"/>
-                      <a:r>
-                        <a:rPr lang="fr-FR" sz="1050" dirty="0"/>
-                        <a:t>Hors IDF</a:t>
-                      </a:r>
-                    </a:p>
-                  </a:txBody>
-                  <a:tcPr>
-                    <a:lnL w="3175" cap="flat" cmpd="sng" algn="ctr">
-                      <a:solidFill>
-                        <a:schemeClr val="tx1"/>
-                      </a:solidFill>
-                      <a:prstDash val="solid"/>
-                      <a:round/>
-                      <a:headEnd type="none" w="med" len="med"/>
-                      <a:tailEnd type="none" w="med" len="med"/>
-                    </a:lnL>
-                    <a:lnR w="3175" cap="flat" cmpd="sng" algn="ctr">
-                      <a:solidFill>
-                        <a:schemeClr val="tx1"/>
-                      </a:solidFill>
-                      <a:prstDash val="solid"/>
-                      <a:round/>
-                      <a:headEnd type="none" w="med" len="med"/>
-                      <a:tailEnd type="none" w="med" len="med"/>
-                    </a:lnR>
-                    <a:lnT w="3175" cap="flat" cmpd="sng" algn="ctr">
-                      <a:solidFill>
-                        <a:schemeClr val="tx1"/>
-                      </a:solidFill>
-                      <a:prstDash val="solid"/>
-                      <a:round/>
-                      <a:headEnd type="none" w="med" len="med"/>
-                      <a:tailEnd type="none" w="med" len="med"/>
-                    </a:lnT>
-                    <a:lnB w="3175" cap="flat" cmpd="sng" algn="ctr">
-                      <a:solidFill>
-                        <a:schemeClr val="tx1"/>
-                      </a:solidFill>
-                      <a:prstDash val="solid"/>
-                      <a:round/>
-                      <a:headEnd type="none" w="med" len="med"/>
-                      <a:tailEnd type="none" w="med" len="med"/>
-                    </a:lnB>
-                  </a:tcPr>
-                </a:tc>
-                <a:tc>
-                  <a:txBody>
-                    <a:bodyPr/>
-                    <a:lstStyle/>
-                    <a:p>
-                      <a:pPr algn="ctr"/>
-                      <a:r>
-                        <a:rPr lang="fr-FR" sz="1200" b="1" dirty="0">
-                          <a:solidFill>
-                            <a:srgbClr val="5B277D"/>
-                          </a:solidFill>
-                        </a:rPr>
-                        <a:t>42,9 %</a:t>
-                      </a:r>
-                    </a:p>
-                  </a:txBody>
-                  <a:tcPr>
-                    <a:lnL w="3175" cap="flat" cmpd="sng" algn="ctr">
-                      <a:solidFill>
-                        <a:schemeClr val="tx1"/>
-                      </a:solidFill>
-                      <a:prstDash val="solid"/>
-                      <a:round/>
-                      <a:headEnd type="none" w="med" len="med"/>
-                      <a:tailEnd type="none" w="med" len="med"/>
-                    </a:lnL>
-                    <a:lnR w="3175" cap="flat" cmpd="sng" algn="ctr">
-                      <a:solidFill>
-                        <a:schemeClr val="tx1"/>
-                      </a:solidFill>
-                      <a:prstDash val="solid"/>
-                      <a:round/>
-                      <a:headEnd type="none" w="med" len="med"/>
-                      <a:tailEnd type="none" w="med" len="med"/>
-                    </a:lnR>
-                    <a:lnT w="3175" cap="flat" cmpd="sng" algn="ctr">
-                      <a:solidFill>
-                        <a:schemeClr val="tx1"/>
-                      </a:solidFill>
-                      <a:prstDash val="solid"/>
-                      <a:round/>
-                      <a:headEnd type="none" w="med" len="med"/>
-                      <a:tailEnd type="none" w="med" len="med"/>
-                    </a:lnT>
-                    <a:lnB w="3175" cap="flat" cmpd="sng" algn="ctr">
-                      <a:solidFill>
-                        <a:schemeClr val="tx1"/>
-                      </a:solidFill>
-                      <a:prstDash val="solid"/>
-                      <a:round/>
-                      <a:headEnd type="none" w="med" len="med"/>
-                      <a:tailEnd type="none" w="med" len="med"/>
-                    </a:lnB>
-                  </a:tcPr>
-                </a:tc>
-                <a:tc>
-                  <a:txBody>
-                    <a:bodyPr/>
-                    <a:lstStyle/>
-                    <a:p>
-                      <a:pPr algn="ctr"/>
-                      <a:r>
-                        <a:rPr lang="fr-FR" sz="1200" b="1" dirty="0">
-                          <a:solidFill>
-                            <a:srgbClr val="7F7F7F"/>
-                          </a:solidFill>
-                        </a:rPr>
-                        <a:t>18,8 %</a:t>
-                      </a:r>
-                    </a:p>
-                  </a:txBody>
-                  <a:tcPr>
-                    <a:lnL w="3175" cap="flat" cmpd="sng" algn="ctr">
-                      <a:solidFill>
-                        <a:schemeClr val="tx1"/>
-                      </a:solidFill>
-                      <a:prstDash val="solid"/>
-                      <a:round/>
-                      <a:headEnd type="none" w="med" len="med"/>
-                      <a:tailEnd type="none" w="med" len="med"/>
-                    </a:lnL>
-                    <a:lnR w="3175" cap="flat" cmpd="sng" algn="ctr">
-                      <a:solidFill>
-                        <a:schemeClr val="tx1"/>
-                      </a:solidFill>
-                      <a:prstDash val="solid"/>
-                      <a:round/>
-                      <a:headEnd type="none" w="med" len="med"/>
-                      <a:tailEnd type="none" w="med" len="med"/>
-                    </a:lnR>
-                    <a:lnT w="3175" cap="flat" cmpd="sng" algn="ctr">
-                      <a:solidFill>
-                        <a:schemeClr val="tx1"/>
-                      </a:solidFill>
-                      <a:prstDash val="solid"/>
-                      <a:round/>
-                      <a:headEnd type="none" w="med" len="med"/>
-                      <a:tailEnd type="none" w="med" len="med"/>
-                    </a:lnT>
-                    <a:lnB w="3175" cap="flat" cmpd="sng" algn="ctr">
-                      <a:solidFill>
-                        <a:schemeClr val="tx1"/>
-                      </a:solidFill>
-                      <a:prstDash val="solid"/>
-                      <a:round/>
-                      <a:headEnd type="none" w="med" len="med"/>
-                      <a:tailEnd type="none" w="med" len="med"/>
-                    </a:lnB>
-                  </a:tcPr>
-                </a:tc>
-                <a:tc>
-                  <a:txBody>
-                    <a:bodyPr/>
-                    <a:lstStyle/>
-                    <a:p>
-                      <a:pPr algn="ctr"/>
-                      <a:r>
-                        <a:rPr lang="fr-FR" sz="1100" b="1" dirty="0">
-                          <a:solidFill>
-                            <a:srgbClr val="5B277D"/>
-                          </a:solidFill>
-                        </a:rPr>
-                        <a:t>61,3 %</a:t>
-                      </a:r>
-                    </a:p>
-                  </a:txBody>
-                  <a:tcPr>
-                    <a:lnL w="3175" cap="flat" cmpd="sng" algn="ctr">
-                      <a:solidFill>
-                        <a:schemeClr val="tx1"/>
-                      </a:solidFill>
-                      <a:prstDash val="solid"/>
-                      <a:round/>
-                      <a:headEnd type="none" w="med" len="med"/>
-                      <a:tailEnd type="none" w="med" len="med"/>
-                    </a:lnL>
-                    <a:lnR w="3175" cap="flat" cmpd="sng" algn="ctr">
-                      <a:solidFill>
-                        <a:schemeClr val="tx1"/>
-                      </a:solidFill>
-                      <a:prstDash val="solid"/>
-                      <a:round/>
-                      <a:headEnd type="none" w="med" len="med"/>
-                      <a:tailEnd type="none" w="med" len="med"/>
-                    </a:lnR>
-                    <a:lnT w="3175" cap="flat" cmpd="sng" algn="ctr">
-                      <a:solidFill>
-                        <a:schemeClr val="tx1"/>
-                      </a:solidFill>
-                      <a:prstDash val="solid"/>
-                      <a:round/>
-                      <a:headEnd type="none" w="med" len="med"/>
-                      <a:tailEnd type="none" w="med" len="med"/>
-                    </a:lnT>
-                    <a:lnB w="3175" cap="flat" cmpd="sng" algn="ctr">
-                      <a:solidFill>
-                        <a:schemeClr val="tx1"/>
-                      </a:solidFill>
-                      <a:prstDash val="solid"/>
-                      <a:round/>
-                      <a:headEnd type="none" w="med" len="med"/>
-                      <a:tailEnd type="none" w="med" len="med"/>
-                    </a:lnB>
-                  </a:tcPr>
-                </a:tc>
-                <a:extLst>
-                  <a:ext uri="{0D108BD9-81ED-4DB2-BD59-A6C34878D82A}">
-                    <a16:rowId xmlns:a16="http://schemas.microsoft.com/office/drawing/2014/main" val="602023046"/>
-                  </a:ext>
-                </a:extLst>
-              </a:tr>
-            </a:tbl>
-          </a:graphicData>
-        </a:graphic>
-      </p:graphicFrame>
     </p:spTree>
     <p:extLst>
       <p:ext uri="{BB962C8B-B14F-4D97-AF65-F5344CB8AC3E}">
-        <p14:creationId xmlns:p14="http://schemas.microsoft.com/office/powerpoint/2010/main" val="3866032425"/>
+        <p14:creationId xmlns:p14="http://schemas.microsoft.com/office/powerpoint/2010/main" val="1460814359"/>
       </p:ext>
     </p:extLst>
   </p:cSld>
